--- a/Writeup/Presentation/Integrated Information Theory for Organisational Consciousness.pptx
+++ b/Writeup/Presentation/Integrated Information Theory for Organisational Consciousness.pptx
@@ -9,6 +9,10 @@
   <p:sldIdLst>
     <p:sldId id="270" r:id="rId4"/>
     <p:sldId id="271" r:id="rId5"/>
+    <p:sldId id="272" r:id="rId6"/>
+    <p:sldId id="273" r:id="rId7"/>
+    <p:sldId id="274" r:id="rId8"/>
+    <p:sldId id="275" r:id="rId9"/>
   </p:sldIdLst>
   <p:sldSz cx="9144000" cy="6858000" type="screen4x3"/>
   <p:notesSz cx="6858000" cy="9144000"/>
@@ -10930,7 +10934,7 @@
             </a:r>
             <a:r>
               <a:rPr lang="en-GB" sz="2400" dirty="0" err="1" smtClean="0"/>
-              <a:t>Berguisse</a:t>
+              <a:t>Beguerisse</a:t>
             </a:r>
             <a:r>
               <a:rPr lang="en-GB" sz="2400" dirty="0" smtClean="0"/>
@@ -11122,12 +11126,12 @@
       </p:grpSpPr>
       <p:sp>
         <p:nvSpPr>
-          <p:cNvPr id="2" name="Title 1"/>
-          <p:cNvSpPr>
-            <a:spLocks noGrp="1"/>
-          </p:cNvSpPr>
-          <p:nvPr>
-            <p:ph type="ctrTitle"/>
+          <p:cNvPr id="3" name="Subtitle 2"/>
+          <p:cNvSpPr>
+            <a:spLocks noGrp="1"/>
+          </p:cNvSpPr>
+          <p:nvPr>
+            <p:ph type="subTitle" idx="1"/>
           </p:nvPr>
         </p:nvSpPr>
         <p:spPr/>
@@ -11141,20 +11145,337 @@
       </p:sp>
       <p:sp>
         <p:nvSpPr>
-          <p:cNvPr id="3" name="Subtitle 2"/>
-          <p:cNvSpPr>
-            <a:spLocks noGrp="1"/>
-          </p:cNvSpPr>
-          <p:nvPr>
-            <p:ph type="subTitle" idx="1"/>
-          </p:nvPr>
-        </p:nvSpPr>
-        <p:spPr/>
-        <p:txBody>
-          <a:bodyPr/>
+          <p:cNvPr id="7" name="Oval 6"/>
+          <p:cNvSpPr/>
+          <p:nvPr/>
+        </p:nvSpPr>
+        <p:spPr>
+          <a:xfrm>
+            <a:off x="4211960" y="1124744"/>
+            <a:ext cx="1030652" cy="1008112"/>
+          </a:xfrm>
+          <a:prstGeom prst="ellipse">
+            <a:avLst/>
+          </a:prstGeom>
+          <a:solidFill>
+            <a:srgbClr val="FFC000"/>
+          </a:solidFill>
+          <a:ln>
+            <a:solidFill>
+              <a:schemeClr val="tx1"/>
+            </a:solidFill>
+          </a:ln>
+        </p:spPr>
+        <p:style>
+          <a:lnRef idx="2">
+            <a:schemeClr val="accent1">
+              <a:shade val="50000"/>
+            </a:schemeClr>
+          </a:lnRef>
+          <a:fillRef idx="1">
+            <a:schemeClr val="accent1"/>
+          </a:fillRef>
+          <a:effectRef idx="0">
+            <a:schemeClr val="accent1"/>
+          </a:effectRef>
+          <a:fontRef idx="minor">
+            <a:schemeClr val="lt1"/>
+          </a:fontRef>
+        </p:style>
+        <p:txBody>
+          <a:bodyPr rtlCol="0" anchor="ctr"/>
           <a:lstStyle/>
           <a:p>
-            <a:endParaRPr lang="en-GB"/>
+            <a:pPr algn="ctr"/>
+            <a:r>
+              <a:rPr lang="en-GB" sz="2800" dirty="0" smtClean="0">
+                <a:solidFill>
+                  <a:schemeClr val="tx1"/>
+                </a:solidFill>
+              </a:rPr>
+              <a:t>Or</a:t>
+            </a:r>
+            <a:endParaRPr lang="en-GB" sz="2800" dirty="0">
+              <a:solidFill>
+                <a:schemeClr val="tx1"/>
+              </a:solidFill>
+            </a:endParaRPr>
+          </a:p>
+        </p:txBody>
+      </p:sp>
+      <p:sp>
+        <p:nvSpPr>
+          <p:cNvPr id="8" name="Oval 7"/>
+          <p:cNvSpPr/>
+          <p:nvPr/>
+        </p:nvSpPr>
+        <p:spPr>
+          <a:xfrm>
+            <a:off x="5485564" y="2564904"/>
+            <a:ext cx="1030652" cy="1008112"/>
+          </a:xfrm>
+          <a:prstGeom prst="ellipse">
+            <a:avLst/>
+          </a:prstGeom>
+          <a:solidFill>
+            <a:schemeClr val="accent3">
+              <a:lumMod val="60000"/>
+              <a:lumOff val="40000"/>
+            </a:schemeClr>
+          </a:solidFill>
+          <a:ln>
+            <a:solidFill>
+              <a:schemeClr val="tx1"/>
+            </a:solidFill>
+          </a:ln>
+        </p:spPr>
+        <p:style>
+          <a:lnRef idx="2">
+            <a:schemeClr val="accent1">
+              <a:shade val="50000"/>
+            </a:schemeClr>
+          </a:lnRef>
+          <a:fillRef idx="1">
+            <a:schemeClr val="accent1"/>
+          </a:fillRef>
+          <a:effectRef idx="0">
+            <a:schemeClr val="accent1"/>
+          </a:effectRef>
+          <a:fontRef idx="minor">
+            <a:schemeClr val="lt1"/>
+          </a:fontRef>
+        </p:style>
+        <p:txBody>
+          <a:bodyPr rtlCol="0" anchor="ctr"/>
+          <a:lstStyle/>
+          <a:p>
+            <a:pPr algn="ctr"/>
+            <a:r>
+              <a:rPr lang="en-GB" sz="2800" dirty="0" err="1" smtClean="0">
+                <a:solidFill>
+                  <a:schemeClr val="tx1"/>
+                </a:solidFill>
+              </a:rPr>
+              <a:t>Xor</a:t>
+            </a:r>
+            <a:endParaRPr lang="en-GB" sz="2800" dirty="0">
+              <a:solidFill>
+                <a:schemeClr val="tx1"/>
+              </a:solidFill>
+            </a:endParaRPr>
+          </a:p>
+        </p:txBody>
+      </p:sp>
+      <p:sp>
+        <p:nvSpPr>
+          <p:cNvPr id="9" name="Oval 8"/>
+          <p:cNvSpPr/>
+          <p:nvPr/>
+        </p:nvSpPr>
+        <p:spPr>
+          <a:xfrm>
+            <a:off x="2915816" y="2564904"/>
+            <a:ext cx="1082692" cy="1008112"/>
+          </a:xfrm>
+          <a:prstGeom prst="ellipse">
+            <a:avLst/>
+          </a:prstGeom>
+          <a:solidFill>
+            <a:schemeClr val="accent3">
+              <a:lumMod val="60000"/>
+              <a:lumOff val="40000"/>
+            </a:schemeClr>
+          </a:solidFill>
+          <a:ln>
+            <a:solidFill>
+              <a:schemeClr val="tx1"/>
+            </a:solidFill>
+          </a:ln>
+        </p:spPr>
+        <p:style>
+          <a:lnRef idx="2">
+            <a:schemeClr val="accent1">
+              <a:shade val="50000"/>
+            </a:schemeClr>
+          </a:lnRef>
+          <a:fillRef idx="1">
+            <a:schemeClr val="accent1"/>
+          </a:fillRef>
+          <a:effectRef idx="0">
+            <a:schemeClr val="accent1"/>
+          </a:effectRef>
+          <a:fontRef idx="minor">
+            <a:schemeClr val="lt1"/>
+          </a:fontRef>
+        </p:style>
+        <p:txBody>
+          <a:bodyPr rtlCol="0" anchor="ctr"/>
+          <a:lstStyle/>
+          <a:p>
+            <a:pPr algn="ctr"/>
+            <a:r>
+              <a:rPr lang="en-GB" sz="2800" dirty="0" smtClean="0">
+                <a:solidFill>
+                  <a:schemeClr val="tx1"/>
+                </a:solidFill>
+              </a:rPr>
+              <a:t>And</a:t>
+            </a:r>
+            <a:endParaRPr lang="en-GB" sz="2800" dirty="0">
+              <a:solidFill>
+                <a:schemeClr val="tx1"/>
+              </a:solidFill>
+            </a:endParaRPr>
+          </a:p>
+        </p:txBody>
+      </p:sp>
+      <p:cxnSp>
+        <p:nvCxnSpPr>
+          <p:cNvPr id="12" name="Straight Arrow Connector 11"/>
+          <p:cNvCxnSpPr>
+            <a:stCxn id="7" idx="3"/>
+            <a:endCxn id="9" idx="7"/>
+          </p:cNvCxnSpPr>
+          <p:nvPr/>
+        </p:nvCxnSpPr>
+        <p:spPr>
+          <a:xfrm flipH="1">
+            <a:off x="3839951" y="1985221"/>
+            <a:ext cx="522944" cy="727318"/>
+          </a:xfrm>
+          <a:prstGeom prst="straightConnector1">
+            <a:avLst/>
+          </a:prstGeom>
+          <a:ln w="25400">
+            <a:solidFill>
+              <a:schemeClr val="tx1"/>
+            </a:solidFill>
+            <a:headEnd type="arrow"/>
+            <a:tailEnd type="arrow"/>
+          </a:ln>
+        </p:spPr>
+        <p:style>
+          <a:lnRef idx="1">
+            <a:schemeClr val="accent1"/>
+          </a:lnRef>
+          <a:fillRef idx="0">
+            <a:schemeClr val="accent1"/>
+          </a:fillRef>
+          <a:effectRef idx="0">
+            <a:schemeClr val="accent1"/>
+          </a:effectRef>
+          <a:fontRef idx="minor">
+            <a:schemeClr val="tx1"/>
+          </a:fontRef>
+        </p:style>
+      </p:cxnSp>
+      <p:cxnSp>
+        <p:nvCxnSpPr>
+          <p:cNvPr id="15" name="Straight Arrow Connector 14"/>
+          <p:cNvCxnSpPr>
+            <a:stCxn id="7" idx="5"/>
+            <a:endCxn id="8" idx="1"/>
+          </p:cNvCxnSpPr>
+          <p:nvPr/>
+        </p:nvCxnSpPr>
+        <p:spPr>
+          <a:xfrm>
+            <a:off x="5091677" y="1985221"/>
+            <a:ext cx="544822" cy="727318"/>
+          </a:xfrm>
+          <a:prstGeom prst="straightConnector1">
+            <a:avLst/>
+          </a:prstGeom>
+          <a:ln w="25400">
+            <a:solidFill>
+              <a:schemeClr val="tx1"/>
+            </a:solidFill>
+            <a:headEnd type="arrow"/>
+            <a:tailEnd type="arrow"/>
+          </a:ln>
+        </p:spPr>
+        <p:style>
+          <a:lnRef idx="1">
+            <a:schemeClr val="accent1"/>
+          </a:lnRef>
+          <a:fillRef idx="0">
+            <a:schemeClr val="accent1"/>
+          </a:fillRef>
+          <a:effectRef idx="0">
+            <a:schemeClr val="accent1"/>
+          </a:effectRef>
+          <a:fontRef idx="minor">
+            <a:schemeClr val="tx1"/>
+          </a:fontRef>
+        </p:style>
+      </p:cxnSp>
+      <p:cxnSp>
+        <p:nvCxnSpPr>
+          <p:cNvPr id="17" name="Straight Arrow Connector 16"/>
+          <p:cNvCxnSpPr>
+            <a:stCxn id="9" idx="6"/>
+            <a:endCxn id="8" idx="2"/>
+          </p:cNvCxnSpPr>
+          <p:nvPr/>
+        </p:nvCxnSpPr>
+        <p:spPr>
+          <a:xfrm>
+            <a:off x="3998508" y="3068960"/>
+            <a:ext cx="1487056" cy="0"/>
+          </a:xfrm>
+          <a:prstGeom prst="straightConnector1">
+            <a:avLst/>
+          </a:prstGeom>
+          <a:ln w="25400">
+            <a:solidFill>
+              <a:schemeClr val="tx1"/>
+            </a:solidFill>
+            <a:headEnd type="arrow"/>
+            <a:tailEnd type="arrow"/>
+          </a:ln>
+        </p:spPr>
+        <p:style>
+          <a:lnRef idx="1">
+            <a:schemeClr val="accent1"/>
+          </a:lnRef>
+          <a:fillRef idx="0">
+            <a:schemeClr val="accent1"/>
+          </a:fillRef>
+          <a:effectRef idx="0">
+            <a:schemeClr val="accent1"/>
+          </a:effectRef>
+          <a:fontRef idx="minor">
+            <a:schemeClr val="tx1"/>
+          </a:fontRef>
+        </p:style>
+      </p:cxnSp>
+      <p:sp>
+        <p:nvSpPr>
+          <p:cNvPr id="40" name="TextBox 39"/>
+          <p:cNvSpPr txBox="1"/>
+          <p:nvPr/>
+        </p:nvSpPr>
+        <p:spPr>
+          <a:xfrm>
+            <a:off x="827584" y="118373"/>
+            <a:ext cx="5688632" cy="646331"/>
+          </a:xfrm>
+          <a:prstGeom prst="rect">
+            <a:avLst/>
+          </a:prstGeom>
+          <a:noFill/>
+        </p:spPr>
+        <p:txBody>
+          <a:bodyPr wrap="square" rtlCol="0">
+            <a:spAutoFit/>
+          </a:bodyPr>
+          <a:lstStyle/>
+          <a:p>
+            <a:r>
+              <a:rPr lang="en-GB" sz="3600" dirty="0" smtClean="0"/>
+              <a:t>Mechanisms</a:t>
+            </a:r>
+            <a:endParaRPr lang="en-GB" sz="3600" dirty="0"/>
           </a:p>
         </p:txBody>
       </p:sp>
@@ -11162,6 +11483,5033 @@
     <p:extLst>
       <p:ext uri="{BB962C8B-B14F-4D97-AF65-F5344CB8AC3E}">
         <p14:creationId xmlns:p14="http://schemas.microsoft.com/office/powerpoint/2010/main" val="1439324492"/>
+      </p:ext>
+    </p:extLst>
+  </p:cSld>
+  <p:clrMapOvr>
+    <a:masterClrMapping/>
+  </p:clrMapOvr>
+  <p:timing>
+    <p:tnLst>
+      <p:par>
+        <p:cTn id="1" dur="indefinite" restart="never" nodeType="tmRoot"/>
+      </p:par>
+    </p:tnLst>
+  </p:timing>
+</p:sld>
+</file>
+
+<file path=ppt/slides/slide3.xml><?xml version="1.0" encoding="utf-8"?>
+<p:sld xmlns:a="http://schemas.openxmlformats.org/drawingml/2006/main" xmlns:r="http://schemas.openxmlformats.org/officeDocument/2006/relationships" xmlns:p="http://schemas.openxmlformats.org/presentationml/2006/main">
+  <p:cSld>
+    <p:spTree>
+      <p:nvGrpSpPr>
+        <p:cNvPr id="1" name=""/>
+        <p:cNvGrpSpPr/>
+        <p:nvPr/>
+      </p:nvGrpSpPr>
+      <p:grpSpPr>
+        <a:xfrm>
+          <a:off x="0" y="0"/>
+          <a:ext cx="0" cy="0"/>
+          <a:chOff x="0" y="0"/>
+          <a:chExt cx="0" cy="0"/>
+        </a:xfrm>
+      </p:grpSpPr>
+      <p:sp>
+        <p:nvSpPr>
+          <p:cNvPr id="2" name="TextBox 1"/>
+          <p:cNvSpPr txBox="1"/>
+          <p:nvPr/>
+        </p:nvSpPr>
+        <p:spPr>
+          <a:xfrm>
+            <a:off x="836320" y="98490"/>
+            <a:ext cx="5463872" cy="646331"/>
+          </a:xfrm>
+          <a:prstGeom prst="rect">
+            <a:avLst/>
+          </a:prstGeom>
+          <a:noFill/>
+        </p:spPr>
+        <p:txBody>
+          <a:bodyPr wrap="square" rtlCol="0">
+            <a:spAutoFit/>
+          </a:bodyPr>
+          <a:lstStyle/>
+          <a:p>
+            <a:r>
+              <a:rPr lang="en-GB" sz="3600" dirty="0" smtClean="0"/>
+              <a:t>Transition Probability Matrix</a:t>
+            </a:r>
+            <a:endParaRPr lang="en-GB" sz="3600" dirty="0"/>
+          </a:p>
+        </p:txBody>
+      </p:sp>
+      <p:graphicFrame>
+        <p:nvGraphicFramePr>
+          <p:cNvPr id="6" name="Table 5"/>
+          <p:cNvGraphicFramePr>
+            <a:graphicFrameLocks noGrp="1"/>
+          </p:cNvGraphicFramePr>
+          <p:nvPr>
+            <p:extLst>
+              <p:ext uri="{D42A27DB-BD31-4B8C-83A1-F6EECF244321}">
+                <p14:modId xmlns:p14="http://schemas.microsoft.com/office/powerpoint/2010/main" val="3955656380"/>
+              </p:ext>
+            </p:extLst>
+          </p:nvPr>
+        </p:nvGraphicFramePr>
+        <p:xfrm>
+          <a:off x="1547664" y="2348880"/>
+          <a:ext cx="6095997" cy="3337560"/>
+        </p:xfrm>
+        <a:graphic>
+          <a:graphicData uri="http://schemas.openxmlformats.org/drawingml/2006/table">
+            <a:tbl>
+              <a:tblPr firstRow="1" bandRow="1">
+                <a:tableStyleId>{5C22544A-7EE6-4342-B048-85BDC9FD1C3A}</a:tableStyleId>
+              </a:tblPr>
+              <a:tblGrid>
+                <a:gridCol w="677333"/>
+                <a:gridCol w="677333"/>
+                <a:gridCol w="677333"/>
+                <a:gridCol w="677333"/>
+                <a:gridCol w="677333"/>
+                <a:gridCol w="677333"/>
+                <a:gridCol w="677333"/>
+                <a:gridCol w="677333"/>
+                <a:gridCol w="677333"/>
+              </a:tblGrid>
+              <a:tr h="370840">
+                <a:tc>
+                  <a:txBody>
+                    <a:bodyPr/>
+                    <a:lstStyle/>
+                    <a:p>
+                      <a:r>
+                        <a:rPr lang="en-GB" dirty="0" smtClean="0"/>
+                        <a:t>State</a:t>
+                      </a:r>
+                      <a:endParaRPr lang="en-GB" dirty="0"/>
+                    </a:p>
+                  </a:txBody>
+                  <a:tcPr/>
+                </a:tc>
+                <a:tc>
+                  <a:txBody>
+                    <a:bodyPr/>
+                    <a:lstStyle/>
+                    <a:p>
+                      <a:r>
+                        <a:rPr lang="en-GB" dirty="0" smtClean="0"/>
+                        <a:t>000</a:t>
+                      </a:r>
+                      <a:endParaRPr lang="en-GB" dirty="0"/>
+                    </a:p>
+                  </a:txBody>
+                  <a:tcPr/>
+                </a:tc>
+                <a:tc>
+                  <a:txBody>
+                    <a:bodyPr/>
+                    <a:lstStyle/>
+                    <a:p>
+                      <a:r>
+                        <a:rPr lang="en-GB" dirty="0" smtClean="0"/>
+                        <a:t>100</a:t>
+                      </a:r>
+                      <a:endParaRPr lang="en-GB" dirty="0"/>
+                    </a:p>
+                  </a:txBody>
+                  <a:tcPr/>
+                </a:tc>
+                <a:tc>
+                  <a:txBody>
+                    <a:bodyPr/>
+                    <a:lstStyle/>
+                    <a:p>
+                      <a:r>
+                        <a:rPr lang="en-GB" dirty="0" smtClean="0"/>
+                        <a:t>010</a:t>
+                      </a:r>
+                      <a:endParaRPr lang="en-GB" dirty="0"/>
+                    </a:p>
+                  </a:txBody>
+                  <a:tcPr/>
+                </a:tc>
+                <a:tc>
+                  <a:txBody>
+                    <a:bodyPr/>
+                    <a:lstStyle/>
+                    <a:p>
+                      <a:r>
+                        <a:rPr lang="en-GB" dirty="0" smtClean="0"/>
+                        <a:t>110</a:t>
+                      </a:r>
+                      <a:endParaRPr lang="en-GB" dirty="0"/>
+                    </a:p>
+                  </a:txBody>
+                  <a:tcPr/>
+                </a:tc>
+                <a:tc>
+                  <a:txBody>
+                    <a:bodyPr/>
+                    <a:lstStyle/>
+                    <a:p>
+                      <a:r>
+                        <a:rPr lang="en-GB" dirty="0" smtClean="0"/>
+                        <a:t>001</a:t>
+                      </a:r>
+                      <a:endParaRPr lang="en-GB" dirty="0"/>
+                    </a:p>
+                  </a:txBody>
+                  <a:tcPr/>
+                </a:tc>
+                <a:tc>
+                  <a:txBody>
+                    <a:bodyPr/>
+                    <a:lstStyle/>
+                    <a:p>
+                      <a:r>
+                        <a:rPr lang="en-GB" dirty="0" smtClean="0"/>
+                        <a:t>101</a:t>
+                      </a:r>
+                      <a:endParaRPr lang="en-GB" dirty="0"/>
+                    </a:p>
+                  </a:txBody>
+                  <a:tcPr/>
+                </a:tc>
+                <a:tc>
+                  <a:txBody>
+                    <a:bodyPr/>
+                    <a:lstStyle/>
+                    <a:p>
+                      <a:r>
+                        <a:rPr lang="en-GB" dirty="0" smtClean="0"/>
+                        <a:t>011</a:t>
+                      </a:r>
+                      <a:endParaRPr lang="en-GB" dirty="0"/>
+                    </a:p>
+                  </a:txBody>
+                  <a:tcPr/>
+                </a:tc>
+                <a:tc>
+                  <a:txBody>
+                    <a:bodyPr/>
+                    <a:lstStyle/>
+                    <a:p>
+                      <a:r>
+                        <a:rPr lang="en-GB" dirty="0" smtClean="0"/>
+                        <a:t>111</a:t>
+                      </a:r>
+                      <a:endParaRPr lang="en-GB" dirty="0"/>
+                    </a:p>
+                  </a:txBody>
+                  <a:tcPr/>
+                </a:tc>
+              </a:tr>
+              <a:tr h="370840">
+                <a:tc>
+                  <a:txBody>
+                    <a:bodyPr/>
+                    <a:lstStyle/>
+                    <a:p>
+                      <a:r>
+                        <a:rPr lang="en-GB" b="1" dirty="0" smtClean="0">
+                          <a:solidFill>
+                            <a:schemeClr val="bg1"/>
+                          </a:solidFill>
+                        </a:rPr>
+                        <a:t>000</a:t>
+                      </a:r>
+                      <a:endParaRPr lang="en-GB" b="1" dirty="0">
+                        <a:solidFill>
+                          <a:schemeClr val="bg1"/>
+                        </a:solidFill>
+                      </a:endParaRPr>
+                    </a:p>
+                  </a:txBody>
+                  <a:tcPr>
+                    <a:solidFill>
+                      <a:schemeClr val="accent1"/>
+                    </a:solidFill>
+                  </a:tcPr>
+                </a:tc>
+                <a:tc>
+                  <a:txBody>
+                    <a:bodyPr/>
+                    <a:lstStyle/>
+                    <a:p>
+                      <a:r>
+                        <a:rPr lang="en-GB" dirty="0" smtClean="0"/>
+                        <a:t>1</a:t>
+                      </a:r>
+                    </a:p>
+                  </a:txBody>
+                  <a:tcPr/>
+                </a:tc>
+                <a:tc>
+                  <a:txBody>
+                    <a:bodyPr/>
+                    <a:lstStyle/>
+                    <a:p>
+                      <a:r>
+                        <a:rPr lang="en-GB" dirty="0" smtClean="0"/>
+                        <a:t>0</a:t>
+                      </a:r>
+                      <a:endParaRPr lang="en-GB" dirty="0"/>
+                    </a:p>
+                  </a:txBody>
+                  <a:tcPr/>
+                </a:tc>
+                <a:tc>
+                  <a:txBody>
+                    <a:bodyPr/>
+                    <a:lstStyle/>
+                    <a:p>
+                      <a:r>
+                        <a:rPr lang="en-GB" dirty="0" smtClean="0"/>
+                        <a:t>0</a:t>
+                      </a:r>
+                      <a:endParaRPr lang="en-GB" dirty="0"/>
+                    </a:p>
+                  </a:txBody>
+                  <a:tcPr/>
+                </a:tc>
+                <a:tc>
+                  <a:txBody>
+                    <a:bodyPr/>
+                    <a:lstStyle/>
+                    <a:p>
+                      <a:r>
+                        <a:rPr lang="en-GB" dirty="0" smtClean="0"/>
+                        <a:t>0</a:t>
+                      </a:r>
+                      <a:endParaRPr lang="en-GB" dirty="0"/>
+                    </a:p>
+                  </a:txBody>
+                  <a:tcPr/>
+                </a:tc>
+                <a:tc>
+                  <a:txBody>
+                    <a:bodyPr/>
+                    <a:lstStyle/>
+                    <a:p>
+                      <a:r>
+                        <a:rPr lang="en-GB" dirty="0" smtClean="0"/>
+                        <a:t>0</a:t>
+                      </a:r>
+                      <a:endParaRPr lang="en-GB" dirty="0"/>
+                    </a:p>
+                  </a:txBody>
+                  <a:tcPr/>
+                </a:tc>
+                <a:tc>
+                  <a:txBody>
+                    <a:bodyPr/>
+                    <a:lstStyle/>
+                    <a:p>
+                      <a:r>
+                        <a:rPr lang="en-GB" dirty="0" smtClean="0"/>
+                        <a:t>0</a:t>
+                      </a:r>
+                      <a:endParaRPr lang="en-GB" dirty="0"/>
+                    </a:p>
+                  </a:txBody>
+                  <a:tcPr/>
+                </a:tc>
+                <a:tc>
+                  <a:txBody>
+                    <a:bodyPr/>
+                    <a:lstStyle/>
+                    <a:p>
+                      <a:r>
+                        <a:rPr lang="en-GB" dirty="0" smtClean="0"/>
+                        <a:t>0</a:t>
+                      </a:r>
+                      <a:endParaRPr lang="en-GB" dirty="0"/>
+                    </a:p>
+                  </a:txBody>
+                  <a:tcPr/>
+                </a:tc>
+                <a:tc>
+                  <a:txBody>
+                    <a:bodyPr/>
+                    <a:lstStyle/>
+                    <a:p>
+                      <a:r>
+                        <a:rPr lang="en-GB" dirty="0" smtClean="0"/>
+                        <a:t>0</a:t>
+                      </a:r>
+                      <a:endParaRPr lang="en-GB" dirty="0"/>
+                    </a:p>
+                  </a:txBody>
+                  <a:tcPr/>
+                </a:tc>
+              </a:tr>
+              <a:tr h="370840">
+                <a:tc>
+                  <a:txBody>
+                    <a:bodyPr/>
+                    <a:lstStyle/>
+                    <a:p>
+                      <a:r>
+                        <a:rPr lang="en-GB" b="1" dirty="0" smtClean="0">
+                          <a:solidFill>
+                            <a:schemeClr val="bg1"/>
+                          </a:solidFill>
+                        </a:rPr>
+                        <a:t>100</a:t>
+                      </a:r>
+                      <a:endParaRPr lang="en-GB" b="1" dirty="0">
+                        <a:solidFill>
+                          <a:schemeClr val="bg1"/>
+                        </a:solidFill>
+                      </a:endParaRPr>
+                    </a:p>
+                  </a:txBody>
+                  <a:tcPr>
+                    <a:solidFill>
+                      <a:schemeClr val="accent1"/>
+                    </a:solidFill>
+                  </a:tcPr>
+                </a:tc>
+                <a:tc>
+                  <a:txBody>
+                    <a:bodyPr/>
+                    <a:lstStyle/>
+                    <a:p>
+                      <a:r>
+                        <a:rPr lang="en-GB" dirty="0" smtClean="0"/>
+                        <a:t>0</a:t>
+                      </a:r>
+                      <a:endParaRPr lang="en-GB" dirty="0"/>
+                    </a:p>
+                  </a:txBody>
+                  <a:tcPr/>
+                </a:tc>
+                <a:tc>
+                  <a:txBody>
+                    <a:bodyPr/>
+                    <a:lstStyle/>
+                    <a:p>
+                      <a:r>
+                        <a:rPr lang="en-GB" dirty="0" smtClean="0"/>
+                        <a:t>0</a:t>
+                      </a:r>
+                      <a:endParaRPr lang="en-GB" dirty="0"/>
+                    </a:p>
+                  </a:txBody>
+                  <a:tcPr/>
+                </a:tc>
+                <a:tc>
+                  <a:txBody>
+                    <a:bodyPr/>
+                    <a:lstStyle/>
+                    <a:p>
+                      <a:r>
+                        <a:rPr lang="en-GB" dirty="0" smtClean="0"/>
+                        <a:t>0</a:t>
+                      </a:r>
+                      <a:endParaRPr lang="en-GB" dirty="0"/>
+                    </a:p>
+                  </a:txBody>
+                  <a:tcPr/>
+                </a:tc>
+                <a:tc>
+                  <a:txBody>
+                    <a:bodyPr/>
+                    <a:lstStyle/>
+                    <a:p>
+                      <a:r>
+                        <a:rPr lang="en-GB" dirty="0" smtClean="0"/>
+                        <a:t>0</a:t>
+                      </a:r>
+                      <a:endParaRPr lang="en-GB" dirty="0"/>
+                    </a:p>
+                  </a:txBody>
+                  <a:tcPr/>
+                </a:tc>
+                <a:tc>
+                  <a:txBody>
+                    <a:bodyPr/>
+                    <a:lstStyle/>
+                    <a:p>
+                      <a:r>
+                        <a:rPr lang="en-GB" dirty="0" smtClean="0"/>
+                        <a:t>1</a:t>
+                      </a:r>
+                      <a:endParaRPr lang="en-GB" dirty="0"/>
+                    </a:p>
+                  </a:txBody>
+                  <a:tcPr/>
+                </a:tc>
+                <a:tc>
+                  <a:txBody>
+                    <a:bodyPr/>
+                    <a:lstStyle/>
+                    <a:p>
+                      <a:r>
+                        <a:rPr lang="en-GB" dirty="0" smtClean="0"/>
+                        <a:t>0</a:t>
+                      </a:r>
+                      <a:endParaRPr lang="en-GB" dirty="0"/>
+                    </a:p>
+                  </a:txBody>
+                  <a:tcPr/>
+                </a:tc>
+                <a:tc>
+                  <a:txBody>
+                    <a:bodyPr/>
+                    <a:lstStyle/>
+                    <a:p>
+                      <a:r>
+                        <a:rPr lang="en-GB" dirty="0" smtClean="0"/>
+                        <a:t>0</a:t>
+                      </a:r>
+                      <a:endParaRPr lang="en-GB" dirty="0"/>
+                    </a:p>
+                  </a:txBody>
+                  <a:tcPr/>
+                </a:tc>
+                <a:tc>
+                  <a:txBody>
+                    <a:bodyPr/>
+                    <a:lstStyle/>
+                    <a:p>
+                      <a:r>
+                        <a:rPr lang="en-GB" dirty="0" smtClean="0"/>
+                        <a:t>0</a:t>
+                      </a:r>
+                      <a:endParaRPr lang="en-GB" dirty="0"/>
+                    </a:p>
+                  </a:txBody>
+                  <a:tcPr/>
+                </a:tc>
+              </a:tr>
+              <a:tr h="370840">
+                <a:tc>
+                  <a:txBody>
+                    <a:bodyPr/>
+                    <a:lstStyle/>
+                    <a:p>
+                      <a:r>
+                        <a:rPr lang="en-GB" b="1" dirty="0" smtClean="0">
+                          <a:solidFill>
+                            <a:schemeClr val="bg1"/>
+                          </a:solidFill>
+                        </a:rPr>
+                        <a:t>010</a:t>
+                      </a:r>
+                      <a:endParaRPr lang="en-GB" b="1" dirty="0">
+                        <a:solidFill>
+                          <a:schemeClr val="bg1"/>
+                        </a:solidFill>
+                      </a:endParaRPr>
+                    </a:p>
+                  </a:txBody>
+                  <a:tcPr>
+                    <a:solidFill>
+                      <a:schemeClr val="accent1"/>
+                    </a:solidFill>
+                  </a:tcPr>
+                </a:tc>
+                <a:tc>
+                  <a:txBody>
+                    <a:bodyPr/>
+                    <a:lstStyle/>
+                    <a:p>
+                      <a:r>
+                        <a:rPr lang="en-GB" dirty="0" smtClean="0"/>
+                        <a:t>0</a:t>
+                      </a:r>
+                      <a:endParaRPr lang="en-GB" dirty="0"/>
+                    </a:p>
+                  </a:txBody>
+                  <a:tcPr/>
+                </a:tc>
+                <a:tc>
+                  <a:txBody>
+                    <a:bodyPr/>
+                    <a:lstStyle/>
+                    <a:p>
+                      <a:r>
+                        <a:rPr lang="en-GB" dirty="0" smtClean="0"/>
+                        <a:t>0</a:t>
+                      </a:r>
+                      <a:endParaRPr lang="en-GB" dirty="0"/>
+                    </a:p>
+                  </a:txBody>
+                  <a:tcPr/>
+                </a:tc>
+                <a:tc>
+                  <a:txBody>
+                    <a:bodyPr/>
+                    <a:lstStyle/>
+                    <a:p>
+                      <a:r>
+                        <a:rPr lang="en-GB" dirty="0" smtClean="0"/>
+                        <a:t>0</a:t>
+                      </a:r>
+                      <a:endParaRPr lang="en-GB" dirty="0"/>
+                    </a:p>
+                  </a:txBody>
+                  <a:tcPr/>
+                </a:tc>
+                <a:tc>
+                  <a:txBody>
+                    <a:bodyPr/>
+                    <a:lstStyle/>
+                    <a:p>
+                      <a:r>
+                        <a:rPr lang="en-GB" dirty="0" smtClean="0"/>
+                        <a:t>0</a:t>
+                      </a:r>
+                      <a:endParaRPr lang="en-GB" dirty="0"/>
+                    </a:p>
+                  </a:txBody>
+                  <a:tcPr/>
+                </a:tc>
+                <a:tc>
+                  <a:txBody>
+                    <a:bodyPr/>
+                    <a:lstStyle/>
+                    <a:p>
+                      <a:r>
+                        <a:rPr lang="en-GB" dirty="0" smtClean="0"/>
+                        <a:t>0</a:t>
+                      </a:r>
+                      <a:endParaRPr lang="en-GB" dirty="0"/>
+                    </a:p>
+                  </a:txBody>
+                  <a:tcPr/>
+                </a:tc>
+                <a:tc>
+                  <a:txBody>
+                    <a:bodyPr/>
+                    <a:lstStyle/>
+                    <a:p>
+                      <a:r>
+                        <a:rPr lang="en-GB" dirty="0" smtClean="0"/>
+                        <a:t>1</a:t>
+                      </a:r>
+                      <a:endParaRPr lang="en-GB" dirty="0"/>
+                    </a:p>
+                  </a:txBody>
+                  <a:tcPr/>
+                </a:tc>
+                <a:tc>
+                  <a:txBody>
+                    <a:bodyPr/>
+                    <a:lstStyle/>
+                    <a:p>
+                      <a:r>
+                        <a:rPr lang="en-GB" dirty="0" smtClean="0"/>
+                        <a:t>0</a:t>
+                      </a:r>
+                      <a:endParaRPr lang="en-GB" dirty="0"/>
+                    </a:p>
+                  </a:txBody>
+                  <a:tcPr/>
+                </a:tc>
+                <a:tc>
+                  <a:txBody>
+                    <a:bodyPr/>
+                    <a:lstStyle/>
+                    <a:p>
+                      <a:r>
+                        <a:rPr lang="en-GB" dirty="0" smtClean="0"/>
+                        <a:t>0</a:t>
+                      </a:r>
+                      <a:endParaRPr lang="en-GB" dirty="0"/>
+                    </a:p>
+                  </a:txBody>
+                  <a:tcPr/>
+                </a:tc>
+              </a:tr>
+              <a:tr h="370840">
+                <a:tc>
+                  <a:txBody>
+                    <a:bodyPr/>
+                    <a:lstStyle/>
+                    <a:p>
+                      <a:r>
+                        <a:rPr lang="en-GB" b="1" dirty="0" smtClean="0">
+                          <a:solidFill>
+                            <a:schemeClr val="bg1"/>
+                          </a:solidFill>
+                        </a:rPr>
+                        <a:t>110</a:t>
+                      </a:r>
+                      <a:endParaRPr lang="en-GB" b="1" dirty="0">
+                        <a:solidFill>
+                          <a:schemeClr val="bg1"/>
+                        </a:solidFill>
+                      </a:endParaRPr>
+                    </a:p>
+                  </a:txBody>
+                  <a:tcPr>
+                    <a:solidFill>
+                      <a:schemeClr val="accent1"/>
+                    </a:solidFill>
+                  </a:tcPr>
+                </a:tc>
+                <a:tc>
+                  <a:txBody>
+                    <a:bodyPr/>
+                    <a:lstStyle/>
+                    <a:p>
+                      <a:r>
+                        <a:rPr lang="en-GB" dirty="0" smtClean="0"/>
+                        <a:t>0</a:t>
+                      </a:r>
+                      <a:endParaRPr lang="en-GB" dirty="0"/>
+                    </a:p>
+                  </a:txBody>
+                  <a:tcPr/>
+                </a:tc>
+                <a:tc>
+                  <a:txBody>
+                    <a:bodyPr/>
+                    <a:lstStyle/>
+                    <a:p>
+                      <a:r>
+                        <a:rPr lang="en-GB" dirty="0" smtClean="0"/>
+                        <a:t>1</a:t>
+                      </a:r>
+                      <a:endParaRPr lang="en-GB" dirty="0"/>
+                    </a:p>
+                  </a:txBody>
+                  <a:tcPr/>
+                </a:tc>
+                <a:tc>
+                  <a:txBody>
+                    <a:bodyPr/>
+                    <a:lstStyle/>
+                    <a:p>
+                      <a:r>
+                        <a:rPr lang="en-GB" dirty="0" smtClean="0"/>
+                        <a:t>0</a:t>
+                      </a:r>
+                      <a:endParaRPr lang="en-GB" dirty="0"/>
+                    </a:p>
+                  </a:txBody>
+                  <a:tcPr/>
+                </a:tc>
+                <a:tc>
+                  <a:txBody>
+                    <a:bodyPr/>
+                    <a:lstStyle/>
+                    <a:p>
+                      <a:r>
+                        <a:rPr lang="en-GB" dirty="0" smtClean="0"/>
+                        <a:t>0</a:t>
+                      </a:r>
+                      <a:endParaRPr lang="en-GB" dirty="0"/>
+                    </a:p>
+                  </a:txBody>
+                  <a:tcPr/>
+                </a:tc>
+                <a:tc>
+                  <a:txBody>
+                    <a:bodyPr/>
+                    <a:lstStyle/>
+                    <a:p>
+                      <a:r>
+                        <a:rPr lang="en-GB" dirty="0" smtClean="0"/>
+                        <a:t>0</a:t>
+                      </a:r>
+                      <a:endParaRPr lang="en-GB" dirty="0"/>
+                    </a:p>
+                  </a:txBody>
+                  <a:tcPr/>
+                </a:tc>
+                <a:tc>
+                  <a:txBody>
+                    <a:bodyPr/>
+                    <a:lstStyle/>
+                    <a:p>
+                      <a:r>
+                        <a:rPr lang="en-GB" dirty="0" smtClean="0"/>
+                        <a:t>0</a:t>
+                      </a:r>
+                      <a:endParaRPr lang="en-GB" dirty="0"/>
+                    </a:p>
+                  </a:txBody>
+                  <a:tcPr/>
+                </a:tc>
+                <a:tc>
+                  <a:txBody>
+                    <a:bodyPr/>
+                    <a:lstStyle/>
+                    <a:p>
+                      <a:r>
+                        <a:rPr lang="en-GB" dirty="0" smtClean="0"/>
+                        <a:t>0</a:t>
+                      </a:r>
+                      <a:endParaRPr lang="en-GB" dirty="0"/>
+                    </a:p>
+                  </a:txBody>
+                  <a:tcPr/>
+                </a:tc>
+                <a:tc>
+                  <a:txBody>
+                    <a:bodyPr/>
+                    <a:lstStyle/>
+                    <a:p>
+                      <a:r>
+                        <a:rPr lang="en-GB" dirty="0" smtClean="0"/>
+                        <a:t>0</a:t>
+                      </a:r>
+                      <a:endParaRPr lang="en-GB" dirty="0"/>
+                    </a:p>
+                  </a:txBody>
+                  <a:tcPr/>
+                </a:tc>
+              </a:tr>
+              <a:tr h="370840">
+                <a:tc>
+                  <a:txBody>
+                    <a:bodyPr/>
+                    <a:lstStyle/>
+                    <a:p>
+                      <a:r>
+                        <a:rPr lang="en-GB" b="1" dirty="0" smtClean="0">
+                          <a:solidFill>
+                            <a:schemeClr val="bg1"/>
+                          </a:solidFill>
+                        </a:rPr>
+                        <a:t>001</a:t>
+                      </a:r>
+                      <a:endParaRPr lang="en-GB" b="1" dirty="0">
+                        <a:solidFill>
+                          <a:schemeClr val="bg1"/>
+                        </a:solidFill>
+                      </a:endParaRPr>
+                    </a:p>
+                  </a:txBody>
+                  <a:tcPr>
+                    <a:solidFill>
+                      <a:schemeClr val="accent1"/>
+                    </a:solidFill>
+                  </a:tcPr>
+                </a:tc>
+                <a:tc>
+                  <a:txBody>
+                    <a:bodyPr/>
+                    <a:lstStyle/>
+                    <a:p>
+                      <a:r>
+                        <a:rPr lang="en-GB" dirty="0" smtClean="0"/>
+                        <a:t>0</a:t>
+                      </a:r>
+                      <a:endParaRPr lang="en-GB" dirty="0"/>
+                    </a:p>
+                  </a:txBody>
+                  <a:tcPr/>
+                </a:tc>
+                <a:tc>
+                  <a:txBody>
+                    <a:bodyPr/>
+                    <a:lstStyle/>
+                    <a:p>
+                      <a:r>
+                        <a:rPr lang="en-GB" dirty="0" smtClean="0"/>
+                        <a:t>1</a:t>
+                      </a:r>
+                      <a:endParaRPr lang="en-GB" dirty="0"/>
+                    </a:p>
+                  </a:txBody>
+                  <a:tcPr/>
+                </a:tc>
+                <a:tc>
+                  <a:txBody>
+                    <a:bodyPr/>
+                    <a:lstStyle/>
+                    <a:p>
+                      <a:r>
+                        <a:rPr lang="en-GB" dirty="0" smtClean="0"/>
+                        <a:t>0</a:t>
+                      </a:r>
+                      <a:endParaRPr lang="en-GB" dirty="0"/>
+                    </a:p>
+                  </a:txBody>
+                  <a:tcPr/>
+                </a:tc>
+                <a:tc>
+                  <a:txBody>
+                    <a:bodyPr/>
+                    <a:lstStyle/>
+                    <a:p>
+                      <a:r>
+                        <a:rPr lang="en-GB" dirty="0" smtClean="0"/>
+                        <a:t>0</a:t>
+                      </a:r>
+                      <a:endParaRPr lang="en-GB" dirty="0"/>
+                    </a:p>
+                  </a:txBody>
+                  <a:tcPr/>
+                </a:tc>
+                <a:tc>
+                  <a:txBody>
+                    <a:bodyPr/>
+                    <a:lstStyle/>
+                    <a:p>
+                      <a:r>
+                        <a:rPr lang="en-GB" dirty="0" smtClean="0"/>
+                        <a:t>0</a:t>
+                      </a:r>
+                      <a:endParaRPr lang="en-GB" dirty="0"/>
+                    </a:p>
+                  </a:txBody>
+                  <a:tcPr/>
+                </a:tc>
+                <a:tc>
+                  <a:txBody>
+                    <a:bodyPr/>
+                    <a:lstStyle/>
+                    <a:p>
+                      <a:r>
+                        <a:rPr lang="en-GB" dirty="0" smtClean="0"/>
+                        <a:t>0</a:t>
+                      </a:r>
+                      <a:endParaRPr lang="en-GB" dirty="0"/>
+                    </a:p>
+                  </a:txBody>
+                  <a:tcPr/>
+                </a:tc>
+                <a:tc>
+                  <a:txBody>
+                    <a:bodyPr/>
+                    <a:lstStyle/>
+                    <a:p>
+                      <a:r>
+                        <a:rPr lang="en-GB" dirty="0" smtClean="0"/>
+                        <a:t>0</a:t>
+                      </a:r>
+                      <a:endParaRPr lang="en-GB" dirty="0"/>
+                    </a:p>
+                  </a:txBody>
+                  <a:tcPr/>
+                </a:tc>
+                <a:tc>
+                  <a:txBody>
+                    <a:bodyPr/>
+                    <a:lstStyle/>
+                    <a:p>
+                      <a:r>
+                        <a:rPr lang="en-GB" dirty="0" smtClean="0"/>
+                        <a:t>0</a:t>
+                      </a:r>
+                      <a:endParaRPr lang="en-GB" dirty="0"/>
+                    </a:p>
+                  </a:txBody>
+                  <a:tcPr/>
+                </a:tc>
+              </a:tr>
+              <a:tr h="370840">
+                <a:tc>
+                  <a:txBody>
+                    <a:bodyPr/>
+                    <a:lstStyle/>
+                    <a:p>
+                      <a:r>
+                        <a:rPr lang="en-GB" b="1" dirty="0" smtClean="0">
+                          <a:solidFill>
+                            <a:schemeClr val="bg1"/>
+                          </a:solidFill>
+                        </a:rPr>
+                        <a:t>101</a:t>
+                      </a:r>
+                      <a:endParaRPr lang="en-GB" b="1" dirty="0">
+                        <a:solidFill>
+                          <a:schemeClr val="bg1"/>
+                        </a:solidFill>
+                      </a:endParaRPr>
+                    </a:p>
+                  </a:txBody>
+                  <a:tcPr>
+                    <a:solidFill>
+                      <a:schemeClr val="accent1"/>
+                    </a:solidFill>
+                  </a:tcPr>
+                </a:tc>
+                <a:tc>
+                  <a:txBody>
+                    <a:bodyPr/>
+                    <a:lstStyle/>
+                    <a:p>
+                      <a:r>
+                        <a:rPr lang="en-GB" dirty="0" smtClean="0"/>
+                        <a:t>0</a:t>
+                      </a:r>
+                      <a:endParaRPr lang="en-GB" dirty="0"/>
+                    </a:p>
+                  </a:txBody>
+                  <a:tcPr/>
+                </a:tc>
+                <a:tc>
+                  <a:txBody>
+                    <a:bodyPr/>
+                    <a:lstStyle/>
+                    <a:p>
+                      <a:r>
+                        <a:rPr lang="en-GB" dirty="0" smtClean="0"/>
+                        <a:t>0</a:t>
+                      </a:r>
+                      <a:endParaRPr lang="en-GB" dirty="0"/>
+                    </a:p>
+                  </a:txBody>
+                  <a:tcPr/>
+                </a:tc>
+                <a:tc>
+                  <a:txBody>
+                    <a:bodyPr/>
+                    <a:lstStyle/>
+                    <a:p>
+                      <a:r>
+                        <a:rPr lang="en-GB" dirty="0" smtClean="0"/>
+                        <a:t>0</a:t>
+                      </a:r>
+                      <a:endParaRPr lang="en-GB" dirty="0"/>
+                    </a:p>
+                  </a:txBody>
+                  <a:tcPr/>
+                </a:tc>
+                <a:tc>
+                  <a:txBody>
+                    <a:bodyPr/>
+                    <a:lstStyle/>
+                    <a:p>
+                      <a:r>
+                        <a:rPr lang="en-GB" dirty="0" smtClean="0"/>
+                        <a:t>0</a:t>
+                      </a:r>
+                      <a:endParaRPr lang="en-GB" dirty="0"/>
+                    </a:p>
+                  </a:txBody>
+                  <a:tcPr/>
+                </a:tc>
+                <a:tc>
+                  <a:txBody>
+                    <a:bodyPr/>
+                    <a:lstStyle/>
+                    <a:p>
+                      <a:r>
+                        <a:rPr lang="en-GB" dirty="0" smtClean="0"/>
+                        <a:t>0</a:t>
+                      </a:r>
+                      <a:endParaRPr lang="en-GB" dirty="0"/>
+                    </a:p>
+                  </a:txBody>
+                  <a:tcPr/>
+                </a:tc>
+                <a:tc>
+                  <a:txBody>
+                    <a:bodyPr/>
+                    <a:lstStyle/>
+                    <a:p>
+                      <a:r>
+                        <a:rPr lang="en-GB" dirty="0" smtClean="0"/>
+                        <a:t>0</a:t>
+                      </a:r>
+                      <a:endParaRPr lang="en-GB" dirty="0"/>
+                    </a:p>
+                  </a:txBody>
+                  <a:tcPr/>
+                </a:tc>
+                <a:tc>
+                  <a:txBody>
+                    <a:bodyPr/>
+                    <a:lstStyle/>
+                    <a:p>
+                      <a:r>
+                        <a:rPr lang="en-GB" dirty="0" smtClean="0"/>
+                        <a:t>0</a:t>
+                      </a:r>
+                      <a:endParaRPr lang="en-GB" dirty="0"/>
+                    </a:p>
+                  </a:txBody>
+                  <a:tcPr/>
+                </a:tc>
+                <a:tc>
+                  <a:txBody>
+                    <a:bodyPr/>
+                    <a:lstStyle/>
+                    <a:p>
+                      <a:r>
+                        <a:rPr lang="en-GB" dirty="0" smtClean="0"/>
+                        <a:t>1</a:t>
+                      </a:r>
+                      <a:endParaRPr lang="en-GB" dirty="0"/>
+                    </a:p>
+                  </a:txBody>
+                  <a:tcPr/>
+                </a:tc>
+              </a:tr>
+              <a:tr h="370840">
+                <a:tc>
+                  <a:txBody>
+                    <a:bodyPr/>
+                    <a:lstStyle/>
+                    <a:p>
+                      <a:r>
+                        <a:rPr lang="en-GB" b="1" dirty="0" smtClean="0">
+                          <a:solidFill>
+                            <a:schemeClr val="bg1"/>
+                          </a:solidFill>
+                        </a:rPr>
+                        <a:t>011</a:t>
+                      </a:r>
+                    </a:p>
+                  </a:txBody>
+                  <a:tcPr>
+                    <a:solidFill>
+                      <a:schemeClr val="accent1"/>
+                    </a:solidFill>
+                  </a:tcPr>
+                </a:tc>
+                <a:tc>
+                  <a:txBody>
+                    <a:bodyPr/>
+                    <a:lstStyle/>
+                    <a:p>
+                      <a:r>
+                        <a:rPr lang="en-GB" dirty="0" smtClean="0"/>
+                        <a:t>0</a:t>
+                      </a:r>
+                      <a:endParaRPr lang="en-GB" dirty="0"/>
+                    </a:p>
+                  </a:txBody>
+                  <a:tcPr/>
+                </a:tc>
+                <a:tc>
+                  <a:txBody>
+                    <a:bodyPr/>
+                    <a:lstStyle/>
+                    <a:p>
+                      <a:r>
+                        <a:rPr lang="en-GB" dirty="0" smtClean="0"/>
+                        <a:t>0</a:t>
+                      </a:r>
+                      <a:endParaRPr lang="en-GB" dirty="0"/>
+                    </a:p>
+                  </a:txBody>
+                  <a:tcPr/>
+                </a:tc>
+                <a:tc>
+                  <a:txBody>
+                    <a:bodyPr/>
+                    <a:lstStyle/>
+                    <a:p>
+                      <a:r>
+                        <a:rPr lang="en-GB" dirty="0" smtClean="0"/>
+                        <a:t>0</a:t>
+                      </a:r>
+                      <a:endParaRPr lang="en-GB" dirty="0"/>
+                    </a:p>
+                  </a:txBody>
+                  <a:tcPr/>
+                </a:tc>
+                <a:tc>
+                  <a:txBody>
+                    <a:bodyPr/>
+                    <a:lstStyle/>
+                    <a:p>
+                      <a:r>
+                        <a:rPr lang="en-GB" dirty="0" smtClean="0"/>
+                        <a:t>0</a:t>
+                      </a:r>
+                      <a:endParaRPr lang="en-GB" dirty="0"/>
+                    </a:p>
+                  </a:txBody>
+                  <a:tcPr/>
+                </a:tc>
+                <a:tc>
+                  <a:txBody>
+                    <a:bodyPr/>
+                    <a:lstStyle/>
+                    <a:p>
+                      <a:r>
+                        <a:rPr lang="en-GB" dirty="0" smtClean="0"/>
+                        <a:t>0</a:t>
+                      </a:r>
+                      <a:endParaRPr lang="en-GB" dirty="0"/>
+                    </a:p>
+                  </a:txBody>
+                  <a:tcPr/>
+                </a:tc>
+                <a:tc>
+                  <a:txBody>
+                    <a:bodyPr/>
+                    <a:lstStyle/>
+                    <a:p>
+                      <a:r>
+                        <a:rPr lang="en-GB" dirty="0" smtClean="0"/>
+                        <a:t>1</a:t>
+                      </a:r>
+                      <a:endParaRPr lang="en-GB" dirty="0"/>
+                    </a:p>
+                  </a:txBody>
+                  <a:tcPr/>
+                </a:tc>
+                <a:tc>
+                  <a:txBody>
+                    <a:bodyPr/>
+                    <a:lstStyle/>
+                    <a:p>
+                      <a:r>
+                        <a:rPr lang="en-GB" dirty="0" smtClean="0"/>
+                        <a:t>0</a:t>
+                      </a:r>
+                      <a:endParaRPr lang="en-GB" dirty="0"/>
+                    </a:p>
+                  </a:txBody>
+                  <a:tcPr/>
+                </a:tc>
+                <a:tc>
+                  <a:txBody>
+                    <a:bodyPr/>
+                    <a:lstStyle/>
+                    <a:p>
+                      <a:r>
+                        <a:rPr lang="en-GB" dirty="0" smtClean="0"/>
+                        <a:t>0</a:t>
+                      </a:r>
+                      <a:endParaRPr lang="en-GB" dirty="0"/>
+                    </a:p>
+                  </a:txBody>
+                  <a:tcPr/>
+                </a:tc>
+              </a:tr>
+              <a:tr h="370840">
+                <a:tc>
+                  <a:txBody>
+                    <a:bodyPr/>
+                    <a:lstStyle/>
+                    <a:p>
+                      <a:r>
+                        <a:rPr lang="en-GB" b="1" dirty="0" smtClean="0">
+                          <a:solidFill>
+                            <a:schemeClr val="bg1"/>
+                          </a:solidFill>
+                        </a:rPr>
+                        <a:t>111</a:t>
+                      </a:r>
+                    </a:p>
+                  </a:txBody>
+                  <a:tcPr>
+                    <a:solidFill>
+                      <a:schemeClr val="accent1"/>
+                    </a:solidFill>
+                  </a:tcPr>
+                </a:tc>
+                <a:tc>
+                  <a:txBody>
+                    <a:bodyPr/>
+                    <a:lstStyle/>
+                    <a:p>
+                      <a:r>
+                        <a:rPr lang="en-GB" dirty="0" smtClean="0"/>
+                        <a:t>0</a:t>
+                      </a:r>
+                      <a:endParaRPr lang="en-GB" dirty="0"/>
+                    </a:p>
+                  </a:txBody>
+                  <a:tcPr/>
+                </a:tc>
+                <a:tc>
+                  <a:txBody>
+                    <a:bodyPr/>
+                    <a:lstStyle/>
+                    <a:p>
+                      <a:r>
+                        <a:rPr lang="en-GB" dirty="0" smtClean="0"/>
+                        <a:t>0</a:t>
+                      </a:r>
+                      <a:endParaRPr lang="en-GB" dirty="0"/>
+                    </a:p>
+                  </a:txBody>
+                  <a:tcPr/>
+                </a:tc>
+                <a:tc>
+                  <a:txBody>
+                    <a:bodyPr/>
+                    <a:lstStyle/>
+                    <a:p>
+                      <a:r>
+                        <a:rPr lang="en-GB" dirty="0" smtClean="0"/>
+                        <a:t>0</a:t>
+                      </a:r>
+                      <a:endParaRPr lang="en-GB" dirty="0"/>
+                    </a:p>
+                  </a:txBody>
+                  <a:tcPr/>
+                </a:tc>
+                <a:tc>
+                  <a:txBody>
+                    <a:bodyPr/>
+                    <a:lstStyle/>
+                    <a:p>
+                      <a:r>
+                        <a:rPr lang="en-GB" dirty="0" smtClean="0"/>
+                        <a:t>1</a:t>
+                      </a:r>
+                      <a:endParaRPr lang="en-GB" dirty="0"/>
+                    </a:p>
+                  </a:txBody>
+                  <a:tcPr/>
+                </a:tc>
+                <a:tc>
+                  <a:txBody>
+                    <a:bodyPr/>
+                    <a:lstStyle/>
+                    <a:p>
+                      <a:r>
+                        <a:rPr lang="en-GB" dirty="0" smtClean="0"/>
+                        <a:t>0</a:t>
+                      </a:r>
+                      <a:endParaRPr lang="en-GB" dirty="0"/>
+                    </a:p>
+                  </a:txBody>
+                  <a:tcPr/>
+                </a:tc>
+                <a:tc>
+                  <a:txBody>
+                    <a:bodyPr/>
+                    <a:lstStyle/>
+                    <a:p>
+                      <a:r>
+                        <a:rPr lang="en-GB" dirty="0" smtClean="0"/>
+                        <a:t>0</a:t>
+                      </a:r>
+                      <a:endParaRPr lang="en-GB" dirty="0"/>
+                    </a:p>
+                  </a:txBody>
+                  <a:tcPr/>
+                </a:tc>
+                <a:tc>
+                  <a:txBody>
+                    <a:bodyPr/>
+                    <a:lstStyle/>
+                    <a:p>
+                      <a:r>
+                        <a:rPr lang="en-GB" dirty="0" smtClean="0"/>
+                        <a:t>0</a:t>
+                      </a:r>
+                      <a:endParaRPr lang="en-GB" dirty="0"/>
+                    </a:p>
+                  </a:txBody>
+                  <a:tcPr/>
+                </a:tc>
+                <a:tc>
+                  <a:txBody>
+                    <a:bodyPr/>
+                    <a:lstStyle/>
+                    <a:p>
+                      <a:r>
+                        <a:rPr lang="en-GB" dirty="0" smtClean="0"/>
+                        <a:t>0</a:t>
+                      </a:r>
+                      <a:endParaRPr lang="en-GB" dirty="0"/>
+                    </a:p>
+                  </a:txBody>
+                  <a:tcPr/>
+                </a:tc>
+              </a:tr>
+            </a:tbl>
+          </a:graphicData>
+        </a:graphic>
+      </p:graphicFrame>
+      <mc:AlternateContent xmlns:mc="http://schemas.openxmlformats.org/markup-compatibility/2006">
+        <mc:Choice xmlns:a14="http://schemas.microsoft.com/office/drawing/2010/main" Requires="a14">
+          <p:sp>
+            <p:nvSpPr>
+              <p:cNvPr id="10" name="TextBox 9"/>
+              <p:cNvSpPr txBox="1"/>
+              <p:nvPr/>
+            </p:nvSpPr>
+            <p:spPr>
+              <a:xfrm>
+                <a:off x="2483768" y="1340768"/>
+                <a:ext cx="4099777" cy="565668"/>
+              </a:xfrm>
+              <a:prstGeom prst="rect">
+                <a:avLst/>
+              </a:prstGeom>
+              <a:noFill/>
+            </p:spPr>
+            <p:txBody>
+              <a:bodyPr wrap="none" rtlCol="0">
+                <a:spAutoFit/>
+              </a:bodyPr>
+              <a:lstStyle/>
+              <a:p>
+                <a14:m>
+                  <m:oMathPara xmlns:m="http://schemas.openxmlformats.org/officeDocument/2006/math">
+                    <m:oMathParaPr>
+                      <m:jc m:val="centerGroup"/>
+                    </m:oMathParaPr>
+                    <m:oMath xmlns:m="http://schemas.openxmlformats.org/officeDocument/2006/math">
+                      <m:sSub>
+                        <m:sSubPr>
+                          <m:ctrlPr>
+                            <a:rPr lang="en-GB" sz="2800" i="1" smtClean="0">
+                              <a:latin typeface="Cambria Math"/>
+                            </a:rPr>
+                          </m:ctrlPr>
+                        </m:sSubPr>
+                        <m:e>
+                          <m:r>
+                            <a:rPr lang="en-GB" sz="2800" b="0" i="1" smtClean="0">
+                              <a:latin typeface="Cambria Math"/>
+                            </a:rPr>
+                            <m:t>𝑇</m:t>
+                          </m:r>
+                        </m:e>
+                        <m:sub>
+                          <m:r>
+                            <a:rPr lang="en-GB" sz="2800" b="0" i="1" smtClean="0">
+                              <a:latin typeface="Cambria Math"/>
+                            </a:rPr>
+                            <m:t>𝑖𝑗</m:t>
+                          </m:r>
+                        </m:sub>
+                      </m:sSub>
+                      <m:r>
+                        <a:rPr lang="en-GB" sz="2800" b="0" i="1" smtClean="0">
+                          <a:latin typeface="Cambria Math"/>
+                        </a:rPr>
+                        <m:t>=</m:t>
+                      </m:r>
+                      <m:r>
+                        <a:rPr lang="en-GB" sz="2800" b="0" i="1" smtClean="0">
+                          <a:latin typeface="Cambria Math"/>
+                        </a:rPr>
+                        <m:t>𝑃</m:t>
+                      </m:r>
+                      <m:r>
+                        <a:rPr lang="en-GB" sz="2800" b="0" i="1" smtClean="0">
+                          <a:latin typeface="Cambria Math"/>
+                        </a:rPr>
+                        <m:t>(</m:t>
+                      </m:r>
+                      <m:sSup>
+                        <m:sSupPr>
+                          <m:ctrlPr>
+                            <a:rPr lang="en-GB" sz="2800" b="0" i="1" smtClean="0">
+                              <a:latin typeface="Cambria Math"/>
+                            </a:rPr>
+                          </m:ctrlPr>
+                        </m:sSupPr>
+                        <m:e>
+                          <m:r>
+                            <a:rPr lang="en-GB" sz="2800" b="0" i="1" smtClean="0">
+                              <a:latin typeface="Cambria Math"/>
+                            </a:rPr>
+                            <m:t>𝐺</m:t>
+                          </m:r>
+                        </m:e>
+                        <m:sup>
+                          <m:r>
+                            <a:rPr lang="en-GB" sz="2800" b="0" i="1" smtClean="0">
+                              <a:latin typeface="Cambria Math"/>
+                            </a:rPr>
+                            <m:t>𝑡</m:t>
+                          </m:r>
+                          <m:r>
+                            <a:rPr lang="en-GB" sz="2800" b="0" i="1" smtClean="0">
+                              <a:latin typeface="Cambria Math"/>
+                            </a:rPr>
+                            <m:t>+1</m:t>
+                          </m:r>
+                        </m:sup>
+                      </m:sSup>
+                      <m:r>
+                        <a:rPr lang="en-GB" sz="2800" b="0" i="1" smtClean="0">
+                          <a:latin typeface="Cambria Math"/>
+                        </a:rPr>
+                        <m:t>=</m:t>
+                      </m:r>
+                      <m:r>
+                        <a:rPr lang="en-GB" sz="2800" b="0" i="1" smtClean="0">
+                          <a:latin typeface="Cambria Math"/>
+                        </a:rPr>
+                        <m:t>𝑗</m:t>
+                      </m:r>
+                      <m:r>
+                        <a:rPr lang="en-GB" sz="2800" b="0" i="1" smtClean="0">
+                          <a:latin typeface="Cambria Math"/>
+                        </a:rPr>
+                        <m:t>|</m:t>
+                      </m:r>
+                      <m:sSup>
+                        <m:sSupPr>
+                          <m:ctrlPr>
+                            <a:rPr lang="en-GB" sz="2800" b="0" i="1" smtClean="0">
+                              <a:latin typeface="Cambria Math"/>
+                            </a:rPr>
+                          </m:ctrlPr>
+                        </m:sSupPr>
+                        <m:e>
+                          <m:r>
+                            <a:rPr lang="en-GB" sz="2800" b="0" i="1" smtClean="0">
+                              <a:latin typeface="Cambria Math"/>
+                            </a:rPr>
+                            <m:t>𝐺</m:t>
+                          </m:r>
+                        </m:e>
+                        <m:sup>
+                          <m:r>
+                            <a:rPr lang="en-GB" sz="2800" b="0" i="1" smtClean="0">
+                              <a:latin typeface="Cambria Math"/>
+                            </a:rPr>
+                            <m:t>𝑡</m:t>
+                          </m:r>
+                        </m:sup>
+                      </m:sSup>
+                      <m:r>
+                        <a:rPr lang="en-GB" sz="2800" b="0" i="1" smtClean="0">
+                          <a:latin typeface="Cambria Math"/>
+                        </a:rPr>
+                        <m:t>=</m:t>
+                      </m:r>
+                      <m:r>
+                        <a:rPr lang="en-GB" sz="2800" b="0" i="1" smtClean="0">
+                          <a:latin typeface="Cambria Math"/>
+                        </a:rPr>
+                        <m:t>𝑖</m:t>
+                      </m:r>
+                      <m:r>
+                        <a:rPr lang="en-GB" sz="2800" b="0" i="1" smtClean="0">
+                          <a:latin typeface="Cambria Math"/>
+                        </a:rPr>
+                        <m:t>)</m:t>
+                      </m:r>
+                    </m:oMath>
+                  </m:oMathPara>
+                </a14:m>
+                <a:endParaRPr lang="en-GB" sz="2800" dirty="0"/>
+              </a:p>
+            </p:txBody>
+          </p:sp>
+        </mc:Choice>
+        <mc:Fallback>
+          <p:sp>
+            <p:nvSpPr>
+              <p:cNvPr id="10" name="TextBox 9"/>
+              <p:cNvSpPr txBox="1">
+                <a:spLocks noRot="1" noChangeAspect="1" noMove="1" noResize="1" noEditPoints="1" noAdjustHandles="1" noChangeArrowheads="1" noChangeShapeType="1" noTextEdit="1"/>
+              </p:cNvSpPr>
+              <p:nvPr/>
+            </p:nvSpPr>
+            <p:spPr>
+              <a:xfrm>
+                <a:off x="2483768" y="1340768"/>
+                <a:ext cx="4099777" cy="565668"/>
+              </a:xfrm>
+              <a:prstGeom prst="rect">
+                <a:avLst/>
+              </a:prstGeom>
+              <a:blipFill rotWithShape="1">
+                <a:blip r:embed="rId2"/>
+                <a:stretch>
+                  <a:fillRect/>
+                </a:stretch>
+              </a:blipFill>
+            </p:spPr>
+            <p:txBody>
+              <a:bodyPr/>
+              <a:lstStyle/>
+              <a:p>
+                <a:r>
+                  <a:rPr lang="en-GB">
+                    <a:noFill/>
+                  </a:rPr>
+                  <a:t> </a:t>
+                </a:r>
+              </a:p>
+            </p:txBody>
+          </p:sp>
+        </mc:Fallback>
+      </mc:AlternateContent>
+    </p:spTree>
+    <p:extLst>
+      <p:ext uri="{BB962C8B-B14F-4D97-AF65-F5344CB8AC3E}">
+        <p14:creationId xmlns:p14="http://schemas.microsoft.com/office/powerpoint/2010/main" val="1150677936"/>
+      </p:ext>
+    </p:extLst>
+  </p:cSld>
+  <p:clrMapOvr>
+    <a:masterClrMapping/>
+  </p:clrMapOvr>
+  <p:timing>
+    <p:tnLst>
+      <p:par>
+        <p:cTn id="1" dur="indefinite" restart="never" nodeType="tmRoot"/>
+      </p:par>
+    </p:tnLst>
+  </p:timing>
+</p:sld>
+</file>
+
+<file path=ppt/slides/slide4.xml><?xml version="1.0" encoding="utf-8"?>
+<p:sld xmlns:a="http://schemas.openxmlformats.org/drawingml/2006/main" xmlns:r="http://schemas.openxmlformats.org/officeDocument/2006/relationships" xmlns:p="http://schemas.openxmlformats.org/presentationml/2006/main">
+  <p:cSld>
+    <p:spTree>
+      <p:nvGrpSpPr>
+        <p:cNvPr id="1" name=""/>
+        <p:cNvGrpSpPr/>
+        <p:nvPr/>
+      </p:nvGrpSpPr>
+      <p:grpSpPr>
+        <a:xfrm>
+          <a:off x="0" y="0"/>
+          <a:ext cx="0" cy="0"/>
+          <a:chOff x="0" y="0"/>
+          <a:chExt cx="0" cy="0"/>
+        </a:xfrm>
+      </p:grpSpPr>
+      <p:sp>
+        <p:nvSpPr>
+          <p:cNvPr id="2" name="TextBox 1"/>
+          <p:cNvSpPr txBox="1"/>
+          <p:nvPr/>
+        </p:nvSpPr>
+        <p:spPr>
+          <a:xfrm>
+            <a:off x="836320" y="98490"/>
+            <a:ext cx="5463872" cy="646331"/>
+          </a:xfrm>
+          <a:prstGeom prst="rect">
+            <a:avLst/>
+          </a:prstGeom>
+          <a:noFill/>
+        </p:spPr>
+        <p:txBody>
+          <a:bodyPr wrap="square" rtlCol="0">
+            <a:spAutoFit/>
+          </a:bodyPr>
+          <a:lstStyle/>
+          <a:p>
+            <a:r>
+              <a:rPr lang="en-GB" sz="3600" dirty="0" smtClean="0"/>
+              <a:t>Transition Probability Matrix</a:t>
+            </a:r>
+            <a:endParaRPr lang="en-GB" sz="3600" dirty="0"/>
+          </a:p>
+        </p:txBody>
+      </p:sp>
+      <p:graphicFrame>
+        <p:nvGraphicFramePr>
+          <p:cNvPr id="6" name="Table 5"/>
+          <p:cNvGraphicFramePr>
+            <a:graphicFrameLocks noGrp="1"/>
+          </p:cNvGraphicFramePr>
+          <p:nvPr>
+            <p:extLst>
+              <p:ext uri="{D42A27DB-BD31-4B8C-83A1-F6EECF244321}">
+                <p14:modId xmlns:p14="http://schemas.microsoft.com/office/powerpoint/2010/main" val="1477171387"/>
+              </p:ext>
+            </p:extLst>
+          </p:nvPr>
+        </p:nvGraphicFramePr>
+        <p:xfrm>
+          <a:off x="6012160" y="1434224"/>
+          <a:ext cx="2709332" cy="3409568"/>
+        </p:xfrm>
+        <a:graphic>
+          <a:graphicData uri="http://schemas.openxmlformats.org/drawingml/2006/table">
+            <a:tbl>
+              <a:tblPr firstRow="1" bandRow="1">
+                <a:tableStyleId>{5C22544A-7EE6-4342-B048-85BDC9FD1C3A}</a:tableStyleId>
+              </a:tblPr>
+              <a:tblGrid>
+                <a:gridCol w="677333"/>
+                <a:gridCol w="677333"/>
+                <a:gridCol w="677333"/>
+                <a:gridCol w="677333"/>
+              </a:tblGrid>
+              <a:tr h="442848">
+                <a:tc>
+                  <a:txBody>
+                    <a:bodyPr/>
+                    <a:lstStyle/>
+                    <a:p>
+                      <a:r>
+                        <a:rPr lang="en-GB" dirty="0" smtClean="0"/>
+                        <a:t>State</a:t>
+                      </a:r>
+                      <a:endParaRPr lang="en-GB" dirty="0"/>
+                    </a:p>
+                  </a:txBody>
+                  <a:tcPr/>
+                </a:tc>
+                <a:tc>
+                  <a:txBody>
+                    <a:bodyPr/>
+                    <a:lstStyle/>
+                    <a:p>
+                      <a:r>
+                        <a:rPr lang="en-GB" dirty="0" smtClean="0"/>
+                        <a:t>A</a:t>
+                      </a:r>
+                      <a:endParaRPr lang="en-GB" dirty="0"/>
+                    </a:p>
+                  </a:txBody>
+                  <a:tcPr/>
+                </a:tc>
+                <a:tc>
+                  <a:txBody>
+                    <a:bodyPr/>
+                    <a:lstStyle/>
+                    <a:p>
+                      <a:r>
+                        <a:rPr lang="en-GB" dirty="0" smtClean="0"/>
+                        <a:t>B</a:t>
+                      </a:r>
+                      <a:endParaRPr lang="en-GB" dirty="0"/>
+                    </a:p>
+                  </a:txBody>
+                  <a:tcPr/>
+                </a:tc>
+                <a:tc>
+                  <a:txBody>
+                    <a:bodyPr/>
+                    <a:lstStyle/>
+                    <a:p>
+                      <a:r>
+                        <a:rPr lang="en-GB" dirty="0" smtClean="0"/>
+                        <a:t>C</a:t>
+                      </a:r>
+                      <a:endParaRPr lang="en-GB" dirty="0"/>
+                    </a:p>
+                  </a:txBody>
+                  <a:tcPr/>
+                </a:tc>
+              </a:tr>
+              <a:tr h="370840">
+                <a:tc>
+                  <a:txBody>
+                    <a:bodyPr/>
+                    <a:lstStyle/>
+                    <a:p>
+                      <a:r>
+                        <a:rPr lang="en-GB" b="1" dirty="0" smtClean="0">
+                          <a:solidFill>
+                            <a:schemeClr val="bg1"/>
+                          </a:solidFill>
+                        </a:rPr>
+                        <a:t>000</a:t>
+                      </a:r>
+                      <a:endParaRPr lang="en-GB" b="1" dirty="0">
+                        <a:solidFill>
+                          <a:schemeClr val="bg1"/>
+                        </a:solidFill>
+                      </a:endParaRPr>
+                    </a:p>
+                  </a:txBody>
+                  <a:tcPr>
+                    <a:solidFill>
+                      <a:schemeClr val="accent1"/>
+                    </a:solidFill>
+                  </a:tcPr>
+                </a:tc>
+                <a:tc>
+                  <a:txBody>
+                    <a:bodyPr/>
+                    <a:lstStyle/>
+                    <a:p>
+                      <a:r>
+                        <a:rPr lang="en-GB" dirty="0" smtClean="0"/>
+                        <a:t>0</a:t>
+                      </a:r>
+                    </a:p>
+                  </a:txBody>
+                  <a:tcPr/>
+                </a:tc>
+                <a:tc>
+                  <a:txBody>
+                    <a:bodyPr/>
+                    <a:lstStyle/>
+                    <a:p>
+                      <a:r>
+                        <a:rPr lang="en-GB" dirty="0" smtClean="0"/>
+                        <a:t>0</a:t>
+                      </a:r>
+                      <a:endParaRPr lang="en-GB" dirty="0"/>
+                    </a:p>
+                  </a:txBody>
+                  <a:tcPr/>
+                </a:tc>
+                <a:tc>
+                  <a:txBody>
+                    <a:bodyPr/>
+                    <a:lstStyle/>
+                    <a:p>
+                      <a:r>
+                        <a:rPr lang="en-GB" dirty="0" smtClean="0"/>
+                        <a:t>0</a:t>
+                      </a:r>
+                      <a:endParaRPr lang="en-GB" dirty="0"/>
+                    </a:p>
+                  </a:txBody>
+                  <a:tcPr/>
+                </a:tc>
+              </a:tr>
+              <a:tr h="370840">
+                <a:tc>
+                  <a:txBody>
+                    <a:bodyPr/>
+                    <a:lstStyle/>
+                    <a:p>
+                      <a:r>
+                        <a:rPr lang="en-GB" b="1" dirty="0" smtClean="0">
+                          <a:solidFill>
+                            <a:schemeClr val="bg1"/>
+                          </a:solidFill>
+                        </a:rPr>
+                        <a:t>100</a:t>
+                      </a:r>
+                      <a:endParaRPr lang="en-GB" b="1" dirty="0">
+                        <a:solidFill>
+                          <a:schemeClr val="bg1"/>
+                        </a:solidFill>
+                      </a:endParaRPr>
+                    </a:p>
+                  </a:txBody>
+                  <a:tcPr>
+                    <a:solidFill>
+                      <a:schemeClr val="accent1"/>
+                    </a:solidFill>
+                  </a:tcPr>
+                </a:tc>
+                <a:tc>
+                  <a:txBody>
+                    <a:bodyPr/>
+                    <a:lstStyle/>
+                    <a:p>
+                      <a:r>
+                        <a:rPr lang="en-GB" dirty="0" smtClean="0"/>
+                        <a:t>0</a:t>
+                      </a:r>
+                      <a:endParaRPr lang="en-GB" dirty="0"/>
+                    </a:p>
+                  </a:txBody>
+                  <a:tcPr/>
+                </a:tc>
+                <a:tc>
+                  <a:txBody>
+                    <a:bodyPr/>
+                    <a:lstStyle/>
+                    <a:p>
+                      <a:r>
+                        <a:rPr lang="en-GB" dirty="0" smtClean="0"/>
+                        <a:t>0</a:t>
+                      </a:r>
+                      <a:endParaRPr lang="en-GB" dirty="0"/>
+                    </a:p>
+                  </a:txBody>
+                  <a:tcPr/>
+                </a:tc>
+                <a:tc>
+                  <a:txBody>
+                    <a:bodyPr/>
+                    <a:lstStyle/>
+                    <a:p>
+                      <a:r>
+                        <a:rPr lang="en-GB" dirty="0" smtClean="0"/>
+                        <a:t>1</a:t>
+                      </a:r>
+                      <a:endParaRPr lang="en-GB" dirty="0"/>
+                    </a:p>
+                  </a:txBody>
+                  <a:tcPr/>
+                </a:tc>
+              </a:tr>
+              <a:tr h="370840">
+                <a:tc>
+                  <a:txBody>
+                    <a:bodyPr/>
+                    <a:lstStyle/>
+                    <a:p>
+                      <a:r>
+                        <a:rPr lang="en-GB" b="1" dirty="0" smtClean="0">
+                          <a:solidFill>
+                            <a:schemeClr val="bg1"/>
+                          </a:solidFill>
+                        </a:rPr>
+                        <a:t>010</a:t>
+                      </a:r>
+                      <a:endParaRPr lang="en-GB" b="1" dirty="0">
+                        <a:solidFill>
+                          <a:schemeClr val="bg1"/>
+                        </a:solidFill>
+                      </a:endParaRPr>
+                    </a:p>
+                  </a:txBody>
+                  <a:tcPr>
+                    <a:solidFill>
+                      <a:schemeClr val="accent1"/>
+                    </a:solidFill>
+                  </a:tcPr>
+                </a:tc>
+                <a:tc>
+                  <a:txBody>
+                    <a:bodyPr/>
+                    <a:lstStyle/>
+                    <a:p>
+                      <a:r>
+                        <a:rPr lang="en-GB" dirty="0" smtClean="0"/>
+                        <a:t>1</a:t>
+                      </a:r>
+                      <a:endParaRPr lang="en-GB" dirty="0"/>
+                    </a:p>
+                  </a:txBody>
+                  <a:tcPr/>
+                </a:tc>
+                <a:tc>
+                  <a:txBody>
+                    <a:bodyPr/>
+                    <a:lstStyle/>
+                    <a:p>
+                      <a:r>
+                        <a:rPr lang="en-GB" dirty="0" smtClean="0"/>
+                        <a:t>0</a:t>
+                      </a:r>
+                      <a:endParaRPr lang="en-GB" dirty="0"/>
+                    </a:p>
+                  </a:txBody>
+                  <a:tcPr/>
+                </a:tc>
+                <a:tc>
+                  <a:txBody>
+                    <a:bodyPr/>
+                    <a:lstStyle/>
+                    <a:p>
+                      <a:r>
+                        <a:rPr lang="en-GB" dirty="0" smtClean="0"/>
+                        <a:t>1</a:t>
+                      </a:r>
+                      <a:endParaRPr lang="en-GB" dirty="0"/>
+                    </a:p>
+                  </a:txBody>
+                  <a:tcPr/>
+                </a:tc>
+              </a:tr>
+              <a:tr h="370840">
+                <a:tc>
+                  <a:txBody>
+                    <a:bodyPr/>
+                    <a:lstStyle/>
+                    <a:p>
+                      <a:r>
+                        <a:rPr lang="en-GB" b="1" dirty="0" smtClean="0">
+                          <a:solidFill>
+                            <a:schemeClr val="bg1"/>
+                          </a:solidFill>
+                        </a:rPr>
+                        <a:t>110</a:t>
+                      </a:r>
+                      <a:endParaRPr lang="en-GB" b="1" dirty="0">
+                        <a:solidFill>
+                          <a:schemeClr val="bg1"/>
+                        </a:solidFill>
+                      </a:endParaRPr>
+                    </a:p>
+                  </a:txBody>
+                  <a:tcPr>
+                    <a:solidFill>
+                      <a:schemeClr val="accent1"/>
+                    </a:solidFill>
+                  </a:tcPr>
+                </a:tc>
+                <a:tc>
+                  <a:txBody>
+                    <a:bodyPr/>
+                    <a:lstStyle/>
+                    <a:p>
+                      <a:r>
+                        <a:rPr lang="en-GB" dirty="0" smtClean="0"/>
+                        <a:t>1</a:t>
+                      </a:r>
+                      <a:endParaRPr lang="en-GB" dirty="0"/>
+                    </a:p>
+                  </a:txBody>
+                  <a:tcPr/>
+                </a:tc>
+                <a:tc>
+                  <a:txBody>
+                    <a:bodyPr/>
+                    <a:lstStyle/>
+                    <a:p>
+                      <a:r>
+                        <a:rPr lang="en-GB" dirty="0" smtClean="0"/>
+                        <a:t>0</a:t>
+                      </a:r>
+                      <a:endParaRPr lang="en-GB" dirty="0"/>
+                    </a:p>
+                  </a:txBody>
+                  <a:tcPr/>
+                </a:tc>
+                <a:tc>
+                  <a:txBody>
+                    <a:bodyPr/>
+                    <a:lstStyle/>
+                    <a:p>
+                      <a:r>
+                        <a:rPr lang="en-GB" dirty="0" smtClean="0"/>
+                        <a:t>0</a:t>
+                      </a:r>
+                      <a:endParaRPr lang="en-GB" dirty="0"/>
+                    </a:p>
+                  </a:txBody>
+                  <a:tcPr/>
+                </a:tc>
+              </a:tr>
+              <a:tr h="370840">
+                <a:tc>
+                  <a:txBody>
+                    <a:bodyPr/>
+                    <a:lstStyle/>
+                    <a:p>
+                      <a:r>
+                        <a:rPr lang="en-GB" b="1" dirty="0" smtClean="0">
+                          <a:solidFill>
+                            <a:schemeClr val="bg1"/>
+                          </a:solidFill>
+                        </a:rPr>
+                        <a:t>001</a:t>
+                      </a:r>
+                      <a:endParaRPr lang="en-GB" b="1" dirty="0">
+                        <a:solidFill>
+                          <a:schemeClr val="bg1"/>
+                        </a:solidFill>
+                      </a:endParaRPr>
+                    </a:p>
+                  </a:txBody>
+                  <a:tcPr>
+                    <a:solidFill>
+                      <a:schemeClr val="accent1"/>
+                    </a:solidFill>
+                  </a:tcPr>
+                </a:tc>
+                <a:tc>
+                  <a:txBody>
+                    <a:bodyPr/>
+                    <a:lstStyle/>
+                    <a:p>
+                      <a:r>
+                        <a:rPr lang="en-GB" dirty="0" smtClean="0"/>
+                        <a:t>1</a:t>
+                      </a:r>
+                      <a:endParaRPr lang="en-GB" dirty="0"/>
+                    </a:p>
+                  </a:txBody>
+                  <a:tcPr/>
+                </a:tc>
+                <a:tc>
+                  <a:txBody>
+                    <a:bodyPr/>
+                    <a:lstStyle/>
+                    <a:p>
+                      <a:r>
+                        <a:rPr lang="en-GB" dirty="0" smtClean="0"/>
+                        <a:t>0</a:t>
+                      </a:r>
+                      <a:endParaRPr lang="en-GB" dirty="0"/>
+                    </a:p>
+                  </a:txBody>
+                  <a:tcPr/>
+                </a:tc>
+                <a:tc>
+                  <a:txBody>
+                    <a:bodyPr/>
+                    <a:lstStyle/>
+                    <a:p>
+                      <a:r>
+                        <a:rPr lang="en-GB" dirty="0" smtClean="0"/>
+                        <a:t>0</a:t>
+                      </a:r>
+                      <a:endParaRPr lang="en-GB" dirty="0"/>
+                    </a:p>
+                  </a:txBody>
+                  <a:tcPr/>
+                </a:tc>
+              </a:tr>
+              <a:tr h="370840">
+                <a:tc>
+                  <a:txBody>
+                    <a:bodyPr/>
+                    <a:lstStyle/>
+                    <a:p>
+                      <a:r>
+                        <a:rPr lang="en-GB" b="1" dirty="0" smtClean="0">
+                          <a:solidFill>
+                            <a:schemeClr val="bg1"/>
+                          </a:solidFill>
+                        </a:rPr>
+                        <a:t>101</a:t>
+                      </a:r>
+                      <a:endParaRPr lang="en-GB" b="1" dirty="0">
+                        <a:solidFill>
+                          <a:schemeClr val="bg1"/>
+                        </a:solidFill>
+                      </a:endParaRPr>
+                    </a:p>
+                  </a:txBody>
+                  <a:tcPr>
+                    <a:solidFill>
+                      <a:schemeClr val="accent1"/>
+                    </a:solidFill>
+                  </a:tcPr>
+                </a:tc>
+                <a:tc>
+                  <a:txBody>
+                    <a:bodyPr/>
+                    <a:lstStyle/>
+                    <a:p>
+                      <a:r>
+                        <a:rPr lang="en-GB" dirty="0" smtClean="0"/>
+                        <a:t>1</a:t>
+                      </a:r>
+                      <a:endParaRPr lang="en-GB" dirty="0"/>
+                    </a:p>
+                  </a:txBody>
+                  <a:tcPr/>
+                </a:tc>
+                <a:tc>
+                  <a:txBody>
+                    <a:bodyPr/>
+                    <a:lstStyle/>
+                    <a:p>
+                      <a:r>
+                        <a:rPr lang="en-GB" dirty="0" smtClean="0"/>
+                        <a:t>1</a:t>
+                      </a:r>
+                      <a:endParaRPr lang="en-GB" dirty="0"/>
+                    </a:p>
+                  </a:txBody>
+                  <a:tcPr/>
+                </a:tc>
+                <a:tc>
+                  <a:txBody>
+                    <a:bodyPr/>
+                    <a:lstStyle/>
+                    <a:p>
+                      <a:r>
+                        <a:rPr lang="en-GB" dirty="0" smtClean="0"/>
+                        <a:t>1</a:t>
+                      </a:r>
+                      <a:endParaRPr lang="en-GB" dirty="0"/>
+                    </a:p>
+                  </a:txBody>
+                  <a:tcPr/>
+                </a:tc>
+              </a:tr>
+              <a:tr h="370840">
+                <a:tc>
+                  <a:txBody>
+                    <a:bodyPr/>
+                    <a:lstStyle/>
+                    <a:p>
+                      <a:r>
+                        <a:rPr lang="en-GB" b="1" dirty="0" smtClean="0">
+                          <a:solidFill>
+                            <a:schemeClr val="bg1"/>
+                          </a:solidFill>
+                        </a:rPr>
+                        <a:t>011</a:t>
+                      </a:r>
+                    </a:p>
+                  </a:txBody>
+                  <a:tcPr>
+                    <a:solidFill>
+                      <a:schemeClr val="accent1"/>
+                    </a:solidFill>
+                  </a:tcPr>
+                </a:tc>
+                <a:tc>
+                  <a:txBody>
+                    <a:bodyPr/>
+                    <a:lstStyle/>
+                    <a:p>
+                      <a:r>
+                        <a:rPr lang="en-GB" dirty="0" smtClean="0"/>
+                        <a:t>1</a:t>
+                      </a:r>
+                      <a:endParaRPr lang="en-GB" dirty="0"/>
+                    </a:p>
+                  </a:txBody>
+                  <a:tcPr/>
+                </a:tc>
+                <a:tc>
+                  <a:txBody>
+                    <a:bodyPr/>
+                    <a:lstStyle/>
+                    <a:p>
+                      <a:r>
+                        <a:rPr lang="en-GB" dirty="0" smtClean="0"/>
+                        <a:t>0</a:t>
+                      </a:r>
+                      <a:endParaRPr lang="en-GB" dirty="0"/>
+                    </a:p>
+                  </a:txBody>
+                  <a:tcPr/>
+                </a:tc>
+                <a:tc>
+                  <a:txBody>
+                    <a:bodyPr/>
+                    <a:lstStyle/>
+                    <a:p>
+                      <a:r>
+                        <a:rPr lang="en-GB" dirty="0" smtClean="0"/>
+                        <a:t>1</a:t>
+                      </a:r>
+                      <a:endParaRPr lang="en-GB" dirty="0"/>
+                    </a:p>
+                  </a:txBody>
+                  <a:tcPr/>
+                </a:tc>
+              </a:tr>
+              <a:tr h="370840">
+                <a:tc>
+                  <a:txBody>
+                    <a:bodyPr/>
+                    <a:lstStyle/>
+                    <a:p>
+                      <a:r>
+                        <a:rPr lang="en-GB" b="1" dirty="0" smtClean="0">
+                          <a:solidFill>
+                            <a:schemeClr val="bg1"/>
+                          </a:solidFill>
+                        </a:rPr>
+                        <a:t>111</a:t>
+                      </a:r>
+                    </a:p>
+                  </a:txBody>
+                  <a:tcPr>
+                    <a:solidFill>
+                      <a:schemeClr val="accent1"/>
+                    </a:solidFill>
+                  </a:tcPr>
+                </a:tc>
+                <a:tc>
+                  <a:txBody>
+                    <a:bodyPr/>
+                    <a:lstStyle/>
+                    <a:p>
+                      <a:r>
+                        <a:rPr lang="en-GB" dirty="0" smtClean="0"/>
+                        <a:t>1</a:t>
+                      </a:r>
+                      <a:endParaRPr lang="en-GB" dirty="0"/>
+                    </a:p>
+                  </a:txBody>
+                  <a:tcPr/>
+                </a:tc>
+                <a:tc>
+                  <a:txBody>
+                    <a:bodyPr/>
+                    <a:lstStyle/>
+                    <a:p>
+                      <a:r>
+                        <a:rPr lang="en-GB" dirty="0" smtClean="0"/>
+                        <a:t>1</a:t>
+                      </a:r>
+                      <a:endParaRPr lang="en-GB" dirty="0"/>
+                    </a:p>
+                  </a:txBody>
+                  <a:tcPr/>
+                </a:tc>
+                <a:tc>
+                  <a:txBody>
+                    <a:bodyPr/>
+                    <a:lstStyle/>
+                    <a:p>
+                      <a:r>
+                        <a:rPr lang="en-GB" dirty="0" smtClean="0"/>
+                        <a:t>0</a:t>
+                      </a:r>
+                      <a:endParaRPr lang="en-GB" dirty="0"/>
+                    </a:p>
+                  </a:txBody>
+                  <a:tcPr/>
+                </a:tc>
+              </a:tr>
+            </a:tbl>
+          </a:graphicData>
+        </a:graphic>
+      </p:graphicFrame>
+      <mc:AlternateContent xmlns:mc="http://schemas.openxmlformats.org/markup-compatibility/2006">
+        <mc:Choice xmlns:a14="http://schemas.microsoft.com/office/drawing/2010/main" Requires="a14">
+          <p:sp>
+            <p:nvSpPr>
+              <p:cNvPr id="10" name="TextBox 9"/>
+              <p:cNvSpPr txBox="1"/>
+              <p:nvPr/>
+            </p:nvSpPr>
+            <p:spPr>
+              <a:xfrm>
+                <a:off x="971599" y="3606684"/>
+                <a:ext cx="4245393" cy="595612"/>
+              </a:xfrm>
+              <a:prstGeom prst="rect">
+                <a:avLst/>
+              </a:prstGeom>
+              <a:noFill/>
+            </p:spPr>
+            <p:txBody>
+              <a:bodyPr wrap="none" rtlCol="0">
+                <a:spAutoFit/>
+              </a:bodyPr>
+              <a:lstStyle/>
+              <a:p>
+                <a14:m>
+                  <m:oMathPara xmlns:m="http://schemas.openxmlformats.org/officeDocument/2006/math">
+                    <m:oMathParaPr>
+                      <m:jc m:val="centerGroup"/>
+                    </m:oMathParaPr>
+                    <m:oMath xmlns:m="http://schemas.openxmlformats.org/officeDocument/2006/math">
+                      <m:sSub>
+                        <m:sSubPr>
+                          <m:ctrlPr>
+                            <a:rPr lang="en-GB" sz="2800" i="1" smtClean="0">
+                              <a:latin typeface="Cambria Math" pitchFamily="18" charset="0"/>
+                              <a:ea typeface="Cambria Math" pitchFamily="18" charset="0"/>
+                            </a:rPr>
+                          </m:ctrlPr>
+                        </m:sSubPr>
+                        <m:e>
+                          <m:acc>
+                            <m:accPr>
+                              <m:chr m:val="̃"/>
+                              <m:ctrlPr>
+                                <a:rPr lang="en-GB" sz="2800" i="1" smtClean="0">
+                                  <a:latin typeface="Cambria Math" pitchFamily="18" charset="0"/>
+                                  <a:ea typeface="Cambria Math" pitchFamily="18" charset="0"/>
+                                </a:rPr>
+                              </m:ctrlPr>
+                            </m:accPr>
+                            <m:e>
+                              <m:r>
+                                <a:rPr lang="en-GB" sz="2800" b="0" i="1" smtClean="0">
+                                  <a:latin typeface="Cambria Math" pitchFamily="18" charset="0"/>
+                                  <a:ea typeface="Cambria Math" pitchFamily="18" charset="0"/>
+                                </a:rPr>
+                                <m:t>𝑇</m:t>
+                              </m:r>
+                            </m:e>
+                          </m:acc>
+                        </m:e>
+                        <m:sub>
+                          <m:r>
+                            <a:rPr lang="en-GB" sz="2800" b="0" i="1" smtClean="0">
+                              <a:latin typeface="Cambria Math" pitchFamily="18" charset="0"/>
+                              <a:ea typeface="Cambria Math" pitchFamily="18" charset="0"/>
+                            </a:rPr>
+                            <m:t>𝑖𝑗</m:t>
+                          </m:r>
+                        </m:sub>
+                      </m:sSub>
+                      <m:r>
+                        <a:rPr lang="en-GB" sz="2800" b="0" i="1" smtClean="0">
+                          <a:latin typeface="Cambria Math" pitchFamily="18" charset="0"/>
+                          <a:ea typeface="Cambria Math" pitchFamily="18" charset="0"/>
+                        </a:rPr>
+                        <m:t>=</m:t>
+                      </m:r>
+                      <m:r>
+                        <a:rPr lang="en-GB" sz="2800" b="0" i="1" smtClean="0">
+                          <a:latin typeface="Cambria Math" pitchFamily="18" charset="0"/>
+                          <a:ea typeface="Cambria Math" pitchFamily="18" charset="0"/>
+                        </a:rPr>
+                        <m:t>𝑃</m:t>
+                      </m:r>
+                      <m:r>
+                        <a:rPr lang="en-GB" sz="2800" b="0" i="1" smtClean="0">
+                          <a:latin typeface="Cambria Math" pitchFamily="18" charset="0"/>
+                          <a:ea typeface="Cambria Math" pitchFamily="18" charset="0"/>
+                        </a:rPr>
+                        <m:t>(</m:t>
+                      </m:r>
+                      <m:sSup>
+                        <m:sSupPr>
+                          <m:ctrlPr>
+                            <a:rPr lang="en-GB" sz="2800" i="1">
+                              <a:latin typeface="Cambria Math" pitchFamily="18" charset="0"/>
+                              <a:ea typeface="Cambria Math" pitchFamily="18" charset="0"/>
+                            </a:rPr>
+                          </m:ctrlPr>
+                        </m:sSupPr>
+                        <m:e>
+                          <m:sSub>
+                            <m:sSubPr>
+                              <m:ctrlPr>
+                                <a:rPr lang="en-GB" sz="2800" i="1">
+                                  <a:latin typeface="Cambria Math" pitchFamily="18" charset="0"/>
+                                  <a:ea typeface="Cambria Math" pitchFamily="18" charset="0"/>
+                                </a:rPr>
+                              </m:ctrlPr>
+                            </m:sSubPr>
+                            <m:e>
+                              <m:r>
+                                <a:rPr lang="en-GB" sz="2800" i="1">
+                                  <a:latin typeface="Cambria Math" pitchFamily="18" charset="0"/>
+                                  <a:ea typeface="Cambria Math" pitchFamily="18" charset="0"/>
+                                </a:rPr>
+                                <m:t>𝐺</m:t>
+                              </m:r>
+                            </m:e>
+                            <m:sub>
+                              <m:r>
+                                <a:rPr lang="en-GB" sz="2800" i="1">
+                                  <a:latin typeface="Cambria Math" pitchFamily="18" charset="0"/>
+                                  <a:ea typeface="Cambria Math" pitchFamily="18" charset="0"/>
+                                </a:rPr>
+                                <m:t>𝑗</m:t>
+                              </m:r>
+                            </m:sub>
+                          </m:sSub>
+                        </m:e>
+                        <m:sup>
+                          <m:r>
+                            <a:rPr lang="en-GB" sz="2800" i="1">
+                              <a:latin typeface="Cambria Math" pitchFamily="18" charset="0"/>
+                              <a:ea typeface="Cambria Math" pitchFamily="18" charset="0"/>
+                            </a:rPr>
+                            <m:t>𝑡</m:t>
+                          </m:r>
+                          <m:r>
+                            <a:rPr lang="en-GB" sz="2800" i="1">
+                              <a:latin typeface="Cambria Math" pitchFamily="18" charset="0"/>
+                              <a:ea typeface="Cambria Math" pitchFamily="18" charset="0"/>
+                            </a:rPr>
+                            <m:t>+1</m:t>
+                          </m:r>
+                        </m:sup>
+                      </m:sSup>
+                      <m:r>
+                        <a:rPr lang="en-GB" sz="2800" b="0" i="1" smtClean="0">
+                          <a:latin typeface="Cambria Math" pitchFamily="18" charset="0"/>
+                          <a:ea typeface="Cambria Math" pitchFamily="18" charset="0"/>
+                        </a:rPr>
+                        <m:t>=1|</m:t>
+                      </m:r>
+                      <m:sSup>
+                        <m:sSupPr>
+                          <m:ctrlPr>
+                            <a:rPr lang="en-GB" sz="2800" b="0" i="1" smtClean="0">
+                              <a:latin typeface="Cambria Math" pitchFamily="18" charset="0"/>
+                              <a:ea typeface="Cambria Math" pitchFamily="18" charset="0"/>
+                            </a:rPr>
+                          </m:ctrlPr>
+                        </m:sSupPr>
+                        <m:e>
+                          <m:r>
+                            <a:rPr lang="en-GB" sz="2800" b="0" i="1" smtClean="0">
+                              <a:latin typeface="Cambria Math" pitchFamily="18" charset="0"/>
+                              <a:ea typeface="Cambria Math" pitchFamily="18" charset="0"/>
+                            </a:rPr>
+                            <m:t>𝐺</m:t>
+                          </m:r>
+                        </m:e>
+                        <m:sup>
+                          <m:r>
+                            <a:rPr lang="en-GB" sz="2800" b="0" i="1" smtClean="0">
+                              <a:latin typeface="Cambria Math" pitchFamily="18" charset="0"/>
+                              <a:ea typeface="Cambria Math" pitchFamily="18" charset="0"/>
+                            </a:rPr>
+                            <m:t>𝑡</m:t>
+                          </m:r>
+                        </m:sup>
+                      </m:sSup>
+                      <m:r>
+                        <a:rPr lang="en-GB" sz="2800" b="0" i="1" smtClean="0">
+                          <a:latin typeface="Cambria Math" pitchFamily="18" charset="0"/>
+                          <a:ea typeface="Cambria Math" pitchFamily="18" charset="0"/>
+                        </a:rPr>
+                        <m:t>=</m:t>
+                      </m:r>
+                      <m:r>
+                        <a:rPr lang="en-GB" sz="2800" b="0" i="1" smtClean="0">
+                          <a:latin typeface="Cambria Math" pitchFamily="18" charset="0"/>
+                          <a:ea typeface="Cambria Math" pitchFamily="18" charset="0"/>
+                        </a:rPr>
+                        <m:t>𝑖</m:t>
+                      </m:r>
+                      <m:r>
+                        <a:rPr lang="en-GB" sz="2800" b="0" i="1" smtClean="0">
+                          <a:latin typeface="Cambria Math" pitchFamily="18" charset="0"/>
+                          <a:ea typeface="Cambria Math" pitchFamily="18" charset="0"/>
+                        </a:rPr>
+                        <m:t>)</m:t>
+                      </m:r>
+                    </m:oMath>
+                  </m:oMathPara>
+                </a14:m>
+                <a:endParaRPr lang="en-GB" sz="2800" i="1" dirty="0">
+                  <a:latin typeface="Cambria Math" pitchFamily="18" charset="0"/>
+                  <a:ea typeface="Cambria Math" pitchFamily="18" charset="0"/>
+                </a:endParaRPr>
+              </a:p>
+            </p:txBody>
+          </p:sp>
+        </mc:Choice>
+        <mc:Fallback>
+          <p:sp>
+            <p:nvSpPr>
+              <p:cNvPr id="10" name="TextBox 9"/>
+              <p:cNvSpPr txBox="1">
+                <a:spLocks noRot="1" noChangeAspect="1" noMove="1" noResize="1" noEditPoints="1" noAdjustHandles="1" noChangeArrowheads="1" noChangeShapeType="1" noTextEdit="1"/>
+              </p:cNvSpPr>
+              <p:nvPr/>
+            </p:nvSpPr>
+            <p:spPr>
+              <a:xfrm>
+                <a:off x="971599" y="3606684"/>
+                <a:ext cx="4245393" cy="595612"/>
+              </a:xfrm>
+              <a:prstGeom prst="rect">
+                <a:avLst/>
+              </a:prstGeom>
+              <a:blipFill rotWithShape="1">
+                <a:blip r:embed="rId2"/>
+                <a:stretch>
+                  <a:fillRect/>
+                </a:stretch>
+              </a:blipFill>
+            </p:spPr>
+            <p:txBody>
+              <a:bodyPr/>
+              <a:lstStyle/>
+              <a:p>
+                <a:r>
+                  <a:rPr lang="en-GB">
+                    <a:noFill/>
+                  </a:rPr>
+                  <a:t> </a:t>
+                </a:r>
+              </a:p>
+            </p:txBody>
+          </p:sp>
+        </mc:Fallback>
+      </mc:AlternateContent>
+      <mc:AlternateContent xmlns:mc="http://schemas.openxmlformats.org/markup-compatibility/2006">
+        <mc:Choice xmlns:a14="http://schemas.microsoft.com/office/drawing/2010/main" Requires="a14">
+          <p:sp>
+            <p:nvSpPr>
+              <p:cNvPr id="3" name="TextBox 2"/>
+              <p:cNvSpPr txBox="1"/>
+              <p:nvPr/>
+            </p:nvSpPr>
+            <p:spPr>
+              <a:xfrm>
+                <a:off x="971600" y="1412776"/>
+                <a:ext cx="4878323" cy="1268552"/>
+              </a:xfrm>
+              <a:prstGeom prst="rect">
+                <a:avLst/>
+              </a:prstGeom>
+              <a:noFill/>
+            </p:spPr>
+            <p:txBody>
+              <a:bodyPr wrap="none" rtlCol="0">
+                <a:spAutoFit/>
+              </a:bodyPr>
+              <a:lstStyle/>
+              <a:p>
+                <a14:m>
+                  <m:oMathPara xmlns:m="http://schemas.openxmlformats.org/officeDocument/2006/math">
+                    <m:oMathParaPr>
+                      <m:jc m:val="centerGroup"/>
+                    </m:oMathParaPr>
+                    <m:oMath xmlns:m="http://schemas.openxmlformats.org/officeDocument/2006/math">
+                      <m:r>
+                        <a:rPr lang="en-GB" sz="2800" b="0" i="1" smtClean="0">
+                          <a:latin typeface="Cambria Math" pitchFamily="18" charset="0"/>
+                          <a:ea typeface="Cambria Math" pitchFamily="18" charset="0"/>
+                        </a:rPr>
+                        <m:t>𝑝</m:t>
+                      </m:r>
+                      <m:d>
+                        <m:dPr>
+                          <m:ctrlPr>
+                            <a:rPr lang="en-GB" sz="2800" b="0" i="1" smtClean="0">
+                              <a:latin typeface="Cambria Math" pitchFamily="18" charset="0"/>
+                              <a:ea typeface="Cambria Math" pitchFamily="18" charset="0"/>
+                            </a:rPr>
+                          </m:ctrlPr>
+                        </m:dPr>
+                        <m:e>
+                          <m:sSup>
+                            <m:sSupPr>
+                              <m:ctrlPr>
+                                <a:rPr lang="en-GB" sz="2800" b="0" i="1" smtClean="0">
+                                  <a:latin typeface="Cambria Math" pitchFamily="18" charset="0"/>
+                                  <a:ea typeface="Cambria Math" pitchFamily="18" charset="0"/>
+                                </a:rPr>
+                              </m:ctrlPr>
+                            </m:sSupPr>
+                            <m:e>
+                              <m:r>
+                                <a:rPr lang="en-GB" sz="2800" b="0" i="1" smtClean="0">
+                                  <a:latin typeface="Cambria Math" pitchFamily="18" charset="0"/>
+                                  <a:ea typeface="Cambria Math" pitchFamily="18" charset="0"/>
+                                </a:rPr>
+                                <m:t>𝐺</m:t>
+                              </m:r>
+                            </m:e>
+                            <m:sup>
+                              <m:r>
+                                <a:rPr lang="en-GB" sz="2800" b="0" i="1" smtClean="0">
+                                  <a:latin typeface="Cambria Math" pitchFamily="18" charset="0"/>
+                                  <a:ea typeface="Cambria Math" pitchFamily="18" charset="0"/>
+                                </a:rPr>
+                                <m:t>𝑡</m:t>
+                              </m:r>
+                              <m:r>
+                                <a:rPr lang="en-GB" sz="2800" b="0" i="1" smtClean="0">
+                                  <a:latin typeface="Cambria Math" pitchFamily="18" charset="0"/>
+                                  <a:ea typeface="Cambria Math" pitchFamily="18" charset="0"/>
+                                </a:rPr>
+                                <m:t>+1</m:t>
+                              </m:r>
+                            </m:sup>
+                          </m:sSup>
+                        </m:e>
+                        <m:e>
+                          <m:sSup>
+                            <m:sSupPr>
+                              <m:ctrlPr>
+                                <a:rPr lang="en-GB" sz="2800" b="0" i="1" smtClean="0">
+                                  <a:latin typeface="Cambria Math" pitchFamily="18" charset="0"/>
+                                  <a:ea typeface="Cambria Math" pitchFamily="18" charset="0"/>
+                                </a:rPr>
+                              </m:ctrlPr>
+                            </m:sSupPr>
+                            <m:e>
+                              <m:r>
+                                <a:rPr lang="en-GB" sz="2800" b="0" i="1" smtClean="0">
+                                  <a:latin typeface="Cambria Math" pitchFamily="18" charset="0"/>
+                                  <a:ea typeface="Cambria Math" pitchFamily="18" charset="0"/>
+                                </a:rPr>
+                                <m:t>𝐺</m:t>
+                              </m:r>
+                            </m:e>
+                            <m:sup>
+                              <m:r>
+                                <a:rPr lang="en-GB" sz="2800" b="0" i="1" smtClean="0">
+                                  <a:latin typeface="Cambria Math" pitchFamily="18" charset="0"/>
+                                  <a:ea typeface="Cambria Math" pitchFamily="18" charset="0"/>
+                                </a:rPr>
+                                <m:t>𝑡</m:t>
+                              </m:r>
+                            </m:sup>
+                          </m:sSup>
+                        </m:e>
+                      </m:d>
+                      <m:r>
+                        <a:rPr lang="en-GB" sz="2800" b="0" i="1" smtClean="0">
+                          <a:latin typeface="Cambria Math" pitchFamily="18" charset="0"/>
+                          <a:ea typeface="Cambria Math" pitchFamily="18" charset="0"/>
+                        </a:rPr>
+                        <m:t>=</m:t>
+                      </m:r>
+                      <m:nary>
+                        <m:naryPr>
+                          <m:chr m:val="∏"/>
+                          <m:ctrlPr>
+                            <a:rPr lang="en-GB" sz="2800" b="0" i="1" smtClean="0">
+                              <a:latin typeface="Cambria Math" pitchFamily="18" charset="0"/>
+                              <a:ea typeface="Cambria Math" pitchFamily="18" charset="0"/>
+                            </a:rPr>
+                          </m:ctrlPr>
+                        </m:naryPr>
+                        <m:sub>
+                          <m:r>
+                            <m:rPr>
+                              <m:brk m:alnAt="23"/>
+                            </m:rPr>
+                            <a:rPr lang="en-GB" sz="2800" b="0" i="1" smtClean="0">
+                              <a:latin typeface="Cambria Math" pitchFamily="18" charset="0"/>
+                              <a:ea typeface="Cambria Math" pitchFamily="18" charset="0"/>
+                            </a:rPr>
+                            <m:t>𝑖</m:t>
+                          </m:r>
+                          <m:r>
+                            <a:rPr lang="en-GB" sz="2800" b="0" i="1" smtClean="0">
+                              <a:latin typeface="Cambria Math" pitchFamily="18" charset="0"/>
+                              <a:ea typeface="Cambria Math" pitchFamily="18" charset="0"/>
+                            </a:rPr>
+                            <m:t>=1</m:t>
+                          </m:r>
+                        </m:sub>
+                        <m:sup>
+                          <m:r>
+                            <a:rPr lang="en-GB" sz="2800" b="0" i="1" smtClean="0">
+                              <a:latin typeface="Cambria Math" pitchFamily="18" charset="0"/>
+                              <a:ea typeface="Cambria Math" pitchFamily="18" charset="0"/>
+                            </a:rPr>
+                            <m:t>𝑛</m:t>
+                          </m:r>
+                        </m:sup>
+                        <m:e>
+                          <m:r>
+                            <a:rPr lang="en-GB" sz="2800" b="0" i="1" smtClean="0">
+                              <a:latin typeface="Cambria Math" pitchFamily="18" charset="0"/>
+                              <a:ea typeface="Cambria Math" pitchFamily="18" charset="0"/>
+                            </a:rPr>
+                            <m:t>𝑝</m:t>
+                          </m:r>
+                          <m:r>
+                            <a:rPr lang="en-GB" sz="2800" b="0" i="1" smtClean="0">
+                              <a:latin typeface="Cambria Math" pitchFamily="18" charset="0"/>
+                              <a:ea typeface="Cambria Math" pitchFamily="18" charset="0"/>
+                            </a:rPr>
+                            <m:t>(</m:t>
+                          </m:r>
+                          <m:sSup>
+                            <m:sSupPr>
+                              <m:ctrlPr>
+                                <a:rPr lang="en-GB" sz="2800" b="0" i="1" smtClean="0">
+                                  <a:latin typeface="Cambria Math" pitchFamily="18" charset="0"/>
+                                  <a:ea typeface="Cambria Math" pitchFamily="18" charset="0"/>
+                                </a:rPr>
+                              </m:ctrlPr>
+                            </m:sSupPr>
+                            <m:e>
+                              <m:sSub>
+                                <m:sSubPr>
+                                  <m:ctrlPr>
+                                    <a:rPr lang="en-GB" sz="2800" b="0" i="1" smtClean="0">
+                                      <a:latin typeface="Cambria Math" pitchFamily="18" charset="0"/>
+                                      <a:ea typeface="Cambria Math" pitchFamily="18" charset="0"/>
+                                    </a:rPr>
+                                  </m:ctrlPr>
+                                </m:sSubPr>
+                                <m:e>
+                                  <m:r>
+                                    <a:rPr lang="en-GB" sz="2800" b="0" i="1" smtClean="0">
+                                      <a:latin typeface="Cambria Math" pitchFamily="18" charset="0"/>
+                                      <a:ea typeface="Cambria Math" pitchFamily="18" charset="0"/>
+                                    </a:rPr>
+                                    <m:t>𝐺</m:t>
+                                  </m:r>
+                                </m:e>
+                                <m:sub>
+                                  <m:r>
+                                    <a:rPr lang="en-GB" sz="2800" b="0" i="1" smtClean="0">
+                                      <a:latin typeface="Cambria Math" pitchFamily="18" charset="0"/>
+                                      <a:ea typeface="Cambria Math" pitchFamily="18" charset="0"/>
+                                    </a:rPr>
+                                    <m:t>𝑖</m:t>
+                                  </m:r>
+                                </m:sub>
+                              </m:sSub>
+                            </m:e>
+                            <m:sup>
+                              <m:r>
+                                <a:rPr lang="en-GB" sz="2800" b="0" i="1" smtClean="0">
+                                  <a:latin typeface="Cambria Math" pitchFamily="18" charset="0"/>
+                                  <a:ea typeface="Cambria Math" pitchFamily="18" charset="0"/>
+                                </a:rPr>
+                                <m:t>𝑡</m:t>
+                              </m:r>
+                              <m:r>
+                                <a:rPr lang="en-GB" sz="2800" b="0" i="1" smtClean="0">
+                                  <a:latin typeface="Cambria Math" pitchFamily="18" charset="0"/>
+                                  <a:ea typeface="Cambria Math" pitchFamily="18" charset="0"/>
+                                </a:rPr>
+                                <m:t>+1</m:t>
+                              </m:r>
+                            </m:sup>
+                          </m:sSup>
+                          <m:r>
+                            <a:rPr lang="en-GB" sz="2800" b="0" i="1" smtClean="0">
+                              <a:latin typeface="Cambria Math" pitchFamily="18" charset="0"/>
+                              <a:ea typeface="Cambria Math" pitchFamily="18" charset="0"/>
+                            </a:rPr>
+                            <m:t>|</m:t>
+                          </m:r>
+                          <m:sSup>
+                            <m:sSupPr>
+                              <m:ctrlPr>
+                                <a:rPr lang="en-GB" sz="2800" b="0" i="1" smtClean="0">
+                                  <a:latin typeface="Cambria Math" pitchFamily="18" charset="0"/>
+                                  <a:ea typeface="Cambria Math" pitchFamily="18" charset="0"/>
+                                </a:rPr>
+                              </m:ctrlPr>
+                            </m:sSupPr>
+                            <m:e>
+                              <m:r>
+                                <a:rPr lang="en-GB" sz="2800" b="0" i="1" smtClean="0">
+                                  <a:latin typeface="Cambria Math" pitchFamily="18" charset="0"/>
+                                  <a:ea typeface="Cambria Math" pitchFamily="18" charset="0"/>
+                                </a:rPr>
+                                <m:t>𝐺</m:t>
+                              </m:r>
+                            </m:e>
+                            <m:sup>
+                              <m:r>
+                                <a:rPr lang="en-GB" sz="2800" b="0" i="1" smtClean="0">
+                                  <a:latin typeface="Cambria Math" pitchFamily="18" charset="0"/>
+                                  <a:ea typeface="Cambria Math" pitchFamily="18" charset="0"/>
+                                </a:rPr>
+                                <m:t>𝑡</m:t>
+                              </m:r>
+                            </m:sup>
+                          </m:sSup>
+                          <m:r>
+                            <a:rPr lang="en-GB" sz="2800" b="0" i="1" smtClean="0">
+                              <a:latin typeface="Cambria Math" pitchFamily="18" charset="0"/>
+                              <a:ea typeface="Cambria Math" pitchFamily="18" charset="0"/>
+                            </a:rPr>
+                            <m:t>)</m:t>
+                          </m:r>
+                        </m:e>
+                      </m:nary>
+                    </m:oMath>
+                  </m:oMathPara>
+                </a14:m>
+                <a:endParaRPr lang="en-GB" sz="2800" i="1" dirty="0">
+                  <a:latin typeface="Cambria Math" pitchFamily="18" charset="0"/>
+                  <a:ea typeface="Cambria Math" pitchFamily="18" charset="0"/>
+                </a:endParaRPr>
+              </a:p>
+            </p:txBody>
+          </p:sp>
+        </mc:Choice>
+        <mc:Fallback>
+          <p:sp>
+            <p:nvSpPr>
+              <p:cNvPr id="3" name="TextBox 2"/>
+              <p:cNvSpPr txBox="1">
+                <a:spLocks noRot="1" noChangeAspect="1" noMove="1" noResize="1" noEditPoints="1" noAdjustHandles="1" noChangeArrowheads="1" noChangeShapeType="1" noTextEdit="1"/>
+              </p:cNvSpPr>
+              <p:nvPr/>
+            </p:nvSpPr>
+            <p:spPr>
+              <a:xfrm>
+                <a:off x="971600" y="1412776"/>
+                <a:ext cx="4878323" cy="1268552"/>
+              </a:xfrm>
+              <a:prstGeom prst="rect">
+                <a:avLst/>
+              </a:prstGeom>
+              <a:blipFill rotWithShape="1">
+                <a:blip r:embed="rId3"/>
+                <a:stretch>
+                  <a:fillRect/>
+                </a:stretch>
+              </a:blipFill>
+            </p:spPr>
+            <p:txBody>
+              <a:bodyPr/>
+              <a:lstStyle/>
+              <a:p>
+                <a:r>
+                  <a:rPr lang="en-GB">
+                    <a:noFill/>
+                  </a:rPr>
+                  <a:t> </a:t>
+                </a:r>
+              </a:p>
+            </p:txBody>
+          </p:sp>
+        </mc:Fallback>
+      </mc:AlternateContent>
+      <mc:AlternateContent xmlns:mc="http://schemas.openxmlformats.org/markup-compatibility/2006">
+        <mc:Choice xmlns:a14="http://schemas.microsoft.com/office/drawing/2010/main" Requires="a14">
+          <p:sp>
+            <p:nvSpPr>
+              <p:cNvPr id="4" name="TextBox 3"/>
+              <p:cNvSpPr txBox="1"/>
+              <p:nvPr/>
+            </p:nvSpPr>
+            <p:spPr>
+              <a:xfrm>
+                <a:off x="755576" y="4899283"/>
+                <a:ext cx="6768752" cy="1317348"/>
+              </a:xfrm>
+              <a:prstGeom prst="rect">
+                <a:avLst/>
+              </a:prstGeom>
+              <a:noFill/>
+            </p:spPr>
+            <p:txBody>
+              <a:bodyPr wrap="square" rtlCol="0">
+                <a:spAutoFit/>
+              </a:bodyPr>
+              <a:lstStyle/>
+              <a:p>
+                <a14:m>
+                  <m:oMathPara xmlns:m="http://schemas.openxmlformats.org/officeDocument/2006/math">
+                    <m:oMathParaPr>
+                      <m:jc m:val="centerGroup"/>
+                    </m:oMathParaPr>
+                    <m:oMath xmlns:m="http://schemas.openxmlformats.org/officeDocument/2006/math">
+                      <m:sSub>
+                        <m:sSubPr>
+                          <m:ctrlPr>
+                            <a:rPr lang="en-GB" sz="2800" i="1" smtClean="0">
+                              <a:latin typeface="Cambria Math" pitchFamily="18" charset="0"/>
+                              <a:ea typeface="Cambria Math" pitchFamily="18" charset="0"/>
+                            </a:rPr>
+                          </m:ctrlPr>
+                        </m:sSubPr>
+                        <m:e>
+                          <m:r>
+                            <a:rPr lang="en-GB" sz="2800" b="0" i="1" smtClean="0">
+                              <a:latin typeface="Cambria Math" pitchFamily="18" charset="0"/>
+                              <a:ea typeface="Cambria Math" pitchFamily="18" charset="0"/>
+                            </a:rPr>
+                            <m:t>𝑇</m:t>
+                          </m:r>
+                        </m:e>
+                        <m:sub>
+                          <m:r>
+                            <a:rPr lang="en-GB" sz="2800" b="0" i="1" smtClean="0">
+                              <a:latin typeface="Cambria Math" pitchFamily="18" charset="0"/>
+                              <a:ea typeface="Cambria Math" pitchFamily="18" charset="0"/>
+                            </a:rPr>
+                            <m:t>𝑖𝑘</m:t>
+                          </m:r>
+                        </m:sub>
+                      </m:sSub>
+                      <m:r>
+                        <a:rPr lang="en-GB" sz="2800" b="0" i="0" smtClean="0">
+                          <a:latin typeface="Cambria Math" pitchFamily="18" charset="0"/>
+                          <a:ea typeface="Cambria Math" pitchFamily="18" charset="0"/>
+                        </a:rPr>
+                        <m:t>=</m:t>
+                      </m:r>
+                      <m:nary>
+                        <m:naryPr>
+                          <m:chr m:val="∏"/>
+                          <m:ctrlPr>
+                            <a:rPr lang="en-GB" sz="2800" i="1" smtClean="0">
+                              <a:latin typeface="Cambria Math" pitchFamily="18" charset="0"/>
+                              <a:ea typeface="Cambria Math" pitchFamily="18" charset="0"/>
+                            </a:rPr>
+                          </m:ctrlPr>
+                        </m:naryPr>
+                        <m:sub>
+                          <m:r>
+                            <m:rPr>
+                              <m:brk m:alnAt="23"/>
+                            </m:rPr>
+                            <a:rPr lang="en-GB" sz="2800" b="0" i="1" smtClean="0">
+                              <a:latin typeface="Cambria Math" pitchFamily="18" charset="0"/>
+                              <a:ea typeface="Cambria Math" pitchFamily="18" charset="0"/>
+                            </a:rPr>
+                            <m:t>𝑗</m:t>
+                          </m:r>
+                          <m:r>
+                            <a:rPr lang="en-GB" sz="2800" b="0" i="1" smtClean="0">
+                              <a:latin typeface="Cambria Math" pitchFamily="18" charset="0"/>
+                              <a:ea typeface="Cambria Math" pitchFamily="18" charset="0"/>
+                            </a:rPr>
+                            <m:t>=1</m:t>
+                          </m:r>
+                        </m:sub>
+                        <m:sup>
+                          <m:r>
+                            <a:rPr lang="en-GB" sz="2800" b="0" i="1" smtClean="0">
+                              <a:latin typeface="Cambria Math" pitchFamily="18" charset="0"/>
+                              <a:ea typeface="Cambria Math" pitchFamily="18" charset="0"/>
+                            </a:rPr>
+                            <m:t>𝑛</m:t>
+                          </m:r>
+                        </m:sup>
+                        <m:e>
+                          <m:d>
+                            <m:dPr>
+                              <m:begChr m:val="["/>
+                              <m:endChr m:val="]"/>
+                              <m:ctrlPr>
+                                <a:rPr lang="en-GB" sz="2800" i="1" smtClean="0">
+                                  <a:latin typeface="Cambria Math" pitchFamily="18" charset="0"/>
+                                  <a:ea typeface="Cambria Math" pitchFamily="18" charset="0"/>
+                                </a:rPr>
+                              </m:ctrlPr>
+                            </m:dPr>
+                            <m:e>
+                              <m:sSub>
+                                <m:sSubPr>
+                                  <m:ctrlPr>
+                                    <a:rPr lang="en-GB" sz="2800" i="1">
+                                      <a:latin typeface="Cambria Math" pitchFamily="18" charset="0"/>
+                                      <a:ea typeface="Cambria Math" pitchFamily="18" charset="0"/>
+                                    </a:rPr>
+                                  </m:ctrlPr>
+                                </m:sSubPr>
+                                <m:e>
+                                  <m:acc>
+                                    <m:accPr>
+                                      <m:chr m:val="̃"/>
+                                      <m:ctrlPr>
+                                        <a:rPr lang="en-GB" sz="2800" i="1">
+                                          <a:latin typeface="Cambria Math" pitchFamily="18" charset="0"/>
+                                          <a:ea typeface="Cambria Math" pitchFamily="18" charset="0"/>
+                                        </a:rPr>
+                                      </m:ctrlPr>
+                                    </m:accPr>
+                                    <m:e>
+                                      <m:r>
+                                        <a:rPr lang="en-GB" sz="2800" i="1">
+                                          <a:latin typeface="Cambria Math" pitchFamily="18" charset="0"/>
+                                          <a:ea typeface="Cambria Math" pitchFamily="18" charset="0"/>
+                                        </a:rPr>
+                                        <m:t>𝑇</m:t>
+                                      </m:r>
+                                    </m:e>
+                                  </m:acc>
+                                </m:e>
+                                <m:sub>
+                                  <m:r>
+                                    <a:rPr lang="en-GB" sz="2800" i="1">
+                                      <a:latin typeface="Cambria Math" pitchFamily="18" charset="0"/>
+                                      <a:ea typeface="Cambria Math" pitchFamily="18" charset="0"/>
+                                    </a:rPr>
+                                    <m:t>𝑖𝑗</m:t>
+                                  </m:r>
+                                </m:sub>
+                              </m:sSub>
+                              <m:r>
+                                <a:rPr lang="en-GB" sz="2800" i="1">
+                                  <a:latin typeface="Cambria Math" pitchFamily="18" charset="0"/>
+                                  <a:ea typeface="Cambria Math" pitchFamily="18" charset="0"/>
+                                </a:rPr>
+                                <m:t>𝛿</m:t>
+                              </m:r>
+                              <m:r>
+                                <a:rPr lang="en-GB" sz="2800" i="1">
+                                  <a:latin typeface="Cambria Math" pitchFamily="18" charset="0"/>
+                                  <a:ea typeface="Cambria Math" pitchFamily="18" charset="0"/>
+                                </a:rPr>
+                                <m:t>(</m:t>
+                              </m:r>
+                              <m:sSub>
+                                <m:sSubPr>
+                                  <m:ctrlPr>
+                                    <a:rPr lang="en-GB" sz="2800" i="1">
+                                      <a:latin typeface="Cambria Math" pitchFamily="18" charset="0"/>
+                                      <a:ea typeface="Cambria Math" pitchFamily="18" charset="0"/>
+                                    </a:rPr>
+                                  </m:ctrlPr>
+                                </m:sSubPr>
+                                <m:e>
+                                  <m:r>
+                                    <a:rPr lang="en-GB" sz="2800" i="1">
+                                      <a:latin typeface="Cambria Math" pitchFamily="18" charset="0"/>
+                                      <a:ea typeface="Cambria Math" pitchFamily="18" charset="0"/>
+                                    </a:rPr>
+                                    <m:t>𝑘</m:t>
+                                  </m:r>
+                                </m:e>
+                                <m:sub>
+                                  <m:r>
+                                    <a:rPr lang="en-GB" sz="2800" i="1">
+                                      <a:latin typeface="Cambria Math" pitchFamily="18" charset="0"/>
+                                      <a:ea typeface="Cambria Math" pitchFamily="18" charset="0"/>
+                                    </a:rPr>
+                                    <m:t>𝑗</m:t>
+                                  </m:r>
+                                </m:sub>
+                              </m:sSub>
+                              <m:r>
+                                <a:rPr lang="en-GB" sz="2800" i="1">
+                                  <a:latin typeface="Cambria Math" pitchFamily="18" charset="0"/>
+                                  <a:ea typeface="Cambria Math" pitchFamily="18" charset="0"/>
+                                </a:rPr>
+                                <m:t>−1)+(1−</m:t>
+                              </m:r>
+                              <m:sSub>
+                                <m:sSubPr>
+                                  <m:ctrlPr>
+                                    <a:rPr lang="en-GB" sz="2800" i="1">
+                                      <a:latin typeface="Cambria Math" pitchFamily="18" charset="0"/>
+                                      <a:ea typeface="Cambria Math" pitchFamily="18" charset="0"/>
+                                    </a:rPr>
+                                  </m:ctrlPr>
+                                </m:sSubPr>
+                                <m:e>
+                                  <m:acc>
+                                    <m:accPr>
+                                      <m:chr m:val="̃"/>
+                                      <m:ctrlPr>
+                                        <a:rPr lang="en-GB" sz="2800" i="1">
+                                          <a:latin typeface="Cambria Math" pitchFamily="18" charset="0"/>
+                                          <a:ea typeface="Cambria Math" pitchFamily="18" charset="0"/>
+                                        </a:rPr>
+                                      </m:ctrlPr>
+                                    </m:accPr>
+                                    <m:e>
+                                      <m:r>
+                                        <a:rPr lang="en-GB" sz="2800" i="1">
+                                          <a:latin typeface="Cambria Math" pitchFamily="18" charset="0"/>
+                                          <a:ea typeface="Cambria Math" pitchFamily="18" charset="0"/>
+                                        </a:rPr>
+                                        <m:t>𝑇</m:t>
+                                      </m:r>
+                                    </m:e>
+                                  </m:acc>
+                                </m:e>
+                                <m:sub>
+                                  <m:r>
+                                    <a:rPr lang="en-GB" sz="2800" i="1">
+                                      <a:latin typeface="Cambria Math" pitchFamily="18" charset="0"/>
+                                      <a:ea typeface="Cambria Math" pitchFamily="18" charset="0"/>
+                                    </a:rPr>
+                                    <m:t>𝑖𝑗</m:t>
+                                  </m:r>
+                                </m:sub>
+                              </m:sSub>
+                              <m:r>
+                                <a:rPr lang="en-GB" sz="2800" i="1">
+                                  <a:latin typeface="Cambria Math" pitchFamily="18" charset="0"/>
+                                  <a:ea typeface="Cambria Math" pitchFamily="18" charset="0"/>
+                                </a:rPr>
+                                <m:t>)</m:t>
+                              </m:r>
+                              <m:r>
+                                <a:rPr lang="en-GB" sz="2800" i="1">
+                                  <a:latin typeface="Cambria Math" pitchFamily="18" charset="0"/>
+                                  <a:ea typeface="Cambria Math" pitchFamily="18" charset="0"/>
+                                </a:rPr>
+                                <m:t>𝛿</m:t>
+                              </m:r>
+                              <m:r>
+                                <a:rPr lang="en-GB" sz="2800" i="1">
+                                  <a:latin typeface="Cambria Math" pitchFamily="18" charset="0"/>
+                                  <a:ea typeface="Cambria Math" pitchFamily="18" charset="0"/>
+                                </a:rPr>
+                                <m:t>(</m:t>
+                              </m:r>
+                              <m:sSub>
+                                <m:sSubPr>
+                                  <m:ctrlPr>
+                                    <a:rPr lang="en-GB" sz="2800" i="1">
+                                      <a:latin typeface="Cambria Math" pitchFamily="18" charset="0"/>
+                                      <a:ea typeface="Cambria Math" pitchFamily="18" charset="0"/>
+                                    </a:rPr>
+                                  </m:ctrlPr>
+                                </m:sSubPr>
+                                <m:e>
+                                  <m:r>
+                                    <a:rPr lang="en-GB" sz="2800" i="1">
+                                      <a:latin typeface="Cambria Math" pitchFamily="18" charset="0"/>
+                                      <a:ea typeface="Cambria Math" pitchFamily="18" charset="0"/>
+                                    </a:rPr>
+                                    <m:t>𝑘</m:t>
+                                  </m:r>
+                                </m:e>
+                                <m:sub>
+                                  <m:r>
+                                    <a:rPr lang="en-GB" sz="2800" i="1">
+                                      <a:latin typeface="Cambria Math" pitchFamily="18" charset="0"/>
+                                      <a:ea typeface="Cambria Math" pitchFamily="18" charset="0"/>
+                                    </a:rPr>
+                                    <m:t>𝑗</m:t>
+                                  </m:r>
+                                </m:sub>
+                              </m:sSub>
+                              <m:r>
+                                <a:rPr lang="en-GB" sz="2800" i="1">
+                                  <a:latin typeface="Cambria Math" pitchFamily="18" charset="0"/>
+                                  <a:ea typeface="Cambria Math" pitchFamily="18" charset="0"/>
+                                </a:rPr>
+                                <m:t>)</m:t>
+                              </m:r>
+                            </m:e>
+                          </m:d>
+                        </m:e>
+                      </m:nary>
+                    </m:oMath>
+                  </m:oMathPara>
+                </a14:m>
+                <a:endParaRPr lang="en-GB" sz="2800" dirty="0">
+                  <a:latin typeface="Cambria Math" pitchFamily="18" charset="0"/>
+                  <a:ea typeface="Cambria Math" pitchFamily="18" charset="0"/>
+                </a:endParaRPr>
+              </a:p>
+            </p:txBody>
+          </p:sp>
+        </mc:Choice>
+        <mc:Fallback>
+          <p:sp>
+            <p:nvSpPr>
+              <p:cNvPr id="4" name="TextBox 3"/>
+              <p:cNvSpPr txBox="1">
+                <a:spLocks noRot="1" noChangeAspect="1" noMove="1" noResize="1" noEditPoints="1" noAdjustHandles="1" noChangeArrowheads="1" noChangeShapeType="1" noTextEdit="1"/>
+              </p:cNvSpPr>
+              <p:nvPr/>
+            </p:nvSpPr>
+            <p:spPr>
+              <a:xfrm>
+                <a:off x="755576" y="4899283"/>
+                <a:ext cx="6768752" cy="1317348"/>
+              </a:xfrm>
+              <a:prstGeom prst="rect">
+                <a:avLst/>
+              </a:prstGeom>
+              <a:blipFill rotWithShape="1">
+                <a:blip r:embed="rId4"/>
+                <a:stretch>
+                  <a:fillRect/>
+                </a:stretch>
+              </a:blipFill>
+            </p:spPr>
+            <p:txBody>
+              <a:bodyPr/>
+              <a:lstStyle/>
+              <a:p>
+                <a:r>
+                  <a:rPr lang="en-GB">
+                    <a:noFill/>
+                  </a:rPr>
+                  <a:t> </a:t>
+                </a:r>
+              </a:p>
+            </p:txBody>
+          </p:sp>
+        </mc:Fallback>
+      </mc:AlternateContent>
+    </p:spTree>
+    <p:extLst>
+      <p:ext uri="{BB962C8B-B14F-4D97-AF65-F5344CB8AC3E}">
+        <p14:creationId xmlns:p14="http://schemas.microsoft.com/office/powerpoint/2010/main" val="3065623861"/>
+      </p:ext>
+    </p:extLst>
+  </p:cSld>
+  <p:clrMapOvr>
+    <a:masterClrMapping/>
+  </p:clrMapOvr>
+  <p:timing>
+    <p:tnLst>
+      <p:par>
+        <p:cTn id="1" dur="indefinite" restart="never" nodeType="tmRoot"/>
+      </p:par>
+    </p:tnLst>
+  </p:timing>
+</p:sld>
+</file>
+
+<file path=ppt/slides/slide5.xml><?xml version="1.0" encoding="utf-8"?>
+<p:sld xmlns:a="http://schemas.openxmlformats.org/drawingml/2006/main" xmlns:r="http://schemas.openxmlformats.org/officeDocument/2006/relationships" xmlns:p="http://schemas.openxmlformats.org/presentationml/2006/main">
+  <p:cSld>
+    <p:spTree>
+      <p:nvGrpSpPr>
+        <p:cNvPr id="1" name=""/>
+        <p:cNvGrpSpPr/>
+        <p:nvPr/>
+      </p:nvGrpSpPr>
+      <p:grpSpPr>
+        <a:xfrm>
+          <a:off x="0" y="0"/>
+          <a:ext cx="0" cy="0"/>
+          <a:chOff x="0" y="0"/>
+          <a:chExt cx="0" cy="0"/>
+        </a:xfrm>
+      </p:grpSpPr>
+      <p:sp>
+        <p:nvSpPr>
+          <p:cNvPr id="2" name="TextBox 1"/>
+          <p:cNvSpPr txBox="1"/>
+          <p:nvPr/>
+        </p:nvSpPr>
+        <p:spPr>
+          <a:xfrm>
+            <a:off x="836320" y="98490"/>
+            <a:ext cx="5463872" cy="646331"/>
+          </a:xfrm>
+          <a:prstGeom prst="rect">
+            <a:avLst/>
+          </a:prstGeom>
+          <a:noFill/>
+        </p:spPr>
+        <p:txBody>
+          <a:bodyPr wrap="square" rtlCol="0">
+            <a:spAutoFit/>
+          </a:bodyPr>
+          <a:lstStyle/>
+          <a:p>
+            <a:r>
+              <a:rPr lang="en-GB" sz="3600" dirty="0" smtClean="0"/>
+              <a:t>Earth Mover’s Distance</a:t>
+            </a:r>
+            <a:endParaRPr lang="en-GB" sz="3600" dirty="0"/>
+          </a:p>
+        </p:txBody>
+      </p:sp>
+      <p:sp>
+        <p:nvSpPr>
+          <p:cNvPr id="5" name="AutoShape 6" descr="Image result for earth mover's distance"/>
+          <p:cNvSpPr>
+            <a:spLocks noChangeAspect="1" noChangeArrowheads="1"/>
+          </p:cNvSpPr>
+          <p:nvPr/>
+        </p:nvSpPr>
+        <p:spPr bwMode="auto">
+          <a:xfrm>
+            <a:off x="155575" y="-144463"/>
+            <a:ext cx="304800" cy="304801"/>
+          </a:xfrm>
+          <a:prstGeom prst="rect">
+            <a:avLst/>
+          </a:prstGeom>
+          <a:noFill/>
+          <a:extLst>
+            <a:ext uri="{909E8E84-426E-40DD-AFC4-6F175D3DCCD1}">
+              <a14:hiddenFill xmlns:a14="http://schemas.microsoft.com/office/drawing/2010/main">
+                <a:solidFill>
+                  <a:srgbClr val="FFFFFF"/>
+                </a:solidFill>
+              </a14:hiddenFill>
+            </a:ext>
+          </a:extLst>
+        </p:spPr>
+        <p:txBody>
+          <a:bodyPr vert="horz" wrap="square" lIns="91440" tIns="45720" rIns="91440" bIns="45720" numCol="1" anchor="t" anchorCtr="0" compatLnSpc="1">
+            <a:prstTxWarp prst="textNoShape">
+              <a:avLst/>
+            </a:prstTxWarp>
+          </a:bodyPr>
+          <a:lstStyle/>
+          <a:p>
+            <a:endParaRPr lang="en-GB"/>
+          </a:p>
+        </p:txBody>
+      </p:sp>
+      <p:sp>
+        <p:nvSpPr>
+          <p:cNvPr id="7" name="AutoShape 8" descr="Image result for earth mover's distance"/>
+          <p:cNvSpPr>
+            <a:spLocks noChangeAspect="1" noChangeArrowheads="1"/>
+          </p:cNvSpPr>
+          <p:nvPr/>
+        </p:nvSpPr>
+        <p:spPr bwMode="auto">
+          <a:xfrm>
+            <a:off x="307975" y="7937"/>
+            <a:ext cx="304800" cy="304801"/>
+          </a:xfrm>
+          <a:prstGeom prst="rect">
+            <a:avLst/>
+          </a:prstGeom>
+          <a:noFill/>
+          <a:extLst>
+            <a:ext uri="{909E8E84-426E-40DD-AFC4-6F175D3DCCD1}">
+              <a14:hiddenFill xmlns:a14="http://schemas.microsoft.com/office/drawing/2010/main">
+                <a:solidFill>
+                  <a:srgbClr val="FFFFFF"/>
+                </a:solidFill>
+              </a14:hiddenFill>
+            </a:ext>
+          </a:extLst>
+        </p:spPr>
+        <p:txBody>
+          <a:bodyPr vert="horz" wrap="square" lIns="91440" tIns="45720" rIns="91440" bIns="45720" numCol="1" anchor="t" anchorCtr="0" compatLnSpc="1">
+            <a:prstTxWarp prst="textNoShape">
+              <a:avLst/>
+            </a:prstTxWarp>
+          </a:bodyPr>
+          <a:lstStyle/>
+          <a:p>
+            <a:endParaRPr lang="en-GB"/>
+          </a:p>
+        </p:txBody>
+      </p:sp>
+      <p:pic>
+        <p:nvPicPr>
+          <p:cNvPr id="2058" name="Picture 10" descr="Image result for earth mover's distance discrete"/>
+          <p:cNvPicPr>
+            <a:picLocks noChangeAspect="1" noChangeArrowheads="1"/>
+          </p:cNvPicPr>
+          <p:nvPr/>
+        </p:nvPicPr>
+        <p:blipFill>
+          <a:blip r:embed="rId2">
+            <a:extLst>
+              <a:ext uri="{28A0092B-C50C-407E-A947-70E740481C1C}">
+                <a14:useLocalDpi xmlns:a14="http://schemas.microsoft.com/office/drawing/2010/main" val="0"/>
+              </a:ext>
+            </a:extLst>
+          </a:blip>
+          <a:srcRect/>
+          <a:stretch>
+            <a:fillRect/>
+          </a:stretch>
+        </p:blipFill>
+        <p:spPr bwMode="auto">
+          <a:xfrm>
+            <a:off x="1152460" y="1562972"/>
+            <a:ext cx="7666212" cy="3825621"/>
+          </a:xfrm>
+          <a:prstGeom prst="rect">
+            <a:avLst/>
+          </a:prstGeom>
+          <a:noFill/>
+          <a:extLst>
+            <a:ext uri="{909E8E84-426E-40DD-AFC4-6F175D3DCCD1}">
+              <a14:hiddenFill xmlns:a14="http://schemas.microsoft.com/office/drawing/2010/main">
+                <a:solidFill>
+                  <a:srgbClr val="FFFFFF"/>
+                </a:solidFill>
+              </a14:hiddenFill>
+            </a:ext>
+          </a:extLst>
+        </p:spPr>
+      </p:pic>
+    </p:spTree>
+    <p:extLst>
+      <p:ext uri="{BB962C8B-B14F-4D97-AF65-F5344CB8AC3E}">
+        <p14:creationId xmlns:p14="http://schemas.microsoft.com/office/powerpoint/2010/main" val="2538870892"/>
+      </p:ext>
+    </p:extLst>
+  </p:cSld>
+  <p:clrMapOvr>
+    <a:masterClrMapping/>
+  </p:clrMapOvr>
+  <p:timing>
+    <p:tnLst>
+      <p:par>
+        <p:cTn id="1" dur="indefinite" restart="never" nodeType="tmRoot"/>
+      </p:par>
+    </p:tnLst>
+  </p:timing>
+</p:sld>
+</file>
+
+<file path=ppt/slides/slide6.xml><?xml version="1.0" encoding="utf-8"?>
+<p:sld xmlns:a="http://schemas.openxmlformats.org/drawingml/2006/main" xmlns:r="http://schemas.openxmlformats.org/officeDocument/2006/relationships" xmlns:p="http://schemas.openxmlformats.org/presentationml/2006/main">
+  <p:cSld>
+    <p:spTree>
+      <p:nvGrpSpPr>
+        <p:cNvPr id="1" name=""/>
+        <p:cNvGrpSpPr/>
+        <p:nvPr/>
+      </p:nvGrpSpPr>
+      <p:grpSpPr>
+        <a:xfrm>
+          <a:off x="0" y="0"/>
+          <a:ext cx="0" cy="0"/>
+          <a:chOff x="0" y="0"/>
+          <a:chExt cx="0" cy="0"/>
+        </a:xfrm>
+      </p:grpSpPr>
+      <p:sp>
+        <p:nvSpPr>
+          <p:cNvPr id="2" name="TextBox 1"/>
+          <p:cNvSpPr txBox="1"/>
+          <p:nvPr/>
+        </p:nvSpPr>
+        <p:spPr>
+          <a:xfrm>
+            <a:off x="836320" y="98490"/>
+            <a:ext cx="5463872" cy="646331"/>
+          </a:xfrm>
+          <a:prstGeom prst="rect">
+            <a:avLst/>
+          </a:prstGeom>
+          <a:noFill/>
+        </p:spPr>
+        <p:txBody>
+          <a:bodyPr wrap="square" rtlCol="0">
+            <a:spAutoFit/>
+          </a:bodyPr>
+          <a:lstStyle/>
+          <a:p>
+            <a:r>
+              <a:rPr lang="en-GB" sz="3600" dirty="0" smtClean="0"/>
+              <a:t>Transition Probability Matrix</a:t>
+            </a:r>
+            <a:endParaRPr lang="en-GB" sz="3600" dirty="0"/>
+          </a:p>
+        </p:txBody>
+      </p:sp>
+      <p:graphicFrame>
+        <p:nvGraphicFramePr>
+          <p:cNvPr id="6" name="Table 5"/>
+          <p:cNvGraphicFramePr>
+            <a:graphicFrameLocks noGrp="1"/>
+          </p:cNvGraphicFramePr>
+          <p:nvPr>
+            <p:extLst>
+              <p:ext uri="{D42A27DB-BD31-4B8C-83A1-F6EECF244321}">
+                <p14:modId xmlns:p14="http://schemas.microsoft.com/office/powerpoint/2010/main" val="2873364012"/>
+              </p:ext>
+            </p:extLst>
+          </p:nvPr>
+        </p:nvGraphicFramePr>
+        <p:xfrm>
+          <a:off x="6012160" y="1434224"/>
+          <a:ext cx="2709332" cy="3409568"/>
+        </p:xfrm>
+        <a:graphic>
+          <a:graphicData uri="http://schemas.openxmlformats.org/drawingml/2006/table">
+            <a:tbl>
+              <a:tblPr firstRow="1" bandRow="1">
+                <a:tableStyleId>{5C22544A-7EE6-4342-B048-85BDC9FD1C3A}</a:tableStyleId>
+              </a:tblPr>
+              <a:tblGrid>
+                <a:gridCol w="677333"/>
+                <a:gridCol w="677333"/>
+                <a:gridCol w="677333"/>
+                <a:gridCol w="677333"/>
+              </a:tblGrid>
+              <a:tr h="442848">
+                <a:tc>
+                  <a:txBody>
+                    <a:bodyPr/>
+                    <a:lstStyle/>
+                    <a:p>
+                      <a:r>
+                        <a:rPr lang="en-GB" dirty="0" smtClean="0"/>
+                        <a:t>State</a:t>
+                      </a:r>
+                      <a:endParaRPr lang="en-GB" dirty="0"/>
+                    </a:p>
+                  </a:txBody>
+                  <a:tcPr/>
+                </a:tc>
+                <a:tc>
+                  <a:txBody>
+                    <a:bodyPr/>
+                    <a:lstStyle/>
+                    <a:p>
+                      <a:r>
+                        <a:rPr lang="en-GB" dirty="0" smtClean="0"/>
+                        <a:t>A</a:t>
+                      </a:r>
+                      <a:endParaRPr lang="en-GB" dirty="0"/>
+                    </a:p>
+                  </a:txBody>
+                  <a:tcPr/>
+                </a:tc>
+                <a:tc>
+                  <a:txBody>
+                    <a:bodyPr/>
+                    <a:lstStyle/>
+                    <a:p>
+                      <a:r>
+                        <a:rPr lang="en-GB" dirty="0" smtClean="0"/>
+                        <a:t>B</a:t>
+                      </a:r>
+                      <a:endParaRPr lang="en-GB" dirty="0"/>
+                    </a:p>
+                  </a:txBody>
+                  <a:tcPr/>
+                </a:tc>
+                <a:tc>
+                  <a:txBody>
+                    <a:bodyPr/>
+                    <a:lstStyle/>
+                    <a:p>
+                      <a:r>
+                        <a:rPr lang="en-GB" dirty="0" smtClean="0"/>
+                        <a:t>C</a:t>
+                      </a:r>
+                      <a:endParaRPr lang="en-GB" dirty="0"/>
+                    </a:p>
+                  </a:txBody>
+                  <a:tcPr/>
+                </a:tc>
+              </a:tr>
+              <a:tr h="370840">
+                <a:tc>
+                  <a:txBody>
+                    <a:bodyPr/>
+                    <a:lstStyle/>
+                    <a:p>
+                      <a:r>
+                        <a:rPr lang="en-GB" b="1" dirty="0" smtClean="0">
+                          <a:solidFill>
+                            <a:schemeClr val="bg1"/>
+                          </a:solidFill>
+                        </a:rPr>
+                        <a:t>000</a:t>
+                      </a:r>
+                      <a:endParaRPr lang="en-GB" b="1" dirty="0">
+                        <a:solidFill>
+                          <a:schemeClr val="bg1"/>
+                        </a:solidFill>
+                      </a:endParaRPr>
+                    </a:p>
+                  </a:txBody>
+                  <a:tcPr>
+                    <a:solidFill>
+                      <a:schemeClr val="accent1"/>
+                    </a:solidFill>
+                  </a:tcPr>
+                </a:tc>
+                <a:tc>
+                  <a:txBody>
+                    <a:bodyPr/>
+                    <a:lstStyle/>
+                    <a:p>
+                      <a:r>
+                        <a:rPr lang="en-GB" dirty="0" smtClean="0"/>
+                        <a:t>0</a:t>
+                      </a:r>
+                    </a:p>
+                  </a:txBody>
+                  <a:tcPr/>
+                </a:tc>
+                <a:tc>
+                  <a:txBody>
+                    <a:bodyPr/>
+                    <a:lstStyle/>
+                    <a:p>
+                      <a:r>
+                        <a:rPr lang="en-GB" dirty="0" smtClean="0"/>
+                        <a:t>0</a:t>
+                      </a:r>
+                      <a:endParaRPr lang="en-GB" dirty="0"/>
+                    </a:p>
+                  </a:txBody>
+                  <a:tcPr/>
+                </a:tc>
+                <a:tc>
+                  <a:txBody>
+                    <a:bodyPr/>
+                    <a:lstStyle/>
+                    <a:p>
+                      <a:r>
+                        <a:rPr lang="en-GB" dirty="0" smtClean="0"/>
+                        <a:t>0</a:t>
+                      </a:r>
+                      <a:endParaRPr lang="en-GB" dirty="0"/>
+                    </a:p>
+                  </a:txBody>
+                  <a:tcPr/>
+                </a:tc>
+              </a:tr>
+              <a:tr h="370840">
+                <a:tc>
+                  <a:txBody>
+                    <a:bodyPr/>
+                    <a:lstStyle/>
+                    <a:p>
+                      <a:r>
+                        <a:rPr lang="en-GB" b="1" dirty="0" smtClean="0">
+                          <a:solidFill>
+                            <a:schemeClr val="bg1"/>
+                          </a:solidFill>
+                        </a:rPr>
+                        <a:t>100</a:t>
+                      </a:r>
+                      <a:endParaRPr lang="en-GB" b="1" dirty="0">
+                        <a:solidFill>
+                          <a:schemeClr val="bg1"/>
+                        </a:solidFill>
+                      </a:endParaRPr>
+                    </a:p>
+                  </a:txBody>
+                  <a:tcPr>
+                    <a:solidFill>
+                      <a:schemeClr val="accent1"/>
+                    </a:solidFill>
+                  </a:tcPr>
+                </a:tc>
+                <a:tc>
+                  <a:txBody>
+                    <a:bodyPr/>
+                    <a:lstStyle/>
+                    <a:p>
+                      <a:r>
+                        <a:rPr lang="en-GB" dirty="0" smtClean="0"/>
+                        <a:t>0</a:t>
+                      </a:r>
+                      <a:endParaRPr lang="en-GB" dirty="0"/>
+                    </a:p>
+                  </a:txBody>
+                  <a:tcPr/>
+                </a:tc>
+                <a:tc>
+                  <a:txBody>
+                    <a:bodyPr/>
+                    <a:lstStyle/>
+                    <a:p>
+                      <a:r>
+                        <a:rPr lang="en-GB" dirty="0" smtClean="0"/>
+                        <a:t>0</a:t>
+                      </a:r>
+                      <a:endParaRPr lang="en-GB" dirty="0"/>
+                    </a:p>
+                  </a:txBody>
+                  <a:tcPr/>
+                </a:tc>
+                <a:tc>
+                  <a:txBody>
+                    <a:bodyPr/>
+                    <a:lstStyle/>
+                    <a:p>
+                      <a:r>
+                        <a:rPr lang="en-GB" dirty="0" smtClean="0"/>
+                        <a:t>1</a:t>
+                      </a:r>
+                      <a:endParaRPr lang="en-GB" dirty="0"/>
+                    </a:p>
+                  </a:txBody>
+                  <a:tcPr/>
+                </a:tc>
+              </a:tr>
+              <a:tr h="370840">
+                <a:tc>
+                  <a:txBody>
+                    <a:bodyPr/>
+                    <a:lstStyle/>
+                    <a:p>
+                      <a:r>
+                        <a:rPr lang="en-GB" b="1" dirty="0" smtClean="0">
+                          <a:solidFill>
+                            <a:schemeClr val="bg1"/>
+                          </a:solidFill>
+                        </a:rPr>
+                        <a:t>010</a:t>
+                      </a:r>
+                      <a:endParaRPr lang="en-GB" b="1" dirty="0">
+                        <a:solidFill>
+                          <a:schemeClr val="bg1"/>
+                        </a:solidFill>
+                      </a:endParaRPr>
+                    </a:p>
+                  </a:txBody>
+                  <a:tcPr>
+                    <a:solidFill>
+                      <a:schemeClr val="accent1"/>
+                    </a:solidFill>
+                  </a:tcPr>
+                </a:tc>
+                <a:tc>
+                  <a:txBody>
+                    <a:bodyPr/>
+                    <a:lstStyle/>
+                    <a:p>
+                      <a:r>
+                        <a:rPr lang="en-GB" dirty="0" smtClean="0"/>
+                        <a:t>1</a:t>
+                      </a:r>
+                      <a:endParaRPr lang="en-GB" dirty="0"/>
+                    </a:p>
+                  </a:txBody>
+                  <a:tcPr/>
+                </a:tc>
+                <a:tc>
+                  <a:txBody>
+                    <a:bodyPr/>
+                    <a:lstStyle/>
+                    <a:p>
+                      <a:r>
+                        <a:rPr lang="en-GB" dirty="0" smtClean="0"/>
+                        <a:t>0</a:t>
+                      </a:r>
+                      <a:endParaRPr lang="en-GB" dirty="0"/>
+                    </a:p>
+                  </a:txBody>
+                  <a:tcPr/>
+                </a:tc>
+                <a:tc>
+                  <a:txBody>
+                    <a:bodyPr/>
+                    <a:lstStyle/>
+                    <a:p>
+                      <a:r>
+                        <a:rPr lang="en-GB" dirty="0" smtClean="0"/>
+                        <a:t>1</a:t>
+                      </a:r>
+                      <a:endParaRPr lang="en-GB" dirty="0"/>
+                    </a:p>
+                  </a:txBody>
+                  <a:tcPr/>
+                </a:tc>
+              </a:tr>
+              <a:tr h="370840">
+                <a:tc>
+                  <a:txBody>
+                    <a:bodyPr/>
+                    <a:lstStyle/>
+                    <a:p>
+                      <a:r>
+                        <a:rPr lang="en-GB" b="1" dirty="0" smtClean="0">
+                          <a:solidFill>
+                            <a:schemeClr val="bg1"/>
+                          </a:solidFill>
+                        </a:rPr>
+                        <a:t>110</a:t>
+                      </a:r>
+                      <a:endParaRPr lang="en-GB" b="1" dirty="0">
+                        <a:solidFill>
+                          <a:schemeClr val="bg1"/>
+                        </a:solidFill>
+                      </a:endParaRPr>
+                    </a:p>
+                  </a:txBody>
+                  <a:tcPr>
+                    <a:solidFill>
+                      <a:schemeClr val="accent1"/>
+                    </a:solidFill>
+                  </a:tcPr>
+                </a:tc>
+                <a:tc>
+                  <a:txBody>
+                    <a:bodyPr/>
+                    <a:lstStyle/>
+                    <a:p>
+                      <a:r>
+                        <a:rPr lang="en-GB" dirty="0" smtClean="0"/>
+                        <a:t>1</a:t>
+                      </a:r>
+                      <a:endParaRPr lang="en-GB" dirty="0"/>
+                    </a:p>
+                  </a:txBody>
+                  <a:tcPr/>
+                </a:tc>
+                <a:tc>
+                  <a:txBody>
+                    <a:bodyPr/>
+                    <a:lstStyle/>
+                    <a:p>
+                      <a:r>
+                        <a:rPr lang="en-GB" dirty="0" smtClean="0"/>
+                        <a:t>0</a:t>
+                      </a:r>
+                      <a:endParaRPr lang="en-GB" dirty="0"/>
+                    </a:p>
+                  </a:txBody>
+                  <a:tcPr/>
+                </a:tc>
+                <a:tc>
+                  <a:txBody>
+                    <a:bodyPr/>
+                    <a:lstStyle/>
+                    <a:p>
+                      <a:r>
+                        <a:rPr lang="en-GB" dirty="0" smtClean="0"/>
+                        <a:t>0</a:t>
+                      </a:r>
+                      <a:endParaRPr lang="en-GB" dirty="0"/>
+                    </a:p>
+                  </a:txBody>
+                  <a:tcPr/>
+                </a:tc>
+              </a:tr>
+              <a:tr h="370840">
+                <a:tc>
+                  <a:txBody>
+                    <a:bodyPr/>
+                    <a:lstStyle/>
+                    <a:p>
+                      <a:r>
+                        <a:rPr lang="en-GB" b="1" dirty="0" smtClean="0">
+                          <a:solidFill>
+                            <a:schemeClr val="bg1"/>
+                          </a:solidFill>
+                        </a:rPr>
+                        <a:t>001</a:t>
+                      </a:r>
+                      <a:endParaRPr lang="en-GB" b="1" dirty="0">
+                        <a:solidFill>
+                          <a:schemeClr val="bg1"/>
+                        </a:solidFill>
+                      </a:endParaRPr>
+                    </a:p>
+                  </a:txBody>
+                  <a:tcPr>
+                    <a:solidFill>
+                      <a:schemeClr val="accent1"/>
+                    </a:solidFill>
+                  </a:tcPr>
+                </a:tc>
+                <a:tc>
+                  <a:txBody>
+                    <a:bodyPr/>
+                    <a:lstStyle/>
+                    <a:p>
+                      <a:r>
+                        <a:rPr lang="en-GB" dirty="0" smtClean="0"/>
+                        <a:t>1</a:t>
+                      </a:r>
+                      <a:endParaRPr lang="en-GB" dirty="0"/>
+                    </a:p>
+                  </a:txBody>
+                  <a:tcPr/>
+                </a:tc>
+                <a:tc>
+                  <a:txBody>
+                    <a:bodyPr/>
+                    <a:lstStyle/>
+                    <a:p>
+                      <a:r>
+                        <a:rPr lang="en-GB" dirty="0" smtClean="0"/>
+                        <a:t>0</a:t>
+                      </a:r>
+                      <a:endParaRPr lang="en-GB" dirty="0"/>
+                    </a:p>
+                  </a:txBody>
+                  <a:tcPr/>
+                </a:tc>
+                <a:tc>
+                  <a:txBody>
+                    <a:bodyPr/>
+                    <a:lstStyle/>
+                    <a:p>
+                      <a:r>
+                        <a:rPr lang="en-GB" dirty="0" smtClean="0"/>
+                        <a:t>0</a:t>
+                      </a:r>
+                      <a:endParaRPr lang="en-GB" dirty="0"/>
+                    </a:p>
+                  </a:txBody>
+                  <a:tcPr/>
+                </a:tc>
+              </a:tr>
+              <a:tr h="370840">
+                <a:tc>
+                  <a:txBody>
+                    <a:bodyPr/>
+                    <a:lstStyle/>
+                    <a:p>
+                      <a:r>
+                        <a:rPr lang="en-GB" b="1" dirty="0" smtClean="0">
+                          <a:solidFill>
+                            <a:schemeClr val="bg1"/>
+                          </a:solidFill>
+                        </a:rPr>
+                        <a:t>101</a:t>
+                      </a:r>
+                      <a:endParaRPr lang="en-GB" b="1" dirty="0">
+                        <a:solidFill>
+                          <a:schemeClr val="bg1"/>
+                        </a:solidFill>
+                      </a:endParaRPr>
+                    </a:p>
+                  </a:txBody>
+                  <a:tcPr>
+                    <a:solidFill>
+                      <a:schemeClr val="accent1"/>
+                    </a:solidFill>
+                  </a:tcPr>
+                </a:tc>
+                <a:tc>
+                  <a:txBody>
+                    <a:bodyPr/>
+                    <a:lstStyle/>
+                    <a:p>
+                      <a:r>
+                        <a:rPr lang="en-GB" dirty="0" smtClean="0"/>
+                        <a:t>1</a:t>
+                      </a:r>
+                      <a:endParaRPr lang="en-GB" dirty="0"/>
+                    </a:p>
+                  </a:txBody>
+                  <a:tcPr/>
+                </a:tc>
+                <a:tc>
+                  <a:txBody>
+                    <a:bodyPr/>
+                    <a:lstStyle/>
+                    <a:p>
+                      <a:r>
+                        <a:rPr lang="en-GB" dirty="0" smtClean="0"/>
+                        <a:t>1</a:t>
+                      </a:r>
+                      <a:endParaRPr lang="en-GB" dirty="0"/>
+                    </a:p>
+                  </a:txBody>
+                  <a:tcPr/>
+                </a:tc>
+                <a:tc>
+                  <a:txBody>
+                    <a:bodyPr/>
+                    <a:lstStyle/>
+                    <a:p>
+                      <a:r>
+                        <a:rPr lang="en-GB" dirty="0" smtClean="0"/>
+                        <a:t>1</a:t>
+                      </a:r>
+                      <a:endParaRPr lang="en-GB" dirty="0"/>
+                    </a:p>
+                  </a:txBody>
+                  <a:tcPr/>
+                </a:tc>
+              </a:tr>
+              <a:tr h="370840">
+                <a:tc>
+                  <a:txBody>
+                    <a:bodyPr/>
+                    <a:lstStyle/>
+                    <a:p>
+                      <a:r>
+                        <a:rPr lang="en-GB" b="1" dirty="0" smtClean="0">
+                          <a:solidFill>
+                            <a:schemeClr val="bg1"/>
+                          </a:solidFill>
+                        </a:rPr>
+                        <a:t>011</a:t>
+                      </a:r>
+                    </a:p>
+                  </a:txBody>
+                  <a:tcPr>
+                    <a:solidFill>
+                      <a:schemeClr val="accent1"/>
+                    </a:solidFill>
+                  </a:tcPr>
+                </a:tc>
+                <a:tc>
+                  <a:txBody>
+                    <a:bodyPr/>
+                    <a:lstStyle/>
+                    <a:p>
+                      <a:r>
+                        <a:rPr lang="en-GB" dirty="0" smtClean="0"/>
+                        <a:t>1</a:t>
+                      </a:r>
+                      <a:endParaRPr lang="en-GB" dirty="0"/>
+                    </a:p>
+                  </a:txBody>
+                  <a:tcPr/>
+                </a:tc>
+                <a:tc>
+                  <a:txBody>
+                    <a:bodyPr/>
+                    <a:lstStyle/>
+                    <a:p>
+                      <a:r>
+                        <a:rPr lang="en-GB" dirty="0" smtClean="0"/>
+                        <a:t>0</a:t>
+                      </a:r>
+                      <a:endParaRPr lang="en-GB" dirty="0"/>
+                    </a:p>
+                  </a:txBody>
+                  <a:tcPr/>
+                </a:tc>
+                <a:tc>
+                  <a:txBody>
+                    <a:bodyPr/>
+                    <a:lstStyle/>
+                    <a:p>
+                      <a:r>
+                        <a:rPr lang="en-GB" dirty="0" smtClean="0"/>
+                        <a:t>1</a:t>
+                      </a:r>
+                      <a:endParaRPr lang="en-GB" dirty="0"/>
+                    </a:p>
+                  </a:txBody>
+                  <a:tcPr/>
+                </a:tc>
+              </a:tr>
+              <a:tr h="370840">
+                <a:tc>
+                  <a:txBody>
+                    <a:bodyPr/>
+                    <a:lstStyle/>
+                    <a:p>
+                      <a:r>
+                        <a:rPr lang="en-GB" b="1" dirty="0" smtClean="0">
+                          <a:solidFill>
+                            <a:schemeClr val="bg1"/>
+                          </a:solidFill>
+                        </a:rPr>
+                        <a:t>111</a:t>
+                      </a:r>
+                    </a:p>
+                  </a:txBody>
+                  <a:tcPr>
+                    <a:solidFill>
+                      <a:schemeClr val="accent1"/>
+                    </a:solidFill>
+                  </a:tcPr>
+                </a:tc>
+                <a:tc>
+                  <a:txBody>
+                    <a:bodyPr/>
+                    <a:lstStyle/>
+                    <a:p>
+                      <a:r>
+                        <a:rPr lang="en-GB" dirty="0" smtClean="0"/>
+                        <a:t>1</a:t>
+                      </a:r>
+                      <a:endParaRPr lang="en-GB" dirty="0"/>
+                    </a:p>
+                  </a:txBody>
+                  <a:tcPr/>
+                </a:tc>
+                <a:tc>
+                  <a:txBody>
+                    <a:bodyPr/>
+                    <a:lstStyle/>
+                    <a:p>
+                      <a:r>
+                        <a:rPr lang="en-GB" dirty="0" smtClean="0"/>
+                        <a:t>1</a:t>
+                      </a:r>
+                      <a:endParaRPr lang="en-GB" dirty="0"/>
+                    </a:p>
+                  </a:txBody>
+                  <a:tcPr/>
+                </a:tc>
+                <a:tc>
+                  <a:txBody>
+                    <a:bodyPr/>
+                    <a:lstStyle/>
+                    <a:p>
+                      <a:r>
+                        <a:rPr lang="en-GB" dirty="0" smtClean="0"/>
+                        <a:t>0</a:t>
+                      </a:r>
+                      <a:endParaRPr lang="en-GB" dirty="0"/>
+                    </a:p>
+                  </a:txBody>
+                  <a:tcPr/>
+                </a:tc>
+              </a:tr>
+            </a:tbl>
+          </a:graphicData>
+        </a:graphic>
+      </p:graphicFrame>
+      <mc:AlternateContent xmlns:mc="http://schemas.openxmlformats.org/markup-compatibility/2006">
+        <mc:Choice xmlns:a14="http://schemas.microsoft.com/office/drawing/2010/main" Requires="a14">
+          <p:sp>
+            <p:nvSpPr>
+              <p:cNvPr id="10" name="TextBox 9"/>
+              <p:cNvSpPr txBox="1"/>
+              <p:nvPr/>
+            </p:nvSpPr>
+            <p:spPr>
+              <a:xfrm>
+                <a:off x="971599" y="3606684"/>
+                <a:ext cx="4245393" cy="595612"/>
+              </a:xfrm>
+              <a:prstGeom prst="rect">
+                <a:avLst/>
+              </a:prstGeom>
+              <a:noFill/>
+            </p:spPr>
+            <p:txBody>
+              <a:bodyPr wrap="none" rtlCol="0">
+                <a:spAutoFit/>
+              </a:bodyPr>
+              <a:lstStyle/>
+              <a:p>
+                <a14:m>
+                  <m:oMathPara xmlns:m="http://schemas.openxmlformats.org/officeDocument/2006/math">
+                    <m:oMathParaPr>
+                      <m:jc m:val="centerGroup"/>
+                    </m:oMathParaPr>
+                    <m:oMath xmlns:m="http://schemas.openxmlformats.org/officeDocument/2006/math">
+                      <m:sSub>
+                        <m:sSubPr>
+                          <m:ctrlPr>
+                            <a:rPr lang="en-GB" sz="2800" i="1" smtClean="0">
+                              <a:latin typeface="Cambria Math" pitchFamily="18" charset="0"/>
+                              <a:ea typeface="Cambria Math" pitchFamily="18" charset="0"/>
+                            </a:rPr>
+                          </m:ctrlPr>
+                        </m:sSubPr>
+                        <m:e>
+                          <m:acc>
+                            <m:accPr>
+                              <m:chr m:val="̃"/>
+                              <m:ctrlPr>
+                                <a:rPr lang="en-GB" sz="2800" i="1" smtClean="0">
+                                  <a:latin typeface="Cambria Math" pitchFamily="18" charset="0"/>
+                                  <a:ea typeface="Cambria Math" pitchFamily="18" charset="0"/>
+                                </a:rPr>
+                              </m:ctrlPr>
+                            </m:accPr>
+                            <m:e>
+                              <m:r>
+                                <a:rPr lang="en-GB" sz="2800" b="0" i="1" smtClean="0">
+                                  <a:latin typeface="Cambria Math" pitchFamily="18" charset="0"/>
+                                  <a:ea typeface="Cambria Math" pitchFamily="18" charset="0"/>
+                                </a:rPr>
+                                <m:t>𝑇</m:t>
+                              </m:r>
+                            </m:e>
+                          </m:acc>
+                        </m:e>
+                        <m:sub>
+                          <m:r>
+                            <a:rPr lang="en-GB" sz="2800" b="0" i="1" smtClean="0">
+                              <a:latin typeface="Cambria Math" pitchFamily="18" charset="0"/>
+                              <a:ea typeface="Cambria Math" pitchFamily="18" charset="0"/>
+                            </a:rPr>
+                            <m:t>𝑖𝑗</m:t>
+                          </m:r>
+                        </m:sub>
+                      </m:sSub>
+                      <m:r>
+                        <a:rPr lang="en-GB" sz="2800" b="0" i="1" smtClean="0">
+                          <a:latin typeface="Cambria Math" pitchFamily="18" charset="0"/>
+                          <a:ea typeface="Cambria Math" pitchFamily="18" charset="0"/>
+                        </a:rPr>
+                        <m:t>=</m:t>
+                      </m:r>
+                      <m:r>
+                        <a:rPr lang="en-GB" sz="2800" b="0" i="1" smtClean="0">
+                          <a:latin typeface="Cambria Math" pitchFamily="18" charset="0"/>
+                          <a:ea typeface="Cambria Math" pitchFamily="18" charset="0"/>
+                        </a:rPr>
+                        <m:t>𝑃</m:t>
+                      </m:r>
+                      <m:r>
+                        <a:rPr lang="en-GB" sz="2800" b="0" i="1" smtClean="0">
+                          <a:latin typeface="Cambria Math" pitchFamily="18" charset="0"/>
+                          <a:ea typeface="Cambria Math" pitchFamily="18" charset="0"/>
+                        </a:rPr>
+                        <m:t>(</m:t>
+                      </m:r>
+                      <m:sSup>
+                        <m:sSupPr>
+                          <m:ctrlPr>
+                            <a:rPr lang="en-GB" sz="2800" i="1">
+                              <a:latin typeface="Cambria Math" pitchFamily="18" charset="0"/>
+                              <a:ea typeface="Cambria Math" pitchFamily="18" charset="0"/>
+                            </a:rPr>
+                          </m:ctrlPr>
+                        </m:sSupPr>
+                        <m:e>
+                          <m:sSub>
+                            <m:sSubPr>
+                              <m:ctrlPr>
+                                <a:rPr lang="en-GB" sz="2800" i="1">
+                                  <a:latin typeface="Cambria Math" pitchFamily="18" charset="0"/>
+                                  <a:ea typeface="Cambria Math" pitchFamily="18" charset="0"/>
+                                </a:rPr>
+                              </m:ctrlPr>
+                            </m:sSubPr>
+                            <m:e>
+                              <m:r>
+                                <a:rPr lang="en-GB" sz="2800" i="1">
+                                  <a:latin typeface="Cambria Math" pitchFamily="18" charset="0"/>
+                                  <a:ea typeface="Cambria Math" pitchFamily="18" charset="0"/>
+                                </a:rPr>
+                                <m:t>𝐺</m:t>
+                              </m:r>
+                            </m:e>
+                            <m:sub>
+                              <m:r>
+                                <a:rPr lang="en-GB" sz="2800" i="1">
+                                  <a:latin typeface="Cambria Math" pitchFamily="18" charset="0"/>
+                                  <a:ea typeface="Cambria Math" pitchFamily="18" charset="0"/>
+                                </a:rPr>
+                                <m:t>𝑗</m:t>
+                              </m:r>
+                            </m:sub>
+                          </m:sSub>
+                        </m:e>
+                        <m:sup>
+                          <m:r>
+                            <a:rPr lang="en-GB" sz="2800" i="1">
+                              <a:latin typeface="Cambria Math" pitchFamily="18" charset="0"/>
+                              <a:ea typeface="Cambria Math" pitchFamily="18" charset="0"/>
+                            </a:rPr>
+                            <m:t>𝑡</m:t>
+                          </m:r>
+                          <m:r>
+                            <a:rPr lang="en-GB" sz="2800" i="1">
+                              <a:latin typeface="Cambria Math" pitchFamily="18" charset="0"/>
+                              <a:ea typeface="Cambria Math" pitchFamily="18" charset="0"/>
+                            </a:rPr>
+                            <m:t>+1</m:t>
+                          </m:r>
+                        </m:sup>
+                      </m:sSup>
+                      <m:r>
+                        <a:rPr lang="en-GB" sz="2800" b="0" i="1" smtClean="0">
+                          <a:latin typeface="Cambria Math" pitchFamily="18" charset="0"/>
+                          <a:ea typeface="Cambria Math" pitchFamily="18" charset="0"/>
+                        </a:rPr>
+                        <m:t>=1|</m:t>
+                      </m:r>
+                      <m:sSup>
+                        <m:sSupPr>
+                          <m:ctrlPr>
+                            <a:rPr lang="en-GB" sz="2800" b="0" i="1" smtClean="0">
+                              <a:latin typeface="Cambria Math" pitchFamily="18" charset="0"/>
+                              <a:ea typeface="Cambria Math" pitchFamily="18" charset="0"/>
+                            </a:rPr>
+                          </m:ctrlPr>
+                        </m:sSupPr>
+                        <m:e>
+                          <m:r>
+                            <a:rPr lang="en-GB" sz="2800" b="0" i="1" smtClean="0">
+                              <a:latin typeface="Cambria Math" pitchFamily="18" charset="0"/>
+                              <a:ea typeface="Cambria Math" pitchFamily="18" charset="0"/>
+                            </a:rPr>
+                            <m:t>𝐺</m:t>
+                          </m:r>
+                        </m:e>
+                        <m:sup>
+                          <m:r>
+                            <a:rPr lang="en-GB" sz="2800" b="0" i="1" smtClean="0">
+                              <a:latin typeface="Cambria Math" pitchFamily="18" charset="0"/>
+                              <a:ea typeface="Cambria Math" pitchFamily="18" charset="0"/>
+                            </a:rPr>
+                            <m:t>𝑡</m:t>
+                          </m:r>
+                        </m:sup>
+                      </m:sSup>
+                      <m:r>
+                        <a:rPr lang="en-GB" sz="2800" b="0" i="1" smtClean="0">
+                          <a:latin typeface="Cambria Math" pitchFamily="18" charset="0"/>
+                          <a:ea typeface="Cambria Math" pitchFamily="18" charset="0"/>
+                        </a:rPr>
+                        <m:t>=</m:t>
+                      </m:r>
+                      <m:r>
+                        <a:rPr lang="en-GB" sz="2800" b="0" i="1" smtClean="0">
+                          <a:latin typeface="Cambria Math" pitchFamily="18" charset="0"/>
+                          <a:ea typeface="Cambria Math" pitchFamily="18" charset="0"/>
+                        </a:rPr>
+                        <m:t>𝑖</m:t>
+                      </m:r>
+                      <m:r>
+                        <a:rPr lang="en-GB" sz="2800" b="0" i="1" smtClean="0">
+                          <a:latin typeface="Cambria Math" pitchFamily="18" charset="0"/>
+                          <a:ea typeface="Cambria Math" pitchFamily="18" charset="0"/>
+                        </a:rPr>
+                        <m:t>)</m:t>
+                      </m:r>
+                    </m:oMath>
+                  </m:oMathPara>
+                </a14:m>
+                <a:endParaRPr lang="en-GB" sz="2800" i="1" dirty="0">
+                  <a:latin typeface="Cambria Math" pitchFamily="18" charset="0"/>
+                  <a:ea typeface="Cambria Math" pitchFamily="18" charset="0"/>
+                </a:endParaRPr>
+              </a:p>
+            </p:txBody>
+          </p:sp>
+        </mc:Choice>
+        <mc:Fallback>
+          <p:sp>
+            <p:nvSpPr>
+              <p:cNvPr id="10" name="TextBox 9"/>
+              <p:cNvSpPr txBox="1">
+                <a:spLocks noRot="1" noChangeAspect="1" noMove="1" noResize="1" noEditPoints="1" noAdjustHandles="1" noChangeArrowheads="1" noChangeShapeType="1" noTextEdit="1"/>
+              </p:cNvSpPr>
+              <p:nvPr/>
+            </p:nvSpPr>
+            <p:spPr>
+              <a:xfrm>
+                <a:off x="971599" y="3606684"/>
+                <a:ext cx="4245393" cy="595612"/>
+              </a:xfrm>
+              <a:prstGeom prst="rect">
+                <a:avLst/>
+              </a:prstGeom>
+              <a:blipFill rotWithShape="1">
+                <a:blip r:embed="rId2"/>
+                <a:stretch>
+                  <a:fillRect/>
+                </a:stretch>
+              </a:blipFill>
+            </p:spPr>
+            <p:txBody>
+              <a:bodyPr/>
+              <a:lstStyle/>
+              <a:p>
+                <a:r>
+                  <a:rPr lang="en-GB">
+                    <a:noFill/>
+                  </a:rPr>
+                  <a:t> </a:t>
+                </a:r>
+              </a:p>
+            </p:txBody>
+          </p:sp>
+        </mc:Fallback>
+      </mc:AlternateContent>
+      <mc:AlternateContent xmlns:mc="http://schemas.openxmlformats.org/markup-compatibility/2006">
+        <mc:Choice xmlns:a14="http://schemas.microsoft.com/office/drawing/2010/main" Requires="a14">
+          <p:sp>
+            <p:nvSpPr>
+              <p:cNvPr id="3" name="TextBox 2"/>
+              <p:cNvSpPr txBox="1"/>
+              <p:nvPr/>
+            </p:nvSpPr>
+            <p:spPr>
+              <a:xfrm>
+                <a:off x="971600" y="1412776"/>
+                <a:ext cx="4878323" cy="1268552"/>
+              </a:xfrm>
+              <a:prstGeom prst="rect">
+                <a:avLst/>
+              </a:prstGeom>
+              <a:noFill/>
+            </p:spPr>
+            <p:txBody>
+              <a:bodyPr wrap="none" rtlCol="0">
+                <a:spAutoFit/>
+              </a:bodyPr>
+              <a:lstStyle/>
+              <a:p>
+                <a14:m>
+                  <m:oMathPara xmlns:m="http://schemas.openxmlformats.org/officeDocument/2006/math">
+                    <m:oMathParaPr>
+                      <m:jc m:val="centerGroup"/>
+                    </m:oMathParaPr>
+                    <m:oMath xmlns:m="http://schemas.openxmlformats.org/officeDocument/2006/math">
+                      <m:r>
+                        <a:rPr lang="en-GB" sz="2800" b="0" i="1" smtClean="0">
+                          <a:latin typeface="Cambria Math" pitchFamily="18" charset="0"/>
+                          <a:ea typeface="Cambria Math" pitchFamily="18" charset="0"/>
+                        </a:rPr>
+                        <m:t>𝑝</m:t>
+                      </m:r>
+                      <m:d>
+                        <m:dPr>
+                          <m:ctrlPr>
+                            <a:rPr lang="en-GB" sz="2800" b="0" i="1" smtClean="0">
+                              <a:latin typeface="Cambria Math" pitchFamily="18" charset="0"/>
+                              <a:ea typeface="Cambria Math" pitchFamily="18" charset="0"/>
+                            </a:rPr>
+                          </m:ctrlPr>
+                        </m:dPr>
+                        <m:e>
+                          <m:sSup>
+                            <m:sSupPr>
+                              <m:ctrlPr>
+                                <a:rPr lang="en-GB" sz="2800" b="0" i="1" smtClean="0">
+                                  <a:latin typeface="Cambria Math" pitchFamily="18" charset="0"/>
+                                  <a:ea typeface="Cambria Math" pitchFamily="18" charset="0"/>
+                                </a:rPr>
+                              </m:ctrlPr>
+                            </m:sSupPr>
+                            <m:e>
+                              <m:r>
+                                <a:rPr lang="en-GB" sz="2800" b="0" i="1" smtClean="0">
+                                  <a:latin typeface="Cambria Math" pitchFamily="18" charset="0"/>
+                                  <a:ea typeface="Cambria Math" pitchFamily="18" charset="0"/>
+                                </a:rPr>
+                                <m:t>𝐺</m:t>
+                              </m:r>
+                            </m:e>
+                            <m:sup>
+                              <m:r>
+                                <a:rPr lang="en-GB" sz="2800" b="0" i="1" smtClean="0">
+                                  <a:latin typeface="Cambria Math" pitchFamily="18" charset="0"/>
+                                  <a:ea typeface="Cambria Math" pitchFamily="18" charset="0"/>
+                                </a:rPr>
+                                <m:t>𝑡</m:t>
+                              </m:r>
+                              <m:r>
+                                <a:rPr lang="en-GB" sz="2800" b="0" i="1" smtClean="0">
+                                  <a:latin typeface="Cambria Math" pitchFamily="18" charset="0"/>
+                                  <a:ea typeface="Cambria Math" pitchFamily="18" charset="0"/>
+                                </a:rPr>
+                                <m:t>+1</m:t>
+                              </m:r>
+                            </m:sup>
+                          </m:sSup>
+                        </m:e>
+                        <m:e>
+                          <m:sSup>
+                            <m:sSupPr>
+                              <m:ctrlPr>
+                                <a:rPr lang="en-GB" sz="2800" b="0" i="1" smtClean="0">
+                                  <a:latin typeface="Cambria Math" pitchFamily="18" charset="0"/>
+                                  <a:ea typeface="Cambria Math" pitchFamily="18" charset="0"/>
+                                </a:rPr>
+                              </m:ctrlPr>
+                            </m:sSupPr>
+                            <m:e>
+                              <m:r>
+                                <a:rPr lang="en-GB" sz="2800" b="0" i="1" smtClean="0">
+                                  <a:latin typeface="Cambria Math" pitchFamily="18" charset="0"/>
+                                  <a:ea typeface="Cambria Math" pitchFamily="18" charset="0"/>
+                                </a:rPr>
+                                <m:t>𝐺</m:t>
+                              </m:r>
+                            </m:e>
+                            <m:sup>
+                              <m:r>
+                                <a:rPr lang="en-GB" sz="2800" b="0" i="1" smtClean="0">
+                                  <a:latin typeface="Cambria Math" pitchFamily="18" charset="0"/>
+                                  <a:ea typeface="Cambria Math" pitchFamily="18" charset="0"/>
+                                </a:rPr>
+                                <m:t>𝑡</m:t>
+                              </m:r>
+                            </m:sup>
+                          </m:sSup>
+                        </m:e>
+                      </m:d>
+                      <m:r>
+                        <a:rPr lang="en-GB" sz="2800" b="0" i="1" smtClean="0">
+                          <a:latin typeface="Cambria Math" pitchFamily="18" charset="0"/>
+                          <a:ea typeface="Cambria Math" pitchFamily="18" charset="0"/>
+                        </a:rPr>
+                        <m:t>=</m:t>
+                      </m:r>
+                      <m:nary>
+                        <m:naryPr>
+                          <m:chr m:val="∏"/>
+                          <m:ctrlPr>
+                            <a:rPr lang="en-GB" sz="2800" b="0" i="1" smtClean="0">
+                              <a:latin typeface="Cambria Math" pitchFamily="18" charset="0"/>
+                              <a:ea typeface="Cambria Math" pitchFamily="18" charset="0"/>
+                            </a:rPr>
+                          </m:ctrlPr>
+                        </m:naryPr>
+                        <m:sub>
+                          <m:r>
+                            <m:rPr>
+                              <m:brk m:alnAt="23"/>
+                            </m:rPr>
+                            <a:rPr lang="en-GB" sz="2800" b="0" i="1" smtClean="0">
+                              <a:latin typeface="Cambria Math" pitchFamily="18" charset="0"/>
+                              <a:ea typeface="Cambria Math" pitchFamily="18" charset="0"/>
+                            </a:rPr>
+                            <m:t>𝑖</m:t>
+                          </m:r>
+                          <m:r>
+                            <a:rPr lang="en-GB" sz="2800" b="0" i="1" smtClean="0">
+                              <a:latin typeface="Cambria Math" pitchFamily="18" charset="0"/>
+                              <a:ea typeface="Cambria Math" pitchFamily="18" charset="0"/>
+                            </a:rPr>
+                            <m:t>=1</m:t>
+                          </m:r>
+                        </m:sub>
+                        <m:sup>
+                          <m:r>
+                            <a:rPr lang="en-GB" sz="2800" b="0" i="1" smtClean="0">
+                              <a:latin typeface="Cambria Math" pitchFamily="18" charset="0"/>
+                              <a:ea typeface="Cambria Math" pitchFamily="18" charset="0"/>
+                            </a:rPr>
+                            <m:t>𝑛</m:t>
+                          </m:r>
+                        </m:sup>
+                        <m:e>
+                          <m:r>
+                            <a:rPr lang="en-GB" sz="2800" b="0" i="1" smtClean="0">
+                              <a:latin typeface="Cambria Math" pitchFamily="18" charset="0"/>
+                              <a:ea typeface="Cambria Math" pitchFamily="18" charset="0"/>
+                            </a:rPr>
+                            <m:t>𝑝</m:t>
+                          </m:r>
+                          <m:r>
+                            <a:rPr lang="en-GB" sz="2800" b="0" i="1" smtClean="0">
+                              <a:latin typeface="Cambria Math" pitchFamily="18" charset="0"/>
+                              <a:ea typeface="Cambria Math" pitchFamily="18" charset="0"/>
+                            </a:rPr>
+                            <m:t>(</m:t>
+                          </m:r>
+                          <m:sSup>
+                            <m:sSupPr>
+                              <m:ctrlPr>
+                                <a:rPr lang="en-GB" sz="2800" b="0" i="1" smtClean="0">
+                                  <a:latin typeface="Cambria Math" pitchFamily="18" charset="0"/>
+                                  <a:ea typeface="Cambria Math" pitchFamily="18" charset="0"/>
+                                </a:rPr>
+                              </m:ctrlPr>
+                            </m:sSupPr>
+                            <m:e>
+                              <m:sSub>
+                                <m:sSubPr>
+                                  <m:ctrlPr>
+                                    <a:rPr lang="en-GB" sz="2800" b="0" i="1" smtClean="0">
+                                      <a:latin typeface="Cambria Math" pitchFamily="18" charset="0"/>
+                                      <a:ea typeface="Cambria Math" pitchFamily="18" charset="0"/>
+                                    </a:rPr>
+                                  </m:ctrlPr>
+                                </m:sSubPr>
+                                <m:e>
+                                  <m:r>
+                                    <a:rPr lang="en-GB" sz="2800" b="0" i="1" smtClean="0">
+                                      <a:latin typeface="Cambria Math" pitchFamily="18" charset="0"/>
+                                      <a:ea typeface="Cambria Math" pitchFamily="18" charset="0"/>
+                                    </a:rPr>
+                                    <m:t>𝐺</m:t>
+                                  </m:r>
+                                </m:e>
+                                <m:sub>
+                                  <m:r>
+                                    <a:rPr lang="en-GB" sz="2800" b="0" i="1" smtClean="0">
+                                      <a:latin typeface="Cambria Math" pitchFamily="18" charset="0"/>
+                                      <a:ea typeface="Cambria Math" pitchFamily="18" charset="0"/>
+                                    </a:rPr>
+                                    <m:t>𝑖</m:t>
+                                  </m:r>
+                                </m:sub>
+                              </m:sSub>
+                            </m:e>
+                            <m:sup>
+                              <m:r>
+                                <a:rPr lang="en-GB" sz="2800" b="0" i="1" smtClean="0">
+                                  <a:latin typeface="Cambria Math" pitchFamily="18" charset="0"/>
+                                  <a:ea typeface="Cambria Math" pitchFamily="18" charset="0"/>
+                                </a:rPr>
+                                <m:t>𝑡</m:t>
+                              </m:r>
+                              <m:r>
+                                <a:rPr lang="en-GB" sz="2800" b="0" i="1" smtClean="0">
+                                  <a:latin typeface="Cambria Math" pitchFamily="18" charset="0"/>
+                                  <a:ea typeface="Cambria Math" pitchFamily="18" charset="0"/>
+                                </a:rPr>
+                                <m:t>+1</m:t>
+                              </m:r>
+                            </m:sup>
+                          </m:sSup>
+                          <m:r>
+                            <a:rPr lang="en-GB" sz="2800" b="0" i="1" smtClean="0">
+                              <a:latin typeface="Cambria Math" pitchFamily="18" charset="0"/>
+                              <a:ea typeface="Cambria Math" pitchFamily="18" charset="0"/>
+                            </a:rPr>
+                            <m:t>|</m:t>
+                          </m:r>
+                          <m:sSup>
+                            <m:sSupPr>
+                              <m:ctrlPr>
+                                <a:rPr lang="en-GB" sz="2800" b="0" i="1" smtClean="0">
+                                  <a:latin typeface="Cambria Math" pitchFamily="18" charset="0"/>
+                                  <a:ea typeface="Cambria Math" pitchFamily="18" charset="0"/>
+                                </a:rPr>
+                              </m:ctrlPr>
+                            </m:sSupPr>
+                            <m:e>
+                              <m:r>
+                                <a:rPr lang="en-GB" sz="2800" b="0" i="1" smtClean="0">
+                                  <a:latin typeface="Cambria Math" pitchFamily="18" charset="0"/>
+                                  <a:ea typeface="Cambria Math" pitchFamily="18" charset="0"/>
+                                </a:rPr>
+                                <m:t>𝐺</m:t>
+                              </m:r>
+                            </m:e>
+                            <m:sup>
+                              <m:r>
+                                <a:rPr lang="en-GB" sz="2800" b="0" i="1" smtClean="0">
+                                  <a:latin typeface="Cambria Math" pitchFamily="18" charset="0"/>
+                                  <a:ea typeface="Cambria Math" pitchFamily="18" charset="0"/>
+                                </a:rPr>
+                                <m:t>𝑡</m:t>
+                              </m:r>
+                            </m:sup>
+                          </m:sSup>
+                          <m:r>
+                            <a:rPr lang="en-GB" sz="2800" b="0" i="1" smtClean="0">
+                              <a:latin typeface="Cambria Math" pitchFamily="18" charset="0"/>
+                              <a:ea typeface="Cambria Math" pitchFamily="18" charset="0"/>
+                            </a:rPr>
+                            <m:t>)</m:t>
+                          </m:r>
+                        </m:e>
+                      </m:nary>
+                    </m:oMath>
+                  </m:oMathPara>
+                </a14:m>
+                <a:endParaRPr lang="en-GB" sz="2800" i="1" dirty="0">
+                  <a:latin typeface="Cambria Math" pitchFamily="18" charset="0"/>
+                  <a:ea typeface="Cambria Math" pitchFamily="18" charset="0"/>
+                </a:endParaRPr>
+              </a:p>
+            </p:txBody>
+          </p:sp>
+        </mc:Choice>
+        <mc:Fallback>
+          <p:sp>
+            <p:nvSpPr>
+              <p:cNvPr id="3" name="TextBox 2"/>
+              <p:cNvSpPr txBox="1">
+                <a:spLocks noRot="1" noChangeAspect="1" noMove="1" noResize="1" noEditPoints="1" noAdjustHandles="1" noChangeArrowheads="1" noChangeShapeType="1" noTextEdit="1"/>
+              </p:cNvSpPr>
+              <p:nvPr/>
+            </p:nvSpPr>
+            <p:spPr>
+              <a:xfrm>
+                <a:off x="971600" y="1412776"/>
+                <a:ext cx="4878323" cy="1268552"/>
+              </a:xfrm>
+              <a:prstGeom prst="rect">
+                <a:avLst/>
+              </a:prstGeom>
+              <a:blipFill rotWithShape="1">
+                <a:blip r:embed="rId3"/>
+                <a:stretch>
+                  <a:fillRect/>
+                </a:stretch>
+              </a:blipFill>
+            </p:spPr>
+            <p:txBody>
+              <a:bodyPr/>
+              <a:lstStyle/>
+              <a:p>
+                <a:r>
+                  <a:rPr lang="en-GB">
+                    <a:noFill/>
+                  </a:rPr>
+                  <a:t> </a:t>
+                </a:r>
+              </a:p>
+            </p:txBody>
+          </p:sp>
+        </mc:Fallback>
+      </mc:AlternateContent>
+      <mc:AlternateContent xmlns:mc="http://schemas.openxmlformats.org/markup-compatibility/2006">
+        <mc:Choice xmlns:a14="http://schemas.microsoft.com/office/drawing/2010/main" Requires="a14">
+          <p:sp>
+            <p:nvSpPr>
+              <p:cNvPr id="4" name="TextBox 3"/>
+              <p:cNvSpPr txBox="1"/>
+              <p:nvPr/>
+            </p:nvSpPr>
+            <p:spPr>
+              <a:xfrm>
+                <a:off x="755576" y="4899283"/>
+                <a:ext cx="6768752" cy="1317348"/>
+              </a:xfrm>
+              <a:prstGeom prst="rect">
+                <a:avLst/>
+              </a:prstGeom>
+              <a:noFill/>
+            </p:spPr>
+            <p:txBody>
+              <a:bodyPr wrap="square" rtlCol="0">
+                <a:spAutoFit/>
+              </a:bodyPr>
+              <a:lstStyle/>
+              <a:p>
+                <a14:m>
+                  <m:oMathPara xmlns:m="http://schemas.openxmlformats.org/officeDocument/2006/math">
+                    <m:oMathParaPr>
+                      <m:jc m:val="centerGroup"/>
+                    </m:oMathParaPr>
+                    <m:oMath xmlns:m="http://schemas.openxmlformats.org/officeDocument/2006/math">
+                      <m:sSub>
+                        <m:sSubPr>
+                          <m:ctrlPr>
+                            <a:rPr lang="en-GB" sz="2800" i="1" smtClean="0">
+                              <a:latin typeface="Cambria Math" pitchFamily="18" charset="0"/>
+                              <a:ea typeface="Cambria Math" pitchFamily="18" charset="0"/>
+                            </a:rPr>
+                          </m:ctrlPr>
+                        </m:sSubPr>
+                        <m:e>
+                          <m:r>
+                            <a:rPr lang="en-GB" sz="2800" b="0" i="1" smtClean="0">
+                              <a:latin typeface="Cambria Math" pitchFamily="18" charset="0"/>
+                              <a:ea typeface="Cambria Math" pitchFamily="18" charset="0"/>
+                            </a:rPr>
+                            <m:t>𝑇</m:t>
+                          </m:r>
+                        </m:e>
+                        <m:sub>
+                          <m:r>
+                            <a:rPr lang="en-GB" sz="2800" b="0" i="1" smtClean="0">
+                              <a:latin typeface="Cambria Math" pitchFamily="18" charset="0"/>
+                              <a:ea typeface="Cambria Math" pitchFamily="18" charset="0"/>
+                            </a:rPr>
+                            <m:t>𝑖𝑘</m:t>
+                          </m:r>
+                        </m:sub>
+                      </m:sSub>
+                      <m:r>
+                        <a:rPr lang="en-GB" sz="2800" b="0" i="0" smtClean="0">
+                          <a:latin typeface="Cambria Math" pitchFamily="18" charset="0"/>
+                          <a:ea typeface="Cambria Math" pitchFamily="18" charset="0"/>
+                        </a:rPr>
+                        <m:t>=</m:t>
+                      </m:r>
+                      <m:nary>
+                        <m:naryPr>
+                          <m:chr m:val="∏"/>
+                          <m:ctrlPr>
+                            <a:rPr lang="en-GB" sz="2800" i="1" smtClean="0">
+                              <a:latin typeface="Cambria Math" pitchFamily="18" charset="0"/>
+                              <a:ea typeface="Cambria Math" pitchFamily="18" charset="0"/>
+                            </a:rPr>
+                          </m:ctrlPr>
+                        </m:naryPr>
+                        <m:sub>
+                          <m:r>
+                            <m:rPr>
+                              <m:brk m:alnAt="23"/>
+                            </m:rPr>
+                            <a:rPr lang="en-GB" sz="2800" b="0" i="1" smtClean="0">
+                              <a:latin typeface="Cambria Math" pitchFamily="18" charset="0"/>
+                              <a:ea typeface="Cambria Math" pitchFamily="18" charset="0"/>
+                            </a:rPr>
+                            <m:t>𝑗</m:t>
+                          </m:r>
+                          <m:r>
+                            <a:rPr lang="en-GB" sz="2800" b="0" i="1" smtClean="0">
+                              <a:latin typeface="Cambria Math" pitchFamily="18" charset="0"/>
+                              <a:ea typeface="Cambria Math" pitchFamily="18" charset="0"/>
+                            </a:rPr>
+                            <m:t>=1</m:t>
+                          </m:r>
+                        </m:sub>
+                        <m:sup>
+                          <m:r>
+                            <a:rPr lang="en-GB" sz="2800" b="0" i="1" smtClean="0">
+                              <a:latin typeface="Cambria Math" pitchFamily="18" charset="0"/>
+                              <a:ea typeface="Cambria Math" pitchFamily="18" charset="0"/>
+                            </a:rPr>
+                            <m:t>𝑛</m:t>
+                          </m:r>
+                        </m:sup>
+                        <m:e>
+                          <m:d>
+                            <m:dPr>
+                              <m:begChr m:val="["/>
+                              <m:endChr m:val="]"/>
+                              <m:ctrlPr>
+                                <a:rPr lang="en-GB" sz="2800" i="1" smtClean="0">
+                                  <a:latin typeface="Cambria Math" pitchFamily="18" charset="0"/>
+                                  <a:ea typeface="Cambria Math" pitchFamily="18" charset="0"/>
+                                </a:rPr>
+                              </m:ctrlPr>
+                            </m:dPr>
+                            <m:e>
+                              <m:sSub>
+                                <m:sSubPr>
+                                  <m:ctrlPr>
+                                    <a:rPr lang="en-GB" sz="2800" i="1">
+                                      <a:latin typeface="Cambria Math" pitchFamily="18" charset="0"/>
+                                      <a:ea typeface="Cambria Math" pitchFamily="18" charset="0"/>
+                                    </a:rPr>
+                                  </m:ctrlPr>
+                                </m:sSubPr>
+                                <m:e>
+                                  <m:acc>
+                                    <m:accPr>
+                                      <m:chr m:val="̃"/>
+                                      <m:ctrlPr>
+                                        <a:rPr lang="en-GB" sz="2800" i="1">
+                                          <a:latin typeface="Cambria Math" pitchFamily="18" charset="0"/>
+                                          <a:ea typeface="Cambria Math" pitchFamily="18" charset="0"/>
+                                        </a:rPr>
+                                      </m:ctrlPr>
+                                    </m:accPr>
+                                    <m:e>
+                                      <m:r>
+                                        <a:rPr lang="en-GB" sz="2800" i="1">
+                                          <a:latin typeface="Cambria Math" pitchFamily="18" charset="0"/>
+                                          <a:ea typeface="Cambria Math" pitchFamily="18" charset="0"/>
+                                        </a:rPr>
+                                        <m:t>𝑇</m:t>
+                                      </m:r>
+                                    </m:e>
+                                  </m:acc>
+                                </m:e>
+                                <m:sub>
+                                  <m:r>
+                                    <a:rPr lang="en-GB" sz="2800" i="1">
+                                      <a:latin typeface="Cambria Math" pitchFamily="18" charset="0"/>
+                                      <a:ea typeface="Cambria Math" pitchFamily="18" charset="0"/>
+                                    </a:rPr>
+                                    <m:t>𝑖𝑗</m:t>
+                                  </m:r>
+                                </m:sub>
+                              </m:sSub>
+                              <m:r>
+                                <a:rPr lang="en-GB" sz="2800" i="1">
+                                  <a:latin typeface="Cambria Math" pitchFamily="18" charset="0"/>
+                                  <a:ea typeface="Cambria Math" pitchFamily="18" charset="0"/>
+                                </a:rPr>
+                                <m:t>𝛿</m:t>
+                              </m:r>
+                              <m:r>
+                                <a:rPr lang="en-GB" sz="2800" i="1">
+                                  <a:latin typeface="Cambria Math" pitchFamily="18" charset="0"/>
+                                  <a:ea typeface="Cambria Math" pitchFamily="18" charset="0"/>
+                                </a:rPr>
+                                <m:t>(</m:t>
+                              </m:r>
+                              <m:sSub>
+                                <m:sSubPr>
+                                  <m:ctrlPr>
+                                    <a:rPr lang="en-GB" sz="2800" i="1">
+                                      <a:latin typeface="Cambria Math" pitchFamily="18" charset="0"/>
+                                      <a:ea typeface="Cambria Math" pitchFamily="18" charset="0"/>
+                                    </a:rPr>
+                                  </m:ctrlPr>
+                                </m:sSubPr>
+                                <m:e>
+                                  <m:r>
+                                    <a:rPr lang="en-GB" sz="2800" i="1">
+                                      <a:latin typeface="Cambria Math" pitchFamily="18" charset="0"/>
+                                      <a:ea typeface="Cambria Math" pitchFamily="18" charset="0"/>
+                                    </a:rPr>
+                                    <m:t>𝑘</m:t>
+                                  </m:r>
+                                </m:e>
+                                <m:sub>
+                                  <m:r>
+                                    <a:rPr lang="en-GB" sz="2800" i="1">
+                                      <a:latin typeface="Cambria Math" pitchFamily="18" charset="0"/>
+                                      <a:ea typeface="Cambria Math" pitchFamily="18" charset="0"/>
+                                    </a:rPr>
+                                    <m:t>𝑗</m:t>
+                                  </m:r>
+                                </m:sub>
+                              </m:sSub>
+                              <m:r>
+                                <a:rPr lang="en-GB" sz="2800" i="1">
+                                  <a:latin typeface="Cambria Math" pitchFamily="18" charset="0"/>
+                                  <a:ea typeface="Cambria Math" pitchFamily="18" charset="0"/>
+                                </a:rPr>
+                                <m:t>−1)+(1−</m:t>
+                              </m:r>
+                              <m:sSub>
+                                <m:sSubPr>
+                                  <m:ctrlPr>
+                                    <a:rPr lang="en-GB" sz="2800" i="1">
+                                      <a:latin typeface="Cambria Math" pitchFamily="18" charset="0"/>
+                                      <a:ea typeface="Cambria Math" pitchFamily="18" charset="0"/>
+                                    </a:rPr>
+                                  </m:ctrlPr>
+                                </m:sSubPr>
+                                <m:e>
+                                  <m:acc>
+                                    <m:accPr>
+                                      <m:chr m:val="̃"/>
+                                      <m:ctrlPr>
+                                        <a:rPr lang="en-GB" sz="2800" i="1">
+                                          <a:latin typeface="Cambria Math" pitchFamily="18" charset="0"/>
+                                          <a:ea typeface="Cambria Math" pitchFamily="18" charset="0"/>
+                                        </a:rPr>
+                                      </m:ctrlPr>
+                                    </m:accPr>
+                                    <m:e>
+                                      <m:r>
+                                        <a:rPr lang="en-GB" sz="2800" i="1">
+                                          <a:latin typeface="Cambria Math" pitchFamily="18" charset="0"/>
+                                          <a:ea typeface="Cambria Math" pitchFamily="18" charset="0"/>
+                                        </a:rPr>
+                                        <m:t>𝑇</m:t>
+                                      </m:r>
+                                    </m:e>
+                                  </m:acc>
+                                </m:e>
+                                <m:sub>
+                                  <m:r>
+                                    <a:rPr lang="en-GB" sz="2800" i="1">
+                                      <a:latin typeface="Cambria Math" pitchFamily="18" charset="0"/>
+                                      <a:ea typeface="Cambria Math" pitchFamily="18" charset="0"/>
+                                    </a:rPr>
+                                    <m:t>𝑖𝑗</m:t>
+                                  </m:r>
+                                </m:sub>
+                              </m:sSub>
+                              <m:r>
+                                <a:rPr lang="en-GB" sz="2800" i="1">
+                                  <a:latin typeface="Cambria Math" pitchFamily="18" charset="0"/>
+                                  <a:ea typeface="Cambria Math" pitchFamily="18" charset="0"/>
+                                </a:rPr>
+                                <m:t>)</m:t>
+                              </m:r>
+                              <m:r>
+                                <a:rPr lang="en-GB" sz="2800" i="1">
+                                  <a:latin typeface="Cambria Math" pitchFamily="18" charset="0"/>
+                                  <a:ea typeface="Cambria Math" pitchFamily="18" charset="0"/>
+                                </a:rPr>
+                                <m:t>𝛿</m:t>
+                              </m:r>
+                              <m:r>
+                                <a:rPr lang="en-GB" sz="2800" i="1">
+                                  <a:latin typeface="Cambria Math" pitchFamily="18" charset="0"/>
+                                  <a:ea typeface="Cambria Math" pitchFamily="18" charset="0"/>
+                                </a:rPr>
+                                <m:t>(</m:t>
+                              </m:r>
+                              <m:sSub>
+                                <m:sSubPr>
+                                  <m:ctrlPr>
+                                    <a:rPr lang="en-GB" sz="2800" i="1">
+                                      <a:latin typeface="Cambria Math" pitchFamily="18" charset="0"/>
+                                      <a:ea typeface="Cambria Math" pitchFamily="18" charset="0"/>
+                                    </a:rPr>
+                                  </m:ctrlPr>
+                                </m:sSubPr>
+                                <m:e>
+                                  <m:r>
+                                    <a:rPr lang="en-GB" sz="2800" i="1">
+                                      <a:latin typeface="Cambria Math" pitchFamily="18" charset="0"/>
+                                      <a:ea typeface="Cambria Math" pitchFamily="18" charset="0"/>
+                                    </a:rPr>
+                                    <m:t>𝑘</m:t>
+                                  </m:r>
+                                </m:e>
+                                <m:sub>
+                                  <m:r>
+                                    <a:rPr lang="en-GB" sz="2800" i="1">
+                                      <a:latin typeface="Cambria Math" pitchFamily="18" charset="0"/>
+                                      <a:ea typeface="Cambria Math" pitchFamily="18" charset="0"/>
+                                    </a:rPr>
+                                    <m:t>𝑗</m:t>
+                                  </m:r>
+                                </m:sub>
+                              </m:sSub>
+                              <m:r>
+                                <a:rPr lang="en-GB" sz="2800" i="1">
+                                  <a:latin typeface="Cambria Math" pitchFamily="18" charset="0"/>
+                                  <a:ea typeface="Cambria Math" pitchFamily="18" charset="0"/>
+                                </a:rPr>
+                                <m:t>)</m:t>
+                              </m:r>
+                            </m:e>
+                          </m:d>
+                        </m:e>
+                      </m:nary>
+                    </m:oMath>
+                  </m:oMathPara>
+                </a14:m>
+                <a:endParaRPr lang="en-GB" sz="2800" dirty="0">
+                  <a:latin typeface="Cambria Math" pitchFamily="18" charset="0"/>
+                  <a:ea typeface="Cambria Math" pitchFamily="18" charset="0"/>
+                </a:endParaRPr>
+              </a:p>
+            </p:txBody>
+          </p:sp>
+        </mc:Choice>
+        <mc:Fallback>
+          <p:sp>
+            <p:nvSpPr>
+              <p:cNvPr id="4" name="TextBox 3"/>
+              <p:cNvSpPr txBox="1">
+                <a:spLocks noRot="1" noChangeAspect="1" noMove="1" noResize="1" noEditPoints="1" noAdjustHandles="1" noChangeArrowheads="1" noChangeShapeType="1" noTextEdit="1"/>
+              </p:cNvSpPr>
+              <p:nvPr/>
+            </p:nvSpPr>
+            <p:spPr>
+              <a:xfrm>
+                <a:off x="755576" y="4899283"/>
+                <a:ext cx="6768752" cy="1317348"/>
+              </a:xfrm>
+              <a:prstGeom prst="rect">
+                <a:avLst/>
+              </a:prstGeom>
+              <a:blipFill rotWithShape="1">
+                <a:blip r:embed="rId4"/>
+                <a:stretch>
+                  <a:fillRect/>
+                </a:stretch>
+              </a:blipFill>
+            </p:spPr>
+            <p:txBody>
+              <a:bodyPr/>
+              <a:lstStyle/>
+              <a:p>
+                <a:r>
+                  <a:rPr lang="en-GB">
+                    <a:noFill/>
+                  </a:rPr>
+                  <a:t> </a:t>
+                </a:r>
+              </a:p>
+            </p:txBody>
+          </p:sp>
+        </mc:Fallback>
+      </mc:AlternateContent>
+    </p:spTree>
+    <p:extLst>
+      <p:ext uri="{BB962C8B-B14F-4D97-AF65-F5344CB8AC3E}">
+        <p14:creationId xmlns:p14="http://schemas.microsoft.com/office/powerpoint/2010/main" val="2538870892"/>
       </p:ext>
     </p:extLst>
   </p:cSld>

--- a/Writeup/Presentation/Integrated Information Theory for Organisational Consciousness.pptx
+++ b/Writeup/Presentation/Integrated Information Theory for Organisational Consciousness.pptx
@@ -9,10 +9,15 @@
   <p:sldIdLst>
     <p:sldId id="270" r:id="rId4"/>
     <p:sldId id="271" r:id="rId5"/>
-    <p:sldId id="272" r:id="rId6"/>
-    <p:sldId id="273" r:id="rId7"/>
-    <p:sldId id="274" r:id="rId8"/>
-    <p:sldId id="275" r:id="rId9"/>
+    <p:sldId id="276" r:id="rId6"/>
+    <p:sldId id="272" r:id="rId7"/>
+    <p:sldId id="273" r:id="rId8"/>
+    <p:sldId id="277" r:id="rId9"/>
+    <p:sldId id="278" r:id="rId10"/>
+    <p:sldId id="279" r:id="rId11"/>
+    <p:sldId id="280" r:id="rId12"/>
+    <p:sldId id="274" r:id="rId13"/>
+    <p:sldId id="275" r:id="rId14"/>
   </p:sldIdLst>
   <p:sldSz cx="9144000" cy="6858000" type="screen4x3"/>
   <p:notesSz cx="6858000" cy="9144000"/>
@@ -309,7 +314,7 @@
           <a:p>
             <a:fld id="{ED748905-54C2-4075-AEDD-602565ABB1B4}" type="datetimeFigureOut">
               <a:rPr lang="en-GB" smtClean="0"/>
-              <a:t>22/05/2017</a:t>
+              <a:t>23/05/2017</a:t>
             </a:fld>
             <a:endParaRPr lang="en-GB"/>
           </a:p>
@@ -526,7 +531,7 @@
           <a:p>
             <a:fld id="{ED748905-54C2-4075-AEDD-602565ABB1B4}" type="datetimeFigureOut">
               <a:rPr lang="en-GB" smtClean="0"/>
-              <a:t>22/05/2017</a:t>
+              <a:t>23/05/2017</a:t>
             </a:fld>
             <a:endParaRPr lang="en-GB"/>
           </a:p>
@@ -736,7 +741,7 @@
           <a:p>
             <a:fld id="{ED748905-54C2-4075-AEDD-602565ABB1B4}" type="datetimeFigureOut">
               <a:rPr lang="en-GB" smtClean="0"/>
-              <a:t>22/05/2017</a:t>
+              <a:t>23/05/2017</a:t>
             </a:fld>
             <a:endParaRPr lang="en-GB"/>
           </a:p>
@@ -1008,7 +1013,7 @@
           <a:p>
             <a:fld id="{1F83D633-8A9A-4CCC-9611-5501EFDB392A}" type="datetimeFigureOut">
               <a:rPr lang="en-GB" smtClean="0"/>
-              <a:t>22/05/2017</a:t>
+              <a:t>23/05/2017</a:t>
             </a:fld>
             <a:endParaRPr lang="en-GB" dirty="0"/>
           </a:p>
@@ -1225,7 +1230,7 @@
           <a:p>
             <a:fld id="{1F83D633-8A9A-4CCC-9611-5501EFDB392A}" type="datetimeFigureOut">
               <a:rPr lang="en-GB" smtClean="0"/>
-              <a:t>22/05/2017</a:t>
+              <a:t>23/05/2017</a:t>
             </a:fld>
             <a:endParaRPr lang="en-GB"/>
           </a:p>
@@ -1501,7 +1506,7 @@
           <a:p>
             <a:fld id="{1F83D633-8A9A-4CCC-9611-5501EFDB392A}" type="datetimeFigureOut">
               <a:rPr lang="en-GB" smtClean="0"/>
-              <a:t>22/05/2017</a:t>
+              <a:t>23/05/2017</a:t>
             </a:fld>
             <a:endParaRPr lang="en-GB"/>
           </a:p>
@@ -1827,7 +1832,7 @@
           <a:p>
             <a:fld id="{1F83D633-8A9A-4CCC-9611-5501EFDB392A}" type="datetimeFigureOut">
               <a:rPr lang="en-GB" smtClean="0"/>
-              <a:t>22/05/2017</a:t>
+              <a:t>23/05/2017</a:t>
             </a:fld>
             <a:endParaRPr lang="en-GB"/>
           </a:p>
@@ -2293,7 +2298,7 @@
           <a:p>
             <a:fld id="{1F83D633-8A9A-4CCC-9611-5501EFDB392A}" type="datetimeFigureOut">
               <a:rPr lang="en-GB" smtClean="0"/>
-              <a:t>22/05/2017</a:t>
+              <a:t>23/05/2017</a:t>
             </a:fld>
             <a:endParaRPr lang="en-GB"/>
           </a:p>
@@ -2443,7 +2448,7 @@
           <a:p>
             <a:fld id="{1F83D633-8A9A-4CCC-9611-5501EFDB392A}" type="datetimeFigureOut">
               <a:rPr lang="en-GB" smtClean="0"/>
-              <a:t>22/05/2017</a:t>
+              <a:t>23/05/2017</a:t>
             </a:fld>
             <a:endParaRPr lang="en-GB"/>
           </a:p>
@@ -2562,7 +2567,7 @@
           <a:p>
             <a:fld id="{1F83D633-8A9A-4CCC-9611-5501EFDB392A}" type="datetimeFigureOut">
               <a:rPr lang="en-GB" smtClean="0"/>
-              <a:t>22/05/2017</a:t>
+              <a:t>23/05/2017</a:t>
             </a:fld>
             <a:endParaRPr lang="en-GB"/>
           </a:p>
@@ -2872,7 +2877,7 @@
           <a:p>
             <a:fld id="{1F83D633-8A9A-4CCC-9611-5501EFDB392A}" type="datetimeFigureOut">
               <a:rPr lang="en-GB" smtClean="0"/>
-              <a:t>22/05/2017</a:t>
+              <a:t>23/05/2017</a:t>
             </a:fld>
             <a:endParaRPr lang="en-GB"/>
           </a:p>
@@ -3082,7 +3087,7 @@
           <a:p>
             <a:fld id="{ED748905-54C2-4075-AEDD-602565ABB1B4}" type="datetimeFigureOut">
               <a:rPr lang="en-GB" smtClean="0"/>
-              <a:t>22/05/2017</a:t>
+              <a:t>23/05/2017</a:t>
             </a:fld>
             <a:endParaRPr lang="en-GB"/>
           </a:p>
@@ -3375,7 +3380,7 @@
           <a:p>
             <a:fld id="{1F83D633-8A9A-4CCC-9611-5501EFDB392A}" type="datetimeFigureOut">
               <a:rPr lang="en-GB" smtClean="0"/>
-              <a:t>22/05/2017</a:t>
+              <a:t>23/05/2017</a:t>
             </a:fld>
             <a:endParaRPr lang="en-GB"/>
           </a:p>
@@ -3585,7 +3590,7 @@
           <a:p>
             <a:fld id="{1F83D633-8A9A-4CCC-9611-5501EFDB392A}" type="datetimeFigureOut">
               <a:rPr lang="en-GB" smtClean="0"/>
-              <a:t>22/05/2017</a:t>
+              <a:t>23/05/2017</a:t>
             </a:fld>
             <a:endParaRPr lang="en-GB"/>
           </a:p>
@@ -3795,7 +3800,7 @@
           <a:p>
             <a:fld id="{1F83D633-8A9A-4CCC-9611-5501EFDB392A}" type="datetimeFigureOut">
               <a:rPr lang="en-GB" smtClean="0"/>
-              <a:t>22/05/2017</a:t>
+              <a:t>23/05/2017</a:t>
             </a:fld>
             <a:endParaRPr lang="en-GB"/>
           </a:p>
@@ -4053,7 +4058,7 @@
           <a:p>
             <a:fld id="{C92A6B7D-1812-4457-B448-12973DD2C064}" type="datetimeFigureOut">
               <a:rPr lang="en-GB" smtClean="0"/>
-              <a:t>22/05/2017</a:t>
+              <a:t>23/05/2017</a:t>
             </a:fld>
             <a:endParaRPr lang="en-GB"/>
           </a:p>
@@ -4223,7 +4228,7 @@
           <a:p>
             <a:fld id="{C92A6B7D-1812-4457-B448-12973DD2C064}" type="datetimeFigureOut">
               <a:rPr lang="en-GB" smtClean="0"/>
-              <a:t>22/05/2017</a:t>
+              <a:t>23/05/2017</a:t>
             </a:fld>
             <a:endParaRPr lang="en-GB"/>
           </a:p>
@@ -4469,7 +4474,7 @@
           <a:p>
             <a:fld id="{C92A6B7D-1812-4457-B448-12973DD2C064}" type="datetimeFigureOut">
               <a:rPr lang="en-GB" smtClean="0"/>
-              <a:t>22/05/2017</a:t>
+              <a:t>23/05/2017</a:t>
             </a:fld>
             <a:endParaRPr lang="en-GB"/>
           </a:p>
@@ -4757,7 +4762,7 @@
           <a:p>
             <a:fld id="{C92A6B7D-1812-4457-B448-12973DD2C064}" type="datetimeFigureOut">
               <a:rPr lang="en-GB" smtClean="0"/>
-              <a:t>22/05/2017</a:t>
+              <a:t>23/05/2017</a:t>
             </a:fld>
             <a:endParaRPr lang="en-GB"/>
           </a:p>
@@ -5179,7 +5184,7 @@
           <a:p>
             <a:fld id="{C92A6B7D-1812-4457-B448-12973DD2C064}" type="datetimeFigureOut">
               <a:rPr lang="en-GB" smtClean="0"/>
-              <a:t>22/05/2017</a:t>
+              <a:t>23/05/2017</a:t>
             </a:fld>
             <a:endParaRPr lang="en-GB"/>
           </a:p>
@@ -5297,7 +5302,7 @@
           <a:p>
             <a:fld id="{C92A6B7D-1812-4457-B448-12973DD2C064}" type="datetimeFigureOut">
               <a:rPr lang="en-GB" smtClean="0"/>
-              <a:t>22/05/2017</a:t>
+              <a:t>23/05/2017</a:t>
             </a:fld>
             <a:endParaRPr lang="en-GB"/>
           </a:p>
@@ -5392,7 +5397,7 @@
           <a:p>
             <a:fld id="{C92A6B7D-1812-4457-B448-12973DD2C064}" type="datetimeFigureOut">
               <a:rPr lang="en-GB" smtClean="0"/>
-              <a:t>22/05/2017</a:t>
+              <a:t>23/05/2017</a:t>
             </a:fld>
             <a:endParaRPr lang="en-GB"/>
           </a:p>
@@ -5652,7 +5657,7 @@
           <a:p>
             <a:fld id="{ED748905-54C2-4075-AEDD-602565ABB1B4}" type="datetimeFigureOut">
               <a:rPr lang="en-GB" smtClean="0"/>
-              <a:t>22/05/2017</a:t>
+              <a:t>23/05/2017</a:t>
             </a:fld>
             <a:endParaRPr lang="en-GB"/>
           </a:p>
@@ -5952,7 +5957,7 @@
           <a:p>
             <a:fld id="{C92A6B7D-1812-4457-B448-12973DD2C064}" type="datetimeFigureOut">
               <a:rPr lang="en-GB" smtClean="0"/>
-              <a:t>22/05/2017</a:t>
+              <a:t>23/05/2017</a:t>
             </a:fld>
             <a:endParaRPr lang="en-GB"/>
           </a:p>
@@ -6205,7 +6210,7 @@
           <a:p>
             <a:fld id="{C92A6B7D-1812-4457-B448-12973DD2C064}" type="datetimeFigureOut">
               <a:rPr lang="en-GB" smtClean="0"/>
-              <a:t>22/05/2017</a:t>
+              <a:t>23/05/2017</a:t>
             </a:fld>
             <a:endParaRPr lang="en-GB"/>
           </a:p>
@@ -6375,7 +6380,7 @@
           <a:p>
             <a:fld id="{C92A6B7D-1812-4457-B448-12973DD2C064}" type="datetimeFigureOut">
               <a:rPr lang="en-GB" smtClean="0"/>
-              <a:t>22/05/2017</a:t>
+              <a:t>23/05/2017</a:t>
             </a:fld>
             <a:endParaRPr lang="en-GB"/>
           </a:p>
@@ -6555,7 +6560,7 @@
           <a:p>
             <a:fld id="{C92A6B7D-1812-4457-B448-12973DD2C064}" type="datetimeFigureOut">
               <a:rPr lang="en-GB" smtClean="0"/>
-              <a:t>22/05/2017</a:t>
+              <a:t>23/05/2017</a:t>
             </a:fld>
             <a:endParaRPr lang="en-GB"/>
           </a:p>
@@ -6865,7 +6870,7 @@
           <a:p>
             <a:fld id="{ED748905-54C2-4075-AEDD-602565ABB1B4}" type="datetimeFigureOut">
               <a:rPr lang="en-GB" smtClean="0"/>
-              <a:t>22/05/2017</a:t>
+              <a:t>23/05/2017</a:t>
             </a:fld>
             <a:endParaRPr lang="en-GB"/>
           </a:p>
@@ -7331,7 +7336,7 @@
           <a:p>
             <a:fld id="{ED748905-54C2-4075-AEDD-602565ABB1B4}" type="datetimeFigureOut">
               <a:rPr lang="en-GB" smtClean="0"/>
-              <a:t>22/05/2017</a:t>
+              <a:t>23/05/2017</a:t>
             </a:fld>
             <a:endParaRPr lang="en-GB"/>
           </a:p>
@@ -7481,7 +7486,7 @@
           <a:p>
             <a:fld id="{ED748905-54C2-4075-AEDD-602565ABB1B4}" type="datetimeFigureOut">
               <a:rPr lang="en-GB" smtClean="0"/>
-              <a:t>22/05/2017</a:t>
+              <a:t>23/05/2017</a:t>
             </a:fld>
             <a:endParaRPr lang="en-GB"/>
           </a:p>
@@ -7607,7 +7612,7 @@
           <a:p>
             <a:fld id="{ED748905-54C2-4075-AEDD-602565ABB1B4}" type="datetimeFigureOut">
               <a:rPr lang="en-GB" smtClean="0"/>
-              <a:t>22/05/2017</a:t>
+              <a:t>23/05/2017</a:t>
             </a:fld>
             <a:endParaRPr lang="en-GB"/>
           </a:p>
@@ -7924,7 +7929,7 @@
           <a:p>
             <a:fld id="{ED748905-54C2-4075-AEDD-602565ABB1B4}" type="datetimeFigureOut">
               <a:rPr lang="en-GB" smtClean="0"/>
-              <a:t>22/05/2017</a:t>
+              <a:t>23/05/2017</a:t>
             </a:fld>
             <a:endParaRPr lang="en-GB"/>
           </a:p>
@@ -8214,7 +8219,7 @@
           <a:p>
             <a:fld id="{ED748905-54C2-4075-AEDD-602565ABB1B4}" type="datetimeFigureOut">
               <a:rPr lang="en-GB" smtClean="0"/>
-              <a:t>22/05/2017</a:t>
+              <a:t>23/05/2017</a:t>
             </a:fld>
             <a:endParaRPr lang="en-GB"/>
           </a:p>
@@ -10492,7 +10497,7 @@
           <a:p>
             <a:fld id="{C92A6B7D-1812-4457-B448-12973DD2C064}" type="datetimeFigureOut">
               <a:rPr lang="en-GB" smtClean="0"/>
-              <a:t>22/05/2017</a:t>
+              <a:t>23/05/2017</a:t>
             </a:fld>
             <a:endParaRPr lang="en-GB"/>
           </a:p>
@@ -11107,6 +11112,1838 @@
 </p:sld>
 </file>
 
+<file path=ppt/slides/slide10.xml><?xml version="1.0" encoding="utf-8"?>
+<p:sld xmlns:a="http://schemas.openxmlformats.org/drawingml/2006/main" xmlns:r="http://schemas.openxmlformats.org/officeDocument/2006/relationships" xmlns:p="http://schemas.openxmlformats.org/presentationml/2006/main">
+  <p:cSld>
+    <p:spTree>
+      <p:nvGrpSpPr>
+        <p:cNvPr id="1" name=""/>
+        <p:cNvGrpSpPr/>
+        <p:nvPr/>
+      </p:nvGrpSpPr>
+      <p:grpSpPr>
+        <a:xfrm>
+          <a:off x="0" y="0"/>
+          <a:ext cx="0" cy="0"/>
+          <a:chOff x="0" y="0"/>
+          <a:chExt cx="0" cy="0"/>
+        </a:xfrm>
+      </p:grpSpPr>
+      <p:sp>
+        <p:nvSpPr>
+          <p:cNvPr id="2" name="TextBox 1"/>
+          <p:cNvSpPr txBox="1"/>
+          <p:nvPr/>
+        </p:nvSpPr>
+        <p:spPr>
+          <a:xfrm>
+            <a:off x="836320" y="98490"/>
+            <a:ext cx="5463872" cy="646331"/>
+          </a:xfrm>
+          <a:prstGeom prst="rect">
+            <a:avLst/>
+          </a:prstGeom>
+          <a:noFill/>
+        </p:spPr>
+        <p:txBody>
+          <a:bodyPr wrap="square" rtlCol="0">
+            <a:spAutoFit/>
+          </a:bodyPr>
+          <a:lstStyle/>
+          <a:p>
+            <a:r>
+              <a:rPr lang="en-GB" sz="3600" dirty="0" smtClean="0"/>
+              <a:t>Earth Mover’s Distance</a:t>
+            </a:r>
+            <a:endParaRPr lang="en-GB" sz="3600" dirty="0"/>
+          </a:p>
+        </p:txBody>
+      </p:sp>
+      <p:sp>
+        <p:nvSpPr>
+          <p:cNvPr id="5" name="AutoShape 6" descr="Image result for earth mover's distance"/>
+          <p:cNvSpPr>
+            <a:spLocks noChangeAspect="1" noChangeArrowheads="1"/>
+          </p:cNvSpPr>
+          <p:nvPr/>
+        </p:nvSpPr>
+        <p:spPr bwMode="auto">
+          <a:xfrm>
+            <a:off x="155575" y="-144463"/>
+            <a:ext cx="304800" cy="304801"/>
+          </a:xfrm>
+          <a:prstGeom prst="rect">
+            <a:avLst/>
+          </a:prstGeom>
+          <a:noFill/>
+          <a:extLst>
+            <a:ext uri="{909E8E84-426E-40DD-AFC4-6F175D3DCCD1}">
+              <a14:hiddenFill xmlns:a14="http://schemas.microsoft.com/office/drawing/2010/main">
+                <a:solidFill>
+                  <a:srgbClr val="FFFFFF"/>
+                </a:solidFill>
+              </a14:hiddenFill>
+            </a:ext>
+          </a:extLst>
+        </p:spPr>
+        <p:txBody>
+          <a:bodyPr vert="horz" wrap="square" lIns="91440" tIns="45720" rIns="91440" bIns="45720" numCol="1" anchor="t" anchorCtr="0" compatLnSpc="1">
+            <a:prstTxWarp prst="textNoShape">
+              <a:avLst/>
+            </a:prstTxWarp>
+          </a:bodyPr>
+          <a:lstStyle/>
+          <a:p>
+            <a:endParaRPr lang="en-GB"/>
+          </a:p>
+        </p:txBody>
+      </p:sp>
+      <p:sp>
+        <p:nvSpPr>
+          <p:cNvPr id="7" name="AutoShape 8" descr="Image result for earth mover's distance"/>
+          <p:cNvSpPr>
+            <a:spLocks noChangeAspect="1" noChangeArrowheads="1"/>
+          </p:cNvSpPr>
+          <p:nvPr/>
+        </p:nvSpPr>
+        <p:spPr bwMode="auto">
+          <a:xfrm>
+            <a:off x="307975" y="7937"/>
+            <a:ext cx="304800" cy="304801"/>
+          </a:xfrm>
+          <a:prstGeom prst="rect">
+            <a:avLst/>
+          </a:prstGeom>
+          <a:noFill/>
+          <a:extLst>
+            <a:ext uri="{909E8E84-426E-40DD-AFC4-6F175D3DCCD1}">
+              <a14:hiddenFill xmlns:a14="http://schemas.microsoft.com/office/drawing/2010/main">
+                <a:solidFill>
+                  <a:srgbClr val="FFFFFF"/>
+                </a:solidFill>
+              </a14:hiddenFill>
+            </a:ext>
+          </a:extLst>
+        </p:spPr>
+        <p:txBody>
+          <a:bodyPr vert="horz" wrap="square" lIns="91440" tIns="45720" rIns="91440" bIns="45720" numCol="1" anchor="t" anchorCtr="0" compatLnSpc="1">
+            <a:prstTxWarp prst="textNoShape">
+              <a:avLst/>
+            </a:prstTxWarp>
+          </a:bodyPr>
+          <a:lstStyle/>
+          <a:p>
+            <a:endParaRPr lang="en-GB"/>
+          </a:p>
+        </p:txBody>
+      </p:sp>
+      <p:pic>
+        <p:nvPicPr>
+          <p:cNvPr id="2058" name="Picture 10" descr="Image result for earth mover's distance discrete"/>
+          <p:cNvPicPr>
+            <a:picLocks noChangeAspect="1" noChangeArrowheads="1"/>
+          </p:cNvPicPr>
+          <p:nvPr/>
+        </p:nvPicPr>
+        <p:blipFill>
+          <a:blip r:embed="rId2">
+            <a:extLst>
+              <a:ext uri="{28A0092B-C50C-407E-A947-70E740481C1C}">
+                <a14:useLocalDpi xmlns:a14="http://schemas.microsoft.com/office/drawing/2010/main" val="0"/>
+              </a:ext>
+            </a:extLst>
+          </a:blip>
+          <a:srcRect/>
+          <a:stretch>
+            <a:fillRect/>
+          </a:stretch>
+        </p:blipFill>
+        <p:spPr bwMode="auto">
+          <a:xfrm>
+            <a:off x="1152460" y="1562972"/>
+            <a:ext cx="7666212" cy="3825621"/>
+          </a:xfrm>
+          <a:prstGeom prst="rect">
+            <a:avLst/>
+          </a:prstGeom>
+          <a:noFill/>
+          <a:extLst>
+            <a:ext uri="{909E8E84-426E-40DD-AFC4-6F175D3DCCD1}">
+              <a14:hiddenFill xmlns:a14="http://schemas.microsoft.com/office/drawing/2010/main">
+                <a:solidFill>
+                  <a:srgbClr val="FFFFFF"/>
+                </a:solidFill>
+              </a14:hiddenFill>
+            </a:ext>
+          </a:extLst>
+        </p:spPr>
+      </p:pic>
+    </p:spTree>
+    <p:extLst>
+      <p:ext uri="{BB962C8B-B14F-4D97-AF65-F5344CB8AC3E}">
+        <p14:creationId xmlns:p14="http://schemas.microsoft.com/office/powerpoint/2010/main" val="2538870892"/>
+      </p:ext>
+    </p:extLst>
+  </p:cSld>
+  <p:clrMapOvr>
+    <a:masterClrMapping/>
+  </p:clrMapOvr>
+  <p:timing>
+    <p:tnLst>
+      <p:par>
+        <p:cTn id="1" dur="indefinite" restart="never" nodeType="tmRoot"/>
+      </p:par>
+    </p:tnLst>
+  </p:timing>
+</p:sld>
+</file>
+
+<file path=ppt/slides/slide11.xml><?xml version="1.0" encoding="utf-8"?>
+<p:sld xmlns:a="http://schemas.openxmlformats.org/drawingml/2006/main" xmlns:r="http://schemas.openxmlformats.org/officeDocument/2006/relationships" xmlns:p="http://schemas.openxmlformats.org/presentationml/2006/main">
+  <p:cSld>
+    <p:spTree>
+      <p:nvGrpSpPr>
+        <p:cNvPr id="1" name=""/>
+        <p:cNvGrpSpPr/>
+        <p:nvPr/>
+      </p:nvGrpSpPr>
+      <p:grpSpPr>
+        <a:xfrm>
+          <a:off x="0" y="0"/>
+          <a:ext cx="0" cy="0"/>
+          <a:chOff x="0" y="0"/>
+          <a:chExt cx="0" cy="0"/>
+        </a:xfrm>
+      </p:grpSpPr>
+      <p:sp>
+        <p:nvSpPr>
+          <p:cNvPr id="2" name="TextBox 1"/>
+          <p:cNvSpPr txBox="1"/>
+          <p:nvPr/>
+        </p:nvSpPr>
+        <p:spPr>
+          <a:xfrm>
+            <a:off x="836320" y="98490"/>
+            <a:ext cx="5463872" cy="646331"/>
+          </a:xfrm>
+          <a:prstGeom prst="rect">
+            <a:avLst/>
+          </a:prstGeom>
+          <a:noFill/>
+        </p:spPr>
+        <p:txBody>
+          <a:bodyPr wrap="square" rtlCol="0">
+            <a:spAutoFit/>
+          </a:bodyPr>
+          <a:lstStyle/>
+          <a:p>
+            <a:r>
+              <a:rPr lang="en-GB" sz="3600" dirty="0" smtClean="0"/>
+              <a:t>Transition Probability Matrix</a:t>
+            </a:r>
+            <a:endParaRPr lang="en-GB" sz="3600" dirty="0"/>
+          </a:p>
+        </p:txBody>
+      </p:sp>
+      <p:graphicFrame>
+        <p:nvGraphicFramePr>
+          <p:cNvPr id="6" name="Table 5"/>
+          <p:cNvGraphicFramePr>
+            <a:graphicFrameLocks noGrp="1"/>
+          </p:cNvGraphicFramePr>
+          <p:nvPr>
+            <p:extLst>
+              <p:ext uri="{D42A27DB-BD31-4B8C-83A1-F6EECF244321}">
+                <p14:modId xmlns:p14="http://schemas.microsoft.com/office/powerpoint/2010/main" val="2873364012"/>
+              </p:ext>
+            </p:extLst>
+          </p:nvPr>
+        </p:nvGraphicFramePr>
+        <p:xfrm>
+          <a:off x="6012160" y="1434224"/>
+          <a:ext cx="2709332" cy="3409568"/>
+        </p:xfrm>
+        <a:graphic>
+          <a:graphicData uri="http://schemas.openxmlformats.org/drawingml/2006/table">
+            <a:tbl>
+              <a:tblPr firstRow="1" bandRow="1">
+                <a:tableStyleId>{5C22544A-7EE6-4342-B048-85BDC9FD1C3A}</a:tableStyleId>
+              </a:tblPr>
+              <a:tblGrid>
+                <a:gridCol w="677333"/>
+                <a:gridCol w="677333"/>
+                <a:gridCol w="677333"/>
+                <a:gridCol w="677333"/>
+              </a:tblGrid>
+              <a:tr h="442848">
+                <a:tc>
+                  <a:txBody>
+                    <a:bodyPr/>
+                    <a:lstStyle/>
+                    <a:p>
+                      <a:r>
+                        <a:rPr lang="en-GB" dirty="0" smtClean="0"/>
+                        <a:t>State</a:t>
+                      </a:r>
+                      <a:endParaRPr lang="en-GB" dirty="0"/>
+                    </a:p>
+                  </a:txBody>
+                  <a:tcPr/>
+                </a:tc>
+                <a:tc>
+                  <a:txBody>
+                    <a:bodyPr/>
+                    <a:lstStyle/>
+                    <a:p>
+                      <a:r>
+                        <a:rPr lang="en-GB" dirty="0" smtClean="0"/>
+                        <a:t>A</a:t>
+                      </a:r>
+                      <a:endParaRPr lang="en-GB" dirty="0"/>
+                    </a:p>
+                  </a:txBody>
+                  <a:tcPr/>
+                </a:tc>
+                <a:tc>
+                  <a:txBody>
+                    <a:bodyPr/>
+                    <a:lstStyle/>
+                    <a:p>
+                      <a:r>
+                        <a:rPr lang="en-GB" dirty="0" smtClean="0"/>
+                        <a:t>B</a:t>
+                      </a:r>
+                      <a:endParaRPr lang="en-GB" dirty="0"/>
+                    </a:p>
+                  </a:txBody>
+                  <a:tcPr/>
+                </a:tc>
+                <a:tc>
+                  <a:txBody>
+                    <a:bodyPr/>
+                    <a:lstStyle/>
+                    <a:p>
+                      <a:r>
+                        <a:rPr lang="en-GB" dirty="0" smtClean="0"/>
+                        <a:t>C</a:t>
+                      </a:r>
+                      <a:endParaRPr lang="en-GB" dirty="0"/>
+                    </a:p>
+                  </a:txBody>
+                  <a:tcPr/>
+                </a:tc>
+              </a:tr>
+              <a:tr h="370840">
+                <a:tc>
+                  <a:txBody>
+                    <a:bodyPr/>
+                    <a:lstStyle/>
+                    <a:p>
+                      <a:r>
+                        <a:rPr lang="en-GB" b="1" dirty="0" smtClean="0">
+                          <a:solidFill>
+                            <a:schemeClr val="bg1"/>
+                          </a:solidFill>
+                        </a:rPr>
+                        <a:t>000</a:t>
+                      </a:r>
+                      <a:endParaRPr lang="en-GB" b="1" dirty="0">
+                        <a:solidFill>
+                          <a:schemeClr val="bg1"/>
+                        </a:solidFill>
+                      </a:endParaRPr>
+                    </a:p>
+                  </a:txBody>
+                  <a:tcPr>
+                    <a:solidFill>
+                      <a:schemeClr val="accent1"/>
+                    </a:solidFill>
+                  </a:tcPr>
+                </a:tc>
+                <a:tc>
+                  <a:txBody>
+                    <a:bodyPr/>
+                    <a:lstStyle/>
+                    <a:p>
+                      <a:r>
+                        <a:rPr lang="en-GB" dirty="0" smtClean="0"/>
+                        <a:t>0</a:t>
+                      </a:r>
+                    </a:p>
+                  </a:txBody>
+                  <a:tcPr/>
+                </a:tc>
+                <a:tc>
+                  <a:txBody>
+                    <a:bodyPr/>
+                    <a:lstStyle/>
+                    <a:p>
+                      <a:r>
+                        <a:rPr lang="en-GB" dirty="0" smtClean="0"/>
+                        <a:t>0</a:t>
+                      </a:r>
+                      <a:endParaRPr lang="en-GB" dirty="0"/>
+                    </a:p>
+                  </a:txBody>
+                  <a:tcPr/>
+                </a:tc>
+                <a:tc>
+                  <a:txBody>
+                    <a:bodyPr/>
+                    <a:lstStyle/>
+                    <a:p>
+                      <a:r>
+                        <a:rPr lang="en-GB" dirty="0" smtClean="0"/>
+                        <a:t>0</a:t>
+                      </a:r>
+                      <a:endParaRPr lang="en-GB" dirty="0"/>
+                    </a:p>
+                  </a:txBody>
+                  <a:tcPr/>
+                </a:tc>
+              </a:tr>
+              <a:tr h="370840">
+                <a:tc>
+                  <a:txBody>
+                    <a:bodyPr/>
+                    <a:lstStyle/>
+                    <a:p>
+                      <a:r>
+                        <a:rPr lang="en-GB" b="1" dirty="0" smtClean="0">
+                          <a:solidFill>
+                            <a:schemeClr val="bg1"/>
+                          </a:solidFill>
+                        </a:rPr>
+                        <a:t>100</a:t>
+                      </a:r>
+                      <a:endParaRPr lang="en-GB" b="1" dirty="0">
+                        <a:solidFill>
+                          <a:schemeClr val="bg1"/>
+                        </a:solidFill>
+                      </a:endParaRPr>
+                    </a:p>
+                  </a:txBody>
+                  <a:tcPr>
+                    <a:solidFill>
+                      <a:schemeClr val="accent1"/>
+                    </a:solidFill>
+                  </a:tcPr>
+                </a:tc>
+                <a:tc>
+                  <a:txBody>
+                    <a:bodyPr/>
+                    <a:lstStyle/>
+                    <a:p>
+                      <a:r>
+                        <a:rPr lang="en-GB" dirty="0" smtClean="0"/>
+                        <a:t>0</a:t>
+                      </a:r>
+                      <a:endParaRPr lang="en-GB" dirty="0"/>
+                    </a:p>
+                  </a:txBody>
+                  <a:tcPr/>
+                </a:tc>
+                <a:tc>
+                  <a:txBody>
+                    <a:bodyPr/>
+                    <a:lstStyle/>
+                    <a:p>
+                      <a:r>
+                        <a:rPr lang="en-GB" dirty="0" smtClean="0"/>
+                        <a:t>0</a:t>
+                      </a:r>
+                      <a:endParaRPr lang="en-GB" dirty="0"/>
+                    </a:p>
+                  </a:txBody>
+                  <a:tcPr/>
+                </a:tc>
+                <a:tc>
+                  <a:txBody>
+                    <a:bodyPr/>
+                    <a:lstStyle/>
+                    <a:p>
+                      <a:r>
+                        <a:rPr lang="en-GB" dirty="0" smtClean="0"/>
+                        <a:t>1</a:t>
+                      </a:r>
+                      <a:endParaRPr lang="en-GB" dirty="0"/>
+                    </a:p>
+                  </a:txBody>
+                  <a:tcPr/>
+                </a:tc>
+              </a:tr>
+              <a:tr h="370840">
+                <a:tc>
+                  <a:txBody>
+                    <a:bodyPr/>
+                    <a:lstStyle/>
+                    <a:p>
+                      <a:r>
+                        <a:rPr lang="en-GB" b="1" dirty="0" smtClean="0">
+                          <a:solidFill>
+                            <a:schemeClr val="bg1"/>
+                          </a:solidFill>
+                        </a:rPr>
+                        <a:t>010</a:t>
+                      </a:r>
+                      <a:endParaRPr lang="en-GB" b="1" dirty="0">
+                        <a:solidFill>
+                          <a:schemeClr val="bg1"/>
+                        </a:solidFill>
+                      </a:endParaRPr>
+                    </a:p>
+                  </a:txBody>
+                  <a:tcPr>
+                    <a:solidFill>
+                      <a:schemeClr val="accent1"/>
+                    </a:solidFill>
+                  </a:tcPr>
+                </a:tc>
+                <a:tc>
+                  <a:txBody>
+                    <a:bodyPr/>
+                    <a:lstStyle/>
+                    <a:p>
+                      <a:r>
+                        <a:rPr lang="en-GB" dirty="0" smtClean="0"/>
+                        <a:t>1</a:t>
+                      </a:r>
+                      <a:endParaRPr lang="en-GB" dirty="0"/>
+                    </a:p>
+                  </a:txBody>
+                  <a:tcPr/>
+                </a:tc>
+                <a:tc>
+                  <a:txBody>
+                    <a:bodyPr/>
+                    <a:lstStyle/>
+                    <a:p>
+                      <a:r>
+                        <a:rPr lang="en-GB" dirty="0" smtClean="0"/>
+                        <a:t>0</a:t>
+                      </a:r>
+                      <a:endParaRPr lang="en-GB" dirty="0"/>
+                    </a:p>
+                  </a:txBody>
+                  <a:tcPr/>
+                </a:tc>
+                <a:tc>
+                  <a:txBody>
+                    <a:bodyPr/>
+                    <a:lstStyle/>
+                    <a:p>
+                      <a:r>
+                        <a:rPr lang="en-GB" dirty="0" smtClean="0"/>
+                        <a:t>1</a:t>
+                      </a:r>
+                      <a:endParaRPr lang="en-GB" dirty="0"/>
+                    </a:p>
+                  </a:txBody>
+                  <a:tcPr/>
+                </a:tc>
+              </a:tr>
+              <a:tr h="370840">
+                <a:tc>
+                  <a:txBody>
+                    <a:bodyPr/>
+                    <a:lstStyle/>
+                    <a:p>
+                      <a:r>
+                        <a:rPr lang="en-GB" b="1" dirty="0" smtClean="0">
+                          <a:solidFill>
+                            <a:schemeClr val="bg1"/>
+                          </a:solidFill>
+                        </a:rPr>
+                        <a:t>110</a:t>
+                      </a:r>
+                      <a:endParaRPr lang="en-GB" b="1" dirty="0">
+                        <a:solidFill>
+                          <a:schemeClr val="bg1"/>
+                        </a:solidFill>
+                      </a:endParaRPr>
+                    </a:p>
+                  </a:txBody>
+                  <a:tcPr>
+                    <a:solidFill>
+                      <a:schemeClr val="accent1"/>
+                    </a:solidFill>
+                  </a:tcPr>
+                </a:tc>
+                <a:tc>
+                  <a:txBody>
+                    <a:bodyPr/>
+                    <a:lstStyle/>
+                    <a:p>
+                      <a:r>
+                        <a:rPr lang="en-GB" dirty="0" smtClean="0"/>
+                        <a:t>1</a:t>
+                      </a:r>
+                      <a:endParaRPr lang="en-GB" dirty="0"/>
+                    </a:p>
+                  </a:txBody>
+                  <a:tcPr/>
+                </a:tc>
+                <a:tc>
+                  <a:txBody>
+                    <a:bodyPr/>
+                    <a:lstStyle/>
+                    <a:p>
+                      <a:r>
+                        <a:rPr lang="en-GB" dirty="0" smtClean="0"/>
+                        <a:t>0</a:t>
+                      </a:r>
+                      <a:endParaRPr lang="en-GB" dirty="0"/>
+                    </a:p>
+                  </a:txBody>
+                  <a:tcPr/>
+                </a:tc>
+                <a:tc>
+                  <a:txBody>
+                    <a:bodyPr/>
+                    <a:lstStyle/>
+                    <a:p>
+                      <a:r>
+                        <a:rPr lang="en-GB" dirty="0" smtClean="0"/>
+                        <a:t>0</a:t>
+                      </a:r>
+                      <a:endParaRPr lang="en-GB" dirty="0"/>
+                    </a:p>
+                  </a:txBody>
+                  <a:tcPr/>
+                </a:tc>
+              </a:tr>
+              <a:tr h="370840">
+                <a:tc>
+                  <a:txBody>
+                    <a:bodyPr/>
+                    <a:lstStyle/>
+                    <a:p>
+                      <a:r>
+                        <a:rPr lang="en-GB" b="1" dirty="0" smtClean="0">
+                          <a:solidFill>
+                            <a:schemeClr val="bg1"/>
+                          </a:solidFill>
+                        </a:rPr>
+                        <a:t>001</a:t>
+                      </a:r>
+                      <a:endParaRPr lang="en-GB" b="1" dirty="0">
+                        <a:solidFill>
+                          <a:schemeClr val="bg1"/>
+                        </a:solidFill>
+                      </a:endParaRPr>
+                    </a:p>
+                  </a:txBody>
+                  <a:tcPr>
+                    <a:solidFill>
+                      <a:schemeClr val="accent1"/>
+                    </a:solidFill>
+                  </a:tcPr>
+                </a:tc>
+                <a:tc>
+                  <a:txBody>
+                    <a:bodyPr/>
+                    <a:lstStyle/>
+                    <a:p>
+                      <a:r>
+                        <a:rPr lang="en-GB" dirty="0" smtClean="0"/>
+                        <a:t>1</a:t>
+                      </a:r>
+                      <a:endParaRPr lang="en-GB" dirty="0"/>
+                    </a:p>
+                  </a:txBody>
+                  <a:tcPr/>
+                </a:tc>
+                <a:tc>
+                  <a:txBody>
+                    <a:bodyPr/>
+                    <a:lstStyle/>
+                    <a:p>
+                      <a:r>
+                        <a:rPr lang="en-GB" dirty="0" smtClean="0"/>
+                        <a:t>0</a:t>
+                      </a:r>
+                      <a:endParaRPr lang="en-GB" dirty="0"/>
+                    </a:p>
+                  </a:txBody>
+                  <a:tcPr/>
+                </a:tc>
+                <a:tc>
+                  <a:txBody>
+                    <a:bodyPr/>
+                    <a:lstStyle/>
+                    <a:p>
+                      <a:r>
+                        <a:rPr lang="en-GB" dirty="0" smtClean="0"/>
+                        <a:t>0</a:t>
+                      </a:r>
+                      <a:endParaRPr lang="en-GB" dirty="0"/>
+                    </a:p>
+                  </a:txBody>
+                  <a:tcPr/>
+                </a:tc>
+              </a:tr>
+              <a:tr h="370840">
+                <a:tc>
+                  <a:txBody>
+                    <a:bodyPr/>
+                    <a:lstStyle/>
+                    <a:p>
+                      <a:r>
+                        <a:rPr lang="en-GB" b="1" dirty="0" smtClean="0">
+                          <a:solidFill>
+                            <a:schemeClr val="bg1"/>
+                          </a:solidFill>
+                        </a:rPr>
+                        <a:t>101</a:t>
+                      </a:r>
+                      <a:endParaRPr lang="en-GB" b="1" dirty="0">
+                        <a:solidFill>
+                          <a:schemeClr val="bg1"/>
+                        </a:solidFill>
+                      </a:endParaRPr>
+                    </a:p>
+                  </a:txBody>
+                  <a:tcPr>
+                    <a:solidFill>
+                      <a:schemeClr val="accent1"/>
+                    </a:solidFill>
+                  </a:tcPr>
+                </a:tc>
+                <a:tc>
+                  <a:txBody>
+                    <a:bodyPr/>
+                    <a:lstStyle/>
+                    <a:p>
+                      <a:r>
+                        <a:rPr lang="en-GB" dirty="0" smtClean="0"/>
+                        <a:t>1</a:t>
+                      </a:r>
+                      <a:endParaRPr lang="en-GB" dirty="0"/>
+                    </a:p>
+                  </a:txBody>
+                  <a:tcPr/>
+                </a:tc>
+                <a:tc>
+                  <a:txBody>
+                    <a:bodyPr/>
+                    <a:lstStyle/>
+                    <a:p>
+                      <a:r>
+                        <a:rPr lang="en-GB" dirty="0" smtClean="0"/>
+                        <a:t>1</a:t>
+                      </a:r>
+                      <a:endParaRPr lang="en-GB" dirty="0"/>
+                    </a:p>
+                  </a:txBody>
+                  <a:tcPr/>
+                </a:tc>
+                <a:tc>
+                  <a:txBody>
+                    <a:bodyPr/>
+                    <a:lstStyle/>
+                    <a:p>
+                      <a:r>
+                        <a:rPr lang="en-GB" dirty="0" smtClean="0"/>
+                        <a:t>1</a:t>
+                      </a:r>
+                      <a:endParaRPr lang="en-GB" dirty="0"/>
+                    </a:p>
+                  </a:txBody>
+                  <a:tcPr/>
+                </a:tc>
+              </a:tr>
+              <a:tr h="370840">
+                <a:tc>
+                  <a:txBody>
+                    <a:bodyPr/>
+                    <a:lstStyle/>
+                    <a:p>
+                      <a:r>
+                        <a:rPr lang="en-GB" b="1" dirty="0" smtClean="0">
+                          <a:solidFill>
+                            <a:schemeClr val="bg1"/>
+                          </a:solidFill>
+                        </a:rPr>
+                        <a:t>011</a:t>
+                      </a:r>
+                    </a:p>
+                  </a:txBody>
+                  <a:tcPr>
+                    <a:solidFill>
+                      <a:schemeClr val="accent1"/>
+                    </a:solidFill>
+                  </a:tcPr>
+                </a:tc>
+                <a:tc>
+                  <a:txBody>
+                    <a:bodyPr/>
+                    <a:lstStyle/>
+                    <a:p>
+                      <a:r>
+                        <a:rPr lang="en-GB" dirty="0" smtClean="0"/>
+                        <a:t>1</a:t>
+                      </a:r>
+                      <a:endParaRPr lang="en-GB" dirty="0"/>
+                    </a:p>
+                  </a:txBody>
+                  <a:tcPr/>
+                </a:tc>
+                <a:tc>
+                  <a:txBody>
+                    <a:bodyPr/>
+                    <a:lstStyle/>
+                    <a:p>
+                      <a:r>
+                        <a:rPr lang="en-GB" dirty="0" smtClean="0"/>
+                        <a:t>0</a:t>
+                      </a:r>
+                      <a:endParaRPr lang="en-GB" dirty="0"/>
+                    </a:p>
+                  </a:txBody>
+                  <a:tcPr/>
+                </a:tc>
+                <a:tc>
+                  <a:txBody>
+                    <a:bodyPr/>
+                    <a:lstStyle/>
+                    <a:p>
+                      <a:r>
+                        <a:rPr lang="en-GB" dirty="0" smtClean="0"/>
+                        <a:t>1</a:t>
+                      </a:r>
+                      <a:endParaRPr lang="en-GB" dirty="0"/>
+                    </a:p>
+                  </a:txBody>
+                  <a:tcPr/>
+                </a:tc>
+              </a:tr>
+              <a:tr h="370840">
+                <a:tc>
+                  <a:txBody>
+                    <a:bodyPr/>
+                    <a:lstStyle/>
+                    <a:p>
+                      <a:r>
+                        <a:rPr lang="en-GB" b="1" dirty="0" smtClean="0">
+                          <a:solidFill>
+                            <a:schemeClr val="bg1"/>
+                          </a:solidFill>
+                        </a:rPr>
+                        <a:t>111</a:t>
+                      </a:r>
+                    </a:p>
+                  </a:txBody>
+                  <a:tcPr>
+                    <a:solidFill>
+                      <a:schemeClr val="accent1"/>
+                    </a:solidFill>
+                  </a:tcPr>
+                </a:tc>
+                <a:tc>
+                  <a:txBody>
+                    <a:bodyPr/>
+                    <a:lstStyle/>
+                    <a:p>
+                      <a:r>
+                        <a:rPr lang="en-GB" dirty="0" smtClean="0"/>
+                        <a:t>1</a:t>
+                      </a:r>
+                      <a:endParaRPr lang="en-GB" dirty="0"/>
+                    </a:p>
+                  </a:txBody>
+                  <a:tcPr/>
+                </a:tc>
+                <a:tc>
+                  <a:txBody>
+                    <a:bodyPr/>
+                    <a:lstStyle/>
+                    <a:p>
+                      <a:r>
+                        <a:rPr lang="en-GB" dirty="0" smtClean="0"/>
+                        <a:t>1</a:t>
+                      </a:r>
+                      <a:endParaRPr lang="en-GB" dirty="0"/>
+                    </a:p>
+                  </a:txBody>
+                  <a:tcPr/>
+                </a:tc>
+                <a:tc>
+                  <a:txBody>
+                    <a:bodyPr/>
+                    <a:lstStyle/>
+                    <a:p>
+                      <a:r>
+                        <a:rPr lang="en-GB" dirty="0" smtClean="0"/>
+                        <a:t>0</a:t>
+                      </a:r>
+                      <a:endParaRPr lang="en-GB" dirty="0"/>
+                    </a:p>
+                  </a:txBody>
+                  <a:tcPr/>
+                </a:tc>
+              </a:tr>
+            </a:tbl>
+          </a:graphicData>
+        </a:graphic>
+      </p:graphicFrame>
+      <mc:AlternateContent xmlns:mc="http://schemas.openxmlformats.org/markup-compatibility/2006" xmlns:a14="http://schemas.microsoft.com/office/drawing/2010/main">
+        <mc:Choice Requires="a14">
+          <p:sp>
+            <p:nvSpPr>
+              <p:cNvPr id="10" name="TextBox 9"/>
+              <p:cNvSpPr txBox="1"/>
+              <p:nvPr/>
+            </p:nvSpPr>
+            <p:spPr>
+              <a:xfrm>
+                <a:off x="971599" y="3606684"/>
+                <a:ext cx="4245393" cy="595612"/>
+              </a:xfrm>
+              <a:prstGeom prst="rect">
+                <a:avLst/>
+              </a:prstGeom>
+              <a:noFill/>
+            </p:spPr>
+            <p:txBody>
+              <a:bodyPr wrap="none" rtlCol="0">
+                <a:spAutoFit/>
+              </a:bodyPr>
+              <a:lstStyle/>
+              <a:p>
+                <a:pPr/>
+                <a14:m>
+                  <m:oMathPara xmlns:m="http://schemas.openxmlformats.org/officeDocument/2006/math">
+                    <m:oMathParaPr>
+                      <m:jc m:val="centerGroup"/>
+                    </m:oMathParaPr>
+                    <m:oMath xmlns:m="http://schemas.openxmlformats.org/officeDocument/2006/math">
+                      <m:sSub>
+                        <m:sSubPr>
+                          <m:ctrlPr>
+                            <a:rPr lang="en-GB" sz="2800" i="1" smtClean="0">
+                              <a:latin typeface="Cambria Math"/>
+                              <a:ea typeface="Cambria Math" pitchFamily="18" charset="0"/>
+                            </a:rPr>
+                          </m:ctrlPr>
+                        </m:sSubPr>
+                        <m:e>
+                          <m:acc>
+                            <m:accPr>
+                              <m:chr m:val="̃"/>
+                              <m:ctrlPr>
+                                <a:rPr lang="en-GB" sz="2800" i="1" smtClean="0">
+                                  <a:latin typeface="Cambria Math"/>
+                                  <a:ea typeface="Cambria Math" pitchFamily="18" charset="0"/>
+                                </a:rPr>
+                              </m:ctrlPr>
+                            </m:accPr>
+                            <m:e>
+                              <m:r>
+                                <a:rPr lang="en-GB" sz="2800" b="0" i="1" smtClean="0">
+                                  <a:latin typeface="Cambria Math" pitchFamily="18" charset="0"/>
+                                  <a:ea typeface="Cambria Math" pitchFamily="18" charset="0"/>
+                                </a:rPr>
+                                <m:t>𝑇</m:t>
+                              </m:r>
+                            </m:e>
+                          </m:acc>
+                        </m:e>
+                        <m:sub>
+                          <m:r>
+                            <a:rPr lang="en-GB" sz="2800" b="0" i="1" smtClean="0">
+                              <a:latin typeface="Cambria Math" pitchFamily="18" charset="0"/>
+                              <a:ea typeface="Cambria Math" pitchFamily="18" charset="0"/>
+                            </a:rPr>
+                            <m:t>𝑖𝑗</m:t>
+                          </m:r>
+                        </m:sub>
+                      </m:sSub>
+                      <m:r>
+                        <a:rPr lang="en-GB" sz="2800" b="0" i="1" smtClean="0">
+                          <a:latin typeface="Cambria Math" pitchFamily="18" charset="0"/>
+                          <a:ea typeface="Cambria Math" pitchFamily="18" charset="0"/>
+                        </a:rPr>
+                        <m:t>=</m:t>
+                      </m:r>
+                      <m:r>
+                        <a:rPr lang="en-GB" sz="2800" b="0" i="1" smtClean="0">
+                          <a:latin typeface="Cambria Math" pitchFamily="18" charset="0"/>
+                          <a:ea typeface="Cambria Math" pitchFamily="18" charset="0"/>
+                        </a:rPr>
+                        <m:t>𝑃</m:t>
+                      </m:r>
+                      <m:r>
+                        <a:rPr lang="en-GB" sz="2800" b="0" i="1" smtClean="0">
+                          <a:latin typeface="Cambria Math" pitchFamily="18" charset="0"/>
+                          <a:ea typeface="Cambria Math" pitchFamily="18" charset="0"/>
+                        </a:rPr>
+                        <m:t>(</m:t>
+                      </m:r>
+                      <m:sSup>
+                        <m:sSupPr>
+                          <m:ctrlPr>
+                            <a:rPr lang="en-GB" sz="2800" i="1">
+                              <a:latin typeface="Cambria Math"/>
+                              <a:ea typeface="Cambria Math" pitchFamily="18" charset="0"/>
+                            </a:rPr>
+                          </m:ctrlPr>
+                        </m:sSupPr>
+                        <m:e>
+                          <m:sSub>
+                            <m:sSubPr>
+                              <m:ctrlPr>
+                                <a:rPr lang="en-GB" sz="2800" i="1">
+                                  <a:latin typeface="Cambria Math"/>
+                                  <a:ea typeface="Cambria Math" pitchFamily="18" charset="0"/>
+                                </a:rPr>
+                              </m:ctrlPr>
+                            </m:sSubPr>
+                            <m:e>
+                              <m:r>
+                                <a:rPr lang="en-GB" sz="2800" i="1">
+                                  <a:latin typeface="Cambria Math" pitchFamily="18" charset="0"/>
+                                  <a:ea typeface="Cambria Math" pitchFamily="18" charset="0"/>
+                                </a:rPr>
+                                <m:t>𝐺</m:t>
+                              </m:r>
+                            </m:e>
+                            <m:sub>
+                              <m:r>
+                                <a:rPr lang="en-GB" sz="2800" i="1">
+                                  <a:latin typeface="Cambria Math" pitchFamily="18" charset="0"/>
+                                  <a:ea typeface="Cambria Math" pitchFamily="18" charset="0"/>
+                                </a:rPr>
+                                <m:t>𝑗</m:t>
+                              </m:r>
+                            </m:sub>
+                          </m:sSub>
+                        </m:e>
+                        <m:sup>
+                          <m:r>
+                            <a:rPr lang="en-GB" sz="2800" i="1">
+                              <a:latin typeface="Cambria Math" pitchFamily="18" charset="0"/>
+                              <a:ea typeface="Cambria Math" pitchFamily="18" charset="0"/>
+                            </a:rPr>
+                            <m:t>𝑡</m:t>
+                          </m:r>
+                          <m:r>
+                            <a:rPr lang="en-GB" sz="2800" i="1">
+                              <a:latin typeface="Cambria Math" pitchFamily="18" charset="0"/>
+                              <a:ea typeface="Cambria Math" pitchFamily="18" charset="0"/>
+                            </a:rPr>
+                            <m:t>+1</m:t>
+                          </m:r>
+                        </m:sup>
+                      </m:sSup>
+                      <m:r>
+                        <a:rPr lang="en-GB" sz="2800" b="0" i="1" smtClean="0">
+                          <a:latin typeface="Cambria Math" pitchFamily="18" charset="0"/>
+                          <a:ea typeface="Cambria Math" pitchFamily="18" charset="0"/>
+                        </a:rPr>
+                        <m:t>=1|</m:t>
+                      </m:r>
+                      <m:sSup>
+                        <m:sSupPr>
+                          <m:ctrlPr>
+                            <a:rPr lang="en-GB" sz="2800" b="0" i="1" smtClean="0">
+                              <a:latin typeface="Cambria Math"/>
+                              <a:ea typeface="Cambria Math" pitchFamily="18" charset="0"/>
+                            </a:rPr>
+                          </m:ctrlPr>
+                        </m:sSupPr>
+                        <m:e>
+                          <m:r>
+                            <a:rPr lang="en-GB" sz="2800" b="0" i="1" smtClean="0">
+                              <a:latin typeface="Cambria Math" pitchFamily="18" charset="0"/>
+                              <a:ea typeface="Cambria Math" pitchFamily="18" charset="0"/>
+                            </a:rPr>
+                            <m:t>𝐺</m:t>
+                          </m:r>
+                        </m:e>
+                        <m:sup>
+                          <m:r>
+                            <a:rPr lang="en-GB" sz="2800" b="0" i="1" smtClean="0">
+                              <a:latin typeface="Cambria Math" pitchFamily="18" charset="0"/>
+                              <a:ea typeface="Cambria Math" pitchFamily="18" charset="0"/>
+                            </a:rPr>
+                            <m:t>𝑡</m:t>
+                          </m:r>
+                        </m:sup>
+                      </m:sSup>
+                      <m:r>
+                        <a:rPr lang="en-GB" sz="2800" b="0" i="1" smtClean="0">
+                          <a:latin typeface="Cambria Math" pitchFamily="18" charset="0"/>
+                          <a:ea typeface="Cambria Math" pitchFamily="18" charset="0"/>
+                        </a:rPr>
+                        <m:t>=</m:t>
+                      </m:r>
+                      <m:r>
+                        <a:rPr lang="en-GB" sz="2800" b="0" i="1" smtClean="0">
+                          <a:latin typeface="Cambria Math" pitchFamily="18" charset="0"/>
+                          <a:ea typeface="Cambria Math" pitchFamily="18" charset="0"/>
+                        </a:rPr>
+                        <m:t>𝑖</m:t>
+                      </m:r>
+                      <m:r>
+                        <a:rPr lang="en-GB" sz="2800" b="0" i="1" smtClean="0">
+                          <a:latin typeface="Cambria Math" pitchFamily="18" charset="0"/>
+                          <a:ea typeface="Cambria Math" pitchFamily="18" charset="0"/>
+                        </a:rPr>
+                        <m:t>)</m:t>
+                      </m:r>
+                    </m:oMath>
+                  </m:oMathPara>
+                </a14:m>
+                <a:endParaRPr lang="en-GB" sz="2800" i="1" dirty="0">
+                  <a:latin typeface="Cambria Math" pitchFamily="18" charset="0"/>
+                  <a:ea typeface="Cambria Math" pitchFamily="18" charset="0"/>
+                </a:endParaRPr>
+              </a:p>
+            </p:txBody>
+          </p:sp>
+        </mc:Choice>
+        <mc:Fallback xmlns="">
+          <p:sp>
+            <p:nvSpPr>
+              <p:cNvPr id="10" name="TextBox 9"/>
+              <p:cNvSpPr txBox="1">
+                <a:spLocks noRot="1" noChangeAspect="1" noMove="1" noResize="1" noEditPoints="1" noAdjustHandles="1" noChangeArrowheads="1" noChangeShapeType="1" noTextEdit="1"/>
+              </p:cNvSpPr>
+              <p:nvPr/>
+            </p:nvSpPr>
+            <p:spPr>
+              <a:xfrm>
+                <a:off x="971599" y="3606684"/>
+                <a:ext cx="4245393" cy="595612"/>
+              </a:xfrm>
+              <a:prstGeom prst="rect">
+                <a:avLst/>
+              </a:prstGeom>
+              <a:blipFill rotWithShape="1">
+                <a:blip r:embed="rId2"/>
+                <a:stretch>
+                  <a:fillRect/>
+                </a:stretch>
+              </a:blipFill>
+            </p:spPr>
+            <p:txBody>
+              <a:bodyPr/>
+              <a:lstStyle/>
+              <a:p>
+                <a:r>
+                  <a:rPr lang="en-GB">
+                    <a:noFill/>
+                  </a:rPr>
+                  <a:t> </a:t>
+                </a:r>
+              </a:p>
+            </p:txBody>
+          </p:sp>
+        </mc:Fallback>
+      </mc:AlternateContent>
+      <mc:AlternateContent xmlns:mc="http://schemas.openxmlformats.org/markup-compatibility/2006" xmlns:a14="http://schemas.microsoft.com/office/drawing/2010/main">
+        <mc:Choice Requires="a14">
+          <p:sp>
+            <p:nvSpPr>
+              <p:cNvPr id="3" name="TextBox 2"/>
+              <p:cNvSpPr txBox="1"/>
+              <p:nvPr/>
+            </p:nvSpPr>
+            <p:spPr>
+              <a:xfrm>
+                <a:off x="971600" y="1412776"/>
+                <a:ext cx="4878323" cy="1268552"/>
+              </a:xfrm>
+              <a:prstGeom prst="rect">
+                <a:avLst/>
+              </a:prstGeom>
+              <a:noFill/>
+            </p:spPr>
+            <p:txBody>
+              <a:bodyPr wrap="none" rtlCol="0">
+                <a:spAutoFit/>
+              </a:bodyPr>
+              <a:lstStyle/>
+              <a:p>
+                <a:pPr/>
+                <a14:m>
+                  <m:oMathPara xmlns:m="http://schemas.openxmlformats.org/officeDocument/2006/math">
+                    <m:oMathParaPr>
+                      <m:jc m:val="centerGroup"/>
+                    </m:oMathParaPr>
+                    <m:oMath xmlns:m="http://schemas.openxmlformats.org/officeDocument/2006/math">
+                      <m:r>
+                        <a:rPr lang="en-GB" sz="2800" b="0" i="1" smtClean="0">
+                          <a:latin typeface="Cambria Math" pitchFamily="18" charset="0"/>
+                          <a:ea typeface="Cambria Math" pitchFamily="18" charset="0"/>
+                        </a:rPr>
+                        <m:t>𝑝</m:t>
+                      </m:r>
+                      <m:d>
+                        <m:dPr>
+                          <m:ctrlPr>
+                            <a:rPr lang="en-GB" sz="2800" b="0" i="1" smtClean="0">
+                              <a:latin typeface="Cambria Math"/>
+                              <a:ea typeface="Cambria Math" pitchFamily="18" charset="0"/>
+                            </a:rPr>
+                          </m:ctrlPr>
+                        </m:dPr>
+                        <m:e>
+                          <m:sSup>
+                            <m:sSupPr>
+                              <m:ctrlPr>
+                                <a:rPr lang="en-GB" sz="2800" b="0" i="1" smtClean="0">
+                                  <a:latin typeface="Cambria Math"/>
+                                  <a:ea typeface="Cambria Math" pitchFamily="18" charset="0"/>
+                                </a:rPr>
+                              </m:ctrlPr>
+                            </m:sSupPr>
+                            <m:e>
+                              <m:r>
+                                <a:rPr lang="en-GB" sz="2800" b="0" i="1" smtClean="0">
+                                  <a:latin typeface="Cambria Math" pitchFamily="18" charset="0"/>
+                                  <a:ea typeface="Cambria Math" pitchFamily="18" charset="0"/>
+                                </a:rPr>
+                                <m:t>𝐺</m:t>
+                              </m:r>
+                            </m:e>
+                            <m:sup>
+                              <m:r>
+                                <a:rPr lang="en-GB" sz="2800" b="0" i="1" smtClean="0">
+                                  <a:latin typeface="Cambria Math" pitchFamily="18" charset="0"/>
+                                  <a:ea typeface="Cambria Math" pitchFamily="18" charset="0"/>
+                                </a:rPr>
+                                <m:t>𝑡</m:t>
+                              </m:r>
+                              <m:r>
+                                <a:rPr lang="en-GB" sz="2800" b="0" i="1" smtClean="0">
+                                  <a:latin typeface="Cambria Math" pitchFamily="18" charset="0"/>
+                                  <a:ea typeface="Cambria Math" pitchFamily="18" charset="0"/>
+                                </a:rPr>
+                                <m:t>+1</m:t>
+                              </m:r>
+                            </m:sup>
+                          </m:sSup>
+                        </m:e>
+                        <m:e>
+                          <m:sSup>
+                            <m:sSupPr>
+                              <m:ctrlPr>
+                                <a:rPr lang="en-GB" sz="2800" b="0" i="1" smtClean="0">
+                                  <a:latin typeface="Cambria Math"/>
+                                  <a:ea typeface="Cambria Math" pitchFamily="18" charset="0"/>
+                                </a:rPr>
+                              </m:ctrlPr>
+                            </m:sSupPr>
+                            <m:e>
+                              <m:r>
+                                <a:rPr lang="en-GB" sz="2800" b="0" i="1" smtClean="0">
+                                  <a:latin typeface="Cambria Math" pitchFamily="18" charset="0"/>
+                                  <a:ea typeface="Cambria Math" pitchFamily="18" charset="0"/>
+                                </a:rPr>
+                                <m:t>𝐺</m:t>
+                              </m:r>
+                            </m:e>
+                            <m:sup>
+                              <m:r>
+                                <a:rPr lang="en-GB" sz="2800" b="0" i="1" smtClean="0">
+                                  <a:latin typeface="Cambria Math" pitchFamily="18" charset="0"/>
+                                  <a:ea typeface="Cambria Math" pitchFamily="18" charset="0"/>
+                                </a:rPr>
+                                <m:t>𝑡</m:t>
+                              </m:r>
+                            </m:sup>
+                          </m:sSup>
+                        </m:e>
+                      </m:d>
+                      <m:r>
+                        <a:rPr lang="en-GB" sz="2800" b="0" i="1" smtClean="0">
+                          <a:latin typeface="Cambria Math" pitchFamily="18" charset="0"/>
+                          <a:ea typeface="Cambria Math" pitchFamily="18" charset="0"/>
+                        </a:rPr>
+                        <m:t>=</m:t>
+                      </m:r>
+                      <m:nary>
+                        <m:naryPr>
+                          <m:chr m:val="∏"/>
+                          <m:ctrlPr>
+                            <a:rPr lang="en-GB" sz="2800" b="0" i="1" smtClean="0">
+                              <a:latin typeface="Cambria Math"/>
+                              <a:ea typeface="Cambria Math" pitchFamily="18" charset="0"/>
+                            </a:rPr>
+                          </m:ctrlPr>
+                        </m:naryPr>
+                        <m:sub>
+                          <m:r>
+                            <m:rPr>
+                              <m:brk m:alnAt="23"/>
+                            </m:rPr>
+                            <a:rPr lang="en-GB" sz="2800" b="0" i="1" smtClean="0">
+                              <a:latin typeface="Cambria Math" pitchFamily="18" charset="0"/>
+                              <a:ea typeface="Cambria Math" pitchFamily="18" charset="0"/>
+                            </a:rPr>
+                            <m:t>𝑖</m:t>
+                          </m:r>
+                          <m:r>
+                            <a:rPr lang="en-GB" sz="2800" b="0" i="1" smtClean="0">
+                              <a:latin typeface="Cambria Math" pitchFamily="18" charset="0"/>
+                              <a:ea typeface="Cambria Math" pitchFamily="18" charset="0"/>
+                            </a:rPr>
+                            <m:t>=1</m:t>
+                          </m:r>
+                        </m:sub>
+                        <m:sup>
+                          <m:r>
+                            <a:rPr lang="en-GB" sz="2800" b="0" i="1" smtClean="0">
+                              <a:latin typeface="Cambria Math" pitchFamily="18" charset="0"/>
+                              <a:ea typeface="Cambria Math" pitchFamily="18" charset="0"/>
+                            </a:rPr>
+                            <m:t>𝑛</m:t>
+                          </m:r>
+                        </m:sup>
+                        <m:e>
+                          <m:r>
+                            <a:rPr lang="en-GB" sz="2800" b="0" i="1" smtClean="0">
+                              <a:latin typeface="Cambria Math" pitchFamily="18" charset="0"/>
+                              <a:ea typeface="Cambria Math" pitchFamily="18" charset="0"/>
+                            </a:rPr>
+                            <m:t>𝑝</m:t>
+                          </m:r>
+                          <m:r>
+                            <a:rPr lang="en-GB" sz="2800" b="0" i="1" smtClean="0">
+                              <a:latin typeface="Cambria Math" pitchFamily="18" charset="0"/>
+                              <a:ea typeface="Cambria Math" pitchFamily="18" charset="0"/>
+                            </a:rPr>
+                            <m:t>(</m:t>
+                          </m:r>
+                          <m:sSup>
+                            <m:sSupPr>
+                              <m:ctrlPr>
+                                <a:rPr lang="en-GB" sz="2800" b="0" i="1" smtClean="0">
+                                  <a:latin typeface="Cambria Math"/>
+                                  <a:ea typeface="Cambria Math" pitchFamily="18" charset="0"/>
+                                </a:rPr>
+                              </m:ctrlPr>
+                            </m:sSupPr>
+                            <m:e>
+                              <m:sSub>
+                                <m:sSubPr>
+                                  <m:ctrlPr>
+                                    <a:rPr lang="en-GB" sz="2800" b="0" i="1" smtClean="0">
+                                      <a:latin typeface="Cambria Math"/>
+                                      <a:ea typeface="Cambria Math" pitchFamily="18" charset="0"/>
+                                    </a:rPr>
+                                  </m:ctrlPr>
+                                </m:sSubPr>
+                                <m:e>
+                                  <m:r>
+                                    <a:rPr lang="en-GB" sz="2800" b="0" i="1" smtClean="0">
+                                      <a:latin typeface="Cambria Math" pitchFamily="18" charset="0"/>
+                                      <a:ea typeface="Cambria Math" pitchFamily="18" charset="0"/>
+                                    </a:rPr>
+                                    <m:t>𝐺</m:t>
+                                  </m:r>
+                                </m:e>
+                                <m:sub>
+                                  <m:r>
+                                    <a:rPr lang="en-GB" sz="2800" b="0" i="1" smtClean="0">
+                                      <a:latin typeface="Cambria Math" pitchFamily="18" charset="0"/>
+                                      <a:ea typeface="Cambria Math" pitchFamily="18" charset="0"/>
+                                    </a:rPr>
+                                    <m:t>𝑖</m:t>
+                                  </m:r>
+                                </m:sub>
+                              </m:sSub>
+                            </m:e>
+                            <m:sup>
+                              <m:r>
+                                <a:rPr lang="en-GB" sz="2800" b="0" i="1" smtClean="0">
+                                  <a:latin typeface="Cambria Math" pitchFamily="18" charset="0"/>
+                                  <a:ea typeface="Cambria Math" pitchFamily="18" charset="0"/>
+                                </a:rPr>
+                                <m:t>𝑡</m:t>
+                              </m:r>
+                              <m:r>
+                                <a:rPr lang="en-GB" sz="2800" b="0" i="1" smtClean="0">
+                                  <a:latin typeface="Cambria Math" pitchFamily="18" charset="0"/>
+                                  <a:ea typeface="Cambria Math" pitchFamily="18" charset="0"/>
+                                </a:rPr>
+                                <m:t>+1</m:t>
+                              </m:r>
+                            </m:sup>
+                          </m:sSup>
+                          <m:r>
+                            <a:rPr lang="en-GB" sz="2800" b="0" i="1" smtClean="0">
+                              <a:latin typeface="Cambria Math" pitchFamily="18" charset="0"/>
+                              <a:ea typeface="Cambria Math" pitchFamily="18" charset="0"/>
+                            </a:rPr>
+                            <m:t>|</m:t>
+                          </m:r>
+                          <m:sSup>
+                            <m:sSupPr>
+                              <m:ctrlPr>
+                                <a:rPr lang="en-GB" sz="2800" b="0" i="1" smtClean="0">
+                                  <a:latin typeface="Cambria Math"/>
+                                  <a:ea typeface="Cambria Math" pitchFamily="18" charset="0"/>
+                                </a:rPr>
+                              </m:ctrlPr>
+                            </m:sSupPr>
+                            <m:e>
+                              <m:r>
+                                <a:rPr lang="en-GB" sz="2800" b="0" i="1" smtClean="0">
+                                  <a:latin typeface="Cambria Math" pitchFamily="18" charset="0"/>
+                                  <a:ea typeface="Cambria Math" pitchFamily="18" charset="0"/>
+                                </a:rPr>
+                                <m:t>𝐺</m:t>
+                              </m:r>
+                            </m:e>
+                            <m:sup>
+                              <m:r>
+                                <a:rPr lang="en-GB" sz="2800" b="0" i="1" smtClean="0">
+                                  <a:latin typeface="Cambria Math" pitchFamily="18" charset="0"/>
+                                  <a:ea typeface="Cambria Math" pitchFamily="18" charset="0"/>
+                                </a:rPr>
+                                <m:t>𝑡</m:t>
+                              </m:r>
+                            </m:sup>
+                          </m:sSup>
+                          <m:r>
+                            <a:rPr lang="en-GB" sz="2800" b="0" i="1" smtClean="0">
+                              <a:latin typeface="Cambria Math" pitchFamily="18" charset="0"/>
+                              <a:ea typeface="Cambria Math" pitchFamily="18" charset="0"/>
+                            </a:rPr>
+                            <m:t>)</m:t>
+                          </m:r>
+                        </m:e>
+                      </m:nary>
+                    </m:oMath>
+                  </m:oMathPara>
+                </a14:m>
+                <a:endParaRPr lang="en-GB" sz="2800" i="1" dirty="0">
+                  <a:latin typeface="Cambria Math" pitchFamily="18" charset="0"/>
+                  <a:ea typeface="Cambria Math" pitchFamily="18" charset="0"/>
+                </a:endParaRPr>
+              </a:p>
+            </p:txBody>
+          </p:sp>
+        </mc:Choice>
+        <mc:Fallback xmlns="">
+          <p:sp>
+            <p:nvSpPr>
+              <p:cNvPr id="3" name="TextBox 2"/>
+              <p:cNvSpPr txBox="1">
+                <a:spLocks noRot="1" noChangeAspect="1" noMove="1" noResize="1" noEditPoints="1" noAdjustHandles="1" noChangeArrowheads="1" noChangeShapeType="1" noTextEdit="1"/>
+              </p:cNvSpPr>
+              <p:nvPr/>
+            </p:nvSpPr>
+            <p:spPr>
+              <a:xfrm>
+                <a:off x="971600" y="1412776"/>
+                <a:ext cx="4878323" cy="1268552"/>
+              </a:xfrm>
+              <a:prstGeom prst="rect">
+                <a:avLst/>
+              </a:prstGeom>
+              <a:blipFill rotWithShape="1">
+                <a:blip r:embed="rId3"/>
+                <a:stretch>
+                  <a:fillRect/>
+                </a:stretch>
+              </a:blipFill>
+            </p:spPr>
+            <p:txBody>
+              <a:bodyPr/>
+              <a:lstStyle/>
+              <a:p>
+                <a:r>
+                  <a:rPr lang="en-GB">
+                    <a:noFill/>
+                  </a:rPr>
+                  <a:t> </a:t>
+                </a:r>
+              </a:p>
+            </p:txBody>
+          </p:sp>
+        </mc:Fallback>
+      </mc:AlternateContent>
+      <mc:AlternateContent xmlns:mc="http://schemas.openxmlformats.org/markup-compatibility/2006" xmlns:a14="http://schemas.microsoft.com/office/drawing/2010/main">
+        <mc:Choice Requires="a14">
+          <p:sp>
+            <p:nvSpPr>
+              <p:cNvPr id="4" name="TextBox 3"/>
+              <p:cNvSpPr txBox="1"/>
+              <p:nvPr/>
+            </p:nvSpPr>
+            <p:spPr>
+              <a:xfrm>
+                <a:off x="755576" y="4899283"/>
+                <a:ext cx="6768752" cy="1317348"/>
+              </a:xfrm>
+              <a:prstGeom prst="rect">
+                <a:avLst/>
+              </a:prstGeom>
+              <a:noFill/>
+            </p:spPr>
+            <p:txBody>
+              <a:bodyPr wrap="square" rtlCol="0">
+                <a:spAutoFit/>
+              </a:bodyPr>
+              <a:lstStyle/>
+              <a:p>
+                <a:pPr/>
+                <a14:m>
+                  <m:oMathPara xmlns:m="http://schemas.openxmlformats.org/officeDocument/2006/math">
+                    <m:oMathParaPr>
+                      <m:jc m:val="centerGroup"/>
+                    </m:oMathParaPr>
+                    <m:oMath xmlns:m="http://schemas.openxmlformats.org/officeDocument/2006/math">
+                      <m:sSub>
+                        <m:sSubPr>
+                          <m:ctrlPr>
+                            <a:rPr lang="en-GB" sz="2800" i="1" smtClean="0">
+                              <a:latin typeface="Cambria Math"/>
+                              <a:ea typeface="Cambria Math" pitchFamily="18" charset="0"/>
+                            </a:rPr>
+                          </m:ctrlPr>
+                        </m:sSubPr>
+                        <m:e>
+                          <m:r>
+                            <a:rPr lang="en-GB" sz="2800" b="0" i="1" smtClean="0">
+                              <a:latin typeface="Cambria Math" pitchFamily="18" charset="0"/>
+                              <a:ea typeface="Cambria Math" pitchFamily="18" charset="0"/>
+                            </a:rPr>
+                            <m:t>𝑇</m:t>
+                          </m:r>
+                        </m:e>
+                        <m:sub>
+                          <m:r>
+                            <a:rPr lang="en-GB" sz="2800" b="0" i="1" smtClean="0">
+                              <a:latin typeface="Cambria Math" pitchFamily="18" charset="0"/>
+                              <a:ea typeface="Cambria Math" pitchFamily="18" charset="0"/>
+                            </a:rPr>
+                            <m:t>𝑖𝑘</m:t>
+                          </m:r>
+                        </m:sub>
+                      </m:sSub>
+                      <m:r>
+                        <a:rPr lang="en-GB" sz="2800" b="0" i="0" smtClean="0">
+                          <a:latin typeface="Cambria Math" pitchFamily="18" charset="0"/>
+                          <a:ea typeface="Cambria Math" pitchFamily="18" charset="0"/>
+                        </a:rPr>
+                        <m:t>=</m:t>
+                      </m:r>
+                      <m:nary>
+                        <m:naryPr>
+                          <m:chr m:val="∏"/>
+                          <m:ctrlPr>
+                            <a:rPr lang="en-GB" sz="2800" i="1" smtClean="0">
+                              <a:latin typeface="Cambria Math"/>
+                              <a:ea typeface="Cambria Math" pitchFamily="18" charset="0"/>
+                            </a:rPr>
+                          </m:ctrlPr>
+                        </m:naryPr>
+                        <m:sub>
+                          <m:r>
+                            <m:rPr>
+                              <m:brk m:alnAt="23"/>
+                            </m:rPr>
+                            <a:rPr lang="en-GB" sz="2800" b="0" i="1" smtClean="0">
+                              <a:latin typeface="Cambria Math" pitchFamily="18" charset="0"/>
+                              <a:ea typeface="Cambria Math" pitchFamily="18" charset="0"/>
+                            </a:rPr>
+                            <m:t>𝑗</m:t>
+                          </m:r>
+                          <m:r>
+                            <a:rPr lang="en-GB" sz="2800" b="0" i="1" smtClean="0">
+                              <a:latin typeface="Cambria Math" pitchFamily="18" charset="0"/>
+                              <a:ea typeface="Cambria Math" pitchFamily="18" charset="0"/>
+                            </a:rPr>
+                            <m:t>=1</m:t>
+                          </m:r>
+                        </m:sub>
+                        <m:sup>
+                          <m:r>
+                            <a:rPr lang="en-GB" sz="2800" b="0" i="1" smtClean="0">
+                              <a:latin typeface="Cambria Math" pitchFamily="18" charset="0"/>
+                              <a:ea typeface="Cambria Math" pitchFamily="18" charset="0"/>
+                            </a:rPr>
+                            <m:t>𝑛</m:t>
+                          </m:r>
+                        </m:sup>
+                        <m:e>
+                          <m:d>
+                            <m:dPr>
+                              <m:begChr m:val="["/>
+                              <m:endChr m:val="]"/>
+                              <m:ctrlPr>
+                                <a:rPr lang="en-GB" sz="2800" i="1" smtClean="0">
+                                  <a:latin typeface="Cambria Math"/>
+                                  <a:ea typeface="Cambria Math" pitchFamily="18" charset="0"/>
+                                </a:rPr>
+                              </m:ctrlPr>
+                            </m:dPr>
+                            <m:e>
+                              <m:sSub>
+                                <m:sSubPr>
+                                  <m:ctrlPr>
+                                    <a:rPr lang="en-GB" sz="2800" i="1">
+                                      <a:latin typeface="Cambria Math"/>
+                                      <a:ea typeface="Cambria Math" pitchFamily="18" charset="0"/>
+                                    </a:rPr>
+                                  </m:ctrlPr>
+                                </m:sSubPr>
+                                <m:e>
+                                  <m:acc>
+                                    <m:accPr>
+                                      <m:chr m:val="̃"/>
+                                      <m:ctrlPr>
+                                        <a:rPr lang="en-GB" sz="2800" i="1">
+                                          <a:latin typeface="Cambria Math"/>
+                                          <a:ea typeface="Cambria Math" pitchFamily="18" charset="0"/>
+                                        </a:rPr>
+                                      </m:ctrlPr>
+                                    </m:accPr>
+                                    <m:e>
+                                      <m:r>
+                                        <a:rPr lang="en-GB" sz="2800" i="1">
+                                          <a:latin typeface="Cambria Math" pitchFamily="18" charset="0"/>
+                                          <a:ea typeface="Cambria Math" pitchFamily="18" charset="0"/>
+                                        </a:rPr>
+                                        <m:t>𝑇</m:t>
+                                      </m:r>
+                                    </m:e>
+                                  </m:acc>
+                                </m:e>
+                                <m:sub>
+                                  <m:r>
+                                    <a:rPr lang="en-GB" sz="2800" i="1">
+                                      <a:latin typeface="Cambria Math" pitchFamily="18" charset="0"/>
+                                      <a:ea typeface="Cambria Math" pitchFamily="18" charset="0"/>
+                                    </a:rPr>
+                                    <m:t>𝑖𝑗</m:t>
+                                  </m:r>
+                                </m:sub>
+                              </m:sSub>
+                              <m:r>
+                                <a:rPr lang="en-GB" sz="2800" i="1">
+                                  <a:latin typeface="Cambria Math" pitchFamily="18" charset="0"/>
+                                  <a:ea typeface="Cambria Math" pitchFamily="18" charset="0"/>
+                                </a:rPr>
+                                <m:t>𝛿</m:t>
+                              </m:r>
+                              <m:r>
+                                <a:rPr lang="en-GB" sz="2800" i="1">
+                                  <a:latin typeface="Cambria Math" pitchFamily="18" charset="0"/>
+                                  <a:ea typeface="Cambria Math" pitchFamily="18" charset="0"/>
+                                </a:rPr>
+                                <m:t>(</m:t>
+                              </m:r>
+                              <m:sSub>
+                                <m:sSubPr>
+                                  <m:ctrlPr>
+                                    <a:rPr lang="en-GB" sz="2800" i="1">
+                                      <a:latin typeface="Cambria Math"/>
+                                      <a:ea typeface="Cambria Math" pitchFamily="18" charset="0"/>
+                                    </a:rPr>
+                                  </m:ctrlPr>
+                                </m:sSubPr>
+                                <m:e>
+                                  <m:r>
+                                    <a:rPr lang="en-GB" sz="2800" i="1">
+                                      <a:latin typeface="Cambria Math" pitchFamily="18" charset="0"/>
+                                      <a:ea typeface="Cambria Math" pitchFamily="18" charset="0"/>
+                                    </a:rPr>
+                                    <m:t>𝑘</m:t>
+                                  </m:r>
+                                </m:e>
+                                <m:sub>
+                                  <m:r>
+                                    <a:rPr lang="en-GB" sz="2800" i="1">
+                                      <a:latin typeface="Cambria Math" pitchFamily="18" charset="0"/>
+                                      <a:ea typeface="Cambria Math" pitchFamily="18" charset="0"/>
+                                    </a:rPr>
+                                    <m:t>𝑗</m:t>
+                                  </m:r>
+                                </m:sub>
+                              </m:sSub>
+                              <m:r>
+                                <a:rPr lang="en-GB" sz="2800" i="1">
+                                  <a:latin typeface="Cambria Math" pitchFamily="18" charset="0"/>
+                                  <a:ea typeface="Cambria Math" pitchFamily="18" charset="0"/>
+                                </a:rPr>
+                                <m:t>−1)+(1−</m:t>
+                              </m:r>
+                              <m:sSub>
+                                <m:sSubPr>
+                                  <m:ctrlPr>
+                                    <a:rPr lang="en-GB" sz="2800" i="1">
+                                      <a:latin typeface="Cambria Math"/>
+                                      <a:ea typeface="Cambria Math" pitchFamily="18" charset="0"/>
+                                    </a:rPr>
+                                  </m:ctrlPr>
+                                </m:sSubPr>
+                                <m:e>
+                                  <m:acc>
+                                    <m:accPr>
+                                      <m:chr m:val="̃"/>
+                                      <m:ctrlPr>
+                                        <a:rPr lang="en-GB" sz="2800" i="1">
+                                          <a:latin typeface="Cambria Math"/>
+                                          <a:ea typeface="Cambria Math" pitchFamily="18" charset="0"/>
+                                        </a:rPr>
+                                      </m:ctrlPr>
+                                    </m:accPr>
+                                    <m:e>
+                                      <m:r>
+                                        <a:rPr lang="en-GB" sz="2800" i="1">
+                                          <a:latin typeface="Cambria Math" pitchFamily="18" charset="0"/>
+                                          <a:ea typeface="Cambria Math" pitchFamily="18" charset="0"/>
+                                        </a:rPr>
+                                        <m:t>𝑇</m:t>
+                                      </m:r>
+                                    </m:e>
+                                  </m:acc>
+                                </m:e>
+                                <m:sub>
+                                  <m:r>
+                                    <a:rPr lang="en-GB" sz="2800" i="1">
+                                      <a:latin typeface="Cambria Math" pitchFamily="18" charset="0"/>
+                                      <a:ea typeface="Cambria Math" pitchFamily="18" charset="0"/>
+                                    </a:rPr>
+                                    <m:t>𝑖𝑗</m:t>
+                                  </m:r>
+                                </m:sub>
+                              </m:sSub>
+                              <m:r>
+                                <a:rPr lang="en-GB" sz="2800" i="1">
+                                  <a:latin typeface="Cambria Math" pitchFamily="18" charset="0"/>
+                                  <a:ea typeface="Cambria Math" pitchFamily="18" charset="0"/>
+                                </a:rPr>
+                                <m:t>)</m:t>
+                              </m:r>
+                              <m:r>
+                                <a:rPr lang="en-GB" sz="2800" i="1">
+                                  <a:latin typeface="Cambria Math" pitchFamily="18" charset="0"/>
+                                  <a:ea typeface="Cambria Math" pitchFamily="18" charset="0"/>
+                                </a:rPr>
+                                <m:t>𝛿</m:t>
+                              </m:r>
+                              <m:r>
+                                <a:rPr lang="en-GB" sz="2800" i="1">
+                                  <a:latin typeface="Cambria Math" pitchFamily="18" charset="0"/>
+                                  <a:ea typeface="Cambria Math" pitchFamily="18" charset="0"/>
+                                </a:rPr>
+                                <m:t>(</m:t>
+                              </m:r>
+                              <m:sSub>
+                                <m:sSubPr>
+                                  <m:ctrlPr>
+                                    <a:rPr lang="en-GB" sz="2800" i="1">
+                                      <a:latin typeface="Cambria Math"/>
+                                      <a:ea typeface="Cambria Math" pitchFamily="18" charset="0"/>
+                                    </a:rPr>
+                                  </m:ctrlPr>
+                                </m:sSubPr>
+                                <m:e>
+                                  <m:r>
+                                    <a:rPr lang="en-GB" sz="2800" i="1">
+                                      <a:latin typeface="Cambria Math" pitchFamily="18" charset="0"/>
+                                      <a:ea typeface="Cambria Math" pitchFamily="18" charset="0"/>
+                                    </a:rPr>
+                                    <m:t>𝑘</m:t>
+                                  </m:r>
+                                </m:e>
+                                <m:sub>
+                                  <m:r>
+                                    <a:rPr lang="en-GB" sz="2800" i="1">
+                                      <a:latin typeface="Cambria Math" pitchFamily="18" charset="0"/>
+                                      <a:ea typeface="Cambria Math" pitchFamily="18" charset="0"/>
+                                    </a:rPr>
+                                    <m:t>𝑗</m:t>
+                                  </m:r>
+                                </m:sub>
+                              </m:sSub>
+                              <m:r>
+                                <a:rPr lang="en-GB" sz="2800" i="1">
+                                  <a:latin typeface="Cambria Math" pitchFamily="18" charset="0"/>
+                                  <a:ea typeface="Cambria Math" pitchFamily="18" charset="0"/>
+                                </a:rPr>
+                                <m:t>)</m:t>
+                              </m:r>
+                            </m:e>
+                          </m:d>
+                        </m:e>
+                      </m:nary>
+                    </m:oMath>
+                  </m:oMathPara>
+                </a14:m>
+                <a:endParaRPr lang="en-GB" sz="2800" dirty="0">
+                  <a:latin typeface="Cambria Math" pitchFamily="18" charset="0"/>
+                  <a:ea typeface="Cambria Math" pitchFamily="18" charset="0"/>
+                </a:endParaRPr>
+              </a:p>
+            </p:txBody>
+          </p:sp>
+        </mc:Choice>
+        <mc:Fallback xmlns="">
+          <p:sp>
+            <p:nvSpPr>
+              <p:cNvPr id="4" name="TextBox 3"/>
+              <p:cNvSpPr txBox="1">
+                <a:spLocks noRot="1" noChangeAspect="1" noMove="1" noResize="1" noEditPoints="1" noAdjustHandles="1" noChangeArrowheads="1" noChangeShapeType="1" noTextEdit="1"/>
+              </p:cNvSpPr>
+              <p:nvPr/>
+            </p:nvSpPr>
+            <p:spPr>
+              <a:xfrm>
+                <a:off x="755576" y="4899283"/>
+                <a:ext cx="6768752" cy="1317348"/>
+              </a:xfrm>
+              <a:prstGeom prst="rect">
+                <a:avLst/>
+              </a:prstGeom>
+              <a:blipFill rotWithShape="1">
+                <a:blip r:embed="rId4"/>
+                <a:stretch>
+                  <a:fillRect/>
+                </a:stretch>
+              </a:blipFill>
+            </p:spPr>
+            <p:txBody>
+              <a:bodyPr/>
+              <a:lstStyle/>
+              <a:p>
+                <a:r>
+                  <a:rPr lang="en-GB">
+                    <a:noFill/>
+                  </a:rPr>
+                  <a:t> </a:t>
+                </a:r>
+              </a:p>
+            </p:txBody>
+          </p:sp>
+        </mc:Fallback>
+      </mc:AlternateContent>
+    </p:spTree>
+    <p:extLst>
+      <p:ext uri="{BB962C8B-B14F-4D97-AF65-F5344CB8AC3E}">
+        <p14:creationId xmlns:p14="http://schemas.microsoft.com/office/powerpoint/2010/main" val="2538870892"/>
+      </p:ext>
+    </p:extLst>
+  </p:cSld>
+  <p:clrMapOvr>
+    <a:masterClrMapping/>
+  </p:clrMapOvr>
+  <p:timing>
+    <p:tnLst>
+      <p:par>
+        <p:cTn id="1" dur="indefinite" restart="never" nodeType="tmRoot"/>
+      </p:par>
+    </p:tnLst>
+  </p:timing>
+</p:sld>
+</file>
+
 <file path=ppt/slides/slide2.xml><?xml version="1.0" encoding="utf-8"?>
 <p:sld xmlns:a="http://schemas.openxmlformats.org/drawingml/2006/main" xmlns:r="http://schemas.openxmlformats.org/officeDocument/2006/relationships" xmlns:p="http://schemas.openxmlformats.org/presentationml/2006/main">
   <p:cSld>
@@ -11126,19 +12963,786 @@
       </p:grpSpPr>
       <p:sp>
         <p:nvSpPr>
-          <p:cNvPr id="3" name="Subtitle 2"/>
-          <p:cNvSpPr>
-            <a:spLocks noGrp="1"/>
-          </p:cNvSpPr>
-          <p:nvPr>
-            <p:ph type="subTitle" idx="1"/>
-          </p:nvPr>
-        </p:nvSpPr>
-        <p:spPr/>
-        <p:txBody>
-          <a:bodyPr/>
+          <p:cNvPr id="40" name="TextBox 39"/>
+          <p:cNvSpPr txBox="1"/>
+          <p:nvPr/>
+        </p:nvSpPr>
+        <p:spPr>
+          <a:xfrm>
+            <a:off x="827584" y="118373"/>
+            <a:ext cx="5904656" cy="646331"/>
+          </a:xfrm>
+          <a:prstGeom prst="rect">
+            <a:avLst/>
+          </a:prstGeom>
+          <a:noFill/>
+        </p:spPr>
+        <p:txBody>
+          <a:bodyPr wrap="square" rtlCol="0">
+            <a:spAutoFit/>
+          </a:bodyPr>
           <a:lstStyle/>
           <a:p>
+            <a:r>
+              <a:rPr lang="en-GB" sz="3600" dirty="0" smtClean="0"/>
+              <a:t>Integrated Information Theory</a:t>
+            </a:r>
+            <a:endParaRPr lang="en-GB" sz="3600" dirty="0"/>
+          </a:p>
+        </p:txBody>
+      </p:sp>
+      <p:sp>
+        <p:nvSpPr>
+          <p:cNvPr id="2" name="TextBox 1"/>
+          <p:cNvSpPr txBox="1"/>
+          <p:nvPr/>
+        </p:nvSpPr>
+        <p:spPr>
+          <a:xfrm>
+            <a:off x="1259632" y="1670119"/>
+            <a:ext cx="4248472" cy="2339102"/>
+          </a:xfrm>
+          <a:prstGeom prst="rect">
+            <a:avLst/>
+          </a:prstGeom>
+          <a:noFill/>
+        </p:spPr>
+        <p:txBody>
+          <a:bodyPr wrap="square" rtlCol="0">
+            <a:spAutoFit/>
+          </a:bodyPr>
+          <a:lstStyle/>
+          <a:p>
+            <a:r>
+              <a:rPr lang="en-GB" sz="2800" u="sng" dirty="0" smtClean="0"/>
+              <a:t>Properties of Consciousness</a:t>
+            </a:r>
+          </a:p>
+          <a:p>
+            <a:pPr marL="342900" indent="-342900">
+              <a:buFont typeface="+mj-lt"/>
+              <a:buAutoNum type="arabicPeriod"/>
+            </a:pPr>
+            <a:endParaRPr lang="en-GB" dirty="0" smtClean="0"/>
+          </a:p>
+          <a:p>
+            <a:pPr marL="342900" indent="-342900">
+              <a:buFont typeface="+mj-lt"/>
+              <a:buAutoNum type="arabicPeriod"/>
+            </a:pPr>
+            <a:r>
+              <a:rPr lang="en-GB" sz="2000" dirty="0" smtClean="0"/>
+              <a:t>Existence</a:t>
+            </a:r>
+          </a:p>
+          <a:p>
+            <a:pPr marL="342900" indent="-342900">
+              <a:buFont typeface="+mj-lt"/>
+              <a:buAutoNum type="arabicPeriod"/>
+            </a:pPr>
+            <a:r>
+              <a:rPr lang="en-GB" sz="2000" dirty="0" smtClean="0"/>
+              <a:t>Composition</a:t>
+            </a:r>
+          </a:p>
+          <a:p>
+            <a:pPr marL="342900" indent="-342900">
+              <a:buFont typeface="+mj-lt"/>
+              <a:buAutoNum type="arabicPeriod"/>
+            </a:pPr>
+            <a:r>
+              <a:rPr lang="en-GB" sz="2000" dirty="0" smtClean="0"/>
+              <a:t>Information</a:t>
+            </a:r>
+          </a:p>
+          <a:p>
+            <a:pPr marL="342900" indent="-342900">
+              <a:buFont typeface="+mj-lt"/>
+              <a:buAutoNum type="arabicPeriod"/>
+            </a:pPr>
+            <a:r>
+              <a:rPr lang="en-GB" sz="2000" dirty="0" smtClean="0"/>
+              <a:t>Integration</a:t>
+            </a:r>
+          </a:p>
+          <a:p>
+            <a:pPr marL="342900" indent="-342900">
+              <a:buFont typeface="+mj-lt"/>
+              <a:buAutoNum type="arabicPeriod"/>
+            </a:pPr>
+            <a:r>
+              <a:rPr lang="en-GB" sz="2000" dirty="0" smtClean="0"/>
+              <a:t>Exclusion</a:t>
+            </a:r>
+            <a:endParaRPr lang="en-GB" sz="2000" dirty="0"/>
+          </a:p>
+        </p:txBody>
+      </p:sp>
+      <p:sp>
+        <p:nvSpPr>
+          <p:cNvPr id="4" name="Isosceles Triangle 3"/>
+          <p:cNvSpPr/>
+          <p:nvPr/>
+        </p:nvSpPr>
+        <p:spPr>
+          <a:xfrm>
+            <a:off x="5760132" y="1628800"/>
+            <a:ext cx="1512168" cy="1152128"/>
+          </a:xfrm>
+          <a:prstGeom prst="triangle">
+            <a:avLst>
+              <a:gd name="adj" fmla="val 50535"/>
+            </a:avLst>
+          </a:prstGeom>
+          <a:solidFill>
+            <a:srgbClr val="FF0000"/>
+          </a:solidFill>
+          <a:ln>
+            <a:solidFill>
+              <a:srgbClr val="FF0000"/>
+            </a:solidFill>
+          </a:ln>
+        </p:spPr>
+        <p:style>
+          <a:lnRef idx="2">
+            <a:schemeClr val="accent1">
+              <a:shade val="50000"/>
+            </a:schemeClr>
+          </a:lnRef>
+          <a:fillRef idx="1">
+            <a:schemeClr val="accent1"/>
+          </a:fillRef>
+          <a:effectRef idx="0">
+            <a:schemeClr val="accent1"/>
+          </a:effectRef>
+          <a:fontRef idx="minor">
+            <a:schemeClr val="lt1"/>
+          </a:fontRef>
+        </p:style>
+        <p:txBody>
+          <a:bodyPr rtlCol="0" anchor="ctr"/>
+          <a:lstStyle/>
+          <a:p>
+            <a:pPr algn="ctr"/>
+            <a:endParaRPr lang="en-GB"/>
+          </a:p>
+        </p:txBody>
+      </p:sp>
+      <p:sp>
+        <p:nvSpPr>
+          <p:cNvPr id="13" name="Isosceles Triangle 12"/>
+          <p:cNvSpPr/>
+          <p:nvPr/>
+        </p:nvSpPr>
+        <p:spPr>
+          <a:xfrm>
+            <a:off x="6804248" y="3645024"/>
+            <a:ext cx="1728192" cy="1296144"/>
+          </a:xfrm>
+          <a:prstGeom prst="triangle">
+            <a:avLst/>
+          </a:prstGeom>
+          <a:solidFill>
+            <a:schemeClr val="bg1"/>
+          </a:solidFill>
+        </p:spPr>
+        <p:style>
+          <a:lnRef idx="2">
+            <a:schemeClr val="accent1">
+              <a:shade val="50000"/>
+            </a:schemeClr>
+          </a:lnRef>
+          <a:fillRef idx="1">
+            <a:schemeClr val="accent1"/>
+          </a:fillRef>
+          <a:effectRef idx="0">
+            <a:schemeClr val="accent1"/>
+          </a:effectRef>
+          <a:fontRef idx="minor">
+            <a:schemeClr val="lt1"/>
+          </a:fontRef>
+        </p:style>
+        <p:txBody>
+          <a:bodyPr rtlCol="0" anchor="ctr"/>
+          <a:lstStyle/>
+          <a:p>
+            <a:pPr algn="ctr"/>
+            <a:endParaRPr lang="en-GB"/>
+          </a:p>
+        </p:txBody>
+      </p:sp>
+      <p:sp>
+        <p:nvSpPr>
+          <p:cNvPr id="6" name="Plus 5"/>
+          <p:cNvSpPr/>
+          <p:nvPr/>
+        </p:nvSpPr>
+        <p:spPr>
+          <a:xfrm>
+            <a:off x="6201181" y="3988386"/>
+            <a:ext cx="630070" cy="576064"/>
+          </a:xfrm>
+          <a:prstGeom prst="mathPlus">
+            <a:avLst/>
+          </a:prstGeom>
+        </p:spPr>
+        <p:style>
+          <a:lnRef idx="2">
+            <a:schemeClr val="accent1">
+              <a:shade val="50000"/>
+            </a:schemeClr>
+          </a:lnRef>
+          <a:fillRef idx="1">
+            <a:schemeClr val="accent1"/>
+          </a:fillRef>
+          <a:effectRef idx="0">
+            <a:schemeClr val="accent1"/>
+          </a:effectRef>
+          <a:fontRef idx="minor">
+            <a:schemeClr val="lt1"/>
+          </a:fontRef>
+        </p:style>
+        <p:txBody>
+          <a:bodyPr rtlCol="0" anchor="ctr"/>
+          <a:lstStyle/>
+          <a:p>
+            <a:pPr algn="ctr"/>
+            <a:endParaRPr lang="en-GB"/>
+          </a:p>
+        </p:txBody>
+      </p:sp>
+      <p:sp>
+        <p:nvSpPr>
+          <p:cNvPr id="11" name="TextBox 10"/>
+          <p:cNvSpPr txBox="1"/>
+          <p:nvPr/>
+        </p:nvSpPr>
+        <p:spPr>
+          <a:xfrm>
+            <a:off x="4427984" y="3740839"/>
+            <a:ext cx="1773197" cy="1200329"/>
+          </a:xfrm>
+          <a:prstGeom prst="rect">
+            <a:avLst/>
+          </a:prstGeom>
+          <a:noFill/>
+        </p:spPr>
+        <p:txBody>
+          <a:bodyPr wrap="square" rtlCol="0">
+            <a:spAutoFit/>
+          </a:bodyPr>
+          <a:lstStyle/>
+          <a:p>
+            <a:r>
+              <a:rPr lang="en-GB" sz="7200" b="1" dirty="0" smtClean="0">
+                <a:solidFill>
+                  <a:srgbClr val="FF0000"/>
+                </a:solidFill>
+              </a:rPr>
+              <a:t>RED</a:t>
+            </a:r>
+            <a:endParaRPr lang="en-GB" sz="7200" b="1" dirty="0">
+              <a:solidFill>
+                <a:srgbClr val="FF0000"/>
+              </a:solidFill>
+            </a:endParaRPr>
+          </a:p>
+        </p:txBody>
+      </p:sp>
+    </p:spTree>
+    <p:extLst>
+      <p:ext uri="{BB962C8B-B14F-4D97-AF65-F5344CB8AC3E}">
+        <p14:creationId xmlns:p14="http://schemas.microsoft.com/office/powerpoint/2010/main" val="1439324492"/>
+      </p:ext>
+    </p:extLst>
+  </p:cSld>
+  <p:clrMapOvr>
+    <a:masterClrMapping/>
+  </p:clrMapOvr>
+  <p:timing>
+    <p:tnLst>
+      <p:par>
+        <p:cTn id="1" dur="indefinite" restart="never" nodeType="tmRoot">
+          <p:childTnLst>
+            <p:seq concurrent="1" nextAc="seek">
+              <p:cTn id="2" dur="indefinite" nodeType="mainSeq">
+                <p:childTnLst>
+                  <p:par>
+                    <p:cTn id="3" fill="hold">
+                      <p:stCondLst>
+                        <p:cond delay="indefinite"/>
+                      </p:stCondLst>
+                      <p:childTnLst>
+                        <p:par>
+                          <p:cTn id="4" fill="hold">
+                            <p:stCondLst>
+                              <p:cond delay="0"/>
+                            </p:stCondLst>
+                            <p:childTnLst>
+                              <p:par>
+                                <p:cTn id="5" presetID="1" presetClass="entr" presetSubtype="0" fill="hold" grpId="0" nodeType="clickEffect">
+                                  <p:stCondLst>
+                                    <p:cond delay="0"/>
+                                  </p:stCondLst>
+                                  <p:childTnLst>
+                                    <p:set>
+                                      <p:cBhvr>
+                                        <p:cTn id="6" dur="1" fill="hold">
+                                          <p:stCondLst>
+                                            <p:cond delay="0"/>
+                                          </p:stCondLst>
+                                        </p:cTn>
+                                        <p:tgtEl>
+                                          <p:spTgt spid="13"/>
+                                        </p:tgtEl>
+                                        <p:attrNameLst>
+                                          <p:attrName>style.visibility</p:attrName>
+                                        </p:attrNameLst>
+                                      </p:cBhvr>
+                                      <p:to>
+                                        <p:strVal val="visible"/>
+                                      </p:to>
+                                    </p:set>
+                                  </p:childTnLst>
+                                </p:cTn>
+                              </p:par>
+                              <p:par>
+                                <p:cTn id="7" presetID="1" presetClass="entr" presetSubtype="0" fill="hold" grpId="0" nodeType="withEffect">
+                                  <p:stCondLst>
+                                    <p:cond delay="0"/>
+                                  </p:stCondLst>
+                                  <p:childTnLst>
+                                    <p:set>
+                                      <p:cBhvr>
+                                        <p:cTn id="8" dur="1" fill="hold">
+                                          <p:stCondLst>
+                                            <p:cond delay="0"/>
+                                          </p:stCondLst>
+                                        </p:cTn>
+                                        <p:tgtEl>
+                                          <p:spTgt spid="6"/>
+                                        </p:tgtEl>
+                                        <p:attrNameLst>
+                                          <p:attrName>style.visibility</p:attrName>
+                                        </p:attrNameLst>
+                                      </p:cBhvr>
+                                      <p:to>
+                                        <p:strVal val="visible"/>
+                                      </p:to>
+                                    </p:set>
+                                  </p:childTnLst>
+                                </p:cTn>
+                              </p:par>
+                              <p:par>
+                                <p:cTn id="9" presetID="1" presetClass="entr" presetSubtype="0" fill="hold" grpId="0" nodeType="withEffect">
+                                  <p:stCondLst>
+                                    <p:cond delay="0"/>
+                                  </p:stCondLst>
+                                  <p:childTnLst>
+                                    <p:set>
+                                      <p:cBhvr>
+                                        <p:cTn id="10" dur="1" fill="hold">
+                                          <p:stCondLst>
+                                            <p:cond delay="0"/>
+                                          </p:stCondLst>
+                                        </p:cTn>
+                                        <p:tgtEl>
+                                          <p:spTgt spid="11"/>
+                                        </p:tgtEl>
+                                        <p:attrNameLst>
+                                          <p:attrName>style.visibility</p:attrName>
+                                        </p:attrNameLst>
+                                      </p:cBhvr>
+                                      <p:to>
+                                        <p:strVal val="visible"/>
+                                      </p:to>
+                                    </p:set>
+                                  </p:childTnLst>
+                                </p:cTn>
+                              </p:par>
+                            </p:childTnLst>
+                          </p:cTn>
+                        </p:par>
+                        <p:par>
+                          <p:cTn id="11" fill="hold">
+                            <p:stCondLst>
+                              <p:cond delay="0"/>
+                            </p:stCondLst>
+                            <p:childTnLst>
+                              <p:par>
+                                <p:cTn id="12" presetID="1" presetClass="entr" presetSubtype="0" fill="hold" nodeType="afterEffect">
+                                  <p:stCondLst>
+                                    <p:cond delay="0"/>
+                                  </p:stCondLst>
+                                  <p:childTnLst>
+                                    <p:set>
+                                      <p:cBhvr>
+                                        <p:cTn id="13" dur="1" fill="hold">
+                                          <p:stCondLst>
+                                            <p:cond delay="0"/>
+                                          </p:stCondLst>
+                                        </p:cTn>
+                                        <p:tgtEl>
+                                          <p:spTgt spid="2">
+                                            <p:txEl>
+                                              <p:pRg st="3" end="3"/>
+                                            </p:txEl>
+                                          </p:spTgt>
+                                        </p:tgtEl>
+                                        <p:attrNameLst>
+                                          <p:attrName>style.visibility</p:attrName>
+                                        </p:attrNameLst>
+                                      </p:cBhvr>
+                                      <p:to>
+                                        <p:strVal val="visible"/>
+                                      </p:to>
+                                    </p:set>
+                                  </p:childTnLst>
+                                </p:cTn>
+                              </p:par>
+                            </p:childTnLst>
+                          </p:cTn>
+                        </p:par>
+                      </p:childTnLst>
+                    </p:cTn>
+                  </p:par>
+                  <p:par>
+                    <p:cTn id="14" fill="hold">
+                      <p:stCondLst>
+                        <p:cond delay="indefinite"/>
+                      </p:stCondLst>
+                      <p:childTnLst>
+                        <p:par>
+                          <p:cTn id="15" fill="hold">
+                            <p:stCondLst>
+                              <p:cond delay="0"/>
+                            </p:stCondLst>
+                            <p:childTnLst>
+                              <p:par>
+                                <p:cTn id="16" presetID="1" presetClass="entr" presetSubtype="0" fill="hold" nodeType="clickEffect">
+                                  <p:stCondLst>
+                                    <p:cond delay="0"/>
+                                  </p:stCondLst>
+                                  <p:childTnLst>
+                                    <p:set>
+                                      <p:cBhvr>
+                                        <p:cTn id="17" dur="1" fill="hold">
+                                          <p:stCondLst>
+                                            <p:cond delay="0"/>
+                                          </p:stCondLst>
+                                        </p:cTn>
+                                        <p:tgtEl>
+                                          <p:spTgt spid="2">
+                                            <p:txEl>
+                                              <p:pRg st="4" end="4"/>
+                                            </p:txEl>
+                                          </p:spTgt>
+                                        </p:tgtEl>
+                                        <p:attrNameLst>
+                                          <p:attrName>style.visibility</p:attrName>
+                                        </p:attrNameLst>
+                                      </p:cBhvr>
+                                      <p:to>
+                                        <p:strVal val="visible"/>
+                                      </p:to>
+                                    </p:set>
+                                  </p:childTnLst>
+                                </p:cTn>
+                              </p:par>
+                            </p:childTnLst>
+                          </p:cTn>
+                        </p:par>
+                      </p:childTnLst>
+                    </p:cTn>
+                  </p:par>
+                  <p:par>
+                    <p:cTn id="18" fill="hold">
+                      <p:stCondLst>
+                        <p:cond delay="indefinite"/>
+                      </p:stCondLst>
+                      <p:childTnLst>
+                        <p:par>
+                          <p:cTn id="19" fill="hold">
+                            <p:stCondLst>
+                              <p:cond delay="0"/>
+                            </p:stCondLst>
+                            <p:childTnLst>
+                              <p:par>
+                                <p:cTn id="20" presetID="1" presetClass="entr" presetSubtype="0" fill="hold" nodeType="clickEffect">
+                                  <p:stCondLst>
+                                    <p:cond delay="0"/>
+                                  </p:stCondLst>
+                                  <p:childTnLst>
+                                    <p:set>
+                                      <p:cBhvr>
+                                        <p:cTn id="21" dur="1" fill="hold">
+                                          <p:stCondLst>
+                                            <p:cond delay="0"/>
+                                          </p:stCondLst>
+                                        </p:cTn>
+                                        <p:tgtEl>
+                                          <p:spTgt spid="2">
+                                            <p:txEl>
+                                              <p:pRg st="5" end="5"/>
+                                            </p:txEl>
+                                          </p:spTgt>
+                                        </p:tgtEl>
+                                        <p:attrNameLst>
+                                          <p:attrName>style.visibility</p:attrName>
+                                        </p:attrNameLst>
+                                      </p:cBhvr>
+                                      <p:to>
+                                        <p:strVal val="visible"/>
+                                      </p:to>
+                                    </p:set>
+                                  </p:childTnLst>
+                                </p:cTn>
+                              </p:par>
+                            </p:childTnLst>
+                          </p:cTn>
+                        </p:par>
+                      </p:childTnLst>
+                    </p:cTn>
+                  </p:par>
+                  <p:par>
+                    <p:cTn id="22" fill="hold">
+                      <p:stCondLst>
+                        <p:cond delay="indefinite"/>
+                      </p:stCondLst>
+                      <p:childTnLst>
+                        <p:par>
+                          <p:cTn id="23" fill="hold">
+                            <p:stCondLst>
+                              <p:cond delay="0"/>
+                            </p:stCondLst>
+                            <p:childTnLst>
+                              <p:par>
+                                <p:cTn id="24" presetID="1" presetClass="entr" presetSubtype="0" fill="hold" nodeType="clickEffect">
+                                  <p:stCondLst>
+                                    <p:cond delay="0"/>
+                                  </p:stCondLst>
+                                  <p:childTnLst>
+                                    <p:set>
+                                      <p:cBhvr>
+                                        <p:cTn id="25" dur="1" fill="hold">
+                                          <p:stCondLst>
+                                            <p:cond delay="0"/>
+                                          </p:stCondLst>
+                                        </p:cTn>
+                                        <p:tgtEl>
+                                          <p:spTgt spid="2">
+                                            <p:txEl>
+                                              <p:pRg st="6" end="6"/>
+                                            </p:txEl>
+                                          </p:spTgt>
+                                        </p:tgtEl>
+                                        <p:attrNameLst>
+                                          <p:attrName>style.visibility</p:attrName>
+                                        </p:attrNameLst>
+                                      </p:cBhvr>
+                                      <p:to>
+                                        <p:strVal val="visible"/>
+                                      </p:to>
+                                    </p:set>
+                                  </p:childTnLst>
+                                </p:cTn>
+                              </p:par>
+                            </p:childTnLst>
+                          </p:cTn>
+                        </p:par>
+                      </p:childTnLst>
+                    </p:cTn>
+                  </p:par>
+                </p:childTnLst>
+              </p:cTn>
+              <p:prevCondLst>
+                <p:cond evt="onPrev" delay="0">
+                  <p:tgtEl>
+                    <p:sldTgt/>
+                  </p:tgtEl>
+                </p:cond>
+              </p:prevCondLst>
+              <p:nextCondLst>
+                <p:cond evt="onNext" delay="0">
+                  <p:tgtEl>
+                    <p:sldTgt/>
+                  </p:tgtEl>
+                </p:cond>
+              </p:nextCondLst>
+            </p:seq>
+          </p:childTnLst>
+        </p:cTn>
+      </p:par>
+    </p:tnLst>
+    <p:bldLst>
+      <p:bldP spid="13" grpId="0" animBg="1"/>
+      <p:bldP spid="6" grpId="0" animBg="1"/>
+      <p:bldP spid="11" grpId="0"/>
+    </p:bldLst>
+  </p:timing>
+</p:sld>
+</file>
+
+<file path=ppt/slides/slide3.xml><?xml version="1.0" encoding="utf-8"?>
+<p:sld xmlns:a="http://schemas.openxmlformats.org/drawingml/2006/main" xmlns:r="http://schemas.openxmlformats.org/officeDocument/2006/relationships" xmlns:p="http://schemas.openxmlformats.org/presentationml/2006/main">
+  <p:cSld>
+    <p:spTree>
+      <p:nvGrpSpPr>
+        <p:cNvPr id="1" name=""/>
+        <p:cNvGrpSpPr/>
+        <p:nvPr/>
+      </p:nvGrpSpPr>
+      <p:grpSpPr>
+        <a:xfrm>
+          <a:off x="0" y="0"/>
+          <a:ext cx="0" cy="0"/>
+          <a:chOff x="0" y="0"/>
+          <a:chExt cx="0" cy="0"/>
+        </a:xfrm>
+      </p:grpSpPr>
+      <p:sp>
+        <p:nvSpPr>
+          <p:cNvPr id="4" name="Oval 3"/>
+          <p:cNvSpPr/>
+          <p:nvPr/>
+        </p:nvSpPr>
+        <p:spPr>
+          <a:xfrm>
+            <a:off x="2536677" y="1096036"/>
+            <a:ext cx="4381218" cy="2937736"/>
+          </a:xfrm>
+          <a:prstGeom prst="ellipse">
+            <a:avLst/>
+          </a:prstGeom>
+          <a:solidFill>
+            <a:schemeClr val="accent6">
+              <a:lumMod val="40000"/>
+              <a:lumOff val="60000"/>
+            </a:schemeClr>
+          </a:solidFill>
+          <a:ln>
+            <a:noFill/>
+          </a:ln>
+        </p:spPr>
+        <p:style>
+          <a:lnRef idx="2">
+            <a:schemeClr val="accent1">
+              <a:shade val="50000"/>
+            </a:schemeClr>
+          </a:lnRef>
+          <a:fillRef idx="1">
+            <a:schemeClr val="accent1"/>
+          </a:fillRef>
+          <a:effectRef idx="0">
+            <a:schemeClr val="accent1"/>
+          </a:effectRef>
+          <a:fontRef idx="minor">
+            <a:schemeClr val="lt1"/>
+          </a:fontRef>
+        </p:style>
+        <p:txBody>
+          <a:bodyPr rtlCol="0" anchor="ctr"/>
+          <a:lstStyle/>
+          <a:p>
+            <a:pPr algn="ctr"/>
+            <a:endParaRPr lang="en-GB"/>
+          </a:p>
+        </p:txBody>
+      </p:sp>
+      <p:sp>
+        <p:nvSpPr>
+          <p:cNvPr id="10" name="Oval 9"/>
+          <p:cNvSpPr/>
+          <p:nvPr/>
+        </p:nvSpPr>
+        <p:spPr>
+          <a:xfrm>
+            <a:off x="5316814" y="2395709"/>
+            <a:ext cx="1368152" cy="1346502"/>
+          </a:xfrm>
+          <a:prstGeom prst="ellipse">
+            <a:avLst/>
+          </a:prstGeom>
+          <a:solidFill>
+            <a:schemeClr val="accent6">
+              <a:lumMod val="40000"/>
+              <a:lumOff val="60000"/>
+            </a:schemeClr>
+          </a:solidFill>
+          <a:ln>
+            <a:noFill/>
+          </a:ln>
+        </p:spPr>
+        <p:style>
+          <a:lnRef idx="2">
+            <a:schemeClr val="accent1">
+              <a:shade val="50000"/>
+            </a:schemeClr>
+          </a:lnRef>
+          <a:fillRef idx="1">
+            <a:schemeClr val="accent1"/>
+          </a:fillRef>
+          <a:effectRef idx="0">
+            <a:schemeClr val="accent1"/>
+          </a:effectRef>
+          <a:fontRef idx="minor">
+            <a:schemeClr val="lt1"/>
+          </a:fontRef>
+        </p:style>
+        <p:txBody>
+          <a:bodyPr rtlCol="0" anchor="ctr"/>
+          <a:lstStyle/>
+          <a:p>
+            <a:pPr algn="ctr"/>
+            <a:endParaRPr lang="en-GB"/>
+          </a:p>
+        </p:txBody>
+      </p:sp>
+      <p:sp>
+        <p:nvSpPr>
+          <p:cNvPr id="5" name="Oval 4"/>
+          <p:cNvSpPr/>
+          <p:nvPr/>
+        </p:nvSpPr>
+        <p:spPr>
+          <a:xfrm rot="19011037">
+            <a:off x="2267745" y="1376772"/>
+            <a:ext cx="3672408" cy="1944216"/>
+          </a:xfrm>
+          <a:prstGeom prst="ellipse">
+            <a:avLst/>
+          </a:prstGeom>
+          <a:solidFill>
+            <a:schemeClr val="accent6">
+              <a:lumMod val="40000"/>
+              <a:lumOff val="60000"/>
+            </a:schemeClr>
+          </a:solidFill>
+          <a:ln>
+            <a:noFill/>
+          </a:ln>
+        </p:spPr>
+        <p:style>
+          <a:lnRef idx="2">
+            <a:schemeClr val="accent1">
+              <a:shade val="50000"/>
+            </a:schemeClr>
+          </a:lnRef>
+          <a:fillRef idx="1">
+            <a:schemeClr val="accent1"/>
+          </a:fillRef>
+          <a:effectRef idx="0">
+            <a:schemeClr val="accent1"/>
+          </a:effectRef>
+          <a:fontRef idx="minor">
+            <a:schemeClr val="lt1"/>
+          </a:fontRef>
+        </p:style>
+        <p:txBody>
+          <a:bodyPr rtlCol="0" anchor="ctr"/>
+          <a:lstStyle/>
+          <a:p>
+            <a:pPr algn="ctr"/>
             <a:endParaRPr lang="en-GB"/>
           </a:p>
         </p:txBody>
@@ -11193,7 +13797,7 @@
                   <a:schemeClr val="tx1"/>
                 </a:solidFill>
               </a:rPr>
-              <a:t>Or</a:t>
+              <a:t>A Or</a:t>
             </a:r>
             <a:endParaRPr lang="en-GB" sz="2800" dirty="0">
               <a:solidFill>
@@ -11251,6 +13855,14 @@
           <a:p>
             <a:pPr algn="ctr"/>
             <a:r>
+              <a:rPr lang="en-GB" sz="2800" dirty="0" smtClean="0">
+                <a:solidFill>
+                  <a:schemeClr val="tx1"/>
+                </a:solidFill>
+              </a:rPr>
+              <a:t>C </a:t>
+            </a:r>
+            <a:r>
               <a:rPr lang="en-GB" sz="2800" dirty="0" err="1" smtClean="0">
                 <a:solidFill>
                   <a:schemeClr val="tx1"/>
@@ -11319,7 +13931,7 @@
                   <a:schemeClr val="tx1"/>
                 </a:solidFill>
               </a:rPr>
-              <a:t>And</a:t>
+              <a:t>B And</a:t>
             </a:r>
             <a:endParaRPr lang="en-GB" sz="2800" dirty="0">
               <a:solidFill>
@@ -11479,10 +14091,61 @@
           </a:p>
         </p:txBody>
       </p:sp>
+      <p:sp>
+        <p:nvSpPr>
+          <p:cNvPr id="2" name="TextBox 1"/>
+          <p:cNvSpPr txBox="1"/>
+          <p:nvPr/>
+        </p:nvSpPr>
+        <p:spPr>
+          <a:xfrm>
+            <a:off x="1475656" y="4405425"/>
+            <a:ext cx="6984776" cy="1323439"/>
+          </a:xfrm>
+          <a:prstGeom prst="rect">
+            <a:avLst/>
+          </a:prstGeom>
+          <a:noFill/>
+        </p:spPr>
+        <p:txBody>
+          <a:bodyPr wrap="square" rtlCol="0">
+            <a:spAutoFit/>
+          </a:bodyPr>
+          <a:lstStyle/>
+          <a:p>
+            <a:pPr marL="342900" indent="-342900">
+              <a:buFont typeface="+mj-lt"/>
+              <a:buAutoNum type="arabicPeriod"/>
+            </a:pPr>
+            <a:r>
+              <a:rPr lang="en-GB" sz="2000" dirty="0" smtClean="0"/>
+              <a:t>Existence:		The mechanism ABC exists.</a:t>
+            </a:r>
+          </a:p>
+          <a:p>
+            <a:pPr marL="342900" indent="-342900">
+              <a:buFont typeface="+mj-lt"/>
+              <a:buAutoNum type="arabicPeriod"/>
+            </a:pPr>
+            <a:r>
+              <a:rPr lang="en-GB" sz="2000" dirty="0" smtClean="0"/>
+              <a:t>Composition: 		The mechanism ABC is the 				composition of 3 smaller mechanisms: 			a 3</a:t>
+            </a:r>
+            <a:r>
+              <a:rPr lang="en-GB" sz="2000" baseline="30000" dirty="0" smtClean="0"/>
+              <a:t>rd</a:t>
+            </a:r>
+            <a:r>
+              <a:rPr lang="en-GB" sz="2000" dirty="0" smtClean="0"/>
+              <a:t> order mechanism.</a:t>
+            </a:r>
+          </a:p>
+        </p:txBody>
+      </p:sp>
     </p:spTree>
     <p:extLst>
       <p:ext uri="{BB962C8B-B14F-4D97-AF65-F5344CB8AC3E}">
-        <p14:creationId xmlns:p14="http://schemas.microsoft.com/office/powerpoint/2010/main" val="1439324492"/>
+        <p14:creationId xmlns:p14="http://schemas.microsoft.com/office/powerpoint/2010/main" val="4160866259"/>
       </p:ext>
     </p:extLst>
   </p:cSld>
@@ -11492,14 +14155,264 @@
   <p:timing>
     <p:tnLst>
       <p:par>
-        <p:cTn id="1" dur="indefinite" restart="never" nodeType="tmRoot"/>
+        <p:cTn id="1" dur="indefinite" restart="never" nodeType="tmRoot">
+          <p:childTnLst>
+            <p:seq concurrent="1" nextAc="seek">
+              <p:cTn id="2" dur="indefinite" nodeType="mainSeq">
+                <p:childTnLst>
+                  <p:par>
+                    <p:cTn id="3" fill="hold">
+                      <p:stCondLst>
+                        <p:cond delay="indefinite"/>
+                      </p:stCondLst>
+                      <p:childTnLst>
+                        <p:par>
+                          <p:cTn id="4" fill="hold">
+                            <p:stCondLst>
+                              <p:cond delay="0"/>
+                            </p:stCondLst>
+                            <p:childTnLst>
+                              <p:par>
+                                <p:cTn id="5" presetID="1" presetClass="entr" presetSubtype="0" fill="hold" grpId="0" nodeType="clickEffect">
+                                  <p:stCondLst>
+                                    <p:cond delay="0"/>
+                                  </p:stCondLst>
+                                  <p:childTnLst>
+                                    <p:set>
+                                      <p:cBhvr>
+                                        <p:cTn id="6" dur="1" fill="hold">
+                                          <p:stCondLst>
+                                            <p:cond delay="0"/>
+                                          </p:stCondLst>
+                                        </p:cTn>
+                                        <p:tgtEl>
+                                          <p:spTgt spid="4"/>
+                                        </p:tgtEl>
+                                        <p:attrNameLst>
+                                          <p:attrName>style.visibility</p:attrName>
+                                        </p:attrNameLst>
+                                      </p:cBhvr>
+                                      <p:to>
+                                        <p:strVal val="visible"/>
+                                      </p:to>
+                                    </p:set>
+                                  </p:childTnLst>
+                                </p:cTn>
+                              </p:par>
+                              <p:par>
+                                <p:cTn id="7" presetID="1" presetClass="entr" presetSubtype="0" fill="hold" nodeType="withEffect">
+                                  <p:stCondLst>
+                                    <p:cond delay="0"/>
+                                  </p:stCondLst>
+                                  <p:childTnLst>
+                                    <p:set>
+                                      <p:cBhvr>
+                                        <p:cTn id="8" dur="1" fill="hold">
+                                          <p:stCondLst>
+                                            <p:cond delay="0"/>
+                                          </p:stCondLst>
+                                        </p:cTn>
+                                        <p:tgtEl>
+                                          <p:spTgt spid="2">
+                                            <p:txEl>
+                                              <p:pRg st="1" end="1"/>
+                                            </p:txEl>
+                                          </p:spTgt>
+                                        </p:tgtEl>
+                                        <p:attrNameLst>
+                                          <p:attrName>style.visibility</p:attrName>
+                                        </p:attrNameLst>
+                                      </p:cBhvr>
+                                      <p:to>
+                                        <p:strVal val="visible"/>
+                                      </p:to>
+                                    </p:set>
+                                  </p:childTnLst>
+                                </p:cTn>
+                              </p:par>
+                            </p:childTnLst>
+                          </p:cTn>
+                        </p:par>
+                      </p:childTnLst>
+                    </p:cTn>
+                  </p:par>
+                  <p:par>
+                    <p:cTn id="9" fill="hold">
+                      <p:stCondLst>
+                        <p:cond delay="indefinite"/>
+                      </p:stCondLst>
+                      <p:childTnLst>
+                        <p:par>
+                          <p:cTn id="10" fill="hold">
+                            <p:stCondLst>
+                              <p:cond delay="0"/>
+                            </p:stCondLst>
+                            <p:childTnLst>
+                              <p:par>
+                                <p:cTn id="11" presetID="1" presetClass="entr" presetSubtype="0" fill="hold" grpId="0" nodeType="clickEffect">
+                                  <p:stCondLst>
+                                    <p:cond delay="0"/>
+                                  </p:stCondLst>
+                                  <p:childTnLst>
+                                    <p:set>
+                                      <p:cBhvr>
+                                        <p:cTn id="12" dur="1" fill="hold">
+                                          <p:stCondLst>
+                                            <p:cond delay="0"/>
+                                          </p:stCondLst>
+                                        </p:cTn>
+                                        <p:tgtEl>
+                                          <p:spTgt spid="5"/>
+                                        </p:tgtEl>
+                                        <p:attrNameLst>
+                                          <p:attrName>style.visibility</p:attrName>
+                                        </p:attrNameLst>
+                                      </p:cBhvr>
+                                      <p:to>
+                                        <p:strVal val="visible"/>
+                                      </p:to>
+                                    </p:set>
+                                  </p:childTnLst>
+                                </p:cTn>
+                              </p:par>
+                              <p:par>
+                                <p:cTn id="13" presetID="1" presetClass="exit" presetSubtype="0" fill="hold" grpId="1" nodeType="withEffect">
+                                  <p:stCondLst>
+                                    <p:cond delay="0"/>
+                                  </p:stCondLst>
+                                  <p:childTnLst>
+                                    <p:set>
+                                      <p:cBhvr>
+                                        <p:cTn id="14" dur="1" fill="hold">
+                                          <p:stCondLst>
+                                            <p:cond delay="0"/>
+                                          </p:stCondLst>
+                                        </p:cTn>
+                                        <p:tgtEl>
+                                          <p:spTgt spid="4"/>
+                                        </p:tgtEl>
+                                        <p:attrNameLst>
+                                          <p:attrName>style.visibility</p:attrName>
+                                        </p:attrNameLst>
+                                      </p:cBhvr>
+                                      <p:to>
+                                        <p:strVal val="hidden"/>
+                                      </p:to>
+                                    </p:set>
+                                  </p:childTnLst>
+                                </p:cTn>
+                              </p:par>
+                            </p:childTnLst>
+                          </p:cTn>
+                        </p:par>
+                      </p:childTnLst>
+                    </p:cTn>
+                  </p:par>
+                  <p:par>
+                    <p:cTn id="15" fill="hold">
+                      <p:stCondLst>
+                        <p:cond delay="indefinite"/>
+                      </p:stCondLst>
+                      <p:childTnLst>
+                        <p:par>
+                          <p:cTn id="16" fill="hold">
+                            <p:stCondLst>
+                              <p:cond delay="0"/>
+                            </p:stCondLst>
+                            <p:childTnLst>
+                              <p:par>
+                                <p:cTn id="17" presetID="1" presetClass="entr" presetSubtype="0" fill="hold" grpId="0" nodeType="clickEffect">
+                                  <p:stCondLst>
+                                    <p:cond delay="0"/>
+                                  </p:stCondLst>
+                                  <p:childTnLst>
+                                    <p:set>
+                                      <p:cBhvr>
+                                        <p:cTn id="18" dur="1" fill="hold">
+                                          <p:stCondLst>
+                                            <p:cond delay="0"/>
+                                          </p:stCondLst>
+                                        </p:cTn>
+                                        <p:tgtEl>
+                                          <p:spTgt spid="10"/>
+                                        </p:tgtEl>
+                                        <p:attrNameLst>
+                                          <p:attrName>style.visibility</p:attrName>
+                                        </p:attrNameLst>
+                                      </p:cBhvr>
+                                      <p:to>
+                                        <p:strVal val="visible"/>
+                                      </p:to>
+                                    </p:set>
+                                  </p:childTnLst>
+                                </p:cTn>
+                              </p:par>
+                              <p:par>
+                                <p:cTn id="19" presetID="1" presetClass="exit" presetSubtype="0" fill="hold" grpId="1" nodeType="withEffect">
+                                  <p:stCondLst>
+                                    <p:cond delay="0"/>
+                                  </p:stCondLst>
+                                  <p:childTnLst>
+                                    <p:set>
+                                      <p:cBhvr>
+                                        <p:cTn id="20" dur="1" fill="hold">
+                                          <p:stCondLst>
+                                            <p:cond delay="0"/>
+                                          </p:stCondLst>
+                                        </p:cTn>
+                                        <p:tgtEl>
+                                          <p:spTgt spid="5"/>
+                                        </p:tgtEl>
+                                        <p:attrNameLst>
+                                          <p:attrName>style.visibility</p:attrName>
+                                        </p:attrNameLst>
+                                      </p:cBhvr>
+                                      <p:to>
+                                        <p:strVal val="hidden"/>
+                                      </p:to>
+                                    </p:set>
+                                  </p:childTnLst>
+                                </p:cTn>
+                              </p:par>
+                            </p:childTnLst>
+                          </p:cTn>
+                        </p:par>
+                      </p:childTnLst>
+                    </p:cTn>
+                  </p:par>
+                </p:childTnLst>
+              </p:cTn>
+              <p:prevCondLst>
+                <p:cond evt="onPrev" delay="0">
+                  <p:tgtEl>
+                    <p:sldTgt/>
+                  </p:tgtEl>
+                </p:cond>
+              </p:prevCondLst>
+              <p:nextCondLst>
+                <p:cond evt="onNext" delay="0">
+                  <p:tgtEl>
+                    <p:sldTgt/>
+                  </p:tgtEl>
+                </p:cond>
+              </p:nextCondLst>
+            </p:seq>
+          </p:childTnLst>
+        </p:cTn>
       </p:par>
     </p:tnLst>
+    <p:bldLst>
+      <p:bldP spid="4" grpId="0" animBg="1"/>
+      <p:bldP spid="4" grpId="1" animBg="1"/>
+      <p:bldP spid="10" grpId="0" animBg="1"/>
+      <p:bldP spid="5" grpId="0" animBg="1"/>
+      <p:bldP spid="5" grpId="1" animBg="1"/>
+    </p:bldLst>
   </p:timing>
 </p:sld>
 </file>
 
-<file path=ppt/slides/slide3.xml><?xml version="1.0" encoding="utf-8"?>
+<file path=ppt/slides/slide4.xml><?xml version="1.0" encoding="utf-8"?>
 <p:sld xmlns:a="http://schemas.openxmlformats.org/drawingml/2006/main" xmlns:r="http://schemas.openxmlformats.org/officeDocument/2006/relationships" xmlns:p="http://schemas.openxmlformats.org/presentationml/2006/main">
   <p:cSld>
     <p:spTree>
@@ -11555,7 +14468,7 @@
           <p:nvPr>
             <p:extLst>
               <p:ext uri="{D42A27DB-BD31-4B8C-83A1-F6EECF244321}">
-                <p14:modId xmlns:p14="http://schemas.microsoft.com/office/powerpoint/2010/main" val="3955656380"/>
+                <p14:modId xmlns:p14="http://schemas.microsoft.com/office/powerpoint/2010/main" val="463998456"/>
               </p:ext>
             </p:extLst>
           </p:nvPr>
@@ -11589,7 +14502,7 @@
                     <a:p>
                       <a:r>
                         <a:rPr lang="en-GB" dirty="0" smtClean="0"/>
-                        <a:t>State</a:t>
+                        <a:t>ABC</a:t>
                       </a:r>
                       <a:endParaRPr lang="en-GB" dirty="0"/>
                     </a:p>
@@ -12822,8 +15735,8 @@
           </a:graphicData>
         </a:graphic>
       </p:graphicFrame>
-      <mc:AlternateContent xmlns:mc="http://schemas.openxmlformats.org/markup-compatibility/2006">
-        <mc:Choice xmlns:a14="http://schemas.microsoft.com/office/drawing/2010/main" Requires="a14">
+      <mc:AlternateContent xmlns:mc="http://schemas.openxmlformats.org/markup-compatibility/2006" xmlns:a14="http://schemas.microsoft.com/office/drawing/2010/main">
+        <mc:Choice Requires="a14">
           <p:sp>
             <p:nvSpPr>
               <p:cNvPr id="10" name="TextBox 9"/>
@@ -12846,6 +15759,7 @@
               </a:bodyPr>
               <a:lstStyle/>
               <a:p>
+                <a:pPr/>
                 <a14:m>
                   <m:oMathPara xmlns:m="http://schemas.openxmlformats.org/officeDocument/2006/math">
                     <m:oMathParaPr>
@@ -12995,7 +15909,7 @@
             </p:txBody>
           </p:sp>
         </mc:Choice>
-        <mc:Fallback>
+        <mc:Fallback xmlns="">
           <p:sp>
             <p:nvSpPr>
               <p:cNvPr id="10" name="TextBox 9"/>
@@ -13054,7 +15968,7 @@
 </p:sld>
 </file>
 
-<file path=ppt/slides/slide4.xml><?xml version="1.0" encoding="utf-8"?>
+<file path=ppt/slides/slide5.xml><?xml version="1.0" encoding="utf-8"?>
 <p:sld xmlns:a="http://schemas.openxmlformats.org/drawingml/2006/main" xmlns:r="http://schemas.openxmlformats.org/officeDocument/2006/relationships" xmlns:p="http://schemas.openxmlformats.org/presentationml/2006/main">
   <p:cSld>
     <p:spTree>
@@ -13742,8 +16656,8 @@
           </a:graphicData>
         </a:graphic>
       </p:graphicFrame>
-      <mc:AlternateContent xmlns:mc="http://schemas.openxmlformats.org/markup-compatibility/2006">
-        <mc:Choice xmlns:a14="http://schemas.microsoft.com/office/drawing/2010/main" Requires="a14">
+      <mc:AlternateContent xmlns:mc="http://schemas.openxmlformats.org/markup-compatibility/2006" xmlns:a14="http://schemas.microsoft.com/office/drawing/2010/main">
+        <mc:Choice Requires="a14">
           <p:sp>
             <p:nvSpPr>
               <p:cNvPr id="10" name="TextBox 9"/>
@@ -13766,6 +16680,7 @@
               </a:bodyPr>
               <a:lstStyle/>
               <a:p>
+                <a:pPr/>
                 <a14:m>
                   <m:oMathPara xmlns:m="http://schemas.openxmlformats.org/officeDocument/2006/math">
                     <m:oMathParaPr>
@@ -13776,7 +16691,7 @@
                         <m:sSubPr>
                           <m:ctrlPr>
                             <a:rPr lang="en-GB" sz="2800" i="1" smtClean="0">
-                              <a:latin typeface="Cambria Math" pitchFamily="18" charset="0"/>
+                              <a:latin typeface="Cambria Math"/>
                               <a:ea typeface="Cambria Math" pitchFamily="18" charset="0"/>
                             </a:rPr>
                           </m:ctrlPr>
@@ -13787,7 +16702,7 @@
                               <m:chr m:val="̃"/>
                               <m:ctrlPr>
                                 <a:rPr lang="en-GB" sz="2800" i="1" smtClean="0">
-                                  <a:latin typeface="Cambria Math" pitchFamily="18" charset="0"/>
+                                  <a:latin typeface="Cambria Math"/>
                                   <a:ea typeface="Cambria Math" pitchFamily="18" charset="0"/>
                                 </a:rPr>
                               </m:ctrlPr>
@@ -13838,7 +16753,7 @@
                         <m:sSupPr>
                           <m:ctrlPr>
                             <a:rPr lang="en-GB" sz="2800" i="1">
-                              <a:latin typeface="Cambria Math" pitchFamily="18" charset="0"/>
+                              <a:latin typeface="Cambria Math"/>
                               <a:ea typeface="Cambria Math" pitchFamily="18" charset="0"/>
                             </a:rPr>
                           </m:ctrlPr>
@@ -13848,7 +16763,7 @@
                             <m:sSubPr>
                               <m:ctrlPr>
                                 <a:rPr lang="en-GB" sz="2800" i="1">
-                                  <a:latin typeface="Cambria Math" pitchFamily="18" charset="0"/>
+                                  <a:latin typeface="Cambria Math"/>
                                   <a:ea typeface="Cambria Math" pitchFamily="18" charset="0"/>
                                 </a:rPr>
                               </m:ctrlPr>
@@ -13901,7 +16816,7 @@
                         <m:sSupPr>
                           <m:ctrlPr>
                             <a:rPr lang="en-GB" sz="2800" b="0" i="1" smtClean="0">
-                              <a:latin typeface="Cambria Math" pitchFamily="18" charset="0"/>
+                              <a:latin typeface="Cambria Math"/>
                               <a:ea typeface="Cambria Math" pitchFamily="18" charset="0"/>
                             </a:rPr>
                           </m:ctrlPr>
@@ -13957,7 +16872,7 @@
             </p:txBody>
           </p:sp>
         </mc:Choice>
-        <mc:Fallback>
+        <mc:Fallback xmlns="">
           <p:sp>
             <p:nvSpPr>
               <p:cNvPr id="10" name="TextBox 9"/>
@@ -13996,8 +16911,8 @@
           </p:sp>
         </mc:Fallback>
       </mc:AlternateContent>
-      <mc:AlternateContent xmlns:mc="http://schemas.openxmlformats.org/markup-compatibility/2006">
-        <mc:Choice xmlns:a14="http://schemas.microsoft.com/office/drawing/2010/main" Requires="a14">
+      <mc:AlternateContent xmlns:mc="http://schemas.openxmlformats.org/markup-compatibility/2006" xmlns:a14="http://schemas.microsoft.com/office/drawing/2010/main">
+        <mc:Choice Requires="a14">
           <p:sp>
             <p:nvSpPr>
               <p:cNvPr id="3" name="TextBox 2"/>
@@ -14020,6 +16935,7 @@
               </a:bodyPr>
               <a:lstStyle/>
               <a:p>
+                <a:pPr/>
                 <a14:m>
                   <m:oMathPara xmlns:m="http://schemas.openxmlformats.org/officeDocument/2006/math">
                     <m:oMathParaPr>
@@ -14037,7 +16953,7 @@
                         <m:dPr>
                           <m:ctrlPr>
                             <a:rPr lang="en-GB" sz="2800" b="0" i="1" smtClean="0">
-                              <a:latin typeface="Cambria Math" pitchFamily="18" charset="0"/>
+                              <a:latin typeface="Cambria Math"/>
                               <a:ea typeface="Cambria Math" pitchFamily="18" charset="0"/>
                             </a:rPr>
                           </m:ctrlPr>
@@ -14047,7 +16963,7 @@
                             <m:sSupPr>
                               <m:ctrlPr>
                                 <a:rPr lang="en-GB" sz="2800" b="0" i="1" smtClean="0">
-                                  <a:latin typeface="Cambria Math" pitchFamily="18" charset="0"/>
+                                  <a:latin typeface="Cambria Math"/>
                                   <a:ea typeface="Cambria Math" pitchFamily="18" charset="0"/>
                                 </a:rPr>
                               </m:ctrlPr>
@@ -14084,7 +17000,7 @@
                             <m:sSupPr>
                               <m:ctrlPr>
                                 <a:rPr lang="en-GB" sz="2800" b="0" i="1" smtClean="0">
-                                  <a:latin typeface="Cambria Math" pitchFamily="18" charset="0"/>
+                                  <a:latin typeface="Cambria Math"/>
                                   <a:ea typeface="Cambria Math" pitchFamily="18" charset="0"/>
                                 </a:rPr>
                               </m:ctrlPr>
@@ -14122,7 +17038,7 @@
                           <m:chr m:val="∏"/>
                           <m:ctrlPr>
                             <a:rPr lang="en-GB" sz="2800" b="0" i="1" smtClean="0">
-                              <a:latin typeface="Cambria Math" pitchFamily="18" charset="0"/>
+                              <a:latin typeface="Cambria Math"/>
                               <a:ea typeface="Cambria Math" pitchFamily="18" charset="0"/>
                             </a:rPr>
                           </m:ctrlPr>
@@ -14174,7 +17090,7 @@
                             <m:sSupPr>
                               <m:ctrlPr>
                                 <a:rPr lang="en-GB" sz="2800" b="0" i="1" smtClean="0">
-                                  <a:latin typeface="Cambria Math" pitchFamily="18" charset="0"/>
+                                  <a:latin typeface="Cambria Math"/>
                                   <a:ea typeface="Cambria Math" pitchFamily="18" charset="0"/>
                                 </a:rPr>
                               </m:ctrlPr>
@@ -14184,7 +17100,7 @@
                                 <m:sSubPr>
                                   <m:ctrlPr>
                                     <a:rPr lang="en-GB" sz="2800" b="0" i="1" smtClean="0">
-                                      <a:latin typeface="Cambria Math" pitchFamily="18" charset="0"/>
+                                      <a:latin typeface="Cambria Math"/>
                                       <a:ea typeface="Cambria Math" pitchFamily="18" charset="0"/>
                                     </a:rPr>
                                   </m:ctrlPr>
@@ -14237,7 +17153,7 @@
                             <m:sSupPr>
                               <m:ctrlPr>
                                 <a:rPr lang="en-GB" sz="2800" b="0" i="1" smtClean="0">
-                                  <a:latin typeface="Cambria Math" pitchFamily="18" charset="0"/>
+                                  <a:latin typeface="Cambria Math"/>
                                   <a:ea typeface="Cambria Math" pitchFamily="18" charset="0"/>
                                 </a:rPr>
                               </m:ctrlPr>
@@ -14281,7 +17197,7 @@
             </p:txBody>
           </p:sp>
         </mc:Choice>
-        <mc:Fallback>
+        <mc:Fallback xmlns="">
           <p:sp>
             <p:nvSpPr>
               <p:cNvPr id="3" name="TextBox 2"/>
@@ -14320,8 +17236,8 @@
           </p:sp>
         </mc:Fallback>
       </mc:AlternateContent>
-      <mc:AlternateContent xmlns:mc="http://schemas.openxmlformats.org/markup-compatibility/2006">
-        <mc:Choice xmlns:a14="http://schemas.microsoft.com/office/drawing/2010/main" Requires="a14">
+      <mc:AlternateContent xmlns:mc="http://schemas.openxmlformats.org/markup-compatibility/2006" xmlns:a14="http://schemas.microsoft.com/office/drawing/2010/main">
+        <mc:Choice Requires="a14">
           <p:sp>
             <p:nvSpPr>
               <p:cNvPr id="4" name="TextBox 3"/>
@@ -14344,6 +17260,7 @@
               </a:bodyPr>
               <a:lstStyle/>
               <a:p>
+                <a:pPr/>
                 <a14:m>
                   <m:oMathPara xmlns:m="http://schemas.openxmlformats.org/officeDocument/2006/math">
                     <m:oMathParaPr>
@@ -14354,7 +17271,7 @@
                         <m:sSubPr>
                           <m:ctrlPr>
                             <a:rPr lang="en-GB" sz="2800" i="1" smtClean="0">
-                              <a:latin typeface="Cambria Math" pitchFamily="18" charset="0"/>
+                              <a:latin typeface="Cambria Math"/>
                               <a:ea typeface="Cambria Math" pitchFamily="18" charset="0"/>
                             </a:rPr>
                           </m:ctrlPr>
@@ -14390,7 +17307,7 @@
                           <m:chr m:val="∏"/>
                           <m:ctrlPr>
                             <a:rPr lang="en-GB" sz="2800" i="1" smtClean="0">
-                              <a:latin typeface="Cambria Math" pitchFamily="18" charset="0"/>
+                              <a:latin typeface="Cambria Math"/>
                               <a:ea typeface="Cambria Math" pitchFamily="18" charset="0"/>
                             </a:rPr>
                           </m:ctrlPr>
@@ -14430,7 +17347,7 @@
                               <m:endChr m:val="]"/>
                               <m:ctrlPr>
                                 <a:rPr lang="en-GB" sz="2800" i="1" smtClean="0">
-                                  <a:latin typeface="Cambria Math" pitchFamily="18" charset="0"/>
+                                  <a:latin typeface="Cambria Math"/>
                                   <a:ea typeface="Cambria Math" pitchFamily="18" charset="0"/>
                                 </a:rPr>
                               </m:ctrlPr>
@@ -14440,7 +17357,7 @@
                                 <m:sSubPr>
                                   <m:ctrlPr>
                                     <a:rPr lang="en-GB" sz="2800" i="1">
-                                      <a:latin typeface="Cambria Math" pitchFamily="18" charset="0"/>
+                                      <a:latin typeface="Cambria Math"/>
                                       <a:ea typeface="Cambria Math" pitchFamily="18" charset="0"/>
                                     </a:rPr>
                                   </m:ctrlPr>
@@ -14451,7 +17368,7 @@
                                       <m:chr m:val="̃"/>
                                       <m:ctrlPr>
                                         <a:rPr lang="en-GB" sz="2800" i="1">
-                                          <a:latin typeface="Cambria Math" pitchFamily="18" charset="0"/>
+                                          <a:latin typeface="Cambria Math"/>
                                           <a:ea typeface="Cambria Math" pitchFamily="18" charset="0"/>
                                         </a:rPr>
                                       </m:ctrlPr>
@@ -14495,7 +17412,7 @@
                                 <m:sSubPr>
                                   <m:ctrlPr>
                                     <a:rPr lang="en-GB" sz="2800" i="1">
-                                      <a:latin typeface="Cambria Math" pitchFamily="18" charset="0"/>
+                                      <a:latin typeface="Cambria Math"/>
                                       <a:ea typeface="Cambria Math" pitchFamily="18" charset="0"/>
                                     </a:rPr>
                                   </m:ctrlPr>
@@ -14530,7 +17447,7 @@
                                 <m:sSubPr>
                                   <m:ctrlPr>
                                     <a:rPr lang="en-GB" sz="2800" i="1">
-                                      <a:latin typeface="Cambria Math" pitchFamily="18" charset="0"/>
+                                      <a:latin typeface="Cambria Math"/>
                                       <a:ea typeface="Cambria Math" pitchFamily="18" charset="0"/>
                                     </a:rPr>
                                   </m:ctrlPr>
@@ -14541,7 +17458,7 @@
                                       <m:chr m:val="̃"/>
                                       <m:ctrlPr>
                                         <a:rPr lang="en-GB" sz="2800" i="1">
-                                          <a:latin typeface="Cambria Math" pitchFamily="18" charset="0"/>
+                                          <a:latin typeface="Cambria Math"/>
                                           <a:ea typeface="Cambria Math" pitchFamily="18" charset="0"/>
                                         </a:rPr>
                                       </m:ctrlPr>
@@ -14592,7 +17509,7 @@
                                 <m:sSubPr>
                                   <m:ctrlPr>
                                     <a:rPr lang="en-GB" sz="2800" i="1">
-                                      <a:latin typeface="Cambria Math" pitchFamily="18" charset="0"/>
+                                      <a:latin typeface="Cambria Math"/>
                                       <a:ea typeface="Cambria Math" pitchFamily="18" charset="0"/>
                                     </a:rPr>
                                   </m:ctrlPr>
@@ -14638,7 +17555,7 @@
             </p:txBody>
           </p:sp>
         </mc:Choice>
-        <mc:Fallback>
+        <mc:Fallback xmlns="">
           <p:sp>
             <p:nvSpPr>
               <p:cNvPr id="4" name="TextBox 3"/>
@@ -14690,195 +17607,153 @@
   <p:timing>
     <p:tnLst>
       <p:par>
-        <p:cTn id="1" dur="indefinite" restart="never" nodeType="tmRoot"/>
+        <p:cTn id="1" dur="indefinite" restart="never" nodeType="tmRoot">
+          <p:childTnLst>
+            <p:seq concurrent="1" nextAc="seek">
+              <p:cTn id="2" dur="indefinite" nodeType="mainSeq">
+                <p:childTnLst>
+                  <p:par>
+                    <p:cTn id="3" fill="hold">
+                      <p:stCondLst>
+                        <p:cond delay="indefinite"/>
+                      </p:stCondLst>
+                      <p:childTnLst>
+                        <p:par>
+                          <p:cTn id="4" fill="hold">
+                            <p:stCondLst>
+                              <p:cond delay="0"/>
+                            </p:stCondLst>
+                            <p:childTnLst>
+                              <p:par>
+                                <p:cTn id="5" presetID="1" presetClass="entr" presetSubtype="0" fill="hold" nodeType="clickEffect">
+                                  <p:stCondLst>
+                                    <p:cond delay="0"/>
+                                  </p:stCondLst>
+                                  <p:childTnLst>
+                                    <p:set>
+                                      <p:cBhvr>
+                                        <p:cTn id="6" dur="1" fill="hold">
+                                          <p:stCondLst>
+                                            <p:cond delay="0"/>
+                                          </p:stCondLst>
+                                        </p:cTn>
+                                        <p:tgtEl>
+                                          <p:spTgt spid="6"/>
+                                        </p:tgtEl>
+                                        <p:attrNameLst>
+                                          <p:attrName>style.visibility</p:attrName>
+                                        </p:attrNameLst>
+                                      </p:cBhvr>
+                                      <p:to>
+                                        <p:strVal val="visible"/>
+                                      </p:to>
+                                    </p:set>
+                                  </p:childTnLst>
+                                </p:cTn>
+                              </p:par>
+                              <p:par>
+                                <p:cTn id="7" presetID="1" presetClass="entr" presetSubtype="0" fill="hold" grpId="0" nodeType="withEffect">
+                                  <p:stCondLst>
+                                    <p:cond delay="0"/>
+                                  </p:stCondLst>
+                                  <p:childTnLst>
+                                    <p:set>
+                                      <p:cBhvr>
+                                        <p:cTn id="8" dur="1" fill="hold">
+                                          <p:stCondLst>
+                                            <p:cond delay="0"/>
+                                          </p:stCondLst>
+                                        </p:cTn>
+                                        <p:tgtEl>
+                                          <p:spTgt spid="10"/>
+                                        </p:tgtEl>
+                                        <p:attrNameLst>
+                                          <p:attrName>style.visibility</p:attrName>
+                                        </p:attrNameLst>
+                                      </p:cBhvr>
+                                      <p:to>
+                                        <p:strVal val="visible"/>
+                                      </p:to>
+                                    </p:set>
+                                  </p:childTnLst>
+                                </p:cTn>
+                              </p:par>
+                            </p:childTnLst>
+                          </p:cTn>
+                        </p:par>
+                      </p:childTnLst>
+                    </p:cTn>
+                  </p:par>
+                  <p:par>
+                    <p:cTn id="9" fill="hold">
+                      <p:stCondLst>
+                        <p:cond delay="indefinite"/>
+                      </p:stCondLst>
+                      <p:childTnLst>
+                        <p:par>
+                          <p:cTn id="10" fill="hold">
+                            <p:stCondLst>
+                              <p:cond delay="0"/>
+                            </p:stCondLst>
+                            <p:childTnLst>
+                              <p:par>
+                                <p:cTn id="11" presetID="1" presetClass="entr" presetSubtype="0" fill="hold" grpId="0" nodeType="clickEffect">
+                                  <p:stCondLst>
+                                    <p:cond delay="0"/>
+                                  </p:stCondLst>
+                                  <p:childTnLst>
+                                    <p:set>
+                                      <p:cBhvr>
+                                        <p:cTn id="12" dur="1" fill="hold">
+                                          <p:stCondLst>
+                                            <p:cond delay="0"/>
+                                          </p:stCondLst>
+                                        </p:cTn>
+                                        <p:tgtEl>
+                                          <p:spTgt spid="4"/>
+                                        </p:tgtEl>
+                                        <p:attrNameLst>
+                                          <p:attrName>style.visibility</p:attrName>
+                                        </p:attrNameLst>
+                                      </p:cBhvr>
+                                      <p:to>
+                                        <p:strVal val="visible"/>
+                                      </p:to>
+                                    </p:set>
+                                  </p:childTnLst>
+                                </p:cTn>
+                              </p:par>
+                            </p:childTnLst>
+                          </p:cTn>
+                        </p:par>
+                      </p:childTnLst>
+                    </p:cTn>
+                  </p:par>
+                </p:childTnLst>
+              </p:cTn>
+              <p:prevCondLst>
+                <p:cond evt="onPrev" delay="0">
+                  <p:tgtEl>
+                    <p:sldTgt/>
+                  </p:tgtEl>
+                </p:cond>
+              </p:prevCondLst>
+              <p:nextCondLst>
+                <p:cond evt="onNext" delay="0">
+                  <p:tgtEl>
+                    <p:sldTgt/>
+                  </p:tgtEl>
+                </p:cond>
+              </p:nextCondLst>
+            </p:seq>
+          </p:childTnLst>
+        </p:cTn>
       </p:par>
     </p:tnLst>
-  </p:timing>
-</p:sld>
-</file>
-
-<file path=ppt/slides/slide5.xml><?xml version="1.0" encoding="utf-8"?>
-<p:sld xmlns:a="http://schemas.openxmlformats.org/drawingml/2006/main" xmlns:r="http://schemas.openxmlformats.org/officeDocument/2006/relationships" xmlns:p="http://schemas.openxmlformats.org/presentationml/2006/main">
-  <p:cSld>
-    <p:spTree>
-      <p:nvGrpSpPr>
-        <p:cNvPr id="1" name=""/>
-        <p:cNvGrpSpPr/>
-        <p:nvPr/>
-      </p:nvGrpSpPr>
-      <p:grpSpPr>
-        <a:xfrm>
-          <a:off x="0" y="0"/>
-          <a:ext cx="0" cy="0"/>
-          <a:chOff x="0" y="0"/>
-          <a:chExt cx="0" cy="0"/>
-        </a:xfrm>
-      </p:grpSpPr>
-      <p:sp>
-        <p:nvSpPr>
-          <p:cNvPr id="2" name="TextBox 1"/>
-          <p:cNvSpPr txBox="1"/>
-          <p:nvPr/>
-        </p:nvSpPr>
-        <p:spPr>
-          <a:xfrm>
-            <a:off x="836320" y="98490"/>
-            <a:ext cx="5463872" cy="646331"/>
-          </a:xfrm>
-          <a:prstGeom prst="rect">
-            <a:avLst/>
-          </a:prstGeom>
-          <a:noFill/>
-        </p:spPr>
-        <p:txBody>
-          <a:bodyPr wrap="square" rtlCol="0">
-            <a:spAutoFit/>
-          </a:bodyPr>
-          <a:lstStyle/>
-          <a:p>
-            <a:r>
-              <a:rPr lang="en-GB" sz="3600" dirty="0" smtClean="0"/>
-              <a:t>Earth Mover’s Distance</a:t>
-            </a:r>
-            <a:endParaRPr lang="en-GB" sz="3600" dirty="0"/>
-          </a:p>
-        </p:txBody>
-      </p:sp>
-      <p:sp>
-        <p:nvSpPr>
-          <p:cNvPr id="5" name="AutoShape 6" descr="Image result for earth mover's distance"/>
-          <p:cNvSpPr>
-            <a:spLocks noChangeAspect="1" noChangeArrowheads="1"/>
-          </p:cNvSpPr>
-          <p:nvPr/>
-        </p:nvSpPr>
-        <p:spPr bwMode="auto">
-          <a:xfrm>
-            <a:off x="155575" y="-144463"/>
-            <a:ext cx="304800" cy="304801"/>
-          </a:xfrm>
-          <a:prstGeom prst="rect">
-            <a:avLst/>
-          </a:prstGeom>
-          <a:noFill/>
-          <a:extLst>
-            <a:ext uri="{909E8E84-426E-40DD-AFC4-6F175D3DCCD1}">
-              <a14:hiddenFill xmlns:a14="http://schemas.microsoft.com/office/drawing/2010/main">
-                <a:solidFill>
-                  <a:srgbClr val="FFFFFF"/>
-                </a:solidFill>
-              </a14:hiddenFill>
-            </a:ext>
-          </a:extLst>
-        </p:spPr>
-        <p:txBody>
-          <a:bodyPr vert="horz" wrap="square" lIns="91440" tIns="45720" rIns="91440" bIns="45720" numCol="1" anchor="t" anchorCtr="0" compatLnSpc="1">
-            <a:prstTxWarp prst="textNoShape">
-              <a:avLst/>
-            </a:prstTxWarp>
-          </a:bodyPr>
-          <a:lstStyle/>
-          <a:p>
-            <a:endParaRPr lang="en-GB"/>
-          </a:p>
-        </p:txBody>
-      </p:sp>
-      <p:sp>
-        <p:nvSpPr>
-          <p:cNvPr id="7" name="AutoShape 8" descr="Image result for earth mover's distance"/>
-          <p:cNvSpPr>
-            <a:spLocks noChangeAspect="1" noChangeArrowheads="1"/>
-          </p:cNvSpPr>
-          <p:nvPr/>
-        </p:nvSpPr>
-        <p:spPr bwMode="auto">
-          <a:xfrm>
-            <a:off x="307975" y="7937"/>
-            <a:ext cx="304800" cy="304801"/>
-          </a:xfrm>
-          <a:prstGeom prst="rect">
-            <a:avLst/>
-          </a:prstGeom>
-          <a:noFill/>
-          <a:extLst>
-            <a:ext uri="{909E8E84-426E-40DD-AFC4-6F175D3DCCD1}">
-              <a14:hiddenFill xmlns:a14="http://schemas.microsoft.com/office/drawing/2010/main">
-                <a:solidFill>
-                  <a:srgbClr val="FFFFFF"/>
-                </a:solidFill>
-              </a14:hiddenFill>
-            </a:ext>
-          </a:extLst>
-        </p:spPr>
-        <p:txBody>
-          <a:bodyPr vert="horz" wrap="square" lIns="91440" tIns="45720" rIns="91440" bIns="45720" numCol="1" anchor="t" anchorCtr="0" compatLnSpc="1">
-            <a:prstTxWarp prst="textNoShape">
-              <a:avLst/>
-            </a:prstTxWarp>
-          </a:bodyPr>
-          <a:lstStyle/>
-          <a:p>
-            <a:endParaRPr lang="en-GB"/>
-          </a:p>
-        </p:txBody>
-      </p:sp>
-      <p:pic>
-        <p:nvPicPr>
-          <p:cNvPr id="2058" name="Picture 10" descr="Image result for earth mover's distance discrete"/>
-          <p:cNvPicPr>
-            <a:picLocks noChangeAspect="1" noChangeArrowheads="1"/>
-          </p:cNvPicPr>
-          <p:nvPr/>
-        </p:nvPicPr>
-        <p:blipFill>
-          <a:blip r:embed="rId2">
-            <a:extLst>
-              <a:ext uri="{28A0092B-C50C-407E-A947-70E740481C1C}">
-                <a14:useLocalDpi xmlns:a14="http://schemas.microsoft.com/office/drawing/2010/main" val="0"/>
-              </a:ext>
-            </a:extLst>
-          </a:blip>
-          <a:srcRect/>
-          <a:stretch>
-            <a:fillRect/>
-          </a:stretch>
-        </p:blipFill>
-        <p:spPr bwMode="auto">
-          <a:xfrm>
-            <a:off x="1152460" y="1562972"/>
-            <a:ext cx="7666212" cy="3825621"/>
-          </a:xfrm>
-          <a:prstGeom prst="rect">
-            <a:avLst/>
-          </a:prstGeom>
-          <a:noFill/>
-          <a:extLst>
-            <a:ext uri="{909E8E84-426E-40DD-AFC4-6F175D3DCCD1}">
-              <a14:hiddenFill xmlns:a14="http://schemas.microsoft.com/office/drawing/2010/main">
-                <a:solidFill>
-                  <a:srgbClr val="FFFFFF"/>
-                </a:solidFill>
-              </a14:hiddenFill>
-            </a:ext>
-          </a:extLst>
-        </p:spPr>
-      </p:pic>
-    </p:spTree>
-    <p:extLst>
-      <p:ext uri="{BB962C8B-B14F-4D97-AF65-F5344CB8AC3E}">
-        <p14:creationId xmlns:p14="http://schemas.microsoft.com/office/powerpoint/2010/main" val="2538870892"/>
-      </p:ext>
-    </p:extLst>
-  </p:cSld>
-  <p:clrMapOvr>
-    <a:masterClrMapping/>
-  </p:clrMapOvr>
-  <p:timing>
-    <p:tnLst>
-      <p:par>
-        <p:cTn id="1" dur="indefinite" restart="never" nodeType="tmRoot"/>
-      </p:par>
-    </p:tnLst>
+    <p:bldLst>
+      <p:bldP spid="10" grpId="0"/>
+      <p:bldP spid="4" grpId="0"/>
+    </p:bldLst>
   </p:timing>
 </p:sld>
 </file>
@@ -14924,665 +17799,416 @@
           <a:p>
             <a:r>
               <a:rPr lang="en-GB" sz="3600" dirty="0" smtClean="0"/>
-              <a:t>Transition Probability Matrix</a:t>
+              <a:t>Information</a:t>
             </a:r>
             <a:endParaRPr lang="en-GB" sz="3600" dirty="0"/>
           </a:p>
         </p:txBody>
       </p:sp>
-      <p:graphicFrame>
-        <p:nvGraphicFramePr>
-          <p:cNvPr id="6" name="Table 5"/>
-          <p:cNvGraphicFramePr>
-            <a:graphicFrameLocks noGrp="1"/>
-          </p:cNvGraphicFramePr>
-          <p:nvPr>
-            <p:extLst>
-              <p:ext uri="{D42A27DB-BD31-4B8C-83A1-F6EECF244321}">
-                <p14:modId xmlns:p14="http://schemas.microsoft.com/office/powerpoint/2010/main" val="2873364012"/>
-              </p:ext>
-            </p:extLst>
-          </p:nvPr>
-        </p:nvGraphicFramePr>
-        <p:xfrm>
-          <a:off x="6012160" y="1434224"/>
-          <a:ext cx="2709332" cy="3409568"/>
-        </p:xfrm>
-        <a:graphic>
-          <a:graphicData uri="http://schemas.openxmlformats.org/drawingml/2006/table">
-            <a:tbl>
-              <a:tblPr firstRow="1" bandRow="1">
-                <a:tableStyleId>{5C22544A-7EE6-4342-B048-85BDC9FD1C3A}</a:tableStyleId>
-              </a:tblPr>
-              <a:tblGrid>
-                <a:gridCol w="677333"/>
-                <a:gridCol w="677333"/>
-                <a:gridCol w="677333"/>
-                <a:gridCol w="677333"/>
-              </a:tblGrid>
-              <a:tr h="442848">
-                <a:tc>
-                  <a:txBody>
-                    <a:bodyPr/>
-                    <a:lstStyle/>
-                    <a:p>
-                      <a:r>
-                        <a:rPr lang="en-GB" dirty="0" smtClean="0"/>
-                        <a:t>State</a:t>
-                      </a:r>
-                      <a:endParaRPr lang="en-GB" dirty="0"/>
-                    </a:p>
-                  </a:txBody>
-                  <a:tcPr/>
-                </a:tc>
-                <a:tc>
-                  <a:txBody>
-                    <a:bodyPr/>
-                    <a:lstStyle/>
-                    <a:p>
-                      <a:r>
-                        <a:rPr lang="en-GB" dirty="0" smtClean="0"/>
-                        <a:t>A</a:t>
-                      </a:r>
-                      <a:endParaRPr lang="en-GB" dirty="0"/>
-                    </a:p>
-                  </a:txBody>
-                  <a:tcPr/>
-                </a:tc>
-                <a:tc>
-                  <a:txBody>
-                    <a:bodyPr/>
-                    <a:lstStyle/>
-                    <a:p>
-                      <a:r>
-                        <a:rPr lang="en-GB" dirty="0" smtClean="0"/>
-                        <a:t>B</a:t>
-                      </a:r>
-                      <a:endParaRPr lang="en-GB" dirty="0"/>
-                    </a:p>
-                  </a:txBody>
-                  <a:tcPr/>
-                </a:tc>
-                <a:tc>
-                  <a:txBody>
-                    <a:bodyPr/>
-                    <a:lstStyle/>
-                    <a:p>
-                      <a:r>
-                        <a:rPr lang="en-GB" dirty="0" smtClean="0"/>
-                        <a:t>C</a:t>
-                      </a:r>
-                      <a:endParaRPr lang="en-GB" dirty="0"/>
-                    </a:p>
-                  </a:txBody>
-                  <a:tcPr/>
-                </a:tc>
-              </a:tr>
-              <a:tr h="370840">
-                <a:tc>
-                  <a:txBody>
-                    <a:bodyPr/>
-                    <a:lstStyle/>
-                    <a:p>
-                      <a:r>
-                        <a:rPr lang="en-GB" b="1" dirty="0" smtClean="0">
-                          <a:solidFill>
-                            <a:schemeClr val="bg1"/>
-                          </a:solidFill>
-                        </a:rPr>
-                        <a:t>000</a:t>
-                      </a:r>
-                      <a:endParaRPr lang="en-GB" b="1" dirty="0">
-                        <a:solidFill>
-                          <a:schemeClr val="bg1"/>
-                        </a:solidFill>
-                      </a:endParaRPr>
-                    </a:p>
-                  </a:txBody>
-                  <a:tcPr>
-                    <a:solidFill>
-                      <a:schemeClr val="accent1"/>
-                    </a:solidFill>
-                  </a:tcPr>
-                </a:tc>
-                <a:tc>
-                  <a:txBody>
-                    <a:bodyPr/>
-                    <a:lstStyle/>
-                    <a:p>
-                      <a:r>
-                        <a:rPr lang="en-GB" dirty="0" smtClean="0"/>
-                        <a:t>0</a:t>
-                      </a:r>
-                    </a:p>
-                  </a:txBody>
-                  <a:tcPr/>
-                </a:tc>
-                <a:tc>
-                  <a:txBody>
-                    <a:bodyPr/>
-                    <a:lstStyle/>
-                    <a:p>
-                      <a:r>
-                        <a:rPr lang="en-GB" dirty="0" smtClean="0"/>
-                        <a:t>0</a:t>
-                      </a:r>
-                      <a:endParaRPr lang="en-GB" dirty="0"/>
-                    </a:p>
-                  </a:txBody>
-                  <a:tcPr/>
-                </a:tc>
-                <a:tc>
-                  <a:txBody>
-                    <a:bodyPr/>
-                    <a:lstStyle/>
-                    <a:p>
-                      <a:r>
-                        <a:rPr lang="en-GB" dirty="0" smtClean="0"/>
-                        <a:t>0</a:t>
-                      </a:r>
-                      <a:endParaRPr lang="en-GB" dirty="0"/>
-                    </a:p>
-                  </a:txBody>
-                  <a:tcPr/>
-                </a:tc>
-              </a:tr>
-              <a:tr h="370840">
-                <a:tc>
-                  <a:txBody>
-                    <a:bodyPr/>
-                    <a:lstStyle/>
-                    <a:p>
-                      <a:r>
-                        <a:rPr lang="en-GB" b="1" dirty="0" smtClean="0">
-                          <a:solidFill>
-                            <a:schemeClr val="bg1"/>
-                          </a:solidFill>
-                        </a:rPr>
-                        <a:t>100</a:t>
-                      </a:r>
-                      <a:endParaRPr lang="en-GB" b="1" dirty="0">
-                        <a:solidFill>
-                          <a:schemeClr val="bg1"/>
-                        </a:solidFill>
-                      </a:endParaRPr>
-                    </a:p>
-                  </a:txBody>
-                  <a:tcPr>
-                    <a:solidFill>
-                      <a:schemeClr val="accent1"/>
-                    </a:solidFill>
-                  </a:tcPr>
-                </a:tc>
-                <a:tc>
-                  <a:txBody>
-                    <a:bodyPr/>
-                    <a:lstStyle/>
-                    <a:p>
-                      <a:r>
-                        <a:rPr lang="en-GB" dirty="0" smtClean="0"/>
-                        <a:t>0</a:t>
-                      </a:r>
-                      <a:endParaRPr lang="en-GB" dirty="0"/>
-                    </a:p>
-                  </a:txBody>
-                  <a:tcPr/>
-                </a:tc>
-                <a:tc>
-                  <a:txBody>
-                    <a:bodyPr/>
-                    <a:lstStyle/>
-                    <a:p>
-                      <a:r>
-                        <a:rPr lang="en-GB" dirty="0" smtClean="0"/>
-                        <a:t>0</a:t>
-                      </a:r>
-                      <a:endParaRPr lang="en-GB" dirty="0"/>
-                    </a:p>
-                  </a:txBody>
-                  <a:tcPr/>
-                </a:tc>
-                <a:tc>
-                  <a:txBody>
-                    <a:bodyPr/>
-                    <a:lstStyle/>
-                    <a:p>
-                      <a:r>
-                        <a:rPr lang="en-GB" dirty="0" smtClean="0"/>
-                        <a:t>1</a:t>
-                      </a:r>
-                      <a:endParaRPr lang="en-GB" dirty="0"/>
-                    </a:p>
-                  </a:txBody>
-                  <a:tcPr/>
-                </a:tc>
-              </a:tr>
-              <a:tr h="370840">
-                <a:tc>
-                  <a:txBody>
-                    <a:bodyPr/>
-                    <a:lstStyle/>
-                    <a:p>
-                      <a:r>
-                        <a:rPr lang="en-GB" b="1" dirty="0" smtClean="0">
-                          <a:solidFill>
-                            <a:schemeClr val="bg1"/>
-                          </a:solidFill>
-                        </a:rPr>
-                        <a:t>010</a:t>
-                      </a:r>
-                      <a:endParaRPr lang="en-GB" b="1" dirty="0">
-                        <a:solidFill>
-                          <a:schemeClr val="bg1"/>
-                        </a:solidFill>
-                      </a:endParaRPr>
-                    </a:p>
-                  </a:txBody>
-                  <a:tcPr>
-                    <a:solidFill>
-                      <a:schemeClr val="accent1"/>
-                    </a:solidFill>
-                  </a:tcPr>
-                </a:tc>
-                <a:tc>
-                  <a:txBody>
-                    <a:bodyPr/>
-                    <a:lstStyle/>
-                    <a:p>
-                      <a:r>
-                        <a:rPr lang="en-GB" dirty="0" smtClean="0"/>
-                        <a:t>1</a:t>
-                      </a:r>
-                      <a:endParaRPr lang="en-GB" dirty="0"/>
-                    </a:p>
-                  </a:txBody>
-                  <a:tcPr/>
-                </a:tc>
-                <a:tc>
-                  <a:txBody>
-                    <a:bodyPr/>
-                    <a:lstStyle/>
-                    <a:p>
-                      <a:r>
-                        <a:rPr lang="en-GB" dirty="0" smtClean="0"/>
-                        <a:t>0</a:t>
-                      </a:r>
-                      <a:endParaRPr lang="en-GB" dirty="0"/>
-                    </a:p>
-                  </a:txBody>
-                  <a:tcPr/>
-                </a:tc>
-                <a:tc>
-                  <a:txBody>
-                    <a:bodyPr/>
-                    <a:lstStyle/>
-                    <a:p>
-                      <a:r>
-                        <a:rPr lang="en-GB" dirty="0" smtClean="0"/>
-                        <a:t>1</a:t>
-                      </a:r>
-                      <a:endParaRPr lang="en-GB" dirty="0"/>
-                    </a:p>
-                  </a:txBody>
-                  <a:tcPr/>
-                </a:tc>
-              </a:tr>
-              <a:tr h="370840">
-                <a:tc>
-                  <a:txBody>
-                    <a:bodyPr/>
-                    <a:lstStyle/>
-                    <a:p>
-                      <a:r>
-                        <a:rPr lang="en-GB" b="1" dirty="0" smtClean="0">
-                          <a:solidFill>
-                            <a:schemeClr val="bg1"/>
-                          </a:solidFill>
-                        </a:rPr>
-                        <a:t>110</a:t>
-                      </a:r>
-                      <a:endParaRPr lang="en-GB" b="1" dirty="0">
-                        <a:solidFill>
-                          <a:schemeClr val="bg1"/>
-                        </a:solidFill>
-                      </a:endParaRPr>
-                    </a:p>
-                  </a:txBody>
-                  <a:tcPr>
-                    <a:solidFill>
-                      <a:schemeClr val="accent1"/>
-                    </a:solidFill>
-                  </a:tcPr>
-                </a:tc>
-                <a:tc>
-                  <a:txBody>
-                    <a:bodyPr/>
-                    <a:lstStyle/>
-                    <a:p>
-                      <a:r>
-                        <a:rPr lang="en-GB" dirty="0" smtClean="0"/>
-                        <a:t>1</a:t>
-                      </a:r>
-                      <a:endParaRPr lang="en-GB" dirty="0"/>
-                    </a:p>
-                  </a:txBody>
-                  <a:tcPr/>
-                </a:tc>
-                <a:tc>
-                  <a:txBody>
-                    <a:bodyPr/>
-                    <a:lstStyle/>
-                    <a:p>
-                      <a:r>
-                        <a:rPr lang="en-GB" dirty="0" smtClean="0"/>
-                        <a:t>0</a:t>
-                      </a:r>
-                      <a:endParaRPr lang="en-GB" dirty="0"/>
-                    </a:p>
-                  </a:txBody>
-                  <a:tcPr/>
-                </a:tc>
-                <a:tc>
-                  <a:txBody>
-                    <a:bodyPr/>
-                    <a:lstStyle/>
-                    <a:p>
-                      <a:r>
-                        <a:rPr lang="en-GB" dirty="0" smtClean="0"/>
-                        <a:t>0</a:t>
-                      </a:r>
-                      <a:endParaRPr lang="en-GB" dirty="0"/>
-                    </a:p>
-                  </a:txBody>
-                  <a:tcPr/>
-                </a:tc>
-              </a:tr>
-              <a:tr h="370840">
-                <a:tc>
-                  <a:txBody>
-                    <a:bodyPr/>
-                    <a:lstStyle/>
-                    <a:p>
-                      <a:r>
-                        <a:rPr lang="en-GB" b="1" dirty="0" smtClean="0">
-                          <a:solidFill>
-                            <a:schemeClr val="bg1"/>
-                          </a:solidFill>
-                        </a:rPr>
-                        <a:t>001</a:t>
-                      </a:r>
-                      <a:endParaRPr lang="en-GB" b="1" dirty="0">
-                        <a:solidFill>
-                          <a:schemeClr val="bg1"/>
-                        </a:solidFill>
-                      </a:endParaRPr>
-                    </a:p>
-                  </a:txBody>
-                  <a:tcPr>
-                    <a:solidFill>
-                      <a:schemeClr val="accent1"/>
-                    </a:solidFill>
-                  </a:tcPr>
-                </a:tc>
-                <a:tc>
-                  <a:txBody>
-                    <a:bodyPr/>
-                    <a:lstStyle/>
-                    <a:p>
-                      <a:r>
-                        <a:rPr lang="en-GB" dirty="0" smtClean="0"/>
-                        <a:t>1</a:t>
-                      </a:r>
-                      <a:endParaRPr lang="en-GB" dirty="0"/>
-                    </a:p>
-                  </a:txBody>
-                  <a:tcPr/>
-                </a:tc>
-                <a:tc>
-                  <a:txBody>
-                    <a:bodyPr/>
-                    <a:lstStyle/>
-                    <a:p>
-                      <a:r>
-                        <a:rPr lang="en-GB" dirty="0" smtClean="0"/>
-                        <a:t>0</a:t>
-                      </a:r>
-                      <a:endParaRPr lang="en-GB" dirty="0"/>
-                    </a:p>
-                  </a:txBody>
-                  <a:tcPr/>
-                </a:tc>
-                <a:tc>
-                  <a:txBody>
-                    <a:bodyPr/>
-                    <a:lstStyle/>
-                    <a:p>
-                      <a:r>
-                        <a:rPr lang="en-GB" dirty="0" smtClean="0"/>
-                        <a:t>0</a:t>
-                      </a:r>
-                      <a:endParaRPr lang="en-GB" dirty="0"/>
-                    </a:p>
-                  </a:txBody>
-                  <a:tcPr/>
-                </a:tc>
-              </a:tr>
-              <a:tr h="370840">
-                <a:tc>
-                  <a:txBody>
-                    <a:bodyPr/>
-                    <a:lstStyle/>
-                    <a:p>
-                      <a:r>
-                        <a:rPr lang="en-GB" b="1" dirty="0" smtClean="0">
-                          <a:solidFill>
-                            <a:schemeClr val="bg1"/>
-                          </a:solidFill>
-                        </a:rPr>
-                        <a:t>101</a:t>
-                      </a:r>
-                      <a:endParaRPr lang="en-GB" b="1" dirty="0">
-                        <a:solidFill>
-                          <a:schemeClr val="bg1"/>
-                        </a:solidFill>
-                      </a:endParaRPr>
-                    </a:p>
-                  </a:txBody>
-                  <a:tcPr>
-                    <a:solidFill>
-                      <a:schemeClr val="accent1"/>
-                    </a:solidFill>
-                  </a:tcPr>
-                </a:tc>
-                <a:tc>
-                  <a:txBody>
-                    <a:bodyPr/>
-                    <a:lstStyle/>
-                    <a:p>
-                      <a:r>
-                        <a:rPr lang="en-GB" dirty="0" smtClean="0"/>
-                        <a:t>1</a:t>
-                      </a:r>
-                      <a:endParaRPr lang="en-GB" dirty="0"/>
-                    </a:p>
-                  </a:txBody>
-                  <a:tcPr/>
-                </a:tc>
-                <a:tc>
-                  <a:txBody>
-                    <a:bodyPr/>
-                    <a:lstStyle/>
-                    <a:p>
-                      <a:r>
-                        <a:rPr lang="en-GB" dirty="0" smtClean="0"/>
-                        <a:t>1</a:t>
-                      </a:r>
-                      <a:endParaRPr lang="en-GB" dirty="0"/>
-                    </a:p>
-                  </a:txBody>
-                  <a:tcPr/>
-                </a:tc>
-                <a:tc>
-                  <a:txBody>
-                    <a:bodyPr/>
-                    <a:lstStyle/>
-                    <a:p>
-                      <a:r>
-                        <a:rPr lang="en-GB" dirty="0" smtClean="0"/>
-                        <a:t>1</a:t>
-                      </a:r>
-                      <a:endParaRPr lang="en-GB" dirty="0"/>
-                    </a:p>
-                  </a:txBody>
-                  <a:tcPr/>
-                </a:tc>
-              </a:tr>
-              <a:tr h="370840">
-                <a:tc>
-                  <a:txBody>
-                    <a:bodyPr/>
-                    <a:lstStyle/>
-                    <a:p>
-                      <a:r>
-                        <a:rPr lang="en-GB" b="1" dirty="0" smtClean="0">
-                          <a:solidFill>
-                            <a:schemeClr val="bg1"/>
-                          </a:solidFill>
-                        </a:rPr>
-                        <a:t>011</a:t>
-                      </a:r>
-                    </a:p>
-                  </a:txBody>
-                  <a:tcPr>
-                    <a:solidFill>
-                      <a:schemeClr val="accent1"/>
-                    </a:solidFill>
-                  </a:tcPr>
-                </a:tc>
-                <a:tc>
-                  <a:txBody>
-                    <a:bodyPr/>
-                    <a:lstStyle/>
-                    <a:p>
-                      <a:r>
-                        <a:rPr lang="en-GB" dirty="0" smtClean="0"/>
-                        <a:t>1</a:t>
-                      </a:r>
-                      <a:endParaRPr lang="en-GB" dirty="0"/>
-                    </a:p>
-                  </a:txBody>
-                  <a:tcPr/>
-                </a:tc>
-                <a:tc>
-                  <a:txBody>
-                    <a:bodyPr/>
-                    <a:lstStyle/>
-                    <a:p>
-                      <a:r>
-                        <a:rPr lang="en-GB" dirty="0" smtClean="0"/>
-                        <a:t>0</a:t>
-                      </a:r>
-                      <a:endParaRPr lang="en-GB" dirty="0"/>
-                    </a:p>
-                  </a:txBody>
-                  <a:tcPr/>
-                </a:tc>
-                <a:tc>
-                  <a:txBody>
-                    <a:bodyPr/>
-                    <a:lstStyle/>
-                    <a:p>
-                      <a:r>
-                        <a:rPr lang="en-GB" dirty="0" smtClean="0"/>
-                        <a:t>1</a:t>
-                      </a:r>
-                      <a:endParaRPr lang="en-GB" dirty="0"/>
-                    </a:p>
-                  </a:txBody>
-                  <a:tcPr/>
-                </a:tc>
-              </a:tr>
-              <a:tr h="370840">
-                <a:tc>
-                  <a:txBody>
-                    <a:bodyPr/>
-                    <a:lstStyle/>
-                    <a:p>
-                      <a:r>
-                        <a:rPr lang="en-GB" b="1" dirty="0" smtClean="0">
-                          <a:solidFill>
-                            <a:schemeClr val="bg1"/>
-                          </a:solidFill>
-                        </a:rPr>
-                        <a:t>111</a:t>
-                      </a:r>
-                    </a:p>
-                  </a:txBody>
-                  <a:tcPr>
-                    <a:solidFill>
-                      <a:schemeClr val="accent1"/>
-                    </a:solidFill>
-                  </a:tcPr>
-                </a:tc>
-                <a:tc>
-                  <a:txBody>
-                    <a:bodyPr/>
-                    <a:lstStyle/>
-                    <a:p>
-                      <a:r>
-                        <a:rPr lang="en-GB" dirty="0" smtClean="0"/>
-                        <a:t>1</a:t>
-                      </a:r>
-                      <a:endParaRPr lang="en-GB" dirty="0"/>
-                    </a:p>
-                  </a:txBody>
-                  <a:tcPr/>
-                </a:tc>
-                <a:tc>
-                  <a:txBody>
-                    <a:bodyPr/>
-                    <a:lstStyle/>
-                    <a:p>
-                      <a:r>
-                        <a:rPr lang="en-GB" dirty="0" smtClean="0"/>
-                        <a:t>1</a:t>
-                      </a:r>
-                      <a:endParaRPr lang="en-GB" dirty="0"/>
-                    </a:p>
-                  </a:txBody>
-                  <a:tcPr/>
-                </a:tc>
-                <a:tc>
-                  <a:txBody>
-                    <a:bodyPr/>
-                    <a:lstStyle/>
-                    <a:p>
-                      <a:r>
-                        <a:rPr lang="en-GB" dirty="0" smtClean="0"/>
-                        <a:t>0</a:t>
-                      </a:r>
-                      <a:endParaRPr lang="en-GB" dirty="0"/>
-                    </a:p>
-                  </a:txBody>
-                  <a:tcPr/>
-                </a:tc>
-              </a:tr>
-            </a:tbl>
-          </a:graphicData>
-        </a:graphic>
-      </p:graphicFrame>
+      <p:sp>
+        <p:nvSpPr>
+          <p:cNvPr id="5" name="Oval 4"/>
+          <p:cNvSpPr/>
+          <p:nvPr/>
+        </p:nvSpPr>
+        <p:spPr>
+          <a:xfrm>
+            <a:off x="1772072" y="1340768"/>
+            <a:ext cx="2592288" cy="1224136"/>
+          </a:xfrm>
+          <a:prstGeom prst="ellipse">
+            <a:avLst/>
+          </a:prstGeom>
+          <a:solidFill>
+            <a:schemeClr val="accent5">
+              <a:lumMod val="40000"/>
+              <a:lumOff val="60000"/>
+            </a:schemeClr>
+          </a:solidFill>
+        </p:spPr>
+        <p:style>
+          <a:lnRef idx="2">
+            <a:schemeClr val="accent1">
+              <a:shade val="50000"/>
+            </a:schemeClr>
+          </a:lnRef>
+          <a:fillRef idx="1">
+            <a:schemeClr val="accent1"/>
+          </a:fillRef>
+          <a:effectRef idx="0">
+            <a:schemeClr val="accent1"/>
+          </a:effectRef>
+          <a:fontRef idx="minor">
+            <a:schemeClr val="lt1"/>
+          </a:fontRef>
+        </p:style>
+        <p:txBody>
+          <a:bodyPr rtlCol="0" anchor="ctr"/>
+          <a:lstStyle/>
+          <a:p>
+            <a:pPr algn="ctr"/>
+            <a:r>
+              <a:rPr lang="en-GB" dirty="0" smtClean="0">
+                <a:solidFill>
+                  <a:schemeClr val="tx1"/>
+                </a:solidFill>
+              </a:rPr>
+              <a:t>Unconstrained Present</a:t>
+            </a:r>
+            <a:endParaRPr lang="en-GB" dirty="0">
+              <a:solidFill>
+                <a:schemeClr val="tx1"/>
+              </a:solidFill>
+            </a:endParaRPr>
+          </a:p>
+        </p:txBody>
+      </p:sp>
+      <p:sp>
+        <p:nvSpPr>
+          <p:cNvPr id="8" name="Oval 7"/>
+          <p:cNvSpPr/>
+          <p:nvPr/>
+        </p:nvSpPr>
+        <p:spPr>
+          <a:xfrm>
+            <a:off x="4860032" y="1340768"/>
+            <a:ext cx="2592288" cy="1224136"/>
+          </a:xfrm>
+          <a:prstGeom prst="ellipse">
+            <a:avLst/>
+          </a:prstGeom>
+          <a:solidFill>
+            <a:schemeClr val="accent5">
+              <a:lumMod val="40000"/>
+              <a:lumOff val="60000"/>
+            </a:schemeClr>
+          </a:solidFill>
+        </p:spPr>
+        <p:style>
+          <a:lnRef idx="2">
+            <a:schemeClr val="accent1">
+              <a:shade val="50000"/>
+            </a:schemeClr>
+          </a:lnRef>
+          <a:fillRef idx="1">
+            <a:schemeClr val="accent1"/>
+          </a:fillRef>
+          <a:effectRef idx="0">
+            <a:schemeClr val="accent1"/>
+          </a:effectRef>
+          <a:fontRef idx="minor">
+            <a:schemeClr val="lt1"/>
+          </a:fontRef>
+        </p:style>
+        <p:txBody>
+          <a:bodyPr rtlCol="0" anchor="ctr"/>
+          <a:lstStyle/>
+          <a:p>
+            <a:pPr algn="ctr"/>
+            <a:r>
+              <a:rPr lang="en-GB" dirty="0" smtClean="0">
+                <a:solidFill>
+                  <a:schemeClr val="tx1"/>
+                </a:solidFill>
+              </a:rPr>
+              <a:t>Known Present State</a:t>
+            </a:r>
+            <a:endParaRPr lang="en-GB" dirty="0">
+              <a:solidFill>
+                <a:schemeClr val="tx1"/>
+              </a:solidFill>
+            </a:endParaRPr>
+          </a:p>
+        </p:txBody>
+      </p:sp>
+      <p:sp>
+        <p:nvSpPr>
+          <p:cNvPr id="9" name="Oval 8"/>
+          <p:cNvSpPr/>
+          <p:nvPr/>
+        </p:nvSpPr>
+        <p:spPr>
+          <a:xfrm>
+            <a:off x="975968" y="3140968"/>
+            <a:ext cx="2592288" cy="1224136"/>
+          </a:xfrm>
+          <a:prstGeom prst="ellipse">
+            <a:avLst/>
+          </a:prstGeom>
+          <a:solidFill>
+            <a:schemeClr val="accent5">
+              <a:lumMod val="40000"/>
+              <a:lumOff val="60000"/>
+            </a:schemeClr>
+          </a:solidFill>
+        </p:spPr>
+        <p:style>
+          <a:lnRef idx="2">
+            <a:schemeClr val="accent1">
+              <a:shade val="50000"/>
+            </a:schemeClr>
+          </a:lnRef>
+          <a:fillRef idx="1">
+            <a:schemeClr val="accent1"/>
+          </a:fillRef>
+          <a:effectRef idx="0">
+            <a:schemeClr val="accent1"/>
+          </a:effectRef>
+          <a:fontRef idx="minor">
+            <a:schemeClr val="lt1"/>
+          </a:fontRef>
+        </p:style>
+        <p:txBody>
+          <a:bodyPr rtlCol="0" anchor="ctr"/>
+          <a:lstStyle/>
+          <a:p>
+            <a:pPr algn="ctr"/>
+            <a:r>
+              <a:rPr lang="en-GB" dirty="0" smtClean="0">
+                <a:solidFill>
+                  <a:schemeClr val="tx1"/>
+                </a:solidFill>
+              </a:rPr>
+              <a:t>Unconstrained Future</a:t>
+            </a:r>
+            <a:endParaRPr lang="en-GB" dirty="0">
+              <a:solidFill>
+                <a:schemeClr val="tx1"/>
+              </a:solidFill>
+            </a:endParaRPr>
+          </a:p>
+        </p:txBody>
+      </p:sp>
+      <p:sp>
+        <p:nvSpPr>
+          <p:cNvPr id="11" name="Oval 10"/>
+          <p:cNvSpPr/>
+          <p:nvPr/>
+        </p:nvSpPr>
+        <p:spPr>
+          <a:xfrm>
+            <a:off x="5868144" y="3140968"/>
+            <a:ext cx="2592288" cy="1224136"/>
+          </a:xfrm>
+          <a:prstGeom prst="ellipse">
+            <a:avLst/>
+          </a:prstGeom>
+          <a:solidFill>
+            <a:schemeClr val="accent5">
+              <a:lumMod val="40000"/>
+              <a:lumOff val="60000"/>
+            </a:schemeClr>
+          </a:solidFill>
+        </p:spPr>
+        <p:style>
+          <a:lnRef idx="2">
+            <a:schemeClr val="accent1">
+              <a:shade val="50000"/>
+            </a:schemeClr>
+          </a:lnRef>
+          <a:fillRef idx="1">
+            <a:schemeClr val="accent1"/>
+          </a:fillRef>
+          <a:effectRef idx="0">
+            <a:schemeClr val="accent1"/>
+          </a:effectRef>
+          <a:fontRef idx="minor">
+            <a:schemeClr val="lt1"/>
+          </a:fontRef>
+        </p:style>
+        <p:txBody>
+          <a:bodyPr rtlCol="0" anchor="ctr"/>
+          <a:lstStyle/>
+          <a:p>
+            <a:pPr algn="ctr"/>
+            <a:r>
+              <a:rPr lang="en-GB" dirty="0" smtClean="0">
+                <a:solidFill>
+                  <a:schemeClr val="tx1"/>
+                </a:solidFill>
+              </a:rPr>
+              <a:t>Effect Repertoire</a:t>
+            </a:r>
+            <a:endParaRPr lang="en-GB" dirty="0">
+              <a:solidFill>
+                <a:schemeClr val="tx1"/>
+              </a:solidFill>
+            </a:endParaRPr>
+          </a:p>
+        </p:txBody>
+      </p:sp>
+      <p:sp>
+        <p:nvSpPr>
+          <p:cNvPr id="7" name="Right Arrow 6"/>
+          <p:cNvSpPr/>
+          <p:nvPr/>
+        </p:nvSpPr>
+        <p:spPr>
+          <a:xfrm rot="5961522">
+            <a:off x="2436836" y="2758329"/>
+            <a:ext cx="398228" cy="216024"/>
+          </a:xfrm>
+          <a:prstGeom prst="rightArrow">
+            <a:avLst/>
+          </a:prstGeom>
+        </p:spPr>
+        <p:style>
+          <a:lnRef idx="2">
+            <a:schemeClr val="accent1">
+              <a:shade val="50000"/>
+            </a:schemeClr>
+          </a:lnRef>
+          <a:fillRef idx="1">
+            <a:schemeClr val="accent1"/>
+          </a:fillRef>
+          <a:effectRef idx="0">
+            <a:schemeClr val="accent1"/>
+          </a:effectRef>
+          <a:fontRef idx="minor">
+            <a:schemeClr val="lt1"/>
+          </a:fontRef>
+        </p:style>
+        <p:txBody>
+          <a:bodyPr rtlCol="0" anchor="ctr"/>
+          <a:lstStyle/>
+          <a:p>
+            <a:pPr algn="ctr"/>
+            <a:endParaRPr lang="en-GB"/>
+          </a:p>
+        </p:txBody>
+      </p:sp>
+      <p:sp>
+        <p:nvSpPr>
+          <p:cNvPr id="12" name="Right Arrow 11"/>
+          <p:cNvSpPr/>
+          <p:nvPr/>
+        </p:nvSpPr>
+        <p:spPr>
+          <a:xfrm rot="4858820">
+            <a:off x="6527002" y="2757886"/>
+            <a:ext cx="398228" cy="216024"/>
+          </a:xfrm>
+          <a:prstGeom prst="rightArrow">
+            <a:avLst/>
+          </a:prstGeom>
+        </p:spPr>
+        <p:style>
+          <a:lnRef idx="2">
+            <a:schemeClr val="accent1">
+              <a:shade val="50000"/>
+            </a:schemeClr>
+          </a:lnRef>
+          <a:fillRef idx="1">
+            <a:schemeClr val="accent1"/>
+          </a:fillRef>
+          <a:effectRef idx="0">
+            <a:schemeClr val="accent1"/>
+          </a:effectRef>
+          <a:fontRef idx="minor">
+            <a:schemeClr val="lt1"/>
+          </a:fontRef>
+        </p:style>
+        <p:txBody>
+          <a:bodyPr rtlCol="0" anchor="ctr"/>
+          <a:lstStyle/>
+          <a:p>
+            <a:pPr algn="ctr"/>
+            <a:endParaRPr lang="en-GB"/>
+          </a:p>
+        </p:txBody>
+      </p:sp>
+      <p:sp>
+        <p:nvSpPr>
+          <p:cNvPr id="13" name="Right Arrow 12"/>
+          <p:cNvSpPr/>
+          <p:nvPr/>
+        </p:nvSpPr>
+        <p:spPr>
+          <a:xfrm>
+            <a:off x="4499992" y="1844824"/>
+            <a:ext cx="266060" cy="216024"/>
+          </a:xfrm>
+          <a:prstGeom prst="rightArrow">
+            <a:avLst/>
+          </a:prstGeom>
+        </p:spPr>
+        <p:style>
+          <a:lnRef idx="2">
+            <a:schemeClr val="accent1">
+              <a:shade val="50000"/>
+            </a:schemeClr>
+          </a:lnRef>
+          <a:fillRef idx="1">
+            <a:schemeClr val="accent1"/>
+          </a:fillRef>
+          <a:effectRef idx="0">
+            <a:schemeClr val="accent1"/>
+          </a:effectRef>
+          <a:fontRef idx="minor">
+            <a:schemeClr val="lt1"/>
+          </a:fontRef>
+        </p:style>
+        <p:txBody>
+          <a:bodyPr rtlCol="0" anchor="ctr"/>
+          <a:lstStyle/>
+          <a:p>
+            <a:pPr algn="ctr"/>
+            <a:endParaRPr lang="en-GB"/>
+          </a:p>
+        </p:txBody>
+      </p:sp>
+      <p:sp>
+        <p:nvSpPr>
+          <p:cNvPr id="14" name="Left-Right Arrow 13"/>
+          <p:cNvSpPr/>
+          <p:nvPr/>
+        </p:nvSpPr>
+        <p:spPr>
+          <a:xfrm>
+            <a:off x="2272112" y="4581128"/>
+            <a:ext cx="5036192" cy="288032"/>
+          </a:xfrm>
+          <a:prstGeom prst="leftRightArrow">
+            <a:avLst/>
+          </a:prstGeom>
+        </p:spPr>
+        <p:style>
+          <a:lnRef idx="2">
+            <a:schemeClr val="accent1">
+              <a:shade val="50000"/>
+            </a:schemeClr>
+          </a:lnRef>
+          <a:fillRef idx="1">
+            <a:schemeClr val="accent1"/>
+          </a:fillRef>
+          <a:effectRef idx="0">
+            <a:schemeClr val="accent1"/>
+          </a:effectRef>
+          <a:fontRef idx="minor">
+            <a:schemeClr val="lt1"/>
+          </a:fontRef>
+        </p:style>
+        <p:txBody>
+          <a:bodyPr rtlCol="0" anchor="ctr"/>
+          <a:lstStyle/>
+          <a:p>
+            <a:pPr algn="ctr"/>
+            <a:endParaRPr lang="en-GB"/>
+          </a:p>
+        </p:txBody>
+      </p:sp>
       <mc:AlternateContent xmlns:mc="http://schemas.openxmlformats.org/markup-compatibility/2006">
         <mc:Choice xmlns:a14="http://schemas.microsoft.com/office/drawing/2010/main" Requires="a14">
           <p:sp>
             <p:nvSpPr>
-              <p:cNvPr id="10" name="TextBox 9"/>
+              <p:cNvPr id="15" name="TextBox 14"/>
               <p:cNvSpPr txBox="1"/>
               <p:nvPr/>
             </p:nvSpPr>
             <p:spPr>
               <a:xfrm>
-                <a:off x="971599" y="3606684"/>
-                <a:ext cx="4245393" cy="595612"/>
+                <a:off x="1508153" y="5229200"/>
+                <a:ext cx="6703758" cy="737189"/>
               </a:xfrm>
               <a:prstGeom prst="rect">
                 <a:avLst/>
@@ -15601,187 +18227,235 @@
                       <m:jc m:val="centerGroup"/>
                     </m:oMathParaPr>
                     <m:oMath xmlns:m="http://schemas.openxmlformats.org/officeDocument/2006/math">
-                      <m:sSub>
-                        <m:sSubPr>
+                      <m:r>
+                        <a:rPr lang="en-GB" sz="2800" b="0" i="1" smtClean="0">
+                          <a:latin typeface="Cambria Math"/>
+                        </a:rPr>
+                        <m:t>𝑒𝑖</m:t>
+                      </m:r>
+                      <m:d>
+                        <m:dPr>
                           <m:ctrlPr>
-                            <a:rPr lang="en-GB" sz="2800" i="1" smtClean="0">
-                              <a:latin typeface="Cambria Math" pitchFamily="18" charset="0"/>
-                              <a:ea typeface="Cambria Math" pitchFamily="18" charset="0"/>
+                            <a:rPr lang="en-GB" sz="2800" b="0" i="1" smtClean="0">
+                              <a:latin typeface="Cambria Math"/>
                             </a:rPr>
                           </m:ctrlPr>
-                        </m:sSubPr>
+                        </m:dPr>
                         <m:e>
-                          <m:acc>
-                            <m:accPr>
-                              <m:chr m:val="̃"/>
+                          <m:sSup>
+                            <m:sSupPr>
                               <m:ctrlPr>
-                                <a:rPr lang="en-GB" sz="2800" i="1" smtClean="0">
-                                  <a:latin typeface="Cambria Math" pitchFamily="18" charset="0"/>
-                                  <a:ea typeface="Cambria Math" pitchFamily="18" charset="0"/>
+                                <a:rPr lang="en-GB" sz="2800" b="0" i="1" smtClean="0">
+                                  <a:latin typeface="Cambria Math"/>
                                 </a:rPr>
                               </m:ctrlPr>
-                            </m:accPr>
+                            </m:sSupPr>
                             <m:e>
                               <m:r>
                                 <a:rPr lang="en-GB" sz="2800" b="0" i="1" smtClean="0">
-                                  <a:latin typeface="Cambria Math" pitchFamily="18" charset="0"/>
-                                  <a:ea typeface="Cambria Math" pitchFamily="18" charset="0"/>
+                                  <a:latin typeface="Cambria Math"/>
                                 </a:rPr>
-                                <m:t>𝑇</m:t>
+                                <m:t>𝐺</m:t>
                               </m:r>
                             </m:e>
-                          </m:acc>
-                        </m:e>
-                        <m:sub>
+                            <m:sup>
+                              <m:r>
+                                <a:rPr lang="en-GB" sz="2800" b="0" i="1" smtClean="0">
+                                  <a:latin typeface="Cambria Math"/>
+                                </a:rPr>
+                                <m:t>𝑐</m:t>
+                              </m:r>
+                            </m:sup>
+                          </m:sSup>
                           <m:r>
                             <a:rPr lang="en-GB" sz="2800" b="0" i="1" smtClean="0">
-                              <a:latin typeface="Cambria Math" pitchFamily="18" charset="0"/>
-                              <a:ea typeface="Cambria Math" pitchFamily="18" charset="0"/>
+                              <a:latin typeface="Cambria Math"/>
                             </a:rPr>
-                            <m:t>𝑖𝑗</m:t>
+                            <m:t>=</m:t>
                           </m:r>
-                        </m:sub>
-                      </m:sSub>
+                          <m:r>
+                            <a:rPr lang="en-GB" sz="2800" b="0" i="1" smtClean="0">
+                              <a:latin typeface="Cambria Math"/>
+                            </a:rPr>
+                            <m:t>𝑋</m:t>
+                          </m:r>
+                        </m:e>
+                      </m:d>
                       <m:r>
                         <a:rPr lang="en-GB" sz="2800" b="0" i="1" smtClean="0">
-                          <a:latin typeface="Cambria Math" pitchFamily="18" charset="0"/>
-                          <a:ea typeface="Cambria Math" pitchFamily="18" charset="0"/>
+                          <a:latin typeface="Cambria Math"/>
                         </a:rPr>
                         <m:t>=</m:t>
                       </m:r>
                       <m:r>
                         <a:rPr lang="en-GB" sz="2800" b="0" i="1" smtClean="0">
-                          <a:latin typeface="Cambria Math" pitchFamily="18" charset="0"/>
-                          <a:ea typeface="Cambria Math" pitchFamily="18" charset="0"/>
+                          <a:latin typeface="Cambria Math"/>
                         </a:rPr>
-                        <m:t>𝑃</m:t>
+                        <m:t>𝐷</m:t>
                       </m:r>
-                      <m:r>
-                        <a:rPr lang="en-GB" sz="2800" b="0" i="1" smtClean="0">
-                          <a:latin typeface="Cambria Math" pitchFamily="18" charset="0"/>
-                          <a:ea typeface="Cambria Math" pitchFamily="18" charset="0"/>
-                        </a:rPr>
-                        <m:t>(</m:t>
-                      </m:r>
-                      <m:sSup>
-                        <m:sSupPr>
+                      <m:d>
+                        <m:dPr>
                           <m:ctrlPr>
-                            <a:rPr lang="en-GB" sz="2800" i="1">
-                              <a:latin typeface="Cambria Math" pitchFamily="18" charset="0"/>
-                              <a:ea typeface="Cambria Math" pitchFamily="18" charset="0"/>
+                            <a:rPr lang="en-GB" sz="2800" b="0" i="1" smtClean="0">
+                              <a:latin typeface="Cambria Math"/>
                             </a:rPr>
                           </m:ctrlPr>
-                        </m:sSupPr>
+                        </m:dPr>
                         <m:e>
-                          <m:sSub>
-                            <m:sSubPr>
+                          <m:r>
+                            <a:rPr lang="en-GB" sz="2800" i="1">
+                              <a:latin typeface="Cambria Math"/>
+                            </a:rPr>
+                            <m:t>𝑝</m:t>
+                          </m:r>
+                          <m:d>
+                            <m:dPr>
                               <m:ctrlPr>
                                 <a:rPr lang="en-GB" sz="2800" i="1">
-                                  <a:latin typeface="Cambria Math" pitchFamily="18" charset="0"/>
-                                  <a:ea typeface="Cambria Math" pitchFamily="18" charset="0"/>
+                                  <a:latin typeface="Cambria Math"/>
                                 </a:rPr>
                               </m:ctrlPr>
-                            </m:sSubPr>
+                            </m:dPr>
+                            <m:e>
+                              <m:sSup>
+                                <m:sSupPr>
+                                  <m:ctrlPr>
+                                    <a:rPr lang="en-GB" sz="2800" i="1">
+                                      <a:latin typeface="Cambria Math"/>
+                                    </a:rPr>
+                                  </m:ctrlPr>
+                                </m:sSupPr>
+                                <m:e>
+                                  <m:r>
+                                    <a:rPr lang="en-GB" sz="2800" i="1">
+                                      <a:latin typeface="Cambria Math"/>
+                                    </a:rPr>
+                                    <m:t>𝐺</m:t>
+                                  </m:r>
+                                </m:e>
+                                <m:sup>
+                                  <m:r>
+                                    <a:rPr lang="en-GB" sz="2800" i="1">
+                                      <a:latin typeface="Cambria Math"/>
+                                    </a:rPr>
+                                    <m:t>𝑓</m:t>
+                                  </m:r>
+                                </m:sup>
+                              </m:sSup>
+                            </m:e>
+                            <m:e>
+                              <m:sSup>
+                                <m:sSupPr>
+                                  <m:ctrlPr>
+                                    <a:rPr lang="en-GB" sz="2800" i="1">
+                                      <a:latin typeface="Cambria Math"/>
+                                    </a:rPr>
+                                  </m:ctrlPr>
+                                </m:sSupPr>
+                                <m:e>
+                                  <m:r>
+                                    <a:rPr lang="en-GB" sz="2800" i="1">
+                                      <a:latin typeface="Cambria Math"/>
+                                    </a:rPr>
+                                    <m:t>𝐺</m:t>
+                                  </m:r>
+                                </m:e>
+                                <m:sup>
+                                  <m:r>
+                                    <a:rPr lang="en-GB" sz="2800" i="1">
+                                      <a:latin typeface="Cambria Math"/>
+                                    </a:rPr>
+                                    <m:t>𝑐</m:t>
+                                  </m:r>
+                                </m:sup>
+                              </m:sSup>
+                              <m:r>
+                                <a:rPr lang="en-GB" sz="2800" i="1">
+                                  <a:latin typeface="Cambria Math"/>
+                                </a:rPr>
+                                <m:t>=</m:t>
+                              </m:r>
+                              <m:r>
+                                <a:rPr lang="en-GB" sz="2800" i="1">
+                                  <a:latin typeface="Cambria Math"/>
+                                </a:rPr>
+                                <m:t>𝑋</m:t>
+                              </m:r>
+                            </m:e>
+                          </m:d>
+                          <m:r>
+                            <a:rPr lang="en-GB" sz="2800" i="1">
+                              <a:latin typeface="Cambria Math"/>
+                            </a:rPr>
+                            <m:t>, </m:t>
+                          </m:r>
+                          <m:sSup>
+                            <m:sSupPr>
+                              <m:ctrlPr>
+                                <a:rPr lang="en-GB" sz="2800" i="1">
+                                  <a:latin typeface="Cambria Math"/>
+                                </a:rPr>
+                              </m:ctrlPr>
+                            </m:sSupPr>
                             <m:e>
                               <m:r>
                                 <a:rPr lang="en-GB" sz="2800" i="1">
-                                  <a:latin typeface="Cambria Math" pitchFamily="18" charset="0"/>
-                                  <a:ea typeface="Cambria Math" pitchFamily="18" charset="0"/>
+                                  <a:latin typeface="Cambria Math"/>
                                 </a:rPr>
-                                <m:t>𝐺</m:t>
+                                <m:t>𝑝</m:t>
                               </m:r>
                             </m:e>
-                            <m:sub>
+                            <m:sup>
                               <m:r>
                                 <a:rPr lang="en-GB" sz="2800" i="1">
-                                  <a:latin typeface="Cambria Math" pitchFamily="18" charset="0"/>
-                                  <a:ea typeface="Cambria Math" pitchFamily="18" charset="0"/>
+                                  <a:latin typeface="Cambria Math"/>
                                 </a:rPr>
-                                <m:t>𝑗</m:t>
+                                <m:t>𝑢𝑐</m:t>
                               </m:r>
-                            </m:sub>
-                          </m:sSub>
+                            </m:sup>
+                          </m:sSup>
+                          <m:d>
+                            <m:dPr>
+                              <m:ctrlPr>
+                                <a:rPr lang="en-GB" sz="2800" i="1">
+                                  <a:latin typeface="Cambria Math"/>
+                                </a:rPr>
+                              </m:ctrlPr>
+                            </m:dPr>
+                            <m:e>
+                              <m:sSup>
+                                <m:sSupPr>
+                                  <m:ctrlPr>
+                                    <a:rPr lang="en-GB" sz="2800" i="1">
+                                      <a:latin typeface="Cambria Math"/>
+                                    </a:rPr>
+                                  </m:ctrlPr>
+                                </m:sSupPr>
+                                <m:e>
+                                  <m:r>
+                                    <a:rPr lang="en-GB" sz="2800" i="1">
+                                      <a:latin typeface="Cambria Math"/>
+                                    </a:rPr>
+                                    <m:t>𝐺</m:t>
+                                  </m:r>
+                                </m:e>
+                                <m:sup>
+                                  <m:r>
+                                    <a:rPr lang="en-GB" sz="2800" i="1">
+                                      <a:latin typeface="Cambria Math"/>
+                                    </a:rPr>
+                                    <m:t>𝑓</m:t>
+                                  </m:r>
+                                </m:sup>
+                              </m:sSup>
+                            </m:e>
+                          </m:d>
                         </m:e>
-                        <m:sup>
-                          <m:r>
-                            <a:rPr lang="en-GB" sz="2800" i="1">
-                              <a:latin typeface="Cambria Math" pitchFamily="18" charset="0"/>
-                              <a:ea typeface="Cambria Math" pitchFamily="18" charset="0"/>
-                            </a:rPr>
-                            <m:t>𝑡</m:t>
-                          </m:r>
-                          <m:r>
-                            <a:rPr lang="en-GB" sz="2800" i="1">
-                              <a:latin typeface="Cambria Math" pitchFamily="18" charset="0"/>
-                              <a:ea typeface="Cambria Math" pitchFamily="18" charset="0"/>
-                            </a:rPr>
-                            <m:t>+1</m:t>
-                          </m:r>
-                        </m:sup>
-                      </m:sSup>
-                      <m:r>
-                        <a:rPr lang="en-GB" sz="2800" b="0" i="1" smtClean="0">
-                          <a:latin typeface="Cambria Math" pitchFamily="18" charset="0"/>
-                          <a:ea typeface="Cambria Math" pitchFamily="18" charset="0"/>
-                        </a:rPr>
-                        <m:t>=1|</m:t>
-                      </m:r>
-                      <m:sSup>
-                        <m:sSupPr>
-                          <m:ctrlPr>
-                            <a:rPr lang="en-GB" sz="2800" b="0" i="1" smtClean="0">
-                              <a:latin typeface="Cambria Math" pitchFamily="18" charset="0"/>
-                              <a:ea typeface="Cambria Math" pitchFamily="18" charset="0"/>
-                            </a:rPr>
-                          </m:ctrlPr>
-                        </m:sSupPr>
-                        <m:e>
-                          <m:r>
-                            <a:rPr lang="en-GB" sz="2800" b="0" i="1" smtClean="0">
-                              <a:latin typeface="Cambria Math" pitchFamily="18" charset="0"/>
-                              <a:ea typeface="Cambria Math" pitchFamily="18" charset="0"/>
-                            </a:rPr>
-                            <m:t>𝐺</m:t>
-                          </m:r>
-                        </m:e>
-                        <m:sup>
-                          <m:r>
-                            <a:rPr lang="en-GB" sz="2800" b="0" i="1" smtClean="0">
-                              <a:latin typeface="Cambria Math" pitchFamily="18" charset="0"/>
-                              <a:ea typeface="Cambria Math" pitchFamily="18" charset="0"/>
-                            </a:rPr>
-                            <m:t>𝑡</m:t>
-                          </m:r>
-                        </m:sup>
-                      </m:sSup>
-                      <m:r>
-                        <a:rPr lang="en-GB" sz="2800" b="0" i="1" smtClean="0">
-                          <a:latin typeface="Cambria Math" pitchFamily="18" charset="0"/>
-                          <a:ea typeface="Cambria Math" pitchFamily="18" charset="0"/>
-                        </a:rPr>
-                        <m:t>=</m:t>
-                      </m:r>
-                      <m:r>
-                        <a:rPr lang="en-GB" sz="2800" b="0" i="1" smtClean="0">
-                          <a:latin typeface="Cambria Math" pitchFamily="18" charset="0"/>
-                          <a:ea typeface="Cambria Math" pitchFamily="18" charset="0"/>
-                        </a:rPr>
-                        <m:t>𝑖</m:t>
-                      </m:r>
-                      <m:r>
-                        <a:rPr lang="en-GB" sz="2800" b="0" i="1" smtClean="0">
-                          <a:latin typeface="Cambria Math" pitchFamily="18" charset="0"/>
-                          <a:ea typeface="Cambria Math" pitchFamily="18" charset="0"/>
-                        </a:rPr>
-                        <m:t>)</m:t>
-                      </m:r>
+                      </m:d>
                     </m:oMath>
                   </m:oMathPara>
                 </a14:m>
-                <a:endParaRPr lang="en-GB" sz="2800" i="1" dirty="0">
-                  <a:latin typeface="Cambria Math" pitchFamily="18" charset="0"/>
-                  <a:ea typeface="Cambria Math" pitchFamily="18" charset="0"/>
-                </a:endParaRPr>
+                <a:endParaRPr lang="en-GB" sz="2800" dirty="0"/>
               </a:p>
             </p:txBody>
           </p:sp>
@@ -15789,7 +18463,7 @@
         <mc:Fallback>
           <p:sp>
             <p:nvSpPr>
-              <p:cNvPr id="10" name="TextBox 9"/>
+              <p:cNvPr id="15" name="TextBox 14"/>
               <p:cNvSpPr txBox="1">
                 <a:spLocks noRot="1" noChangeAspect="1" noMove="1" noResize="1" noEditPoints="1" noAdjustHandles="1" noChangeArrowheads="1" noChangeShapeType="1" noTextEdit="1"/>
               </p:cNvSpPr>
@@ -15797,8 +18471,1645 @@
             </p:nvSpPr>
             <p:spPr>
               <a:xfrm>
-                <a:off x="971599" y="3606684"/>
-                <a:ext cx="4245393" cy="595612"/>
+                <a:off x="1508153" y="5229200"/>
+                <a:ext cx="6703758" cy="737189"/>
+              </a:xfrm>
+              <a:prstGeom prst="rect">
+                <a:avLst/>
+              </a:prstGeom>
+              <a:blipFill rotWithShape="1">
+                <a:blip r:embed="rId2"/>
+                <a:stretch>
+                  <a:fillRect/>
+                </a:stretch>
+              </a:blipFill>
+            </p:spPr>
+            <p:txBody>
+              <a:bodyPr/>
+              <a:lstStyle/>
+              <a:p>
+                <a:r>
+                  <a:rPr lang="en-GB">
+                    <a:noFill/>
+                  </a:rPr>
+                  <a:t> </a:t>
+                </a:r>
+              </a:p>
+            </p:txBody>
+          </p:sp>
+        </mc:Fallback>
+      </mc:AlternateContent>
+    </p:spTree>
+    <p:extLst>
+      <p:ext uri="{BB962C8B-B14F-4D97-AF65-F5344CB8AC3E}">
+        <p14:creationId xmlns:p14="http://schemas.microsoft.com/office/powerpoint/2010/main" val="612635639"/>
+      </p:ext>
+    </p:extLst>
+  </p:cSld>
+  <p:clrMapOvr>
+    <a:masterClrMapping/>
+  </p:clrMapOvr>
+  <p:timing>
+    <p:tnLst>
+      <p:par>
+        <p:cTn id="1" dur="indefinite" restart="never" nodeType="tmRoot">
+          <p:childTnLst>
+            <p:seq concurrent="1" nextAc="seek">
+              <p:cTn id="2" dur="indefinite" nodeType="mainSeq">
+                <p:childTnLst>
+                  <p:par>
+                    <p:cTn id="3" fill="hold">
+                      <p:stCondLst>
+                        <p:cond delay="indefinite"/>
+                      </p:stCondLst>
+                      <p:childTnLst>
+                        <p:par>
+                          <p:cTn id="4" fill="hold">
+                            <p:stCondLst>
+                              <p:cond delay="0"/>
+                            </p:stCondLst>
+                            <p:childTnLst>
+                              <p:par>
+                                <p:cTn id="5" presetID="1" presetClass="entr" presetSubtype="0" fill="hold" grpId="0" nodeType="clickEffect">
+                                  <p:stCondLst>
+                                    <p:cond delay="0"/>
+                                  </p:stCondLst>
+                                  <p:childTnLst>
+                                    <p:set>
+                                      <p:cBhvr>
+                                        <p:cTn id="6" dur="1" fill="hold">
+                                          <p:stCondLst>
+                                            <p:cond delay="0"/>
+                                          </p:stCondLst>
+                                        </p:cTn>
+                                        <p:tgtEl>
+                                          <p:spTgt spid="14"/>
+                                        </p:tgtEl>
+                                        <p:attrNameLst>
+                                          <p:attrName>style.visibility</p:attrName>
+                                        </p:attrNameLst>
+                                      </p:cBhvr>
+                                      <p:to>
+                                        <p:strVal val="visible"/>
+                                      </p:to>
+                                    </p:set>
+                                  </p:childTnLst>
+                                </p:cTn>
+                              </p:par>
+                              <p:par>
+                                <p:cTn id="7" presetID="1" presetClass="entr" presetSubtype="0" fill="hold" grpId="0" nodeType="withEffect">
+                                  <p:stCondLst>
+                                    <p:cond delay="0"/>
+                                  </p:stCondLst>
+                                  <p:childTnLst>
+                                    <p:set>
+                                      <p:cBhvr>
+                                        <p:cTn id="8" dur="1" fill="hold">
+                                          <p:stCondLst>
+                                            <p:cond delay="0"/>
+                                          </p:stCondLst>
+                                        </p:cTn>
+                                        <p:tgtEl>
+                                          <p:spTgt spid="15"/>
+                                        </p:tgtEl>
+                                        <p:attrNameLst>
+                                          <p:attrName>style.visibility</p:attrName>
+                                        </p:attrNameLst>
+                                      </p:cBhvr>
+                                      <p:to>
+                                        <p:strVal val="visible"/>
+                                      </p:to>
+                                    </p:set>
+                                  </p:childTnLst>
+                                </p:cTn>
+                              </p:par>
+                            </p:childTnLst>
+                          </p:cTn>
+                        </p:par>
+                      </p:childTnLst>
+                    </p:cTn>
+                  </p:par>
+                </p:childTnLst>
+              </p:cTn>
+              <p:prevCondLst>
+                <p:cond evt="onPrev" delay="0">
+                  <p:tgtEl>
+                    <p:sldTgt/>
+                  </p:tgtEl>
+                </p:cond>
+              </p:prevCondLst>
+              <p:nextCondLst>
+                <p:cond evt="onNext" delay="0">
+                  <p:tgtEl>
+                    <p:sldTgt/>
+                  </p:tgtEl>
+                </p:cond>
+              </p:nextCondLst>
+            </p:seq>
+          </p:childTnLst>
+        </p:cTn>
+      </p:par>
+    </p:tnLst>
+    <p:bldLst>
+      <p:bldP spid="14" grpId="0" animBg="1"/>
+      <p:bldP spid="15" grpId="0"/>
+    </p:bldLst>
+  </p:timing>
+</p:sld>
+</file>
+
+<file path=ppt/slides/slide7.xml><?xml version="1.0" encoding="utf-8"?>
+<p:sld xmlns:a="http://schemas.openxmlformats.org/drawingml/2006/main" xmlns:r="http://schemas.openxmlformats.org/officeDocument/2006/relationships" xmlns:p="http://schemas.openxmlformats.org/presentationml/2006/main">
+  <p:cSld>
+    <p:spTree>
+      <p:nvGrpSpPr>
+        <p:cNvPr id="1" name=""/>
+        <p:cNvGrpSpPr/>
+        <p:nvPr/>
+      </p:nvGrpSpPr>
+      <p:grpSpPr>
+        <a:xfrm>
+          <a:off x="0" y="0"/>
+          <a:ext cx="0" cy="0"/>
+          <a:chOff x="0" y="0"/>
+          <a:chExt cx="0" cy="0"/>
+        </a:xfrm>
+      </p:grpSpPr>
+      <p:sp>
+        <p:nvSpPr>
+          <p:cNvPr id="32" name="Right Arrow 31"/>
+          <p:cNvSpPr/>
+          <p:nvPr/>
+        </p:nvSpPr>
+        <p:spPr>
+          <a:xfrm rot="18498849">
+            <a:off x="5950112" y="3097928"/>
+            <a:ext cx="1325827" cy="202348"/>
+          </a:xfrm>
+          <a:prstGeom prst="rightArrow">
+            <a:avLst/>
+          </a:prstGeom>
+          <a:solidFill>
+            <a:schemeClr val="accent2">
+              <a:lumMod val="75000"/>
+            </a:schemeClr>
+          </a:solidFill>
+          <a:ln>
+            <a:noFill/>
+          </a:ln>
+        </p:spPr>
+        <p:style>
+          <a:lnRef idx="2">
+            <a:schemeClr val="accent1">
+              <a:shade val="50000"/>
+            </a:schemeClr>
+          </a:lnRef>
+          <a:fillRef idx="1">
+            <a:schemeClr val="accent1"/>
+          </a:fillRef>
+          <a:effectRef idx="0">
+            <a:schemeClr val="accent1"/>
+          </a:effectRef>
+          <a:fontRef idx="minor">
+            <a:schemeClr val="lt1"/>
+          </a:fontRef>
+        </p:style>
+        <p:txBody>
+          <a:bodyPr rtlCol="0" anchor="ctr"/>
+          <a:lstStyle/>
+          <a:p>
+            <a:pPr algn="ctr"/>
+            <a:endParaRPr lang="en-GB" sz="2400"/>
+          </a:p>
+        </p:txBody>
+      </p:sp>
+      <p:sp>
+        <p:nvSpPr>
+          <p:cNvPr id="29" name="Oval 28"/>
+          <p:cNvSpPr/>
+          <p:nvPr/>
+        </p:nvSpPr>
+        <p:spPr>
+          <a:xfrm>
+            <a:off x="6962606" y="1903989"/>
+            <a:ext cx="902540" cy="930336"/>
+          </a:xfrm>
+          <a:prstGeom prst="ellipse">
+            <a:avLst/>
+          </a:prstGeom>
+          <a:solidFill>
+            <a:schemeClr val="accent2">
+              <a:lumMod val="40000"/>
+              <a:lumOff val="60000"/>
+            </a:schemeClr>
+          </a:solidFill>
+          <a:ln>
+            <a:noFill/>
+          </a:ln>
+        </p:spPr>
+        <p:style>
+          <a:lnRef idx="2">
+            <a:schemeClr val="accent1">
+              <a:shade val="50000"/>
+            </a:schemeClr>
+          </a:lnRef>
+          <a:fillRef idx="1">
+            <a:schemeClr val="accent1"/>
+          </a:fillRef>
+          <a:effectRef idx="0">
+            <a:schemeClr val="accent1"/>
+          </a:effectRef>
+          <a:fontRef idx="minor">
+            <a:schemeClr val="lt1"/>
+          </a:fontRef>
+        </p:style>
+        <p:txBody>
+          <a:bodyPr rtlCol="0" anchor="ctr"/>
+          <a:lstStyle/>
+          <a:p>
+            <a:pPr algn="ctr"/>
+            <a:endParaRPr lang="en-GB" sz="2400"/>
+          </a:p>
+        </p:txBody>
+      </p:sp>
+      <p:sp>
+        <p:nvSpPr>
+          <p:cNvPr id="10" name="Oval 9"/>
+          <p:cNvSpPr/>
+          <p:nvPr/>
+        </p:nvSpPr>
+        <p:spPr>
+          <a:xfrm>
+            <a:off x="5352757" y="3640833"/>
+            <a:ext cx="902540" cy="930336"/>
+          </a:xfrm>
+          <a:prstGeom prst="ellipse">
+            <a:avLst/>
+          </a:prstGeom>
+          <a:solidFill>
+            <a:schemeClr val="accent2">
+              <a:lumMod val="40000"/>
+              <a:lumOff val="60000"/>
+            </a:schemeClr>
+          </a:solidFill>
+          <a:ln>
+            <a:noFill/>
+          </a:ln>
+        </p:spPr>
+        <p:style>
+          <a:lnRef idx="2">
+            <a:schemeClr val="accent1">
+              <a:shade val="50000"/>
+            </a:schemeClr>
+          </a:lnRef>
+          <a:fillRef idx="1">
+            <a:schemeClr val="accent1"/>
+          </a:fillRef>
+          <a:effectRef idx="0">
+            <a:schemeClr val="accent1"/>
+          </a:effectRef>
+          <a:fontRef idx="minor">
+            <a:schemeClr val="lt1"/>
+          </a:fontRef>
+        </p:style>
+        <p:txBody>
+          <a:bodyPr rtlCol="0" anchor="ctr"/>
+          <a:lstStyle/>
+          <a:p>
+            <a:pPr algn="ctr"/>
+            <a:endParaRPr lang="en-GB" sz="2400"/>
+          </a:p>
+        </p:txBody>
+      </p:sp>
+      <p:sp>
+        <p:nvSpPr>
+          <p:cNvPr id="28" name="Oval 27"/>
+          <p:cNvSpPr/>
+          <p:nvPr/>
+        </p:nvSpPr>
+        <p:spPr>
+          <a:xfrm>
+            <a:off x="6837812" y="2757372"/>
+            <a:ext cx="1152128" cy="1872208"/>
+          </a:xfrm>
+          <a:prstGeom prst="ellipse">
+            <a:avLst/>
+          </a:prstGeom>
+          <a:solidFill>
+            <a:schemeClr val="accent3">
+              <a:lumMod val="40000"/>
+              <a:lumOff val="60000"/>
+            </a:schemeClr>
+          </a:solidFill>
+          <a:ln>
+            <a:noFill/>
+          </a:ln>
+        </p:spPr>
+        <p:style>
+          <a:lnRef idx="2">
+            <a:schemeClr val="accent1">
+              <a:shade val="50000"/>
+            </a:schemeClr>
+          </a:lnRef>
+          <a:fillRef idx="1">
+            <a:schemeClr val="accent1"/>
+          </a:fillRef>
+          <a:effectRef idx="0">
+            <a:schemeClr val="accent1"/>
+          </a:effectRef>
+          <a:fontRef idx="minor">
+            <a:schemeClr val="lt1"/>
+          </a:fontRef>
+        </p:style>
+        <p:txBody>
+          <a:bodyPr rtlCol="0" anchor="ctr"/>
+          <a:lstStyle/>
+          <a:p>
+            <a:pPr algn="ctr"/>
+            <a:endParaRPr lang="en-GB" sz="2400"/>
+          </a:p>
+        </p:txBody>
+      </p:sp>
+      <p:sp>
+        <p:nvSpPr>
+          <p:cNvPr id="6" name="Oval 5"/>
+          <p:cNvSpPr/>
+          <p:nvPr/>
+        </p:nvSpPr>
+        <p:spPr>
+          <a:xfrm>
+            <a:off x="5220072" y="1853476"/>
+            <a:ext cx="1152128" cy="1872208"/>
+          </a:xfrm>
+          <a:prstGeom prst="ellipse">
+            <a:avLst/>
+          </a:prstGeom>
+          <a:solidFill>
+            <a:schemeClr val="accent3">
+              <a:lumMod val="40000"/>
+              <a:lumOff val="60000"/>
+            </a:schemeClr>
+          </a:solidFill>
+          <a:ln>
+            <a:noFill/>
+          </a:ln>
+        </p:spPr>
+        <p:style>
+          <a:lnRef idx="2">
+            <a:schemeClr val="accent1">
+              <a:shade val="50000"/>
+            </a:schemeClr>
+          </a:lnRef>
+          <a:fillRef idx="1">
+            <a:schemeClr val="accent1"/>
+          </a:fillRef>
+          <a:effectRef idx="0">
+            <a:schemeClr val="accent1"/>
+          </a:effectRef>
+          <a:fontRef idx="minor">
+            <a:schemeClr val="lt1"/>
+          </a:fontRef>
+        </p:style>
+        <p:txBody>
+          <a:bodyPr rtlCol="0" anchor="ctr"/>
+          <a:lstStyle/>
+          <a:p>
+            <a:pPr algn="ctr"/>
+            <a:endParaRPr lang="en-GB" sz="2400"/>
+          </a:p>
+        </p:txBody>
+      </p:sp>
+      <p:sp>
+        <p:nvSpPr>
+          <p:cNvPr id="27" name="Oval 26"/>
+          <p:cNvSpPr/>
+          <p:nvPr/>
+        </p:nvSpPr>
+        <p:spPr>
+          <a:xfrm>
+            <a:off x="2913376" y="1903989"/>
+            <a:ext cx="1152128" cy="2736304"/>
+          </a:xfrm>
+          <a:prstGeom prst="ellipse">
+            <a:avLst/>
+          </a:prstGeom>
+          <a:solidFill>
+            <a:schemeClr val="accent6">
+              <a:lumMod val="40000"/>
+              <a:lumOff val="60000"/>
+            </a:schemeClr>
+          </a:solidFill>
+          <a:ln>
+            <a:noFill/>
+          </a:ln>
+        </p:spPr>
+        <p:style>
+          <a:lnRef idx="2">
+            <a:schemeClr val="accent1">
+              <a:shade val="50000"/>
+            </a:schemeClr>
+          </a:lnRef>
+          <a:fillRef idx="1">
+            <a:schemeClr val="accent1"/>
+          </a:fillRef>
+          <a:effectRef idx="0">
+            <a:schemeClr val="accent1"/>
+          </a:effectRef>
+          <a:fontRef idx="minor">
+            <a:schemeClr val="lt1"/>
+          </a:fontRef>
+        </p:style>
+        <p:txBody>
+          <a:bodyPr rtlCol="0" anchor="ctr"/>
+          <a:lstStyle/>
+          <a:p>
+            <a:pPr algn="ctr"/>
+            <a:endParaRPr lang="en-GB" sz="2400"/>
+          </a:p>
+        </p:txBody>
+      </p:sp>
+      <p:sp>
+        <p:nvSpPr>
+          <p:cNvPr id="4" name="Oval 3"/>
+          <p:cNvSpPr/>
+          <p:nvPr/>
+        </p:nvSpPr>
+        <p:spPr>
+          <a:xfrm>
+            <a:off x="1295636" y="1903989"/>
+            <a:ext cx="1152128" cy="2736304"/>
+          </a:xfrm>
+          <a:prstGeom prst="ellipse">
+            <a:avLst/>
+          </a:prstGeom>
+          <a:solidFill>
+            <a:schemeClr val="accent6">
+              <a:lumMod val="40000"/>
+              <a:lumOff val="60000"/>
+            </a:schemeClr>
+          </a:solidFill>
+          <a:ln>
+            <a:noFill/>
+          </a:ln>
+        </p:spPr>
+        <p:style>
+          <a:lnRef idx="2">
+            <a:schemeClr val="accent1">
+              <a:shade val="50000"/>
+            </a:schemeClr>
+          </a:lnRef>
+          <a:fillRef idx="1">
+            <a:schemeClr val="accent1"/>
+          </a:fillRef>
+          <a:effectRef idx="0">
+            <a:schemeClr val="accent1"/>
+          </a:effectRef>
+          <a:fontRef idx="minor">
+            <a:schemeClr val="lt1"/>
+          </a:fontRef>
+        </p:style>
+        <p:txBody>
+          <a:bodyPr rtlCol="0" anchor="ctr"/>
+          <a:lstStyle/>
+          <a:p>
+            <a:pPr algn="ctr"/>
+            <a:endParaRPr lang="en-GB" sz="2400"/>
+          </a:p>
+        </p:txBody>
+      </p:sp>
+      <p:sp>
+        <p:nvSpPr>
+          <p:cNvPr id="2" name="TextBox 1"/>
+          <p:cNvSpPr txBox="1"/>
+          <p:nvPr/>
+        </p:nvSpPr>
+        <p:spPr>
+          <a:xfrm>
+            <a:off x="836320" y="98490"/>
+            <a:ext cx="5463872" cy="646331"/>
+          </a:xfrm>
+          <a:prstGeom prst="rect">
+            <a:avLst/>
+          </a:prstGeom>
+          <a:noFill/>
+        </p:spPr>
+        <p:txBody>
+          <a:bodyPr wrap="square" rtlCol="0">
+            <a:spAutoFit/>
+          </a:bodyPr>
+          <a:lstStyle/>
+          <a:p>
+            <a:r>
+              <a:rPr lang="en-GB" sz="3600" dirty="0" smtClean="0"/>
+              <a:t>Integration</a:t>
+            </a:r>
+            <a:endParaRPr lang="en-GB" sz="3600" dirty="0"/>
+          </a:p>
+        </p:txBody>
+      </p:sp>
+      <p:sp>
+        <p:nvSpPr>
+          <p:cNvPr id="3" name="Oval 2"/>
+          <p:cNvSpPr/>
+          <p:nvPr/>
+        </p:nvSpPr>
+        <p:spPr>
+          <a:xfrm>
+            <a:off x="1545224" y="2048005"/>
+            <a:ext cx="648072" cy="648072"/>
+          </a:xfrm>
+          <a:prstGeom prst="ellipse">
+            <a:avLst/>
+          </a:prstGeom>
+        </p:spPr>
+        <p:style>
+          <a:lnRef idx="2">
+            <a:schemeClr val="accent1">
+              <a:shade val="50000"/>
+            </a:schemeClr>
+          </a:lnRef>
+          <a:fillRef idx="1">
+            <a:schemeClr val="accent1"/>
+          </a:fillRef>
+          <a:effectRef idx="0">
+            <a:schemeClr val="accent1"/>
+          </a:effectRef>
+          <a:fontRef idx="minor">
+            <a:schemeClr val="lt1"/>
+          </a:fontRef>
+        </p:style>
+        <p:txBody>
+          <a:bodyPr rtlCol="0" anchor="ctr"/>
+          <a:lstStyle/>
+          <a:p>
+            <a:pPr algn="ctr"/>
+            <a:r>
+              <a:rPr lang="en-GB" sz="2400" dirty="0" smtClean="0"/>
+              <a:t>A</a:t>
+            </a:r>
+            <a:endParaRPr lang="en-GB" sz="2400" dirty="0"/>
+          </a:p>
+        </p:txBody>
+      </p:sp>
+      <p:sp>
+        <p:nvSpPr>
+          <p:cNvPr id="16" name="Oval 15"/>
+          <p:cNvSpPr/>
+          <p:nvPr/>
+        </p:nvSpPr>
+        <p:spPr>
+          <a:xfrm>
+            <a:off x="1545224" y="2912101"/>
+            <a:ext cx="648072" cy="648072"/>
+          </a:xfrm>
+          <a:prstGeom prst="ellipse">
+            <a:avLst/>
+          </a:prstGeom>
+        </p:spPr>
+        <p:style>
+          <a:lnRef idx="2">
+            <a:schemeClr val="accent1">
+              <a:shade val="50000"/>
+            </a:schemeClr>
+          </a:lnRef>
+          <a:fillRef idx="1">
+            <a:schemeClr val="accent1"/>
+          </a:fillRef>
+          <a:effectRef idx="0">
+            <a:schemeClr val="accent1"/>
+          </a:effectRef>
+          <a:fontRef idx="minor">
+            <a:schemeClr val="lt1"/>
+          </a:fontRef>
+        </p:style>
+        <p:txBody>
+          <a:bodyPr rtlCol="0" anchor="ctr"/>
+          <a:lstStyle/>
+          <a:p>
+            <a:pPr algn="ctr"/>
+            <a:r>
+              <a:rPr lang="en-GB" sz="2400" dirty="0"/>
+              <a:t>B</a:t>
+            </a:r>
+          </a:p>
+        </p:txBody>
+      </p:sp>
+      <p:sp>
+        <p:nvSpPr>
+          <p:cNvPr id="17" name="Oval 16"/>
+          <p:cNvSpPr/>
+          <p:nvPr/>
+        </p:nvSpPr>
+        <p:spPr>
+          <a:xfrm>
+            <a:off x="1547664" y="3781965"/>
+            <a:ext cx="648072" cy="648072"/>
+          </a:xfrm>
+          <a:prstGeom prst="ellipse">
+            <a:avLst/>
+          </a:prstGeom>
+        </p:spPr>
+        <p:style>
+          <a:lnRef idx="2">
+            <a:schemeClr val="accent1">
+              <a:shade val="50000"/>
+            </a:schemeClr>
+          </a:lnRef>
+          <a:fillRef idx="1">
+            <a:schemeClr val="accent1"/>
+          </a:fillRef>
+          <a:effectRef idx="0">
+            <a:schemeClr val="accent1"/>
+          </a:effectRef>
+          <a:fontRef idx="minor">
+            <a:schemeClr val="lt1"/>
+          </a:fontRef>
+        </p:style>
+        <p:txBody>
+          <a:bodyPr rtlCol="0" anchor="ctr"/>
+          <a:lstStyle/>
+          <a:p>
+            <a:pPr algn="ctr"/>
+            <a:r>
+              <a:rPr lang="en-GB" sz="2400" dirty="0" smtClean="0"/>
+              <a:t>C</a:t>
+            </a:r>
+            <a:endParaRPr lang="en-GB" sz="2400" dirty="0"/>
+          </a:p>
+        </p:txBody>
+      </p:sp>
+      <p:sp>
+        <p:nvSpPr>
+          <p:cNvPr id="18" name="Oval 17"/>
+          <p:cNvSpPr/>
+          <p:nvPr/>
+        </p:nvSpPr>
+        <p:spPr>
+          <a:xfrm>
+            <a:off x="3165404" y="2048005"/>
+            <a:ext cx="648072" cy="648072"/>
+          </a:xfrm>
+          <a:prstGeom prst="ellipse">
+            <a:avLst/>
+          </a:prstGeom>
+        </p:spPr>
+        <p:style>
+          <a:lnRef idx="2">
+            <a:schemeClr val="accent1">
+              <a:shade val="50000"/>
+            </a:schemeClr>
+          </a:lnRef>
+          <a:fillRef idx="1">
+            <a:schemeClr val="accent1"/>
+          </a:fillRef>
+          <a:effectRef idx="0">
+            <a:schemeClr val="accent1"/>
+          </a:effectRef>
+          <a:fontRef idx="minor">
+            <a:schemeClr val="lt1"/>
+          </a:fontRef>
+        </p:style>
+        <p:txBody>
+          <a:bodyPr rtlCol="0" anchor="ctr"/>
+          <a:lstStyle/>
+          <a:p>
+            <a:pPr algn="ctr"/>
+            <a:r>
+              <a:rPr lang="en-GB" sz="2400" dirty="0" smtClean="0"/>
+              <a:t>A</a:t>
+            </a:r>
+            <a:endParaRPr lang="en-GB" sz="2400" dirty="0"/>
+          </a:p>
+        </p:txBody>
+      </p:sp>
+      <p:sp>
+        <p:nvSpPr>
+          <p:cNvPr id="19" name="Oval 18"/>
+          <p:cNvSpPr/>
+          <p:nvPr/>
+        </p:nvSpPr>
+        <p:spPr>
+          <a:xfrm>
+            <a:off x="3165404" y="2912101"/>
+            <a:ext cx="648072" cy="648072"/>
+          </a:xfrm>
+          <a:prstGeom prst="ellipse">
+            <a:avLst/>
+          </a:prstGeom>
+        </p:spPr>
+        <p:style>
+          <a:lnRef idx="2">
+            <a:schemeClr val="accent1">
+              <a:shade val="50000"/>
+            </a:schemeClr>
+          </a:lnRef>
+          <a:fillRef idx="1">
+            <a:schemeClr val="accent1"/>
+          </a:fillRef>
+          <a:effectRef idx="0">
+            <a:schemeClr val="accent1"/>
+          </a:effectRef>
+          <a:fontRef idx="minor">
+            <a:schemeClr val="lt1"/>
+          </a:fontRef>
+        </p:style>
+        <p:txBody>
+          <a:bodyPr rtlCol="0" anchor="ctr"/>
+          <a:lstStyle/>
+          <a:p>
+            <a:pPr algn="ctr"/>
+            <a:r>
+              <a:rPr lang="en-GB" sz="2400" dirty="0" smtClean="0"/>
+              <a:t>B</a:t>
+            </a:r>
+            <a:endParaRPr lang="en-GB" sz="2400" dirty="0"/>
+          </a:p>
+        </p:txBody>
+      </p:sp>
+      <p:sp>
+        <p:nvSpPr>
+          <p:cNvPr id="20" name="Oval 19"/>
+          <p:cNvSpPr/>
+          <p:nvPr/>
+        </p:nvSpPr>
+        <p:spPr>
+          <a:xfrm>
+            <a:off x="3165404" y="3781965"/>
+            <a:ext cx="648072" cy="648072"/>
+          </a:xfrm>
+          <a:prstGeom prst="ellipse">
+            <a:avLst/>
+          </a:prstGeom>
+        </p:spPr>
+        <p:style>
+          <a:lnRef idx="2">
+            <a:schemeClr val="accent1">
+              <a:shade val="50000"/>
+            </a:schemeClr>
+          </a:lnRef>
+          <a:fillRef idx="1">
+            <a:schemeClr val="accent1"/>
+          </a:fillRef>
+          <a:effectRef idx="0">
+            <a:schemeClr val="accent1"/>
+          </a:effectRef>
+          <a:fontRef idx="minor">
+            <a:schemeClr val="lt1"/>
+          </a:fontRef>
+        </p:style>
+        <p:txBody>
+          <a:bodyPr rtlCol="0" anchor="ctr"/>
+          <a:lstStyle/>
+          <a:p>
+            <a:pPr algn="ctr"/>
+            <a:r>
+              <a:rPr lang="en-GB" sz="2400" dirty="0" smtClean="0"/>
+              <a:t>C</a:t>
+            </a:r>
+            <a:endParaRPr lang="en-GB" sz="2400" dirty="0"/>
+          </a:p>
+        </p:txBody>
+      </p:sp>
+      <p:sp>
+        <p:nvSpPr>
+          <p:cNvPr id="21" name="Oval 20"/>
+          <p:cNvSpPr/>
+          <p:nvPr/>
+        </p:nvSpPr>
+        <p:spPr>
+          <a:xfrm>
+            <a:off x="5469660" y="2048005"/>
+            <a:ext cx="648072" cy="648072"/>
+          </a:xfrm>
+          <a:prstGeom prst="ellipse">
+            <a:avLst/>
+          </a:prstGeom>
+        </p:spPr>
+        <p:style>
+          <a:lnRef idx="2">
+            <a:schemeClr val="accent1">
+              <a:shade val="50000"/>
+            </a:schemeClr>
+          </a:lnRef>
+          <a:fillRef idx="1">
+            <a:schemeClr val="accent1"/>
+          </a:fillRef>
+          <a:effectRef idx="0">
+            <a:schemeClr val="accent1"/>
+          </a:effectRef>
+          <a:fontRef idx="minor">
+            <a:schemeClr val="lt1"/>
+          </a:fontRef>
+        </p:style>
+        <p:txBody>
+          <a:bodyPr rtlCol="0" anchor="ctr"/>
+          <a:lstStyle/>
+          <a:p>
+            <a:pPr algn="ctr"/>
+            <a:r>
+              <a:rPr lang="en-GB" sz="2400" dirty="0" smtClean="0"/>
+              <a:t>A</a:t>
+            </a:r>
+            <a:endParaRPr lang="en-GB" sz="2400" dirty="0"/>
+          </a:p>
+        </p:txBody>
+      </p:sp>
+      <p:sp>
+        <p:nvSpPr>
+          <p:cNvPr id="22" name="Oval 21"/>
+          <p:cNvSpPr/>
+          <p:nvPr/>
+        </p:nvSpPr>
+        <p:spPr>
+          <a:xfrm>
+            <a:off x="5469660" y="2912101"/>
+            <a:ext cx="648072" cy="648072"/>
+          </a:xfrm>
+          <a:prstGeom prst="ellipse">
+            <a:avLst/>
+          </a:prstGeom>
+        </p:spPr>
+        <p:style>
+          <a:lnRef idx="2">
+            <a:schemeClr val="accent1">
+              <a:shade val="50000"/>
+            </a:schemeClr>
+          </a:lnRef>
+          <a:fillRef idx="1">
+            <a:schemeClr val="accent1"/>
+          </a:fillRef>
+          <a:effectRef idx="0">
+            <a:schemeClr val="accent1"/>
+          </a:effectRef>
+          <a:fontRef idx="minor">
+            <a:schemeClr val="lt1"/>
+          </a:fontRef>
+        </p:style>
+        <p:txBody>
+          <a:bodyPr rtlCol="0" anchor="ctr"/>
+          <a:lstStyle/>
+          <a:p>
+            <a:pPr algn="ctr"/>
+            <a:r>
+              <a:rPr lang="en-GB" sz="2400" dirty="0" smtClean="0"/>
+              <a:t>B</a:t>
+            </a:r>
+            <a:endParaRPr lang="en-GB" sz="2400" dirty="0"/>
+          </a:p>
+        </p:txBody>
+      </p:sp>
+      <p:sp>
+        <p:nvSpPr>
+          <p:cNvPr id="23" name="Oval 22"/>
+          <p:cNvSpPr/>
+          <p:nvPr/>
+        </p:nvSpPr>
+        <p:spPr>
+          <a:xfrm>
+            <a:off x="5472100" y="3781965"/>
+            <a:ext cx="648072" cy="648072"/>
+          </a:xfrm>
+          <a:prstGeom prst="ellipse">
+            <a:avLst/>
+          </a:prstGeom>
+        </p:spPr>
+        <p:style>
+          <a:lnRef idx="2">
+            <a:schemeClr val="accent1">
+              <a:shade val="50000"/>
+            </a:schemeClr>
+          </a:lnRef>
+          <a:fillRef idx="1">
+            <a:schemeClr val="accent1"/>
+          </a:fillRef>
+          <a:effectRef idx="0">
+            <a:schemeClr val="accent1"/>
+          </a:effectRef>
+          <a:fontRef idx="minor">
+            <a:schemeClr val="lt1"/>
+          </a:fontRef>
+        </p:style>
+        <p:txBody>
+          <a:bodyPr rtlCol="0" anchor="ctr"/>
+          <a:lstStyle/>
+          <a:p>
+            <a:pPr algn="ctr"/>
+            <a:r>
+              <a:rPr lang="en-GB" sz="2400" dirty="0" smtClean="0"/>
+              <a:t>C</a:t>
+            </a:r>
+            <a:endParaRPr lang="en-GB" sz="2400" dirty="0"/>
+          </a:p>
+        </p:txBody>
+      </p:sp>
+      <p:sp>
+        <p:nvSpPr>
+          <p:cNvPr id="24" name="Oval 23"/>
+          <p:cNvSpPr/>
+          <p:nvPr/>
+        </p:nvSpPr>
+        <p:spPr>
+          <a:xfrm>
+            <a:off x="7089840" y="2048005"/>
+            <a:ext cx="648072" cy="648072"/>
+          </a:xfrm>
+          <a:prstGeom prst="ellipse">
+            <a:avLst/>
+          </a:prstGeom>
+        </p:spPr>
+        <p:style>
+          <a:lnRef idx="2">
+            <a:schemeClr val="accent1">
+              <a:shade val="50000"/>
+            </a:schemeClr>
+          </a:lnRef>
+          <a:fillRef idx="1">
+            <a:schemeClr val="accent1"/>
+          </a:fillRef>
+          <a:effectRef idx="0">
+            <a:schemeClr val="accent1"/>
+          </a:effectRef>
+          <a:fontRef idx="minor">
+            <a:schemeClr val="lt1"/>
+          </a:fontRef>
+        </p:style>
+        <p:txBody>
+          <a:bodyPr rtlCol="0" anchor="ctr"/>
+          <a:lstStyle/>
+          <a:p>
+            <a:pPr algn="ctr"/>
+            <a:r>
+              <a:rPr lang="en-GB" sz="2400" dirty="0" smtClean="0"/>
+              <a:t>A</a:t>
+            </a:r>
+            <a:endParaRPr lang="en-GB" sz="2400" dirty="0"/>
+          </a:p>
+        </p:txBody>
+      </p:sp>
+      <p:sp>
+        <p:nvSpPr>
+          <p:cNvPr id="25" name="Oval 24"/>
+          <p:cNvSpPr/>
+          <p:nvPr/>
+        </p:nvSpPr>
+        <p:spPr>
+          <a:xfrm>
+            <a:off x="7089840" y="2912101"/>
+            <a:ext cx="648072" cy="648072"/>
+          </a:xfrm>
+          <a:prstGeom prst="ellipse">
+            <a:avLst/>
+          </a:prstGeom>
+        </p:spPr>
+        <p:style>
+          <a:lnRef idx="2">
+            <a:schemeClr val="accent1">
+              <a:shade val="50000"/>
+            </a:schemeClr>
+          </a:lnRef>
+          <a:fillRef idx="1">
+            <a:schemeClr val="accent1"/>
+          </a:fillRef>
+          <a:effectRef idx="0">
+            <a:schemeClr val="accent1"/>
+          </a:effectRef>
+          <a:fontRef idx="minor">
+            <a:schemeClr val="lt1"/>
+          </a:fontRef>
+        </p:style>
+        <p:txBody>
+          <a:bodyPr rtlCol="0" anchor="ctr"/>
+          <a:lstStyle/>
+          <a:p>
+            <a:pPr algn="ctr"/>
+            <a:r>
+              <a:rPr lang="en-GB" sz="2400" dirty="0" smtClean="0"/>
+              <a:t>B</a:t>
+            </a:r>
+            <a:endParaRPr lang="en-GB" sz="2400" dirty="0"/>
+          </a:p>
+        </p:txBody>
+      </p:sp>
+      <p:sp>
+        <p:nvSpPr>
+          <p:cNvPr id="26" name="Oval 25"/>
+          <p:cNvSpPr/>
+          <p:nvPr/>
+        </p:nvSpPr>
+        <p:spPr>
+          <a:xfrm>
+            <a:off x="7089840" y="3781965"/>
+            <a:ext cx="648072" cy="648072"/>
+          </a:xfrm>
+          <a:prstGeom prst="ellipse">
+            <a:avLst/>
+          </a:prstGeom>
+        </p:spPr>
+        <p:style>
+          <a:lnRef idx="2">
+            <a:schemeClr val="accent1">
+              <a:shade val="50000"/>
+            </a:schemeClr>
+          </a:lnRef>
+          <a:fillRef idx="1">
+            <a:schemeClr val="accent1"/>
+          </a:fillRef>
+          <a:effectRef idx="0">
+            <a:schemeClr val="accent1"/>
+          </a:effectRef>
+          <a:fontRef idx="minor">
+            <a:schemeClr val="lt1"/>
+          </a:fontRef>
+        </p:style>
+        <p:txBody>
+          <a:bodyPr rtlCol="0" anchor="ctr"/>
+          <a:lstStyle/>
+          <a:p>
+            <a:pPr algn="ctr"/>
+            <a:r>
+              <a:rPr lang="en-GB" sz="2400" dirty="0" smtClean="0"/>
+              <a:t>C</a:t>
+            </a:r>
+            <a:endParaRPr lang="en-GB" sz="2400" dirty="0"/>
+          </a:p>
+        </p:txBody>
+      </p:sp>
+      <p:sp>
+        <p:nvSpPr>
+          <p:cNvPr id="30" name="Right Arrow 29"/>
+          <p:cNvSpPr/>
+          <p:nvPr/>
+        </p:nvSpPr>
+        <p:spPr>
+          <a:xfrm>
+            <a:off x="2447764" y="3033789"/>
+            <a:ext cx="465612" cy="404696"/>
+          </a:xfrm>
+          <a:prstGeom prst="rightArrow">
+            <a:avLst/>
+          </a:prstGeom>
+          <a:solidFill>
+            <a:schemeClr val="accent6">
+              <a:lumMod val="75000"/>
+            </a:schemeClr>
+          </a:solidFill>
+          <a:ln>
+            <a:noFill/>
+          </a:ln>
+        </p:spPr>
+        <p:style>
+          <a:lnRef idx="2">
+            <a:schemeClr val="accent1">
+              <a:shade val="50000"/>
+            </a:schemeClr>
+          </a:lnRef>
+          <a:fillRef idx="1">
+            <a:schemeClr val="accent1"/>
+          </a:fillRef>
+          <a:effectRef idx="0">
+            <a:schemeClr val="accent1"/>
+          </a:effectRef>
+          <a:fontRef idx="minor">
+            <a:schemeClr val="lt1"/>
+          </a:fontRef>
+        </p:style>
+        <p:txBody>
+          <a:bodyPr rtlCol="0" anchor="ctr"/>
+          <a:lstStyle/>
+          <a:p>
+            <a:pPr algn="ctr"/>
+            <a:endParaRPr lang="en-GB" sz="2400"/>
+          </a:p>
+        </p:txBody>
+      </p:sp>
+      <p:sp>
+        <p:nvSpPr>
+          <p:cNvPr id="31" name="Right Arrow 30"/>
+          <p:cNvSpPr/>
+          <p:nvPr/>
+        </p:nvSpPr>
+        <p:spPr>
+          <a:xfrm rot="1294820">
+            <a:off x="6349502" y="3069793"/>
+            <a:ext cx="465612" cy="404696"/>
+          </a:xfrm>
+          <a:prstGeom prst="rightArrow">
+            <a:avLst/>
+          </a:prstGeom>
+          <a:solidFill>
+            <a:schemeClr val="accent3">
+              <a:lumMod val="75000"/>
+            </a:schemeClr>
+          </a:solidFill>
+          <a:ln>
+            <a:noFill/>
+          </a:ln>
+        </p:spPr>
+        <p:style>
+          <a:lnRef idx="2">
+            <a:schemeClr val="accent1">
+              <a:shade val="50000"/>
+            </a:schemeClr>
+          </a:lnRef>
+          <a:fillRef idx="1">
+            <a:schemeClr val="accent1"/>
+          </a:fillRef>
+          <a:effectRef idx="0">
+            <a:schemeClr val="accent1"/>
+          </a:effectRef>
+          <a:fontRef idx="minor">
+            <a:schemeClr val="lt1"/>
+          </a:fontRef>
+        </p:style>
+        <p:txBody>
+          <a:bodyPr rtlCol="0" anchor="ctr"/>
+          <a:lstStyle/>
+          <a:p>
+            <a:pPr algn="ctr"/>
+            <a:endParaRPr lang="en-GB" sz="2400"/>
+          </a:p>
+        </p:txBody>
+      </p:sp>
+      <p:sp>
+        <p:nvSpPr>
+          <p:cNvPr id="33" name="TextBox 32"/>
+          <p:cNvSpPr txBox="1"/>
+          <p:nvPr/>
+        </p:nvSpPr>
+        <p:spPr>
+          <a:xfrm>
+            <a:off x="4281528" y="2912101"/>
+            <a:ext cx="792088" cy="769441"/>
+          </a:xfrm>
+          <a:prstGeom prst="rect">
+            <a:avLst/>
+          </a:prstGeom>
+          <a:noFill/>
+        </p:spPr>
+        <p:txBody>
+          <a:bodyPr wrap="square" rtlCol="0">
+            <a:spAutoFit/>
+          </a:bodyPr>
+          <a:lstStyle/>
+          <a:p>
+            <a:r>
+              <a:rPr lang="en-GB" sz="4400" dirty="0" smtClean="0"/>
+              <a:t>VS</a:t>
+            </a:r>
+            <a:endParaRPr lang="en-GB" sz="4400" dirty="0"/>
+          </a:p>
+        </p:txBody>
+      </p:sp>
+      <mc:AlternateContent xmlns:mc="http://schemas.openxmlformats.org/markup-compatibility/2006">
+        <mc:Choice xmlns:a14="http://schemas.microsoft.com/office/drawing/2010/main" Requires="a14">
+          <p:sp>
+            <p:nvSpPr>
+              <p:cNvPr id="34" name="TextBox 33"/>
+              <p:cNvSpPr txBox="1"/>
+              <p:nvPr/>
+            </p:nvSpPr>
+            <p:spPr>
+              <a:xfrm>
+                <a:off x="834995" y="4674094"/>
+                <a:ext cx="8309005" cy="552972"/>
+              </a:xfrm>
+              <a:prstGeom prst="rect">
+                <a:avLst/>
+              </a:prstGeom>
+              <a:noFill/>
+            </p:spPr>
+            <p:txBody>
+              <a:bodyPr wrap="none" rtlCol="0">
+                <a:spAutoFit/>
+              </a:bodyPr>
+              <a:lstStyle/>
+              <a:p>
+                <a14:m>
+                  <m:oMathPara xmlns:m="http://schemas.openxmlformats.org/officeDocument/2006/math">
+                    <m:oMathParaPr>
+                      <m:jc m:val="centerGroup"/>
+                    </m:oMathParaPr>
+                    <m:oMath xmlns:m="http://schemas.openxmlformats.org/officeDocument/2006/math">
+                      <m:r>
+                        <a:rPr lang="en-GB" sz="2000" b="0" i="1" smtClean="0">
+                          <a:latin typeface="Cambria Math"/>
+                        </a:rPr>
+                        <m:t>𝜑</m:t>
+                      </m:r>
+                      <m:d>
+                        <m:dPr>
+                          <m:ctrlPr>
+                            <a:rPr lang="en-GB" sz="2000" b="0" i="1" smtClean="0">
+                              <a:latin typeface="Cambria Math"/>
+                            </a:rPr>
+                          </m:ctrlPr>
+                        </m:dPr>
+                        <m:e>
+                          <m:r>
+                            <a:rPr lang="en-GB" sz="2000" b="0" i="1" smtClean="0">
+                              <a:latin typeface="Cambria Math"/>
+                            </a:rPr>
+                            <m:t>𝑋</m:t>
+                          </m:r>
+                          <m:r>
+                            <a:rPr lang="en-GB" sz="2000" b="0" i="1" smtClean="0">
+                              <a:latin typeface="Cambria Math"/>
+                            </a:rPr>
+                            <m:t>;</m:t>
+                          </m:r>
+                          <m:r>
+                            <a:rPr lang="en-GB" sz="2000" b="0" i="1" smtClean="0">
+                              <a:latin typeface="Cambria Math"/>
+                            </a:rPr>
+                            <m:t>𝑀</m:t>
+                          </m:r>
+                          <m:r>
+                            <a:rPr lang="en-GB" sz="2000" b="0" i="1" smtClean="0">
+                              <a:latin typeface="Cambria Math"/>
+                            </a:rPr>
+                            <m:t>,</m:t>
+                          </m:r>
+                          <m:r>
+                            <a:rPr lang="en-GB" sz="2000" b="0" i="1" smtClean="0">
+                              <a:latin typeface="Cambria Math"/>
+                            </a:rPr>
+                            <m:t>𝑁</m:t>
+                          </m:r>
+                          <m:r>
+                            <a:rPr lang="en-GB" sz="2000" b="0" i="1" smtClean="0">
+                              <a:latin typeface="Cambria Math"/>
+                            </a:rPr>
+                            <m:t> </m:t>
+                          </m:r>
+                        </m:e>
+                      </m:d>
+                      <m:r>
+                        <a:rPr lang="en-GB" sz="2000" b="0" i="1" smtClean="0">
+                          <a:latin typeface="Cambria Math"/>
+                        </a:rPr>
+                        <m:t>=</m:t>
+                      </m:r>
+                      <m:r>
+                        <a:rPr lang="en-GB" sz="2000" b="0" i="1" smtClean="0">
+                          <a:latin typeface="Cambria Math"/>
+                        </a:rPr>
+                        <m:t>𝐷</m:t>
+                      </m:r>
+                      <m:d>
+                        <m:dPr>
+                          <m:ctrlPr>
+                            <a:rPr lang="en-GB" sz="2000" b="0" i="1" smtClean="0">
+                              <a:latin typeface="Cambria Math"/>
+                            </a:rPr>
+                          </m:ctrlPr>
+                        </m:dPr>
+                        <m:e>
+                          <m:r>
+                            <a:rPr lang="en-GB" sz="2000" i="1">
+                              <a:latin typeface="Cambria Math"/>
+                            </a:rPr>
+                            <m:t>𝑝</m:t>
+                          </m:r>
+                          <m:d>
+                            <m:dPr>
+                              <m:ctrlPr>
+                                <a:rPr lang="en-GB" sz="2000" i="1">
+                                  <a:latin typeface="Cambria Math"/>
+                                </a:rPr>
+                              </m:ctrlPr>
+                            </m:dPr>
+                            <m:e>
+                              <m:sSup>
+                                <m:sSupPr>
+                                  <m:ctrlPr>
+                                    <a:rPr lang="en-GB" sz="2000" i="1">
+                                      <a:latin typeface="Cambria Math"/>
+                                    </a:rPr>
+                                  </m:ctrlPr>
+                                </m:sSupPr>
+                                <m:e>
+                                  <m:r>
+                                    <a:rPr lang="en-GB" sz="2000" i="1">
+                                      <a:latin typeface="Cambria Math"/>
+                                    </a:rPr>
+                                    <m:t>𝐺</m:t>
+                                  </m:r>
+                                </m:e>
+                                <m:sup>
+                                  <m:r>
+                                    <a:rPr lang="en-GB" sz="2000" i="1">
+                                      <a:latin typeface="Cambria Math"/>
+                                    </a:rPr>
+                                    <m:t>𝑓</m:t>
+                                  </m:r>
+                                </m:sup>
+                              </m:sSup>
+                            </m:e>
+                            <m:e>
+                              <m:sSup>
+                                <m:sSupPr>
+                                  <m:ctrlPr>
+                                    <a:rPr lang="en-GB" sz="2000" i="1">
+                                      <a:latin typeface="Cambria Math"/>
+                                    </a:rPr>
+                                  </m:ctrlPr>
+                                </m:sSupPr>
+                                <m:e>
+                                  <m:r>
+                                    <a:rPr lang="en-GB" sz="2000" i="1">
+                                      <a:latin typeface="Cambria Math"/>
+                                    </a:rPr>
+                                    <m:t>𝐺</m:t>
+                                  </m:r>
+                                </m:e>
+                                <m:sup>
+                                  <m:r>
+                                    <a:rPr lang="en-GB" sz="2000" i="1">
+                                      <a:latin typeface="Cambria Math"/>
+                                    </a:rPr>
+                                    <m:t>𝑐</m:t>
+                                  </m:r>
+                                </m:sup>
+                              </m:sSup>
+                              <m:r>
+                                <a:rPr lang="en-GB" sz="2000" i="1">
+                                  <a:latin typeface="Cambria Math"/>
+                                </a:rPr>
+                                <m:t>=</m:t>
+                              </m:r>
+                              <m:r>
+                                <a:rPr lang="en-GB" sz="2000" i="1">
+                                  <a:latin typeface="Cambria Math"/>
+                                </a:rPr>
+                                <m:t>𝑋</m:t>
+                              </m:r>
+                            </m:e>
+                          </m:d>
+                          <m:r>
+                            <a:rPr lang="en-GB" sz="2000" b="0" i="1" smtClean="0">
+                              <a:latin typeface="Cambria Math"/>
+                            </a:rPr>
+                            <m:t>,</m:t>
+                          </m:r>
+                          <m:r>
+                            <a:rPr lang="en-GB" sz="2000" i="1">
+                              <a:latin typeface="Cambria Math"/>
+                            </a:rPr>
+                            <m:t>𝑝</m:t>
+                          </m:r>
+                          <m:d>
+                            <m:dPr>
+                              <m:ctrlPr>
+                                <a:rPr lang="en-GB" sz="2000" i="1">
+                                  <a:latin typeface="Cambria Math"/>
+                                </a:rPr>
+                              </m:ctrlPr>
+                            </m:dPr>
+                            <m:e>
+                              <m:sSup>
+                                <m:sSupPr>
+                                  <m:ctrlPr>
+                                    <a:rPr lang="en-GB" sz="2000" i="1">
+                                      <a:latin typeface="Cambria Math"/>
+                                    </a:rPr>
+                                  </m:ctrlPr>
+                                </m:sSupPr>
+                                <m:e>
+                                  <m:r>
+                                    <a:rPr lang="en-GB" sz="2000" b="0" i="1" smtClean="0">
+                                      <a:latin typeface="Cambria Math"/>
+                                    </a:rPr>
+                                    <m:t>𝑀</m:t>
+                                  </m:r>
+                                </m:e>
+                                <m:sup>
+                                  <m:r>
+                                    <a:rPr lang="en-GB" sz="2000" i="1">
+                                      <a:latin typeface="Cambria Math"/>
+                                    </a:rPr>
+                                    <m:t>𝑓</m:t>
+                                  </m:r>
+                                </m:sup>
+                              </m:sSup>
+                            </m:e>
+                            <m:e>
+                              <m:sSup>
+                                <m:sSupPr>
+                                  <m:ctrlPr>
+                                    <a:rPr lang="en-GB" sz="2000" i="1">
+                                      <a:latin typeface="Cambria Math"/>
+                                    </a:rPr>
+                                  </m:ctrlPr>
+                                </m:sSupPr>
+                                <m:e>
+                                  <m:r>
+                                    <a:rPr lang="en-GB" sz="2000" b="0" i="1" smtClean="0">
+                                      <a:latin typeface="Cambria Math"/>
+                                    </a:rPr>
+                                    <m:t>𝑁</m:t>
+                                  </m:r>
+                                </m:e>
+                                <m:sup>
+                                  <m:r>
+                                    <a:rPr lang="en-GB" sz="2000" i="1">
+                                      <a:latin typeface="Cambria Math"/>
+                                    </a:rPr>
+                                    <m:t>𝑐</m:t>
+                                  </m:r>
+                                </m:sup>
+                              </m:sSup>
+                              <m:r>
+                                <a:rPr lang="en-GB" sz="2000" i="1">
+                                  <a:latin typeface="Cambria Math"/>
+                                </a:rPr>
+                                <m:t>=</m:t>
+                              </m:r>
+                              <m:sSub>
+                                <m:sSubPr>
+                                  <m:ctrlPr>
+                                    <a:rPr lang="en-GB" sz="2000" i="1" smtClean="0">
+                                      <a:latin typeface="Cambria Math"/>
+                                    </a:rPr>
+                                  </m:ctrlPr>
+                                </m:sSubPr>
+                                <m:e>
+                                  <m:r>
+                                    <a:rPr lang="en-GB" sz="2000" b="0" i="1" smtClean="0">
+                                      <a:latin typeface="Cambria Math"/>
+                                    </a:rPr>
+                                    <m:t>𝑋</m:t>
+                                  </m:r>
+                                </m:e>
+                                <m:sub>
+                                  <m:r>
+                                    <a:rPr lang="en-GB" sz="2000" b="0" i="1" smtClean="0">
+                                      <a:latin typeface="Cambria Math"/>
+                                    </a:rPr>
+                                    <m:t>𝑁</m:t>
+                                  </m:r>
+                                </m:sub>
+                              </m:sSub>
+                            </m:e>
+                          </m:d>
+                          <m:r>
+                            <a:rPr lang="en-GB" sz="2000" i="1">
+                              <a:latin typeface="Cambria Math"/>
+                            </a:rPr>
+                            <m:t>𝑝</m:t>
+                          </m:r>
+                          <m:d>
+                            <m:dPr>
+                              <m:ctrlPr>
+                                <a:rPr lang="en-GB" sz="2000" i="1">
+                                  <a:latin typeface="Cambria Math"/>
+                                </a:rPr>
+                              </m:ctrlPr>
+                            </m:dPr>
+                            <m:e>
+                              <m:sSup>
+                                <m:sSupPr>
+                                  <m:ctrlPr>
+                                    <a:rPr lang="en-GB" sz="2000" i="1">
+                                      <a:latin typeface="Cambria Math"/>
+                                    </a:rPr>
+                                  </m:ctrlPr>
+                                </m:sSupPr>
+                                <m:e>
+                                  <m:r>
+                                    <a:rPr lang="en-GB" sz="2000" i="1">
+                                      <a:latin typeface="Cambria Math"/>
+                                    </a:rPr>
+                                    <m:t>𝐺</m:t>
+                                  </m:r>
+                                  <m:r>
+                                    <a:rPr lang="en-GB" sz="2000" b="0" i="1" smtClean="0">
+                                      <a:latin typeface="Cambria Math"/>
+                                    </a:rPr>
+                                    <m:t>\</m:t>
+                                  </m:r>
+                                  <m:r>
+                                    <a:rPr lang="en-GB" sz="2000" b="0" i="1" smtClean="0">
+                                      <a:latin typeface="Cambria Math"/>
+                                    </a:rPr>
+                                    <m:t>𝑀</m:t>
+                                  </m:r>
+                                </m:e>
+                                <m:sup>
+                                  <m:r>
+                                    <a:rPr lang="en-GB" sz="2000" i="1">
+                                      <a:latin typeface="Cambria Math"/>
+                                    </a:rPr>
+                                    <m:t>𝑓</m:t>
+                                  </m:r>
+                                </m:sup>
+                              </m:sSup>
+                            </m:e>
+                            <m:e>
+                              <m:sSup>
+                                <m:sSupPr>
+                                  <m:ctrlPr>
+                                    <a:rPr lang="en-GB" sz="2000" i="1">
+                                      <a:latin typeface="Cambria Math"/>
+                                    </a:rPr>
+                                  </m:ctrlPr>
+                                </m:sSupPr>
+                                <m:e>
+                                  <m:r>
+                                    <a:rPr lang="en-GB" sz="2000" i="1">
+                                      <a:latin typeface="Cambria Math"/>
+                                    </a:rPr>
+                                    <m:t>𝐺</m:t>
+                                  </m:r>
+                                  <m:r>
+                                    <a:rPr lang="en-GB" sz="2000" b="0" i="1" smtClean="0">
+                                      <a:latin typeface="Cambria Math"/>
+                                    </a:rPr>
+                                    <m:t>\</m:t>
+                                  </m:r>
+                                  <m:r>
+                                    <a:rPr lang="en-GB" sz="2000" b="0" i="1" smtClean="0">
+                                      <a:latin typeface="Cambria Math"/>
+                                    </a:rPr>
+                                    <m:t>𝑁</m:t>
+                                  </m:r>
+                                </m:e>
+                                <m:sup>
+                                  <m:r>
+                                    <a:rPr lang="en-GB" sz="2000" i="1">
+                                      <a:latin typeface="Cambria Math"/>
+                                    </a:rPr>
+                                    <m:t>𝑐</m:t>
+                                  </m:r>
+                                </m:sup>
+                              </m:sSup>
+                              <m:r>
+                                <a:rPr lang="en-GB" sz="2000" i="1">
+                                  <a:latin typeface="Cambria Math"/>
+                                </a:rPr>
+                                <m:t>=</m:t>
+                              </m:r>
+                              <m:sSub>
+                                <m:sSubPr>
+                                  <m:ctrlPr>
+                                    <a:rPr lang="en-GB" sz="2000" i="1" smtClean="0">
+                                      <a:latin typeface="Cambria Math"/>
+                                    </a:rPr>
+                                  </m:ctrlPr>
+                                </m:sSubPr>
+                                <m:e>
+                                  <m:r>
+                                    <a:rPr lang="en-GB" sz="2000" b="0" i="1" smtClean="0">
+                                      <a:latin typeface="Cambria Math"/>
+                                    </a:rPr>
+                                    <m:t>𝑋</m:t>
+                                  </m:r>
+                                </m:e>
+                                <m:sub>
+                                  <m:r>
+                                    <a:rPr lang="en-GB" sz="2000" b="0" i="1" smtClean="0">
+                                      <a:latin typeface="Cambria Math"/>
+                                    </a:rPr>
+                                    <m:t>𝐺</m:t>
+                                  </m:r>
+                                  <m:r>
+                                    <a:rPr lang="en-GB" sz="2000" b="0" i="1" smtClean="0">
+                                      <a:latin typeface="Cambria Math"/>
+                                    </a:rPr>
+                                    <m:t>\</m:t>
+                                  </m:r>
+                                  <m:r>
+                                    <a:rPr lang="en-GB" sz="2000" b="0" i="1" smtClean="0">
+                                      <a:latin typeface="Cambria Math"/>
+                                    </a:rPr>
+                                    <m:t>𝑁</m:t>
+                                  </m:r>
+                                </m:sub>
+                              </m:sSub>
+                            </m:e>
+                          </m:d>
+                        </m:e>
+                      </m:d>
+                    </m:oMath>
+                  </m:oMathPara>
+                </a14:m>
+                <a:endParaRPr lang="en-GB" sz="2000" i="1" dirty="0"/>
+              </a:p>
+            </p:txBody>
+          </p:sp>
+        </mc:Choice>
+        <mc:Fallback>
+          <p:sp>
+            <p:nvSpPr>
+              <p:cNvPr id="34" name="TextBox 33"/>
+              <p:cNvSpPr txBox="1">
+                <a:spLocks noRot="1" noChangeAspect="1" noMove="1" noResize="1" noEditPoints="1" noAdjustHandles="1" noChangeArrowheads="1" noChangeShapeType="1" noTextEdit="1"/>
+              </p:cNvSpPr>
+              <p:nvPr/>
+            </p:nvSpPr>
+            <p:spPr>
+              <a:xfrm>
+                <a:off x="834995" y="4674094"/>
+                <a:ext cx="8309005" cy="552972"/>
               </a:xfrm>
               <a:prstGeom prst="rect">
                 <a:avLst/>
@@ -15829,14 +20140,14 @@
         <mc:Choice xmlns:a14="http://schemas.microsoft.com/office/drawing/2010/main" Requires="a14">
           <p:sp>
             <p:nvSpPr>
-              <p:cNvPr id="3" name="TextBox 2"/>
+              <p:cNvPr id="35" name="TextBox 34"/>
               <p:cNvSpPr txBox="1"/>
               <p:nvPr/>
             </p:nvSpPr>
             <p:spPr>
               <a:xfrm>
-                <a:off x="971600" y="1412776"/>
-                <a:ext cx="4878323" cy="1268552"/>
+                <a:off x="2132612" y="5445224"/>
+                <a:ext cx="5089920" cy="717761"/>
               </a:xfrm>
               <a:prstGeom prst="rect">
                 <a:avLst/>
@@ -15855,257 +20166,189 @@
                       <m:jc m:val="centerGroup"/>
                     </m:oMathParaPr>
                     <m:oMath xmlns:m="http://schemas.openxmlformats.org/officeDocument/2006/math">
-                      <m:r>
-                        <a:rPr lang="en-GB" sz="2800" b="0" i="1" smtClean="0">
-                          <a:latin typeface="Cambria Math" pitchFamily="18" charset="0"/>
-                          <a:ea typeface="Cambria Math" pitchFamily="18" charset="0"/>
-                        </a:rPr>
-                        <m:t>𝑝</m:t>
-                      </m:r>
+                      <m:sSup>
+                        <m:sSupPr>
+                          <m:ctrlPr>
+                            <a:rPr lang="en-GB" sz="2800" i="1" smtClean="0">
+                              <a:latin typeface="Cambria Math"/>
+                            </a:rPr>
+                          </m:ctrlPr>
+                        </m:sSupPr>
+                        <m:e>
+                          <m:r>
+                            <a:rPr lang="en-GB" sz="2800" b="0" i="1" smtClean="0">
+                              <a:latin typeface="Cambria Math"/>
+                            </a:rPr>
+                            <m:t>𝜑</m:t>
+                          </m:r>
+                        </m:e>
+                        <m:sup>
+                          <m:r>
+                            <a:rPr lang="en-GB" sz="2800" b="0" i="1" smtClean="0">
+                              <a:latin typeface="Cambria Math"/>
+                            </a:rPr>
+                            <m:t>𝑀𝐼𝑃</m:t>
+                          </m:r>
+                        </m:sup>
+                      </m:sSup>
                       <m:d>
                         <m:dPr>
                           <m:ctrlPr>
                             <a:rPr lang="en-GB" sz="2800" b="0" i="1" smtClean="0">
-                              <a:latin typeface="Cambria Math" pitchFamily="18" charset="0"/>
-                              <a:ea typeface="Cambria Math" pitchFamily="18" charset="0"/>
+                              <a:latin typeface="Cambria Math"/>
                             </a:rPr>
                           </m:ctrlPr>
                         </m:dPr>
                         <m:e>
-                          <m:sSup>
-                            <m:sSupPr>
-                              <m:ctrlPr>
-                                <a:rPr lang="en-GB" sz="2800" b="0" i="1" smtClean="0">
-                                  <a:latin typeface="Cambria Math" pitchFamily="18" charset="0"/>
-                                  <a:ea typeface="Cambria Math" pitchFamily="18" charset="0"/>
-                                </a:rPr>
-                              </m:ctrlPr>
-                            </m:sSupPr>
-                            <m:e>
-                              <m:r>
-                                <a:rPr lang="en-GB" sz="2800" b="0" i="1" smtClean="0">
-                                  <a:latin typeface="Cambria Math" pitchFamily="18" charset="0"/>
-                                  <a:ea typeface="Cambria Math" pitchFamily="18" charset="0"/>
-                                </a:rPr>
-                                <m:t>𝐺</m:t>
-                              </m:r>
-                            </m:e>
-                            <m:sup>
-                              <m:r>
-                                <a:rPr lang="en-GB" sz="2800" b="0" i="1" smtClean="0">
-                                  <a:latin typeface="Cambria Math" pitchFamily="18" charset="0"/>
-                                  <a:ea typeface="Cambria Math" pitchFamily="18" charset="0"/>
-                                </a:rPr>
-                                <m:t>𝑡</m:t>
-                              </m:r>
-                              <m:r>
-                                <a:rPr lang="en-GB" sz="2800" b="0" i="1" smtClean="0">
-                                  <a:latin typeface="Cambria Math" pitchFamily="18" charset="0"/>
-                                  <a:ea typeface="Cambria Math" pitchFamily="18" charset="0"/>
-                                </a:rPr>
-                                <m:t>+1</m:t>
-                              </m:r>
-                            </m:sup>
-                          </m:sSup>
-                        </m:e>
-                        <m:e>
-                          <m:sSup>
-                            <m:sSupPr>
-                              <m:ctrlPr>
-                                <a:rPr lang="en-GB" sz="2800" b="0" i="1" smtClean="0">
-                                  <a:latin typeface="Cambria Math" pitchFamily="18" charset="0"/>
-                                  <a:ea typeface="Cambria Math" pitchFamily="18" charset="0"/>
-                                </a:rPr>
-                              </m:ctrlPr>
-                            </m:sSupPr>
-                            <m:e>
-                              <m:r>
-                                <a:rPr lang="en-GB" sz="2800" b="0" i="1" smtClean="0">
-                                  <a:latin typeface="Cambria Math" pitchFamily="18" charset="0"/>
-                                  <a:ea typeface="Cambria Math" pitchFamily="18" charset="0"/>
-                                </a:rPr>
-                                <m:t>𝐺</m:t>
-                              </m:r>
-                            </m:e>
-                            <m:sup>
-                              <m:r>
-                                <a:rPr lang="en-GB" sz="2800" b="0" i="1" smtClean="0">
-                                  <a:latin typeface="Cambria Math" pitchFamily="18" charset="0"/>
-                                  <a:ea typeface="Cambria Math" pitchFamily="18" charset="0"/>
-                                </a:rPr>
-                                <m:t>𝑡</m:t>
-                              </m:r>
-                            </m:sup>
-                          </m:sSup>
+                          <m:r>
+                            <a:rPr lang="en-GB" sz="2800" b="0" i="1" smtClean="0">
+                              <a:latin typeface="Cambria Math"/>
+                            </a:rPr>
+                            <m:t>𝑋</m:t>
+                          </m:r>
                         </m:e>
                       </m:d>
                       <m:r>
                         <a:rPr lang="en-GB" sz="2800" b="0" i="1" smtClean="0">
-                          <a:latin typeface="Cambria Math" pitchFamily="18" charset="0"/>
-                          <a:ea typeface="Cambria Math" pitchFamily="18" charset="0"/>
+                          <a:latin typeface="Cambria Math"/>
                         </a:rPr>
-                        <m:t>=</m:t>
+                        <m:t>= </m:t>
                       </m:r>
-                      <m:nary>
-                        <m:naryPr>
-                          <m:chr m:val="∏"/>
+                      <m:func>
+                        <m:funcPr>
                           <m:ctrlPr>
                             <a:rPr lang="en-GB" sz="2800" b="0" i="1" smtClean="0">
-                              <a:latin typeface="Cambria Math" pitchFamily="18" charset="0"/>
-                              <a:ea typeface="Cambria Math" pitchFamily="18" charset="0"/>
+                              <a:latin typeface="Cambria Math"/>
                             </a:rPr>
                           </m:ctrlPr>
-                        </m:naryPr>
-                        <m:sub>
+                        </m:funcPr>
+                        <m:fName>
+                          <m:limLow>
+                            <m:limLowPr>
+                              <m:ctrlPr>
+                                <a:rPr lang="en-GB" sz="2800" b="0" i="1" smtClean="0">
+                                  <a:latin typeface="Cambria Math"/>
+                                </a:rPr>
+                              </m:ctrlPr>
+                            </m:limLowPr>
+                            <m:e>
+                              <m:r>
+                                <m:rPr>
+                                  <m:sty m:val="p"/>
+                                </m:rPr>
+                                <a:rPr lang="en-GB" sz="2800" b="0" i="0" smtClean="0">
+                                  <a:latin typeface="Cambria Math"/>
+                                </a:rPr>
+                                <m:t>min</m:t>
+                              </m:r>
+                            </m:e>
+                            <m:lim>
+                              <m:r>
+                                <a:rPr lang="en-GB" sz="2800" b="0" i="1" smtClean="0">
+                                  <a:latin typeface="Cambria Math"/>
+                                </a:rPr>
+                                <m:t>𝑁</m:t>
+                              </m:r>
+                              <m:r>
+                                <a:rPr lang="en-GB" sz="2800" b="0" i="1" smtClean="0">
+                                  <a:latin typeface="Cambria Math"/>
+                                </a:rPr>
+                                <m:t>,</m:t>
+                              </m:r>
+                              <m:r>
+                                <a:rPr lang="en-GB" sz="2800" b="0" i="1" smtClean="0">
+                                  <a:latin typeface="Cambria Math"/>
+                                </a:rPr>
+                                <m:t>𝑀</m:t>
+                              </m:r>
+                              <m:r>
+                                <a:rPr lang="en-GB" sz="2800" b="0" i="1" smtClean="0">
+                                  <a:latin typeface="Cambria Math"/>
+                                </a:rPr>
+                                <m:t>∈</m:t>
+                              </m:r>
+                              <m:r>
+                                <a:rPr lang="en-GB" sz="2800" b="0" i="1" smtClean="0">
+                                  <a:latin typeface="Cambria Math"/>
+                                </a:rPr>
+                                <m:t>𝑃</m:t>
+                              </m:r>
+                              <m:r>
+                                <a:rPr lang="en-GB" sz="2800" b="0" i="1" smtClean="0">
+                                  <a:latin typeface="Cambria Math"/>
+                                </a:rPr>
+                                <m:t>(</m:t>
+                              </m:r>
+                              <m:r>
+                                <a:rPr lang="en-GB" sz="2800" b="0" i="1" smtClean="0">
+                                  <a:latin typeface="Cambria Math"/>
+                                </a:rPr>
+                                <m:t>𝐺</m:t>
+                              </m:r>
+                              <m:r>
+                                <a:rPr lang="en-GB" sz="2800" b="0" i="1" smtClean="0">
+                                  <a:latin typeface="Cambria Math"/>
+                                </a:rPr>
+                                <m:t>)</m:t>
+                              </m:r>
+                            </m:lim>
+                          </m:limLow>
+                        </m:fName>
+                        <m:e>
                           <m:r>
-                            <m:rPr>
-                              <m:brk m:alnAt="23"/>
-                            </m:rPr>
                             <a:rPr lang="en-GB" sz="2800" b="0" i="1" smtClean="0">
-                              <a:latin typeface="Cambria Math" pitchFamily="18" charset="0"/>
-                              <a:ea typeface="Cambria Math" pitchFamily="18" charset="0"/>
+                              <a:latin typeface="Cambria Math"/>
                             </a:rPr>
-                            <m:t>𝑖</m:t>
+                            <m:t>𝜑</m:t>
                           </m:r>
                           <m:r>
                             <a:rPr lang="en-GB" sz="2800" b="0" i="1" smtClean="0">
-                              <a:latin typeface="Cambria Math" pitchFamily="18" charset="0"/>
-                              <a:ea typeface="Cambria Math" pitchFamily="18" charset="0"/>
+                              <a:latin typeface="Cambria Math"/>
                             </a:rPr>
-                            <m:t>=1</m:t>
-                          </m:r>
-                        </m:sub>
-                        <m:sup>
-                          <m:r>
-                            <a:rPr lang="en-GB" sz="2800" b="0" i="1" smtClean="0">
-                              <a:latin typeface="Cambria Math" pitchFamily="18" charset="0"/>
-                              <a:ea typeface="Cambria Math" pitchFamily="18" charset="0"/>
-                            </a:rPr>
-                            <m:t>𝑛</m:t>
-                          </m:r>
-                        </m:sup>
-                        <m:e>
-                          <m:r>
-                            <a:rPr lang="en-GB" sz="2800" b="0" i="1" smtClean="0">
-                              <a:latin typeface="Cambria Math" pitchFamily="18" charset="0"/>
-                              <a:ea typeface="Cambria Math" pitchFamily="18" charset="0"/>
-                            </a:rPr>
-                            <m:t>𝑝</m:t>
+                            <m:t>(</m:t>
                           </m:r>
                           <m:r>
                             <a:rPr lang="en-GB" sz="2800" b="0" i="1" smtClean="0">
-                              <a:latin typeface="Cambria Math" pitchFamily="18" charset="0"/>
-                              <a:ea typeface="Cambria Math" pitchFamily="18" charset="0"/>
+                              <a:latin typeface="Cambria Math"/>
                             </a:rPr>
-                            <m:t>(</m:t>
+                            <m:t>𝑋</m:t>
                           </m:r>
-                          <m:sSup>
-                            <m:sSupPr>
-                              <m:ctrlPr>
-                                <a:rPr lang="en-GB" sz="2800" b="0" i="1" smtClean="0">
-                                  <a:latin typeface="Cambria Math" pitchFamily="18" charset="0"/>
-                                  <a:ea typeface="Cambria Math" pitchFamily="18" charset="0"/>
-                                </a:rPr>
-                              </m:ctrlPr>
-                            </m:sSupPr>
-                            <m:e>
-                              <m:sSub>
-                                <m:sSubPr>
-                                  <m:ctrlPr>
-                                    <a:rPr lang="en-GB" sz="2800" b="0" i="1" smtClean="0">
-                                      <a:latin typeface="Cambria Math" pitchFamily="18" charset="0"/>
-                                      <a:ea typeface="Cambria Math" pitchFamily="18" charset="0"/>
-                                    </a:rPr>
-                                  </m:ctrlPr>
-                                </m:sSubPr>
-                                <m:e>
-                                  <m:r>
-                                    <a:rPr lang="en-GB" sz="2800" b="0" i="1" smtClean="0">
-                                      <a:latin typeface="Cambria Math" pitchFamily="18" charset="0"/>
-                                      <a:ea typeface="Cambria Math" pitchFamily="18" charset="0"/>
-                                    </a:rPr>
-                                    <m:t>𝐺</m:t>
-                                  </m:r>
-                                </m:e>
-                                <m:sub>
-                                  <m:r>
-                                    <a:rPr lang="en-GB" sz="2800" b="0" i="1" smtClean="0">
-                                      <a:latin typeface="Cambria Math" pitchFamily="18" charset="0"/>
-                                      <a:ea typeface="Cambria Math" pitchFamily="18" charset="0"/>
-                                    </a:rPr>
-                                    <m:t>𝑖</m:t>
-                                  </m:r>
-                                </m:sub>
-                              </m:sSub>
-                            </m:e>
-                            <m:sup>
-                              <m:r>
-                                <a:rPr lang="en-GB" sz="2800" b="0" i="1" smtClean="0">
-                                  <a:latin typeface="Cambria Math" pitchFamily="18" charset="0"/>
-                                  <a:ea typeface="Cambria Math" pitchFamily="18" charset="0"/>
-                                </a:rPr>
-                                <m:t>𝑡</m:t>
-                              </m:r>
-                              <m:r>
-                                <a:rPr lang="en-GB" sz="2800" b="0" i="1" smtClean="0">
-                                  <a:latin typeface="Cambria Math" pitchFamily="18" charset="0"/>
-                                  <a:ea typeface="Cambria Math" pitchFamily="18" charset="0"/>
-                                </a:rPr>
-                                <m:t>+1</m:t>
-                              </m:r>
-                            </m:sup>
-                          </m:sSup>
                           <m:r>
                             <a:rPr lang="en-GB" sz="2800" b="0" i="1" smtClean="0">
-                              <a:latin typeface="Cambria Math" pitchFamily="18" charset="0"/>
-                              <a:ea typeface="Cambria Math" pitchFamily="18" charset="0"/>
+                              <a:latin typeface="Cambria Math"/>
                             </a:rPr>
-                            <m:t>|</m:t>
+                            <m:t>;</m:t>
                           </m:r>
-                          <m:sSup>
-                            <m:sSupPr>
-                              <m:ctrlPr>
-                                <a:rPr lang="en-GB" sz="2800" b="0" i="1" smtClean="0">
-                                  <a:latin typeface="Cambria Math" pitchFamily="18" charset="0"/>
-                                  <a:ea typeface="Cambria Math" pitchFamily="18" charset="0"/>
-                                </a:rPr>
-                              </m:ctrlPr>
-                            </m:sSupPr>
-                            <m:e>
-                              <m:r>
-                                <a:rPr lang="en-GB" sz="2800" b="0" i="1" smtClean="0">
-                                  <a:latin typeface="Cambria Math" pitchFamily="18" charset="0"/>
-                                  <a:ea typeface="Cambria Math" pitchFamily="18" charset="0"/>
-                                </a:rPr>
-                                <m:t>𝐺</m:t>
-                              </m:r>
-                            </m:e>
-                            <m:sup>
-                              <m:r>
-                                <a:rPr lang="en-GB" sz="2800" b="0" i="1" smtClean="0">
-                                  <a:latin typeface="Cambria Math" pitchFamily="18" charset="0"/>
-                                  <a:ea typeface="Cambria Math" pitchFamily="18" charset="0"/>
-                                </a:rPr>
-                                <m:t>𝑡</m:t>
-                              </m:r>
-                            </m:sup>
-                          </m:sSup>
                           <m:r>
                             <a:rPr lang="en-GB" sz="2800" b="0" i="1" smtClean="0">
-                              <a:latin typeface="Cambria Math" pitchFamily="18" charset="0"/>
-                              <a:ea typeface="Cambria Math" pitchFamily="18" charset="0"/>
+                              <a:latin typeface="Cambria Math"/>
+                            </a:rPr>
+                            <m:t>𝑀</m:t>
+                          </m:r>
+                          <m:r>
+                            <a:rPr lang="en-GB" sz="2800" b="0" i="1" smtClean="0">
+                              <a:latin typeface="Cambria Math"/>
+                            </a:rPr>
+                            <m:t>,</m:t>
+                          </m:r>
+                          <m:r>
+                            <a:rPr lang="en-GB" sz="2800" b="0" i="1" smtClean="0">
+                              <a:latin typeface="Cambria Math"/>
+                            </a:rPr>
+                            <m:t>𝑁</m:t>
+                          </m:r>
+                          <m:r>
+                            <a:rPr lang="en-GB" sz="2800" b="0" i="1" smtClean="0">
+                              <a:latin typeface="Cambria Math"/>
                             </a:rPr>
                             <m:t>)</m:t>
                           </m:r>
                         </m:e>
-                      </m:nary>
+                      </m:func>
                     </m:oMath>
                   </m:oMathPara>
                 </a14:m>
-                <a:endParaRPr lang="en-GB" sz="2800" i="1" dirty="0">
-                  <a:latin typeface="Cambria Math" pitchFamily="18" charset="0"/>
-                  <a:ea typeface="Cambria Math" pitchFamily="18" charset="0"/>
-                </a:endParaRPr>
+                <a:endParaRPr lang="en-GB" sz="2800" dirty="0"/>
               </a:p>
             </p:txBody>
           </p:sp>
@@ -16113,7 +20356,7 @@
         <mc:Fallback>
           <p:sp>
             <p:nvSpPr>
-              <p:cNvPr id="3" name="TextBox 2"/>
+              <p:cNvPr id="35" name="TextBox 34"/>
               <p:cNvSpPr txBox="1">
                 <a:spLocks noRot="1" noChangeAspect="1" noMove="1" noResize="1" noEditPoints="1" noAdjustHandles="1" noChangeArrowheads="1" noChangeShapeType="1" noTextEdit="1"/>
               </p:cNvSpPr>
@@ -16121,8 +20364,8 @@
             </p:nvSpPr>
             <p:spPr>
               <a:xfrm>
-                <a:off x="971600" y="1412776"/>
-                <a:ext cx="4878323" cy="1268552"/>
+                <a:off x="2132612" y="5445224"/>
+                <a:ext cx="5089920" cy="717761"/>
               </a:xfrm>
               <a:prstGeom prst="rect">
                 <a:avLst/>
@@ -16153,14 +20396,14 @@
         <mc:Choice xmlns:a14="http://schemas.microsoft.com/office/drawing/2010/main" Requires="a14">
           <p:sp>
             <p:nvSpPr>
-              <p:cNvPr id="4" name="TextBox 3"/>
+              <p:cNvPr id="36" name="TextBox 35"/>
               <p:cNvSpPr txBox="1"/>
               <p:nvPr/>
             </p:nvSpPr>
             <p:spPr>
               <a:xfrm>
-                <a:off x="755576" y="4899283"/>
-                <a:ext cx="6768752" cy="1317348"/>
+                <a:off x="3594038" y="1008269"/>
+                <a:ext cx="2167068" cy="535146"/>
               </a:xfrm>
               <a:prstGeom prst="rect">
                 <a:avLst/>
@@ -16168,7 +20411,7 @@
               <a:noFill/>
             </p:spPr>
             <p:txBody>
-              <a:bodyPr wrap="square" rtlCol="0">
+              <a:bodyPr wrap="none" rtlCol="0">
                 <a:spAutoFit/>
               </a:bodyPr>
               <a:lstStyle/>
@@ -16179,290 +20422,66 @@
                       <m:jc m:val="centerGroup"/>
                     </m:oMathParaPr>
                     <m:oMath xmlns:m="http://schemas.openxmlformats.org/officeDocument/2006/math">
-                      <m:sSub>
-                        <m:sSubPr>
+                      <m:sSup>
+                        <m:sSupPr>
                           <m:ctrlPr>
                             <a:rPr lang="en-GB" sz="2800" i="1" smtClean="0">
-                              <a:latin typeface="Cambria Math" pitchFamily="18" charset="0"/>
-                              <a:ea typeface="Cambria Math" pitchFamily="18" charset="0"/>
+                              <a:latin typeface="Cambria Math"/>
                             </a:rPr>
                           </m:ctrlPr>
-                        </m:sSubPr>
+                        </m:sSupPr>
                         <m:e>
                           <m:r>
                             <a:rPr lang="en-GB" sz="2800" b="0" i="1" smtClean="0">
-                              <a:latin typeface="Cambria Math" pitchFamily="18" charset="0"/>
-                              <a:ea typeface="Cambria Math" pitchFamily="18" charset="0"/>
+                              <a:latin typeface="Cambria Math"/>
                             </a:rPr>
-                            <m:t>𝑇</m:t>
+                            <m:t>𝐴𝐵𝐶</m:t>
                           </m:r>
                         </m:e>
-                        <m:sub>
-                          <m:r>
-                            <a:rPr lang="en-GB" sz="2800" b="0" i="1" smtClean="0">
-                              <a:latin typeface="Cambria Math" pitchFamily="18" charset="0"/>
-                              <a:ea typeface="Cambria Math" pitchFamily="18" charset="0"/>
-                            </a:rPr>
-                            <m:t>𝑖𝑘</m:t>
-                          </m:r>
-                        </m:sub>
-                      </m:sSub>
-                      <m:r>
-                        <a:rPr lang="en-GB" sz="2800" b="0" i="0" smtClean="0">
-                          <a:latin typeface="Cambria Math" pitchFamily="18" charset="0"/>
-                          <a:ea typeface="Cambria Math" pitchFamily="18" charset="0"/>
-                        </a:rPr>
-                        <m:t>=</m:t>
-                      </m:r>
-                      <m:nary>
-                        <m:naryPr>
-                          <m:chr m:val="∏"/>
-                          <m:ctrlPr>
-                            <a:rPr lang="en-GB" sz="2800" i="1" smtClean="0">
-                              <a:latin typeface="Cambria Math" pitchFamily="18" charset="0"/>
-                              <a:ea typeface="Cambria Math" pitchFamily="18" charset="0"/>
-                            </a:rPr>
-                          </m:ctrlPr>
-                        </m:naryPr>
-                        <m:sub>
-                          <m:r>
-                            <m:rPr>
-                              <m:brk m:alnAt="23"/>
-                            </m:rPr>
-                            <a:rPr lang="en-GB" sz="2800" b="0" i="1" smtClean="0">
-                              <a:latin typeface="Cambria Math" pitchFamily="18" charset="0"/>
-                              <a:ea typeface="Cambria Math" pitchFamily="18" charset="0"/>
-                            </a:rPr>
-                            <m:t>𝑗</m:t>
-                          </m:r>
-                          <m:r>
-                            <a:rPr lang="en-GB" sz="2800" b="0" i="1" smtClean="0">
-                              <a:latin typeface="Cambria Math" pitchFamily="18" charset="0"/>
-                              <a:ea typeface="Cambria Math" pitchFamily="18" charset="0"/>
-                            </a:rPr>
-                            <m:t>=1</m:t>
-                          </m:r>
-                        </m:sub>
                         <m:sup>
                           <m:r>
                             <a:rPr lang="en-GB" sz="2800" b="0" i="1" smtClean="0">
-                              <a:latin typeface="Cambria Math" pitchFamily="18" charset="0"/>
-                              <a:ea typeface="Cambria Math" pitchFamily="18" charset="0"/>
+                              <a:latin typeface="Cambria Math"/>
                             </a:rPr>
-                            <m:t>𝑛</m:t>
+                            <m:t>𝑐</m:t>
                           </m:r>
                         </m:sup>
+                      </m:sSup>
+                      <m:r>
+                        <a:rPr lang="en-GB" sz="2800" b="0" i="1" smtClean="0">
+                          <a:latin typeface="Cambria Math"/>
+                        </a:rPr>
+                        <m:t>/</m:t>
+                      </m:r>
+                      <m:sSup>
+                        <m:sSupPr>
+                          <m:ctrlPr>
+                            <a:rPr lang="en-GB" sz="2800" b="0" i="1" smtClean="0">
+                              <a:latin typeface="Cambria Math"/>
+                            </a:rPr>
+                          </m:ctrlPr>
+                        </m:sSupPr>
                         <m:e>
-                          <m:d>
-                            <m:dPr>
-                              <m:begChr m:val="["/>
-                              <m:endChr m:val="]"/>
-                              <m:ctrlPr>
-                                <a:rPr lang="en-GB" sz="2800" i="1" smtClean="0">
-                                  <a:latin typeface="Cambria Math" pitchFamily="18" charset="0"/>
-                                  <a:ea typeface="Cambria Math" pitchFamily="18" charset="0"/>
-                                </a:rPr>
-                              </m:ctrlPr>
-                            </m:dPr>
-                            <m:e>
-                              <m:sSub>
-                                <m:sSubPr>
-                                  <m:ctrlPr>
-                                    <a:rPr lang="en-GB" sz="2800" i="1">
-                                      <a:latin typeface="Cambria Math" pitchFamily="18" charset="0"/>
-                                      <a:ea typeface="Cambria Math" pitchFamily="18" charset="0"/>
-                                    </a:rPr>
-                                  </m:ctrlPr>
-                                </m:sSubPr>
-                                <m:e>
-                                  <m:acc>
-                                    <m:accPr>
-                                      <m:chr m:val="̃"/>
-                                      <m:ctrlPr>
-                                        <a:rPr lang="en-GB" sz="2800" i="1">
-                                          <a:latin typeface="Cambria Math" pitchFamily="18" charset="0"/>
-                                          <a:ea typeface="Cambria Math" pitchFamily="18" charset="0"/>
-                                        </a:rPr>
-                                      </m:ctrlPr>
-                                    </m:accPr>
-                                    <m:e>
-                                      <m:r>
-                                        <a:rPr lang="en-GB" sz="2800" i="1">
-                                          <a:latin typeface="Cambria Math" pitchFamily="18" charset="0"/>
-                                          <a:ea typeface="Cambria Math" pitchFamily="18" charset="0"/>
-                                        </a:rPr>
-                                        <m:t>𝑇</m:t>
-                                      </m:r>
-                                    </m:e>
-                                  </m:acc>
-                                </m:e>
-                                <m:sub>
-                                  <m:r>
-                                    <a:rPr lang="en-GB" sz="2800" i="1">
-                                      <a:latin typeface="Cambria Math" pitchFamily="18" charset="0"/>
-                                      <a:ea typeface="Cambria Math" pitchFamily="18" charset="0"/>
-                                    </a:rPr>
-                                    <m:t>𝑖𝑗</m:t>
-                                  </m:r>
-                                </m:sub>
-                              </m:sSub>
-                              <m:r>
-                                <a:rPr lang="en-GB" sz="2800" i="1">
-                                  <a:latin typeface="Cambria Math" pitchFamily="18" charset="0"/>
-                                  <a:ea typeface="Cambria Math" pitchFamily="18" charset="0"/>
-                                </a:rPr>
-                                <m:t>𝛿</m:t>
-                              </m:r>
-                              <m:r>
-                                <a:rPr lang="en-GB" sz="2800" i="1">
-                                  <a:latin typeface="Cambria Math" pitchFamily="18" charset="0"/>
-                                  <a:ea typeface="Cambria Math" pitchFamily="18" charset="0"/>
-                                </a:rPr>
-                                <m:t>(</m:t>
-                              </m:r>
-                              <m:sSub>
-                                <m:sSubPr>
-                                  <m:ctrlPr>
-                                    <a:rPr lang="en-GB" sz="2800" i="1">
-                                      <a:latin typeface="Cambria Math" pitchFamily="18" charset="0"/>
-                                      <a:ea typeface="Cambria Math" pitchFamily="18" charset="0"/>
-                                    </a:rPr>
-                                  </m:ctrlPr>
-                                </m:sSubPr>
-                                <m:e>
-                                  <m:r>
-                                    <a:rPr lang="en-GB" sz="2800" i="1">
-                                      <a:latin typeface="Cambria Math" pitchFamily="18" charset="0"/>
-                                      <a:ea typeface="Cambria Math" pitchFamily="18" charset="0"/>
-                                    </a:rPr>
-                                    <m:t>𝑘</m:t>
-                                  </m:r>
-                                </m:e>
-                                <m:sub>
-                                  <m:r>
-                                    <a:rPr lang="en-GB" sz="2800" i="1">
-                                      <a:latin typeface="Cambria Math" pitchFamily="18" charset="0"/>
-                                      <a:ea typeface="Cambria Math" pitchFamily="18" charset="0"/>
-                                    </a:rPr>
-                                    <m:t>𝑗</m:t>
-                                  </m:r>
-                                </m:sub>
-                              </m:sSub>
-                              <m:r>
-                                <a:rPr lang="en-GB" sz="2800" i="1">
-                                  <a:latin typeface="Cambria Math" pitchFamily="18" charset="0"/>
-                                  <a:ea typeface="Cambria Math" pitchFamily="18" charset="0"/>
-                                </a:rPr>
-                                <m:t>−1)+(1−</m:t>
-                              </m:r>
-                              <m:sSub>
-                                <m:sSubPr>
-                                  <m:ctrlPr>
-                                    <a:rPr lang="en-GB" sz="2800" i="1">
-                                      <a:latin typeface="Cambria Math" pitchFamily="18" charset="0"/>
-                                      <a:ea typeface="Cambria Math" pitchFamily="18" charset="0"/>
-                                    </a:rPr>
-                                  </m:ctrlPr>
-                                </m:sSubPr>
-                                <m:e>
-                                  <m:acc>
-                                    <m:accPr>
-                                      <m:chr m:val="̃"/>
-                                      <m:ctrlPr>
-                                        <a:rPr lang="en-GB" sz="2800" i="1">
-                                          <a:latin typeface="Cambria Math" pitchFamily="18" charset="0"/>
-                                          <a:ea typeface="Cambria Math" pitchFamily="18" charset="0"/>
-                                        </a:rPr>
-                                      </m:ctrlPr>
-                                    </m:accPr>
-                                    <m:e>
-                                      <m:r>
-                                        <a:rPr lang="en-GB" sz="2800" i="1">
-                                          <a:latin typeface="Cambria Math" pitchFamily="18" charset="0"/>
-                                          <a:ea typeface="Cambria Math" pitchFamily="18" charset="0"/>
-                                        </a:rPr>
-                                        <m:t>𝑇</m:t>
-                                      </m:r>
-                                    </m:e>
-                                  </m:acc>
-                                </m:e>
-                                <m:sub>
-                                  <m:r>
-                                    <a:rPr lang="en-GB" sz="2800" i="1">
-                                      <a:latin typeface="Cambria Math" pitchFamily="18" charset="0"/>
-                                      <a:ea typeface="Cambria Math" pitchFamily="18" charset="0"/>
-                                    </a:rPr>
-                                    <m:t>𝑖𝑗</m:t>
-                                  </m:r>
-                                </m:sub>
-                              </m:sSub>
-                              <m:r>
-                                <a:rPr lang="en-GB" sz="2800" i="1">
-                                  <a:latin typeface="Cambria Math" pitchFamily="18" charset="0"/>
-                                  <a:ea typeface="Cambria Math" pitchFamily="18" charset="0"/>
-                                </a:rPr>
-                                <m:t>)</m:t>
-                              </m:r>
-                              <m:r>
-                                <a:rPr lang="en-GB" sz="2800" i="1">
-                                  <a:latin typeface="Cambria Math" pitchFamily="18" charset="0"/>
-                                  <a:ea typeface="Cambria Math" pitchFamily="18" charset="0"/>
-                                </a:rPr>
-                                <m:t>𝛿</m:t>
-                              </m:r>
-                              <m:r>
-                                <a:rPr lang="en-GB" sz="2800" i="1">
-                                  <a:latin typeface="Cambria Math" pitchFamily="18" charset="0"/>
-                                  <a:ea typeface="Cambria Math" pitchFamily="18" charset="0"/>
-                                </a:rPr>
-                                <m:t>(</m:t>
-                              </m:r>
-                              <m:sSub>
-                                <m:sSubPr>
-                                  <m:ctrlPr>
-                                    <a:rPr lang="en-GB" sz="2800" i="1">
-                                      <a:latin typeface="Cambria Math" pitchFamily="18" charset="0"/>
-                                      <a:ea typeface="Cambria Math" pitchFamily="18" charset="0"/>
-                                    </a:rPr>
-                                  </m:ctrlPr>
-                                </m:sSubPr>
-                                <m:e>
-                                  <m:r>
-                                    <a:rPr lang="en-GB" sz="2800" i="1">
-                                      <a:latin typeface="Cambria Math" pitchFamily="18" charset="0"/>
-                                      <a:ea typeface="Cambria Math" pitchFamily="18" charset="0"/>
-                                    </a:rPr>
-                                    <m:t>𝑘</m:t>
-                                  </m:r>
-                                </m:e>
-                                <m:sub>
-                                  <m:r>
-                                    <a:rPr lang="en-GB" sz="2800" i="1">
-                                      <a:latin typeface="Cambria Math" pitchFamily="18" charset="0"/>
-                                      <a:ea typeface="Cambria Math" pitchFamily="18" charset="0"/>
-                                    </a:rPr>
-                                    <m:t>𝑗</m:t>
-                                  </m:r>
-                                </m:sub>
-                              </m:sSub>
-                              <m:r>
-                                <a:rPr lang="en-GB" sz="2800" i="1">
-                                  <a:latin typeface="Cambria Math" pitchFamily="18" charset="0"/>
-                                  <a:ea typeface="Cambria Math" pitchFamily="18" charset="0"/>
-                                </a:rPr>
-                                <m:t>)</m:t>
-                              </m:r>
-                            </m:e>
-                          </m:d>
+                          <m:r>
+                            <a:rPr lang="en-GB" sz="2800" b="0" i="1" smtClean="0">
+                              <a:latin typeface="Cambria Math"/>
+                            </a:rPr>
+                            <m:t>𝐴𝐵𝐶</m:t>
+                          </m:r>
                         </m:e>
-                      </m:nary>
+                        <m:sup>
+                          <m:r>
+                            <a:rPr lang="en-GB" sz="2800" b="0" i="1" smtClean="0">
+                              <a:latin typeface="Cambria Math"/>
+                            </a:rPr>
+                            <m:t>𝑓</m:t>
+                          </m:r>
+                        </m:sup>
+                      </m:sSup>
                     </m:oMath>
                   </m:oMathPara>
                 </a14:m>
-                <a:endParaRPr lang="en-GB" sz="2800" dirty="0">
-                  <a:latin typeface="Cambria Math" pitchFamily="18" charset="0"/>
-                  <a:ea typeface="Cambria Math" pitchFamily="18" charset="0"/>
-                </a:endParaRPr>
+                <a:endParaRPr lang="en-GB" sz="2800" dirty="0"/>
               </a:p>
             </p:txBody>
           </p:sp>
@@ -16470,7 +20489,7 @@
         <mc:Fallback>
           <p:sp>
             <p:nvSpPr>
-              <p:cNvPr id="4" name="TextBox 3"/>
+              <p:cNvPr id="36" name="TextBox 35"/>
               <p:cNvSpPr txBox="1">
                 <a:spLocks noRot="1" noChangeAspect="1" noMove="1" noResize="1" noEditPoints="1" noAdjustHandles="1" noChangeArrowheads="1" noChangeShapeType="1" noTextEdit="1"/>
               </p:cNvSpPr>
@@ -16478,8 +20497,8 @@
             </p:nvSpPr>
             <p:spPr>
               <a:xfrm>
-                <a:off x="755576" y="4899283"/>
-                <a:ext cx="6768752" cy="1317348"/>
+                <a:off x="3594038" y="1008269"/>
+                <a:ext cx="2167068" cy="535146"/>
               </a:xfrm>
               <a:prstGeom prst="rect">
                 <a:avLst/>
@@ -16509,7 +20528,1858 @@
     </p:spTree>
     <p:extLst>
       <p:ext uri="{BB962C8B-B14F-4D97-AF65-F5344CB8AC3E}">
-        <p14:creationId xmlns:p14="http://schemas.microsoft.com/office/powerpoint/2010/main" val="2538870892"/>
+        <p14:creationId xmlns:p14="http://schemas.microsoft.com/office/powerpoint/2010/main" val="2761908274"/>
+      </p:ext>
+    </p:extLst>
+  </p:cSld>
+  <p:clrMapOvr>
+    <a:masterClrMapping/>
+  </p:clrMapOvr>
+  <p:timing>
+    <p:tnLst>
+      <p:par>
+        <p:cTn id="1" dur="indefinite" restart="never" nodeType="tmRoot">
+          <p:childTnLst>
+            <p:seq concurrent="1" nextAc="seek">
+              <p:cTn id="2" dur="indefinite" nodeType="mainSeq">
+                <p:childTnLst>
+                  <p:par>
+                    <p:cTn id="3" fill="hold">
+                      <p:stCondLst>
+                        <p:cond delay="indefinite"/>
+                      </p:stCondLst>
+                      <p:childTnLst>
+                        <p:par>
+                          <p:cTn id="4" fill="hold">
+                            <p:stCondLst>
+                              <p:cond delay="0"/>
+                            </p:stCondLst>
+                            <p:childTnLst>
+                              <p:par>
+                                <p:cTn id="5" presetID="1" presetClass="entr" presetSubtype="0" fill="hold" grpId="0" nodeType="clickEffect">
+                                  <p:stCondLst>
+                                    <p:cond delay="0"/>
+                                  </p:stCondLst>
+                                  <p:childTnLst>
+                                    <p:set>
+                                      <p:cBhvr>
+                                        <p:cTn id="6" dur="1" fill="hold">
+                                          <p:stCondLst>
+                                            <p:cond delay="0"/>
+                                          </p:stCondLst>
+                                        </p:cTn>
+                                        <p:tgtEl>
+                                          <p:spTgt spid="34"/>
+                                        </p:tgtEl>
+                                        <p:attrNameLst>
+                                          <p:attrName>style.visibility</p:attrName>
+                                        </p:attrNameLst>
+                                      </p:cBhvr>
+                                      <p:to>
+                                        <p:strVal val="visible"/>
+                                      </p:to>
+                                    </p:set>
+                                  </p:childTnLst>
+                                </p:cTn>
+                              </p:par>
+                            </p:childTnLst>
+                          </p:cTn>
+                        </p:par>
+                      </p:childTnLst>
+                    </p:cTn>
+                  </p:par>
+                  <p:par>
+                    <p:cTn id="7" fill="hold">
+                      <p:stCondLst>
+                        <p:cond delay="indefinite"/>
+                      </p:stCondLst>
+                      <p:childTnLst>
+                        <p:par>
+                          <p:cTn id="8" fill="hold">
+                            <p:stCondLst>
+                              <p:cond delay="0"/>
+                            </p:stCondLst>
+                            <p:childTnLst>
+                              <p:par>
+                                <p:cTn id="9" presetID="1" presetClass="entr" presetSubtype="0" fill="hold" grpId="0" nodeType="clickEffect">
+                                  <p:stCondLst>
+                                    <p:cond delay="0"/>
+                                  </p:stCondLst>
+                                  <p:childTnLst>
+                                    <p:set>
+                                      <p:cBhvr>
+                                        <p:cTn id="10" dur="1" fill="hold">
+                                          <p:stCondLst>
+                                            <p:cond delay="0"/>
+                                          </p:stCondLst>
+                                        </p:cTn>
+                                        <p:tgtEl>
+                                          <p:spTgt spid="35"/>
+                                        </p:tgtEl>
+                                        <p:attrNameLst>
+                                          <p:attrName>style.visibility</p:attrName>
+                                        </p:attrNameLst>
+                                      </p:cBhvr>
+                                      <p:to>
+                                        <p:strVal val="visible"/>
+                                      </p:to>
+                                    </p:set>
+                                  </p:childTnLst>
+                                </p:cTn>
+                              </p:par>
+                            </p:childTnLst>
+                          </p:cTn>
+                        </p:par>
+                      </p:childTnLst>
+                    </p:cTn>
+                  </p:par>
+                </p:childTnLst>
+              </p:cTn>
+              <p:prevCondLst>
+                <p:cond evt="onPrev" delay="0">
+                  <p:tgtEl>
+                    <p:sldTgt/>
+                  </p:tgtEl>
+                </p:cond>
+              </p:prevCondLst>
+              <p:nextCondLst>
+                <p:cond evt="onNext" delay="0">
+                  <p:tgtEl>
+                    <p:sldTgt/>
+                  </p:tgtEl>
+                </p:cond>
+              </p:nextCondLst>
+            </p:seq>
+          </p:childTnLst>
+        </p:cTn>
+      </p:par>
+    </p:tnLst>
+    <p:bldLst>
+      <p:bldP spid="34" grpId="0"/>
+      <p:bldP spid="35" grpId="0"/>
+    </p:bldLst>
+  </p:timing>
+</p:sld>
+</file>
+
+<file path=ppt/slides/slide8.xml><?xml version="1.0" encoding="utf-8"?>
+<p:sld xmlns:a="http://schemas.openxmlformats.org/drawingml/2006/main" xmlns:r="http://schemas.openxmlformats.org/officeDocument/2006/relationships" xmlns:p="http://schemas.openxmlformats.org/presentationml/2006/main">
+  <p:cSld>
+    <p:spTree>
+      <p:nvGrpSpPr>
+        <p:cNvPr id="1" name=""/>
+        <p:cNvGrpSpPr/>
+        <p:nvPr/>
+      </p:nvGrpSpPr>
+      <p:grpSpPr>
+        <a:xfrm>
+          <a:off x="0" y="0"/>
+          <a:ext cx="0" cy="0"/>
+          <a:chOff x="0" y="0"/>
+          <a:chExt cx="0" cy="0"/>
+        </a:xfrm>
+      </p:grpSpPr>
+      <p:sp>
+        <p:nvSpPr>
+          <p:cNvPr id="38" name="Oval 37"/>
+          <p:cNvSpPr/>
+          <p:nvPr/>
+        </p:nvSpPr>
+        <p:spPr>
+          <a:xfrm>
+            <a:off x="4695728" y="1584553"/>
+            <a:ext cx="1457298" cy="3094494"/>
+          </a:xfrm>
+          <a:prstGeom prst="ellipse">
+            <a:avLst/>
+          </a:prstGeom>
+          <a:solidFill>
+            <a:schemeClr val="accent3">
+              <a:lumMod val="40000"/>
+              <a:lumOff val="60000"/>
+            </a:schemeClr>
+          </a:solidFill>
+          <a:ln>
+            <a:noFill/>
+          </a:ln>
+        </p:spPr>
+        <p:style>
+          <a:lnRef idx="2">
+            <a:schemeClr val="accent1">
+              <a:shade val="50000"/>
+            </a:schemeClr>
+          </a:lnRef>
+          <a:fillRef idx="1">
+            <a:schemeClr val="accent1"/>
+          </a:fillRef>
+          <a:effectRef idx="0">
+            <a:schemeClr val="accent1"/>
+          </a:effectRef>
+          <a:fontRef idx="minor">
+            <a:schemeClr val="lt1"/>
+          </a:fontRef>
+        </p:style>
+        <p:txBody>
+          <a:bodyPr rtlCol="0" anchor="ctr"/>
+          <a:lstStyle/>
+          <a:p>
+            <a:pPr algn="ctr"/>
+            <a:endParaRPr lang="en-GB" sz="2400"/>
+          </a:p>
+        </p:txBody>
+      </p:sp>
+      <p:sp>
+        <p:nvSpPr>
+          <p:cNvPr id="36" name="Oval 35"/>
+          <p:cNvSpPr/>
+          <p:nvPr/>
+        </p:nvSpPr>
+        <p:spPr>
+          <a:xfrm>
+            <a:off x="4802495" y="1749139"/>
+            <a:ext cx="1152128" cy="1872208"/>
+          </a:xfrm>
+          <a:prstGeom prst="ellipse">
+            <a:avLst/>
+          </a:prstGeom>
+          <a:solidFill>
+            <a:schemeClr val="accent3">
+              <a:lumMod val="40000"/>
+              <a:lumOff val="60000"/>
+            </a:schemeClr>
+          </a:solidFill>
+          <a:ln>
+            <a:noFill/>
+          </a:ln>
+        </p:spPr>
+        <p:style>
+          <a:lnRef idx="2">
+            <a:schemeClr val="accent1">
+              <a:shade val="50000"/>
+            </a:schemeClr>
+          </a:lnRef>
+          <a:fillRef idx="1">
+            <a:schemeClr val="accent1"/>
+          </a:fillRef>
+          <a:effectRef idx="0">
+            <a:schemeClr val="accent1"/>
+          </a:effectRef>
+          <a:fontRef idx="minor">
+            <a:schemeClr val="lt1"/>
+          </a:fontRef>
+        </p:style>
+        <p:txBody>
+          <a:bodyPr rtlCol="0" anchor="ctr"/>
+          <a:lstStyle/>
+          <a:p>
+            <a:pPr algn="ctr"/>
+            <a:endParaRPr lang="en-GB" sz="2400"/>
+          </a:p>
+        </p:txBody>
+      </p:sp>
+      <p:sp>
+        <p:nvSpPr>
+          <p:cNvPr id="28" name="Oval 27"/>
+          <p:cNvSpPr/>
+          <p:nvPr/>
+        </p:nvSpPr>
+        <p:spPr>
+          <a:xfrm>
+            <a:off x="4824867" y="2653035"/>
+            <a:ext cx="1152128" cy="1872208"/>
+          </a:xfrm>
+          <a:prstGeom prst="ellipse">
+            <a:avLst/>
+          </a:prstGeom>
+          <a:solidFill>
+            <a:schemeClr val="accent3">
+              <a:lumMod val="40000"/>
+              <a:lumOff val="60000"/>
+            </a:schemeClr>
+          </a:solidFill>
+          <a:ln>
+            <a:noFill/>
+          </a:ln>
+        </p:spPr>
+        <p:style>
+          <a:lnRef idx="2">
+            <a:schemeClr val="accent1">
+              <a:shade val="50000"/>
+            </a:schemeClr>
+          </a:lnRef>
+          <a:fillRef idx="1">
+            <a:schemeClr val="accent1"/>
+          </a:fillRef>
+          <a:effectRef idx="0">
+            <a:schemeClr val="accent1"/>
+          </a:effectRef>
+          <a:fontRef idx="minor">
+            <a:schemeClr val="lt1"/>
+          </a:fontRef>
+        </p:style>
+        <p:txBody>
+          <a:bodyPr rtlCol="0" anchor="ctr"/>
+          <a:lstStyle/>
+          <a:p>
+            <a:pPr algn="ctr"/>
+            <a:endParaRPr lang="en-GB" sz="2400"/>
+          </a:p>
+        </p:txBody>
+      </p:sp>
+      <p:sp>
+        <p:nvSpPr>
+          <p:cNvPr id="6" name="Oval 5"/>
+          <p:cNvSpPr/>
+          <p:nvPr/>
+        </p:nvSpPr>
+        <p:spPr>
+          <a:xfrm>
+            <a:off x="3207127" y="1749139"/>
+            <a:ext cx="1152128" cy="1872208"/>
+          </a:xfrm>
+          <a:prstGeom prst="ellipse">
+            <a:avLst/>
+          </a:prstGeom>
+          <a:solidFill>
+            <a:schemeClr val="accent3">
+              <a:lumMod val="40000"/>
+              <a:lumOff val="60000"/>
+            </a:schemeClr>
+          </a:solidFill>
+          <a:ln>
+            <a:noFill/>
+          </a:ln>
+        </p:spPr>
+        <p:style>
+          <a:lnRef idx="2">
+            <a:schemeClr val="accent1">
+              <a:shade val="50000"/>
+            </a:schemeClr>
+          </a:lnRef>
+          <a:fillRef idx="1">
+            <a:schemeClr val="accent1"/>
+          </a:fillRef>
+          <a:effectRef idx="0">
+            <a:schemeClr val="accent1"/>
+          </a:effectRef>
+          <a:fontRef idx="minor">
+            <a:schemeClr val="lt1"/>
+          </a:fontRef>
+        </p:style>
+        <p:txBody>
+          <a:bodyPr rtlCol="0" anchor="ctr"/>
+          <a:lstStyle/>
+          <a:p>
+            <a:pPr algn="ctr"/>
+            <a:endParaRPr lang="en-GB" sz="2400"/>
+          </a:p>
+        </p:txBody>
+      </p:sp>
+      <p:sp>
+        <p:nvSpPr>
+          <p:cNvPr id="2" name="TextBox 1"/>
+          <p:cNvSpPr txBox="1"/>
+          <p:nvPr/>
+        </p:nvSpPr>
+        <p:spPr>
+          <a:xfrm>
+            <a:off x="836320" y="98490"/>
+            <a:ext cx="5463872" cy="646331"/>
+          </a:xfrm>
+          <a:prstGeom prst="rect">
+            <a:avLst/>
+          </a:prstGeom>
+          <a:noFill/>
+        </p:spPr>
+        <p:txBody>
+          <a:bodyPr wrap="square" rtlCol="0">
+            <a:spAutoFit/>
+          </a:bodyPr>
+          <a:lstStyle/>
+          <a:p>
+            <a:r>
+              <a:rPr lang="en-GB" sz="3600" dirty="0" smtClean="0"/>
+              <a:t>Exclusion</a:t>
+            </a:r>
+            <a:endParaRPr lang="en-GB" sz="3600" dirty="0"/>
+          </a:p>
+        </p:txBody>
+      </p:sp>
+      <p:sp>
+        <p:nvSpPr>
+          <p:cNvPr id="21" name="Oval 20"/>
+          <p:cNvSpPr/>
+          <p:nvPr/>
+        </p:nvSpPr>
+        <p:spPr>
+          <a:xfrm>
+            <a:off x="3456715" y="1943668"/>
+            <a:ext cx="648072" cy="648072"/>
+          </a:xfrm>
+          <a:prstGeom prst="ellipse">
+            <a:avLst/>
+          </a:prstGeom>
+        </p:spPr>
+        <p:style>
+          <a:lnRef idx="2">
+            <a:schemeClr val="accent1">
+              <a:shade val="50000"/>
+            </a:schemeClr>
+          </a:lnRef>
+          <a:fillRef idx="1">
+            <a:schemeClr val="accent1"/>
+          </a:fillRef>
+          <a:effectRef idx="0">
+            <a:schemeClr val="accent1"/>
+          </a:effectRef>
+          <a:fontRef idx="minor">
+            <a:schemeClr val="lt1"/>
+          </a:fontRef>
+        </p:style>
+        <p:txBody>
+          <a:bodyPr rtlCol="0" anchor="ctr"/>
+          <a:lstStyle/>
+          <a:p>
+            <a:pPr algn="ctr"/>
+            <a:r>
+              <a:rPr lang="en-GB" sz="2400" dirty="0" smtClean="0"/>
+              <a:t>A</a:t>
+            </a:r>
+            <a:endParaRPr lang="en-GB" sz="2400" dirty="0"/>
+          </a:p>
+        </p:txBody>
+      </p:sp>
+      <p:sp>
+        <p:nvSpPr>
+          <p:cNvPr id="22" name="Oval 21"/>
+          <p:cNvSpPr/>
+          <p:nvPr/>
+        </p:nvSpPr>
+        <p:spPr>
+          <a:xfrm>
+            <a:off x="3456715" y="2807764"/>
+            <a:ext cx="648072" cy="648072"/>
+          </a:xfrm>
+          <a:prstGeom prst="ellipse">
+            <a:avLst/>
+          </a:prstGeom>
+          <a:solidFill>
+            <a:schemeClr val="accent6"/>
+          </a:solidFill>
+        </p:spPr>
+        <p:style>
+          <a:lnRef idx="2">
+            <a:schemeClr val="accent1">
+              <a:shade val="50000"/>
+            </a:schemeClr>
+          </a:lnRef>
+          <a:fillRef idx="1">
+            <a:schemeClr val="accent1"/>
+          </a:fillRef>
+          <a:effectRef idx="0">
+            <a:schemeClr val="accent1"/>
+          </a:effectRef>
+          <a:fontRef idx="minor">
+            <a:schemeClr val="lt1"/>
+          </a:fontRef>
+        </p:style>
+        <p:txBody>
+          <a:bodyPr rtlCol="0" anchor="ctr"/>
+          <a:lstStyle/>
+          <a:p>
+            <a:pPr algn="ctr"/>
+            <a:r>
+              <a:rPr lang="en-GB" sz="2400" dirty="0" smtClean="0"/>
+              <a:t>B</a:t>
+            </a:r>
+            <a:endParaRPr lang="en-GB" sz="2400" dirty="0"/>
+          </a:p>
+        </p:txBody>
+      </p:sp>
+      <p:sp>
+        <p:nvSpPr>
+          <p:cNvPr id="23" name="Oval 22"/>
+          <p:cNvSpPr/>
+          <p:nvPr/>
+        </p:nvSpPr>
+        <p:spPr>
+          <a:xfrm>
+            <a:off x="3459155" y="3677628"/>
+            <a:ext cx="648072" cy="648072"/>
+          </a:xfrm>
+          <a:prstGeom prst="ellipse">
+            <a:avLst/>
+          </a:prstGeom>
+        </p:spPr>
+        <p:style>
+          <a:lnRef idx="2">
+            <a:schemeClr val="accent1">
+              <a:shade val="50000"/>
+            </a:schemeClr>
+          </a:lnRef>
+          <a:fillRef idx="1">
+            <a:schemeClr val="accent1"/>
+          </a:fillRef>
+          <a:effectRef idx="0">
+            <a:schemeClr val="accent1"/>
+          </a:effectRef>
+          <a:fontRef idx="minor">
+            <a:schemeClr val="lt1"/>
+          </a:fontRef>
+        </p:style>
+        <p:txBody>
+          <a:bodyPr rtlCol="0" anchor="ctr"/>
+          <a:lstStyle/>
+          <a:p>
+            <a:pPr algn="ctr"/>
+            <a:r>
+              <a:rPr lang="en-GB" sz="2400" dirty="0" smtClean="0"/>
+              <a:t>C</a:t>
+            </a:r>
+            <a:endParaRPr lang="en-GB" sz="2400" dirty="0"/>
+          </a:p>
+        </p:txBody>
+      </p:sp>
+      <p:sp>
+        <p:nvSpPr>
+          <p:cNvPr id="24" name="Oval 23"/>
+          <p:cNvSpPr/>
+          <p:nvPr/>
+        </p:nvSpPr>
+        <p:spPr>
+          <a:xfrm>
+            <a:off x="5076895" y="1943668"/>
+            <a:ext cx="648072" cy="648072"/>
+          </a:xfrm>
+          <a:prstGeom prst="ellipse">
+            <a:avLst/>
+          </a:prstGeom>
+        </p:spPr>
+        <p:style>
+          <a:lnRef idx="2">
+            <a:schemeClr val="accent1">
+              <a:shade val="50000"/>
+            </a:schemeClr>
+          </a:lnRef>
+          <a:fillRef idx="1">
+            <a:schemeClr val="accent1"/>
+          </a:fillRef>
+          <a:effectRef idx="0">
+            <a:schemeClr val="accent1"/>
+          </a:effectRef>
+          <a:fontRef idx="minor">
+            <a:schemeClr val="lt1"/>
+          </a:fontRef>
+        </p:style>
+        <p:txBody>
+          <a:bodyPr rtlCol="0" anchor="ctr"/>
+          <a:lstStyle/>
+          <a:p>
+            <a:pPr algn="ctr"/>
+            <a:r>
+              <a:rPr lang="en-GB" sz="2400" dirty="0" smtClean="0"/>
+              <a:t>A</a:t>
+            </a:r>
+            <a:endParaRPr lang="en-GB" sz="2400" dirty="0"/>
+          </a:p>
+        </p:txBody>
+      </p:sp>
+      <p:sp>
+        <p:nvSpPr>
+          <p:cNvPr id="25" name="Oval 24"/>
+          <p:cNvSpPr/>
+          <p:nvPr/>
+        </p:nvSpPr>
+        <p:spPr>
+          <a:xfrm>
+            <a:off x="5076895" y="2807764"/>
+            <a:ext cx="648072" cy="648072"/>
+          </a:xfrm>
+          <a:prstGeom prst="ellipse">
+            <a:avLst/>
+          </a:prstGeom>
+          <a:solidFill>
+            <a:schemeClr val="accent1"/>
+          </a:solidFill>
+        </p:spPr>
+        <p:style>
+          <a:lnRef idx="2">
+            <a:schemeClr val="accent1">
+              <a:shade val="50000"/>
+            </a:schemeClr>
+          </a:lnRef>
+          <a:fillRef idx="1">
+            <a:schemeClr val="accent1"/>
+          </a:fillRef>
+          <a:effectRef idx="0">
+            <a:schemeClr val="accent1"/>
+          </a:effectRef>
+          <a:fontRef idx="minor">
+            <a:schemeClr val="lt1"/>
+          </a:fontRef>
+        </p:style>
+        <p:txBody>
+          <a:bodyPr rtlCol="0" anchor="ctr"/>
+          <a:lstStyle/>
+          <a:p>
+            <a:pPr algn="ctr"/>
+            <a:r>
+              <a:rPr lang="en-GB" sz="2400" dirty="0" smtClean="0"/>
+              <a:t>B</a:t>
+            </a:r>
+            <a:endParaRPr lang="en-GB" sz="2400" dirty="0"/>
+          </a:p>
+        </p:txBody>
+      </p:sp>
+      <p:sp>
+        <p:nvSpPr>
+          <p:cNvPr id="26" name="Oval 25"/>
+          <p:cNvSpPr/>
+          <p:nvPr/>
+        </p:nvSpPr>
+        <p:spPr>
+          <a:xfrm>
+            <a:off x="5076895" y="3677628"/>
+            <a:ext cx="648072" cy="648072"/>
+          </a:xfrm>
+          <a:prstGeom prst="ellipse">
+            <a:avLst/>
+          </a:prstGeom>
+        </p:spPr>
+        <p:style>
+          <a:lnRef idx="2">
+            <a:schemeClr val="accent1">
+              <a:shade val="50000"/>
+            </a:schemeClr>
+          </a:lnRef>
+          <a:fillRef idx="1">
+            <a:schemeClr val="accent1"/>
+          </a:fillRef>
+          <a:effectRef idx="0">
+            <a:schemeClr val="accent1"/>
+          </a:effectRef>
+          <a:fontRef idx="minor">
+            <a:schemeClr val="lt1"/>
+          </a:fontRef>
+        </p:style>
+        <p:txBody>
+          <a:bodyPr rtlCol="0" anchor="ctr"/>
+          <a:lstStyle/>
+          <a:p>
+            <a:pPr algn="ctr"/>
+            <a:r>
+              <a:rPr lang="en-GB" sz="2400" dirty="0" smtClean="0"/>
+              <a:t>C</a:t>
+            </a:r>
+            <a:endParaRPr lang="en-GB" sz="2400" dirty="0"/>
+          </a:p>
+        </p:txBody>
+      </p:sp>
+      <p:sp>
+        <p:nvSpPr>
+          <p:cNvPr id="31" name="Right Arrow 30"/>
+          <p:cNvSpPr/>
+          <p:nvPr/>
+        </p:nvSpPr>
+        <p:spPr>
+          <a:xfrm rot="1294820">
+            <a:off x="4278777" y="3128332"/>
+            <a:ext cx="465612" cy="404696"/>
+          </a:xfrm>
+          <a:prstGeom prst="rightArrow">
+            <a:avLst/>
+          </a:prstGeom>
+          <a:solidFill>
+            <a:schemeClr val="accent3">
+              <a:lumMod val="75000"/>
+            </a:schemeClr>
+          </a:solidFill>
+          <a:ln>
+            <a:noFill/>
+          </a:ln>
+        </p:spPr>
+        <p:style>
+          <a:lnRef idx="2">
+            <a:schemeClr val="accent1">
+              <a:shade val="50000"/>
+            </a:schemeClr>
+          </a:lnRef>
+          <a:fillRef idx="1">
+            <a:schemeClr val="accent1"/>
+          </a:fillRef>
+          <a:effectRef idx="0">
+            <a:schemeClr val="accent1"/>
+          </a:effectRef>
+          <a:fontRef idx="minor">
+            <a:schemeClr val="lt1"/>
+          </a:fontRef>
+        </p:style>
+        <p:txBody>
+          <a:bodyPr rtlCol="0" anchor="ctr"/>
+          <a:lstStyle/>
+          <a:p>
+            <a:pPr algn="ctr"/>
+            <a:endParaRPr lang="en-GB" sz="2400"/>
+          </a:p>
+        </p:txBody>
+      </p:sp>
+      <mc:AlternateContent xmlns:mc="http://schemas.openxmlformats.org/markup-compatibility/2006">
+        <mc:Choice xmlns:a14="http://schemas.microsoft.com/office/drawing/2010/main" Requires="a14">
+          <p:sp>
+            <p:nvSpPr>
+              <p:cNvPr id="5" name="TextBox 4"/>
+              <p:cNvSpPr txBox="1"/>
+              <p:nvPr/>
+            </p:nvSpPr>
+            <p:spPr>
+              <a:xfrm>
+                <a:off x="2030187" y="990412"/>
+                <a:ext cx="5544616" cy="461665"/>
+              </a:xfrm>
+              <a:prstGeom prst="rect">
+                <a:avLst/>
+              </a:prstGeom>
+              <a:noFill/>
+            </p:spPr>
+            <p:txBody>
+              <a:bodyPr wrap="square" rtlCol="0">
+                <a:spAutoFit/>
+              </a:bodyPr>
+              <a:lstStyle/>
+              <a:p>
+                <a:r>
+                  <a:rPr lang="en-GB" sz="2400" dirty="0" smtClean="0"/>
+                  <a:t>What is the core effect of </a:t>
+                </a:r>
+                <a14:m>
+                  <m:oMath xmlns:m="http://schemas.openxmlformats.org/officeDocument/2006/math">
+                    <m:sSup>
+                      <m:sSupPr>
+                        <m:ctrlPr>
+                          <a:rPr lang="en-GB" sz="2400" i="1" smtClean="0">
+                            <a:latin typeface="Cambria Math"/>
+                          </a:rPr>
+                        </m:ctrlPr>
+                      </m:sSupPr>
+                      <m:e>
+                        <m:r>
+                          <a:rPr lang="en-GB" sz="2400" b="0" i="1" smtClean="0">
+                            <a:latin typeface="Cambria Math"/>
+                          </a:rPr>
+                          <m:t>𝐴𝐵</m:t>
+                        </m:r>
+                      </m:e>
+                      <m:sup>
+                        <m:r>
+                          <a:rPr lang="en-GB" sz="2400" b="0" i="1" smtClean="0">
+                            <a:latin typeface="Cambria Math"/>
+                          </a:rPr>
+                          <m:t>𝑐</m:t>
+                        </m:r>
+                      </m:sup>
+                    </m:sSup>
+                    <m:r>
+                      <a:rPr lang="en-GB" sz="2400" b="0" i="1" smtClean="0">
+                        <a:latin typeface="Cambria Math"/>
+                      </a:rPr>
+                      <m:t>=01</m:t>
+                    </m:r>
+                  </m:oMath>
+                </a14:m>
+                <a:r>
+                  <a:rPr lang="en-GB" sz="2400" dirty="0" smtClean="0"/>
+                  <a:t>?</a:t>
+                </a:r>
+                <a:endParaRPr lang="en-GB" sz="2400" dirty="0"/>
+              </a:p>
+            </p:txBody>
+          </p:sp>
+        </mc:Choice>
+        <mc:Fallback>
+          <p:sp>
+            <p:nvSpPr>
+              <p:cNvPr id="5" name="TextBox 4"/>
+              <p:cNvSpPr txBox="1">
+                <a:spLocks noRot="1" noChangeAspect="1" noMove="1" noResize="1" noEditPoints="1" noAdjustHandles="1" noChangeArrowheads="1" noChangeShapeType="1" noTextEdit="1"/>
+              </p:cNvSpPr>
+              <p:nvPr/>
+            </p:nvSpPr>
+            <p:spPr>
+              <a:xfrm>
+                <a:off x="2030187" y="990412"/>
+                <a:ext cx="5544616" cy="461665"/>
+              </a:xfrm>
+              <a:prstGeom prst="rect">
+                <a:avLst/>
+              </a:prstGeom>
+              <a:blipFill rotWithShape="1">
+                <a:blip r:embed="rId2"/>
+                <a:stretch>
+                  <a:fillRect l="-1648" t="-10526" b="-28947"/>
+                </a:stretch>
+              </a:blipFill>
+            </p:spPr>
+            <p:txBody>
+              <a:bodyPr/>
+              <a:lstStyle/>
+              <a:p>
+                <a:r>
+                  <a:rPr lang="en-GB">
+                    <a:noFill/>
+                  </a:rPr>
+                  <a:t> </a:t>
+                </a:r>
+              </a:p>
+            </p:txBody>
+          </p:sp>
+        </mc:Fallback>
+      </mc:AlternateContent>
+      <p:sp>
+        <p:nvSpPr>
+          <p:cNvPr id="37" name="Right Arrow 36"/>
+          <p:cNvSpPr/>
+          <p:nvPr/>
+        </p:nvSpPr>
+        <p:spPr>
+          <a:xfrm>
+            <a:off x="4359255" y="2444703"/>
+            <a:ext cx="465612" cy="404696"/>
+          </a:xfrm>
+          <a:prstGeom prst="rightArrow">
+            <a:avLst/>
+          </a:prstGeom>
+          <a:solidFill>
+            <a:schemeClr val="accent3">
+              <a:lumMod val="75000"/>
+            </a:schemeClr>
+          </a:solidFill>
+          <a:ln>
+            <a:noFill/>
+          </a:ln>
+        </p:spPr>
+        <p:style>
+          <a:lnRef idx="2">
+            <a:schemeClr val="accent1">
+              <a:shade val="50000"/>
+            </a:schemeClr>
+          </a:lnRef>
+          <a:fillRef idx="1">
+            <a:schemeClr val="accent1"/>
+          </a:fillRef>
+          <a:effectRef idx="0">
+            <a:schemeClr val="accent1"/>
+          </a:effectRef>
+          <a:fontRef idx="minor">
+            <a:schemeClr val="lt1"/>
+          </a:fontRef>
+        </p:style>
+        <p:txBody>
+          <a:bodyPr rtlCol="0" anchor="ctr"/>
+          <a:lstStyle/>
+          <a:p>
+            <a:pPr algn="ctr"/>
+            <a:endParaRPr lang="en-GB" sz="2400"/>
+          </a:p>
+        </p:txBody>
+      </p:sp>
+      <p:sp>
+        <p:nvSpPr>
+          <p:cNvPr id="40" name="Right Arrow 39"/>
+          <p:cNvSpPr/>
+          <p:nvPr/>
+        </p:nvSpPr>
+        <p:spPr>
+          <a:xfrm rot="482227">
+            <a:off x="4278777" y="2690467"/>
+            <a:ext cx="465612" cy="404696"/>
+          </a:xfrm>
+          <a:prstGeom prst="rightArrow">
+            <a:avLst/>
+          </a:prstGeom>
+          <a:solidFill>
+            <a:schemeClr val="accent3">
+              <a:lumMod val="75000"/>
+            </a:schemeClr>
+          </a:solidFill>
+          <a:ln>
+            <a:noFill/>
+          </a:ln>
+        </p:spPr>
+        <p:style>
+          <a:lnRef idx="2">
+            <a:schemeClr val="accent1">
+              <a:shade val="50000"/>
+            </a:schemeClr>
+          </a:lnRef>
+          <a:fillRef idx="1">
+            <a:schemeClr val="accent1"/>
+          </a:fillRef>
+          <a:effectRef idx="0">
+            <a:schemeClr val="accent1"/>
+          </a:effectRef>
+          <a:fontRef idx="minor">
+            <a:schemeClr val="lt1"/>
+          </a:fontRef>
+        </p:style>
+        <p:txBody>
+          <a:bodyPr rtlCol="0" anchor="ctr"/>
+          <a:lstStyle/>
+          <a:p>
+            <a:pPr algn="ctr"/>
+            <a:endParaRPr lang="en-GB" sz="2400"/>
+          </a:p>
+        </p:txBody>
+      </p:sp>
+      <mc:AlternateContent xmlns:mc="http://schemas.openxmlformats.org/markup-compatibility/2006">
+        <mc:Choice xmlns:a14="http://schemas.microsoft.com/office/drawing/2010/main" Requires="a14">
+          <p:sp>
+            <p:nvSpPr>
+              <p:cNvPr id="8" name="TextBox 7"/>
+              <p:cNvSpPr txBox="1"/>
+              <p:nvPr/>
+            </p:nvSpPr>
+            <p:spPr>
+              <a:xfrm>
+                <a:off x="1129074" y="4797152"/>
+                <a:ext cx="7391586" cy="523220"/>
+              </a:xfrm>
+              <a:prstGeom prst="rect">
+                <a:avLst/>
+              </a:prstGeom>
+              <a:noFill/>
+            </p:spPr>
+            <p:txBody>
+              <a:bodyPr wrap="square" rtlCol="0">
+                <a:spAutoFit/>
+              </a:bodyPr>
+              <a:lstStyle/>
+              <a:p>
+                <a:r>
+                  <a:rPr lang="en-GB" sz="2800" dirty="0" smtClean="0"/>
+                  <a:t>Calculate </a:t>
+                </a:r>
+                <a14:m>
+                  <m:oMath xmlns:m="http://schemas.openxmlformats.org/officeDocument/2006/math">
+                    <m:sSup>
+                      <m:sSupPr>
+                        <m:ctrlPr>
+                          <a:rPr lang="en-GB" sz="2800" i="1" smtClean="0">
+                            <a:latin typeface="Cambria Math"/>
+                          </a:rPr>
+                        </m:ctrlPr>
+                      </m:sSupPr>
+                      <m:e>
+                        <m:r>
+                          <a:rPr lang="en-GB" sz="2800" b="0" i="1" smtClean="0">
+                            <a:latin typeface="Cambria Math"/>
+                          </a:rPr>
+                          <m:t>𝜑</m:t>
+                        </m:r>
+                      </m:e>
+                      <m:sup>
+                        <m:r>
+                          <a:rPr lang="en-GB" sz="2800" b="0" i="1" smtClean="0">
+                            <a:latin typeface="Cambria Math"/>
+                          </a:rPr>
+                          <m:t>𝑀𝐼𝑃</m:t>
+                        </m:r>
+                      </m:sup>
+                    </m:sSup>
+                    <m:r>
+                      <a:rPr lang="en-GB" sz="2800" b="0" i="1" smtClean="0">
+                        <a:latin typeface="Cambria Math"/>
+                      </a:rPr>
+                      <m:t>(01)</m:t>
+                    </m:r>
+                  </m:oMath>
+                </a14:m>
+                <a:r>
+                  <a:rPr lang="en-GB" sz="2800" dirty="0" smtClean="0"/>
+                  <a:t> for </a:t>
+                </a:r>
+                <a14:m>
+                  <m:oMath xmlns:m="http://schemas.openxmlformats.org/officeDocument/2006/math">
+                    <m:sSup>
+                      <m:sSupPr>
+                        <m:ctrlPr>
+                          <a:rPr lang="en-GB" sz="2800" i="1" smtClean="0">
+                            <a:latin typeface="Cambria Math"/>
+                          </a:rPr>
+                        </m:ctrlPr>
+                      </m:sSupPr>
+                      <m:e>
+                        <m:r>
+                          <a:rPr lang="en-GB" sz="2800" b="0" i="1" smtClean="0">
+                            <a:latin typeface="Cambria Math"/>
+                          </a:rPr>
+                          <m:t>𝐴𝐵</m:t>
+                        </m:r>
+                      </m:e>
+                      <m:sup>
+                        <m:r>
+                          <a:rPr lang="en-GB" sz="2800" b="0" i="1" smtClean="0">
+                            <a:latin typeface="Cambria Math"/>
+                          </a:rPr>
+                          <m:t>𝑐</m:t>
+                        </m:r>
+                      </m:sup>
+                    </m:sSup>
+                    <m:r>
+                      <a:rPr lang="en-GB" sz="2800" b="0" i="1" smtClean="0">
+                        <a:latin typeface="Cambria Math"/>
+                      </a:rPr>
+                      <m:t>/</m:t>
+                    </m:r>
+                    <m:sSup>
+                      <m:sSupPr>
+                        <m:ctrlPr>
+                          <a:rPr lang="en-GB" sz="2800" b="0" i="1" smtClean="0">
+                            <a:latin typeface="Cambria Math"/>
+                          </a:rPr>
+                        </m:ctrlPr>
+                      </m:sSupPr>
+                      <m:e>
+                        <m:r>
+                          <a:rPr lang="en-GB" sz="2800" b="0" i="1" smtClean="0">
+                            <a:latin typeface="Cambria Math"/>
+                          </a:rPr>
+                          <m:t>𝑀</m:t>
+                        </m:r>
+                      </m:e>
+                      <m:sup>
+                        <m:r>
+                          <a:rPr lang="en-GB" sz="2800" b="0" i="1" smtClean="0">
+                            <a:latin typeface="Cambria Math"/>
+                          </a:rPr>
+                          <m:t>𝑝</m:t>
+                        </m:r>
+                      </m:sup>
+                    </m:sSup>
+                  </m:oMath>
+                </a14:m>
+                <a:r>
+                  <a:rPr lang="en-GB" sz="2800" dirty="0" smtClean="0"/>
+                  <a:t> for all </a:t>
+                </a:r>
+                <a14:m>
+                  <m:oMath xmlns:m="http://schemas.openxmlformats.org/officeDocument/2006/math">
+                    <m:r>
+                      <a:rPr lang="en-GB" sz="2800" b="0" i="1" smtClean="0">
+                        <a:latin typeface="Cambria Math"/>
+                      </a:rPr>
+                      <m:t>𝑀</m:t>
+                    </m:r>
+                    <m:r>
+                      <a:rPr lang="en-GB" sz="2800" b="0" i="1" smtClean="0">
+                        <a:latin typeface="Cambria Math"/>
+                      </a:rPr>
+                      <m:t>∈</m:t>
+                    </m:r>
+                    <m:r>
+                      <a:rPr lang="en-GB" sz="2800" b="0" i="1" smtClean="0">
+                        <a:latin typeface="Cambria Math"/>
+                      </a:rPr>
+                      <m:t>𝑃</m:t>
+                    </m:r>
+                    <m:r>
+                      <a:rPr lang="en-GB" sz="2800" b="0" i="1" smtClean="0">
+                        <a:latin typeface="Cambria Math"/>
+                      </a:rPr>
+                      <m:t>(</m:t>
+                    </m:r>
+                    <m:r>
+                      <a:rPr lang="en-GB" sz="2800" b="0" i="1" smtClean="0">
+                        <a:latin typeface="Cambria Math"/>
+                      </a:rPr>
+                      <m:t>𝐺</m:t>
+                    </m:r>
+                    <m:r>
+                      <a:rPr lang="en-GB" sz="2800" b="0" i="1" smtClean="0">
+                        <a:latin typeface="Cambria Math"/>
+                      </a:rPr>
+                      <m:t>)</m:t>
+                    </m:r>
+                  </m:oMath>
+                </a14:m>
+                <a:endParaRPr lang="en-GB" sz="2800" dirty="0"/>
+              </a:p>
+            </p:txBody>
+          </p:sp>
+        </mc:Choice>
+        <mc:Fallback>
+          <p:sp>
+            <p:nvSpPr>
+              <p:cNvPr id="8" name="TextBox 7"/>
+              <p:cNvSpPr txBox="1">
+                <a:spLocks noRot="1" noChangeAspect="1" noMove="1" noResize="1" noEditPoints="1" noAdjustHandles="1" noChangeArrowheads="1" noChangeShapeType="1" noTextEdit="1"/>
+              </p:cNvSpPr>
+              <p:nvPr/>
+            </p:nvSpPr>
+            <p:spPr>
+              <a:xfrm>
+                <a:off x="1129074" y="4797152"/>
+                <a:ext cx="7391586" cy="523220"/>
+              </a:xfrm>
+              <a:prstGeom prst="rect">
+                <a:avLst/>
+              </a:prstGeom>
+              <a:blipFill rotWithShape="1">
+                <a:blip r:embed="rId3"/>
+                <a:stretch>
+                  <a:fillRect l="-1649" t="-10465" b="-32558"/>
+                </a:stretch>
+              </a:blipFill>
+            </p:spPr>
+            <p:txBody>
+              <a:bodyPr/>
+              <a:lstStyle/>
+              <a:p>
+                <a:r>
+                  <a:rPr lang="en-GB">
+                    <a:noFill/>
+                  </a:rPr>
+                  <a:t> </a:t>
+                </a:r>
+              </a:p>
+            </p:txBody>
+          </p:sp>
+        </mc:Fallback>
+      </mc:AlternateContent>
+      <mc:AlternateContent xmlns:mc="http://schemas.openxmlformats.org/markup-compatibility/2006">
+        <mc:Choice xmlns:a14="http://schemas.microsoft.com/office/drawing/2010/main" Requires="a14">
+          <p:sp>
+            <p:nvSpPr>
+              <p:cNvPr id="9" name="TextBox 8"/>
+              <p:cNvSpPr txBox="1"/>
+              <p:nvPr/>
+            </p:nvSpPr>
+            <p:spPr>
+              <a:xfrm>
+                <a:off x="1129074" y="5539972"/>
+                <a:ext cx="7704856" cy="524374"/>
+              </a:xfrm>
+              <a:prstGeom prst="rect">
+                <a:avLst/>
+              </a:prstGeom>
+              <a:noFill/>
+            </p:spPr>
+            <p:txBody>
+              <a:bodyPr wrap="square" rtlCol="0">
+                <a:spAutoFit/>
+              </a:bodyPr>
+              <a:lstStyle/>
+              <a:p>
+                <a:r>
+                  <a:rPr lang="en-GB" sz="2800" dirty="0" smtClean="0"/>
+                  <a:t>The largest value of </a:t>
+                </a:r>
+                <a14:m>
+                  <m:oMath xmlns:m="http://schemas.openxmlformats.org/officeDocument/2006/math">
+                    <m:sSup>
+                      <m:sSupPr>
+                        <m:ctrlPr>
+                          <a:rPr lang="en-GB" sz="2800" i="1">
+                            <a:latin typeface="Cambria Math"/>
+                          </a:rPr>
+                        </m:ctrlPr>
+                      </m:sSupPr>
+                      <m:e>
+                        <m:r>
+                          <a:rPr lang="en-GB" sz="2800" i="1">
+                            <a:latin typeface="Cambria Math"/>
+                          </a:rPr>
+                          <m:t>𝜑</m:t>
+                        </m:r>
+                      </m:e>
+                      <m:sup>
+                        <m:r>
+                          <a:rPr lang="en-GB" sz="2800" i="1">
+                            <a:latin typeface="Cambria Math"/>
+                          </a:rPr>
+                          <m:t>𝑀𝐼𝑃</m:t>
+                        </m:r>
+                      </m:sup>
+                    </m:sSup>
+                    <m:r>
+                      <a:rPr lang="en-GB" sz="2800" b="0" i="1" smtClean="0">
+                        <a:latin typeface="Cambria Math"/>
+                      </a:rPr>
+                      <m:t>(01)</m:t>
+                    </m:r>
+                  </m:oMath>
+                </a14:m>
+                <a:r>
+                  <a:rPr lang="en-GB" sz="2800" dirty="0" smtClean="0"/>
+                  <a:t> gives </a:t>
+                </a:r>
+                <a14:m>
+                  <m:oMath xmlns:m="http://schemas.openxmlformats.org/officeDocument/2006/math">
+                    <m:sSup>
+                      <m:sSupPr>
+                        <m:ctrlPr>
+                          <a:rPr lang="en-GB" sz="2800" i="1">
+                            <a:latin typeface="Cambria Math"/>
+                          </a:rPr>
+                        </m:ctrlPr>
+                      </m:sSupPr>
+                      <m:e>
+                        <m:r>
+                          <a:rPr lang="en-GB" sz="2800" i="1">
+                            <a:latin typeface="Cambria Math"/>
+                          </a:rPr>
+                          <m:t>𝜑</m:t>
+                        </m:r>
+                      </m:e>
+                      <m:sup>
+                        <m:r>
+                          <a:rPr lang="en-GB" sz="2800" i="1">
+                            <a:latin typeface="Cambria Math"/>
+                          </a:rPr>
+                          <m:t>𝑀</m:t>
+                        </m:r>
+                        <m:r>
+                          <a:rPr lang="en-GB" sz="2800" b="0" i="1" smtClean="0">
+                            <a:latin typeface="Cambria Math"/>
+                          </a:rPr>
+                          <m:t>𝐴𝑋</m:t>
+                        </m:r>
+                      </m:sup>
+                    </m:sSup>
+                    <m:d>
+                      <m:dPr>
+                        <m:ctrlPr>
+                          <a:rPr lang="en-GB" sz="2800" b="0" i="1" smtClean="0">
+                            <a:latin typeface="Cambria Math"/>
+                          </a:rPr>
+                        </m:ctrlPr>
+                      </m:dPr>
+                      <m:e>
+                        <m:r>
+                          <a:rPr lang="en-GB" sz="2800" b="0" i="1" smtClean="0">
+                            <a:latin typeface="Cambria Math"/>
+                          </a:rPr>
+                          <m:t>01</m:t>
+                        </m:r>
+                      </m:e>
+                    </m:d>
+                    <m:r>
+                      <a:rPr lang="en-GB" sz="2800" b="0" i="1" smtClean="0">
+                        <a:latin typeface="Cambria Math"/>
+                      </a:rPr>
+                      <m:t>.</m:t>
+                    </m:r>
+                  </m:oMath>
+                </a14:m>
+                <a:r>
+                  <a:rPr lang="en-GB" sz="2800" dirty="0" smtClean="0"/>
+                  <a:t> </a:t>
+                </a:r>
+                <a:endParaRPr lang="en-GB" sz="2800" dirty="0"/>
+              </a:p>
+            </p:txBody>
+          </p:sp>
+        </mc:Choice>
+        <mc:Fallback>
+          <p:sp>
+            <p:nvSpPr>
+              <p:cNvPr id="9" name="TextBox 8"/>
+              <p:cNvSpPr txBox="1">
+                <a:spLocks noRot="1" noChangeAspect="1" noMove="1" noResize="1" noEditPoints="1" noAdjustHandles="1" noChangeArrowheads="1" noChangeShapeType="1" noTextEdit="1"/>
+              </p:cNvSpPr>
+              <p:nvPr/>
+            </p:nvSpPr>
+            <p:spPr>
+              <a:xfrm>
+                <a:off x="1129074" y="5539972"/>
+                <a:ext cx="7704856" cy="524374"/>
+              </a:xfrm>
+              <a:prstGeom prst="rect">
+                <a:avLst/>
+              </a:prstGeom>
+              <a:blipFill rotWithShape="1">
+                <a:blip r:embed="rId4"/>
+                <a:stretch>
+                  <a:fillRect l="-1582" t="-10465" b="-32558"/>
+                </a:stretch>
+              </a:blipFill>
+            </p:spPr>
+            <p:txBody>
+              <a:bodyPr/>
+              <a:lstStyle/>
+              <a:p>
+                <a:r>
+                  <a:rPr lang="en-GB">
+                    <a:noFill/>
+                  </a:rPr>
+                  <a:t> </a:t>
+                </a:r>
+              </a:p>
+            </p:txBody>
+          </p:sp>
+        </mc:Fallback>
+      </mc:AlternateContent>
+    </p:spTree>
+    <p:extLst>
+      <p:ext uri="{BB962C8B-B14F-4D97-AF65-F5344CB8AC3E}">
+        <p14:creationId xmlns:p14="http://schemas.microsoft.com/office/powerpoint/2010/main" val="4075087153"/>
+      </p:ext>
+    </p:extLst>
+  </p:cSld>
+  <p:clrMapOvr>
+    <a:masterClrMapping/>
+  </p:clrMapOvr>
+  <p:timing>
+    <p:tnLst>
+      <p:par>
+        <p:cTn id="1" dur="indefinite" restart="never" nodeType="tmRoot">
+          <p:childTnLst>
+            <p:seq concurrent="1" nextAc="seek">
+              <p:cTn id="2" dur="indefinite" nodeType="mainSeq">
+                <p:childTnLst>
+                  <p:par>
+                    <p:cTn id="3" fill="hold">
+                      <p:stCondLst>
+                        <p:cond delay="indefinite"/>
+                      </p:stCondLst>
+                      <p:childTnLst>
+                        <p:par>
+                          <p:cTn id="4" fill="hold">
+                            <p:stCondLst>
+                              <p:cond delay="0"/>
+                            </p:stCondLst>
+                            <p:childTnLst>
+                              <p:par>
+                                <p:cTn id="5" presetID="1" presetClass="entr" presetSubtype="0" fill="hold" grpId="0" nodeType="clickEffect">
+                                  <p:stCondLst>
+                                    <p:cond delay="0"/>
+                                  </p:stCondLst>
+                                  <p:childTnLst>
+                                    <p:set>
+                                      <p:cBhvr>
+                                        <p:cTn id="6" dur="1" fill="hold">
+                                          <p:stCondLst>
+                                            <p:cond delay="0"/>
+                                          </p:stCondLst>
+                                        </p:cTn>
+                                        <p:tgtEl>
+                                          <p:spTgt spid="36"/>
+                                        </p:tgtEl>
+                                        <p:attrNameLst>
+                                          <p:attrName>style.visibility</p:attrName>
+                                        </p:attrNameLst>
+                                      </p:cBhvr>
+                                      <p:to>
+                                        <p:strVal val="visible"/>
+                                      </p:to>
+                                    </p:set>
+                                  </p:childTnLst>
+                                </p:cTn>
+                              </p:par>
+                              <p:par>
+                                <p:cTn id="7" presetID="1" presetClass="entr" presetSubtype="0" fill="hold" grpId="0" nodeType="withEffect">
+                                  <p:stCondLst>
+                                    <p:cond delay="0"/>
+                                  </p:stCondLst>
+                                  <p:childTnLst>
+                                    <p:set>
+                                      <p:cBhvr>
+                                        <p:cTn id="8" dur="1" fill="hold">
+                                          <p:stCondLst>
+                                            <p:cond delay="0"/>
+                                          </p:stCondLst>
+                                        </p:cTn>
+                                        <p:tgtEl>
+                                          <p:spTgt spid="37"/>
+                                        </p:tgtEl>
+                                        <p:attrNameLst>
+                                          <p:attrName>style.visibility</p:attrName>
+                                        </p:attrNameLst>
+                                      </p:cBhvr>
+                                      <p:to>
+                                        <p:strVal val="visible"/>
+                                      </p:to>
+                                    </p:set>
+                                  </p:childTnLst>
+                                </p:cTn>
+                              </p:par>
+                              <p:par>
+                                <p:cTn id="9" presetID="1" presetClass="exit" presetSubtype="0" fill="hold" grpId="0" nodeType="withEffect">
+                                  <p:stCondLst>
+                                    <p:cond delay="0"/>
+                                  </p:stCondLst>
+                                  <p:childTnLst>
+                                    <p:set>
+                                      <p:cBhvr>
+                                        <p:cTn id="10" dur="1" fill="hold">
+                                          <p:stCondLst>
+                                            <p:cond delay="0"/>
+                                          </p:stCondLst>
+                                        </p:cTn>
+                                        <p:tgtEl>
+                                          <p:spTgt spid="28"/>
+                                        </p:tgtEl>
+                                        <p:attrNameLst>
+                                          <p:attrName>style.visibility</p:attrName>
+                                        </p:attrNameLst>
+                                      </p:cBhvr>
+                                      <p:to>
+                                        <p:strVal val="hidden"/>
+                                      </p:to>
+                                    </p:set>
+                                  </p:childTnLst>
+                                </p:cTn>
+                              </p:par>
+                              <p:par>
+                                <p:cTn id="11" presetID="1" presetClass="exit" presetSubtype="0" fill="hold" grpId="0" nodeType="withEffect">
+                                  <p:stCondLst>
+                                    <p:cond delay="0"/>
+                                  </p:stCondLst>
+                                  <p:childTnLst>
+                                    <p:set>
+                                      <p:cBhvr>
+                                        <p:cTn id="12" dur="1" fill="hold">
+                                          <p:stCondLst>
+                                            <p:cond delay="0"/>
+                                          </p:stCondLst>
+                                        </p:cTn>
+                                        <p:tgtEl>
+                                          <p:spTgt spid="31"/>
+                                        </p:tgtEl>
+                                        <p:attrNameLst>
+                                          <p:attrName>style.visibility</p:attrName>
+                                        </p:attrNameLst>
+                                      </p:cBhvr>
+                                      <p:to>
+                                        <p:strVal val="hidden"/>
+                                      </p:to>
+                                    </p:set>
+                                  </p:childTnLst>
+                                </p:cTn>
+                              </p:par>
+                            </p:childTnLst>
+                          </p:cTn>
+                        </p:par>
+                      </p:childTnLst>
+                    </p:cTn>
+                  </p:par>
+                  <p:par>
+                    <p:cTn id="13" fill="hold">
+                      <p:stCondLst>
+                        <p:cond delay="indefinite"/>
+                      </p:stCondLst>
+                      <p:childTnLst>
+                        <p:par>
+                          <p:cTn id="14" fill="hold">
+                            <p:stCondLst>
+                              <p:cond delay="0"/>
+                            </p:stCondLst>
+                            <p:childTnLst>
+                              <p:par>
+                                <p:cTn id="15" presetID="1" presetClass="entr" presetSubtype="0" fill="hold" grpId="0" nodeType="clickEffect">
+                                  <p:stCondLst>
+                                    <p:cond delay="0"/>
+                                  </p:stCondLst>
+                                  <p:childTnLst>
+                                    <p:set>
+                                      <p:cBhvr>
+                                        <p:cTn id="16" dur="1" fill="hold">
+                                          <p:stCondLst>
+                                            <p:cond delay="0"/>
+                                          </p:stCondLst>
+                                        </p:cTn>
+                                        <p:tgtEl>
+                                          <p:spTgt spid="38"/>
+                                        </p:tgtEl>
+                                        <p:attrNameLst>
+                                          <p:attrName>style.visibility</p:attrName>
+                                        </p:attrNameLst>
+                                      </p:cBhvr>
+                                      <p:to>
+                                        <p:strVal val="visible"/>
+                                      </p:to>
+                                    </p:set>
+                                  </p:childTnLst>
+                                </p:cTn>
+                              </p:par>
+                              <p:par>
+                                <p:cTn id="17" presetID="1" presetClass="exit" presetSubtype="0" fill="hold" grpId="1" nodeType="withEffect">
+                                  <p:stCondLst>
+                                    <p:cond delay="0"/>
+                                  </p:stCondLst>
+                                  <p:childTnLst>
+                                    <p:set>
+                                      <p:cBhvr>
+                                        <p:cTn id="18" dur="1" fill="hold">
+                                          <p:stCondLst>
+                                            <p:cond delay="0"/>
+                                          </p:stCondLst>
+                                        </p:cTn>
+                                        <p:tgtEl>
+                                          <p:spTgt spid="36"/>
+                                        </p:tgtEl>
+                                        <p:attrNameLst>
+                                          <p:attrName>style.visibility</p:attrName>
+                                        </p:attrNameLst>
+                                      </p:cBhvr>
+                                      <p:to>
+                                        <p:strVal val="hidden"/>
+                                      </p:to>
+                                    </p:set>
+                                  </p:childTnLst>
+                                </p:cTn>
+                              </p:par>
+                              <p:par>
+                                <p:cTn id="19" presetID="1" presetClass="exit" presetSubtype="0" fill="hold" grpId="1" nodeType="withEffect">
+                                  <p:stCondLst>
+                                    <p:cond delay="0"/>
+                                  </p:stCondLst>
+                                  <p:childTnLst>
+                                    <p:set>
+                                      <p:cBhvr>
+                                        <p:cTn id="20" dur="1" fill="hold">
+                                          <p:stCondLst>
+                                            <p:cond delay="0"/>
+                                          </p:stCondLst>
+                                        </p:cTn>
+                                        <p:tgtEl>
+                                          <p:spTgt spid="37"/>
+                                        </p:tgtEl>
+                                        <p:attrNameLst>
+                                          <p:attrName>style.visibility</p:attrName>
+                                        </p:attrNameLst>
+                                      </p:cBhvr>
+                                      <p:to>
+                                        <p:strVal val="hidden"/>
+                                      </p:to>
+                                    </p:set>
+                                  </p:childTnLst>
+                                </p:cTn>
+                              </p:par>
+                              <p:par>
+                                <p:cTn id="21" presetID="1" presetClass="entr" presetSubtype="0" fill="hold" grpId="0" nodeType="withEffect">
+                                  <p:stCondLst>
+                                    <p:cond delay="0"/>
+                                  </p:stCondLst>
+                                  <p:childTnLst>
+                                    <p:set>
+                                      <p:cBhvr>
+                                        <p:cTn id="22" dur="1" fill="hold">
+                                          <p:stCondLst>
+                                            <p:cond delay="0"/>
+                                          </p:stCondLst>
+                                        </p:cTn>
+                                        <p:tgtEl>
+                                          <p:spTgt spid="40"/>
+                                        </p:tgtEl>
+                                        <p:attrNameLst>
+                                          <p:attrName>style.visibility</p:attrName>
+                                        </p:attrNameLst>
+                                      </p:cBhvr>
+                                      <p:to>
+                                        <p:strVal val="visible"/>
+                                      </p:to>
+                                    </p:set>
+                                  </p:childTnLst>
+                                </p:cTn>
+                              </p:par>
+                            </p:childTnLst>
+                          </p:cTn>
+                        </p:par>
+                      </p:childTnLst>
+                    </p:cTn>
+                  </p:par>
+                </p:childTnLst>
+              </p:cTn>
+              <p:prevCondLst>
+                <p:cond evt="onPrev" delay="0">
+                  <p:tgtEl>
+                    <p:sldTgt/>
+                  </p:tgtEl>
+                </p:cond>
+              </p:prevCondLst>
+              <p:nextCondLst>
+                <p:cond evt="onNext" delay="0">
+                  <p:tgtEl>
+                    <p:sldTgt/>
+                  </p:tgtEl>
+                </p:cond>
+              </p:nextCondLst>
+            </p:seq>
+          </p:childTnLst>
+        </p:cTn>
+      </p:par>
+    </p:tnLst>
+    <p:bldLst>
+      <p:bldP spid="38" grpId="0" animBg="1"/>
+      <p:bldP spid="36" grpId="0" animBg="1"/>
+      <p:bldP spid="36" grpId="1" animBg="1"/>
+      <p:bldP spid="28" grpId="0" animBg="1"/>
+      <p:bldP spid="31" grpId="0" animBg="1"/>
+      <p:bldP spid="37" grpId="0" animBg="1"/>
+      <p:bldP spid="37" grpId="1" animBg="1"/>
+      <p:bldP spid="40" grpId="0" animBg="1"/>
+    </p:bldLst>
+  </p:timing>
+</p:sld>
+</file>
+
+<file path=ppt/slides/slide9.xml><?xml version="1.0" encoding="utf-8"?>
+<p:sld xmlns:a="http://schemas.openxmlformats.org/drawingml/2006/main" xmlns:r="http://schemas.openxmlformats.org/officeDocument/2006/relationships" xmlns:p="http://schemas.openxmlformats.org/presentationml/2006/main">
+  <p:cSld>
+    <p:spTree>
+      <p:nvGrpSpPr>
+        <p:cNvPr id="1" name=""/>
+        <p:cNvGrpSpPr/>
+        <p:nvPr/>
+      </p:nvGrpSpPr>
+      <p:grpSpPr>
+        <a:xfrm>
+          <a:off x="0" y="0"/>
+          <a:ext cx="0" cy="0"/>
+          <a:chOff x="0" y="0"/>
+          <a:chExt cx="0" cy="0"/>
+        </a:xfrm>
+      </p:grpSpPr>
+      <p:sp>
+        <p:nvSpPr>
+          <p:cNvPr id="2" name="TextBox 1"/>
+          <p:cNvSpPr txBox="1"/>
+          <p:nvPr/>
+        </p:nvSpPr>
+        <p:spPr>
+          <a:xfrm>
+            <a:off x="836320" y="98490"/>
+            <a:ext cx="5463872" cy="646331"/>
+          </a:xfrm>
+          <a:prstGeom prst="rect">
+            <a:avLst/>
+          </a:prstGeom>
+          <a:noFill/>
+        </p:spPr>
+        <p:txBody>
+          <a:bodyPr wrap="square" rtlCol="0">
+            <a:spAutoFit/>
+          </a:bodyPr>
+          <a:lstStyle/>
+          <a:p>
+            <a:r>
+              <a:rPr lang="en-GB" sz="3600" dirty="0" smtClean="0"/>
+              <a:t>Concepts</a:t>
+            </a:r>
+            <a:endParaRPr lang="en-GB" sz="3600" dirty="0"/>
+          </a:p>
+        </p:txBody>
+      </p:sp>
+      <mc:AlternateContent xmlns:mc="http://schemas.openxmlformats.org/markup-compatibility/2006">
+        <mc:Choice xmlns:a14="http://schemas.microsoft.com/office/drawing/2010/main" Requires="a14">
+          <p:sp>
+            <p:nvSpPr>
+              <p:cNvPr id="9" name="TextBox 8"/>
+              <p:cNvSpPr txBox="1"/>
+              <p:nvPr/>
+            </p:nvSpPr>
+            <p:spPr>
+              <a:xfrm>
+                <a:off x="1043608" y="1268760"/>
+                <a:ext cx="7920880" cy="524374"/>
+              </a:xfrm>
+              <a:prstGeom prst="rect">
+                <a:avLst/>
+              </a:prstGeom>
+              <a:noFill/>
+            </p:spPr>
+            <p:txBody>
+              <a:bodyPr wrap="square" rtlCol="0">
+                <a:spAutoFit/>
+              </a:bodyPr>
+              <a:lstStyle/>
+              <a:p>
+                <a:r>
+                  <a:rPr lang="en-GB" sz="2800" dirty="0" smtClean="0"/>
+                  <a:t>I</a:t>
+                </a:r>
+                <a14:m>
+                  <m:oMath xmlns:m="http://schemas.openxmlformats.org/officeDocument/2006/math">
+                    <m:r>
+                      <m:rPr>
+                        <m:sty m:val="p"/>
+                      </m:rPr>
+                      <a:rPr lang="en-GB" sz="2800" dirty="0">
+                        <a:latin typeface="Cambria Math"/>
+                      </a:rPr>
+                      <m:t>f</m:t>
+                    </m:r>
+                    <m:r>
+                      <a:rPr lang="en-GB" sz="2800" b="0" i="0" dirty="0" smtClean="0">
+                        <a:latin typeface="Cambria Math"/>
+                      </a:rPr>
+                      <m:t> </m:t>
+                    </m:r>
+                    <m:sSup>
+                      <m:sSupPr>
+                        <m:ctrlPr>
+                          <a:rPr lang="en-GB" sz="2800" i="1">
+                            <a:latin typeface="Cambria Math"/>
+                          </a:rPr>
+                        </m:ctrlPr>
+                      </m:sSupPr>
+                      <m:e>
+                        <m:r>
+                          <a:rPr lang="en-GB" sz="2800" i="1">
+                            <a:latin typeface="Cambria Math"/>
+                          </a:rPr>
+                          <m:t>𝜑</m:t>
+                        </m:r>
+                      </m:e>
+                      <m:sup>
+                        <m:r>
+                          <a:rPr lang="en-GB" sz="2800" i="1">
+                            <a:latin typeface="Cambria Math"/>
+                          </a:rPr>
+                          <m:t>𝑀</m:t>
+                        </m:r>
+                        <m:r>
+                          <a:rPr lang="en-GB" sz="2800" b="0" i="1" smtClean="0">
+                            <a:latin typeface="Cambria Math"/>
+                          </a:rPr>
+                          <m:t>𝐴𝑋</m:t>
+                        </m:r>
+                      </m:sup>
+                    </m:sSup>
+                    <m:d>
+                      <m:dPr>
+                        <m:ctrlPr>
+                          <a:rPr lang="en-GB" sz="2800" b="0" i="1" smtClean="0">
+                            <a:latin typeface="Cambria Math"/>
+                          </a:rPr>
+                        </m:ctrlPr>
+                      </m:dPr>
+                      <m:e>
+                        <m:sSup>
+                          <m:sSupPr>
+                            <m:ctrlPr>
+                              <a:rPr lang="en-GB" sz="2800" b="0" i="1" smtClean="0">
+                                <a:latin typeface="Cambria Math"/>
+                              </a:rPr>
+                            </m:ctrlPr>
+                          </m:sSupPr>
+                          <m:e>
+                            <m:r>
+                              <a:rPr lang="en-GB" sz="2800" b="0" i="1" smtClean="0">
+                                <a:latin typeface="Cambria Math"/>
+                              </a:rPr>
+                              <m:t>𝐻</m:t>
+                            </m:r>
+                          </m:e>
+                          <m:sup>
+                            <m:r>
+                              <a:rPr lang="en-GB" sz="2800" b="0" i="1" smtClean="0">
+                                <a:latin typeface="Cambria Math"/>
+                              </a:rPr>
+                              <m:t>𝑐</m:t>
+                            </m:r>
+                          </m:sup>
+                        </m:sSup>
+                        <m:r>
+                          <a:rPr lang="en-GB" sz="2800" b="0" i="1" smtClean="0">
+                            <a:latin typeface="Cambria Math"/>
+                          </a:rPr>
+                          <m:t>=</m:t>
+                        </m:r>
+                        <m:r>
+                          <a:rPr lang="en-GB" sz="2800" b="0" i="1" smtClean="0">
+                            <a:latin typeface="Cambria Math"/>
+                          </a:rPr>
+                          <m:t>𝑋</m:t>
+                        </m:r>
+                      </m:e>
+                    </m:d>
+                    <m:r>
+                      <a:rPr lang="en-GB" sz="2800" b="0" i="1" smtClean="0">
+                        <a:latin typeface="Cambria Math"/>
+                      </a:rPr>
+                      <m:t>&gt;0, </m:t>
+                    </m:r>
+                  </m:oMath>
+                </a14:m>
+                <a:r>
+                  <a:rPr lang="en-GB" sz="2800" dirty="0" smtClean="0"/>
+                  <a:t>then we call </a:t>
+                </a:r>
+                <a14:m>
+                  <m:oMath xmlns:m="http://schemas.openxmlformats.org/officeDocument/2006/math">
+                    <m:r>
+                      <a:rPr lang="en-GB" sz="2800" b="0" i="1" smtClean="0">
+                        <a:latin typeface="Cambria Math"/>
+                      </a:rPr>
+                      <m:t>𝐻</m:t>
+                    </m:r>
+                    <m:r>
+                      <a:rPr lang="en-GB" sz="2800" b="0" i="1" smtClean="0">
+                        <a:latin typeface="Cambria Math"/>
+                      </a:rPr>
+                      <m:t>∈</m:t>
+                    </m:r>
+                    <m:r>
+                      <a:rPr lang="en-GB" sz="2800" b="0" i="1" smtClean="0">
+                        <a:latin typeface="Cambria Math"/>
+                      </a:rPr>
+                      <m:t>𝐺</m:t>
+                    </m:r>
+                  </m:oMath>
+                </a14:m>
+                <a:r>
+                  <a:rPr lang="en-GB" sz="2800" dirty="0" smtClean="0"/>
+                  <a:t> a concept. </a:t>
+                </a:r>
+                <a:endParaRPr lang="en-GB" sz="2800" dirty="0"/>
+              </a:p>
+            </p:txBody>
+          </p:sp>
+        </mc:Choice>
+        <mc:Fallback>
+          <p:sp>
+            <p:nvSpPr>
+              <p:cNvPr id="9" name="TextBox 8"/>
+              <p:cNvSpPr txBox="1">
+                <a:spLocks noRot="1" noChangeAspect="1" noMove="1" noResize="1" noEditPoints="1" noAdjustHandles="1" noChangeArrowheads="1" noChangeShapeType="1" noTextEdit="1"/>
+              </p:cNvSpPr>
+              <p:nvPr/>
+            </p:nvSpPr>
+            <p:spPr>
+              <a:xfrm>
+                <a:off x="1043608" y="1268760"/>
+                <a:ext cx="7920880" cy="524374"/>
+              </a:xfrm>
+              <a:prstGeom prst="rect">
+                <a:avLst/>
+              </a:prstGeom>
+              <a:blipFill rotWithShape="1">
+                <a:blip r:embed="rId2"/>
+                <a:stretch>
+                  <a:fillRect l="-1538" t="-10465" r="-1846" b="-32558"/>
+                </a:stretch>
+              </a:blipFill>
+            </p:spPr>
+            <p:txBody>
+              <a:bodyPr/>
+              <a:lstStyle/>
+              <a:p>
+                <a:r>
+                  <a:rPr lang="en-GB">
+                    <a:noFill/>
+                  </a:rPr>
+                  <a:t> </a:t>
+                </a:r>
+              </a:p>
+            </p:txBody>
+          </p:sp>
+        </mc:Fallback>
+      </mc:AlternateContent>
+    </p:spTree>
+    <p:extLst>
+      <p:ext uri="{BB962C8B-B14F-4D97-AF65-F5344CB8AC3E}">
+        <p14:creationId xmlns:p14="http://schemas.microsoft.com/office/powerpoint/2010/main" val="2516241976"/>
       </p:ext>
     </p:extLst>
   </p:cSld>

--- a/Writeup/Presentation/Integrated Information Theory for Organisational Consciousness.pptx
+++ b/Writeup/Presentation/Integrated Information Theory for Organisational Consciousness.pptx
@@ -13,19 +13,23 @@
     <p:sldId id="277" r:id="rId7"/>
     <p:sldId id="278" r:id="rId8"/>
     <p:sldId id="279" r:id="rId9"/>
-    <p:sldId id="275" r:id="rId10"/>
-    <p:sldId id="285" r:id="rId11"/>
-    <p:sldId id="288" r:id="rId12"/>
-    <p:sldId id="289" r:id="rId13"/>
-    <p:sldId id="290" r:id="rId14"/>
-    <p:sldId id="291" r:id="rId15"/>
-    <p:sldId id="295" r:id="rId16"/>
-    <p:sldId id="296" r:id="rId17"/>
-    <p:sldId id="297" r:id="rId18"/>
-    <p:sldId id="286" r:id="rId19"/>
-    <p:sldId id="292" r:id="rId20"/>
-    <p:sldId id="293" r:id="rId21"/>
-    <p:sldId id="294" r:id="rId22"/>
+    <p:sldId id="300" r:id="rId10"/>
+    <p:sldId id="301" r:id="rId11"/>
+    <p:sldId id="275" r:id="rId12"/>
+    <p:sldId id="285" r:id="rId13"/>
+    <p:sldId id="288" r:id="rId14"/>
+    <p:sldId id="289" r:id="rId15"/>
+    <p:sldId id="290" r:id="rId16"/>
+    <p:sldId id="291" r:id="rId17"/>
+    <p:sldId id="295" r:id="rId18"/>
+    <p:sldId id="296" r:id="rId19"/>
+    <p:sldId id="297" r:id="rId20"/>
+    <p:sldId id="298" r:id="rId21"/>
+    <p:sldId id="299" r:id="rId22"/>
+    <p:sldId id="286" r:id="rId23"/>
+    <p:sldId id="292" r:id="rId24"/>
+    <p:sldId id="293" r:id="rId25"/>
+    <p:sldId id="294" r:id="rId26"/>
   </p:sldIdLst>
   <p:sldSz cx="9144000" cy="6858000" type="screen4x3"/>
   <p:notesSz cx="6858000" cy="9144000"/>
@@ -135,6 +139,8 @@
             <p14:sldId id="277"/>
             <p14:sldId id="278"/>
             <p14:sldId id="279"/>
+            <p14:sldId id="300"/>
+            <p14:sldId id="301"/>
             <p14:sldId id="275"/>
             <p14:sldId id="285"/>
             <p14:sldId id="288"/>
@@ -148,6 +154,8 @@
             <p14:sldId id="295"/>
             <p14:sldId id="296"/>
             <p14:sldId id="297"/>
+            <p14:sldId id="298"/>
+            <p14:sldId id="299"/>
             <p14:sldId id="286"/>
             <p14:sldId id="292"/>
             <p14:sldId id="293"/>
@@ -11154,6 +11162,3015 @@
 </file>
 
 <file path=ppt/slides/slide10.xml><?xml version="1.0" encoding="utf-8"?>
+<p:sld xmlns:a="http://schemas.openxmlformats.org/drawingml/2006/main" xmlns:r="http://schemas.openxmlformats.org/officeDocument/2006/relationships" xmlns:p="http://schemas.openxmlformats.org/presentationml/2006/main">
+  <p:cSld>
+    <p:spTree>
+      <p:nvGrpSpPr>
+        <p:cNvPr id="1" name=""/>
+        <p:cNvGrpSpPr/>
+        <p:nvPr/>
+      </p:nvGrpSpPr>
+      <p:grpSpPr>
+        <a:xfrm>
+          <a:off x="0" y="0"/>
+          <a:ext cx="0" cy="0"/>
+          <a:chOff x="0" y="0"/>
+          <a:chExt cx="0" cy="0"/>
+        </a:xfrm>
+      </p:grpSpPr>
+      <p:sp>
+        <p:nvSpPr>
+          <p:cNvPr id="2" name="TextBox 1"/>
+          <p:cNvSpPr txBox="1"/>
+          <p:nvPr/>
+        </p:nvSpPr>
+        <p:spPr>
+          <a:xfrm>
+            <a:off x="836320" y="98490"/>
+            <a:ext cx="5463872" cy="646331"/>
+          </a:xfrm>
+          <a:prstGeom prst="rect">
+            <a:avLst/>
+          </a:prstGeom>
+          <a:noFill/>
+        </p:spPr>
+        <p:txBody>
+          <a:bodyPr wrap="square" rtlCol="0">
+            <a:spAutoFit/>
+          </a:bodyPr>
+          <a:lstStyle/>
+          <a:p>
+            <a:r>
+              <a:rPr lang="en-GB" sz="3600" dirty="0" smtClean="0"/>
+              <a:t>Simple Model</a:t>
+            </a:r>
+            <a:endParaRPr lang="en-GB" sz="3600" dirty="0"/>
+          </a:p>
+        </p:txBody>
+      </p:sp>
+      <p:sp>
+        <p:nvSpPr>
+          <p:cNvPr id="5" name="TextBox 4"/>
+          <p:cNvSpPr txBox="1"/>
+          <p:nvPr/>
+        </p:nvSpPr>
+        <p:spPr>
+          <a:xfrm>
+            <a:off x="960116" y="980728"/>
+            <a:ext cx="7992888" cy="2000548"/>
+          </a:xfrm>
+          <a:prstGeom prst="rect">
+            <a:avLst/>
+          </a:prstGeom>
+          <a:noFill/>
+        </p:spPr>
+        <p:txBody>
+          <a:bodyPr wrap="square" rtlCol="0">
+            <a:spAutoFit/>
+          </a:bodyPr>
+          <a:lstStyle/>
+          <a:p>
+            <a:r>
+              <a:rPr lang="en-GB" sz="2800" b="1" u="sng" dirty="0" smtClean="0"/>
+              <a:t>Assumptions</a:t>
+            </a:r>
+          </a:p>
+          <a:p>
+            <a:pPr marL="285750" indent="-285750">
+              <a:buFont typeface="Arial" pitchFamily="34" charset="0"/>
+              <a:buChar char="•"/>
+            </a:pPr>
+            <a:r>
+              <a:rPr lang="en-GB" sz="2400" dirty="0" smtClean="0"/>
+              <a:t>The number of teams/individuals available is fixed.</a:t>
+            </a:r>
+          </a:p>
+          <a:p>
+            <a:pPr marL="285750" indent="-285750">
+              <a:buFont typeface="Arial" pitchFamily="34" charset="0"/>
+              <a:buChar char="•"/>
+            </a:pPr>
+            <a:r>
+              <a:rPr lang="en-GB" sz="2400" dirty="0" smtClean="0"/>
+              <a:t>The skills possessed by each team/individual are fixed.</a:t>
+            </a:r>
+            <a:endParaRPr lang="en-GB" sz="2400" dirty="0"/>
+          </a:p>
+          <a:p>
+            <a:pPr marL="285750" indent="-285750">
+              <a:buFont typeface="Arial" pitchFamily="34" charset="0"/>
+              <a:buChar char="•"/>
+            </a:pPr>
+            <a:r>
+              <a:rPr lang="en-GB" sz="2400" dirty="0" smtClean="0"/>
+              <a:t>With each time-step, a single new project arrives. The skills required by this project are randomly determined.</a:t>
+            </a:r>
+          </a:p>
+        </p:txBody>
+      </p:sp>
+      <p:sp>
+        <p:nvSpPr>
+          <p:cNvPr id="6" name="Oval 5"/>
+          <p:cNvSpPr/>
+          <p:nvPr/>
+        </p:nvSpPr>
+        <p:spPr>
+          <a:xfrm>
+            <a:off x="2261414" y="3501008"/>
+            <a:ext cx="648072" cy="648072"/>
+          </a:xfrm>
+          <a:prstGeom prst="ellipse">
+            <a:avLst/>
+          </a:prstGeom>
+        </p:spPr>
+        <p:style>
+          <a:lnRef idx="2">
+            <a:schemeClr val="accent1">
+              <a:shade val="50000"/>
+            </a:schemeClr>
+          </a:lnRef>
+          <a:fillRef idx="1">
+            <a:schemeClr val="accent1"/>
+          </a:fillRef>
+          <a:effectRef idx="0">
+            <a:schemeClr val="accent1"/>
+          </a:effectRef>
+          <a:fontRef idx="minor">
+            <a:schemeClr val="lt1"/>
+          </a:fontRef>
+        </p:style>
+        <p:txBody>
+          <a:bodyPr rtlCol="0" anchor="ctr"/>
+          <a:lstStyle/>
+          <a:p>
+            <a:pPr algn="ctr"/>
+            <a:r>
+              <a:rPr lang="el-GR" sz="2400" dirty="0" smtClean="0"/>
+              <a:t>α</a:t>
+            </a:r>
+            <a:endParaRPr lang="en-GB" sz="2400" dirty="0"/>
+          </a:p>
+        </p:txBody>
+      </p:sp>
+      <p:sp>
+        <p:nvSpPr>
+          <p:cNvPr id="8" name="Oval 7"/>
+          <p:cNvSpPr/>
+          <p:nvPr/>
+        </p:nvSpPr>
+        <p:spPr>
+          <a:xfrm>
+            <a:off x="2260927" y="5301208"/>
+            <a:ext cx="648072" cy="648072"/>
+          </a:xfrm>
+          <a:prstGeom prst="ellipse">
+            <a:avLst/>
+          </a:prstGeom>
+        </p:spPr>
+        <p:style>
+          <a:lnRef idx="2">
+            <a:schemeClr val="accent1">
+              <a:shade val="50000"/>
+            </a:schemeClr>
+          </a:lnRef>
+          <a:fillRef idx="1">
+            <a:schemeClr val="accent1"/>
+          </a:fillRef>
+          <a:effectRef idx="0">
+            <a:schemeClr val="accent1"/>
+          </a:effectRef>
+          <a:fontRef idx="minor">
+            <a:schemeClr val="lt1"/>
+          </a:fontRef>
+        </p:style>
+        <p:txBody>
+          <a:bodyPr rtlCol="0" anchor="ctr"/>
+          <a:lstStyle/>
+          <a:p>
+            <a:pPr algn="ctr"/>
+            <a:r>
+              <a:rPr lang="el-GR" sz="2400" dirty="0" smtClean="0"/>
+              <a:t>β</a:t>
+            </a:r>
+            <a:endParaRPr lang="en-GB" sz="2400" dirty="0"/>
+          </a:p>
+        </p:txBody>
+      </p:sp>
+      <p:sp>
+        <p:nvSpPr>
+          <p:cNvPr id="9" name="Oval 8"/>
+          <p:cNvSpPr/>
+          <p:nvPr/>
+        </p:nvSpPr>
+        <p:spPr>
+          <a:xfrm>
+            <a:off x="4074496" y="3258766"/>
+            <a:ext cx="648072" cy="648072"/>
+          </a:xfrm>
+          <a:prstGeom prst="ellipse">
+            <a:avLst/>
+          </a:prstGeom>
+        </p:spPr>
+        <p:style>
+          <a:lnRef idx="2">
+            <a:schemeClr val="accent1">
+              <a:shade val="50000"/>
+            </a:schemeClr>
+          </a:lnRef>
+          <a:fillRef idx="1">
+            <a:schemeClr val="accent1"/>
+          </a:fillRef>
+          <a:effectRef idx="0">
+            <a:schemeClr val="accent1"/>
+          </a:effectRef>
+          <a:fontRef idx="minor">
+            <a:schemeClr val="lt1"/>
+          </a:fontRef>
+        </p:style>
+        <p:txBody>
+          <a:bodyPr rtlCol="0" anchor="ctr"/>
+          <a:lstStyle/>
+          <a:p>
+            <a:pPr algn="ctr"/>
+            <a:r>
+              <a:rPr lang="en-GB" sz="2400" dirty="0" smtClean="0"/>
+              <a:t>A</a:t>
+            </a:r>
+            <a:endParaRPr lang="en-GB" sz="2400" dirty="0"/>
+          </a:p>
+        </p:txBody>
+      </p:sp>
+      <p:sp>
+        <p:nvSpPr>
+          <p:cNvPr id="10" name="Oval 9"/>
+          <p:cNvSpPr/>
+          <p:nvPr/>
+        </p:nvSpPr>
+        <p:spPr>
+          <a:xfrm>
+            <a:off x="3426424" y="4365104"/>
+            <a:ext cx="648072" cy="648072"/>
+          </a:xfrm>
+          <a:prstGeom prst="ellipse">
+            <a:avLst/>
+          </a:prstGeom>
+        </p:spPr>
+        <p:style>
+          <a:lnRef idx="2">
+            <a:schemeClr val="accent1">
+              <a:shade val="50000"/>
+            </a:schemeClr>
+          </a:lnRef>
+          <a:fillRef idx="1">
+            <a:schemeClr val="accent1"/>
+          </a:fillRef>
+          <a:effectRef idx="0">
+            <a:schemeClr val="accent1"/>
+          </a:effectRef>
+          <a:fontRef idx="minor">
+            <a:schemeClr val="lt1"/>
+          </a:fontRef>
+        </p:style>
+        <p:txBody>
+          <a:bodyPr rtlCol="0" anchor="ctr"/>
+          <a:lstStyle/>
+          <a:p>
+            <a:pPr algn="ctr"/>
+            <a:r>
+              <a:rPr lang="en-GB" sz="2400" dirty="0" smtClean="0"/>
+              <a:t>C</a:t>
+            </a:r>
+            <a:endParaRPr lang="en-GB" sz="2400" dirty="0"/>
+          </a:p>
+        </p:txBody>
+      </p:sp>
+      <p:sp>
+        <p:nvSpPr>
+          <p:cNvPr id="11" name="Oval 10"/>
+          <p:cNvSpPr/>
+          <p:nvPr/>
+        </p:nvSpPr>
+        <p:spPr>
+          <a:xfrm>
+            <a:off x="4074496" y="5445224"/>
+            <a:ext cx="648072" cy="648072"/>
+          </a:xfrm>
+          <a:prstGeom prst="ellipse">
+            <a:avLst/>
+          </a:prstGeom>
+        </p:spPr>
+        <p:style>
+          <a:lnRef idx="2">
+            <a:schemeClr val="accent1">
+              <a:shade val="50000"/>
+            </a:schemeClr>
+          </a:lnRef>
+          <a:fillRef idx="1">
+            <a:schemeClr val="accent1"/>
+          </a:fillRef>
+          <a:effectRef idx="0">
+            <a:schemeClr val="accent1"/>
+          </a:effectRef>
+          <a:fontRef idx="minor">
+            <a:schemeClr val="lt1"/>
+          </a:fontRef>
+        </p:style>
+        <p:txBody>
+          <a:bodyPr rtlCol="0" anchor="ctr"/>
+          <a:lstStyle/>
+          <a:p>
+            <a:pPr algn="ctr"/>
+            <a:r>
+              <a:rPr lang="en-GB" sz="2400" dirty="0" smtClean="0"/>
+              <a:t>B</a:t>
+            </a:r>
+            <a:endParaRPr lang="en-GB" sz="2400" dirty="0"/>
+          </a:p>
+        </p:txBody>
+      </p:sp>
+      <p:cxnSp>
+        <p:nvCxnSpPr>
+          <p:cNvPr id="15" name="Straight Connector 14"/>
+          <p:cNvCxnSpPr>
+            <a:stCxn id="10" idx="3"/>
+            <a:endCxn id="8" idx="7"/>
+          </p:cNvCxnSpPr>
+          <p:nvPr/>
+        </p:nvCxnSpPr>
+        <p:spPr>
+          <a:xfrm flipH="1">
+            <a:off x="2814091" y="4918268"/>
+            <a:ext cx="707241" cy="477848"/>
+          </a:xfrm>
+          <a:prstGeom prst="line">
+            <a:avLst/>
+          </a:prstGeom>
+          <a:ln w="25400">
+            <a:solidFill>
+              <a:schemeClr val="tx1"/>
+            </a:solidFill>
+            <a:prstDash val="sysDash"/>
+          </a:ln>
+        </p:spPr>
+        <p:style>
+          <a:lnRef idx="1">
+            <a:schemeClr val="accent1"/>
+          </a:lnRef>
+          <a:fillRef idx="0">
+            <a:schemeClr val="accent1"/>
+          </a:fillRef>
+          <a:effectRef idx="0">
+            <a:schemeClr val="accent1"/>
+          </a:effectRef>
+          <a:fontRef idx="minor">
+            <a:schemeClr val="tx1"/>
+          </a:fontRef>
+        </p:style>
+      </p:cxnSp>
+      <p:cxnSp>
+        <p:nvCxnSpPr>
+          <p:cNvPr id="17" name="Straight Connector 16"/>
+          <p:cNvCxnSpPr>
+            <a:stCxn id="10" idx="1"/>
+            <a:endCxn id="6" idx="5"/>
+          </p:cNvCxnSpPr>
+          <p:nvPr/>
+        </p:nvCxnSpPr>
+        <p:spPr>
+          <a:xfrm flipH="1" flipV="1">
+            <a:off x="2814578" y="4054172"/>
+            <a:ext cx="706754" cy="405840"/>
+          </a:xfrm>
+          <a:prstGeom prst="line">
+            <a:avLst/>
+          </a:prstGeom>
+          <a:ln w="25400">
+            <a:solidFill>
+              <a:schemeClr val="tx1"/>
+            </a:solidFill>
+            <a:prstDash val="sysDash"/>
+          </a:ln>
+        </p:spPr>
+        <p:style>
+          <a:lnRef idx="1">
+            <a:schemeClr val="accent1"/>
+          </a:lnRef>
+          <a:fillRef idx="0">
+            <a:schemeClr val="accent1"/>
+          </a:fillRef>
+          <a:effectRef idx="0">
+            <a:schemeClr val="accent1"/>
+          </a:effectRef>
+          <a:fontRef idx="minor">
+            <a:schemeClr val="tx1"/>
+          </a:fontRef>
+        </p:style>
+      </p:cxnSp>
+      <p:cxnSp>
+        <p:nvCxnSpPr>
+          <p:cNvPr id="19" name="Straight Connector 18"/>
+          <p:cNvCxnSpPr>
+            <a:stCxn id="9" idx="2"/>
+            <a:endCxn id="6" idx="6"/>
+          </p:cNvCxnSpPr>
+          <p:nvPr/>
+        </p:nvCxnSpPr>
+        <p:spPr>
+          <a:xfrm flipH="1">
+            <a:off x="2909486" y="3582802"/>
+            <a:ext cx="1165010" cy="242242"/>
+          </a:xfrm>
+          <a:prstGeom prst="line">
+            <a:avLst/>
+          </a:prstGeom>
+          <a:ln w="25400">
+            <a:solidFill>
+              <a:schemeClr val="tx1"/>
+            </a:solidFill>
+            <a:prstDash val="sysDash"/>
+          </a:ln>
+        </p:spPr>
+        <p:style>
+          <a:lnRef idx="1">
+            <a:schemeClr val="accent1"/>
+          </a:lnRef>
+          <a:fillRef idx="0">
+            <a:schemeClr val="accent1"/>
+          </a:fillRef>
+          <a:effectRef idx="0">
+            <a:schemeClr val="accent1"/>
+          </a:effectRef>
+          <a:fontRef idx="minor">
+            <a:schemeClr val="tx1"/>
+          </a:fontRef>
+        </p:style>
+      </p:cxnSp>
+      <p:cxnSp>
+        <p:nvCxnSpPr>
+          <p:cNvPr id="21" name="Straight Connector 20"/>
+          <p:cNvCxnSpPr>
+            <a:stCxn id="11" idx="2"/>
+            <a:endCxn id="8" idx="6"/>
+          </p:cNvCxnSpPr>
+          <p:nvPr/>
+        </p:nvCxnSpPr>
+        <p:spPr>
+          <a:xfrm flipH="1" flipV="1">
+            <a:off x="2908999" y="5625244"/>
+            <a:ext cx="1165497" cy="144016"/>
+          </a:xfrm>
+          <a:prstGeom prst="line">
+            <a:avLst/>
+          </a:prstGeom>
+          <a:ln w="25400">
+            <a:solidFill>
+              <a:schemeClr val="tx1"/>
+            </a:solidFill>
+            <a:prstDash val="sysDash"/>
+          </a:ln>
+        </p:spPr>
+        <p:style>
+          <a:lnRef idx="1">
+            <a:schemeClr val="accent1"/>
+          </a:lnRef>
+          <a:fillRef idx="0">
+            <a:schemeClr val="accent1"/>
+          </a:fillRef>
+          <a:effectRef idx="0">
+            <a:schemeClr val="accent1"/>
+          </a:effectRef>
+          <a:fontRef idx="minor">
+            <a:schemeClr val="tx1"/>
+          </a:fontRef>
+        </p:style>
+      </p:cxnSp>
+      <p:cxnSp>
+        <p:nvCxnSpPr>
+          <p:cNvPr id="23" name="Straight Connector 22"/>
+          <p:cNvCxnSpPr/>
+          <p:nvPr/>
+        </p:nvCxnSpPr>
+        <p:spPr>
+          <a:xfrm>
+            <a:off x="3167711" y="2981276"/>
+            <a:ext cx="244" cy="3400052"/>
+          </a:xfrm>
+          <a:prstGeom prst="line">
+            <a:avLst/>
+          </a:prstGeom>
+          <a:ln w="50800">
+            <a:solidFill>
+              <a:schemeClr val="accent6">
+                <a:lumMod val="75000"/>
+              </a:schemeClr>
+            </a:solidFill>
+          </a:ln>
+        </p:spPr>
+        <p:style>
+          <a:lnRef idx="1">
+            <a:schemeClr val="accent1"/>
+          </a:lnRef>
+          <a:fillRef idx="0">
+            <a:schemeClr val="accent1"/>
+          </a:fillRef>
+          <a:effectRef idx="0">
+            <a:schemeClr val="accent1"/>
+          </a:effectRef>
+          <a:fontRef idx="minor">
+            <a:schemeClr val="tx1"/>
+          </a:fontRef>
+        </p:style>
+      </p:cxnSp>
+      <p:cxnSp>
+        <p:nvCxnSpPr>
+          <p:cNvPr id="24" name="Straight Connector 23"/>
+          <p:cNvCxnSpPr/>
+          <p:nvPr/>
+        </p:nvCxnSpPr>
+        <p:spPr>
+          <a:xfrm>
+            <a:off x="5953044" y="2981276"/>
+            <a:ext cx="244" cy="3400052"/>
+          </a:xfrm>
+          <a:prstGeom prst="line">
+            <a:avLst/>
+          </a:prstGeom>
+          <a:ln w="50800">
+            <a:solidFill>
+              <a:schemeClr val="accent6">
+                <a:lumMod val="75000"/>
+              </a:schemeClr>
+            </a:solidFill>
+          </a:ln>
+        </p:spPr>
+        <p:style>
+          <a:lnRef idx="1">
+            <a:schemeClr val="accent1"/>
+          </a:lnRef>
+          <a:fillRef idx="0">
+            <a:schemeClr val="accent1"/>
+          </a:fillRef>
+          <a:effectRef idx="0">
+            <a:schemeClr val="accent1"/>
+          </a:effectRef>
+          <a:fontRef idx="minor">
+            <a:schemeClr val="tx1"/>
+          </a:fontRef>
+        </p:style>
+      </p:cxnSp>
+      <p:sp>
+        <p:nvSpPr>
+          <p:cNvPr id="25" name="Oval 24"/>
+          <p:cNvSpPr/>
+          <p:nvPr/>
+        </p:nvSpPr>
+        <p:spPr>
+          <a:xfrm>
+            <a:off x="6529108" y="3703923"/>
+            <a:ext cx="792088" cy="769193"/>
+          </a:xfrm>
+          <a:prstGeom prst="ellipse">
+            <a:avLst/>
+          </a:prstGeom>
+        </p:spPr>
+        <p:style>
+          <a:lnRef idx="2">
+            <a:schemeClr val="accent1">
+              <a:shade val="50000"/>
+            </a:schemeClr>
+          </a:lnRef>
+          <a:fillRef idx="1">
+            <a:schemeClr val="accent1"/>
+          </a:fillRef>
+          <a:effectRef idx="0">
+            <a:schemeClr val="accent1"/>
+          </a:effectRef>
+          <a:fontRef idx="minor">
+            <a:schemeClr val="lt1"/>
+          </a:fontRef>
+        </p:style>
+        <p:txBody>
+          <a:bodyPr rtlCol="0" anchor="ctr"/>
+          <a:lstStyle/>
+          <a:p>
+            <a:pPr algn="ctr"/>
+            <a:r>
+              <a:rPr lang="en-GB" sz="2400" dirty="0" smtClean="0"/>
+              <a:t>P</a:t>
+            </a:r>
+            <a:r>
+              <a:rPr lang="el-GR" sz="2400" dirty="0" smtClean="0"/>
+              <a:t>α</a:t>
+            </a:r>
+            <a:endParaRPr lang="en-GB" sz="2400" dirty="0"/>
+          </a:p>
+        </p:txBody>
+      </p:sp>
+      <p:sp>
+        <p:nvSpPr>
+          <p:cNvPr id="26" name="Oval 25"/>
+          <p:cNvSpPr/>
+          <p:nvPr/>
+        </p:nvSpPr>
+        <p:spPr>
+          <a:xfrm>
+            <a:off x="6529108" y="4797152"/>
+            <a:ext cx="792088" cy="762636"/>
+          </a:xfrm>
+          <a:prstGeom prst="ellipse">
+            <a:avLst/>
+          </a:prstGeom>
+        </p:spPr>
+        <p:style>
+          <a:lnRef idx="2">
+            <a:schemeClr val="accent1">
+              <a:shade val="50000"/>
+            </a:schemeClr>
+          </a:lnRef>
+          <a:fillRef idx="1">
+            <a:schemeClr val="accent1"/>
+          </a:fillRef>
+          <a:effectRef idx="0">
+            <a:schemeClr val="accent1"/>
+          </a:effectRef>
+          <a:fontRef idx="minor">
+            <a:schemeClr val="lt1"/>
+          </a:fontRef>
+        </p:style>
+        <p:txBody>
+          <a:bodyPr rtlCol="0" anchor="ctr"/>
+          <a:lstStyle/>
+          <a:p>
+            <a:pPr algn="ctr"/>
+            <a:r>
+              <a:rPr lang="en-GB" sz="2400" dirty="0" smtClean="0"/>
+              <a:t>P</a:t>
+            </a:r>
+            <a:r>
+              <a:rPr lang="el-GR" sz="2400" dirty="0" smtClean="0"/>
+              <a:t>β</a:t>
+            </a:r>
+            <a:endParaRPr lang="en-GB" sz="2400" dirty="0"/>
+          </a:p>
+        </p:txBody>
+      </p:sp>
+      <p:cxnSp>
+        <p:nvCxnSpPr>
+          <p:cNvPr id="28" name="Straight Arrow Connector 27"/>
+          <p:cNvCxnSpPr>
+            <a:stCxn id="25" idx="1"/>
+            <a:endCxn id="9" idx="6"/>
+          </p:cNvCxnSpPr>
+          <p:nvPr/>
+        </p:nvCxnSpPr>
+        <p:spPr>
+          <a:xfrm flipH="1" flipV="1">
+            <a:off x="4722568" y="3582802"/>
+            <a:ext cx="1922539" cy="233767"/>
+          </a:xfrm>
+          <a:prstGeom prst="straightConnector1">
+            <a:avLst/>
+          </a:prstGeom>
+          <a:ln w="25400">
+            <a:solidFill>
+              <a:schemeClr val="tx1"/>
+            </a:solidFill>
+            <a:tailEnd type="arrow"/>
+          </a:ln>
+        </p:spPr>
+        <p:style>
+          <a:lnRef idx="1">
+            <a:schemeClr val="accent1"/>
+          </a:lnRef>
+          <a:fillRef idx="0">
+            <a:schemeClr val="accent1"/>
+          </a:fillRef>
+          <a:effectRef idx="0">
+            <a:schemeClr val="accent1"/>
+          </a:effectRef>
+          <a:fontRef idx="minor">
+            <a:schemeClr val="tx1"/>
+          </a:fontRef>
+        </p:style>
+      </p:cxnSp>
+      <p:cxnSp>
+        <p:nvCxnSpPr>
+          <p:cNvPr id="30" name="Straight Arrow Connector 29"/>
+          <p:cNvCxnSpPr>
+            <a:stCxn id="25" idx="2"/>
+          </p:cNvCxnSpPr>
+          <p:nvPr/>
+        </p:nvCxnSpPr>
+        <p:spPr>
+          <a:xfrm flipH="1">
+            <a:off x="4074496" y="4088520"/>
+            <a:ext cx="2454612" cy="592782"/>
+          </a:xfrm>
+          <a:prstGeom prst="straightConnector1">
+            <a:avLst/>
+          </a:prstGeom>
+          <a:ln w="25400">
+            <a:solidFill>
+              <a:schemeClr val="tx1"/>
+            </a:solidFill>
+            <a:tailEnd type="arrow"/>
+          </a:ln>
+        </p:spPr>
+        <p:style>
+          <a:lnRef idx="1">
+            <a:schemeClr val="accent1"/>
+          </a:lnRef>
+          <a:fillRef idx="0">
+            <a:schemeClr val="accent1"/>
+          </a:fillRef>
+          <a:effectRef idx="0">
+            <a:schemeClr val="accent1"/>
+          </a:effectRef>
+          <a:fontRef idx="minor">
+            <a:schemeClr val="tx1"/>
+          </a:fontRef>
+        </p:style>
+      </p:cxnSp>
+      <p:cxnSp>
+        <p:nvCxnSpPr>
+          <p:cNvPr id="32" name="Straight Arrow Connector 31"/>
+          <p:cNvCxnSpPr>
+            <a:stCxn id="25" idx="3"/>
+            <a:endCxn id="11" idx="7"/>
+          </p:cNvCxnSpPr>
+          <p:nvPr/>
+        </p:nvCxnSpPr>
+        <p:spPr>
+          <a:xfrm flipH="1">
+            <a:off x="4627660" y="4360470"/>
+            <a:ext cx="2017447" cy="1179662"/>
+          </a:xfrm>
+          <a:prstGeom prst="straightConnector1">
+            <a:avLst/>
+          </a:prstGeom>
+          <a:ln w="25400">
+            <a:solidFill>
+              <a:schemeClr val="tx1"/>
+            </a:solidFill>
+            <a:tailEnd type="arrow"/>
+          </a:ln>
+        </p:spPr>
+        <p:style>
+          <a:lnRef idx="1">
+            <a:schemeClr val="accent1"/>
+          </a:lnRef>
+          <a:fillRef idx="0">
+            <a:schemeClr val="accent1"/>
+          </a:fillRef>
+          <a:effectRef idx="0">
+            <a:schemeClr val="accent1"/>
+          </a:effectRef>
+          <a:fontRef idx="minor">
+            <a:schemeClr val="tx1"/>
+          </a:fontRef>
+        </p:style>
+      </p:cxnSp>
+      <p:cxnSp>
+        <p:nvCxnSpPr>
+          <p:cNvPr id="34" name="Straight Arrow Connector 33"/>
+          <p:cNvCxnSpPr>
+            <a:stCxn id="26" idx="1"/>
+            <a:endCxn id="9" idx="5"/>
+          </p:cNvCxnSpPr>
+          <p:nvPr/>
+        </p:nvCxnSpPr>
+        <p:spPr>
+          <a:xfrm flipH="1" flipV="1">
+            <a:off x="4627660" y="3811930"/>
+            <a:ext cx="2017447" cy="1096907"/>
+          </a:xfrm>
+          <a:prstGeom prst="straightConnector1">
+            <a:avLst/>
+          </a:prstGeom>
+          <a:ln w="25400">
+            <a:solidFill>
+              <a:schemeClr val="tx1"/>
+            </a:solidFill>
+            <a:tailEnd type="arrow"/>
+          </a:ln>
+        </p:spPr>
+        <p:style>
+          <a:lnRef idx="1">
+            <a:schemeClr val="accent1"/>
+          </a:lnRef>
+          <a:fillRef idx="0">
+            <a:schemeClr val="accent1"/>
+          </a:fillRef>
+          <a:effectRef idx="0">
+            <a:schemeClr val="accent1"/>
+          </a:effectRef>
+          <a:fontRef idx="minor">
+            <a:schemeClr val="tx1"/>
+          </a:fontRef>
+        </p:style>
+      </p:cxnSp>
+      <p:cxnSp>
+        <p:nvCxnSpPr>
+          <p:cNvPr id="36" name="Straight Arrow Connector 35"/>
+          <p:cNvCxnSpPr>
+            <a:stCxn id="26" idx="2"/>
+            <a:endCxn id="10" idx="5"/>
+          </p:cNvCxnSpPr>
+          <p:nvPr/>
+        </p:nvCxnSpPr>
+        <p:spPr>
+          <a:xfrm flipH="1" flipV="1">
+            <a:off x="3979588" y="4918268"/>
+            <a:ext cx="2549520" cy="260202"/>
+          </a:xfrm>
+          <a:prstGeom prst="straightConnector1">
+            <a:avLst/>
+          </a:prstGeom>
+          <a:ln w="25400">
+            <a:solidFill>
+              <a:schemeClr val="tx1"/>
+            </a:solidFill>
+            <a:tailEnd type="arrow"/>
+          </a:ln>
+        </p:spPr>
+        <p:style>
+          <a:lnRef idx="1">
+            <a:schemeClr val="accent1"/>
+          </a:lnRef>
+          <a:fillRef idx="0">
+            <a:schemeClr val="accent1"/>
+          </a:fillRef>
+          <a:effectRef idx="0">
+            <a:schemeClr val="accent1"/>
+          </a:effectRef>
+          <a:fontRef idx="minor">
+            <a:schemeClr val="tx1"/>
+          </a:fontRef>
+        </p:style>
+      </p:cxnSp>
+      <p:cxnSp>
+        <p:nvCxnSpPr>
+          <p:cNvPr id="38" name="Straight Arrow Connector 37"/>
+          <p:cNvCxnSpPr>
+            <a:stCxn id="26" idx="3"/>
+            <a:endCxn id="11" idx="6"/>
+          </p:cNvCxnSpPr>
+          <p:nvPr/>
+        </p:nvCxnSpPr>
+        <p:spPr>
+          <a:xfrm flipH="1">
+            <a:off x="4722568" y="5448103"/>
+            <a:ext cx="1922539" cy="321157"/>
+          </a:xfrm>
+          <a:prstGeom prst="straightConnector1">
+            <a:avLst/>
+          </a:prstGeom>
+          <a:ln w="25400">
+            <a:solidFill>
+              <a:schemeClr val="tx1"/>
+            </a:solidFill>
+            <a:tailEnd type="arrow"/>
+          </a:ln>
+        </p:spPr>
+        <p:style>
+          <a:lnRef idx="1">
+            <a:schemeClr val="accent1"/>
+          </a:lnRef>
+          <a:fillRef idx="0">
+            <a:schemeClr val="accent1"/>
+          </a:fillRef>
+          <a:effectRef idx="0">
+            <a:schemeClr val="accent1"/>
+          </a:effectRef>
+          <a:fontRef idx="minor">
+            <a:schemeClr val="tx1"/>
+          </a:fontRef>
+        </p:style>
+      </p:cxnSp>
+      <p:cxnSp>
+        <p:nvCxnSpPr>
+          <p:cNvPr id="49" name="Straight Connector 48"/>
+          <p:cNvCxnSpPr>
+            <a:stCxn id="9" idx="3"/>
+            <a:endCxn id="10" idx="0"/>
+          </p:cNvCxnSpPr>
+          <p:nvPr/>
+        </p:nvCxnSpPr>
+        <p:spPr>
+          <a:xfrm flipH="1">
+            <a:off x="3750460" y="3811930"/>
+            <a:ext cx="418944" cy="553174"/>
+          </a:xfrm>
+          <a:prstGeom prst="line">
+            <a:avLst/>
+          </a:prstGeom>
+          <a:ln w="25400">
+            <a:solidFill>
+              <a:srgbClr val="FF0000"/>
+            </a:solidFill>
+          </a:ln>
+        </p:spPr>
+        <p:style>
+          <a:lnRef idx="1">
+            <a:schemeClr val="accent1"/>
+          </a:lnRef>
+          <a:fillRef idx="0">
+            <a:schemeClr val="accent1"/>
+          </a:fillRef>
+          <a:effectRef idx="0">
+            <a:schemeClr val="accent1"/>
+          </a:effectRef>
+          <a:fontRef idx="minor">
+            <a:schemeClr val="tx1"/>
+          </a:fontRef>
+        </p:style>
+      </p:cxnSp>
+      <p:cxnSp>
+        <p:nvCxnSpPr>
+          <p:cNvPr id="51" name="Straight Connector 50"/>
+          <p:cNvCxnSpPr>
+            <a:stCxn id="10" idx="4"/>
+            <a:endCxn id="11" idx="1"/>
+          </p:cNvCxnSpPr>
+          <p:nvPr/>
+        </p:nvCxnSpPr>
+        <p:spPr>
+          <a:xfrm>
+            <a:off x="3750460" y="5013176"/>
+            <a:ext cx="418944" cy="526956"/>
+          </a:xfrm>
+          <a:prstGeom prst="line">
+            <a:avLst/>
+          </a:prstGeom>
+          <a:ln w="25400">
+            <a:solidFill>
+              <a:srgbClr val="FF0000"/>
+            </a:solidFill>
+          </a:ln>
+        </p:spPr>
+        <p:style>
+          <a:lnRef idx="1">
+            <a:schemeClr val="accent1"/>
+          </a:lnRef>
+          <a:fillRef idx="0">
+            <a:schemeClr val="accent1"/>
+          </a:fillRef>
+          <a:effectRef idx="0">
+            <a:schemeClr val="accent1"/>
+          </a:effectRef>
+          <a:fontRef idx="minor">
+            <a:schemeClr val="tx1"/>
+          </a:fontRef>
+        </p:style>
+      </p:cxnSp>
+      <p:cxnSp>
+        <p:nvCxnSpPr>
+          <p:cNvPr id="54" name="Straight Connector 53"/>
+          <p:cNvCxnSpPr>
+            <a:stCxn id="9" idx="4"/>
+            <a:endCxn id="11" idx="0"/>
+          </p:cNvCxnSpPr>
+          <p:nvPr/>
+        </p:nvCxnSpPr>
+        <p:spPr>
+          <a:xfrm>
+            <a:off x="4398532" y="3906838"/>
+            <a:ext cx="0" cy="1538386"/>
+          </a:xfrm>
+          <a:prstGeom prst="line">
+            <a:avLst/>
+          </a:prstGeom>
+          <a:ln w="25400">
+            <a:solidFill>
+              <a:srgbClr val="FF0000"/>
+            </a:solidFill>
+          </a:ln>
+        </p:spPr>
+        <p:style>
+          <a:lnRef idx="1">
+            <a:schemeClr val="accent1"/>
+          </a:lnRef>
+          <a:fillRef idx="0">
+            <a:schemeClr val="accent1"/>
+          </a:fillRef>
+          <a:effectRef idx="0">
+            <a:schemeClr val="accent1"/>
+          </a:effectRef>
+          <a:fontRef idx="minor">
+            <a:schemeClr val="tx1"/>
+          </a:fontRef>
+        </p:style>
+      </p:cxnSp>
+      <p:sp>
+        <p:nvSpPr>
+          <p:cNvPr id="55" name="TextBox 54"/>
+          <p:cNvSpPr txBox="1"/>
+          <p:nvPr/>
+        </p:nvSpPr>
+        <p:spPr>
+          <a:xfrm>
+            <a:off x="1511771" y="5919662"/>
+            <a:ext cx="1656184" cy="461665"/>
+          </a:xfrm>
+          <a:prstGeom prst="rect">
+            <a:avLst/>
+          </a:prstGeom>
+          <a:noFill/>
+        </p:spPr>
+        <p:txBody>
+          <a:bodyPr wrap="square" rtlCol="0">
+            <a:spAutoFit/>
+          </a:bodyPr>
+          <a:lstStyle/>
+          <a:p>
+            <a:r>
+              <a:rPr lang="en-GB" sz="2400" b="1" dirty="0" smtClean="0"/>
+              <a:t>Skills</a:t>
+            </a:r>
+            <a:endParaRPr lang="en-GB" sz="2400" b="1" dirty="0"/>
+          </a:p>
+        </p:txBody>
+      </p:sp>
+      <p:sp>
+        <p:nvSpPr>
+          <p:cNvPr id="56" name="TextBox 55"/>
+          <p:cNvSpPr txBox="1"/>
+          <p:nvPr/>
+        </p:nvSpPr>
+        <p:spPr>
+          <a:xfrm>
+            <a:off x="6012160" y="5916677"/>
+            <a:ext cx="1887333" cy="461665"/>
+          </a:xfrm>
+          <a:prstGeom prst="rect">
+            <a:avLst/>
+          </a:prstGeom>
+          <a:noFill/>
+        </p:spPr>
+        <p:txBody>
+          <a:bodyPr wrap="square" rtlCol="0">
+            <a:spAutoFit/>
+          </a:bodyPr>
+          <a:lstStyle/>
+          <a:p>
+            <a:r>
+              <a:rPr lang="en-GB" sz="2400" b="1" dirty="0" smtClean="0"/>
+              <a:t>Projects</a:t>
+            </a:r>
+            <a:endParaRPr lang="en-GB" sz="2400" b="1" dirty="0"/>
+          </a:p>
+        </p:txBody>
+      </p:sp>
+      <p:sp>
+        <p:nvSpPr>
+          <p:cNvPr id="57" name="TextBox 56"/>
+          <p:cNvSpPr txBox="1"/>
+          <p:nvPr/>
+        </p:nvSpPr>
+        <p:spPr>
+          <a:xfrm>
+            <a:off x="4729152" y="5919663"/>
+            <a:ext cx="1224136" cy="461665"/>
+          </a:xfrm>
+          <a:prstGeom prst="rect">
+            <a:avLst/>
+          </a:prstGeom>
+          <a:noFill/>
+        </p:spPr>
+        <p:txBody>
+          <a:bodyPr wrap="square" rtlCol="0">
+            <a:spAutoFit/>
+          </a:bodyPr>
+          <a:lstStyle/>
+          <a:p>
+            <a:r>
+              <a:rPr lang="en-GB" sz="2400" b="1" dirty="0" smtClean="0"/>
+              <a:t>Teams</a:t>
+            </a:r>
+            <a:endParaRPr lang="en-GB" sz="2400" b="1" dirty="0"/>
+          </a:p>
+        </p:txBody>
+      </p:sp>
+    </p:spTree>
+    <p:extLst>
+      <p:ext uri="{BB962C8B-B14F-4D97-AF65-F5344CB8AC3E}">
+        <p14:creationId xmlns:p14="http://schemas.microsoft.com/office/powerpoint/2010/main" val="4228948001"/>
+      </p:ext>
+    </p:extLst>
+  </p:cSld>
+  <p:clrMapOvr>
+    <a:masterClrMapping/>
+  </p:clrMapOvr>
+  <p:timing>
+    <p:tnLst>
+      <p:par>
+        <p:cTn id="1" dur="indefinite" restart="never" nodeType="tmRoot">
+          <p:childTnLst>
+            <p:seq concurrent="1" nextAc="seek">
+              <p:cTn id="2" dur="indefinite" nodeType="mainSeq">
+                <p:childTnLst>
+                  <p:par>
+                    <p:cTn id="3" fill="hold">
+                      <p:stCondLst>
+                        <p:cond delay="indefinite"/>
+                      </p:stCondLst>
+                      <p:childTnLst>
+                        <p:par>
+                          <p:cTn id="4" fill="hold">
+                            <p:stCondLst>
+                              <p:cond delay="0"/>
+                            </p:stCondLst>
+                            <p:childTnLst>
+                              <p:par>
+                                <p:cTn id="5" presetID="1" presetClass="entr" presetSubtype="0" fill="hold" grpId="0" nodeType="clickEffect">
+                                  <p:stCondLst>
+                                    <p:cond delay="0"/>
+                                  </p:stCondLst>
+                                  <p:childTnLst>
+                                    <p:set>
+                                      <p:cBhvr>
+                                        <p:cTn id="6" dur="1" fill="hold">
+                                          <p:stCondLst>
+                                            <p:cond delay="0"/>
+                                          </p:stCondLst>
+                                        </p:cTn>
+                                        <p:tgtEl>
+                                          <p:spTgt spid="6"/>
+                                        </p:tgtEl>
+                                        <p:attrNameLst>
+                                          <p:attrName>style.visibility</p:attrName>
+                                        </p:attrNameLst>
+                                      </p:cBhvr>
+                                      <p:to>
+                                        <p:strVal val="visible"/>
+                                      </p:to>
+                                    </p:set>
+                                  </p:childTnLst>
+                                </p:cTn>
+                              </p:par>
+                              <p:par>
+                                <p:cTn id="7" presetID="1" presetClass="entr" presetSubtype="0" fill="hold" grpId="0" nodeType="withEffect">
+                                  <p:stCondLst>
+                                    <p:cond delay="0"/>
+                                  </p:stCondLst>
+                                  <p:childTnLst>
+                                    <p:set>
+                                      <p:cBhvr>
+                                        <p:cTn id="8" dur="1" fill="hold">
+                                          <p:stCondLst>
+                                            <p:cond delay="0"/>
+                                          </p:stCondLst>
+                                        </p:cTn>
+                                        <p:tgtEl>
+                                          <p:spTgt spid="8"/>
+                                        </p:tgtEl>
+                                        <p:attrNameLst>
+                                          <p:attrName>style.visibility</p:attrName>
+                                        </p:attrNameLst>
+                                      </p:cBhvr>
+                                      <p:to>
+                                        <p:strVal val="visible"/>
+                                      </p:to>
+                                    </p:set>
+                                  </p:childTnLst>
+                                </p:cTn>
+                              </p:par>
+                              <p:par>
+                                <p:cTn id="9" presetID="1" presetClass="entr" presetSubtype="0" fill="hold" grpId="0" nodeType="withEffect">
+                                  <p:stCondLst>
+                                    <p:cond delay="0"/>
+                                  </p:stCondLst>
+                                  <p:childTnLst>
+                                    <p:set>
+                                      <p:cBhvr>
+                                        <p:cTn id="10" dur="1" fill="hold">
+                                          <p:stCondLst>
+                                            <p:cond delay="0"/>
+                                          </p:stCondLst>
+                                        </p:cTn>
+                                        <p:tgtEl>
+                                          <p:spTgt spid="9"/>
+                                        </p:tgtEl>
+                                        <p:attrNameLst>
+                                          <p:attrName>style.visibility</p:attrName>
+                                        </p:attrNameLst>
+                                      </p:cBhvr>
+                                      <p:to>
+                                        <p:strVal val="visible"/>
+                                      </p:to>
+                                    </p:set>
+                                  </p:childTnLst>
+                                </p:cTn>
+                              </p:par>
+                              <p:par>
+                                <p:cTn id="11" presetID="1" presetClass="entr" presetSubtype="0" fill="hold" grpId="0" nodeType="withEffect">
+                                  <p:stCondLst>
+                                    <p:cond delay="0"/>
+                                  </p:stCondLst>
+                                  <p:childTnLst>
+                                    <p:set>
+                                      <p:cBhvr>
+                                        <p:cTn id="12" dur="1" fill="hold">
+                                          <p:stCondLst>
+                                            <p:cond delay="0"/>
+                                          </p:stCondLst>
+                                        </p:cTn>
+                                        <p:tgtEl>
+                                          <p:spTgt spid="10"/>
+                                        </p:tgtEl>
+                                        <p:attrNameLst>
+                                          <p:attrName>style.visibility</p:attrName>
+                                        </p:attrNameLst>
+                                      </p:cBhvr>
+                                      <p:to>
+                                        <p:strVal val="visible"/>
+                                      </p:to>
+                                    </p:set>
+                                  </p:childTnLst>
+                                </p:cTn>
+                              </p:par>
+                              <p:par>
+                                <p:cTn id="13" presetID="1" presetClass="entr" presetSubtype="0" fill="hold" grpId="0" nodeType="withEffect">
+                                  <p:stCondLst>
+                                    <p:cond delay="0"/>
+                                  </p:stCondLst>
+                                  <p:childTnLst>
+                                    <p:set>
+                                      <p:cBhvr>
+                                        <p:cTn id="14" dur="1" fill="hold">
+                                          <p:stCondLst>
+                                            <p:cond delay="0"/>
+                                          </p:stCondLst>
+                                        </p:cTn>
+                                        <p:tgtEl>
+                                          <p:spTgt spid="11"/>
+                                        </p:tgtEl>
+                                        <p:attrNameLst>
+                                          <p:attrName>style.visibility</p:attrName>
+                                        </p:attrNameLst>
+                                      </p:cBhvr>
+                                      <p:to>
+                                        <p:strVal val="visible"/>
+                                      </p:to>
+                                    </p:set>
+                                  </p:childTnLst>
+                                </p:cTn>
+                              </p:par>
+                              <p:par>
+                                <p:cTn id="15" presetID="1" presetClass="entr" presetSubtype="0" fill="hold" nodeType="withEffect">
+                                  <p:stCondLst>
+                                    <p:cond delay="0"/>
+                                  </p:stCondLst>
+                                  <p:childTnLst>
+                                    <p:set>
+                                      <p:cBhvr>
+                                        <p:cTn id="16" dur="1" fill="hold">
+                                          <p:stCondLst>
+                                            <p:cond delay="0"/>
+                                          </p:stCondLst>
+                                        </p:cTn>
+                                        <p:tgtEl>
+                                          <p:spTgt spid="15"/>
+                                        </p:tgtEl>
+                                        <p:attrNameLst>
+                                          <p:attrName>style.visibility</p:attrName>
+                                        </p:attrNameLst>
+                                      </p:cBhvr>
+                                      <p:to>
+                                        <p:strVal val="visible"/>
+                                      </p:to>
+                                    </p:set>
+                                  </p:childTnLst>
+                                </p:cTn>
+                              </p:par>
+                              <p:par>
+                                <p:cTn id="17" presetID="1" presetClass="entr" presetSubtype="0" fill="hold" nodeType="withEffect">
+                                  <p:stCondLst>
+                                    <p:cond delay="0"/>
+                                  </p:stCondLst>
+                                  <p:childTnLst>
+                                    <p:set>
+                                      <p:cBhvr>
+                                        <p:cTn id="18" dur="1" fill="hold">
+                                          <p:stCondLst>
+                                            <p:cond delay="0"/>
+                                          </p:stCondLst>
+                                        </p:cTn>
+                                        <p:tgtEl>
+                                          <p:spTgt spid="17"/>
+                                        </p:tgtEl>
+                                        <p:attrNameLst>
+                                          <p:attrName>style.visibility</p:attrName>
+                                        </p:attrNameLst>
+                                      </p:cBhvr>
+                                      <p:to>
+                                        <p:strVal val="visible"/>
+                                      </p:to>
+                                    </p:set>
+                                  </p:childTnLst>
+                                </p:cTn>
+                              </p:par>
+                              <p:par>
+                                <p:cTn id="19" presetID="1" presetClass="entr" presetSubtype="0" fill="hold" nodeType="withEffect">
+                                  <p:stCondLst>
+                                    <p:cond delay="0"/>
+                                  </p:stCondLst>
+                                  <p:childTnLst>
+                                    <p:set>
+                                      <p:cBhvr>
+                                        <p:cTn id="20" dur="1" fill="hold">
+                                          <p:stCondLst>
+                                            <p:cond delay="0"/>
+                                          </p:stCondLst>
+                                        </p:cTn>
+                                        <p:tgtEl>
+                                          <p:spTgt spid="19"/>
+                                        </p:tgtEl>
+                                        <p:attrNameLst>
+                                          <p:attrName>style.visibility</p:attrName>
+                                        </p:attrNameLst>
+                                      </p:cBhvr>
+                                      <p:to>
+                                        <p:strVal val="visible"/>
+                                      </p:to>
+                                    </p:set>
+                                  </p:childTnLst>
+                                </p:cTn>
+                              </p:par>
+                              <p:par>
+                                <p:cTn id="21" presetID="1" presetClass="entr" presetSubtype="0" fill="hold" nodeType="withEffect">
+                                  <p:stCondLst>
+                                    <p:cond delay="0"/>
+                                  </p:stCondLst>
+                                  <p:childTnLst>
+                                    <p:set>
+                                      <p:cBhvr>
+                                        <p:cTn id="22" dur="1" fill="hold">
+                                          <p:stCondLst>
+                                            <p:cond delay="0"/>
+                                          </p:stCondLst>
+                                        </p:cTn>
+                                        <p:tgtEl>
+                                          <p:spTgt spid="21"/>
+                                        </p:tgtEl>
+                                        <p:attrNameLst>
+                                          <p:attrName>style.visibility</p:attrName>
+                                        </p:attrNameLst>
+                                      </p:cBhvr>
+                                      <p:to>
+                                        <p:strVal val="visible"/>
+                                      </p:to>
+                                    </p:set>
+                                  </p:childTnLst>
+                                </p:cTn>
+                              </p:par>
+                              <p:par>
+                                <p:cTn id="23" presetID="1" presetClass="entr" presetSubtype="0" fill="hold" nodeType="withEffect">
+                                  <p:stCondLst>
+                                    <p:cond delay="0"/>
+                                  </p:stCondLst>
+                                  <p:childTnLst>
+                                    <p:set>
+                                      <p:cBhvr>
+                                        <p:cTn id="24" dur="1" fill="hold">
+                                          <p:stCondLst>
+                                            <p:cond delay="0"/>
+                                          </p:stCondLst>
+                                        </p:cTn>
+                                        <p:tgtEl>
+                                          <p:spTgt spid="23"/>
+                                        </p:tgtEl>
+                                        <p:attrNameLst>
+                                          <p:attrName>style.visibility</p:attrName>
+                                        </p:attrNameLst>
+                                      </p:cBhvr>
+                                      <p:to>
+                                        <p:strVal val="visible"/>
+                                      </p:to>
+                                    </p:set>
+                                  </p:childTnLst>
+                                </p:cTn>
+                              </p:par>
+                              <p:par>
+                                <p:cTn id="25" presetID="1" presetClass="entr" presetSubtype="0" fill="hold" nodeType="withEffect">
+                                  <p:stCondLst>
+                                    <p:cond delay="0"/>
+                                  </p:stCondLst>
+                                  <p:childTnLst>
+                                    <p:set>
+                                      <p:cBhvr>
+                                        <p:cTn id="26" dur="1" fill="hold">
+                                          <p:stCondLst>
+                                            <p:cond delay="0"/>
+                                          </p:stCondLst>
+                                        </p:cTn>
+                                        <p:tgtEl>
+                                          <p:spTgt spid="24"/>
+                                        </p:tgtEl>
+                                        <p:attrNameLst>
+                                          <p:attrName>style.visibility</p:attrName>
+                                        </p:attrNameLst>
+                                      </p:cBhvr>
+                                      <p:to>
+                                        <p:strVal val="visible"/>
+                                      </p:to>
+                                    </p:set>
+                                  </p:childTnLst>
+                                </p:cTn>
+                              </p:par>
+                              <p:par>
+                                <p:cTn id="27" presetID="1" presetClass="entr" presetSubtype="0" fill="hold" grpId="0" nodeType="withEffect">
+                                  <p:stCondLst>
+                                    <p:cond delay="0"/>
+                                  </p:stCondLst>
+                                  <p:childTnLst>
+                                    <p:set>
+                                      <p:cBhvr>
+                                        <p:cTn id="28" dur="1" fill="hold">
+                                          <p:stCondLst>
+                                            <p:cond delay="0"/>
+                                          </p:stCondLst>
+                                        </p:cTn>
+                                        <p:tgtEl>
+                                          <p:spTgt spid="25"/>
+                                        </p:tgtEl>
+                                        <p:attrNameLst>
+                                          <p:attrName>style.visibility</p:attrName>
+                                        </p:attrNameLst>
+                                      </p:cBhvr>
+                                      <p:to>
+                                        <p:strVal val="visible"/>
+                                      </p:to>
+                                    </p:set>
+                                  </p:childTnLst>
+                                </p:cTn>
+                              </p:par>
+                              <p:par>
+                                <p:cTn id="29" presetID="1" presetClass="entr" presetSubtype="0" fill="hold" grpId="0" nodeType="withEffect">
+                                  <p:stCondLst>
+                                    <p:cond delay="0"/>
+                                  </p:stCondLst>
+                                  <p:childTnLst>
+                                    <p:set>
+                                      <p:cBhvr>
+                                        <p:cTn id="30" dur="1" fill="hold">
+                                          <p:stCondLst>
+                                            <p:cond delay="0"/>
+                                          </p:stCondLst>
+                                        </p:cTn>
+                                        <p:tgtEl>
+                                          <p:spTgt spid="26"/>
+                                        </p:tgtEl>
+                                        <p:attrNameLst>
+                                          <p:attrName>style.visibility</p:attrName>
+                                        </p:attrNameLst>
+                                      </p:cBhvr>
+                                      <p:to>
+                                        <p:strVal val="visible"/>
+                                      </p:to>
+                                    </p:set>
+                                  </p:childTnLst>
+                                </p:cTn>
+                              </p:par>
+                              <p:par>
+                                <p:cTn id="31" presetID="1" presetClass="entr" presetSubtype="0" fill="hold" nodeType="withEffect">
+                                  <p:stCondLst>
+                                    <p:cond delay="0"/>
+                                  </p:stCondLst>
+                                  <p:childTnLst>
+                                    <p:set>
+                                      <p:cBhvr>
+                                        <p:cTn id="32" dur="1" fill="hold">
+                                          <p:stCondLst>
+                                            <p:cond delay="0"/>
+                                          </p:stCondLst>
+                                        </p:cTn>
+                                        <p:tgtEl>
+                                          <p:spTgt spid="28"/>
+                                        </p:tgtEl>
+                                        <p:attrNameLst>
+                                          <p:attrName>style.visibility</p:attrName>
+                                        </p:attrNameLst>
+                                      </p:cBhvr>
+                                      <p:to>
+                                        <p:strVal val="visible"/>
+                                      </p:to>
+                                    </p:set>
+                                  </p:childTnLst>
+                                </p:cTn>
+                              </p:par>
+                              <p:par>
+                                <p:cTn id="33" presetID="1" presetClass="entr" presetSubtype="0" fill="hold" nodeType="withEffect">
+                                  <p:stCondLst>
+                                    <p:cond delay="0"/>
+                                  </p:stCondLst>
+                                  <p:childTnLst>
+                                    <p:set>
+                                      <p:cBhvr>
+                                        <p:cTn id="34" dur="1" fill="hold">
+                                          <p:stCondLst>
+                                            <p:cond delay="0"/>
+                                          </p:stCondLst>
+                                        </p:cTn>
+                                        <p:tgtEl>
+                                          <p:spTgt spid="30"/>
+                                        </p:tgtEl>
+                                        <p:attrNameLst>
+                                          <p:attrName>style.visibility</p:attrName>
+                                        </p:attrNameLst>
+                                      </p:cBhvr>
+                                      <p:to>
+                                        <p:strVal val="visible"/>
+                                      </p:to>
+                                    </p:set>
+                                  </p:childTnLst>
+                                </p:cTn>
+                              </p:par>
+                              <p:par>
+                                <p:cTn id="35" presetID="1" presetClass="entr" presetSubtype="0" fill="hold" nodeType="withEffect">
+                                  <p:stCondLst>
+                                    <p:cond delay="0"/>
+                                  </p:stCondLst>
+                                  <p:childTnLst>
+                                    <p:set>
+                                      <p:cBhvr>
+                                        <p:cTn id="36" dur="1" fill="hold">
+                                          <p:stCondLst>
+                                            <p:cond delay="0"/>
+                                          </p:stCondLst>
+                                        </p:cTn>
+                                        <p:tgtEl>
+                                          <p:spTgt spid="32"/>
+                                        </p:tgtEl>
+                                        <p:attrNameLst>
+                                          <p:attrName>style.visibility</p:attrName>
+                                        </p:attrNameLst>
+                                      </p:cBhvr>
+                                      <p:to>
+                                        <p:strVal val="visible"/>
+                                      </p:to>
+                                    </p:set>
+                                  </p:childTnLst>
+                                </p:cTn>
+                              </p:par>
+                              <p:par>
+                                <p:cTn id="37" presetID="1" presetClass="entr" presetSubtype="0" fill="hold" nodeType="withEffect">
+                                  <p:stCondLst>
+                                    <p:cond delay="0"/>
+                                  </p:stCondLst>
+                                  <p:childTnLst>
+                                    <p:set>
+                                      <p:cBhvr>
+                                        <p:cTn id="38" dur="1" fill="hold">
+                                          <p:stCondLst>
+                                            <p:cond delay="0"/>
+                                          </p:stCondLst>
+                                        </p:cTn>
+                                        <p:tgtEl>
+                                          <p:spTgt spid="34"/>
+                                        </p:tgtEl>
+                                        <p:attrNameLst>
+                                          <p:attrName>style.visibility</p:attrName>
+                                        </p:attrNameLst>
+                                      </p:cBhvr>
+                                      <p:to>
+                                        <p:strVal val="visible"/>
+                                      </p:to>
+                                    </p:set>
+                                  </p:childTnLst>
+                                </p:cTn>
+                              </p:par>
+                              <p:par>
+                                <p:cTn id="39" presetID="1" presetClass="entr" presetSubtype="0" fill="hold" nodeType="withEffect">
+                                  <p:stCondLst>
+                                    <p:cond delay="0"/>
+                                  </p:stCondLst>
+                                  <p:childTnLst>
+                                    <p:set>
+                                      <p:cBhvr>
+                                        <p:cTn id="40" dur="1" fill="hold">
+                                          <p:stCondLst>
+                                            <p:cond delay="0"/>
+                                          </p:stCondLst>
+                                        </p:cTn>
+                                        <p:tgtEl>
+                                          <p:spTgt spid="36"/>
+                                        </p:tgtEl>
+                                        <p:attrNameLst>
+                                          <p:attrName>style.visibility</p:attrName>
+                                        </p:attrNameLst>
+                                      </p:cBhvr>
+                                      <p:to>
+                                        <p:strVal val="visible"/>
+                                      </p:to>
+                                    </p:set>
+                                  </p:childTnLst>
+                                </p:cTn>
+                              </p:par>
+                              <p:par>
+                                <p:cTn id="41" presetID="1" presetClass="entr" presetSubtype="0" fill="hold" nodeType="withEffect">
+                                  <p:stCondLst>
+                                    <p:cond delay="0"/>
+                                  </p:stCondLst>
+                                  <p:childTnLst>
+                                    <p:set>
+                                      <p:cBhvr>
+                                        <p:cTn id="42" dur="1" fill="hold">
+                                          <p:stCondLst>
+                                            <p:cond delay="0"/>
+                                          </p:stCondLst>
+                                        </p:cTn>
+                                        <p:tgtEl>
+                                          <p:spTgt spid="38"/>
+                                        </p:tgtEl>
+                                        <p:attrNameLst>
+                                          <p:attrName>style.visibility</p:attrName>
+                                        </p:attrNameLst>
+                                      </p:cBhvr>
+                                      <p:to>
+                                        <p:strVal val="visible"/>
+                                      </p:to>
+                                    </p:set>
+                                  </p:childTnLst>
+                                </p:cTn>
+                              </p:par>
+                              <p:par>
+                                <p:cTn id="43" presetID="1" presetClass="entr" presetSubtype="0" fill="hold" nodeType="withEffect">
+                                  <p:stCondLst>
+                                    <p:cond delay="0"/>
+                                  </p:stCondLst>
+                                  <p:childTnLst>
+                                    <p:set>
+                                      <p:cBhvr>
+                                        <p:cTn id="44" dur="1" fill="hold">
+                                          <p:stCondLst>
+                                            <p:cond delay="0"/>
+                                          </p:stCondLst>
+                                        </p:cTn>
+                                        <p:tgtEl>
+                                          <p:spTgt spid="49"/>
+                                        </p:tgtEl>
+                                        <p:attrNameLst>
+                                          <p:attrName>style.visibility</p:attrName>
+                                        </p:attrNameLst>
+                                      </p:cBhvr>
+                                      <p:to>
+                                        <p:strVal val="visible"/>
+                                      </p:to>
+                                    </p:set>
+                                  </p:childTnLst>
+                                </p:cTn>
+                              </p:par>
+                              <p:par>
+                                <p:cTn id="45" presetID="1" presetClass="entr" presetSubtype="0" fill="hold" nodeType="withEffect">
+                                  <p:stCondLst>
+                                    <p:cond delay="0"/>
+                                  </p:stCondLst>
+                                  <p:childTnLst>
+                                    <p:set>
+                                      <p:cBhvr>
+                                        <p:cTn id="46" dur="1" fill="hold">
+                                          <p:stCondLst>
+                                            <p:cond delay="0"/>
+                                          </p:stCondLst>
+                                        </p:cTn>
+                                        <p:tgtEl>
+                                          <p:spTgt spid="51"/>
+                                        </p:tgtEl>
+                                        <p:attrNameLst>
+                                          <p:attrName>style.visibility</p:attrName>
+                                        </p:attrNameLst>
+                                      </p:cBhvr>
+                                      <p:to>
+                                        <p:strVal val="visible"/>
+                                      </p:to>
+                                    </p:set>
+                                  </p:childTnLst>
+                                </p:cTn>
+                              </p:par>
+                              <p:par>
+                                <p:cTn id="47" presetID="1" presetClass="entr" presetSubtype="0" fill="hold" nodeType="withEffect">
+                                  <p:stCondLst>
+                                    <p:cond delay="0"/>
+                                  </p:stCondLst>
+                                  <p:childTnLst>
+                                    <p:set>
+                                      <p:cBhvr>
+                                        <p:cTn id="48" dur="1" fill="hold">
+                                          <p:stCondLst>
+                                            <p:cond delay="0"/>
+                                          </p:stCondLst>
+                                        </p:cTn>
+                                        <p:tgtEl>
+                                          <p:spTgt spid="54"/>
+                                        </p:tgtEl>
+                                        <p:attrNameLst>
+                                          <p:attrName>style.visibility</p:attrName>
+                                        </p:attrNameLst>
+                                      </p:cBhvr>
+                                      <p:to>
+                                        <p:strVal val="visible"/>
+                                      </p:to>
+                                    </p:set>
+                                  </p:childTnLst>
+                                </p:cTn>
+                              </p:par>
+                              <p:par>
+                                <p:cTn id="49" presetID="1" presetClass="entr" presetSubtype="0" fill="hold" grpId="0" nodeType="withEffect">
+                                  <p:stCondLst>
+                                    <p:cond delay="0"/>
+                                  </p:stCondLst>
+                                  <p:childTnLst>
+                                    <p:set>
+                                      <p:cBhvr>
+                                        <p:cTn id="50" dur="1" fill="hold">
+                                          <p:stCondLst>
+                                            <p:cond delay="0"/>
+                                          </p:stCondLst>
+                                        </p:cTn>
+                                        <p:tgtEl>
+                                          <p:spTgt spid="55"/>
+                                        </p:tgtEl>
+                                        <p:attrNameLst>
+                                          <p:attrName>style.visibility</p:attrName>
+                                        </p:attrNameLst>
+                                      </p:cBhvr>
+                                      <p:to>
+                                        <p:strVal val="visible"/>
+                                      </p:to>
+                                    </p:set>
+                                  </p:childTnLst>
+                                </p:cTn>
+                              </p:par>
+                              <p:par>
+                                <p:cTn id="51" presetID="1" presetClass="entr" presetSubtype="0" fill="hold" grpId="0" nodeType="withEffect">
+                                  <p:stCondLst>
+                                    <p:cond delay="0"/>
+                                  </p:stCondLst>
+                                  <p:childTnLst>
+                                    <p:set>
+                                      <p:cBhvr>
+                                        <p:cTn id="52" dur="1" fill="hold">
+                                          <p:stCondLst>
+                                            <p:cond delay="0"/>
+                                          </p:stCondLst>
+                                        </p:cTn>
+                                        <p:tgtEl>
+                                          <p:spTgt spid="56"/>
+                                        </p:tgtEl>
+                                        <p:attrNameLst>
+                                          <p:attrName>style.visibility</p:attrName>
+                                        </p:attrNameLst>
+                                      </p:cBhvr>
+                                      <p:to>
+                                        <p:strVal val="visible"/>
+                                      </p:to>
+                                    </p:set>
+                                  </p:childTnLst>
+                                </p:cTn>
+                              </p:par>
+                              <p:par>
+                                <p:cTn id="53" presetID="1" presetClass="entr" presetSubtype="0" fill="hold" grpId="0" nodeType="withEffect">
+                                  <p:stCondLst>
+                                    <p:cond delay="0"/>
+                                  </p:stCondLst>
+                                  <p:childTnLst>
+                                    <p:set>
+                                      <p:cBhvr>
+                                        <p:cTn id="54" dur="1" fill="hold">
+                                          <p:stCondLst>
+                                            <p:cond delay="0"/>
+                                          </p:stCondLst>
+                                        </p:cTn>
+                                        <p:tgtEl>
+                                          <p:spTgt spid="57"/>
+                                        </p:tgtEl>
+                                        <p:attrNameLst>
+                                          <p:attrName>style.visibility</p:attrName>
+                                        </p:attrNameLst>
+                                      </p:cBhvr>
+                                      <p:to>
+                                        <p:strVal val="visible"/>
+                                      </p:to>
+                                    </p:set>
+                                  </p:childTnLst>
+                                </p:cTn>
+                              </p:par>
+                            </p:childTnLst>
+                          </p:cTn>
+                        </p:par>
+                      </p:childTnLst>
+                    </p:cTn>
+                  </p:par>
+                </p:childTnLst>
+              </p:cTn>
+              <p:prevCondLst>
+                <p:cond evt="onPrev" delay="0">
+                  <p:tgtEl>
+                    <p:sldTgt/>
+                  </p:tgtEl>
+                </p:cond>
+              </p:prevCondLst>
+              <p:nextCondLst>
+                <p:cond evt="onNext" delay="0">
+                  <p:tgtEl>
+                    <p:sldTgt/>
+                  </p:tgtEl>
+                </p:cond>
+              </p:nextCondLst>
+            </p:seq>
+          </p:childTnLst>
+        </p:cTn>
+      </p:par>
+    </p:tnLst>
+    <p:bldLst>
+      <p:bldP spid="6" grpId="0" animBg="1"/>
+      <p:bldP spid="8" grpId="0" animBg="1"/>
+      <p:bldP spid="9" grpId="0" animBg="1"/>
+      <p:bldP spid="10" grpId="0" animBg="1"/>
+      <p:bldP spid="11" grpId="0" animBg="1"/>
+      <p:bldP spid="25" grpId="0" animBg="1"/>
+      <p:bldP spid="26" grpId="0" animBg="1"/>
+      <p:bldP spid="55" grpId="0"/>
+      <p:bldP spid="56" grpId="0"/>
+      <p:bldP spid="57" grpId="0"/>
+    </p:bldLst>
+  </p:timing>
+</p:sld>
+</file>
+
+<file path=ppt/slides/slide11.xml><?xml version="1.0" encoding="utf-8"?>
+<p:sld xmlns:a="http://schemas.openxmlformats.org/drawingml/2006/main" xmlns:r="http://schemas.openxmlformats.org/officeDocument/2006/relationships" xmlns:p="http://schemas.openxmlformats.org/presentationml/2006/main">
+  <p:cSld>
+    <p:spTree>
+      <p:nvGrpSpPr>
+        <p:cNvPr id="1" name=""/>
+        <p:cNvGrpSpPr/>
+        <p:nvPr/>
+      </p:nvGrpSpPr>
+      <p:grpSpPr>
+        <a:xfrm>
+          <a:off x="0" y="0"/>
+          <a:ext cx="0" cy="0"/>
+          <a:chOff x="0" y="0"/>
+          <a:chExt cx="0" cy="0"/>
+        </a:xfrm>
+      </p:grpSpPr>
+      <p:sp>
+        <p:nvSpPr>
+          <p:cNvPr id="2" name="TextBox 1"/>
+          <p:cNvSpPr txBox="1"/>
+          <p:nvPr/>
+        </p:nvSpPr>
+        <p:spPr>
+          <a:xfrm>
+            <a:off x="836320" y="98490"/>
+            <a:ext cx="5463872" cy="646331"/>
+          </a:xfrm>
+          <a:prstGeom prst="rect">
+            <a:avLst/>
+          </a:prstGeom>
+          <a:noFill/>
+        </p:spPr>
+        <p:txBody>
+          <a:bodyPr wrap="square" rtlCol="0">
+            <a:spAutoFit/>
+          </a:bodyPr>
+          <a:lstStyle/>
+          <a:p>
+            <a:r>
+              <a:rPr lang="en-GB" sz="3600" dirty="0" smtClean="0"/>
+              <a:t>Simple Model</a:t>
+            </a:r>
+            <a:endParaRPr lang="en-GB" sz="3600" dirty="0"/>
+          </a:p>
+        </p:txBody>
+      </p:sp>
+      <p:sp>
+        <p:nvSpPr>
+          <p:cNvPr id="6" name="Oval 5"/>
+          <p:cNvSpPr/>
+          <p:nvPr/>
+        </p:nvSpPr>
+        <p:spPr>
+          <a:xfrm>
+            <a:off x="2246289" y="1374448"/>
+            <a:ext cx="648072" cy="648072"/>
+          </a:xfrm>
+          <a:prstGeom prst="ellipse">
+            <a:avLst/>
+          </a:prstGeom>
+        </p:spPr>
+        <p:style>
+          <a:lnRef idx="2">
+            <a:schemeClr val="accent1">
+              <a:shade val="50000"/>
+            </a:schemeClr>
+          </a:lnRef>
+          <a:fillRef idx="1">
+            <a:schemeClr val="accent1"/>
+          </a:fillRef>
+          <a:effectRef idx="0">
+            <a:schemeClr val="accent1"/>
+          </a:effectRef>
+          <a:fontRef idx="minor">
+            <a:schemeClr val="lt1"/>
+          </a:fontRef>
+        </p:style>
+        <p:txBody>
+          <a:bodyPr rtlCol="0" anchor="ctr"/>
+          <a:lstStyle/>
+          <a:p>
+            <a:pPr algn="ctr"/>
+            <a:r>
+              <a:rPr lang="el-GR" sz="2400" dirty="0" smtClean="0"/>
+              <a:t>α</a:t>
+            </a:r>
+            <a:endParaRPr lang="en-GB" sz="2400" dirty="0"/>
+          </a:p>
+        </p:txBody>
+      </p:sp>
+      <p:sp>
+        <p:nvSpPr>
+          <p:cNvPr id="8" name="Oval 7"/>
+          <p:cNvSpPr/>
+          <p:nvPr/>
+        </p:nvSpPr>
+        <p:spPr>
+          <a:xfrm>
+            <a:off x="2245802" y="3174648"/>
+            <a:ext cx="648072" cy="648072"/>
+          </a:xfrm>
+          <a:prstGeom prst="ellipse">
+            <a:avLst/>
+          </a:prstGeom>
+        </p:spPr>
+        <p:style>
+          <a:lnRef idx="2">
+            <a:schemeClr val="accent1">
+              <a:shade val="50000"/>
+            </a:schemeClr>
+          </a:lnRef>
+          <a:fillRef idx="1">
+            <a:schemeClr val="accent1"/>
+          </a:fillRef>
+          <a:effectRef idx="0">
+            <a:schemeClr val="accent1"/>
+          </a:effectRef>
+          <a:fontRef idx="minor">
+            <a:schemeClr val="lt1"/>
+          </a:fontRef>
+        </p:style>
+        <p:txBody>
+          <a:bodyPr rtlCol="0" anchor="ctr"/>
+          <a:lstStyle/>
+          <a:p>
+            <a:pPr algn="ctr"/>
+            <a:r>
+              <a:rPr lang="el-GR" sz="2400" dirty="0" smtClean="0"/>
+              <a:t>β</a:t>
+            </a:r>
+            <a:endParaRPr lang="en-GB" sz="2400" dirty="0"/>
+          </a:p>
+        </p:txBody>
+      </p:sp>
+      <p:sp>
+        <p:nvSpPr>
+          <p:cNvPr id="9" name="Oval 8"/>
+          <p:cNvSpPr/>
+          <p:nvPr/>
+        </p:nvSpPr>
+        <p:spPr>
+          <a:xfrm>
+            <a:off x="4059371" y="1132206"/>
+            <a:ext cx="648072" cy="648072"/>
+          </a:xfrm>
+          <a:prstGeom prst="ellipse">
+            <a:avLst/>
+          </a:prstGeom>
+        </p:spPr>
+        <p:style>
+          <a:lnRef idx="2">
+            <a:schemeClr val="accent1">
+              <a:shade val="50000"/>
+            </a:schemeClr>
+          </a:lnRef>
+          <a:fillRef idx="1">
+            <a:schemeClr val="accent1"/>
+          </a:fillRef>
+          <a:effectRef idx="0">
+            <a:schemeClr val="accent1"/>
+          </a:effectRef>
+          <a:fontRef idx="minor">
+            <a:schemeClr val="lt1"/>
+          </a:fontRef>
+        </p:style>
+        <p:txBody>
+          <a:bodyPr rtlCol="0" anchor="ctr"/>
+          <a:lstStyle/>
+          <a:p>
+            <a:pPr algn="ctr"/>
+            <a:r>
+              <a:rPr lang="en-GB" sz="2400" dirty="0" smtClean="0"/>
+              <a:t>A</a:t>
+            </a:r>
+            <a:endParaRPr lang="en-GB" sz="2400" dirty="0"/>
+          </a:p>
+        </p:txBody>
+      </p:sp>
+      <p:sp>
+        <p:nvSpPr>
+          <p:cNvPr id="10" name="Oval 9"/>
+          <p:cNvSpPr/>
+          <p:nvPr/>
+        </p:nvSpPr>
+        <p:spPr>
+          <a:xfrm>
+            <a:off x="3411299" y="2238544"/>
+            <a:ext cx="648072" cy="648072"/>
+          </a:xfrm>
+          <a:prstGeom prst="ellipse">
+            <a:avLst/>
+          </a:prstGeom>
+        </p:spPr>
+        <p:style>
+          <a:lnRef idx="2">
+            <a:schemeClr val="accent1">
+              <a:shade val="50000"/>
+            </a:schemeClr>
+          </a:lnRef>
+          <a:fillRef idx="1">
+            <a:schemeClr val="accent1"/>
+          </a:fillRef>
+          <a:effectRef idx="0">
+            <a:schemeClr val="accent1"/>
+          </a:effectRef>
+          <a:fontRef idx="minor">
+            <a:schemeClr val="lt1"/>
+          </a:fontRef>
+        </p:style>
+        <p:txBody>
+          <a:bodyPr rtlCol="0" anchor="ctr"/>
+          <a:lstStyle/>
+          <a:p>
+            <a:pPr algn="ctr"/>
+            <a:r>
+              <a:rPr lang="en-GB" sz="2400" dirty="0" smtClean="0"/>
+              <a:t>C</a:t>
+            </a:r>
+            <a:endParaRPr lang="en-GB" sz="2400" dirty="0"/>
+          </a:p>
+        </p:txBody>
+      </p:sp>
+      <p:sp>
+        <p:nvSpPr>
+          <p:cNvPr id="11" name="Oval 10"/>
+          <p:cNvSpPr/>
+          <p:nvPr/>
+        </p:nvSpPr>
+        <p:spPr>
+          <a:xfrm>
+            <a:off x="4059371" y="3318664"/>
+            <a:ext cx="648072" cy="648072"/>
+          </a:xfrm>
+          <a:prstGeom prst="ellipse">
+            <a:avLst/>
+          </a:prstGeom>
+        </p:spPr>
+        <p:style>
+          <a:lnRef idx="2">
+            <a:schemeClr val="accent1">
+              <a:shade val="50000"/>
+            </a:schemeClr>
+          </a:lnRef>
+          <a:fillRef idx="1">
+            <a:schemeClr val="accent1"/>
+          </a:fillRef>
+          <a:effectRef idx="0">
+            <a:schemeClr val="accent1"/>
+          </a:effectRef>
+          <a:fontRef idx="minor">
+            <a:schemeClr val="lt1"/>
+          </a:fontRef>
+        </p:style>
+        <p:txBody>
+          <a:bodyPr rtlCol="0" anchor="ctr"/>
+          <a:lstStyle/>
+          <a:p>
+            <a:pPr algn="ctr"/>
+            <a:r>
+              <a:rPr lang="en-GB" sz="2400" dirty="0" smtClean="0"/>
+              <a:t>B</a:t>
+            </a:r>
+            <a:endParaRPr lang="en-GB" sz="2400" dirty="0"/>
+          </a:p>
+        </p:txBody>
+      </p:sp>
+      <p:cxnSp>
+        <p:nvCxnSpPr>
+          <p:cNvPr id="15" name="Straight Connector 14"/>
+          <p:cNvCxnSpPr>
+            <a:stCxn id="10" idx="3"/>
+            <a:endCxn id="8" idx="7"/>
+          </p:cNvCxnSpPr>
+          <p:nvPr/>
+        </p:nvCxnSpPr>
+        <p:spPr>
+          <a:xfrm flipH="1">
+            <a:off x="2798966" y="2791708"/>
+            <a:ext cx="707241" cy="477848"/>
+          </a:xfrm>
+          <a:prstGeom prst="line">
+            <a:avLst/>
+          </a:prstGeom>
+          <a:ln w="25400">
+            <a:solidFill>
+              <a:schemeClr val="tx1"/>
+            </a:solidFill>
+            <a:prstDash val="sysDash"/>
+          </a:ln>
+        </p:spPr>
+        <p:style>
+          <a:lnRef idx="1">
+            <a:schemeClr val="accent1"/>
+          </a:lnRef>
+          <a:fillRef idx="0">
+            <a:schemeClr val="accent1"/>
+          </a:fillRef>
+          <a:effectRef idx="0">
+            <a:schemeClr val="accent1"/>
+          </a:effectRef>
+          <a:fontRef idx="minor">
+            <a:schemeClr val="tx1"/>
+          </a:fontRef>
+        </p:style>
+      </p:cxnSp>
+      <p:cxnSp>
+        <p:nvCxnSpPr>
+          <p:cNvPr id="17" name="Straight Connector 16"/>
+          <p:cNvCxnSpPr>
+            <a:stCxn id="10" idx="1"/>
+            <a:endCxn id="6" idx="5"/>
+          </p:cNvCxnSpPr>
+          <p:nvPr/>
+        </p:nvCxnSpPr>
+        <p:spPr>
+          <a:xfrm flipH="1" flipV="1">
+            <a:off x="2799453" y="1927612"/>
+            <a:ext cx="706754" cy="405840"/>
+          </a:xfrm>
+          <a:prstGeom prst="line">
+            <a:avLst/>
+          </a:prstGeom>
+          <a:ln w="25400">
+            <a:solidFill>
+              <a:schemeClr val="tx1"/>
+            </a:solidFill>
+            <a:prstDash val="sysDash"/>
+          </a:ln>
+        </p:spPr>
+        <p:style>
+          <a:lnRef idx="1">
+            <a:schemeClr val="accent1"/>
+          </a:lnRef>
+          <a:fillRef idx="0">
+            <a:schemeClr val="accent1"/>
+          </a:fillRef>
+          <a:effectRef idx="0">
+            <a:schemeClr val="accent1"/>
+          </a:effectRef>
+          <a:fontRef idx="minor">
+            <a:schemeClr val="tx1"/>
+          </a:fontRef>
+        </p:style>
+      </p:cxnSp>
+      <p:cxnSp>
+        <p:nvCxnSpPr>
+          <p:cNvPr id="19" name="Straight Connector 18"/>
+          <p:cNvCxnSpPr>
+            <a:stCxn id="9" idx="2"/>
+            <a:endCxn id="6" idx="6"/>
+          </p:cNvCxnSpPr>
+          <p:nvPr/>
+        </p:nvCxnSpPr>
+        <p:spPr>
+          <a:xfrm flipH="1">
+            <a:off x="2894361" y="1456242"/>
+            <a:ext cx="1165010" cy="242242"/>
+          </a:xfrm>
+          <a:prstGeom prst="line">
+            <a:avLst/>
+          </a:prstGeom>
+          <a:ln w="25400">
+            <a:solidFill>
+              <a:schemeClr val="tx1"/>
+            </a:solidFill>
+            <a:prstDash val="sysDash"/>
+          </a:ln>
+        </p:spPr>
+        <p:style>
+          <a:lnRef idx="1">
+            <a:schemeClr val="accent1"/>
+          </a:lnRef>
+          <a:fillRef idx="0">
+            <a:schemeClr val="accent1"/>
+          </a:fillRef>
+          <a:effectRef idx="0">
+            <a:schemeClr val="accent1"/>
+          </a:effectRef>
+          <a:fontRef idx="minor">
+            <a:schemeClr val="tx1"/>
+          </a:fontRef>
+        </p:style>
+      </p:cxnSp>
+      <p:cxnSp>
+        <p:nvCxnSpPr>
+          <p:cNvPr id="21" name="Straight Connector 20"/>
+          <p:cNvCxnSpPr>
+            <a:stCxn id="11" idx="2"/>
+            <a:endCxn id="8" idx="6"/>
+          </p:cNvCxnSpPr>
+          <p:nvPr/>
+        </p:nvCxnSpPr>
+        <p:spPr>
+          <a:xfrm flipH="1" flipV="1">
+            <a:off x="2893874" y="3498684"/>
+            <a:ext cx="1165497" cy="144016"/>
+          </a:xfrm>
+          <a:prstGeom prst="line">
+            <a:avLst/>
+          </a:prstGeom>
+          <a:ln w="25400">
+            <a:solidFill>
+              <a:schemeClr val="tx1"/>
+            </a:solidFill>
+            <a:prstDash val="sysDash"/>
+          </a:ln>
+        </p:spPr>
+        <p:style>
+          <a:lnRef idx="1">
+            <a:schemeClr val="accent1"/>
+          </a:lnRef>
+          <a:fillRef idx="0">
+            <a:schemeClr val="accent1"/>
+          </a:fillRef>
+          <a:effectRef idx="0">
+            <a:schemeClr val="accent1"/>
+          </a:effectRef>
+          <a:fontRef idx="minor">
+            <a:schemeClr val="tx1"/>
+          </a:fontRef>
+        </p:style>
+      </p:cxnSp>
+      <p:cxnSp>
+        <p:nvCxnSpPr>
+          <p:cNvPr id="23" name="Straight Connector 22"/>
+          <p:cNvCxnSpPr/>
+          <p:nvPr/>
+        </p:nvCxnSpPr>
+        <p:spPr>
+          <a:xfrm>
+            <a:off x="3152586" y="854716"/>
+            <a:ext cx="244" cy="3400052"/>
+          </a:xfrm>
+          <a:prstGeom prst="line">
+            <a:avLst/>
+          </a:prstGeom>
+          <a:ln w="50800">
+            <a:solidFill>
+              <a:schemeClr val="accent6">
+                <a:lumMod val="75000"/>
+              </a:schemeClr>
+            </a:solidFill>
+          </a:ln>
+        </p:spPr>
+        <p:style>
+          <a:lnRef idx="1">
+            <a:schemeClr val="accent1"/>
+          </a:lnRef>
+          <a:fillRef idx="0">
+            <a:schemeClr val="accent1"/>
+          </a:fillRef>
+          <a:effectRef idx="0">
+            <a:schemeClr val="accent1"/>
+          </a:effectRef>
+          <a:fontRef idx="minor">
+            <a:schemeClr val="tx1"/>
+          </a:fontRef>
+        </p:style>
+      </p:cxnSp>
+      <p:cxnSp>
+        <p:nvCxnSpPr>
+          <p:cNvPr id="24" name="Straight Connector 23"/>
+          <p:cNvCxnSpPr/>
+          <p:nvPr/>
+        </p:nvCxnSpPr>
+        <p:spPr>
+          <a:xfrm>
+            <a:off x="5937919" y="854716"/>
+            <a:ext cx="244" cy="3400052"/>
+          </a:xfrm>
+          <a:prstGeom prst="line">
+            <a:avLst/>
+          </a:prstGeom>
+          <a:ln w="50800">
+            <a:solidFill>
+              <a:schemeClr val="accent6">
+                <a:lumMod val="75000"/>
+              </a:schemeClr>
+            </a:solidFill>
+          </a:ln>
+        </p:spPr>
+        <p:style>
+          <a:lnRef idx="1">
+            <a:schemeClr val="accent1"/>
+          </a:lnRef>
+          <a:fillRef idx="0">
+            <a:schemeClr val="accent1"/>
+          </a:fillRef>
+          <a:effectRef idx="0">
+            <a:schemeClr val="accent1"/>
+          </a:effectRef>
+          <a:fontRef idx="minor">
+            <a:schemeClr val="tx1"/>
+          </a:fontRef>
+        </p:style>
+      </p:cxnSp>
+      <p:sp>
+        <p:nvSpPr>
+          <p:cNvPr id="25" name="Oval 24"/>
+          <p:cNvSpPr/>
+          <p:nvPr/>
+        </p:nvSpPr>
+        <p:spPr>
+          <a:xfrm>
+            <a:off x="6513983" y="1577363"/>
+            <a:ext cx="792088" cy="769193"/>
+          </a:xfrm>
+          <a:prstGeom prst="ellipse">
+            <a:avLst/>
+          </a:prstGeom>
+        </p:spPr>
+        <p:style>
+          <a:lnRef idx="2">
+            <a:schemeClr val="accent1">
+              <a:shade val="50000"/>
+            </a:schemeClr>
+          </a:lnRef>
+          <a:fillRef idx="1">
+            <a:schemeClr val="accent1"/>
+          </a:fillRef>
+          <a:effectRef idx="0">
+            <a:schemeClr val="accent1"/>
+          </a:effectRef>
+          <a:fontRef idx="minor">
+            <a:schemeClr val="lt1"/>
+          </a:fontRef>
+        </p:style>
+        <p:txBody>
+          <a:bodyPr rtlCol="0" anchor="ctr"/>
+          <a:lstStyle/>
+          <a:p>
+            <a:pPr algn="ctr"/>
+            <a:r>
+              <a:rPr lang="en-GB" sz="2400" dirty="0" smtClean="0"/>
+              <a:t>P</a:t>
+            </a:r>
+            <a:r>
+              <a:rPr lang="el-GR" sz="2400" dirty="0" smtClean="0"/>
+              <a:t>α</a:t>
+            </a:r>
+            <a:endParaRPr lang="en-GB" sz="2400" dirty="0"/>
+          </a:p>
+        </p:txBody>
+      </p:sp>
+      <p:sp>
+        <p:nvSpPr>
+          <p:cNvPr id="26" name="Oval 25"/>
+          <p:cNvSpPr/>
+          <p:nvPr/>
+        </p:nvSpPr>
+        <p:spPr>
+          <a:xfrm>
+            <a:off x="6513983" y="2670592"/>
+            <a:ext cx="792088" cy="762636"/>
+          </a:xfrm>
+          <a:prstGeom prst="ellipse">
+            <a:avLst/>
+          </a:prstGeom>
+        </p:spPr>
+        <p:style>
+          <a:lnRef idx="2">
+            <a:schemeClr val="accent1">
+              <a:shade val="50000"/>
+            </a:schemeClr>
+          </a:lnRef>
+          <a:fillRef idx="1">
+            <a:schemeClr val="accent1"/>
+          </a:fillRef>
+          <a:effectRef idx="0">
+            <a:schemeClr val="accent1"/>
+          </a:effectRef>
+          <a:fontRef idx="minor">
+            <a:schemeClr val="lt1"/>
+          </a:fontRef>
+        </p:style>
+        <p:txBody>
+          <a:bodyPr rtlCol="0" anchor="ctr"/>
+          <a:lstStyle/>
+          <a:p>
+            <a:pPr algn="ctr"/>
+            <a:r>
+              <a:rPr lang="en-GB" sz="2400" dirty="0" smtClean="0"/>
+              <a:t>P</a:t>
+            </a:r>
+            <a:r>
+              <a:rPr lang="el-GR" sz="2400" dirty="0" smtClean="0"/>
+              <a:t>β</a:t>
+            </a:r>
+            <a:endParaRPr lang="en-GB" sz="2400" dirty="0"/>
+          </a:p>
+        </p:txBody>
+      </p:sp>
+      <p:cxnSp>
+        <p:nvCxnSpPr>
+          <p:cNvPr id="28" name="Straight Arrow Connector 27"/>
+          <p:cNvCxnSpPr>
+            <a:stCxn id="25" idx="1"/>
+            <a:endCxn id="9" idx="6"/>
+          </p:cNvCxnSpPr>
+          <p:nvPr/>
+        </p:nvCxnSpPr>
+        <p:spPr>
+          <a:xfrm flipH="1" flipV="1">
+            <a:off x="4707443" y="1456242"/>
+            <a:ext cx="1922539" cy="233767"/>
+          </a:xfrm>
+          <a:prstGeom prst="straightConnector1">
+            <a:avLst/>
+          </a:prstGeom>
+          <a:ln w="25400">
+            <a:solidFill>
+              <a:schemeClr val="tx1"/>
+            </a:solidFill>
+            <a:tailEnd type="arrow"/>
+          </a:ln>
+        </p:spPr>
+        <p:style>
+          <a:lnRef idx="1">
+            <a:schemeClr val="accent1"/>
+          </a:lnRef>
+          <a:fillRef idx="0">
+            <a:schemeClr val="accent1"/>
+          </a:fillRef>
+          <a:effectRef idx="0">
+            <a:schemeClr val="accent1"/>
+          </a:effectRef>
+          <a:fontRef idx="minor">
+            <a:schemeClr val="tx1"/>
+          </a:fontRef>
+        </p:style>
+      </p:cxnSp>
+      <p:cxnSp>
+        <p:nvCxnSpPr>
+          <p:cNvPr id="30" name="Straight Arrow Connector 29"/>
+          <p:cNvCxnSpPr>
+            <a:stCxn id="25" idx="2"/>
+          </p:cNvCxnSpPr>
+          <p:nvPr/>
+        </p:nvCxnSpPr>
+        <p:spPr>
+          <a:xfrm flipH="1">
+            <a:off x="4059371" y="1961960"/>
+            <a:ext cx="2454612" cy="592782"/>
+          </a:xfrm>
+          <a:prstGeom prst="straightConnector1">
+            <a:avLst/>
+          </a:prstGeom>
+          <a:ln w="25400">
+            <a:solidFill>
+              <a:schemeClr val="tx1"/>
+            </a:solidFill>
+            <a:tailEnd type="arrow"/>
+          </a:ln>
+        </p:spPr>
+        <p:style>
+          <a:lnRef idx="1">
+            <a:schemeClr val="accent1"/>
+          </a:lnRef>
+          <a:fillRef idx="0">
+            <a:schemeClr val="accent1"/>
+          </a:fillRef>
+          <a:effectRef idx="0">
+            <a:schemeClr val="accent1"/>
+          </a:effectRef>
+          <a:fontRef idx="minor">
+            <a:schemeClr val="tx1"/>
+          </a:fontRef>
+        </p:style>
+      </p:cxnSp>
+      <p:cxnSp>
+        <p:nvCxnSpPr>
+          <p:cNvPr id="32" name="Straight Arrow Connector 31"/>
+          <p:cNvCxnSpPr>
+            <a:stCxn id="25" idx="3"/>
+            <a:endCxn id="11" idx="7"/>
+          </p:cNvCxnSpPr>
+          <p:nvPr/>
+        </p:nvCxnSpPr>
+        <p:spPr>
+          <a:xfrm flipH="1">
+            <a:off x="4612535" y="2233910"/>
+            <a:ext cx="2017447" cy="1179662"/>
+          </a:xfrm>
+          <a:prstGeom prst="straightConnector1">
+            <a:avLst/>
+          </a:prstGeom>
+          <a:ln w="25400">
+            <a:solidFill>
+              <a:schemeClr val="tx1"/>
+            </a:solidFill>
+            <a:tailEnd type="arrow"/>
+          </a:ln>
+        </p:spPr>
+        <p:style>
+          <a:lnRef idx="1">
+            <a:schemeClr val="accent1"/>
+          </a:lnRef>
+          <a:fillRef idx="0">
+            <a:schemeClr val="accent1"/>
+          </a:fillRef>
+          <a:effectRef idx="0">
+            <a:schemeClr val="accent1"/>
+          </a:effectRef>
+          <a:fontRef idx="minor">
+            <a:schemeClr val="tx1"/>
+          </a:fontRef>
+        </p:style>
+      </p:cxnSp>
+      <p:cxnSp>
+        <p:nvCxnSpPr>
+          <p:cNvPr id="34" name="Straight Arrow Connector 33"/>
+          <p:cNvCxnSpPr>
+            <a:stCxn id="26" idx="1"/>
+            <a:endCxn id="9" idx="5"/>
+          </p:cNvCxnSpPr>
+          <p:nvPr/>
+        </p:nvCxnSpPr>
+        <p:spPr>
+          <a:xfrm flipH="1" flipV="1">
+            <a:off x="4612535" y="1685370"/>
+            <a:ext cx="2017447" cy="1096907"/>
+          </a:xfrm>
+          <a:prstGeom prst="straightConnector1">
+            <a:avLst/>
+          </a:prstGeom>
+          <a:ln w="25400">
+            <a:solidFill>
+              <a:schemeClr val="tx1"/>
+            </a:solidFill>
+            <a:tailEnd type="arrow"/>
+          </a:ln>
+        </p:spPr>
+        <p:style>
+          <a:lnRef idx="1">
+            <a:schemeClr val="accent1"/>
+          </a:lnRef>
+          <a:fillRef idx="0">
+            <a:schemeClr val="accent1"/>
+          </a:fillRef>
+          <a:effectRef idx="0">
+            <a:schemeClr val="accent1"/>
+          </a:effectRef>
+          <a:fontRef idx="minor">
+            <a:schemeClr val="tx1"/>
+          </a:fontRef>
+        </p:style>
+      </p:cxnSp>
+      <p:cxnSp>
+        <p:nvCxnSpPr>
+          <p:cNvPr id="36" name="Straight Arrow Connector 35"/>
+          <p:cNvCxnSpPr>
+            <a:stCxn id="26" idx="2"/>
+            <a:endCxn id="10" idx="5"/>
+          </p:cNvCxnSpPr>
+          <p:nvPr/>
+        </p:nvCxnSpPr>
+        <p:spPr>
+          <a:xfrm flipH="1" flipV="1">
+            <a:off x="3964463" y="2791708"/>
+            <a:ext cx="2549520" cy="260202"/>
+          </a:xfrm>
+          <a:prstGeom prst="straightConnector1">
+            <a:avLst/>
+          </a:prstGeom>
+          <a:ln w="25400">
+            <a:solidFill>
+              <a:schemeClr val="tx1"/>
+            </a:solidFill>
+            <a:tailEnd type="arrow"/>
+          </a:ln>
+        </p:spPr>
+        <p:style>
+          <a:lnRef idx="1">
+            <a:schemeClr val="accent1"/>
+          </a:lnRef>
+          <a:fillRef idx="0">
+            <a:schemeClr val="accent1"/>
+          </a:fillRef>
+          <a:effectRef idx="0">
+            <a:schemeClr val="accent1"/>
+          </a:effectRef>
+          <a:fontRef idx="minor">
+            <a:schemeClr val="tx1"/>
+          </a:fontRef>
+        </p:style>
+      </p:cxnSp>
+      <p:cxnSp>
+        <p:nvCxnSpPr>
+          <p:cNvPr id="38" name="Straight Arrow Connector 37"/>
+          <p:cNvCxnSpPr>
+            <a:stCxn id="26" idx="3"/>
+            <a:endCxn id="11" idx="6"/>
+          </p:cNvCxnSpPr>
+          <p:nvPr/>
+        </p:nvCxnSpPr>
+        <p:spPr>
+          <a:xfrm flipH="1">
+            <a:off x="4707443" y="3321543"/>
+            <a:ext cx="1922539" cy="321157"/>
+          </a:xfrm>
+          <a:prstGeom prst="straightConnector1">
+            <a:avLst/>
+          </a:prstGeom>
+          <a:ln w="25400">
+            <a:solidFill>
+              <a:schemeClr val="tx1"/>
+            </a:solidFill>
+            <a:tailEnd type="arrow"/>
+          </a:ln>
+        </p:spPr>
+        <p:style>
+          <a:lnRef idx="1">
+            <a:schemeClr val="accent1"/>
+          </a:lnRef>
+          <a:fillRef idx="0">
+            <a:schemeClr val="accent1"/>
+          </a:fillRef>
+          <a:effectRef idx="0">
+            <a:schemeClr val="accent1"/>
+          </a:effectRef>
+          <a:fontRef idx="minor">
+            <a:schemeClr val="tx1"/>
+          </a:fontRef>
+        </p:style>
+      </p:cxnSp>
+      <p:cxnSp>
+        <p:nvCxnSpPr>
+          <p:cNvPr id="49" name="Straight Connector 48"/>
+          <p:cNvCxnSpPr>
+            <a:stCxn id="9" idx="3"/>
+            <a:endCxn id="10" idx="0"/>
+          </p:cNvCxnSpPr>
+          <p:nvPr/>
+        </p:nvCxnSpPr>
+        <p:spPr>
+          <a:xfrm flipH="1">
+            <a:off x="3735335" y="1685370"/>
+            <a:ext cx="418944" cy="553174"/>
+          </a:xfrm>
+          <a:prstGeom prst="line">
+            <a:avLst/>
+          </a:prstGeom>
+          <a:ln w="25400">
+            <a:solidFill>
+              <a:srgbClr val="FF0000"/>
+            </a:solidFill>
+          </a:ln>
+        </p:spPr>
+        <p:style>
+          <a:lnRef idx="1">
+            <a:schemeClr val="accent1"/>
+          </a:lnRef>
+          <a:fillRef idx="0">
+            <a:schemeClr val="accent1"/>
+          </a:fillRef>
+          <a:effectRef idx="0">
+            <a:schemeClr val="accent1"/>
+          </a:effectRef>
+          <a:fontRef idx="minor">
+            <a:schemeClr val="tx1"/>
+          </a:fontRef>
+        </p:style>
+      </p:cxnSp>
+      <p:cxnSp>
+        <p:nvCxnSpPr>
+          <p:cNvPr id="51" name="Straight Connector 50"/>
+          <p:cNvCxnSpPr>
+            <a:stCxn id="10" idx="4"/>
+            <a:endCxn id="11" idx="1"/>
+          </p:cNvCxnSpPr>
+          <p:nvPr/>
+        </p:nvCxnSpPr>
+        <p:spPr>
+          <a:xfrm>
+            <a:off x="3735335" y="2886616"/>
+            <a:ext cx="418944" cy="526956"/>
+          </a:xfrm>
+          <a:prstGeom prst="line">
+            <a:avLst/>
+          </a:prstGeom>
+          <a:ln w="25400">
+            <a:solidFill>
+              <a:srgbClr val="FF0000"/>
+            </a:solidFill>
+          </a:ln>
+        </p:spPr>
+        <p:style>
+          <a:lnRef idx="1">
+            <a:schemeClr val="accent1"/>
+          </a:lnRef>
+          <a:fillRef idx="0">
+            <a:schemeClr val="accent1"/>
+          </a:fillRef>
+          <a:effectRef idx="0">
+            <a:schemeClr val="accent1"/>
+          </a:effectRef>
+          <a:fontRef idx="minor">
+            <a:schemeClr val="tx1"/>
+          </a:fontRef>
+        </p:style>
+      </p:cxnSp>
+      <p:cxnSp>
+        <p:nvCxnSpPr>
+          <p:cNvPr id="54" name="Straight Connector 53"/>
+          <p:cNvCxnSpPr>
+            <a:stCxn id="9" idx="4"/>
+            <a:endCxn id="11" idx="0"/>
+          </p:cNvCxnSpPr>
+          <p:nvPr/>
+        </p:nvCxnSpPr>
+        <p:spPr>
+          <a:xfrm>
+            <a:off x="4383407" y="1780278"/>
+            <a:ext cx="0" cy="1538386"/>
+          </a:xfrm>
+          <a:prstGeom prst="line">
+            <a:avLst/>
+          </a:prstGeom>
+          <a:ln w="25400">
+            <a:solidFill>
+              <a:srgbClr val="FF0000"/>
+            </a:solidFill>
+          </a:ln>
+        </p:spPr>
+        <p:style>
+          <a:lnRef idx="1">
+            <a:schemeClr val="accent1"/>
+          </a:lnRef>
+          <a:fillRef idx="0">
+            <a:schemeClr val="accent1"/>
+          </a:fillRef>
+          <a:effectRef idx="0">
+            <a:schemeClr val="accent1"/>
+          </a:effectRef>
+          <a:fontRef idx="minor">
+            <a:schemeClr val="tx1"/>
+          </a:fontRef>
+        </p:style>
+      </p:cxnSp>
+      <p:sp>
+        <p:nvSpPr>
+          <p:cNvPr id="55" name="TextBox 54"/>
+          <p:cNvSpPr txBox="1"/>
+          <p:nvPr/>
+        </p:nvSpPr>
+        <p:spPr>
+          <a:xfrm>
+            <a:off x="1496646" y="3793102"/>
+            <a:ext cx="1656184" cy="461665"/>
+          </a:xfrm>
+          <a:prstGeom prst="rect">
+            <a:avLst/>
+          </a:prstGeom>
+          <a:noFill/>
+        </p:spPr>
+        <p:txBody>
+          <a:bodyPr wrap="square" rtlCol="0">
+            <a:spAutoFit/>
+          </a:bodyPr>
+          <a:lstStyle/>
+          <a:p>
+            <a:r>
+              <a:rPr lang="en-GB" sz="2400" b="1" dirty="0" smtClean="0"/>
+              <a:t>Skills</a:t>
+            </a:r>
+            <a:endParaRPr lang="en-GB" sz="2400" b="1" dirty="0"/>
+          </a:p>
+        </p:txBody>
+      </p:sp>
+      <p:sp>
+        <p:nvSpPr>
+          <p:cNvPr id="56" name="TextBox 55"/>
+          <p:cNvSpPr txBox="1"/>
+          <p:nvPr/>
+        </p:nvSpPr>
+        <p:spPr>
+          <a:xfrm>
+            <a:off x="5997035" y="3790117"/>
+            <a:ext cx="1887333" cy="461665"/>
+          </a:xfrm>
+          <a:prstGeom prst="rect">
+            <a:avLst/>
+          </a:prstGeom>
+          <a:noFill/>
+        </p:spPr>
+        <p:txBody>
+          <a:bodyPr wrap="square" rtlCol="0">
+            <a:spAutoFit/>
+          </a:bodyPr>
+          <a:lstStyle/>
+          <a:p>
+            <a:r>
+              <a:rPr lang="en-GB" sz="2400" b="1" dirty="0" smtClean="0"/>
+              <a:t>Projects</a:t>
+            </a:r>
+            <a:endParaRPr lang="en-GB" sz="2400" b="1" dirty="0"/>
+          </a:p>
+        </p:txBody>
+      </p:sp>
+      <p:sp>
+        <p:nvSpPr>
+          <p:cNvPr id="57" name="TextBox 56"/>
+          <p:cNvSpPr txBox="1"/>
+          <p:nvPr/>
+        </p:nvSpPr>
+        <p:spPr>
+          <a:xfrm>
+            <a:off x="4714027" y="3793103"/>
+            <a:ext cx="1224136" cy="461665"/>
+          </a:xfrm>
+          <a:prstGeom prst="rect">
+            <a:avLst/>
+          </a:prstGeom>
+          <a:noFill/>
+        </p:spPr>
+        <p:txBody>
+          <a:bodyPr wrap="square" rtlCol="0">
+            <a:spAutoFit/>
+          </a:bodyPr>
+          <a:lstStyle/>
+          <a:p>
+            <a:r>
+              <a:rPr lang="en-GB" sz="2400" b="1" dirty="0" smtClean="0"/>
+              <a:t>Teams</a:t>
+            </a:r>
+            <a:endParaRPr lang="en-GB" sz="2400" b="1" dirty="0"/>
+          </a:p>
+        </p:txBody>
+      </p:sp>
+      <p:sp>
+        <p:nvSpPr>
+          <p:cNvPr id="3" name="TextBox 2"/>
+          <p:cNvSpPr txBox="1"/>
+          <p:nvPr/>
+        </p:nvSpPr>
+        <p:spPr>
+          <a:xfrm>
+            <a:off x="1187624" y="4472157"/>
+            <a:ext cx="7776864" cy="2492990"/>
+          </a:xfrm>
+          <a:prstGeom prst="rect">
+            <a:avLst/>
+          </a:prstGeom>
+          <a:noFill/>
+        </p:spPr>
+        <p:txBody>
+          <a:bodyPr wrap="square" rtlCol="0">
+            <a:spAutoFit/>
+          </a:bodyPr>
+          <a:lstStyle/>
+          <a:p>
+            <a:pPr marL="285750" indent="-285750">
+              <a:buFont typeface="Arial" pitchFamily="34" charset="0"/>
+              <a:buChar char="•"/>
+            </a:pPr>
+            <a:r>
+              <a:rPr lang="en-GB" sz="2000" dirty="0" smtClean="0"/>
+              <a:t>Node P</a:t>
+            </a:r>
+            <a:r>
+              <a:rPr lang="el-GR" sz="2000" dirty="0" smtClean="0"/>
+              <a:t>α</a:t>
+            </a:r>
+            <a:r>
+              <a:rPr lang="en-GB" sz="2000" dirty="0" smtClean="0"/>
+              <a:t> is on if an incoming project requires skill </a:t>
+            </a:r>
+            <a:r>
+              <a:rPr lang="el-GR" sz="2000" dirty="0" smtClean="0"/>
+              <a:t>α</a:t>
+            </a:r>
+            <a:r>
+              <a:rPr lang="en-GB" sz="2000" dirty="0" smtClean="0"/>
+              <a:t>. </a:t>
+            </a:r>
+          </a:p>
+          <a:p>
+            <a:pPr marL="285750" indent="-285750">
+              <a:buFont typeface="Arial" pitchFamily="34" charset="0"/>
+              <a:buChar char="•"/>
+            </a:pPr>
+            <a:r>
+              <a:rPr lang="en-GB" sz="2000" dirty="0" smtClean="0"/>
+              <a:t>Node P</a:t>
+            </a:r>
+            <a:r>
+              <a:rPr lang="el-GR" sz="2000" dirty="0" smtClean="0"/>
+              <a:t>β</a:t>
+            </a:r>
+            <a:r>
+              <a:rPr lang="en-GB" sz="2000" dirty="0" smtClean="0"/>
+              <a:t> is on if an incoming project requires skill </a:t>
+            </a:r>
+            <a:r>
+              <a:rPr lang="el-GR" sz="2000" dirty="0" smtClean="0"/>
+              <a:t>β</a:t>
+            </a:r>
+            <a:r>
+              <a:rPr lang="en-GB" sz="2000" dirty="0" smtClean="0"/>
+              <a:t>.</a:t>
+            </a:r>
+          </a:p>
+          <a:p>
+            <a:pPr marL="285750" indent="-285750">
+              <a:buFont typeface="Arial" pitchFamily="34" charset="0"/>
+              <a:buChar char="•"/>
+            </a:pPr>
+            <a:r>
+              <a:rPr lang="en-GB" sz="2000" dirty="0" smtClean="0"/>
+              <a:t>These two nodes turn on and off randomly, indicating random project arrival.</a:t>
+            </a:r>
+            <a:endParaRPr lang="en-GB" sz="2000" dirty="0"/>
+          </a:p>
+          <a:p>
+            <a:pPr marL="285750" indent="-285750">
+              <a:buFont typeface="Arial" pitchFamily="34" charset="0"/>
+              <a:buChar char="•"/>
+            </a:pPr>
+            <a:r>
+              <a:rPr lang="en-GB" sz="2000" dirty="0" smtClean="0"/>
+              <a:t>Teams possess the skills that they are connected to.</a:t>
+            </a:r>
+          </a:p>
+          <a:p>
+            <a:pPr marL="285750" indent="-285750">
+              <a:buFont typeface="Arial" pitchFamily="34" charset="0"/>
+              <a:buChar char="•"/>
+            </a:pPr>
+            <a:r>
+              <a:rPr lang="en-GB" sz="2000" dirty="0" smtClean="0"/>
+              <a:t>How should teams A, B and C activate and deactivate?</a:t>
+            </a:r>
+            <a:endParaRPr lang="en-GB" sz="2000" dirty="0"/>
+          </a:p>
+          <a:p>
+            <a:pPr marL="285750" indent="-285750">
+              <a:buFont typeface="Arial" pitchFamily="34" charset="0"/>
+              <a:buChar char="•"/>
+            </a:pPr>
+            <a:endParaRPr lang="en-GB" dirty="0"/>
+          </a:p>
+          <a:p>
+            <a:pPr marL="285750" indent="-285750">
+              <a:buFont typeface="Arial" pitchFamily="34" charset="0"/>
+              <a:buChar char="•"/>
+            </a:pPr>
+            <a:endParaRPr lang="en-GB" dirty="0"/>
+          </a:p>
+        </p:txBody>
+      </p:sp>
+    </p:spTree>
+    <p:extLst>
+      <p:ext uri="{BB962C8B-B14F-4D97-AF65-F5344CB8AC3E}">
+        <p14:creationId xmlns:p14="http://schemas.microsoft.com/office/powerpoint/2010/main" val="571397642"/>
+      </p:ext>
+    </p:extLst>
+  </p:cSld>
+  <p:clrMapOvr>
+    <a:masterClrMapping/>
+  </p:clrMapOvr>
+  <p:timing>
+    <p:tnLst>
+      <p:par>
+        <p:cTn id="1" dur="indefinite" restart="never" nodeType="tmRoot"/>
+      </p:par>
+    </p:tnLst>
+  </p:timing>
+</p:sld>
+</file>
+
+<file path=ppt/slides/slide12.xml><?xml version="1.0" encoding="utf-8"?>
 <p:sld xmlns:a="http://schemas.openxmlformats.org/drawingml/2006/main" xmlns:r="http://schemas.openxmlformats.org/officeDocument/2006/relationships" xmlns:p="http://schemas.openxmlformats.org/presentationml/2006/main">
   <p:cSld>
     <p:spTree>
@@ -12989,7 +16006,7 @@
 </p:sld>
 </file>
 
-<file path=ppt/slides/slide11.xml><?xml version="1.0" encoding="utf-8"?>
+<file path=ppt/slides/slide13.xml><?xml version="1.0" encoding="utf-8"?>
 <p:sld xmlns:a="http://schemas.openxmlformats.org/drawingml/2006/main" xmlns:r="http://schemas.openxmlformats.org/officeDocument/2006/relationships" xmlns:p="http://schemas.openxmlformats.org/presentationml/2006/main">
   <p:cSld>
     <p:spTree>
@@ -14473,7 +17490,7 @@
 </p:sld>
 </file>
 
-<file path=ppt/slides/slide12.xml><?xml version="1.0" encoding="utf-8"?>
+<file path=ppt/slides/slide14.xml><?xml version="1.0" encoding="utf-8"?>
 <p:sld xmlns:a="http://schemas.openxmlformats.org/drawingml/2006/main" xmlns:r="http://schemas.openxmlformats.org/officeDocument/2006/relationships" xmlns:p="http://schemas.openxmlformats.org/presentationml/2006/main">
   <p:cSld>
     <p:spTree>
@@ -16595,7 +19612,7 @@
 </p:sld>
 </file>
 
-<file path=ppt/slides/slide13.xml><?xml version="1.0" encoding="utf-8"?>
+<file path=ppt/slides/slide15.xml><?xml version="1.0" encoding="utf-8"?>
 <p:sld xmlns:a="http://schemas.openxmlformats.org/drawingml/2006/main" xmlns:r="http://schemas.openxmlformats.org/officeDocument/2006/relationships" xmlns:p="http://schemas.openxmlformats.org/presentationml/2006/main">
   <p:cSld>
     <p:spTree>
@@ -17454,7 +20471,7 @@
 </p:sld>
 </file>
 
-<file path=ppt/slides/slide14.xml><?xml version="1.0" encoding="utf-8"?>
+<file path=ppt/slides/slide16.xml><?xml version="1.0" encoding="utf-8"?>
 <p:sld xmlns:a="http://schemas.openxmlformats.org/drawingml/2006/main" xmlns:r="http://schemas.openxmlformats.org/officeDocument/2006/relationships" xmlns:p="http://schemas.openxmlformats.org/presentationml/2006/main">
   <p:cSld>
     <p:spTree>
@@ -18369,7 +21386,7 @@
 </p:sld>
 </file>
 
-<file path=ppt/slides/slide15.xml><?xml version="1.0" encoding="utf-8"?>
+<file path=ppt/slides/slide17.xml><?xml version="1.0" encoding="utf-8"?>
 <p:sld xmlns:a="http://schemas.openxmlformats.org/drawingml/2006/main" xmlns:r="http://schemas.openxmlformats.org/officeDocument/2006/relationships" xmlns:p="http://schemas.openxmlformats.org/presentationml/2006/main">
   <p:cSld>
     <p:spTree>
@@ -19814,7 +22831,1574 @@
 </p:sld>
 </file>
 
-<file path=ppt/slides/slide16.xml><?xml version="1.0" encoding="utf-8"?>
+<file path=ppt/slides/slide18.xml><?xml version="1.0" encoding="utf-8"?>
+<p:sld xmlns:a="http://schemas.openxmlformats.org/drawingml/2006/main" xmlns:r="http://schemas.openxmlformats.org/officeDocument/2006/relationships" xmlns:p="http://schemas.openxmlformats.org/presentationml/2006/main">
+  <p:cSld>
+    <p:spTree>
+      <p:nvGrpSpPr>
+        <p:cNvPr id="1" name=""/>
+        <p:cNvGrpSpPr/>
+        <p:nvPr/>
+      </p:nvGrpSpPr>
+      <p:grpSpPr>
+        <a:xfrm>
+          <a:off x="0" y="0"/>
+          <a:ext cx="0" cy="0"/>
+          <a:chOff x="0" y="0"/>
+          <a:chExt cx="0" cy="0"/>
+        </a:xfrm>
+      </p:grpSpPr>
+      <mc:AlternateContent xmlns:mc="http://schemas.openxmlformats.org/markup-compatibility/2006">
+        <mc:Choice xmlns:a14="http://schemas.microsoft.com/office/drawing/2010/main" Requires="a14">
+          <p:sp>
+            <p:nvSpPr>
+              <p:cNvPr id="2" name="TextBox 1"/>
+              <p:cNvSpPr txBox="1"/>
+              <p:nvPr/>
+            </p:nvSpPr>
+            <p:spPr>
+              <a:xfrm>
+                <a:off x="836320" y="98490"/>
+                <a:ext cx="5463872" cy="646331"/>
+              </a:xfrm>
+              <a:prstGeom prst="rect">
+                <a:avLst/>
+              </a:prstGeom>
+              <a:noFill/>
+            </p:spPr>
+            <p:txBody>
+              <a:bodyPr wrap="square" rtlCol="0">
+                <a:spAutoFit/>
+              </a:bodyPr>
+              <a:lstStyle/>
+              <a:p>
+                <a:r>
+                  <a:rPr lang="en-GB" sz="3600" dirty="0" smtClean="0"/>
+                  <a:t>Scalability of </a:t>
+                </a:r>
+                <a14:m>
+                  <m:oMath xmlns:m="http://schemas.openxmlformats.org/officeDocument/2006/math">
+                    <m:r>
+                      <m:rPr>
+                        <m:sty m:val="p"/>
+                      </m:rPr>
+                      <a:rPr lang="en-GB" sz="3600" b="0" i="0" smtClean="0">
+                        <a:latin typeface="Cambria Math"/>
+                      </a:rPr>
+                      <m:t>Φ</m:t>
+                    </m:r>
+                  </m:oMath>
+                </a14:m>
+                <a:endParaRPr lang="en-GB" sz="3600" dirty="0"/>
+              </a:p>
+            </p:txBody>
+          </p:sp>
+        </mc:Choice>
+        <mc:Fallback>
+          <p:sp>
+            <p:nvSpPr>
+              <p:cNvPr id="2" name="TextBox 1"/>
+              <p:cNvSpPr txBox="1">
+                <a:spLocks noRot="1" noChangeAspect="1" noMove="1" noResize="1" noEditPoints="1" noAdjustHandles="1" noChangeArrowheads="1" noChangeShapeType="1" noTextEdit="1"/>
+              </p:cNvSpPr>
+              <p:nvPr/>
+            </p:nvSpPr>
+            <p:spPr>
+              <a:xfrm>
+                <a:off x="836320" y="98490"/>
+                <a:ext cx="5463872" cy="646331"/>
+              </a:xfrm>
+              <a:prstGeom prst="rect">
+                <a:avLst/>
+              </a:prstGeom>
+              <a:blipFill rotWithShape="1">
+                <a:blip r:embed="rId2"/>
+                <a:stretch>
+                  <a:fillRect l="-3348" t="-14151" b="-34906"/>
+                </a:stretch>
+              </a:blipFill>
+            </p:spPr>
+            <p:txBody>
+              <a:bodyPr/>
+              <a:lstStyle/>
+              <a:p>
+                <a:r>
+                  <a:rPr lang="en-GB">
+                    <a:noFill/>
+                  </a:rPr>
+                  <a:t> </a:t>
+                </a:r>
+              </a:p>
+            </p:txBody>
+          </p:sp>
+        </mc:Fallback>
+      </mc:AlternateContent>
+      <mc:AlternateContent xmlns:mc="http://schemas.openxmlformats.org/markup-compatibility/2006">
+        <mc:Choice xmlns:a14="http://schemas.microsoft.com/office/drawing/2010/main" Requires="a14">
+          <p:sp>
+            <p:nvSpPr>
+              <p:cNvPr id="3" name="TextBox 2"/>
+              <p:cNvSpPr txBox="1"/>
+              <p:nvPr/>
+            </p:nvSpPr>
+            <p:spPr>
+              <a:xfrm>
+                <a:off x="1043608" y="980728"/>
+                <a:ext cx="7776864" cy="3140732"/>
+              </a:xfrm>
+              <a:prstGeom prst="rect">
+                <a:avLst/>
+              </a:prstGeom>
+              <a:noFill/>
+            </p:spPr>
+            <p:txBody>
+              <a:bodyPr wrap="square" rtlCol="0">
+                <a:spAutoFit/>
+              </a:bodyPr>
+              <a:lstStyle/>
+              <a:p>
+                <a:pPr marL="342900" indent="-342900">
+                  <a:buFont typeface="+mj-lt"/>
+                  <a:buAutoNum type="arabicPeriod"/>
+                </a:pPr>
+                <a:endParaRPr lang="en-GB" dirty="0" smtClean="0"/>
+              </a:p>
+              <a:p>
+                <a:pPr marL="342900" indent="-342900">
+                  <a:buFont typeface="+mj-lt"/>
+                  <a:buAutoNum type="arabicPeriod"/>
+                </a:pPr>
+                <a:endParaRPr lang="en-GB" dirty="0"/>
+              </a:p>
+              <a:p>
+                <a:pPr marL="342900" indent="-342900">
+                  <a:buFont typeface="+mj-lt"/>
+                  <a:buAutoNum type="arabicPeriod"/>
+                </a:pPr>
+                <a:r>
+                  <a:rPr lang="en-GB" dirty="0" smtClean="0"/>
+                  <a:t>If we have </a:t>
+                </a:r>
+                <a14:m>
+                  <m:oMath xmlns:m="http://schemas.openxmlformats.org/officeDocument/2006/math">
+                    <m:r>
+                      <a:rPr lang="en-GB" b="0" i="1" smtClean="0">
+                        <a:latin typeface="Cambria Math"/>
+                      </a:rPr>
+                      <m:t>𝑛</m:t>
+                    </m:r>
+                  </m:oMath>
+                </a14:m>
+                <a:r>
+                  <a:rPr lang="en-GB" dirty="0" smtClean="0"/>
+                  <a:t> nodes, it follows that there are </a:t>
+                </a:r>
+                <a14:m>
+                  <m:oMath xmlns:m="http://schemas.openxmlformats.org/officeDocument/2006/math">
+                    <m:sSup>
+                      <m:sSupPr>
+                        <m:ctrlPr>
+                          <a:rPr lang="en-GB" i="1" smtClean="0">
+                            <a:latin typeface="Cambria Math"/>
+                          </a:rPr>
+                        </m:ctrlPr>
+                      </m:sSupPr>
+                      <m:e>
+                        <m:r>
+                          <a:rPr lang="en-GB" b="0" i="1" smtClean="0">
+                            <a:latin typeface="Cambria Math"/>
+                          </a:rPr>
+                          <m:t>2</m:t>
+                        </m:r>
+                      </m:e>
+                      <m:sup>
+                        <m:r>
+                          <a:rPr lang="en-GB" b="0" i="1" smtClean="0">
+                            <a:latin typeface="Cambria Math"/>
+                          </a:rPr>
+                          <m:t>𝑛</m:t>
+                        </m:r>
+                      </m:sup>
+                    </m:sSup>
+                  </m:oMath>
+                </a14:m>
+                <a:r>
+                  <a:rPr lang="en-GB" dirty="0" smtClean="0"/>
+                  <a:t> states.</a:t>
+                </a:r>
+              </a:p>
+              <a:p>
+                <a:pPr marL="342900" indent="-342900">
+                  <a:buFont typeface="+mj-lt"/>
+                  <a:buAutoNum type="arabicPeriod"/>
+                </a:pPr>
+                <a:r>
+                  <a:rPr lang="en-GB" dirty="0" smtClean="0"/>
+                  <a:t>Each computation of a Distance will take at least </a:t>
+                </a:r>
+                <a14:m>
+                  <m:oMath xmlns:m="http://schemas.openxmlformats.org/officeDocument/2006/math">
+                    <m:r>
+                      <a:rPr lang="en-GB" b="0" i="1" smtClean="0">
+                        <a:latin typeface="Cambria Math"/>
+                      </a:rPr>
+                      <m:t>𝑂</m:t>
+                    </m:r>
+                    <m:r>
+                      <a:rPr lang="en-GB" b="0" i="1" smtClean="0">
+                        <a:latin typeface="Cambria Math"/>
+                      </a:rPr>
+                      <m:t>(</m:t>
+                    </m:r>
+                    <m:sSup>
+                      <m:sSupPr>
+                        <m:ctrlPr>
+                          <a:rPr lang="en-GB" b="0" i="1" smtClean="0">
+                            <a:latin typeface="Cambria Math"/>
+                          </a:rPr>
+                        </m:ctrlPr>
+                      </m:sSupPr>
+                      <m:e>
+                        <m:r>
+                          <a:rPr lang="en-GB" b="0" i="1" smtClean="0">
+                            <a:latin typeface="Cambria Math"/>
+                          </a:rPr>
+                          <m:t>2</m:t>
+                        </m:r>
+                      </m:e>
+                      <m:sup>
+                        <m:r>
+                          <a:rPr lang="en-GB" b="0" i="1" smtClean="0">
+                            <a:latin typeface="Cambria Math"/>
+                          </a:rPr>
+                          <m:t>𝑛</m:t>
+                        </m:r>
+                      </m:sup>
+                    </m:sSup>
+                    <m:r>
+                      <a:rPr lang="en-GB" b="0" i="1" smtClean="0">
+                        <a:latin typeface="Cambria Math"/>
+                      </a:rPr>
+                      <m:t>)</m:t>
+                    </m:r>
+                  </m:oMath>
+                </a14:m>
+                <a:r>
+                  <a:rPr lang="en-GB" dirty="0" smtClean="0"/>
+                  <a:t> calculations.</a:t>
+                </a:r>
+              </a:p>
+              <a:p>
+                <a:pPr marL="342900" indent="-342900">
+                  <a:buFont typeface="+mj-lt"/>
+                  <a:buAutoNum type="arabicPeriod"/>
+                </a:pPr>
+                <a:r>
+                  <a:rPr lang="en-GB" dirty="0" smtClean="0"/>
+                  <a:t>Assuming no repetition, </a:t>
+                </a:r>
+                <a14:m>
+                  <m:oMath xmlns:m="http://schemas.openxmlformats.org/officeDocument/2006/math">
+                    <m:sSup>
+                      <m:sSupPr>
+                        <m:ctrlPr>
+                          <a:rPr lang="en-GB" i="1">
+                            <a:latin typeface="Cambria Math"/>
+                          </a:rPr>
+                        </m:ctrlPr>
+                      </m:sSupPr>
+                      <m:e>
+                        <m:r>
+                          <a:rPr lang="en-GB" i="1">
+                            <a:latin typeface="Cambria Math"/>
+                          </a:rPr>
+                          <m:t>𝜑</m:t>
+                        </m:r>
+                      </m:e>
+                      <m:sup>
+                        <m:r>
+                          <a:rPr lang="en-GB" i="1">
+                            <a:latin typeface="Cambria Math"/>
+                          </a:rPr>
+                          <m:t>𝑀</m:t>
+                        </m:r>
+                        <m:r>
+                          <a:rPr lang="en-GB" b="0" i="1" smtClean="0">
+                            <a:latin typeface="Cambria Math"/>
+                          </a:rPr>
+                          <m:t>𝐴𝑋</m:t>
+                        </m:r>
+                      </m:sup>
+                    </m:sSup>
+                  </m:oMath>
+                </a14:m>
+                <a:r>
+                  <a:rPr lang="en-GB" dirty="0" smtClean="0"/>
+                  <a:t> will comparing all possible pairs of elements from the power set. Thus </a:t>
+                </a:r>
+                <a14:m>
+                  <m:oMath xmlns:m="http://schemas.openxmlformats.org/officeDocument/2006/math">
+                    <m:r>
+                      <a:rPr lang="en-GB" b="0" i="1" smtClean="0">
+                        <a:latin typeface="Cambria Math"/>
+                      </a:rPr>
+                      <m:t>𝑂</m:t>
+                    </m:r>
+                    <m:d>
+                      <m:dPr>
+                        <m:ctrlPr>
+                          <a:rPr lang="en-GB" b="0" i="1" smtClean="0">
+                            <a:latin typeface="Cambria Math"/>
+                          </a:rPr>
+                        </m:ctrlPr>
+                      </m:dPr>
+                      <m:e>
+                        <m:sSup>
+                          <m:sSupPr>
+                            <m:ctrlPr>
+                              <a:rPr lang="en-GB" b="0" i="1" smtClean="0">
+                                <a:latin typeface="Cambria Math"/>
+                              </a:rPr>
+                            </m:ctrlPr>
+                          </m:sSupPr>
+                          <m:e>
+                            <m:r>
+                              <a:rPr lang="en-GB" b="0" i="1" smtClean="0">
+                                <a:latin typeface="Cambria Math"/>
+                              </a:rPr>
+                              <m:t>2</m:t>
+                            </m:r>
+                          </m:e>
+                          <m:sup>
+                            <m:r>
+                              <a:rPr lang="en-GB" b="0" i="1" smtClean="0">
+                                <a:latin typeface="Cambria Math"/>
+                              </a:rPr>
+                              <m:t>2</m:t>
+                            </m:r>
+                            <m:r>
+                              <a:rPr lang="en-GB" b="0" i="1" smtClean="0">
+                                <a:latin typeface="Cambria Math"/>
+                              </a:rPr>
+                              <m:t>𝑛</m:t>
+                            </m:r>
+                          </m:sup>
+                        </m:sSup>
+                      </m:e>
+                    </m:d>
+                  </m:oMath>
+                </a14:m>
+                <a:r>
+                  <a:rPr lang="en-GB" dirty="0" smtClean="0"/>
+                  <a:t> such comparisons are required, each of which involves computing a distance.</a:t>
+                </a:r>
+              </a:p>
+              <a:p>
+                <a:pPr marL="342900" indent="-342900">
+                  <a:buFont typeface="+mj-lt"/>
+                  <a:buAutoNum type="arabicPeriod"/>
+                </a:pPr>
+                <a:r>
+                  <a:rPr lang="en-GB" dirty="0" smtClean="0"/>
+                  <a:t> </a:t>
+                </a:r>
+                <a14:m>
+                  <m:oMath xmlns:m="http://schemas.openxmlformats.org/officeDocument/2006/math">
+                    <m:sSup>
+                      <m:sSupPr>
+                        <m:ctrlPr>
+                          <a:rPr lang="en-GB" i="1">
+                            <a:latin typeface="Cambria Math"/>
+                          </a:rPr>
+                        </m:ctrlPr>
+                      </m:sSupPr>
+                      <m:e>
+                        <m:r>
+                          <a:rPr lang="en-GB" i="1">
+                            <a:latin typeface="Cambria Math"/>
+                          </a:rPr>
+                          <m:t>𝜑</m:t>
+                        </m:r>
+                      </m:e>
+                      <m:sup>
+                        <m:r>
+                          <a:rPr lang="en-GB" i="1">
+                            <a:latin typeface="Cambria Math"/>
+                          </a:rPr>
+                          <m:t>𝑀</m:t>
+                        </m:r>
+                        <m:r>
+                          <a:rPr lang="en-GB" i="1">
+                            <a:latin typeface="Cambria Math"/>
+                          </a:rPr>
+                          <m:t>𝐴𝑋</m:t>
+                        </m:r>
+                      </m:sup>
+                    </m:sSup>
+                  </m:oMath>
+                </a14:m>
+                <a:r>
+                  <a:rPr lang="en-GB" dirty="0" smtClean="0"/>
+                  <a:t> needs to be computed for each element of the power set in order to compute </a:t>
+                </a:r>
+                <a14:m>
+                  <m:oMath xmlns:m="http://schemas.openxmlformats.org/officeDocument/2006/math">
+                    <m:r>
+                      <m:rPr>
+                        <m:sty m:val="p"/>
+                      </m:rPr>
+                      <a:rPr lang="en-GB" b="0" i="0" smtClean="0">
+                        <a:latin typeface="Cambria Math"/>
+                      </a:rPr>
+                      <m:t>Φ</m:t>
+                    </m:r>
+                  </m:oMath>
+                </a14:m>
+                <a:r>
+                  <a:rPr lang="en-GB" dirty="0" smtClean="0"/>
+                  <a:t>. Hence another </a:t>
+                </a:r>
+                <a14:m>
+                  <m:oMath xmlns:m="http://schemas.openxmlformats.org/officeDocument/2006/math">
+                    <m:r>
+                      <a:rPr lang="en-GB" i="1">
+                        <a:latin typeface="Cambria Math"/>
+                      </a:rPr>
+                      <m:t>𝑂</m:t>
+                    </m:r>
+                    <m:r>
+                      <a:rPr lang="en-GB" i="1">
+                        <a:latin typeface="Cambria Math"/>
+                      </a:rPr>
+                      <m:t>(</m:t>
+                    </m:r>
+                    <m:sSup>
+                      <m:sSupPr>
+                        <m:ctrlPr>
+                          <a:rPr lang="en-GB" i="1">
+                            <a:latin typeface="Cambria Math"/>
+                          </a:rPr>
+                        </m:ctrlPr>
+                      </m:sSupPr>
+                      <m:e>
+                        <m:r>
+                          <a:rPr lang="en-GB" i="1">
+                            <a:latin typeface="Cambria Math"/>
+                          </a:rPr>
+                          <m:t>2</m:t>
+                        </m:r>
+                      </m:e>
+                      <m:sup>
+                        <m:r>
+                          <a:rPr lang="en-GB" i="1">
+                            <a:latin typeface="Cambria Math"/>
+                          </a:rPr>
+                          <m:t>𝑛</m:t>
+                        </m:r>
+                      </m:sup>
+                    </m:sSup>
+                    <m:r>
+                      <a:rPr lang="en-GB" i="1">
+                        <a:latin typeface="Cambria Math"/>
+                      </a:rPr>
+                      <m:t>)</m:t>
+                    </m:r>
+                  </m:oMath>
+                </a14:m>
+                <a:r>
+                  <a:rPr lang="en-GB" dirty="0" smtClean="0"/>
+                  <a:t> are required.</a:t>
+                </a:r>
+              </a:p>
+              <a:p>
+                <a:pPr marL="342900" indent="-342900">
+                  <a:buFont typeface="+mj-lt"/>
+                  <a:buAutoNum type="arabicPeriod"/>
+                </a:pPr>
+                <a:r>
+                  <a:rPr lang="en-GB" dirty="0" smtClean="0"/>
+                  <a:t>To identify a complex, we need to compute </a:t>
+                </a:r>
+                <a14:m>
+                  <m:oMath xmlns:m="http://schemas.openxmlformats.org/officeDocument/2006/math">
+                    <m:r>
+                      <m:rPr>
+                        <m:sty m:val="p"/>
+                      </m:rPr>
+                      <a:rPr lang="en-GB">
+                        <a:latin typeface="Cambria Math"/>
+                      </a:rPr>
+                      <m:t>Φ</m:t>
+                    </m:r>
+                  </m:oMath>
+                </a14:m>
+                <a:r>
+                  <a:rPr lang="en-GB" dirty="0" smtClean="0"/>
+                  <a:t> for all possible 1 directional partitions. This will require at least </a:t>
+                </a:r>
+                <a14:m>
+                  <m:oMath xmlns:m="http://schemas.openxmlformats.org/officeDocument/2006/math">
+                    <m:r>
+                      <a:rPr lang="en-GB" i="1">
+                        <a:latin typeface="Cambria Math"/>
+                      </a:rPr>
+                      <m:t>𝑂</m:t>
+                    </m:r>
+                    <m:d>
+                      <m:dPr>
+                        <m:ctrlPr>
+                          <a:rPr lang="en-GB" i="1">
+                            <a:latin typeface="Cambria Math"/>
+                          </a:rPr>
+                        </m:ctrlPr>
+                      </m:dPr>
+                      <m:e>
+                        <m:sSup>
+                          <m:sSupPr>
+                            <m:ctrlPr>
+                              <a:rPr lang="en-GB" i="1">
+                                <a:latin typeface="Cambria Math"/>
+                              </a:rPr>
+                            </m:ctrlPr>
+                          </m:sSupPr>
+                          <m:e>
+                            <m:r>
+                              <a:rPr lang="en-GB" i="1">
+                                <a:latin typeface="Cambria Math"/>
+                              </a:rPr>
+                              <m:t>2</m:t>
+                            </m:r>
+                          </m:e>
+                          <m:sup>
+                            <m:r>
+                              <a:rPr lang="en-GB" i="1">
+                                <a:latin typeface="Cambria Math"/>
+                              </a:rPr>
+                              <m:t>2</m:t>
+                            </m:r>
+                            <m:r>
+                              <a:rPr lang="en-GB" i="1">
+                                <a:latin typeface="Cambria Math"/>
+                              </a:rPr>
+                              <m:t>𝑛</m:t>
+                            </m:r>
+                          </m:sup>
+                        </m:sSup>
+                      </m:e>
+                    </m:d>
+                  </m:oMath>
+                </a14:m>
+                <a:r>
+                  <a:rPr lang="en-GB" dirty="0"/>
+                  <a:t> </a:t>
+                </a:r>
+                <a:r>
+                  <a:rPr lang="en-GB" dirty="0" smtClean="0"/>
+                  <a:t>calculations of </a:t>
+                </a:r>
+                <a14:m>
+                  <m:oMath xmlns:m="http://schemas.openxmlformats.org/officeDocument/2006/math">
+                    <m:r>
+                      <m:rPr>
+                        <m:sty m:val="p"/>
+                      </m:rPr>
+                      <a:rPr lang="en-GB">
+                        <a:latin typeface="Cambria Math"/>
+                      </a:rPr>
+                      <m:t>Φ</m:t>
+                    </m:r>
+                    <m:r>
+                      <a:rPr lang="en-GB" b="0" i="0" smtClean="0">
+                        <a:latin typeface="Cambria Math"/>
+                      </a:rPr>
+                      <m:t>.</m:t>
+                    </m:r>
+                  </m:oMath>
+                </a14:m>
+                <a:endParaRPr lang="en-GB" dirty="0"/>
+              </a:p>
+            </p:txBody>
+          </p:sp>
+        </mc:Choice>
+        <mc:Fallback>
+          <p:sp>
+            <p:nvSpPr>
+              <p:cNvPr id="3" name="TextBox 2"/>
+              <p:cNvSpPr txBox="1">
+                <a:spLocks noRot="1" noChangeAspect="1" noMove="1" noResize="1" noEditPoints="1" noAdjustHandles="1" noChangeArrowheads="1" noChangeShapeType="1" noTextEdit="1"/>
+              </p:cNvSpPr>
+              <p:nvPr/>
+            </p:nvSpPr>
+            <p:spPr>
+              <a:xfrm>
+                <a:off x="1043608" y="980728"/>
+                <a:ext cx="7776864" cy="3140732"/>
+              </a:xfrm>
+              <a:prstGeom prst="rect">
+                <a:avLst/>
+              </a:prstGeom>
+              <a:blipFill rotWithShape="1">
+                <a:blip r:embed="rId3"/>
+                <a:stretch>
+                  <a:fillRect l="-627" b="-2330"/>
+                </a:stretch>
+              </a:blipFill>
+            </p:spPr>
+            <p:txBody>
+              <a:bodyPr/>
+              <a:lstStyle/>
+              <a:p>
+                <a:r>
+                  <a:rPr lang="en-GB">
+                    <a:noFill/>
+                  </a:rPr>
+                  <a:t> </a:t>
+                </a:r>
+              </a:p>
+            </p:txBody>
+          </p:sp>
+        </mc:Fallback>
+      </mc:AlternateContent>
+      <mc:AlternateContent xmlns:mc="http://schemas.openxmlformats.org/markup-compatibility/2006">
+        <mc:Choice xmlns:a14="http://schemas.microsoft.com/office/drawing/2010/main" Requires="a14">
+          <p:sp>
+            <p:nvSpPr>
+              <p:cNvPr id="4" name="TextBox 3"/>
+              <p:cNvSpPr txBox="1"/>
+              <p:nvPr/>
+            </p:nvSpPr>
+            <p:spPr>
+              <a:xfrm>
+                <a:off x="1547664" y="4728988"/>
+                <a:ext cx="6336704" cy="439736"/>
+              </a:xfrm>
+              <a:prstGeom prst="rect">
+                <a:avLst/>
+              </a:prstGeom>
+              <a:noFill/>
+            </p:spPr>
+            <p:txBody>
+              <a:bodyPr wrap="square" rtlCol="0">
+                <a:spAutoFit/>
+              </a:bodyPr>
+              <a:lstStyle/>
+              <a:p>
+                <a:r>
+                  <a:rPr lang="en-GB" sz="2000" b="1" dirty="0" smtClean="0"/>
+                  <a:t>Hence we estimate </a:t>
+                </a:r>
+                <a14:m>
+                  <m:oMath xmlns:m="http://schemas.openxmlformats.org/officeDocument/2006/math">
+                    <m:r>
+                      <a:rPr lang="en-GB" sz="2000" b="1" i="1">
+                        <a:latin typeface="Cambria Math"/>
+                      </a:rPr>
+                      <m:t>𝚽</m:t>
+                    </m:r>
+                  </m:oMath>
+                </a14:m>
+                <a:r>
+                  <a:rPr lang="en-GB" sz="2000" b="1" dirty="0" smtClean="0"/>
+                  <a:t> scales with at least  </a:t>
+                </a:r>
+                <a14:m>
+                  <m:oMath xmlns:m="http://schemas.openxmlformats.org/officeDocument/2006/math">
+                    <m:r>
+                      <a:rPr lang="en-GB" sz="2000" b="1" i="1" smtClean="0">
+                        <a:latin typeface="Cambria Math"/>
+                      </a:rPr>
+                      <m:t>𝑶</m:t>
+                    </m:r>
+                    <m:d>
+                      <m:dPr>
+                        <m:ctrlPr>
+                          <a:rPr lang="en-GB" sz="2000" b="1" i="1" smtClean="0">
+                            <a:latin typeface="Cambria Math"/>
+                          </a:rPr>
+                        </m:ctrlPr>
+                      </m:dPr>
+                      <m:e>
+                        <m:sSup>
+                          <m:sSupPr>
+                            <m:ctrlPr>
+                              <a:rPr lang="en-GB" sz="2000" b="1" i="1">
+                                <a:latin typeface="Cambria Math"/>
+                              </a:rPr>
+                            </m:ctrlPr>
+                          </m:sSupPr>
+                          <m:e>
+                            <m:r>
+                              <a:rPr lang="en-GB" sz="2000" b="1" i="1">
+                                <a:latin typeface="Cambria Math"/>
+                              </a:rPr>
+                              <m:t>𝟐</m:t>
+                            </m:r>
+                          </m:e>
+                          <m:sup>
+                            <m:r>
+                              <a:rPr lang="en-GB" sz="2000" b="1" i="1">
+                                <a:latin typeface="Cambria Math"/>
+                              </a:rPr>
+                              <m:t>𝟔</m:t>
+                            </m:r>
+                            <m:r>
+                              <a:rPr lang="en-GB" sz="2000" b="1" i="1">
+                                <a:latin typeface="Cambria Math"/>
+                              </a:rPr>
+                              <m:t>𝒏</m:t>
+                            </m:r>
+                          </m:sup>
+                        </m:sSup>
+                      </m:e>
+                    </m:d>
+                  </m:oMath>
+                </a14:m>
+                <a:r>
+                  <a:rPr lang="en-GB" sz="2000" b="1" dirty="0" smtClean="0"/>
+                  <a:t>.</a:t>
+                </a:r>
+                <a:endParaRPr lang="en-GB" sz="2000" b="1" dirty="0"/>
+              </a:p>
+            </p:txBody>
+          </p:sp>
+        </mc:Choice>
+        <mc:Fallback>
+          <p:sp>
+            <p:nvSpPr>
+              <p:cNvPr id="4" name="TextBox 3"/>
+              <p:cNvSpPr txBox="1">
+                <a:spLocks noRot="1" noChangeAspect="1" noMove="1" noResize="1" noEditPoints="1" noAdjustHandles="1" noChangeArrowheads="1" noChangeShapeType="1" noTextEdit="1"/>
+              </p:cNvSpPr>
+              <p:nvPr/>
+            </p:nvSpPr>
+            <p:spPr>
+              <a:xfrm>
+                <a:off x="1547664" y="4728988"/>
+                <a:ext cx="6336704" cy="439736"/>
+              </a:xfrm>
+              <a:prstGeom prst="rect">
+                <a:avLst/>
+              </a:prstGeom>
+              <a:blipFill rotWithShape="1">
+                <a:blip r:embed="rId4"/>
+                <a:stretch>
+                  <a:fillRect l="-1059" t="-1389" b="-20833"/>
+                </a:stretch>
+              </a:blipFill>
+            </p:spPr>
+            <p:txBody>
+              <a:bodyPr/>
+              <a:lstStyle/>
+              <a:p>
+                <a:r>
+                  <a:rPr lang="en-GB">
+                    <a:noFill/>
+                  </a:rPr>
+                  <a:t> </a:t>
+                </a:r>
+              </a:p>
+            </p:txBody>
+          </p:sp>
+        </mc:Fallback>
+      </mc:AlternateContent>
+    </p:spTree>
+    <p:extLst>
+      <p:ext uri="{BB962C8B-B14F-4D97-AF65-F5344CB8AC3E}">
+        <p14:creationId xmlns:p14="http://schemas.microsoft.com/office/powerpoint/2010/main" val="3476285603"/>
+      </p:ext>
+    </p:extLst>
+  </p:cSld>
+  <p:clrMapOvr>
+    <a:masterClrMapping/>
+  </p:clrMapOvr>
+  <p:timing>
+    <p:tnLst>
+      <p:par>
+        <p:cTn id="1" dur="indefinite" restart="never" nodeType="tmRoot">
+          <p:childTnLst>
+            <p:seq concurrent="1" nextAc="seek">
+              <p:cTn id="2" dur="indefinite" nodeType="mainSeq">
+                <p:childTnLst>
+                  <p:par>
+                    <p:cTn id="3" fill="hold">
+                      <p:stCondLst>
+                        <p:cond delay="indefinite"/>
+                      </p:stCondLst>
+                      <p:childTnLst>
+                        <p:par>
+                          <p:cTn id="4" fill="hold">
+                            <p:stCondLst>
+                              <p:cond delay="0"/>
+                            </p:stCondLst>
+                            <p:childTnLst>
+                              <p:par>
+                                <p:cTn id="5" presetID="1" presetClass="entr" presetSubtype="0" fill="hold" grpId="0" nodeType="clickEffect">
+                                  <p:stCondLst>
+                                    <p:cond delay="0"/>
+                                  </p:stCondLst>
+                                  <p:childTnLst>
+                                    <p:set>
+                                      <p:cBhvr>
+                                        <p:cTn id="6" dur="1" fill="hold">
+                                          <p:stCondLst>
+                                            <p:cond delay="0"/>
+                                          </p:stCondLst>
+                                        </p:cTn>
+                                        <p:tgtEl>
+                                          <p:spTgt spid="4"/>
+                                        </p:tgtEl>
+                                        <p:attrNameLst>
+                                          <p:attrName>style.visibility</p:attrName>
+                                        </p:attrNameLst>
+                                      </p:cBhvr>
+                                      <p:to>
+                                        <p:strVal val="visible"/>
+                                      </p:to>
+                                    </p:set>
+                                  </p:childTnLst>
+                                </p:cTn>
+                              </p:par>
+                            </p:childTnLst>
+                          </p:cTn>
+                        </p:par>
+                      </p:childTnLst>
+                    </p:cTn>
+                  </p:par>
+                </p:childTnLst>
+              </p:cTn>
+              <p:prevCondLst>
+                <p:cond evt="onPrev" delay="0">
+                  <p:tgtEl>
+                    <p:sldTgt/>
+                  </p:tgtEl>
+                </p:cond>
+              </p:prevCondLst>
+              <p:nextCondLst>
+                <p:cond evt="onNext" delay="0">
+                  <p:tgtEl>
+                    <p:sldTgt/>
+                  </p:tgtEl>
+                </p:cond>
+              </p:nextCondLst>
+            </p:seq>
+          </p:childTnLst>
+        </p:cTn>
+      </p:par>
+    </p:tnLst>
+    <p:bldLst>
+      <p:bldP spid="4" grpId="0"/>
+    </p:bldLst>
+  </p:timing>
+</p:sld>
+</file>
+
+<file path=ppt/slides/slide19.xml><?xml version="1.0" encoding="utf-8"?>
+<p:sld xmlns:a="http://schemas.openxmlformats.org/drawingml/2006/main" xmlns:r="http://schemas.openxmlformats.org/officeDocument/2006/relationships" xmlns:p="http://schemas.openxmlformats.org/presentationml/2006/main">
+  <p:cSld>
+    <p:spTree>
+      <p:nvGrpSpPr>
+        <p:cNvPr id="1" name=""/>
+        <p:cNvGrpSpPr/>
+        <p:nvPr/>
+      </p:nvGrpSpPr>
+      <p:grpSpPr>
+        <a:xfrm>
+          <a:off x="0" y="0"/>
+          <a:ext cx="0" cy="0"/>
+          <a:chOff x="0" y="0"/>
+          <a:chExt cx="0" cy="0"/>
+        </a:xfrm>
+      </p:grpSpPr>
+      <p:sp>
+        <p:nvSpPr>
+          <p:cNvPr id="2" name="TextBox 1"/>
+          <p:cNvSpPr txBox="1"/>
+          <p:nvPr/>
+        </p:nvSpPr>
+        <p:spPr>
+          <a:xfrm>
+            <a:off x="836320" y="98490"/>
+            <a:ext cx="5463872" cy="646331"/>
+          </a:xfrm>
+          <a:prstGeom prst="rect">
+            <a:avLst/>
+          </a:prstGeom>
+          <a:noFill/>
+        </p:spPr>
+        <p:txBody>
+          <a:bodyPr wrap="square" rtlCol="0">
+            <a:spAutoFit/>
+          </a:bodyPr>
+          <a:lstStyle/>
+          <a:p>
+            <a:r>
+              <a:rPr lang="en-GB" sz="3600" dirty="0" smtClean="0"/>
+              <a:t>Conclusions</a:t>
+            </a:r>
+            <a:endParaRPr lang="en-GB" sz="3600" dirty="0"/>
+          </a:p>
+        </p:txBody>
+      </p:sp>
+    </p:spTree>
+    <p:extLst>
+      <p:ext uri="{BB962C8B-B14F-4D97-AF65-F5344CB8AC3E}">
+        <p14:creationId xmlns:p14="http://schemas.microsoft.com/office/powerpoint/2010/main" val="3163845532"/>
+      </p:ext>
+    </p:extLst>
+  </p:cSld>
+  <p:clrMapOvr>
+    <a:masterClrMapping/>
+  </p:clrMapOvr>
+  <p:timing>
+    <p:tnLst>
+      <p:par>
+        <p:cTn id="1" dur="indefinite" restart="never" nodeType="tmRoot"/>
+      </p:par>
+    </p:tnLst>
+  </p:timing>
+</p:sld>
+</file>
+
+<file path=ppt/slides/slide2.xml><?xml version="1.0" encoding="utf-8"?>
+<p:sld xmlns:a="http://schemas.openxmlformats.org/drawingml/2006/main" xmlns:r="http://schemas.openxmlformats.org/officeDocument/2006/relationships" xmlns:p="http://schemas.openxmlformats.org/presentationml/2006/main">
+  <p:cSld>
+    <p:spTree>
+      <p:nvGrpSpPr>
+        <p:cNvPr id="1" name=""/>
+        <p:cNvGrpSpPr/>
+        <p:nvPr/>
+      </p:nvGrpSpPr>
+      <p:grpSpPr>
+        <a:xfrm>
+          <a:off x="0" y="0"/>
+          <a:ext cx="0" cy="0"/>
+          <a:chOff x="0" y="0"/>
+          <a:chExt cx="0" cy="0"/>
+        </a:xfrm>
+      </p:grpSpPr>
+      <p:sp>
+        <p:nvSpPr>
+          <p:cNvPr id="40" name="TextBox 39"/>
+          <p:cNvSpPr txBox="1"/>
+          <p:nvPr/>
+        </p:nvSpPr>
+        <p:spPr>
+          <a:xfrm>
+            <a:off x="827584" y="118373"/>
+            <a:ext cx="5904656" cy="646331"/>
+          </a:xfrm>
+          <a:prstGeom prst="rect">
+            <a:avLst/>
+          </a:prstGeom>
+          <a:noFill/>
+        </p:spPr>
+        <p:txBody>
+          <a:bodyPr wrap="square" rtlCol="0">
+            <a:spAutoFit/>
+          </a:bodyPr>
+          <a:lstStyle/>
+          <a:p>
+            <a:r>
+              <a:rPr lang="en-GB" sz="3600" dirty="0" smtClean="0"/>
+              <a:t>Integrated Information Theory</a:t>
+            </a:r>
+            <a:endParaRPr lang="en-GB" sz="3600" dirty="0"/>
+          </a:p>
+        </p:txBody>
+      </p:sp>
+      <p:sp>
+        <p:nvSpPr>
+          <p:cNvPr id="2" name="TextBox 1"/>
+          <p:cNvSpPr txBox="1"/>
+          <p:nvPr/>
+        </p:nvSpPr>
+        <p:spPr>
+          <a:xfrm>
+            <a:off x="1259632" y="1670119"/>
+            <a:ext cx="4248472" cy="2339102"/>
+          </a:xfrm>
+          <a:prstGeom prst="rect">
+            <a:avLst/>
+          </a:prstGeom>
+          <a:noFill/>
+        </p:spPr>
+        <p:txBody>
+          <a:bodyPr wrap="square" rtlCol="0">
+            <a:spAutoFit/>
+          </a:bodyPr>
+          <a:lstStyle/>
+          <a:p>
+            <a:r>
+              <a:rPr lang="en-GB" sz="2800" u="sng" dirty="0" smtClean="0"/>
+              <a:t>Properties of Consciousness</a:t>
+            </a:r>
+          </a:p>
+          <a:p>
+            <a:pPr marL="342900" indent="-342900">
+              <a:buFont typeface="+mj-lt"/>
+              <a:buAutoNum type="arabicPeriod"/>
+            </a:pPr>
+            <a:endParaRPr lang="en-GB" dirty="0" smtClean="0"/>
+          </a:p>
+          <a:p>
+            <a:pPr marL="342900" indent="-342900">
+              <a:buFont typeface="+mj-lt"/>
+              <a:buAutoNum type="arabicPeriod"/>
+            </a:pPr>
+            <a:r>
+              <a:rPr lang="en-GB" sz="2000" dirty="0" smtClean="0"/>
+              <a:t>Existence</a:t>
+            </a:r>
+          </a:p>
+          <a:p>
+            <a:pPr marL="342900" indent="-342900">
+              <a:buFont typeface="+mj-lt"/>
+              <a:buAutoNum type="arabicPeriod"/>
+            </a:pPr>
+            <a:r>
+              <a:rPr lang="en-GB" sz="2000" dirty="0" smtClean="0"/>
+              <a:t>Composition</a:t>
+            </a:r>
+          </a:p>
+          <a:p>
+            <a:pPr marL="342900" indent="-342900">
+              <a:buFont typeface="+mj-lt"/>
+              <a:buAutoNum type="arabicPeriod"/>
+            </a:pPr>
+            <a:r>
+              <a:rPr lang="en-GB" sz="2000" dirty="0" smtClean="0"/>
+              <a:t>Information</a:t>
+            </a:r>
+          </a:p>
+          <a:p>
+            <a:pPr marL="342900" indent="-342900">
+              <a:buFont typeface="+mj-lt"/>
+              <a:buAutoNum type="arabicPeriod"/>
+            </a:pPr>
+            <a:r>
+              <a:rPr lang="en-GB" sz="2000" dirty="0" smtClean="0"/>
+              <a:t>Integration</a:t>
+            </a:r>
+          </a:p>
+          <a:p>
+            <a:pPr marL="342900" indent="-342900">
+              <a:buFont typeface="+mj-lt"/>
+              <a:buAutoNum type="arabicPeriod"/>
+            </a:pPr>
+            <a:r>
+              <a:rPr lang="en-GB" sz="2000" dirty="0" smtClean="0"/>
+              <a:t>Exclusion</a:t>
+            </a:r>
+            <a:endParaRPr lang="en-GB" sz="2000" dirty="0"/>
+          </a:p>
+        </p:txBody>
+      </p:sp>
+      <p:sp>
+        <p:nvSpPr>
+          <p:cNvPr id="4" name="Isosceles Triangle 3"/>
+          <p:cNvSpPr/>
+          <p:nvPr/>
+        </p:nvSpPr>
+        <p:spPr>
+          <a:xfrm>
+            <a:off x="5760132" y="1628800"/>
+            <a:ext cx="1512168" cy="1152128"/>
+          </a:xfrm>
+          <a:prstGeom prst="triangle">
+            <a:avLst>
+              <a:gd name="adj" fmla="val 50535"/>
+            </a:avLst>
+          </a:prstGeom>
+          <a:solidFill>
+            <a:srgbClr val="FF0000"/>
+          </a:solidFill>
+          <a:ln>
+            <a:solidFill>
+              <a:srgbClr val="FF0000"/>
+            </a:solidFill>
+          </a:ln>
+        </p:spPr>
+        <p:style>
+          <a:lnRef idx="2">
+            <a:schemeClr val="accent1">
+              <a:shade val="50000"/>
+            </a:schemeClr>
+          </a:lnRef>
+          <a:fillRef idx="1">
+            <a:schemeClr val="accent1"/>
+          </a:fillRef>
+          <a:effectRef idx="0">
+            <a:schemeClr val="accent1"/>
+          </a:effectRef>
+          <a:fontRef idx="minor">
+            <a:schemeClr val="lt1"/>
+          </a:fontRef>
+        </p:style>
+        <p:txBody>
+          <a:bodyPr rtlCol="0" anchor="ctr"/>
+          <a:lstStyle/>
+          <a:p>
+            <a:pPr algn="ctr"/>
+            <a:endParaRPr lang="en-GB"/>
+          </a:p>
+        </p:txBody>
+      </p:sp>
+      <p:sp>
+        <p:nvSpPr>
+          <p:cNvPr id="13" name="Isosceles Triangle 12"/>
+          <p:cNvSpPr/>
+          <p:nvPr/>
+        </p:nvSpPr>
+        <p:spPr>
+          <a:xfrm>
+            <a:off x="6804248" y="3645024"/>
+            <a:ext cx="1728192" cy="1296144"/>
+          </a:xfrm>
+          <a:prstGeom prst="triangle">
+            <a:avLst/>
+          </a:prstGeom>
+          <a:solidFill>
+            <a:schemeClr val="bg1"/>
+          </a:solidFill>
+        </p:spPr>
+        <p:style>
+          <a:lnRef idx="2">
+            <a:schemeClr val="accent1">
+              <a:shade val="50000"/>
+            </a:schemeClr>
+          </a:lnRef>
+          <a:fillRef idx="1">
+            <a:schemeClr val="accent1"/>
+          </a:fillRef>
+          <a:effectRef idx="0">
+            <a:schemeClr val="accent1"/>
+          </a:effectRef>
+          <a:fontRef idx="minor">
+            <a:schemeClr val="lt1"/>
+          </a:fontRef>
+        </p:style>
+        <p:txBody>
+          <a:bodyPr rtlCol="0" anchor="ctr"/>
+          <a:lstStyle/>
+          <a:p>
+            <a:pPr algn="ctr"/>
+            <a:endParaRPr lang="en-GB"/>
+          </a:p>
+        </p:txBody>
+      </p:sp>
+      <p:sp>
+        <p:nvSpPr>
+          <p:cNvPr id="6" name="Plus 5"/>
+          <p:cNvSpPr/>
+          <p:nvPr/>
+        </p:nvSpPr>
+        <p:spPr>
+          <a:xfrm>
+            <a:off x="6201181" y="3988386"/>
+            <a:ext cx="630070" cy="576064"/>
+          </a:xfrm>
+          <a:prstGeom prst="mathPlus">
+            <a:avLst/>
+          </a:prstGeom>
+        </p:spPr>
+        <p:style>
+          <a:lnRef idx="2">
+            <a:schemeClr val="accent1">
+              <a:shade val="50000"/>
+            </a:schemeClr>
+          </a:lnRef>
+          <a:fillRef idx="1">
+            <a:schemeClr val="accent1"/>
+          </a:fillRef>
+          <a:effectRef idx="0">
+            <a:schemeClr val="accent1"/>
+          </a:effectRef>
+          <a:fontRef idx="minor">
+            <a:schemeClr val="lt1"/>
+          </a:fontRef>
+        </p:style>
+        <p:txBody>
+          <a:bodyPr rtlCol="0" anchor="ctr"/>
+          <a:lstStyle/>
+          <a:p>
+            <a:pPr algn="ctr"/>
+            <a:endParaRPr lang="en-GB"/>
+          </a:p>
+        </p:txBody>
+      </p:sp>
+      <p:sp>
+        <p:nvSpPr>
+          <p:cNvPr id="11" name="TextBox 10"/>
+          <p:cNvSpPr txBox="1"/>
+          <p:nvPr/>
+        </p:nvSpPr>
+        <p:spPr>
+          <a:xfrm>
+            <a:off x="4427984" y="3740839"/>
+            <a:ext cx="1773197" cy="1200329"/>
+          </a:xfrm>
+          <a:prstGeom prst="rect">
+            <a:avLst/>
+          </a:prstGeom>
+          <a:noFill/>
+        </p:spPr>
+        <p:txBody>
+          <a:bodyPr wrap="square" rtlCol="0">
+            <a:spAutoFit/>
+          </a:bodyPr>
+          <a:lstStyle/>
+          <a:p>
+            <a:r>
+              <a:rPr lang="en-GB" sz="7200" b="1" dirty="0" smtClean="0">
+                <a:solidFill>
+                  <a:srgbClr val="FF0000"/>
+                </a:solidFill>
+              </a:rPr>
+              <a:t>RED</a:t>
+            </a:r>
+            <a:endParaRPr lang="en-GB" sz="7200" b="1" dirty="0">
+              <a:solidFill>
+                <a:srgbClr val="FF0000"/>
+              </a:solidFill>
+            </a:endParaRPr>
+          </a:p>
+        </p:txBody>
+      </p:sp>
+    </p:spTree>
+    <p:extLst>
+      <p:ext uri="{BB962C8B-B14F-4D97-AF65-F5344CB8AC3E}">
+        <p14:creationId xmlns:p14="http://schemas.microsoft.com/office/powerpoint/2010/main" val="1439324492"/>
+      </p:ext>
+    </p:extLst>
+  </p:cSld>
+  <p:clrMapOvr>
+    <a:masterClrMapping/>
+  </p:clrMapOvr>
+  <p:timing>
+    <p:tnLst>
+      <p:par>
+        <p:cTn id="1" dur="indefinite" restart="never" nodeType="tmRoot">
+          <p:childTnLst>
+            <p:seq concurrent="1" nextAc="seek">
+              <p:cTn id="2" dur="indefinite" nodeType="mainSeq">
+                <p:childTnLst>
+                  <p:par>
+                    <p:cTn id="3" fill="hold">
+                      <p:stCondLst>
+                        <p:cond delay="indefinite"/>
+                      </p:stCondLst>
+                      <p:childTnLst>
+                        <p:par>
+                          <p:cTn id="4" fill="hold">
+                            <p:stCondLst>
+                              <p:cond delay="0"/>
+                            </p:stCondLst>
+                            <p:childTnLst>
+                              <p:par>
+                                <p:cTn id="5" presetID="1" presetClass="entr" presetSubtype="0" fill="hold" grpId="0" nodeType="clickEffect">
+                                  <p:stCondLst>
+                                    <p:cond delay="0"/>
+                                  </p:stCondLst>
+                                  <p:childTnLst>
+                                    <p:set>
+                                      <p:cBhvr>
+                                        <p:cTn id="6" dur="1" fill="hold">
+                                          <p:stCondLst>
+                                            <p:cond delay="0"/>
+                                          </p:stCondLst>
+                                        </p:cTn>
+                                        <p:tgtEl>
+                                          <p:spTgt spid="13"/>
+                                        </p:tgtEl>
+                                        <p:attrNameLst>
+                                          <p:attrName>style.visibility</p:attrName>
+                                        </p:attrNameLst>
+                                      </p:cBhvr>
+                                      <p:to>
+                                        <p:strVal val="visible"/>
+                                      </p:to>
+                                    </p:set>
+                                  </p:childTnLst>
+                                </p:cTn>
+                              </p:par>
+                              <p:par>
+                                <p:cTn id="7" presetID="1" presetClass="entr" presetSubtype="0" fill="hold" grpId="0" nodeType="withEffect">
+                                  <p:stCondLst>
+                                    <p:cond delay="0"/>
+                                  </p:stCondLst>
+                                  <p:childTnLst>
+                                    <p:set>
+                                      <p:cBhvr>
+                                        <p:cTn id="8" dur="1" fill="hold">
+                                          <p:stCondLst>
+                                            <p:cond delay="0"/>
+                                          </p:stCondLst>
+                                        </p:cTn>
+                                        <p:tgtEl>
+                                          <p:spTgt spid="6"/>
+                                        </p:tgtEl>
+                                        <p:attrNameLst>
+                                          <p:attrName>style.visibility</p:attrName>
+                                        </p:attrNameLst>
+                                      </p:cBhvr>
+                                      <p:to>
+                                        <p:strVal val="visible"/>
+                                      </p:to>
+                                    </p:set>
+                                  </p:childTnLst>
+                                </p:cTn>
+                              </p:par>
+                              <p:par>
+                                <p:cTn id="9" presetID="1" presetClass="entr" presetSubtype="0" fill="hold" grpId="0" nodeType="withEffect">
+                                  <p:stCondLst>
+                                    <p:cond delay="0"/>
+                                  </p:stCondLst>
+                                  <p:childTnLst>
+                                    <p:set>
+                                      <p:cBhvr>
+                                        <p:cTn id="10" dur="1" fill="hold">
+                                          <p:stCondLst>
+                                            <p:cond delay="0"/>
+                                          </p:stCondLst>
+                                        </p:cTn>
+                                        <p:tgtEl>
+                                          <p:spTgt spid="11"/>
+                                        </p:tgtEl>
+                                        <p:attrNameLst>
+                                          <p:attrName>style.visibility</p:attrName>
+                                        </p:attrNameLst>
+                                      </p:cBhvr>
+                                      <p:to>
+                                        <p:strVal val="visible"/>
+                                      </p:to>
+                                    </p:set>
+                                  </p:childTnLst>
+                                </p:cTn>
+                              </p:par>
+                            </p:childTnLst>
+                          </p:cTn>
+                        </p:par>
+                        <p:par>
+                          <p:cTn id="11" fill="hold">
+                            <p:stCondLst>
+                              <p:cond delay="0"/>
+                            </p:stCondLst>
+                            <p:childTnLst>
+                              <p:par>
+                                <p:cTn id="12" presetID="1" presetClass="entr" presetSubtype="0" fill="hold" nodeType="afterEffect">
+                                  <p:stCondLst>
+                                    <p:cond delay="0"/>
+                                  </p:stCondLst>
+                                  <p:childTnLst>
+                                    <p:set>
+                                      <p:cBhvr>
+                                        <p:cTn id="13" dur="1" fill="hold">
+                                          <p:stCondLst>
+                                            <p:cond delay="0"/>
+                                          </p:stCondLst>
+                                        </p:cTn>
+                                        <p:tgtEl>
+                                          <p:spTgt spid="2">
+                                            <p:txEl>
+                                              <p:pRg st="3" end="3"/>
+                                            </p:txEl>
+                                          </p:spTgt>
+                                        </p:tgtEl>
+                                        <p:attrNameLst>
+                                          <p:attrName>style.visibility</p:attrName>
+                                        </p:attrNameLst>
+                                      </p:cBhvr>
+                                      <p:to>
+                                        <p:strVal val="visible"/>
+                                      </p:to>
+                                    </p:set>
+                                  </p:childTnLst>
+                                </p:cTn>
+                              </p:par>
+                            </p:childTnLst>
+                          </p:cTn>
+                        </p:par>
+                      </p:childTnLst>
+                    </p:cTn>
+                  </p:par>
+                  <p:par>
+                    <p:cTn id="14" fill="hold">
+                      <p:stCondLst>
+                        <p:cond delay="indefinite"/>
+                      </p:stCondLst>
+                      <p:childTnLst>
+                        <p:par>
+                          <p:cTn id="15" fill="hold">
+                            <p:stCondLst>
+                              <p:cond delay="0"/>
+                            </p:stCondLst>
+                            <p:childTnLst>
+                              <p:par>
+                                <p:cTn id="16" presetID="1" presetClass="entr" presetSubtype="0" fill="hold" nodeType="clickEffect">
+                                  <p:stCondLst>
+                                    <p:cond delay="0"/>
+                                  </p:stCondLst>
+                                  <p:childTnLst>
+                                    <p:set>
+                                      <p:cBhvr>
+                                        <p:cTn id="17" dur="1" fill="hold">
+                                          <p:stCondLst>
+                                            <p:cond delay="0"/>
+                                          </p:stCondLst>
+                                        </p:cTn>
+                                        <p:tgtEl>
+                                          <p:spTgt spid="2">
+                                            <p:txEl>
+                                              <p:pRg st="4" end="4"/>
+                                            </p:txEl>
+                                          </p:spTgt>
+                                        </p:tgtEl>
+                                        <p:attrNameLst>
+                                          <p:attrName>style.visibility</p:attrName>
+                                        </p:attrNameLst>
+                                      </p:cBhvr>
+                                      <p:to>
+                                        <p:strVal val="visible"/>
+                                      </p:to>
+                                    </p:set>
+                                  </p:childTnLst>
+                                </p:cTn>
+                              </p:par>
+                            </p:childTnLst>
+                          </p:cTn>
+                        </p:par>
+                      </p:childTnLst>
+                    </p:cTn>
+                  </p:par>
+                  <p:par>
+                    <p:cTn id="18" fill="hold">
+                      <p:stCondLst>
+                        <p:cond delay="indefinite"/>
+                      </p:stCondLst>
+                      <p:childTnLst>
+                        <p:par>
+                          <p:cTn id="19" fill="hold">
+                            <p:stCondLst>
+                              <p:cond delay="0"/>
+                            </p:stCondLst>
+                            <p:childTnLst>
+                              <p:par>
+                                <p:cTn id="20" presetID="1" presetClass="entr" presetSubtype="0" fill="hold" nodeType="clickEffect">
+                                  <p:stCondLst>
+                                    <p:cond delay="0"/>
+                                  </p:stCondLst>
+                                  <p:childTnLst>
+                                    <p:set>
+                                      <p:cBhvr>
+                                        <p:cTn id="21" dur="1" fill="hold">
+                                          <p:stCondLst>
+                                            <p:cond delay="0"/>
+                                          </p:stCondLst>
+                                        </p:cTn>
+                                        <p:tgtEl>
+                                          <p:spTgt spid="2">
+                                            <p:txEl>
+                                              <p:pRg st="5" end="5"/>
+                                            </p:txEl>
+                                          </p:spTgt>
+                                        </p:tgtEl>
+                                        <p:attrNameLst>
+                                          <p:attrName>style.visibility</p:attrName>
+                                        </p:attrNameLst>
+                                      </p:cBhvr>
+                                      <p:to>
+                                        <p:strVal val="visible"/>
+                                      </p:to>
+                                    </p:set>
+                                  </p:childTnLst>
+                                </p:cTn>
+                              </p:par>
+                            </p:childTnLst>
+                          </p:cTn>
+                        </p:par>
+                      </p:childTnLst>
+                    </p:cTn>
+                  </p:par>
+                  <p:par>
+                    <p:cTn id="22" fill="hold">
+                      <p:stCondLst>
+                        <p:cond delay="indefinite"/>
+                      </p:stCondLst>
+                      <p:childTnLst>
+                        <p:par>
+                          <p:cTn id="23" fill="hold">
+                            <p:stCondLst>
+                              <p:cond delay="0"/>
+                            </p:stCondLst>
+                            <p:childTnLst>
+                              <p:par>
+                                <p:cTn id="24" presetID="1" presetClass="entr" presetSubtype="0" fill="hold" nodeType="clickEffect">
+                                  <p:stCondLst>
+                                    <p:cond delay="0"/>
+                                  </p:stCondLst>
+                                  <p:childTnLst>
+                                    <p:set>
+                                      <p:cBhvr>
+                                        <p:cTn id="25" dur="1" fill="hold">
+                                          <p:stCondLst>
+                                            <p:cond delay="0"/>
+                                          </p:stCondLst>
+                                        </p:cTn>
+                                        <p:tgtEl>
+                                          <p:spTgt spid="2">
+                                            <p:txEl>
+                                              <p:pRg st="6" end="6"/>
+                                            </p:txEl>
+                                          </p:spTgt>
+                                        </p:tgtEl>
+                                        <p:attrNameLst>
+                                          <p:attrName>style.visibility</p:attrName>
+                                        </p:attrNameLst>
+                                      </p:cBhvr>
+                                      <p:to>
+                                        <p:strVal val="visible"/>
+                                      </p:to>
+                                    </p:set>
+                                  </p:childTnLst>
+                                </p:cTn>
+                              </p:par>
+                            </p:childTnLst>
+                          </p:cTn>
+                        </p:par>
+                      </p:childTnLst>
+                    </p:cTn>
+                  </p:par>
+                </p:childTnLst>
+              </p:cTn>
+              <p:prevCondLst>
+                <p:cond evt="onPrev" delay="0">
+                  <p:tgtEl>
+                    <p:sldTgt/>
+                  </p:tgtEl>
+                </p:cond>
+              </p:prevCondLst>
+              <p:nextCondLst>
+                <p:cond evt="onNext" delay="0">
+                  <p:tgtEl>
+                    <p:sldTgt/>
+                  </p:tgtEl>
+                </p:cond>
+              </p:nextCondLst>
+            </p:seq>
+          </p:childTnLst>
+        </p:cTn>
+      </p:par>
+    </p:tnLst>
+    <p:bldLst>
+      <p:bldP spid="13" grpId="0" animBg="1"/>
+      <p:bldP spid="6" grpId="0" animBg="1"/>
+      <p:bldP spid="11" grpId="0"/>
+    </p:bldLst>
+  </p:timing>
+</p:sld>
+</file>
+
+<file path=ppt/slides/slide20.xml><?xml version="1.0" encoding="utf-8"?>
 <p:sld xmlns:a="http://schemas.openxmlformats.org/drawingml/2006/main" xmlns:r="http://schemas.openxmlformats.org/officeDocument/2006/relationships" xmlns:p="http://schemas.openxmlformats.org/presentationml/2006/main">
   <p:cSld>
     <p:spTree>
@@ -20315,7 +24899,7 @@
 </p:sld>
 </file>
 
-<file path=ppt/slides/slide17.xml><?xml version="1.0" encoding="utf-8"?>
+<file path=ppt/slides/slide21.xml><?xml version="1.0" encoding="utf-8"?>
 <p:sld xmlns:a="http://schemas.openxmlformats.org/drawingml/2006/main" xmlns:r="http://schemas.openxmlformats.org/officeDocument/2006/relationships" xmlns:p="http://schemas.openxmlformats.org/presentationml/2006/main">
   <p:cSld>
     <p:spTree>
@@ -21871,7 +26455,7 @@
 </p:sld>
 </file>
 
-<file path=ppt/slides/slide18.xml><?xml version="1.0" encoding="utf-8"?>
+<file path=ppt/slides/slide22.xml><?xml version="1.0" encoding="utf-8"?>
 <p:sld xmlns:a="http://schemas.openxmlformats.org/drawingml/2006/main" xmlns:r="http://schemas.openxmlformats.org/officeDocument/2006/relationships" xmlns:p="http://schemas.openxmlformats.org/presentationml/2006/main">
   <p:cSld>
     <p:spTree>
@@ -23661,7 +28245,7 @@
 </p:sld>
 </file>
 
-<file path=ppt/slides/slide19.xml><?xml version="1.0" encoding="utf-8"?>
+<file path=ppt/slides/slide23.xml><?xml version="1.0" encoding="utf-8"?>
 <p:sld xmlns:a="http://schemas.openxmlformats.org/drawingml/2006/main" xmlns:r="http://schemas.openxmlformats.org/officeDocument/2006/relationships" xmlns:p="http://schemas.openxmlformats.org/presentationml/2006/main">
   <p:cSld>
     <p:spTree>
@@ -23843,645 +28427,6 @@
         <p:cTn id="1" dur="indefinite" restart="never" nodeType="tmRoot"/>
       </p:par>
     </p:tnLst>
-  </p:timing>
-</p:sld>
-</file>
-
-<file path=ppt/slides/slide2.xml><?xml version="1.0" encoding="utf-8"?>
-<p:sld xmlns:a="http://schemas.openxmlformats.org/drawingml/2006/main" xmlns:r="http://schemas.openxmlformats.org/officeDocument/2006/relationships" xmlns:p="http://schemas.openxmlformats.org/presentationml/2006/main">
-  <p:cSld>
-    <p:spTree>
-      <p:nvGrpSpPr>
-        <p:cNvPr id="1" name=""/>
-        <p:cNvGrpSpPr/>
-        <p:nvPr/>
-      </p:nvGrpSpPr>
-      <p:grpSpPr>
-        <a:xfrm>
-          <a:off x="0" y="0"/>
-          <a:ext cx="0" cy="0"/>
-          <a:chOff x="0" y="0"/>
-          <a:chExt cx="0" cy="0"/>
-        </a:xfrm>
-      </p:grpSpPr>
-      <p:sp>
-        <p:nvSpPr>
-          <p:cNvPr id="40" name="TextBox 39"/>
-          <p:cNvSpPr txBox="1"/>
-          <p:nvPr/>
-        </p:nvSpPr>
-        <p:spPr>
-          <a:xfrm>
-            <a:off x="827584" y="118373"/>
-            <a:ext cx="5904656" cy="646331"/>
-          </a:xfrm>
-          <a:prstGeom prst="rect">
-            <a:avLst/>
-          </a:prstGeom>
-          <a:noFill/>
-        </p:spPr>
-        <p:txBody>
-          <a:bodyPr wrap="square" rtlCol="0">
-            <a:spAutoFit/>
-          </a:bodyPr>
-          <a:lstStyle/>
-          <a:p>
-            <a:r>
-              <a:rPr lang="en-GB" sz="3600" dirty="0" smtClean="0"/>
-              <a:t>Integrated Information Theory</a:t>
-            </a:r>
-            <a:endParaRPr lang="en-GB" sz="3600" dirty="0"/>
-          </a:p>
-        </p:txBody>
-      </p:sp>
-      <p:sp>
-        <p:nvSpPr>
-          <p:cNvPr id="2" name="TextBox 1"/>
-          <p:cNvSpPr txBox="1"/>
-          <p:nvPr/>
-        </p:nvSpPr>
-        <p:spPr>
-          <a:xfrm>
-            <a:off x="1259632" y="1670119"/>
-            <a:ext cx="4248472" cy="2339102"/>
-          </a:xfrm>
-          <a:prstGeom prst="rect">
-            <a:avLst/>
-          </a:prstGeom>
-          <a:noFill/>
-        </p:spPr>
-        <p:txBody>
-          <a:bodyPr wrap="square" rtlCol="0">
-            <a:spAutoFit/>
-          </a:bodyPr>
-          <a:lstStyle/>
-          <a:p>
-            <a:r>
-              <a:rPr lang="en-GB" sz="2800" u="sng" dirty="0" smtClean="0"/>
-              <a:t>Properties of Consciousness</a:t>
-            </a:r>
-          </a:p>
-          <a:p>
-            <a:pPr marL="342900" indent="-342900">
-              <a:buFont typeface="+mj-lt"/>
-              <a:buAutoNum type="arabicPeriod"/>
-            </a:pPr>
-            <a:endParaRPr lang="en-GB" dirty="0" smtClean="0"/>
-          </a:p>
-          <a:p>
-            <a:pPr marL="342900" indent="-342900">
-              <a:buFont typeface="+mj-lt"/>
-              <a:buAutoNum type="arabicPeriod"/>
-            </a:pPr>
-            <a:r>
-              <a:rPr lang="en-GB" sz="2000" dirty="0" smtClean="0"/>
-              <a:t>Existence</a:t>
-            </a:r>
-          </a:p>
-          <a:p>
-            <a:pPr marL="342900" indent="-342900">
-              <a:buFont typeface="+mj-lt"/>
-              <a:buAutoNum type="arabicPeriod"/>
-            </a:pPr>
-            <a:r>
-              <a:rPr lang="en-GB" sz="2000" dirty="0" smtClean="0"/>
-              <a:t>Composition</a:t>
-            </a:r>
-          </a:p>
-          <a:p>
-            <a:pPr marL="342900" indent="-342900">
-              <a:buFont typeface="+mj-lt"/>
-              <a:buAutoNum type="arabicPeriod"/>
-            </a:pPr>
-            <a:r>
-              <a:rPr lang="en-GB" sz="2000" dirty="0" smtClean="0"/>
-              <a:t>Information</a:t>
-            </a:r>
-          </a:p>
-          <a:p>
-            <a:pPr marL="342900" indent="-342900">
-              <a:buFont typeface="+mj-lt"/>
-              <a:buAutoNum type="arabicPeriod"/>
-            </a:pPr>
-            <a:r>
-              <a:rPr lang="en-GB" sz="2000" dirty="0" smtClean="0"/>
-              <a:t>Integration</a:t>
-            </a:r>
-          </a:p>
-          <a:p>
-            <a:pPr marL="342900" indent="-342900">
-              <a:buFont typeface="+mj-lt"/>
-              <a:buAutoNum type="arabicPeriod"/>
-            </a:pPr>
-            <a:r>
-              <a:rPr lang="en-GB" sz="2000" dirty="0" smtClean="0"/>
-              <a:t>Exclusion</a:t>
-            </a:r>
-            <a:endParaRPr lang="en-GB" sz="2000" dirty="0"/>
-          </a:p>
-        </p:txBody>
-      </p:sp>
-      <p:sp>
-        <p:nvSpPr>
-          <p:cNvPr id="4" name="Isosceles Triangle 3"/>
-          <p:cNvSpPr/>
-          <p:nvPr/>
-        </p:nvSpPr>
-        <p:spPr>
-          <a:xfrm>
-            <a:off x="5760132" y="1628800"/>
-            <a:ext cx="1512168" cy="1152128"/>
-          </a:xfrm>
-          <a:prstGeom prst="triangle">
-            <a:avLst>
-              <a:gd name="adj" fmla="val 50535"/>
-            </a:avLst>
-          </a:prstGeom>
-          <a:solidFill>
-            <a:srgbClr val="FF0000"/>
-          </a:solidFill>
-          <a:ln>
-            <a:solidFill>
-              <a:srgbClr val="FF0000"/>
-            </a:solidFill>
-          </a:ln>
-        </p:spPr>
-        <p:style>
-          <a:lnRef idx="2">
-            <a:schemeClr val="accent1">
-              <a:shade val="50000"/>
-            </a:schemeClr>
-          </a:lnRef>
-          <a:fillRef idx="1">
-            <a:schemeClr val="accent1"/>
-          </a:fillRef>
-          <a:effectRef idx="0">
-            <a:schemeClr val="accent1"/>
-          </a:effectRef>
-          <a:fontRef idx="minor">
-            <a:schemeClr val="lt1"/>
-          </a:fontRef>
-        </p:style>
-        <p:txBody>
-          <a:bodyPr rtlCol="0" anchor="ctr"/>
-          <a:lstStyle/>
-          <a:p>
-            <a:pPr algn="ctr"/>
-            <a:endParaRPr lang="en-GB"/>
-          </a:p>
-        </p:txBody>
-      </p:sp>
-      <p:sp>
-        <p:nvSpPr>
-          <p:cNvPr id="13" name="Isosceles Triangle 12"/>
-          <p:cNvSpPr/>
-          <p:nvPr/>
-        </p:nvSpPr>
-        <p:spPr>
-          <a:xfrm>
-            <a:off x="6804248" y="3645024"/>
-            <a:ext cx="1728192" cy="1296144"/>
-          </a:xfrm>
-          <a:prstGeom prst="triangle">
-            <a:avLst/>
-          </a:prstGeom>
-          <a:solidFill>
-            <a:schemeClr val="bg1"/>
-          </a:solidFill>
-        </p:spPr>
-        <p:style>
-          <a:lnRef idx="2">
-            <a:schemeClr val="accent1">
-              <a:shade val="50000"/>
-            </a:schemeClr>
-          </a:lnRef>
-          <a:fillRef idx="1">
-            <a:schemeClr val="accent1"/>
-          </a:fillRef>
-          <a:effectRef idx="0">
-            <a:schemeClr val="accent1"/>
-          </a:effectRef>
-          <a:fontRef idx="minor">
-            <a:schemeClr val="lt1"/>
-          </a:fontRef>
-        </p:style>
-        <p:txBody>
-          <a:bodyPr rtlCol="0" anchor="ctr"/>
-          <a:lstStyle/>
-          <a:p>
-            <a:pPr algn="ctr"/>
-            <a:endParaRPr lang="en-GB"/>
-          </a:p>
-        </p:txBody>
-      </p:sp>
-      <p:sp>
-        <p:nvSpPr>
-          <p:cNvPr id="6" name="Plus 5"/>
-          <p:cNvSpPr/>
-          <p:nvPr/>
-        </p:nvSpPr>
-        <p:spPr>
-          <a:xfrm>
-            <a:off x="6201181" y="3988386"/>
-            <a:ext cx="630070" cy="576064"/>
-          </a:xfrm>
-          <a:prstGeom prst="mathPlus">
-            <a:avLst/>
-          </a:prstGeom>
-        </p:spPr>
-        <p:style>
-          <a:lnRef idx="2">
-            <a:schemeClr val="accent1">
-              <a:shade val="50000"/>
-            </a:schemeClr>
-          </a:lnRef>
-          <a:fillRef idx="1">
-            <a:schemeClr val="accent1"/>
-          </a:fillRef>
-          <a:effectRef idx="0">
-            <a:schemeClr val="accent1"/>
-          </a:effectRef>
-          <a:fontRef idx="minor">
-            <a:schemeClr val="lt1"/>
-          </a:fontRef>
-        </p:style>
-        <p:txBody>
-          <a:bodyPr rtlCol="0" anchor="ctr"/>
-          <a:lstStyle/>
-          <a:p>
-            <a:pPr algn="ctr"/>
-            <a:endParaRPr lang="en-GB"/>
-          </a:p>
-        </p:txBody>
-      </p:sp>
-      <p:sp>
-        <p:nvSpPr>
-          <p:cNvPr id="11" name="TextBox 10"/>
-          <p:cNvSpPr txBox="1"/>
-          <p:nvPr/>
-        </p:nvSpPr>
-        <p:spPr>
-          <a:xfrm>
-            <a:off x="4427984" y="3740839"/>
-            <a:ext cx="1773197" cy="1200329"/>
-          </a:xfrm>
-          <a:prstGeom prst="rect">
-            <a:avLst/>
-          </a:prstGeom>
-          <a:noFill/>
-        </p:spPr>
-        <p:txBody>
-          <a:bodyPr wrap="square" rtlCol="0">
-            <a:spAutoFit/>
-          </a:bodyPr>
-          <a:lstStyle/>
-          <a:p>
-            <a:r>
-              <a:rPr lang="en-GB" sz="7200" b="1" dirty="0" smtClean="0">
-                <a:solidFill>
-                  <a:srgbClr val="FF0000"/>
-                </a:solidFill>
-              </a:rPr>
-              <a:t>RED</a:t>
-            </a:r>
-            <a:endParaRPr lang="en-GB" sz="7200" b="1" dirty="0">
-              <a:solidFill>
-                <a:srgbClr val="FF0000"/>
-              </a:solidFill>
-            </a:endParaRPr>
-          </a:p>
-        </p:txBody>
-      </p:sp>
-    </p:spTree>
-    <p:extLst>
-      <p:ext uri="{BB962C8B-B14F-4D97-AF65-F5344CB8AC3E}">
-        <p14:creationId xmlns:p14="http://schemas.microsoft.com/office/powerpoint/2010/main" val="1439324492"/>
-      </p:ext>
-    </p:extLst>
-  </p:cSld>
-  <p:clrMapOvr>
-    <a:masterClrMapping/>
-  </p:clrMapOvr>
-  <p:timing>
-    <p:tnLst>
-      <p:par>
-        <p:cTn id="1" dur="indefinite" restart="never" nodeType="tmRoot">
-          <p:childTnLst>
-            <p:seq concurrent="1" nextAc="seek">
-              <p:cTn id="2" dur="indefinite" nodeType="mainSeq">
-                <p:childTnLst>
-                  <p:par>
-                    <p:cTn id="3" fill="hold">
-                      <p:stCondLst>
-                        <p:cond delay="indefinite"/>
-                      </p:stCondLst>
-                      <p:childTnLst>
-                        <p:par>
-                          <p:cTn id="4" fill="hold">
-                            <p:stCondLst>
-                              <p:cond delay="0"/>
-                            </p:stCondLst>
-                            <p:childTnLst>
-                              <p:par>
-                                <p:cTn id="5" presetID="1" presetClass="entr" presetSubtype="0" fill="hold" grpId="0" nodeType="clickEffect">
-                                  <p:stCondLst>
-                                    <p:cond delay="0"/>
-                                  </p:stCondLst>
-                                  <p:childTnLst>
-                                    <p:set>
-                                      <p:cBhvr>
-                                        <p:cTn id="6" dur="1" fill="hold">
-                                          <p:stCondLst>
-                                            <p:cond delay="0"/>
-                                          </p:stCondLst>
-                                        </p:cTn>
-                                        <p:tgtEl>
-                                          <p:spTgt spid="13"/>
-                                        </p:tgtEl>
-                                        <p:attrNameLst>
-                                          <p:attrName>style.visibility</p:attrName>
-                                        </p:attrNameLst>
-                                      </p:cBhvr>
-                                      <p:to>
-                                        <p:strVal val="visible"/>
-                                      </p:to>
-                                    </p:set>
-                                  </p:childTnLst>
-                                </p:cTn>
-                              </p:par>
-                              <p:par>
-                                <p:cTn id="7" presetID="1" presetClass="entr" presetSubtype="0" fill="hold" grpId="0" nodeType="withEffect">
-                                  <p:stCondLst>
-                                    <p:cond delay="0"/>
-                                  </p:stCondLst>
-                                  <p:childTnLst>
-                                    <p:set>
-                                      <p:cBhvr>
-                                        <p:cTn id="8" dur="1" fill="hold">
-                                          <p:stCondLst>
-                                            <p:cond delay="0"/>
-                                          </p:stCondLst>
-                                        </p:cTn>
-                                        <p:tgtEl>
-                                          <p:spTgt spid="6"/>
-                                        </p:tgtEl>
-                                        <p:attrNameLst>
-                                          <p:attrName>style.visibility</p:attrName>
-                                        </p:attrNameLst>
-                                      </p:cBhvr>
-                                      <p:to>
-                                        <p:strVal val="visible"/>
-                                      </p:to>
-                                    </p:set>
-                                  </p:childTnLst>
-                                </p:cTn>
-                              </p:par>
-                              <p:par>
-                                <p:cTn id="9" presetID="1" presetClass="entr" presetSubtype="0" fill="hold" grpId="0" nodeType="withEffect">
-                                  <p:stCondLst>
-                                    <p:cond delay="0"/>
-                                  </p:stCondLst>
-                                  <p:childTnLst>
-                                    <p:set>
-                                      <p:cBhvr>
-                                        <p:cTn id="10" dur="1" fill="hold">
-                                          <p:stCondLst>
-                                            <p:cond delay="0"/>
-                                          </p:stCondLst>
-                                        </p:cTn>
-                                        <p:tgtEl>
-                                          <p:spTgt spid="11"/>
-                                        </p:tgtEl>
-                                        <p:attrNameLst>
-                                          <p:attrName>style.visibility</p:attrName>
-                                        </p:attrNameLst>
-                                      </p:cBhvr>
-                                      <p:to>
-                                        <p:strVal val="visible"/>
-                                      </p:to>
-                                    </p:set>
-                                  </p:childTnLst>
-                                </p:cTn>
-                              </p:par>
-                            </p:childTnLst>
-                          </p:cTn>
-                        </p:par>
-                        <p:par>
-                          <p:cTn id="11" fill="hold">
-                            <p:stCondLst>
-                              <p:cond delay="0"/>
-                            </p:stCondLst>
-                            <p:childTnLst>
-                              <p:par>
-                                <p:cTn id="12" presetID="1" presetClass="entr" presetSubtype="0" fill="hold" nodeType="afterEffect">
-                                  <p:stCondLst>
-                                    <p:cond delay="0"/>
-                                  </p:stCondLst>
-                                  <p:childTnLst>
-                                    <p:set>
-                                      <p:cBhvr>
-                                        <p:cTn id="13" dur="1" fill="hold">
-                                          <p:stCondLst>
-                                            <p:cond delay="0"/>
-                                          </p:stCondLst>
-                                        </p:cTn>
-                                        <p:tgtEl>
-                                          <p:spTgt spid="2">
-                                            <p:txEl>
-                                              <p:pRg st="3" end="3"/>
-                                            </p:txEl>
-                                          </p:spTgt>
-                                        </p:tgtEl>
-                                        <p:attrNameLst>
-                                          <p:attrName>style.visibility</p:attrName>
-                                        </p:attrNameLst>
-                                      </p:cBhvr>
-                                      <p:to>
-                                        <p:strVal val="visible"/>
-                                      </p:to>
-                                    </p:set>
-                                  </p:childTnLst>
-                                </p:cTn>
-                              </p:par>
-                            </p:childTnLst>
-                          </p:cTn>
-                        </p:par>
-                      </p:childTnLst>
-                    </p:cTn>
-                  </p:par>
-                  <p:par>
-                    <p:cTn id="14" fill="hold">
-                      <p:stCondLst>
-                        <p:cond delay="indefinite"/>
-                      </p:stCondLst>
-                      <p:childTnLst>
-                        <p:par>
-                          <p:cTn id="15" fill="hold">
-                            <p:stCondLst>
-                              <p:cond delay="0"/>
-                            </p:stCondLst>
-                            <p:childTnLst>
-                              <p:par>
-                                <p:cTn id="16" presetID="1" presetClass="entr" presetSubtype="0" fill="hold" nodeType="clickEffect">
-                                  <p:stCondLst>
-                                    <p:cond delay="0"/>
-                                  </p:stCondLst>
-                                  <p:childTnLst>
-                                    <p:set>
-                                      <p:cBhvr>
-                                        <p:cTn id="17" dur="1" fill="hold">
-                                          <p:stCondLst>
-                                            <p:cond delay="0"/>
-                                          </p:stCondLst>
-                                        </p:cTn>
-                                        <p:tgtEl>
-                                          <p:spTgt spid="2">
-                                            <p:txEl>
-                                              <p:pRg st="4" end="4"/>
-                                            </p:txEl>
-                                          </p:spTgt>
-                                        </p:tgtEl>
-                                        <p:attrNameLst>
-                                          <p:attrName>style.visibility</p:attrName>
-                                        </p:attrNameLst>
-                                      </p:cBhvr>
-                                      <p:to>
-                                        <p:strVal val="visible"/>
-                                      </p:to>
-                                    </p:set>
-                                  </p:childTnLst>
-                                </p:cTn>
-                              </p:par>
-                            </p:childTnLst>
-                          </p:cTn>
-                        </p:par>
-                      </p:childTnLst>
-                    </p:cTn>
-                  </p:par>
-                  <p:par>
-                    <p:cTn id="18" fill="hold">
-                      <p:stCondLst>
-                        <p:cond delay="indefinite"/>
-                      </p:stCondLst>
-                      <p:childTnLst>
-                        <p:par>
-                          <p:cTn id="19" fill="hold">
-                            <p:stCondLst>
-                              <p:cond delay="0"/>
-                            </p:stCondLst>
-                            <p:childTnLst>
-                              <p:par>
-                                <p:cTn id="20" presetID="1" presetClass="entr" presetSubtype="0" fill="hold" nodeType="clickEffect">
-                                  <p:stCondLst>
-                                    <p:cond delay="0"/>
-                                  </p:stCondLst>
-                                  <p:childTnLst>
-                                    <p:set>
-                                      <p:cBhvr>
-                                        <p:cTn id="21" dur="1" fill="hold">
-                                          <p:stCondLst>
-                                            <p:cond delay="0"/>
-                                          </p:stCondLst>
-                                        </p:cTn>
-                                        <p:tgtEl>
-                                          <p:spTgt spid="2">
-                                            <p:txEl>
-                                              <p:pRg st="5" end="5"/>
-                                            </p:txEl>
-                                          </p:spTgt>
-                                        </p:tgtEl>
-                                        <p:attrNameLst>
-                                          <p:attrName>style.visibility</p:attrName>
-                                        </p:attrNameLst>
-                                      </p:cBhvr>
-                                      <p:to>
-                                        <p:strVal val="visible"/>
-                                      </p:to>
-                                    </p:set>
-                                  </p:childTnLst>
-                                </p:cTn>
-                              </p:par>
-                            </p:childTnLst>
-                          </p:cTn>
-                        </p:par>
-                      </p:childTnLst>
-                    </p:cTn>
-                  </p:par>
-                  <p:par>
-                    <p:cTn id="22" fill="hold">
-                      <p:stCondLst>
-                        <p:cond delay="indefinite"/>
-                      </p:stCondLst>
-                      <p:childTnLst>
-                        <p:par>
-                          <p:cTn id="23" fill="hold">
-                            <p:stCondLst>
-                              <p:cond delay="0"/>
-                            </p:stCondLst>
-                            <p:childTnLst>
-                              <p:par>
-                                <p:cTn id="24" presetID="1" presetClass="entr" presetSubtype="0" fill="hold" nodeType="clickEffect">
-                                  <p:stCondLst>
-                                    <p:cond delay="0"/>
-                                  </p:stCondLst>
-                                  <p:childTnLst>
-                                    <p:set>
-                                      <p:cBhvr>
-                                        <p:cTn id="25" dur="1" fill="hold">
-                                          <p:stCondLst>
-                                            <p:cond delay="0"/>
-                                          </p:stCondLst>
-                                        </p:cTn>
-                                        <p:tgtEl>
-                                          <p:spTgt spid="2">
-                                            <p:txEl>
-                                              <p:pRg st="6" end="6"/>
-                                            </p:txEl>
-                                          </p:spTgt>
-                                        </p:tgtEl>
-                                        <p:attrNameLst>
-                                          <p:attrName>style.visibility</p:attrName>
-                                        </p:attrNameLst>
-                                      </p:cBhvr>
-                                      <p:to>
-                                        <p:strVal val="visible"/>
-                                      </p:to>
-                                    </p:set>
-                                  </p:childTnLst>
-                                </p:cTn>
-                              </p:par>
-                            </p:childTnLst>
-                          </p:cTn>
-                        </p:par>
-                      </p:childTnLst>
-                    </p:cTn>
-                  </p:par>
-                </p:childTnLst>
-              </p:cTn>
-              <p:prevCondLst>
-                <p:cond evt="onPrev" delay="0">
-                  <p:tgtEl>
-                    <p:sldTgt/>
-                  </p:tgtEl>
-                </p:cond>
-              </p:prevCondLst>
-              <p:nextCondLst>
-                <p:cond evt="onNext" delay="0">
-                  <p:tgtEl>
-                    <p:sldTgt/>
-                  </p:tgtEl>
-                </p:cond>
-              </p:nextCondLst>
-            </p:seq>
-          </p:childTnLst>
-        </p:cTn>
-      </p:par>
-    </p:tnLst>
-    <p:bldLst>
-      <p:bldP spid="13" grpId="0" animBg="1"/>
-      <p:bldP spid="6" grpId="0" animBg="1"/>
-      <p:bldP spid="11" grpId="0"/>
-    </p:bldLst>
   </p:timing>
 </p:sld>
 </file>
@@ -29813,6 +33758,515 @@
           <a:p>
             <a:r>
               <a:rPr lang="en-GB" sz="3600" dirty="0" smtClean="0"/>
+              <a:t>Further Calculations</a:t>
+            </a:r>
+            <a:endParaRPr lang="en-GB" sz="3600" dirty="0"/>
+          </a:p>
+        </p:txBody>
+      </p:sp>
+      <mc:AlternateContent xmlns:mc="http://schemas.openxmlformats.org/markup-compatibility/2006">
+        <mc:Choice xmlns:a14="http://schemas.microsoft.com/office/drawing/2010/main" Requires="a14">
+          <p:sp>
+            <p:nvSpPr>
+              <p:cNvPr id="9" name="TextBox 8"/>
+              <p:cNvSpPr txBox="1"/>
+              <p:nvPr/>
+            </p:nvSpPr>
+            <p:spPr>
+              <a:xfrm>
+                <a:off x="1102935" y="1124744"/>
+                <a:ext cx="7704856" cy="4834400"/>
+              </a:xfrm>
+              <a:prstGeom prst="rect">
+                <a:avLst/>
+              </a:prstGeom>
+              <a:noFill/>
+            </p:spPr>
+            <p:txBody>
+              <a:bodyPr wrap="square" rtlCol="0">
+                <a:spAutoFit/>
+              </a:bodyPr>
+              <a:lstStyle/>
+              <a:p>
+                <a:r>
+                  <a:rPr lang="en-GB" sz="2800" dirty="0" smtClean="0"/>
+                  <a:t>If </a:t>
+                </a:r>
+                <a14:m>
+                  <m:oMath xmlns:m="http://schemas.openxmlformats.org/officeDocument/2006/math">
+                    <m:sSup>
+                      <m:sSupPr>
+                        <m:ctrlPr>
+                          <a:rPr lang="en-GB" sz="2800" i="1">
+                            <a:latin typeface="Cambria Math"/>
+                          </a:rPr>
+                        </m:ctrlPr>
+                      </m:sSupPr>
+                      <m:e>
+                        <m:r>
+                          <a:rPr lang="en-GB" sz="2800" i="1">
+                            <a:latin typeface="Cambria Math"/>
+                          </a:rPr>
+                          <m:t>𝜑</m:t>
+                        </m:r>
+                      </m:e>
+                      <m:sup>
+                        <m:r>
+                          <a:rPr lang="en-GB" sz="2800" i="1">
+                            <a:latin typeface="Cambria Math"/>
+                          </a:rPr>
+                          <m:t>𝑀</m:t>
+                        </m:r>
+                        <m:r>
+                          <a:rPr lang="en-GB" sz="2800" b="0" i="1" smtClean="0">
+                            <a:latin typeface="Cambria Math"/>
+                          </a:rPr>
+                          <m:t>𝐴𝑋</m:t>
+                        </m:r>
+                      </m:sup>
+                    </m:sSup>
+                    <m:d>
+                      <m:dPr>
+                        <m:ctrlPr>
+                          <a:rPr lang="en-GB" sz="2800" b="0" i="1" smtClean="0">
+                            <a:latin typeface="Cambria Math"/>
+                          </a:rPr>
+                        </m:ctrlPr>
+                      </m:dPr>
+                      <m:e>
+                        <m:r>
+                          <a:rPr lang="en-GB" sz="2800" b="0" i="1" smtClean="0">
+                            <a:latin typeface="Cambria Math"/>
+                          </a:rPr>
+                          <m:t>𝐻</m:t>
+                        </m:r>
+                      </m:e>
+                    </m:d>
+                    <m:r>
+                      <a:rPr lang="en-GB" sz="2800" b="0" i="1" smtClean="0">
+                        <a:latin typeface="Cambria Math"/>
+                      </a:rPr>
+                      <m:t>&gt;0</m:t>
+                    </m:r>
+                  </m:oMath>
+                </a14:m>
+                <a:r>
+                  <a:rPr lang="en-GB" sz="2800" dirty="0" smtClean="0"/>
+                  <a:t>, we then call the mechanism </a:t>
+                </a:r>
+                <a14:m>
+                  <m:oMath xmlns:m="http://schemas.openxmlformats.org/officeDocument/2006/math">
+                    <m:r>
+                      <a:rPr lang="en-GB" sz="2800" b="0" i="1" smtClean="0">
+                        <a:latin typeface="Cambria Math"/>
+                      </a:rPr>
+                      <m:t>𝐻</m:t>
+                    </m:r>
+                  </m:oMath>
+                </a14:m>
+                <a:r>
+                  <a:rPr lang="en-GB" sz="2800" dirty="0" smtClean="0"/>
+                  <a:t> a </a:t>
+                </a:r>
+                <a:r>
+                  <a:rPr lang="en-GB" sz="2800" i="1" dirty="0" smtClean="0"/>
+                  <a:t>concept</a:t>
+                </a:r>
+                <a:r>
+                  <a:rPr lang="en-GB" sz="2800" dirty="0" smtClean="0"/>
+                  <a:t>. A 3</a:t>
+                </a:r>
+                <a:r>
+                  <a:rPr lang="en-GB" sz="2800" baseline="30000" dirty="0" smtClean="0"/>
+                  <a:t>rd</a:t>
+                </a:r>
+                <a:r>
+                  <a:rPr lang="en-GB" sz="2800" dirty="0" smtClean="0"/>
+                  <a:t> order system of mechanisms can have at most 7 </a:t>
+                </a:r>
+                <a:r>
+                  <a:rPr lang="en-GB" sz="2800" i="1" dirty="0" smtClean="0"/>
+                  <a:t>concepts</a:t>
+                </a:r>
+                <a:r>
+                  <a:rPr lang="en-GB" sz="2800" dirty="0" smtClean="0"/>
+                  <a:t>.</a:t>
+                </a:r>
+              </a:p>
+              <a:p>
+                <a:endParaRPr lang="en-GB" sz="2800" dirty="0"/>
+              </a:p>
+              <a:p>
+                <a:r>
+                  <a:rPr lang="en-GB" sz="2800" dirty="0" smtClean="0"/>
+                  <a:t>For a system of mechanism, we call the combination of the set of </a:t>
+                </a:r>
+                <a:r>
+                  <a:rPr lang="en-GB" sz="2800" i="1" dirty="0" smtClean="0"/>
+                  <a:t>concepts</a:t>
+                </a:r>
+                <a:r>
+                  <a:rPr lang="en-GB" sz="2800" dirty="0" smtClean="0"/>
+                  <a:t>, and the set of corresponding </a:t>
+                </a:r>
+                <a14:m>
+                  <m:oMath xmlns:m="http://schemas.openxmlformats.org/officeDocument/2006/math">
+                    <m:sSup>
+                      <m:sSupPr>
+                        <m:ctrlPr>
+                          <a:rPr lang="en-GB" sz="2800" i="1">
+                            <a:latin typeface="Cambria Math"/>
+                          </a:rPr>
+                        </m:ctrlPr>
+                      </m:sSupPr>
+                      <m:e>
+                        <m:r>
+                          <a:rPr lang="en-GB" sz="2800" i="1">
+                            <a:latin typeface="Cambria Math"/>
+                          </a:rPr>
+                          <m:t>𝜑</m:t>
+                        </m:r>
+                      </m:e>
+                      <m:sup>
+                        <m:r>
+                          <a:rPr lang="en-GB" sz="2800" i="1">
+                            <a:latin typeface="Cambria Math"/>
+                          </a:rPr>
+                          <m:t>𝑀</m:t>
+                        </m:r>
+                        <m:r>
+                          <a:rPr lang="en-GB" sz="2800" i="1">
+                            <a:latin typeface="Cambria Math"/>
+                          </a:rPr>
+                          <m:t>𝐴𝑋</m:t>
+                        </m:r>
+                      </m:sup>
+                    </m:sSup>
+                  </m:oMath>
+                </a14:m>
+                <a:r>
+                  <a:rPr lang="en-GB" sz="2800" dirty="0" smtClean="0"/>
+                  <a:t>’s a </a:t>
+                </a:r>
+                <a:r>
+                  <a:rPr lang="en-GB" sz="2800" i="1" dirty="0" smtClean="0"/>
+                  <a:t>Constellation</a:t>
+                </a:r>
+                <a:r>
+                  <a:rPr lang="en-GB" sz="2800" dirty="0" smtClean="0"/>
+                  <a:t>.</a:t>
+                </a:r>
+              </a:p>
+              <a:p>
+                <a:endParaRPr lang="en-GB" sz="2800" dirty="0"/>
+              </a:p>
+              <a:p>
+                <a:r>
+                  <a:rPr lang="en-GB" sz="2800" dirty="0" smtClean="0"/>
+                  <a:t>The </a:t>
+                </a:r>
+                <a:r>
+                  <a:rPr lang="en-GB" sz="2800" i="1" dirty="0" smtClean="0"/>
+                  <a:t>Conceptual Information </a:t>
+                </a:r>
+                <a:r>
+                  <a:rPr lang="en-GB" sz="2800" dirty="0" smtClean="0"/>
+                  <a:t>of a system, is the Distance between its </a:t>
+                </a:r>
+                <a:r>
+                  <a:rPr lang="en-GB" sz="2800" i="1" dirty="0" smtClean="0"/>
+                  <a:t>constellation</a:t>
+                </a:r>
+                <a:r>
+                  <a:rPr lang="en-GB" sz="2800" dirty="0" smtClean="0"/>
+                  <a:t>, and the unconstrained </a:t>
+                </a:r>
+                <a:r>
+                  <a:rPr lang="en-GB" sz="2800" i="1" dirty="0" smtClean="0"/>
+                  <a:t>constellation</a:t>
+                </a:r>
+                <a:r>
+                  <a:rPr lang="en-GB" sz="2800" dirty="0" smtClean="0"/>
+                  <a:t>.</a:t>
+                </a:r>
+                <a:endParaRPr lang="en-GB" sz="2800" dirty="0"/>
+              </a:p>
+            </p:txBody>
+          </p:sp>
+        </mc:Choice>
+        <mc:Fallback>
+          <p:sp>
+            <p:nvSpPr>
+              <p:cNvPr id="9" name="TextBox 8"/>
+              <p:cNvSpPr txBox="1">
+                <a:spLocks noRot="1" noChangeAspect="1" noMove="1" noResize="1" noEditPoints="1" noAdjustHandles="1" noChangeArrowheads="1" noChangeShapeType="1" noTextEdit="1"/>
+              </p:cNvSpPr>
+              <p:nvPr/>
+            </p:nvSpPr>
+            <p:spPr>
+              <a:xfrm>
+                <a:off x="1102935" y="1124744"/>
+                <a:ext cx="7704856" cy="4834400"/>
+              </a:xfrm>
+              <a:prstGeom prst="rect">
+                <a:avLst/>
+              </a:prstGeom>
+              <a:blipFill rotWithShape="1">
+                <a:blip r:embed="rId2"/>
+                <a:stretch>
+                  <a:fillRect l="-1661" t="-1135" b="-2648"/>
+                </a:stretch>
+              </a:blipFill>
+            </p:spPr>
+            <p:txBody>
+              <a:bodyPr/>
+              <a:lstStyle/>
+              <a:p>
+                <a:r>
+                  <a:rPr lang="en-GB">
+                    <a:noFill/>
+                  </a:rPr>
+                  <a:t> </a:t>
+                </a:r>
+              </a:p>
+            </p:txBody>
+          </p:sp>
+        </mc:Fallback>
+      </mc:AlternateContent>
+    </p:spTree>
+    <p:extLst>
+      <p:ext uri="{BB962C8B-B14F-4D97-AF65-F5344CB8AC3E}">
+        <p14:creationId xmlns:p14="http://schemas.microsoft.com/office/powerpoint/2010/main" val="1032796229"/>
+      </p:ext>
+    </p:extLst>
+  </p:cSld>
+  <p:clrMapOvr>
+    <a:masterClrMapping/>
+  </p:clrMapOvr>
+  <p:timing>
+    <p:tnLst>
+      <p:par>
+        <p:cTn id="1" dur="indefinite" restart="never" nodeType="tmRoot"/>
+      </p:par>
+    </p:tnLst>
+  </p:timing>
+</p:sld>
+</file>
+
+<file path=ppt/slides/slide8.xml><?xml version="1.0" encoding="utf-8"?>
+<p:sld xmlns:a="http://schemas.openxmlformats.org/drawingml/2006/main" xmlns:r="http://schemas.openxmlformats.org/officeDocument/2006/relationships" xmlns:p="http://schemas.openxmlformats.org/presentationml/2006/main">
+  <p:cSld>
+    <p:spTree>
+      <p:nvGrpSpPr>
+        <p:cNvPr id="1" name=""/>
+        <p:cNvGrpSpPr/>
+        <p:nvPr/>
+      </p:nvGrpSpPr>
+      <p:grpSpPr>
+        <a:xfrm>
+          <a:off x="0" y="0"/>
+          <a:ext cx="0" cy="0"/>
+          <a:chOff x="0" y="0"/>
+          <a:chExt cx="0" cy="0"/>
+        </a:xfrm>
+      </p:grpSpPr>
+      <p:sp>
+        <p:nvSpPr>
+          <p:cNvPr id="2" name="TextBox 1"/>
+          <p:cNvSpPr txBox="1"/>
+          <p:nvPr/>
+        </p:nvSpPr>
+        <p:spPr>
+          <a:xfrm>
+            <a:off x="836320" y="98490"/>
+            <a:ext cx="5463872" cy="646331"/>
+          </a:xfrm>
+          <a:prstGeom prst="rect">
+            <a:avLst/>
+          </a:prstGeom>
+          <a:noFill/>
+        </p:spPr>
+        <p:txBody>
+          <a:bodyPr wrap="square" rtlCol="0">
+            <a:spAutoFit/>
+          </a:bodyPr>
+          <a:lstStyle/>
+          <a:p>
+            <a:r>
+              <a:rPr lang="en-GB" sz="3600" dirty="0" smtClean="0"/>
+              <a:t>Further Calculations</a:t>
+            </a:r>
+            <a:endParaRPr lang="en-GB" sz="3600" dirty="0"/>
+          </a:p>
+        </p:txBody>
+      </p:sp>
+      <mc:AlternateContent xmlns:mc="http://schemas.openxmlformats.org/markup-compatibility/2006">
+        <mc:Choice xmlns:a14="http://schemas.microsoft.com/office/drawing/2010/main" Requires="a14">
+          <p:sp>
+            <p:nvSpPr>
+              <p:cNvPr id="9" name="TextBox 8"/>
+              <p:cNvSpPr txBox="1"/>
+              <p:nvPr/>
+            </p:nvSpPr>
+            <p:spPr>
+              <a:xfrm>
+                <a:off x="1102935" y="1124744"/>
+                <a:ext cx="7704856" cy="2246769"/>
+              </a:xfrm>
+              <a:prstGeom prst="rect">
+                <a:avLst/>
+              </a:prstGeom>
+              <a:noFill/>
+            </p:spPr>
+            <p:txBody>
+              <a:bodyPr wrap="square" rtlCol="0">
+                <a:spAutoFit/>
+              </a:bodyPr>
+              <a:lstStyle/>
+              <a:p>
+                <a:r>
+                  <a:rPr lang="en-GB" sz="2800" dirty="0" smtClean="0"/>
+                  <a:t>To compute </a:t>
+                </a:r>
+                <a14:m>
+                  <m:oMath xmlns:m="http://schemas.openxmlformats.org/officeDocument/2006/math">
+                    <m:r>
+                      <m:rPr>
+                        <m:sty m:val="p"/>
+                      </m:rPr>
+                      <a:rPr lang="en-GB" sz="2800" b="0" i="0" smtClean="0">
+                        <a:latin typeface="Cambria Math"/>
+                      </a:rPr>
+                      <m:t>Φ</m:t>
+                    </m:r>
+                  </m:oMath>
+                </a14:m>
+                <a:r>
+                  <a:rPr lang="en-GB" sz="2800" dirty="0" smtClean="0"/>
+                  <a:t>, we need to check all possible 1 directional partitions of a system of mechanisms. Then we compare the distance between the constellation of the partition, and the constellation of the original. The smallest such distance is </a:t>
+                </a:r>
+                <a14:m>
+                  <m:oMath xmlns:m="http://schemas.openxmlformats.org/officeDocument/2006/math">
+                    <m:r>
+                      <m:rPr>
+                        <m:sty m:val="p"/>
+                      </m:rPr>
+                      <a:rPr lang="en-GB" sz="2800">
+                        <a:latin typeface="Cambria Math"/>
+                      </a:rPr>
+                      <m:t>Φ</m:t>
+                    </m:r>
+                  </m:oMath>
+                </a14:m>
+                <a:r>
+                  <a:rPr lang="en-GB" sz="2800" dirty="0" smtClean="0"/>
+                  <a:t>.</a:t>
+                </a:r>
+                <a:endParaRPr lang="en-GB" sz="2800" dirty="0"/>
+              </a:p>
+            </p:txBody>
+          </p:sp>
+        </mc:Choice>
+        <mc:Fallback>
+          <p:sp>
+            <p:nvSpPr>
+              <p:cNvPr id="9" name="TextBox 8"/>
+              <p:cNvSpPr txBox="1">
+                <a:spLocks noRot="1" noChangeAspect="1" noMove="1" noResize="1" noEditPoints="1" noAdjustHandles="1" noChangeArrowheads="1" noChangeShapeType="1" noTextEdit="1"/>
+              </p:cNvSpPr>
+              <p:nvPr/>
+            </p:nvSpPr>
+            <p:spPr>
+              <a:xfrm>
+                <a:off x="1102935" y="1124744"/>
+                <a:ext cx="7704856" cy="2246769"/>
+              </a:xfrm>
+              <a:prstGeom prst="rect">
+                <a:avLst/>
+              </a:prstGeom>
+              <a:blipFill rotWithShape="1">
+                <a:blip r:embed="rId2"/>
+                <a:stretch>
+                  <a:fillRect l="-1661" t="-2446" r="-316" b="-7065"/>
+                </a:stretch>
+              </a:blipFill>
+            </p:spPr>
+            <p:txBody>
+              <a:bodyPr/>
+              <a:lstStyle/>
+              <a:p>
+                <a:r>
+                  <a:rPr lang="en-GB">
+                    <a:noFill/>
+                  </a:rPr>
+                  <a:t> </a:t>
+                </a:r>
+              </a:p>
+            </p:txBody>
+          </p:sp>
+        </mc:Fallback>
+      </mc:AlternateContent>
+    </p:spTree>
+    <p:extLst>
+      <p:ext uri="{BB962C8B-B14F-4D97-AF65-F5344CB8AC3E}">
+        <p14:creationId xmlns:p14="http://schemas.microsoft.com/office/powerpoint/2010/main" val="3473043250"/>
+      </p:ext>
+    </p:extLst>
+  </p:cSld>
+  <p:clrMapOvr>
+    <a:masterClrMapping/>
+  </p:clrMapOvr>
+  <p:timing>
+    <p:tnLst>
+      <p:par>
+        <p:cTn id="1" dur="indefinite" restart="never" nodeType="tmRoot"/>
+      </p:par>
+    </p:tnLst>
+  </p:timing>
+</p:sld>
+</file>
+
+<file path=ppt/slides/slide9.xml><?xml version="1.0" encoding="utf-8"?>
+<p:sld xmlns:a="http://schemas.openxmlformats.org/drawingml/2006/main" xmlns:r="http://schemas.openxmlformats.org/officeDocument/2006/relationships" xmlns:p="http://schemas.openxmlformats.org/presentationml/2006/main">
+  <p:cSld>
+    <p:spTree>
+      <p:nvGrpSpPr>
+        <p:cNvPr id="1" name=""/>
+        <p:cNvGrpSpPr/>
+        <p:nvPr/>
+      </p:nvGrpSpPr>
+      <p:grpSpPr>
+        <a:xfrm>
+          <a:off x="0" y="0"/>
+          <a:ext cx="0" cy="0"/>
+          <a:chOff x="0" y="0"/>
+          <a:chExt cx="0" cy="0"/>
+        </a:xfrm>
+      </p:grpSpPr>
+      <p:sp>
+        <p:nvSpPr>
+          <p:cNvPr id="2" name="TextBox 1"/>
+          <p:cNvSpPr txBox="1"/>
+          <p:nvPr/>
+        </p:nvSpPr>
+        <p:spPr>
+          <a:xfrm>
+            <a:off x="836320" y="98490"/>
+            <a:ext cx="5463872" cy="646331"/>
+          </a:xfrm>
+          <a:prstGeom prst="rect">
+            <a:avLst/>
+          </a:prstGeom>
+          <a:noFill/>
+        </p:spPr>
+        <p:txBody>
+          <a:bodyPr wrap="square" rtlCol="0">
+            <a:spAutoFit/>
+          </a:bodyPr>
+          <a:lstStyle/>
+          <a:p>
+            <a:r>
+              <a:rPr lang="en-GB" sz="3600" dirty="0" smtClean="0"/>
               <a:t>Model</a:t>
             </a:r>
             <a:endParaRPr lang="en-GB" sz="3600" dirty="0"/>
@@ -30014,3015 +34468,6 @@
             </p:seq>
           </p:childTnLst>
         </p:cTn>
-      </p:par>
-    </p:tnLst>
-  </p:timing>
-</p:sld>
-</file>
-
-<file path=ppt/slides/slide8.xml><?xml version="1.0" encoding="utf-8"?>
-<p:sld xmlns:a="http://schemas.openxmlformats.org/drawingml/2006/main" xmlns:r="http://schemas.openxmlformats.org/officeDocument/2006/relationships" xmlns:p="http://schemas.openxmlformats.org/presentationml/2006/main">
-  <p:cSld>
-    <p:spTree>
-      <p:nvGrpSpPr>
-        <p:cNvPr id="1" name=""/>
-        <p:cNvGrpSpPr/>
-        <p:nvPr/>
-      </p:nvGrpSpPr>
-      <p:grpSpPr>
-        <a:xfrm>
-          <a:off x="0" y="0"/>
-          <a:ext cx="0" cy="0"/>
-          <a:chOff x="0" y="0"/>
-          <a:chExt cx="0" cy="0"/>
-        </a:xfrm>
-      </p:grpSpPr>
-      <p:sp>
-        <p:nvSpPr>
-          <p:cNvPr id="2" name="TextBox 1"/>
-          <p:cNvSpPr txBox="1"/>
-          <p:nvPr/>
-        </p:nvSpPr>
-        <p:spPr>
-          <a:xfrm>
-            <a:off x="836320" y="98490"/>
-            <a:ext cx="5463872" cy="646331"/>
-          </a:xfrm>
-          <a:prstGeom prst="rect">
-            <a:avLst/>
-          </a:prstGeom>
-          <a:noFill/>
-        </p:spPr>
-        <p:txBody>
-          <a:bodyPr wrap="square" rtlCol="0">
-            <a:spAutoFit/>
-          </a:bodyPr>
-          <a:lstStyle/>
-          <a:p>
-            <a:r>
-              <a:rPr lang="en-GB" sz="3600" dirty="0" smtClean="0"/>
-              <a:t>Simple Model</a:t>
-            </a:r>
-            <a:endParaRPr lang="en-GB" sz="3600" dirty="0"/>
-          </a:p>
-        </p:txBody>
-      </p:sp>
-      <p:sp>
-        <p:nvSpPr>
-          <p:cNvPr id="5" name="TextBox 4"/>
-          <p:cNvSpPr txBox="1"/>
-          <p:nvPr/>
-        </p:nvSpPr>
-        <p:spPr>
-          <a:xfrm>
-            <a:off x="960116" y="980728"/>
-            <a:ext cx="7992888" cy="2000548"/>
-          </a:xfrm>
-          <a:prstGeom prst="rect">
-            <a:avLst/>
-          </a:prstGeom>
-          <a:noFill/>
-        </p:spPr>
-        <p:txBody>
-          <a:bodyPr wrap="square" rtlCol="0">
-            <a:spAutoFit/>
-          </a:bodyPr>
-          <a:lstStyle/>
-          <a:p>
-            <a:r>
-              <a:rPr lang="en-GB" sz="2800" b="1" u="sng" dirty="0" smtClean="0"/>
-              <a:t>Assumptions</a:t>
-            </a:r>
-          </a:p>
-          <a:p>
-            <a:pPr marL="285750" indent="-285750">
-              <a:buFont typeface="Arial" pitchFamily="34" charset="0"/>
-              <a:buChar char="•"/>
-            </a:pPr>
-            <a:r>
-              <a:rPr lang="en-GB" sz="2400" dirty="0" smtClean="0"/>
-              <a:t>The number of teams/individuals available is fixed.</a:t>
-            </a:r>
-          </a:p>
-          <a:p>
-            <a:pPr marL="285750" indent="-285750">
-              <a:buFont typeface="Arial" pitchFamily="34" charset="0"/>
-              <a:buChar char="•"/>
-            </a:pPr>
-            <a:r>
-              <a:rPr lang="en-GB" sz="2400" dirty="0" smtClean="0"/>
-              <a:t>The skills possessed by each team/individual are fixed.</a:t>
-            </a:r>
-            <a:endParaRPr lang="en-GB" sz="2400" dirty="0"/>
-          </a:p>
-          <a:p>
-            <a:pPr marL="285750" indent="-285750">
-              <a:buFont typeface="Arial" pitchFamily="34" charset="0"/>
-              <a:buChar char="•"/>
-            </a:pPr>
-            <a:r>
-              <a:rPr lang="en-GB" sz="2400" dirty="0" smtClean="0"/>
-              <a:t>With each time-step, a single new project arrives. The skills required by this project are randomly determined.</a:t>
-            </a:r>
-          </a:p>
-        </p:txBody>
-      </p:sp>
-      <p:sp>
-        <p:nvSpPr>
-          <p:cNvPr id="6" name="Oval 5"/>
-          <p:cNvSpPr/>
-          <p:nvPr/>
-        </p:nvSpPr>
-        <p:spPr>
-          <a:xfrm>
-            <a:off x="2261414" y="3501008"/>
-            <a:ext cx="648072" cy="648072"/>
-          </a:xfrm>
-          <a:prstGeom prst="ellipse">
-            <a:avLst/>
-          </a:prstGeom>
-        </p:spPr>
-        <p:style>
-          <a:lnRef idx="2">
-            <a:schemeClr val="accent1">
-              <a:shade val="50000"/>
-            </a:schemeClr>
-          </a:lnRef>
-          <a:fillRef idx="1">
-            <a:schemeClr val="accent1"/>
-          </a:fillRef>
-          <a:effectRef idx="0">
-            <a:schemeClr val="accent1"/>
-          </a:effectRef>
-          <a:fontRef idx="minor">
-            <a:schemeClr val="lt1"/>
-          </a:fontRef>
-        </p:style>
-        <p:txBody>
-          <a:bodyPr rtlCol="0" anchor="ctr"/>
-          <a:lstStyle/>
-          <a:p>
-            <a:pPr algn="ctr"/>
-            <a:r>
-              <a:rPr lang="el-GR" sz="2400" dirty="0" smtClean="0"/>
-              <a:t>α</a:t>
-            </a:r>
-            <a:endParaRPr lang="en-GB" sz="2400" dirty="0"/>
-          </a:p>
-        </p:txBody>
-      </p:sp>
-      <p:sp>
-        <p:nvSpPr>
-          <p:cNvPr id="8" name="Oval 7"/>
-          <p:cNvSpPr/>
-          <p:nvPr/>
-        </p:nvSpPr>
-        <p:spPr>
-          <a:xfrm>
-            <a:off x="2260927" y="5301208"/>
-            <a:ext cx="648072" cy="648072"/>
-          </a:xfrm>
-          <a:prstGeom prst="ellipse">
-            <a:avLst/>
-          </a:prstGeom>
-        </p:spPr>
-        <p:style>
-          <a:lnRef idx="2">
-            <a:schemeClr val="accent1">
-              <a:shade val="50000"/>
-            </a:schemeClr>
-          </a:lnRef>
-          <a:fillRef idx="1">
-            <a:schemeClr val="accent1"/>
-          </a:fillRef>
-          <a:effectRef idx="0">
-            <a:schemeClr val="accent1"/>
-          </a:effectRef>
-          <a:fontRef idx="minor">
-            <a:schemeClr val="lt1"/>
-          </a:fontRef>
-        </p:style>
-        <p:txBody>
-          <a:bodyPr rtlCol="0" anchor="ctr"/>
-          <a:lstStyle/>
-          <a:p>
-            <a:pPr algn="ctr"/>
-            <a:r>
-              <a:rPr lang="el-GR" sz="2400" dirty="0" smtClean="0"/>
-              <a:t>β</a:t>
-            </a:r>
-            <a:endParaRPr lang="en-GB" sz="2400" dirty="0"/>
-          </a:p>
-        </p:txBody>
-      </p:sp>
-      <p:sp>
-        <p:nvSpPr>
-          <p:cNvPr id="9" name="Oval 8"/>
-          <p:cNvSpPr/>
-          <p:nvPr/>
-        </p:nvSpPr>
-        <p:spPr>
-          <a:xfrm>
-            <a:off x="4074496" y="3258766"/>
-            <a:ext cx="648072" cy="648072"/>
-          </a:xfrm>
-          <a:prstGeom prst="ellipse">
-            <a:avLst/>
-          </a:prstGeom>
-        </p:spPr>
-        <p:style>
-          <a:lnRef idx="2">
-            <a:schemeClr val="accent1">
-              <a:shade val="50000"/>
-            </a:schemeClr>
-          </a:lnRef>
-          <a:fillRef idx="1">
-            <a:schemeClr val="accent1"/>
-          </a:fillRef>
-          <a:effectRef idx="0">
-            <a:schemeClr val="accent1"/>
-          </a:effectRef>
-          <a:fontRef idx="minor">
-            <a:schemeClr val="lt1"/>
-          </a:fontRef>
-        </p:style>
-        <p:txBody>
-          <a:bodyPr rtlCol="0" anchor="ctr"/>
-          <a:lstStyle/>
-          <a:p>
-            <a:pPr algn="ctr"/>
-            <a:r>
-              <a:rPr lang="en-GB" sz="2400" dirty="0" smtClean="0"/>
-              <a:t>A</a:t>
-            </a:r>
-            <a:endParaRPr lang="en-GB" sz="2400" dirty="0"/>
-          </a:p>
-        </p:txBody>
-      </p:sp>
-      <p:sp>
-        <p:nvSpPr>
-          <p:cNvPr id="10" name="Oval 9"/>
-          <p:cNvSpPr/>
-          <p:nvPr/>
-        </p:nvSpPr>
-        <p:spPr>
-          <a:xfrm>
-            <a:off x="3426424" y="4365104"/>
-            <a:ext cx="648072" cy="648072"/>
-          </a:xfrm>
-          <a:prstGeom prst="ellipse">
-            <a:avLst/>
-          </a:prstGeom>
-        </p:spPr>
-        <p:style>
-          <a:lnRef idx="2">
-            <a:schemeClr val="accent1">
-              <a:shade val="50000"/>
-            </a:schemeClr>
-          </a:lnRef>
-          <a:fillRef idx="1">
-            <a:schemeClr val="accent1"/>
-          </a:fillRef>
-          <a:effectRef idx="0">
-            <a:schemeClr val="accent1"/>
-          </a:effectRef>
-          <a:fontRef idx="minor">
-            <a:schemeClr val="lt1"/>
-          </a:fontRef>
-        </p:style>
-        <p:txBody>
-          <a:bodyPr rtlCol="0" anchor="ctr"/>
-          <a:lstStyle/>
-          <a:p>
-            <a:pPr algn="ctr"/>
-            <a:r>
-              <a:rPr lang="en-GB" sz="2400" dirty="0" smtClean="0"/>
-              <a:t>C</a:t>
-            </a:r>
-            <a:endParaRPr lang="en-GB" sz="2400" dirty="0"/>
-          </a:p>
-        </p:txBody>
-      </p:sp>
-      <p:sp>
-        <p:nvSpPr>
-          <p:cNvPr id="11" name="Oval 10"/>
-          <p:cNvSpPr/>
-          <p:nvPr/>
-        </p:nvSpPr>
-        <p:spPr>
-          <a:xfrm>
-            <a:off x="4074496" y="5445224"/>
-            <a:ext cx="648072" cy="648072"/>
-          </a:xfrm>
-          <a:prstGeom prst="ellipse">
-            <a:avLst/>
-          </a:prstGeom>
-        </p:spPr>
-        <p:style>
-          <a:lnRef idx="2">
-            <a:schemeClr val="accent1">
-              <a:shade val="50000"/>
-            </a:schemeClr>
-          </a:lnRef>
-          <a:fillRef idx="1">
-            <a:schemeClr val="accent1"/>
-          </a:fillRef>
-          <a:effectRef idx="0">
-            <a:schemeClr val="accent1"/>
-          </a:effectRef>
-          <a:fontRef idx="minor">
-            <a:schemeClr val="lt1"/>
-          </a:fontRef>
-        </p:style>
-        <p:txBody>
-          <a:bodyPr rtlCol="0" anchor="ctr"/>
-          <a:lstStyle/>
-          <a:p>
-            <a:pPr algn="ctr"/>
-            <a:r>
-              <a:rPr lang="en-GB" sz="2400" dirty="0" smtClean="0"/>
-              <a:t>B</a:t>
-            </a:r>
-            <a:endParaRPr lang="en-GB" sz="2400" dirty="0"/>
-          </a:p>
-        </p:txBody>
-      </p:sp>
-      <p:cxnSp>
-        <p:nvCxnSpPr>
-          <p:cNvPr id="15" name="Straight Connector 14"/>
-          <p:cNvCxnSpPr>
-            <a:stCxn id="10" idx="3"/>
-            <a:endCxn id="8" idx="7"/>
-          </p:cNvCxnSpPr>
-          <p:nvPr/>
-        </p:nvCxnSpPr>
-        <p:spPr>
-          <a:xfrm flipH="1">
-            <a:off x="2814091" y="4918268"/>
-            <a:ext cx="707241" cy="477848"/>
-          </a:xfrm>
-          <a:prstGeom prst="line">
-            <a:avLst/>
-          </a:prstGeom>
-          <a:ln w="25400">
-            <a:solidFill>
-              <a:schemeClr val="tx1"/>
-            </a:solidFill>
-            <a:prstDash val="sysDash"/>
-          </a:ln>
-        </p:spPr>
-        <p:style>
-          <a:lnRef idx="1">
-            <a:schemeClr val="accent1"/>
-          </a:lnRef>
-          <a:fillRef idx="0">
-            <a:schemeClr val="accent1"/>
-          </a:fillRef>
-          <a:effectRef idx="0">
-            <a:schemeClr val="accent1"/>
-          </a:effectRef>
-          <a:fontRef idx="minor">
-            <a:schemeClr val="tx1"/>
-          </a:fontRef>
-        </p:style>
-      </p:cxnSp>
-      <p:cxnSp>
-        <p:nvCxnSpPr>
-          <p:cNvPr id="17" name="Straight Connector 16"/>
-          <p:cNvCxnSpPr>
-            <a:stCxn id="10" idx="1"/>
-            <a:endCxn id="6" idx="5"/>
-          </p:cNvCxnSpPr>
-          <p:nvPr/>
-        </p:nvCxnSpPr>
-        <p:spPr>
-          <a:xfrm flipH="1" flipV="1">
-            <a:off x="2814578" y="4054172"/>
-            <a:ext cx="706754" cy="405840"/>
-          </a:xfrm>
-          <a:prstGeom prst="line">
-            <a:avLst/>
-          </a:prstGeom>
-          <a:ln w="25400">
-            <a:solidFill>
-              <a:schemeClr val="tx1"/>
-            </a:solidFill>
-            <a:prstDash val="sysDash"/>
-          </a:ln>
-        </p:spPr>
-        <p:style>
-          <a:lnRef idx="1">
-            <a:schemeClr val="accent1"/>
-          </a:lnRef>
-          <a:fillRef idx="0">
-            <a:schemeClr val="accent1"/>
-          </a:fillRef>
-          <a:effectRef idx="0">
-            <a:schemeClr val="accent1"/>
-          </a:effectRef>
-          <a:fontRef idx="minor">
-            <a:schemeClr val="tx1"/>
-          </a:fontRef>
-        </p:style>
-      </p:cxnSp>
-      <p:cxnSp>
-        <p:nvCxnSpPr>
-          <p:cNvPr id="19" name="Straight Connector 18"/>
-          <p:cNvCxnSpPr>
-            <a:stCxn id="9" idx="2"/>
-            <a:endCxn id="6" idx="6"/>
-          </p:cNvCxnSpPr>
-          <p:nvPr/>
-        </p:nvCxnSpPr>
-        <p:spPr>
-          <a:xfrm flipH="1">
-            <a:off x="2909486" y="3582802"/>
-            <a:ext cx="1165010" cy="242242"/>
-          </a:xfrm>
-          <a:prstGeom prst="line">
-            <a:avLst/>
-          </a:prstGeom>
-          <a:ln w="25400">
-            <a:solidFill>
-              <a:schemeClr val="tx1"/>
-            </a:solidFill>
-            <a:prstDash val="sysDash"/>
-          </a:ln>
-        </p:spPr>
-        <p:style>
-          <a:lnRef idx="1">
-            <a:schemeClr val="accent1"/>
-          </a:lnRef>
-          <a:fillRef idx="0">
-            <a:schemeClr val="accent1"/>
-          </a:fillRef>
-          <a:effectRef idx="0">
-            <a:schemeClr val="accent1"/>
-          </a:effectRef>
-          <a:fontRef idx="minor">
-            <a:schemeClr val="tx1"/>
-          </a:fontRef>
-        </p:style>
-      </p:cxnSp>
-      <p:cxnSp>
-        <p:nvCxnSpPr>
-          <p:cNvPr id="21" name="Straight Connector 20"/>
-          <p:cNvCxnSpPr>
-            <a:stCxn id="11" idx="2"/>
-            <a:endCxn id="8" idx="6"/>
-          </p:cNvCxnSpPr>
-          <p:nvPr/>
-        </p:nvCxnSpPr>
-        <p:spPr>
-          <a:xfrm flipH="1" flipV="1">
-            <a:off x="2908999" y="5625244"/>
-            <a:ext cx="1165497" cy="144016"/>
-          </a:xfrm>
-          <a:prstGeom prst="line">
-            <a:avLst/>
-          </a:prstGeom>
-          <a:ln w="25400">
-            <a:solidFill>
-              <a:schemeClr val="tx1"/>
-            </a:solidFill>
-            <a:prstDash val="sysDash"/>
-          </a:ln>
-        </p:spPr>
-        <p:style>
-          <a:lnRef idx="1">
-            <a:schemeClr val="accent1"/>
-          </a:lnRef>
-          <a:fillRef idx="0">
-            <a:schemeClr val="accent1"/>
-          </a:fillRef>
-          <a:effectRef idx="0">
-            <a:schemeClr val="accent1"/>
-          </a:effectRef>
-          <a:fontRef idx="minor">
-            <a:schemeClr val="tx1"/>
-          </a:fontRef>
-        </p:style>
-      </p:cxnSp>
-      <p:cxnSp>
-        <p:nvCxnSpPr>
-          <p:cNvPr id="23" name="Straight Connector 22"/>
-          <p:cNvCxnSpPr/>
-          <p:nvPr/>
-        </p:nvCxnSpPr>
-        <p:spPr>
-          <a:xfrm>
-            <a:off x="3167711" y="2981276"/>
-            <a:ext cx="244" cy="3400052"/>
-          </a:xfrm>
-          <a:prstGeom prst="line">
-            <a:avLst/>
-          </a:prstGeom>
-          <a:ln w="50800">
-            <a:solidFill>
-              <a:schemeClr val="accent6">
-                <a:lumMod val="75000"/>
-              </a:schemeClr>
-            </a:solidFill>
-          </a:ln>
-        </p:spPr>
-        <p:style>
-          <a:lnRef idx="1">
-            <a:schemeClr val="accent1"/>
-          </a:lnRef>
-          <a:fillRef idx="0">
-            <a:schemeClr val="accent1"/>
-          </a:fillRef>
-          <a:effectRef idx="0">
-            <a:schemeClr val="accent1"/>
-          </a:effectRef>
-          <a:fontRef idx="minor">
-            <a:schemeClr val="tx1"/>
-          </a:fontRef>
-        </p:style>
-      </p:cxnSp>
-      <p:cxnSp>
-        <p:nvCxnSpPr>
-          <p:cNvPr id="24" name="Straight Connector 23"/>
-          <p:cNvCxnSpPr/>
-          <p:nvPr/>
-        </p:nvCxnSpPr>
-        <p:spPr>
-          <a:xfrm>
-            <a:off x="5953044" y="2981276"/>
-            <a:ext cx="244" cy="3400052"/>
-          </a:xfrm>
-          <a:prstGeom prst="line">
-            <a:avLst/>
-          </a:prstGeom>
-          <a:ln w="50800">
-            <a:solidFill>
-              <a:schemeClr val="accent6">
-                <a:lumMod val="75000"/>
-              </a:schemeClr>
-            </a:solidFill>
-          </a:ln>
-        </p:spPr>
-        <p:style>
-          <a:lnRef idx="1">
-            <a:schemeClr val="accent1"/>
-          </a:lnRef>
-          <a:fillRef idx="0">
-            <a:schemeClr val="accent1"/>
-          </a:fillRef>
-          <a:effectRef idx="0">
-            <a:schemeClr val="accent1"/>
-          </a:effectRef>
-          <a:fontRef idx="minor">
-            <a:schemeClr val="tx1"/>
-          </a:fontRef>
-        </p:style>
-      </p:cxnSp>
-      <p:sp>
-        <p:nvSpPr>
-          <p:cNvPr id="25" name="Oval 24"/>
-          <p:cNvSpPr/>
-          <p:nvPr/>
-        </p:nvSpPr>
-        <p:spPr>
-          <a:xfrm>
-            <a:off x="6529108" y="3703923"/>
-            <a:ext cx="792088" cy="769193"/>
-          </a:xfrm>
-          <a:prstGeom prst="ellipse">
-            <a:avLst/>
-          </a:prstGeom>
-        </p:spPr>
-        <p:style>
-          <a:lnRef idx="2">
-            <a:schemeClr val="accent1">
-              <a:shade val="50000"/>
-            </a:schemeClr>
-          </a:lnRef>
-          <a:fillRef idx="1">
-            <a:schemeClr val="accent1"/>
-          </a:fillRef>
-          <a:effectRef idx="0">
-            <a:schemeClr val="accent1"/>
-          </a:effectRef>
-          <a:fontRef idx="minor">
-            <a:schemeClr val="lt1"/>
-          </a:fontRef>
-        </p:style>
-        <p:txBody>
-          <a:bodyPr rtlCol="0" anchor="ctr"/>
-          <a:lstStyle/>
-          <a:p>
-            <a:pPr algn="ctr"/>
-            <a:r>
-              <a:rPr lang="en-GB" sz="2400" dirty="0" smtClean="0"/>
-              <a:t>P</a:t>
-            </a:r>
-            <a:r>
-              <a:rPr lang="el-GR" sz="2400" dirty="0" smtClean="0"/>
-              <a:t>α</a:t>
-            </a:r>
-            <a:endParaRPr lang="en-GB" sz="2400" dirty="0"/>
-          </a:p>
-        </p:txBody>
-      </p:sp>
-      <p:sp>
-        <p:nvSpPr>
-          <p:cNvPr id="26" name="Oval 25"/>
-          <p:cNvSpPr/>
-          <p:nvPr/>
-        </p:nvSpPr>
-        <p:spPr>
-          <a:xfrm>
-            <a:off x="6529108" y="4797152"/>
-            <a:ext cx="792088" cy="762636"/>
-          </a:xfrm>
-          <a:prstGeom prst="ellipse">
-            <a:avLst/>
-          </a:prstGeom>
-        </p:spPr>
-        <p:style>
-          <a:lnRef idx="2">
-            <a:schemeClr val="accent1">
-              <a:shade val="50000"/>
-            </a:schemeClr>
-          </a:lnRef>
-          <a:fillRef idx="1">
-            <a:schemeClr val="accent1"/>
-          </a:fillRef>
-          <a:effectRef idx="0">
-            <a:schemeClr val="accent1"/>
-          </a:effectRef>
-          <a:fontRef idx="minor">
-            <a:schemeClr val="lt1"/>
-          </a:fontRef>
-        </p:style>
-        <p:txBody>
-          <a:bodyPr rtlCol="0" anchor="ctr"/>
-          <a:lstStyle/>
-          <a:p>
-            <a:pPr algn="ctr"/>
-            <a:r>
-              <a:rPr lang="en-GB" sz="2400" dirty="0" smtClean="0"/>
-              <a:t>P</a:t>
-            </a:r>
-            <a:r>
-              <a:rPr lang="el-GR" sz="2400" dirty="0" smtClean="0"/>
-              <a:t>β</a:t>
-            </a:r>
-            <a:endParaRPr lang="en-GB" sz="2400" dirty="0"/>
-          </a:p>
-        </p:txBody>
-      </p:sp>
-      <p:cxnSp>
-        <p:nvCxnSpPr>
-          <p:cNvPr id="28" name="Straight Arrow Connector 27"/>
-          <p:cNvCxnSpPr>
-            <a:stCxn id="25" idx="1"/>
-            <a:endCxn id="9" idx="6"/>
-          </p:cNvCxnSpPr>
-          <p:nvPr/>
-        </p:nvCxnSpPr>
-        <p:spPr>
-          <a:xfrm flipH="1" flipV="1">
-            <a:off x="4722568" y="3582802"/>
-            <a:ext cx="1922539" cy="233767"/>
-          </a:xfrm>
-          <a:prstGeom prst="straightConnector1">
-            <a:avLst/>
-          </a:prstGeom>
-          <a:ln w="25400">
-            <a:solidFill>
-              <a:schemeClr val="tx1"/>
-            </a:solidFill>
-            <a:tailEnd type="arrow"/>
-          </a:ln>
-        </p:spPr>
-        <p:style>
-          <a:lnRef idx="1">
-            <a:schemeClr val="accent1"/>
-          </a:lnRef>
-          <a:fillRef idx="0">
-            <a:schemeClr val="accent1"/>
-          </a:fillRef>
-          <a:effectRef idx="0">
-            <a:schemeClr val="accent1"/>
-          </a:effectRef>
-          <a:fontRef idx="minor">
-            <a:schemeClr val="tx1"/>
-          </a:fontRef>
-        </p:style>
-      </p:cxnSp>
-      <p:cxnSp>
-        <p:nvCxnSpPr>
-          <p:cNvPr id="30" name="Straight Arrow Connector 29"/>
-          <p:cNvCxnSpPr>
-            <a:stCxn id="25" idx="2"/>
-          </p:cNvCxnSpPr>
-          <p:nvPr/>
-        </p:nvCxnSpPr>
-        <p:spPr>
-          <a:xfrm flipH="1">
-            <a:off x="4074496" y="4088520"/>
-            <a:ext cx="2454612" cy="592782"/>
-          </a:xfrm>
-          <a:prstGeom prst="straightConnector1">
-            <a:avLst/>
-          </a:prstGeom>
-          <a:ln w="25400">
-            <a:solidFill>
-              <a:schemeClr val="tx1"/>
-            </a:solidFill>
-            <a:tailEnd type="arrow"/>
-          </a:ln>
-        </p:spPr>
-        <p:style>
-          <a:lnRef idx="1">
-            <a:schemeClr val="accent1"/>
-          </a:lnRef>
-          <a:fillRef idx="0">
-            <a:schemeClr val="accent1"/>
-          </a:fillRef>
-          <a:effectRef idx="0">
-            <a:schemeClr val="accent1"/>
-          </a:effectRef>
-          <a:fontRef idx="minor">
-            <a:schemeClr val="tx1"/>
-          </a:fontRef>
-        </p:style>
-      </p:cxnSp>
-      <p:cxnSp>
-        <p:nvCxnSpPr>
-          <p:cNvPr id="32" name="Straight Arrow Connector 31"/>
-          <p:cNvCxnSpPr>
-            <a:stCxn id="25" idx="3"/>
-            <a:endCxn id="11" idx="7"/>
-          </p:cNvCxnSpPr>
-          <p:nvPr/>
-        </p:nvCxnSpPr>
-        <p:spPr>
-          <a:xfrm flipH="1">
-            <a:off x="4627660" y="4360470"/>
-            <a:ext cx="2017447" cy="1179662"/>
-          </a:xfrm>
-          <a:prstGeom prst="straightConnector1">
-            <a:avLst/>
-          </a:prstGeom>
-          <a:ln w="25400">
-            <a:solidFill>
-              <a:schemeClr val="tx1"/>
-            </a:solidFill>
-            <a:tailEnd type="arrow"/>
-          </a:ln>
-        </p:spPr>
-        <p:style>
-          <a:lnRef idx="1">
-            <a:schemeClr val="accent1"/>
-          </a:lnRef>
-          <a:fillRef idx="0">
-            <a:schemeClr val="accent1"/>
-          </a:fillRef>
-          <a:effectRef idx="0">
-            <a:schemeClr val="accent1"/>
-          </a:effectRef>
-          <a:fontRef idx="minor">
-            <a:schemeClr val="tx1"/>
-          </a:fontRef>
-        </p:style>
-      </p:cxnSp>
-      <p:cxnSp>
-        <p:nvCxnSpPr>
-          <p:cNvPr id="34" name="Straight Arrow Connector 33"/>
-          <p:cNvCxnSpPr>
-            <a:stCxn id="26" idx="1"/>
-            <a:endCxn id="9" idx="5"/>
-          </p:cNvCxnSpPr>
-          <p:nvPr/>
-        </p:nvCxnSpPr>
-        <p:spPr>
-          <a:xfrm flipH="1" flipV="1">
-            <a:off x="4627660" y="3811930"/>
-            <a:ext cx="2017447" cy="1096907"/>
-          </a:xfrm>
-          <a:prstGeom prst="straightConnector1">
-            <a:avLst/>
-          </a:prstGeom>
-          <a:ln w="25400">
-            <a:solidFill>
-              <a:schemeClr val="tx1"/>
-            </a:solidFill>
-            <a:tailEnd type="arrow"/>
-          </a:ln>
-        </p:spPr>
-        <p:style>
-          <a:lnRef idx="1">
-            <a:schemeClr val="accent1"/>
-          </a:lnRef>
-          <a:fillRef idx="0">
-            <a:schemeClr val="accent1"/>
-          </a:fillRef>
-          <a:effectRef idx="0">
-            <a:schemeClr val="accent1"/>
-          </a:effectRef>
-          <a:fontRef idx="minor">
-            <a:schemeClr val="tx1"/>
-          </a:fontRef>
-        </p:style>
-      </p:cxnSp>
-      <p:cxnSp>
-        <p:nvCxnSpPr>
-          <p:cNvPr id="36" name="Straight Arrow Connector 35"/>
-          <p:cNvCxnSpPr>
-            <a:stCxn id="26" idx="2"/>
-            <a:endCxn id="10" idx="5"/>
-          </p:cNvCxnSpPr>
-          <p:nvPr/>
-        </p:nvCxnSpPr>
-        <p:spPr>
-          <a:xfrm flipH="1" flipV="1">
-            <a:off x="3979588" y="4918268"/>
-            <a:ext cx="2549520" cy="260202"/>
-          </a:xfrm>
-          <a:prstGeom prst="straightConnector1">
-            <a:avLst/>
-          </a:prstGeom>
-          <a:ln w="25400">
-            <a:solidFill>
-              <a:schemeClr val="tx1"/>
-            </a:solidFill>
-            <a:tailEnd type="arrow"/>
-          </a:ln>
-        </p:spPr>
-        <p:style>
-          <a:lnRef idx="1">
-            <a:schemeClr val="accent1"/>
-          </a:lnRef>
-          <a:fillRef idx="0">
-            <a:schemeClr val="accent1"/>
-          </a:fillRef>
-          <a:effectRef idx="0">
-            <a:schemeClr val="accent1"/>
-          </a:effectRef>
-          <a:fontRef idx="minor">
-            <a:schemeClr val="tx1"/>
-          </a:fontRef>
-        </p:style>
-      </p:cxnSp>
-      <p:cxnSp>
-        <p:nvCxnSpPr>
-          <p:cNvPr id="38" name="Straight Arrow Connector 37"/>
-          <p:cNvCxnSpPr>
-            <a:stCxn id="26" idx="3"/>
-            <a:endCxn id="11" idx="6"/>
-          </p:cNvCxnSpPr>
-          <p:nvPr/>
-        </p:nvCxnSpPr>
-        <p:spPr>
-          <a:xfrm flipH="1">
-            <a:off x="4722568" y="5448103"/>
-            <a:ext cx="1922539" cy="321157"/>
-          </a:xfrm>
-          <a:prstGeom prst="straightConnector1">
-            <a:avLst/>
-          </a:prstGeom>
-          <a:ln w="25400">
-            <a:solidFill>
-              <a:schemeClr val="tx1"/>
-            </a:solidFill>
-            <a:tailEnd type="arrow"/>
-          </a:ln>
-        </p:spPr>
-        <p:style>
-          <a:lnRef idx="1">
-            <a:schemeClr val="accent1"/>
-          </a:lnRef>
-          <a:fillRef idx="0">
-            <a:schemeClr val="accent1"/>
-          </a:fillRef>
-          <a:effectRef idx="0">
-            <a:schemeClr val="accent1"/>
-          </a:effectRef>
-          <a:fontRef idx="minor">
-            <a:schemeClr val="tx1"/>
-          </a:fontRef>
-        </p:style>
-      </p:cxnSp>
-      <p:cxnSp>
-        <p:nvCxnSpPr>
-          <p:cNvPr id="49" name="Straight Connector 48"/>
-          <p:cNvCxnSpPr>
-            <a:stCxn id="9" idx="3"/>
-            <a:endCxn id="10" idx="0"/>
-          </p:cNvCxnSpPr>
-          <p:nvPr/>
-        </p:nvCxnSpPr>
-        <p:spPr>
-          <a:xfrm flipH="1">
-            <a:off x="3750460" y="3811930"/>
-            <a:ext cx="418944" cy="553174"/>
-          </a:xfrm>
-          <a:prstGeom prst="line">
-            <a:avLst/>
-          </a:prstGeom>
-          <a:ln w="25400">
-            <a:solidFill>
-              <a:srgbClr val="FF0000"/>
-            </a:solidFill>
-          </a:ln>
-        </p:spPr>
-        <p:style>
-          <a:lnRef idx="1">
-            <a:schemeClr val="accent1"/>
-          </a:lnRef>
-          <a:fillRef idx="0">
-            <a:schemeClr val="accent1"/>
-          </a:fillRef>
-          <a:effectRef idx="0">
-            <a:schemeClr val="accent1"/>
-          </a:effectRef>
-          <a:fontRef idx="minor">
-            <a:schemeClr val="tx1"/>
-          </a:fontRef>
-        </p:style>
-      </p:cxnSp>
-      <p:cxnSp>
-        <p:nvCxnSpPr>
-          <p:cNvPr id="51" name="Straight Connector 50"/>
-          <p:cNvCxnSpPr>
-            <a:stCxn id="10" idx="4"/>
-            <a:endCxn id="11" idx="1"/>
-          </p:cNvCxnSpPr>
-          <p:nvPr/>
-        </p:nvCxnSpPr>
-        <p:spPr>
-          <a:xfrm>
-            <a:off x="3750460" y="5013176"/>
-            <a:ext cx="418944" cy="526956"/>
-          </a:xfrm>
-          <a:prstGeom prst="line">
-            <a:avLst/>
-          </a:prstGeom>
-          <a:ln w="25400">
-            <a:solidFill>
-              <a:srgbClr val="FF0000"/>
-            </a:solidFill>
-          </a:ln>
-        </p:spPr>
-        <p:style>
-          <a:lnRef idx="1">
-            <a:schemeClr val="accent1"/>
-          </a:lnRef>
-          <a:fillRef idx="0">
-            <a:schemeClr val="accent1"/>
-          </a:fillRef>
-          <a:effectRef idx="0">
-            <a:schemeClr val="accent1"/>
-          </a:effectRef>
-          <a:fontRef idx="minor">
-            <a:schemeClr val="tx1"/>
-          </a:fontRef>
-        </p:style>
-      </p:cxnSp>
-      <p:cxnSp>
-        <p:nvCxnSpPr>
-          <p:cNvPr id="54" name="Straight Connector 53"/>
-          <p:cNvCxnSpPr>
-            <a:stCxn id="9" idx="4"/>
-            <a:endCxn id="11" idx="0"/>
-          </p:cNvCxnSpPr>
-          <p:nvPr/>
-        </p:nvCxnSpPr>
-        <p:spPr>
-          <a:xfrm>
-            <a:off x="4398532" y="3906838"/>
-            <a:ext cx="0" cy="1538386"/>
-          </a:xfrm>
-          <a:prstGeom prst="line">
-            <a:avLst/>
-          </a:prstGeom>
-          <a:ln w="25400">
-            <a:solidFill>
-              <a:srgbClr val="FF0000"/>
-            </a:solidFill>
-          </a:ln>
-        </p:spPr>
-        <p:style>
-          <a:lnRef idx="1">
-            <a:schemeClr val="accent1"/>
-          </a:lnRef>
-          <a:fillRef idx="0">
-            <a:schemeClr val="accent1"/>
-          </a:fillRef>
-          <a:effectRef idx="0">
-            <a:schemeClr val="accent1"/>
-          </a:effectRef>
-          <a:fontRef idx="minor">
-            <a:schemeClr val="tx1"/>
-          </a:fontRef>
-        </p:style>
-      </p:cxnSp>
-      <p:sp>
-        <p:nvSpPr>
-          <p:cNvPr id="55" name="TextBox 54"/>
-          <p:cNvSpPr txBox="1"/>
-          <p:nvPr/>
-        </p:nvSpPr>
-        <p:spPr>
-          <a:xfrm>
-            <a:off x="1511771" y="5919662"/>
-            <a:ext cx="1656184" cy="461665"/>
-          </a:xfrm>
-          <a:prstGeom prst="rect">
-            <a:avLst/>
-          </a:prstGeom>
-          <a:noFill/>
-        </p:spPr>
-        <p:txBody>
-          <a:bodyPr wrap="square" rtlCol="0">
-            <a:spAutoFit/>
-          </a:bodyPr>
-          <a:lstStyle/>
-          <a:p>
-            <a:r>
-              <a:rPr lang="en-GB" sz="2400" b="1" dirty="0" smtClean="0"/>
-              <a:t>Skills</a:t>
-            </a:r>
-            <a:endParaRPr lang="en-GB" sz="2400" b="1" dirty="0"/>
-          </a:p>
-        </p:txBody>
-      </p:sp>
-      <p:sp>
-        <p:nvSpPr>
-          <p:cNvPr id="56" name="TextBox 55"/>
-          <p:cNvSpPr txBox="1"/>
-          <p:nvPr/>
-        </p:nvSpPr>
-        <p:spPr>
-          <a:xfrm>
-            <a:off x="6012160" y="5916677"/>
-            <a:ext cx="1887333" cy="461665"/>
-          </a:xfrm>
-          <a:prstGeom prst="rect">
-            <a:avLst/>
-          </a:prstGeom>
-          <a:noFill/>
-        </p:spPr>
-        <p:txBody>
-          <a:bodyPr wrap="square" rtlCol="0">
-            <a:spAutoFit/>
-          </a:bodyPr>
-          <a:lstStyle/>
-          <a:p>
-            <a:r>
-              <a:rPr lang="en-GB" sz="2400" b="1" dirty="0" smtClean="0"/>
-              <a:t>Projects</a:t>
-            </a:r>
-            <a:endParaRPr lang="en-GB" sz="2400" b="1" dirty="0"/>
-          </a:p>
-        </p:txBody>
-      </p:sp>
-      <p:sp>
-        <p:nvSpPr>
-          <p:cNvPr id="57" name="TextBox 56"/>
-          <p:cNvSpPr txBox="1"/>
-          <p:nvPr/>
-        </p:nvSpPr>
-        <p:spPr>
-          <a:xfrm>
-            <a:off x="4729152" y="5919663"/>
-            <a:ext cx="1224136" cy="461665"/>
-          </a:xfrm>
-          <a:prstGeom prst="rect">
-            <a:avLst/>
-          </a:prstGeom>
-          <a:noFill/>
-        </p:spPr>
-        <p:txBody>
-          <a:bodyPr wrap="square" rtlCol="0">
-            <a:spAutoFit/>
-          </a:bodyPr>
-          <a:lstStyle/>
-          <a:p>
-            <a:r>
-              <a:rPr lang="en-GB" sz="2400" b="1" dirty="0" smtClean="0"/>
-              <a:t>Teams</a:t>
-            </a:r>
-            <a:endParaRPr lang="en-GB" sz="2400" b="1" dirty="0"/>
-          </a:p>
-        </p:txBody>
-      </p:sp>
-    </p:spTree>
-    <p:extLst>
-      <p:ext uri="{BB962C8B-B14F-4D97-AF65-F5344CB8AC3E}">
-        <p14:creationId xmlns:p14="http://schemas.microsoft.com/office/powerpoint/2010/main" val="4228948001"/>
-      </p:ext>
-    </p:extLst>
-  </p:cSld>
-  <p:clrMapOvr>
-    <a:masterClrMapping/>
-  </p:clrMapOvr>
-  <p:timing>
-    <p:tnLst>
-      <p:par>
-        <p:cTn id="1" dur="indefinite" restart="never" nodeType="tmRoot">
-          <p:childTnLst>
-            <p:seq concurrent="1" nextAc="seek">
-              <p:cTn id="2" dur="indefinite" nodeType="mainSeq">
-                <p:childTnLst>
-                  <p:par>
-                    <p:cTn id="3" fill="hold">
-                      <p:stCondLst>
-                        <p:cond delay="indefinite"/>
-                      </p:stCondLst>
-                      <p:childTnLst>
-                        <p:par>
-                          <p:cTn id="4" fill="hold">
-                            <p:stCondLst>
-                              <p:cond delay="0"/>
-                            </p:stCondLst>
-                            <p:childTnLst>
-                              <p:par>
-                                <p:cTn id="5" presetID="1" presetClass="entr" presetSubtype="0" fill="hold" grpId="0" nodeType="clickEffect">
-                                  <p:stCondLst>
-                                    <p:cond delay="0"/>
-                                  </p:stCondLst>
-                                  <p:childTnLst>
-                                    <p:set>
-                                      <p:cBhvr>
-                                        <p:cTn id="6" dur="1" fill="hold">
-                                          <p:stCondLst>
-                                            <p:cond delay="0"/>
-                                          </p:stCondLst>
-                                        </p:cTn>
-                                        <p:tgtEl>
-                                          <p:spTgt spid="6"/>
-                                        </p:tgtEl>
-                                        <p:attrNameLst>
-                                          <p:attrName>style.visibility</p:attrName>
-                                        </p:attrNameLst>
-                                      </p:cBhvr>
-                                      <p:to>
-                                        <p:strVal val="visible"/>
-                                      </p:to>
-                                    </p:set>
-                                  </p:childTnLst>
-                                </p:cTn>
-                              </p:par>
-                              <p:par>
-                                <p:cTn id="7" presetID="1" presetClass="entr" presetSubtype="0" fill="hold" grpId="0" nodeType="withEffect">
-                                  <p:stCondLst>
-                                    <p:cond delay="0"/>
-                                  </p:stCondLst>
-                                  <p:childTnLst>
-                                    <p:set>
-                                      <p:cBhvr>
-                                        <p:cTn id="8" dur="1" fill="hold">
-                                          <p:stCondLst>
-                                            <p:cond delay="0"/>
-                                          </p:stCondLst>
-                                        </p:cTn>
-                                        <p:tgtEl>
-                                          <p:spTgt spid="8"/>
-                                        </p:tgtEl>
-                                        <p:attrNameLst>
-                                          <p:attrName>style.visibility</p:attrName>
-                                        </p:attrNameLst>
-                                      </p:cBhvr>
-                                      <p:to>
-                                        <p:strVal val="visible"/>
-                                      </p:to>
-                                    </p:set>
-                                  </p:childTnLst>
-                                </p:cTn>
-                              </p:par>
-                              <p:par>
-                                <p:cTn id="9" presetID="1" presetClass="entr" presetSubtype="0" fill="hold" grpId="0" nodeType="withEffect">
-                                  <p:stCondLst>
-                                    <p:cond delay="0"/>
-                                  </p:stCondLst>
-                                  <p:childTnLst>
-                                    <p:set>
-                                      <p:cBhvr>
-                                        <p:cTn id="10" dur="1" fill="hold">
-                                          <p:stCondLst>
-                                            <p:cond delay="0"/>
-                                          </p:stCondLst>
-                                        </p:cTn>
-                                        <p:tgtEl>
-                                          <p:spTgt spid="9"/>
-                                        </p:tgtEl>
-                                        <p:attrNameLst>
-                                          <p:attrName>style.visibility</p:attrName>
-                                        </p:attrNameLst>
-                                      </p:cBhvr>
-                                      <p:to>
-                                        <p:strVal val="visible"/>
-                                      </p:to>
-                                    </p:set>
-                                  </p:childTnLst>
-                                </p:cTn>
-                              </p:par>
-                              <p:par>
-                                <p:cTn id="11" presetID="1" presetClass="entr" presetSubtype="0" fill="hold" grpId="0" nodeType="withEffect">
-                                  <p:stCondLst>
-                                    <p:cond delay="0"/>
-                                  </p:stCondLst>
-                                  <p:childTnLst>
-                                    <p:set>
-                                      <p:cBhvr>
-                                        <p:cTn id="12" dur="1" fill="hold">
-                                          <p:stCondLst>
-                                            <p:cond delay="0"/>
-                                          </p:stCondLst>
-                                        </p:cTn>
-                                        <p:tgtEl>
-                                          <p:spTgt spid="10"/>
-                                        </p:tgtEl>
-                                        <p:attrNameLst>
-                                          <p:attrName>style.visibility</p:attrName>
-                                        </p:attrNameLst>
-                                      </p:cBhvr>
-                                      <p:to>
-                                        <p:strVal val="visible"/>
-                                      </p:to>
-                                    </p:set>
-                                  </p:childTnLst>
-                                </p:cTn>
-                              </p:par>
-                              <p:par>
-                                <p:cTn id="13" presetID="1" presetClass="entr" presetSubtype="0" fill="hold" grpId="0" nodeType="withEffect">
-                                  <p:stCondLst>
-                                    <p:cond delay="0"/>
-                                  </p:stCondLst>
-                                  <p:childTnLst>
-                                    <p:set>
-                                      <p:cBhvr>
-                                        <p:cTn id="14" dur="1" fill="hold">
-                                          <p:stCondLst>
-                                            <p:cond delay="0"/>
-                                          </p:stCondLst>
-                                        </p:cTn>
-                                        <p:tgtEl>
-                                          <p:spTgt spid="11"/>
-                                        </p:tgtEl>
-                                        <p:attrNameLst>
-                                          <p:attrName>style.visibility</p:attrName>
-                                        </p:attrNameLst>
-                                      </p:cBhvr>
-                                      <p:to>
-                                        <p:strVal val="visible"/>
-                                      </p:to>
-                                    </p:set>
-                                  </p:childTnLst>
-                                </p:cTn>
-                              </p:par>
-                              <p:par>
-                                <p:cTn id="15" presetID="1" presetClass="entr" presetSubtype="0" fill="hold" nodeType="withEffect">
-                                  <p:stCondLst>
-                                    <p:cond delay="0"/>
-                                  </p:stCondLst>
-                                  <p:childTnLst>
-                                    <p:set>
-                                      <p:cBhvr>
-                                        <p:cTn id="16" dur="1" fill="hold">
-                                          <p:stCondLst>
-                                            <p:cond delay="0"/>
-                                          </p:stCondLst>
-                                        </p:cTn>
-                                        <p:tgtEl>
-                                          <p:spTgt spid="15"/>
-                                        </p:tgtEl>
-                                        <p:attrNameLst>
-                                          <p:attrName>style.visibility</p:attrName>
-                                        </p:attrNameLst>
-                                      </p:cBhvr>
-                                      <p:to>
-                                        <p:strVal val="visible"/>
-                                      </p:to>
-                                    </p:set>
-                                  </p:childTnLst>
-                                </p:cTn>
-                              </p:par>
-                              <p:par>
-                                <p:cTn id="17" presetID="1" presetClass="entr" presetSubtype="0" fill="hold" nodeType="withEffect">
-                                  <p:stCondLst>
-                                    <p:cond delay="0"/>
-                                  </p:stCondLst>
-                                  <p:childTnLst>
-                                    <p:set>
-                                      <p:cBhvr>
-                                        <p:cTn id="18" dur="1" fill="hold">
-                                          <p:stCondLst>
-                                            <p:cond delay="0"/>
-                                          </p:stCondLst>
-                                        </p:cTn>
-                                        <p:tgtEl>
-                                          <p:spTgt spid="17"/>
-                                        </p:tgtEl>
-                                        <p:attrNameLst>
-                                          <p:attrName>style.visibility</p:attrName>
-                                        </p:attrNameLst>
-                                      </p:cBhvr>
-                                      <p:to>
-                                        <p:strVal val="visible"/>
-                                      </p:to>
-                                    </p:set>
-                                  </p:childTnLst>
-                                </p:cTn>
-                              </p:par>
-                              <p:par>
-                                <p:cTn id="19" presetID="1" presetClass="entr" presetSubtype="0" fill="hold" nodeType="withEffect">
-                                  <p:stCondLst>
-                                    <p:cond delay="0"/>
-                                  </p:stCondLst>
-                                  <p:childTnLst>
-                                    <p:set>
-                                      <p:cBhvr>
-                                        <p:cTn id="20" dur="1" fill="hold">
-                                          <p:stCondLst>
-                                            <p:cond delay="0"/>
-                                          </p:stCondLst>
-                                        </p:cTn>
-                                        <p:tgtEl>
-                                          <p:spTgt spid="19"/>
-                                        </p:tgtEl>
-                                        <p:attrNameLst>
-                                          <p:attrName>style.visibility</p:attrName>
-                                        </p:attrNameLst>
-                                      </p:cBhvr>
-                                      <p:to>
-                                        <p:strVal val="visible"/>
-                                      </p:to>
-                                    </p:set>
-                                  </p:childTnLst>
-                                </p:cTn>
-                              </p:par>
-                              <p:par>
-                                <p:cTn id="21" presetID="1" presetClass="entr" presetSubtype="0" fill="hold" nodeType="withEffect">
-                                  <p:stCondLst>
-                                    <p:cond delay="0"/>
-                                  </p:stCondLst>
-                                  <p:childTnLst>
-                                    <p:set>
-                                      <p:cBhvr>
-                                        <p:cTn id="22" dur="1" fill="hold">
-                                          <p:stCondLst>
-                                            <p:cond delay="0"/>
-                                          </p:stCondLst>
-                                        </p:cTn>
-                                        <p:tgtEl>
-                                          <p:spTgt spid="21"/>
-                                        </p:tgtEl>
-                                        <p:attrNameLst>
-                                          <p:attrName>style.visibility</p:attrName>
-                                        </p:attrNameLst>
-                                      </p:cBhvr>
-                                      <p:to>
-                                        <p:strVal val="visible"/>
-                                      </p:to>
-                                    </p:set>
-                                  </p:childTnLst>
-                                </p:cTn>
-                              </p:par>
-                              <p:par>
-                                <p:cTn id="23" presetID="1" presetClass="entr" presetSubtype="0" fill="hold" nodeType="withEffect">
-                                  <p:stCondLst>
-                                    <p:cond delay="0"/>
-                                  </p:stCondLst>
-                                  <p:childTnLst>
-                                    <p:set>
-                                      <p:cBhvr>
-                                        <p:cTn id="24" dur="1" fill="hold">
-                                          <p:stCondLst>
-                                            <p:cond delay="0"/>
-                                          </p:stCondLst>
-                                        </p:cTn>
-                                        <p:tgtEl>
-                                          <p:spTgt spid="23"/>
-                                        </p:tgtEl>
-                                        <p:attrNameLst>
-                                          <p:attrName>style.visibility</p:attrName>
-                                        </p:attrNameLst>
-                                      </p:cBhvr>
-                                      <p:to>
-                                        <p:strVal val="visible"/>
-                                      </p:to>
-                                    </p:set>
-                                  </p:childTnLst>
-                                </p:cTn>
-                              </p:par>
-                              <p:par>
-                                <p:cTn id="25" presetID="1" presetClass="entr" presetSubtype="0" fill="hold" nodeType="withEffect">
-                                  <p:stCondLst>
-                                    <p:cond delay="0"/>
-                                  </p:stCondLst>
-                                  <p:childTnLst>
-                                    <p:set>
-                                      <p:cBhvr>
-                                        <p:cTn id="26" dur="1" fill="hold">
-                                          <p:stCondLst>
-                                            <p:cond delay="0"/>
-                                          </p:stCondLst>
-                                        </p:cTn>
-                                        <p:tgtEl>
-                                          <p:spTgt spid="24"/>
-                                        </p:tgtEl>
-                                        <p:attrNameLst>
-                                          <p:attrName>style.visibility</p:attrName>
-                                        </p:attrNameLst>
-                                      </p:cBhvr>
-                                      <p:to>
-                                        <p:strVal val="visible"/>
-                                      </p:to>
-                                    </p:set>
-                                  </p:childTnLst>
-                                </p:cTn>
-                              </p:par>
-                              <p:par>
-                                <p:cTn id="27" presetID="1" presetClass="entr" presetSubtype="0" fill="hold" grpId="0" nodeType="withEffect">
-                                  <p:stCondLst>
-                                    <p:cond delay="0"/>
-                                  </p:stCondLst>
-                                  <p:childTnLst>
-                                    <p:set>
-                                      <p:cBhvr>
-                                        <p:cTn id="28" dur="1" fill="hold">
-                                          <p:stCondLst>
-                                            <p:cond delay="0"/>
-                                          </p:stCondLst>
-                                        </p:cTn>
-                                        <p:tgtEl>
-                                          <p:spTgt spid="25"/>
-                                        </p:tgtEl>
-                                        <p:attrNameLst>
-                                          <p:attrName>style.visibility</p:attrName>
-                                        </p:attrNameLst>
-                                      </p:cBhvr>
-                                      <p:to>
-                                        <p:strVal val="visible"/>
-                                      </p:to>
-                                    </p:set>
-                                  </p:childTnLst>
-                                </p:cTn>
-                              </p:par>
-                              <p:par>
-                                <p:cTn id="29" presetID="1" presetClass="entr" presetSubtype="0" fill="hold" grpId="0" nodeType="withEffect">
-                                  <p:stCondLst>
-                                    <p:cond delay="0"/>
-                                  </p:stCondLst>
-                                  <p:childTnLst>
-                                    <p:set>
-                                      <p:cBhvr>
-                                        <p:cTn id="30" dur="1" fill="hold">
-                                          <p:stCondLst>
-                                            <p:cond delay="0"/>
-                                          </p:stCondLst>
-                                        </p:cTn>
-                                        <p:tgtEl>
-                                          <p:spTgt spid="26"/>
-                                        </p:tgtEl>
-                                        <p:attrNameLst>
-                                          <p:attrName>style.visibility</p:attrName>
-                                        </p:attrNameLst>
-                                      </p:cBhvr>
-                                      <p:to>
-                                        <p:strVal val="visible"/>
-                                      </p:to>
-                                    </p:set>
-                                  </p:childTnLst>
-                                </p:cTn>
-                              </p:par>
-                              <p:par>
-                                <p:cTn id="31" presetID="1" presetClass="entr" presetSubtype="0" fill="hold" nodeType="withEffect">
-                                  <p:stCondLst>
-                                    <p:cond delay="0"/>
-                                  </p:stCondLst>
-                                  <p:childTnLst>
-                                    <p:set>
-                                      <p:cBhvr>
-                                        <p:cTn id="32" dur="1" fill="hold">
-                                          <p:stCondLst>
-                                            <p:cond delay="0"/>
-                                          </p:stCondLst>
-                                        </p:cTn>
-                                        <p:tgtEl>
-                                          <p:spTgt spid="28"/>
-                                        </p:tgtEl>
-                                        <p:attrNameLst>
-                                          <p:attrName>style.visibility</p:attrName>
-                                        </p:attrNameLst>
-                                      </p:cBhvr>
-                                      <p:to>
-                                        <p:strVal val="visible"/>
-                                      </p:to>
-                                    </p:set>
-                                  </p:childTnLst>
-                                </p:cTn>
-                              </p:par>
-                              <p:par>
-                                <p:cTn id="33" presetID="1" presetClass="entr" presetSubtype="0" fill="hold" nodeType="withEffect">
-                                  <p:stCondLst>
-                                    <p:cond delay="0"/>
-                                  </p:stCondLst>
-                                  <p:childTnLst>
-                                    <p:set>
-                                      <p:cBhvr>
-                                        <p:cTn id="34" dur="1" fill="hold">
-                                          <p:stCondLst>
-                                            <p:cond delay="0"/>
-                                          </p:stCondLst>
-                                        </p:cTn>
-                                        <p:tgtEl>
-                                          <p:spTgt spid="30"/>
-                                        </p:tgtEl>
-                                        <p:attrNameLst>
-                                          <p:attrName>style.visibility</p:attrName>
-                                        </p:attrNameLst>
-                                      </p:cBhvr>
-                                      <p:to>
-                                        <p:strVal val="visible"/>
-                                      </p:to>
-                                    </p:set>
-                                  </p:childTnLst>
-                                </p:cTn>
-                              </p:par>
-                              <p:par>
-                                <p:cTn id="35" presetID="1" presetClass="entr" presetSubtype="0" fill="hold" nodeType="withEffect">
-                                  <p:stCondLst>
-                                    <p:cond delay="0"/>
-                                  </p:stCondLst>
-                                  <p:childTnLst>
-                                    <p:set>
-                                      <p:cBhvr>
-                                        <p:cTn id="36" dur="1" fill="hold">
-                                          <p:stCondLst>
-                                            <p:cond delay="0"/>
-                                          </p:stCondLst>
-                                        </p:cTn>
-                                        <p:tgtEl>
-                                          <p:spTgt spid="32"/>
-                                        </p:tgtEl>
-                                        <p:attrNameLst>
-                                          <p:attrName>style.visibility</p:attrName>
-                                        </p:attrNameLst>
-                                      </p:cBhvr>
-                                      <p:to>
-                                        <p:strVal val="visible"/>
-                                      </p:to>
-                                    </p:set>
-                                  </p:childTnLst>
-                                </p:cTn>
-                              </p:par>
-                              <p:par>
-                                <p:cTn id="37" presetID="1" presetClass="entr" presetSubtype="0" fill="hold" nodeType="withEffect">
-                                  <p:stCondLst>
-                                    <p:cond delay="0"/>
-                                  </p:stCondLst>
-                                  <p:childTnLst>
-                                    <p:set>
-                                      <p:cBhvr>
-                                        <p:cTn id="38" dur="1" fill="hold">
-                                          <p:stCondLst>
-                                            <p:cond delay="0"/>
-                                          </p:stCondLst>
-                                        </p:cTn>
-                                        <p:tgtEl>
-                                          <p:spTgt spid="34"/>
-                                        </p:tgtEl>
-                                        <p:attrNameLst>
-                                          <p:attrName>style.visibility</p:attrName>
-                                        </p:attrNameLst>
-                                      </p:cBhvr>
-                                      <p:to>
-                                        <p:strVal val="visible"/>
-                                      </p:to>
-                                    </p:set>
-                                  </p:childTnLst>
-                                </p:cTn>
-                              </p:par>
-                              <p:par>
-                                <p:cTn id="39" presetID="1" presetClass="entr" presetSubtype="0" fill="hold" nodeType="withEffect">
-                                  <p:stCondLst>
-                                    <p:cond delay="0"/>
-                                  </p:stCondLst>
-                                  <p:childTnLst>
-                                    <p:set>
-                                      <p:cBhvr>
-                                        <p:cTn id="40" dur="1" fill="hold">
-                                          <p:stCondLst>
-                                            <p:cond delay="0"/>
-                                          </p:stCondLst>
-                                        </p:cTn>
-                                        <p:tgtEl>
-                                          <p:spTgt spid="36"/>
-                                        </p:tgtEl>
-                                        <p:attrNameLst>
-                                          <p:attrName>style.visibility</p:attrName>
-                                        </p:attrNameLst>
-                                      </p:cBhvr>
-                                      <p:to>
-                                        <p:strVal val="visible"/>
-                                      </p:to>
-                                    </p:set>
-                                  </p:childTnLst>
-                                </p:cTn>
-                              </p:par>
-                              <p:par>
-                                <p:cTn id="41" presetID="1" presetClass="entr" presetSubtype="0" fill="hold" nodeType="withEffect">
-                                  <p:stCondLst>
-                                    <p:cond delay="0"/>
-                                  </p:stCondLst>
-                                  <p:childTnLst>
-                                    <p:set>
-                                      <p:cBhvr>
-                                        <p:cTn id="42" dur="1" fill="hold">
-                                          <p:stCondLst>
-                                            <p:cond delay="0"/>
-                                          </p:stCondLst>
-                                        </p:cTn>
-                                        <p:tgtEl>
-                                          <p:spTgt spid="38"/>
-                                        </p:tgtEl>
-                                        <p:attrNameLst>
-                                          <p:attrName>style.visibility</p:attrName>
-                                        </p:attrNameLst>
-                                      </p:cBhvr>
-                                      <p:to>
-                                        <p:strVal val="visible"/>
-                                      </p:to>
-                                    </p:set>
-                                  </p:childTnLst>
-                                </p:cTn>
-                              </p:par>
-                              <p:par>
-                                <p:cTn id="43" presetID="1" presetClass="entr" presetSubtype="0" fill="hold" nodeType="withEffect">
-                                  <p:stCondLst>
-                                    <p:cond delay="0"/>
-                                  </p:stCondLst>
-                                  <p:childTnLst>
-                                    <p:set>
-                                      <p:cBhvr>
-                                        <p:cTn id="44" dur="1" fill="hold">
-                                          <p:stCondLst>
-                                            <p:cond delay="0"/>
-                                          </p:stCondLst>
-                                        </p:cTn>
-                                        <p:tgtEl>
-                                          <p:spTgt spid="49"/>
-                                        </p:tgtEl>
-                                        <p:attrNameLst>
-                                          <p:attrName>style.visibility</p:attrName>
-                                        </p:attrNameLst>
-                                      </p:cBhvr>
-                                      <p:to>
-                                        <p:strVal val="visible"/>
-                                      </p:to>
-                                    </p:set>
-                                  </p:childTnLst>
-                                </p:cTn>
-                              </p:par>
-                              <p:par>
-                                <p:cTn id="45" presetID="1" presetClass="entr" presetSubtype="0" fill="hold" nodeType="withEffect">
-                                  <p:stCondLst>
-                                    <p:cond delay="0"/>
-                                  </p:stCondLst>
-                                  <p:childTnLst>
-                                    <p:set>
-                                      <p:cBhvr>
-                                        <p:cTn id="46" dur="1" fill="hold">
-                                          <p:stCondLst>
-                                            <p:cond delay="0"/>
-                                          </p:stCondLst>
-                                        </p:cTn>
-                                        <p:tgtEl>
-                                          <p:spTgt spid="51"/>
-                                        </p:tgtEl>
-                                        <p:attrNameLst>
-                                          <p:attrName>style.visibility</p:attrName>
-                                        </p:attrNameLst>
-                                      </p:cBhvr>
-                                      <p:to>
-                                        <p:strVal val="visible"/>
-                                      </p:to>
-                                    </p:set>
-                                  </p:childTnLst>
-                                </p:cTn>
-                              </p:par>
-                              <p:par>
-                                <p:cTn id="47" presetID="1" presetClass="entr" presetSubtype="0" fill="hold" nodeType="withEffect">
-                                  <p:stCondLst>
-                                    <p:cond delay="0"/>
-                                  </p:stCondLst>
-                                  <p:childTnLst>
-                                    <p:set>
-                                      <p:cBhvr>
-                                        <p:cTn id="48" dur="1" fill="hold">
-                                          <p:stCondLst>
-                                            <p:cond delay="0"/>
-                                          </p:stCondLst>
-                                        </p:cTn>
-                                        <p:tgtEl>
-                                          <p:spTgt spid="54"/>
-                                        </p:tgtEl>
-                                        <p:attrNameLst>
-                                          <p:attrName>style.visibility</p:attrName>
-                                        </p:attrNameLst>
-                                      </p:cBhvr>
-                                      <p:to>
-                                        <p:strVal val="visible"/>
-                                      </p:to>
-                                    </p:set>
-                                  </p:childTnLst>
-                                </p:cTn>
-                              </p:par>
-                              <p:par>
-                                <p:cTn id="49" presetID="1" presetClass="entr" presetSubtype="0" fill="hold" grpId="0" nodeType="withEffect">
-                                  <p:stCondLst>
-                                    <p:cond delay="0"/>
-                                  </p:stCondLst>
-                                  <p:childTnLst>
-                                    <p:set>
-                                      <p:cBhvr>
-                                        <p:cTn id="50" dur="1" fill="hold">
-                                          <p:stCondLst>
-                                            <p:cond delay="0"/>
-                                          </p:stCondLst>
-                                        </p:cTn>
-                                        <p:tgtEl>
-                                          <p:spTgt spid="55"/>
-                                        </p:tgtEl>
-                                        <p:attrNameLst>
-                                          <p:attrName>style.visibility</p:attrName>
-                                        </p:attrNameLst>
-                                      </p:cBhvr>
-                                      <p:to>
-                                        <p:strVal val="visible"/>
-                                      </p:to>
-                                    </p:set>
-                                  </p:childTnLst>
-                                </p:cTn>
-                              </p:par>
-                              <p:par>
-                                <p:cTn id="51" presetID="1" presetClass="entr" presetSubtype="0" fill="hold" grpId="0" nodeType="withEffect">
-                                  <p:stCondLst>
-                                    <p:cond delay="0"/>
-                                  </p:stCondLst>
-                                  <p:childTnLst>
-                                    <p:set>
-                                      <p:cBhvr>
-                                        <p:cTn id="52" dur="1" fill="hold">
-                                          <p:stCondLst>
-                                            <p:cond delay="0"/>
-                                          </p:stCondLst>
-                                        </p:cTn>
-                                        <p:tgtEl>
-                                          <p:spTgt spid="56"/>
-                                        </p:tgtEl>
-                                        <p:attrNameLst>
-                                          <p:attrName>style.visibility</p:attrName>
-                                        </p:attrNameLst>
-                                      </p:cBhvr>
-                                      <p:to>
-                                        <p:strVal val="visible"/>
-                                      </p:to>
-                                    </p:set>
-                                  </p:childTnLst>
-                                </p:cTn>
-                              </p:par>
-                              <p:par>
-                                <p:cTn id="53" presetID="1" presetClass="entr" presetSubtype="0" fill="hold" grpId="0" nodeType="withEffect">
-                                  <p:stCondLst>
-                                    <p:cond delay="0"/>
-                                  </p:stCondLst>
-                                  <p:childTnLst>
-                                    <p:set>
-                                      <p:cBhvr>
-                                        <p:cTn id="54" dur="1" fill="hold">
-                                          <p:stCondLst>
-                                            <p:cond delay="0"/>
-                                          </p:stCondLst>
-                                        </p:cTn>
-                                        <p:tgtEl>
-                                          <p:spTgt spid="57"/>
-                                        </p:tgtEl>
-                                        <p:attrNameLst>
-                                          <p:attrName>style.visibility</p:attrName>
-                                        </p:attrNameLst>
-                                      </p:cBhvr>
-                                      <p:to>
-                                        <p:strVal val="visible"/>
-                                      </p:to>
-                                    </p:set>
-                                  </p:childTnLst>
-                                </p:cTn>
-                              </p:par>
-                            </p:childTnLst>
-                          </p:cTn>
-                        </p:par>
-                      </p:childTnLst>
-                    </p:cTn>
-                  </p:par>
-                </p:childTnLst>
-              </p:cTn>
-              <p:prevCondLst>
-                <p:cond evt="onPrev" delay="0">
-                  <p:tgtEl>
-                    <p:sldTgt/>
-                  </p:tgtEl>
-                </p:cond>
-              </p:prevCondLst>
-              <p:nextCondLst>
-                <p:cond evt="onNext" delay="0">
-                  <p:tgtEl>
-                    <p:sldTgt/>
-                  </p:tgtEl>
-                </p:cond>
-              </p:nextCondLst>
-            </p:seq>
-          </p:childTnLst>
-        </p:cTn>
-      </p:par>
-    </p:tnLst>
-    <p:bldLst>
-      <p:bldP spid="6" grpId="0" animBg="1"/>
-      <p:bldP spid="8" grpId="0" animBg="1"/>
-      <p:bldP spid="9" grpId="0" animBg="1"/>
-      <p:bldP spid="10" grpId="0" animBg="1"/>
-      <p:bldP spid="11" grpId="0" animBg="1"/>
-      <p:bldP spid="25" grpId="0" animBg="1"/>
-      <p:bldP spid="26" grpId="0" animBg="1"/>
-      <p:bldP spid="55" grpId="0"/>
-      <p:bldP spid="56" grpId="0"/>
-      <p:bldP spid="57" grpId="0"/>
-    </p:bldLst>
-  </p:timing>
-</p:sld>
-</file>
-
-<file path=ppt/slides/slide9.xml><?xml version="1.0" encoding="utf-8"?>
-<p:sld xmlns:a="http://schemas.openxmlformats.org/drawingml/2006/main" xmlns:r="http://schemas.openxmlformats.org/officeDocument/2006/relationships" xmlns:p="http://schemas.openxmlformats.org/presentationml/2006/main">
-  <p:cSld>
-    <p:spTree>
-      <p:nvGrpSpPr>
-        <p:cNvPr id="1" name=""/>
-        <p:cNvGrpSpPr/>
-        <p:nvPr/>
-      </p:nvGrpSpPr>
-      <p:grpSpPr>
-        <a:xfrm>
-          <a:off x="0" y="0"/>
-          <a:ext cx="0" cy="0"/>
-          <a:chOff x="0" y="0"/>
-          <a:chExt cx="0" cy="0"/>
-        </a:xfrm>
-      </p:grpSpPr>
-      <p:sp>
-        <p:nvSpPr>
-          <p:cNvPr id="2" name="TextBox 1"/>
-          <p:cNvSpPr txBox="1"/>
-          <p:nvPr/>
-        </p:nvSpPr>
-        <p:spPr>
-          <a:xfrm>
-            <a:off x="836320" y="98490"/>
-            <a:ext cx="5463872" cy="646331"/>
-          </a:xfrm>
-          <a:prstGeom prst="rect">
-            <a:avLst/>
-          </a:prstGeom>
-          <a:noFill/>
-        </p:spPr>
-        <p:txBody>
-          <a:bodyPr wrap="square" rtlCol="0">
-            <a:spAutoFit/>
-          </a:bodyPr>
-          <a:lstStyle/>
-          <a:p>
-            <a:r>
-              <a:rPr lang="en-GB" sz="3600" dirty="0" smtClean="0"/>
-              <a:t>Simple Model</a:t>
-            </a:r>
-            <a:endParaRPr lang="en-GB" sz="3600" dirty="0"/>
-          </a:p>
-        </p:txBody>
-      </p:sp>
-      <p:sp>
-        <p:nvSpPr>
-          <p:cNvPr id="6" name="Oval 5"/>
-          <p:cNvSpPr/>
-          <p:nvPr/>
-        </p:nvSpPr>
-        <p:spPr>
-          <a:xfrm>
-            <a:off x="2246289" y="1374448"/>
-            <a:ext cx="648072" cy="648072"/>
-          </a:xfrm>
-          <a:prstGeom prst="ellipse">
-            <a:avLst/>
-          </a:prstGeom>
-        </p:spPr>
-        <p:style>
-          <a:lnRef idx="2">
-            <a:schemeClr val="accent1">
-              <a:shade val="50000"/>
-            </a:schemeClr>
-          </a:lnRef>
-          <a:fillRef idx="1">
-            <a:schemeClr val="accent1"/>
-          </a:fillRef>
-          <a:effectRef idx="0">
-            <a:schemeClr val="accent1"/>
-          </a:effectRef>
-          <a:fontRef idx="minor">
-            <a:schemeClr val="lt1"/>
-          </a:fontRef>
-        </p:style>
-        <p:txBody>
-          <a:bodyPr rtlCol="0" anchor="ctr"/>
-          <a:lstStyle/>
-          <a:p>
-            <a:pPr algn="ctr"/>
-            <a:r>
-              <a:rPr lang="el-GR" sz="2400" dirty="0" smtClean="0"/>
-              <a:t>α</a:t>
-            </a:r>
-            <a:endParaRPr lang="en-GB" sz="2400" dirty="0"/>
-          </a:p>
-        </p:txBody>
-      </p:sp>
-      <p:sp>
-        <p:nvSpPr>
-          <p:cNvPr id="8" name="Oval 7"/>
-          <p:cNvSpPr/>
-          <p:nvPr/>
-        </p:nvSpPr>
-        <p:spPr>
-          <a:xfrm>
-            <a:off x="2245802" y="3174648"/>
-            <a:ext cx="648072" cy="648072"/>
-          </a:xfrm>
-          <a:prstGeom prst="ellipse">
-            <a:avLst/>
-          </a:prstGeom>
-        </p:spPr>
-        <p:style>
-          <a:lnRef idx="2">
-            <a:schemeClr val="accent1">
-              <a:shade val="50000"/>
-            </a:schemeClr>
-          </a:lnRef>
-          <a:fillRef idx="1">
-            <a:schemeClr val="accent1"/>
-          </a:fillRef>
-          <a:effectRef idx="0">
-            <a:schemeClr val="accent1"/>
-          </a:effectRef>
-          <a:fontRef idx="minor">
-            <a:schemeClr val="lt1"/>
-          </a:fontRef>
-        </p:style>
-        <p:txBody>
-          <a:bodyPr rtlCol="0" anchor="ctr"/>
-          <a:lstStyle/>
-          <a:p>
-            <a:pPr algn="ctr"/>
-            <a:r>
-              <a:rPr lang="el-GR" sz="2400" dirty="0" smtClean="0"/>
-              <a:t>β</a:t>
-            </a:r>
-            <a:endParaRPr lang="en-GB" sz="2400" dirty="0"/>
-          </a:p>
-        </p:txBody>
-      </p:sp>
-      <p:sp>
-        <p:nvSpPr>
-          <p:cNvPr id="9" name="Oval 8"/>
-          <p:cNvSpPr/>
-          <p:nvPr/>
-        </p:nvSpPr>
-        <p:spPr>
-          <a:xfrm>
-            <a:off x="4059371" y="1132206"/>
-            <a:ext cx="648072" cy="648072"/>
-          </a:xfrm>
-          <a:prstGeom prst="ellipse">
-            <a:avLst/>
-          </a:prstGeom>
-        </p:spPr>
-        <p:style>
-          <a:lnRef idx="2">
-            <a:schemeClr val="accent1">
-              <a:shade val="50000"/>
-            </a:schemeClr>
-          </a:lnRef>
-          <a:fillRef idx="1">
-            <a:schemeClr val="accent1"/>
-          </a:fillRef>
-          <a:effectRef idx="0">
-            <a:schemeClr val="accent1"/>
-          </a:effectRef>
-          <a:fontRef idx="minor">
-            <a:schemeClr val="lt1"/>
-          </a:fontRef>
-        </p:style>
-        <p:txBody>
-          <a:bodyPr rtlCol="0" anchor="ctr"/>
-          <a:lstStyle/>
-          <a:p>
-            <a:pPr algn="ctr"/>
-            <a:r>
-              <a:rPr lang="en-GB" sz="2400" dirty="0" smtClean="0"/>
-              <a:t>A</a:t>
-            </a:r>
-            <a:endParaRPr lang="en-GB" sz="2400" dirty="0"/>
-          </a:p>
-        </p:txBody>
-      </p:sp>
-      <p:sp>
-        <p:nvSpPr>
-          <p:cNvPr id="10" name="Oval 9"/>
-          <p:cNvSpPr/>
-          <p:nvPr/>
-        </p:nvSpPr>
-        <p:spPr>
-          <a:xfrm>
-            <a:off x="3411299" y="2238544"/>
-            <a:ext cx="648072" cy="648072"/>
-          </a:xfrm>
-          <a:prstGeom prst="ellipse">
-            <a:avLst/>
-          </a:prstGeom>
-        </p:spPr>
-        <p:style>
-          <a:lnRef idx="2">
-            <a:schemeClr val="accent1">
-              <a:shade val="50000"/>
-            </a:schemeClr>
-          </a:lnRef>
-          <a:fillRef idx="1">
-            <a:schemeClr val="accent1"/>
-          </a:fillRef>
-          <a:effectRef idx="0">
-            <a:schemeClr val="accent1"/>
-          </a:effectRef>
-          <a:fontRef idx="minor">
-            <a:schemeClr val="lt1"/>
-          </a:fontRef>
-        </p:style>
-        <p:txBody>
-          <a:bodyPr rtlCol="0" anchor="ctr"/>
-          <a:lstStyle/>
-          <a:p>
-            <a:pPr algn="ctr"/>
-            <a:r>
-              <a:rPr lang="en-GB" sz="2400" dirty="0" smtClean="0"/>
-              <a:t>C</a:t>
-            </a:r>
-            <a:endParaRPr lang="en-GB" sz="2400" dirty="0"/>
-          </a:p>
-        </p:txBody>
-      </p:sp>
-      <p:sp>
-        <p:nvSpPr>
-          <p:cNvPr id="11" name="Oval 10"/>
-          <p:cNvSpPr/>
-          <p:nvPr/>
-        </p:nvSpPr>
-        <p:spPr>
-          <a:xfrm>
-            <a:off x="4059371" y="3318664"/>
-            <a:ext cx="648072" cy="648072"/>
-          </a:xfrm>
-          <a:prstGeom prst="ellipse">
-            <a:avLst/>
-          </a:prstGeom>
-        </p:spPr>
-        <p:style>
-          <a:lnRef idx="2">
-            <a:schemeClr val="accent1">
-              <a:shade val="50000"/>
-            </a:schemeClr>
-          </a:lnRef>
-          <a:fillRef idx="1">
-            <a:schemeClr val="accent1"/>
-          </a:fillRef>
-          <a:effectRef idx="0">
-            <a:schemeClr val="accent1"/>
-          </a:effectRef>
-          <a:fontRef idx="minor">
-            <a:schemeClr val="lt1"/>
-          </a:fontRef>
-        </p:style>
-        <p:txBody>
-          <a:bodyPr rtlCol="0" anchor="ctr"/>
-          <a:lstStyle/>
-          <a:p>
-            <a:pPr algn="ctr"/>
-            <a:r>
-              <a:rPr lang="en-GB" sz="2400" dirty="0" smtClean="0"/>
-              <a:t>B</a:t>
-            </a:r>
-            <a:endParaRPr lang="en-GB" sz="2400" dirty="0"/>
-          </a:p>
-        </p:txBody>
-      </p:sp>
-      <p:cxnSp>
-        <p:nvCxnSpPr>
-          <p:cNvPr id="15" name="Straight Connector 14"/>
-          <p:cNvCxnSpPr>
-            <a:stCxn id="10" idx="3"/>
-            <a:endCxn id="8" idx="7"/>
-          </p:cNvCxnSpPr>
-          <p:nvPr/>
-        </p:nvCxnSpPr>
-        <p:spPr>
-          <a:xfrm flipH="1">
-            <a:off x="2798966" y="2791708"/>
-            <a:ext cx="707241" cy="477848"/>
-          </a:xfrm>
-          <a:prstGeom prst="line">
-            <a:avLst/>
-          </a:prstGeom>
-          <a:ln w="25400">
-            <a:solidFill>
-              <a:schemeClr val="tx1"/>
-            </a:solidFill>
-            <a:prstDash val="sysDash"/>
-          </a:ln>
-        </p:spPr>
-        <p:style>
-          <a:lnRef idx="1">
-            <a:schemeClr val="accent1"/>
-          </a:lnRef>
-          <a:fillRef idx="0">
-            <a:schemeClr val="accent1"/>
-          </a:fillRef>
-          <a:effectRef idx="0">
-            <a:schemeClr val="accent1"/>
-          </a:effectRef>
-          <a:fontRef idx="minor">
-            <a:schemeClr val="tx1"/>
-          </a:fontRef>
-        </p:style>
-      </p:cxnSp>
-      <p:cxnSp>
-        <p:nvCxnSpPr>
-          <p:cNvPr id="17" name="Straight Connector 16"/>
-          <p:cNvCxnSpPr>
-            <a:stCxn id="10" idx="1"/>
-            <a:endCxn id="6" idx="5"/>
-          </p:cNvCxnSpPr>
-          <p:nvPr/>
-        </p:nvCxnSpPr>
-        <p:spPr>
-          <a:xfrm flipH="1" flipV="1">
-            <a:off x="2799453" y="1927612"/>
-            <a:ext cx="706754" cy="405840"/>
-          </a:xfrm>
-          <a:prstGeom prst="line">
-            <a:avLst/>
-          </a:prstGeom>
-          <a:ln w="25400">
-            <a:solidFill>
-              <a:schemeClr val="tx1"/>
-            </a:solidFill>
-            <a:prstDash val="sysDash"/>
-          </a:ln>
-        </p:spPr>
-        <p:style>
-          <a:lnRef idx="1">
-            <a:schemeClr val="accent1"/>
-          </a:lnRef>
-          <a:fillRef idx="0">
-            <a:schemeClr val="accent1"/>
-          </a:fillRef>
-          <a:effectRef idx="0">
-            <a:schemeClr val="accent1"/>
-          </a:effectRef>
-          <a:fontRef idx="minor">
-            <a:schemeClr val="tx1"/>
-          </a:fontRef>
-        </p:style>
-      </p:cxnSp>
-      <p:cxnSp>
-        <p:nvCxnSpPr>
-          <p:cNvPr id="19" name="Straight Connector 18"/>
-          <p:cNvCxnSpPr>
-            <a:stCxn id="9" idx="2"/>
-            <a:endCxn id="6" idx="6"/>
-          </p:cNvCxnSpPr>
-          <p:nvPr/>
-        </p:nvCxnSpPr>
-        <p:spPr>
-          <a:xfrm flipH="1">
-            <a:off x="2894361" y="1456242"/>
-            <a:ext cx="1165010" cy="242242"/>
-          </a:xfrm>
-          <a:prstGeom prst="line">
-            <a:avLst/>
-          </a:prstGeom>
-          <a:ln w="25400">
-            <a:solidFill>
-              <a:schemeClr val="tx1"/>
-            </a:solidFill>
-            <a:prstDash val="sysDash"/>
-          </a:ln>
-        </p:spPr>
-        <p:style>
-          <a:lnRef idx="1">
-            <a:schemeClr val="accent1"/>
-          </a:lnRef>
-          <a:fillRef idx="0">
-            <a:schemeClr val="accent1"/>
-          </a:fillRef>
-          <a:effectRef idx="0">
-            <a:schemeClr val="accent1"/>
-          </a:effectRef>
-          <a:fontRef idx="minor">
-            <a:schemeClr val="tx1"/>
-          </a:fontRef>
-        </p:style>
-      </p:cxnSp>
-      <p:cxnSp>
-        <p:nvCxnSpPr>
-          <p:cNvPr id="21" name="Straight Connector 20"/>
-          <p:cNvCxnSpPr>
-            <a:stCxn id="11" idx="2"/>
-            <a:endCxn id="8" idx="6"/>
-          </p:cNvCxnSpPr>
-          <p:nvPr/>
-        </p:nvCxnSpPr>
-        <p:spPr>
-          <a:xfrm flipH="1" flipV="1">
-            <a:off x="2893874" y="3498684"/>
-            <a:ext cx="1165497" cy="144016"/>
-          </a:xfrm>
-          <a:prstGeom prst="line">
-            <a:avLst/>
-          </a:prstGeom>
-          <a:ln w="25400">
-            <a:solidFill>
-              <a:schemeClr val="tx1"/>
-            </a:solidFill>
-            <a:prstDash val="sysDash"/>
-          </a:ln>
-        </p:spPr>
-        <p:style>
-          <a:lnRef idx="1">
-            <a:schemeClr val="accent1"/>
-          </a:lnRef>
-          <a:fillRef idx="0">
-            <a:schemeClr val="accent1"/>
-          </a:fillRef>
-          <a:effectRef idx="0">
-            <a:schemeClr val="accent1"/>
-          </a:effectRef>
-          <a:fontRef idx="minor">
-            <a:schemeClr val="tx1"/>
-          </a:fontRef>
-        </p:style>
-      </p:cxnSp>
-      <p:cxnSp>
-        <p:nvCxnSpPr>
-          <p:cNvPr id="23" name="Straight Connector 22"/>
-          <p:cNvCxnSpPr/>
-          <p:nvPr/>
-        </p:nvCxnSpPr>
-        <p:spPr>
-          <a:xfrm>
-            <a:off x="3152586" y="854716"/>
-            <a:ext cx="244" cy="3400052"/>
-          </a:xfrm>
-          <a:prstGeom prst="line">
-            <a:avLst/>
-          </a:prstGeom>
-          <a:ln w="50800">
-            <a:solidFill>
-              <a:schemeClr val="accent6">
-                <a:lumMod val="75000"/>
-              </a:schemeClr>
-            </a:solidFill>
-          </a:ln>
-        </p:spPr>
-        <p:style>
-          <a:lnRef idx="1">
-            <a:schemeClr val="accent1"/>
-          </a:lnRef>
-          <a:fillRef idx="0">
-            <a:schemeClr val="accent1"/>
-          </a:fillRef>
-          <a:effectRef idx="0">
-            <a:schemeClr val="accent1"/>
-          </a:effectRef>
-          <a:fontRef idx="minor">
-            <a:schemeClr val="tx1"/>
-          </a:fontRef>
-        </p:style>
-      </p:cxnSp>
-      <p:cxnSp>
-        <p:nvCxnSpPr>
-          <p:cNvPr id="24" name="Straight Connector 23"/>
-          <p:cNvCxnSpPr/>
-          <p:nvPr/>
-        </p:nvCxnSpPr>
-        <p:spPr>
-          <a:xfrm>
-            <a:off x="5937919" y="854716"/>
-            <a:ext cx="244" cy="3400052"/>
-          </a:xfrm>
-          <a:prstGeom prst="line">
-            <a:avLst/>
-          </a:prstGeom>
-          <a:ln w="50800">
-            <a:solidFill>
-              <a:schemeClr val="accent6">
-                <a:lumMod val="75000"/>
-              </a:schemeClr>
-            </a:solidFill>
-          </a:ln>
-        </p:spPr>
-        <p:style>
-          <a:lnRef idx="1">
-            <a:schemeClr val="accent1"/>
-          </a:lnRef>
-          <a:fillRef idx="0">
-            <a:schemeClr val="accent1"/>
-          </a:fillRef>
-          <a:effectRef idx="0">
-            <a:schemeClr val="accent1"/>
-          </a:effectRef>
-          <a:fontRef idx="minor">
-            <a:schemeClr val="tx1"/>
-          </a:fontRef>
-        </p:style>
-      </p:cxnSp>
-      <p:sp>
-        <p:nvSpPr>
-          <p:cNvPr id="25" name="Oval 24"/>
-          <p:cNvSpPr/>
-          <p:nvPr/>
-        </p:nvSpPr>
-        <p:spPr>
-          <a:xfrm>
-            <a:off x="6513983" y="1577363"/>
-            <a:ext cx="792088" cy="769193"/>
-          </a:xfrm>
-          <a:prstGeom prst="ellipse">
-            <a:avLst/>
-          </a:prstGeom>
-        </p:spPr>
-        <p:style>
-          <a:lnRef idx="2">
-            <a:schemeClr val="accent1">
-              <a:shade val="50000"/>
-            </a:schemeClr>
-          </a:lnRef>
-          <a:fillRef idx="1">
-            <a:schemeClr val="accent1"/>
-          </a:fillRef>
-          <a:effectRef idx="0">
-            <a:schemeClr val="accent1"/>
-          </a:effectRef>
-          <a:fontRef idx="minor">
-            <a:schemeClr val="lt1"/>
-          </a:fontRef>
-        </p:style>
-        <p:txBody>
-          <a:bodyPr rtlCol="0" anchor="ctr"/>
-          <a:lstStyle/>
-          <a:p>
-            <a:pPr algn="ctr"/>
-            <a:r>
-              <a:rPr lang="en-GB" sz="2400" dirty="0" smtClean="0"/>
-              <a:t>P</a:t>
-            </a:r>
-            <a:r>
-              <a:rPr lang="el-GR" sz="2400" dirty="0" smtClean="0"/>
-              <a:t>α</a:t>
-            </a:r>
-            <a:endParaRPr lang="en-GB" sz="2400" dirty="0"/>
-          </a:p>
-        </p:txBody>
-      </p:sp>
-      <p:sp>
-        <p:nvSpPr>
-          <p:cNvPr id="26" name="Oval 25"/>
-          <p:cNvSpPr/>
-          <p:nvPr/>
-        </p:nvSpPr>
-        <p:spPr>
-          <a:xfrm>
-            <a:off x="6513983" y="2670592"/>
-            <a:ext cx="792088" cy="762636"/>
-          </a:xfrm>
-          <a:prstGeom prst="ellipse">
-            <a:avLst/>
-          </a:prstGeom>
-        </p:spPr>
-        <p:style>
-          <a:lnRef idx="2">
-            <a:schemeClr val="accent1">
-              <a:shade val="50000"/>
-            </a:schemeClr>
-          </a:lnRef>
-          <a:fillRef idx="1">
-            <a:schemeClr val="accent1"/>
-          </a:fillRef>
-          <a:effectRef idx="0">
-            <a:schemeClr val="accent1"/>
-          </a:effectRef>
-          <a:fontRef idx="minor">
-            <a:schemeClr val="lt1"/>
-          </a:fontRef>
-        </p:style>
-        <p:txBody>
-          <a:bodyPr rtlCol="0" anchor="ctr"/>
-          <a:lstStyle/>
-          <a:p>
-            <a:pPr algn="ctr"/>
-            <a:r>
-              <a:rPr lang="en-GB" sz="2400" dirty="0" smtClean="0"/>
-              <a:t>P</a:t>
-            </a:r>
-            <a:r>
-              <a:rPr lang="el-GR" sz="2400" dirty="0" smtClean="0"/>
-              <a:t>β</a:t>
-            </a:r>
-            <a:endParaRPr lang="en-GB" sz="2400" dirty="0"/>
-          </a:p>
-        </p:txBody>
-      </p:sp>
-      <p:cxnSp>
-        <p:nvCxnSpPr>
-          <p:cNvPr id="28" name="Straight Arrow Connector 27"/>
-          <p:cNvCxnSpPr>
-            <a:stCxn id="25" idx="1"/>
-            <a:endCxn id="9" idx="6"/>
-          </p:cNvCxnSpPr>
-          <p:nvPr/>
-        </p:nvCxnSpPr>
-        <p:spPr>
-          <a:xfrm flipH="1" flipV="1">
-            <a:off x="4707443" y="1456242"/>
-            <a:ext cx="1922539" cy="233767"/>
-          </a:xfrm>
-          <a:prstGeom prst="straightConnector1">
-            <a:avLst/>
-          </a:prstGeom>
-          <a:ln w="25400">
-            <a:solidFill>
-              <a:schemeClr val="tx1"/>
-            </a:solidFill>
-            <a:tailEnd type="arrow"/>
-          </a:ln>
-        </p:spPr>
-        <p:style>
-          <a:lnRef idx="1">
-            <a:schemeClr val="accent1"/>
-          </a:lnRef>
-          <a:fillRef idx="0">
-            <a:schemeClr val="accent1"/>
-          </a:fillRef>
-          <a:effectRef idx="0">
-            <a:schemeClr val="accent1"/>
-          </a:effectRef>
-          <a:fontRef idx="minor">
-            <a:schemeClr val="tx1"/>
-          </a:fontRef>
-        </p:style>
-      </p:cxnSp>
-      <p:cxnSp>
-        <p:nvCxnSpPr>
-          <p:cNvPr id="30" name="Straight Arrow Connector 29"/>
-          <p:cNvCxnSpPr>
-            <a:stCxn id="25" idx="2"/>
-          </p:cNvCxnSpPr>
-          <p:nvPr/>
-        </p:nvCxnSpPr>
-        <p:spPr>
-          <a:xfrm flipH="1">
-            <a:off x="4059371" y="1961960"/>
-            <a:ext cx="2454612" cy="592782"/>
-          </a:xfrm>
-          <a:prstGeom prst="straightConnector1">
-            <a:avLst/>
-          </a:prstGeom>
-          <a:ln w="25400">
-            <a:solidFill>
-              <a:schemeClr val="tx1"/>
-            </a:solidFill>
-            <a:tailEnd type="arrow"/>
-          </a:ln>
-        </p:spPr>
-        <p:style>
-          <a:lnRef idx="1">
-            <a:schemeClr val="accent1"/>
-          </a:lnRef>
-          <a:fillRef idx="0">
-            <a:schemeClr val="accent1"/>
-          </a:fillRef>
-          <a:effectRef idx="0">
-            <a:schemeClr val="accent1"/>
-          </a:effectRef>
-          <a:fontRef idx="minor">
-            <a:schemeClr val="tx1"/>
-          </a:fontRef>
-        </p:style>
-      </p:cxnSp>
-      <p:cxnSp>
-        <p:nvCxnSpPr>
-          <p:cNvPr id="32" name="Straight Arrow Connector 31"/>
-          <p:cNvCxnSpPr>
-            <a:stCxn id="25" idx="3"/>
-            <a:endCxn id="11" idx="7"/>
-          </p:cNvCxnSpPr>
-          <p:nvPr/>
-        </p:nvCxnSpPr>
-        <p:spPr>
-          <a:xfrm flipH="1">
-            <a:off x="4612535" y="2233910"/>
-            <a:ext cx="2017447" cy="1179662"/>
-          </a:xfrm>
-          <a:prstGeom prst="straightConnector1">
-            <a:avLst/>
-          </a:prstGeom>
-          <a:ln w="25400">
-            <a:solidFill>
-              <a:schemeClr val="tx1"/>
-            </a:solidFill>
-            <a:tailEnd type="arrow"/>
-          </a:ln>
-        </p:spPr>
-        <p:style>
-          <a:lnRef idx="1">
-            <a:schemeClr val="accent1"/>
-          </a:lnRef>
-          <a:fillRef idx="0">
-            <a:schemeClr val="accent1"/>
-          </a:fillRef>
-          <a:effectRef idx="0">
-            <a:schemeClr val="accent1"/>
-          </a:effectRef>
-          <a:fontRef idx="minor">
-            <a:schemeClr val="tx1"/>
-          </a:fontRef>
-        </p:style>
-      </p:cxnSp>
-      <p:cxnSp>
-        <p:nvCxnSpPr>
-          <p:cNvPr id="34" name="Straight Arrow Connector 33"/>
-          <p:cNvCxnSpPr>
-            <a:stCxn id="26" idx="1"/>
-            <a:endCxn id="9" idx="5"/>
-          </p:cNvCxnSpPr>
-          <p:nvPr/>
-        </p:nvCxnSpPr>
-        <p:spPr>
-          <a:xfrm flipH="1" flipV="1">
-            <a:off x="4612535" y="1685370"/>
-            <a:ext cx="2017447" cy="1096907"/>
-          </a:xfrm>
-          <a:prstGeom prst="straightConnector1">
-            <a:avLst/>
-          </a:prstGeom>
-          <a:ln w="25400">
-            <a:solidFill>
-              <a:schemeClr val="tx1"/>
-            </a:solidFill>
-            <a:tailEnd type="arrow"/>
-          </a:ln>
-        </p:spPr>
-        <p:style>
-          <a:lnRef idx="1">
-            <a:schemeClr val="accent1"/>
-          </a:lnRef>
-          <a:fillRef idx="0">
-            <a:schemeClr val="accent1"/>
-          </a:fillRef>
-          <a:effectRef idx="0">
-            <a:schemeClr val="accent1"/>
-          </a:effectRef>
-          <a:fontRef idx="minor">
-            <a:schemeClr val="tx1"/>
-          </a:fontRef>
-        </p:style>
-      </p:cxnSp>
-      <p:cxnSp>
-        <p:nvCxnSpPr>
-          <p:cNvPr id="36" name="Straight Arrow Connector 35"/>
-          <p:cNvCxnSpPr>
-            <a:stCxn id="26" idx="2"/>
-            <a:endCxn id="10" idx="5"/>
-          </p:cNvCxnSpPr>
-          <p:nvPr/>
-        </p:nvCxnSpPr>
-        <p:spPr>
-          <a:xfrm flipH="1" flipV="1">
-            <a:off x="3964463" y="2791708"/>
-            <a:ext cx="2549520" cy="260202"/>
-          </a:xfrm>
-          <a:prstGeom prst="straightConnector1">
-            <a:avLst/>
-          </a:prstGeom>
-          <a:ln w="25400">
-            <a:solidFill>
-              <a:schemeClr val="tx1"/>
-            </a:solidFill>
-            <a:tailEnd type="arrow"/>
-          </a:ln>
-        </p:spPr>
-        <p:style>
-          <a:lnRef idx="1">
-            <a:schemeClr val="accent1"/>
-          </a:lnRef>
-          <a:fillRef idx="0">
-            <a:schemeClr val="accent1"/>
-          </a:fillRef>
-          <a:effectRef idx="0">
-            <a:schemeClr val="accent1"/>
-          </a:effectRef>
-          <a:fontRef idx="minor">
-            <a:schemeClr val="tx1"/>
-          </a:fontRef>
-        </p:style>
-      </p:cxnSp>
-      <p:cxnSp>
-        <p:nvCxnSpPr>
-          <p:cNvPr id="38" name="Straight Arrow Connector 37"/>
-          <p:cNvCxnSpPr>
-            <a:stCxn id="26" idx="3"/>
-            <a:endCxn id="11" idx="6"/>
-          </p:cNvCxnSpPr>
-          <p:nvPr/>
-        </p:nvCxnSpPr>
-        <p:spPr>
-          <a:xfrm flipH="1">
-            <a:off x="4707443" y="3321543"/>
-            <a:ext cx="1922539" cy="321157"/>
-          </a:xfrm>
-          <a:prstGeom prst="straightConnector1">
-            <a:avLst/>
-          </a:prstGeom>
-          <a:ln w="25400">
-            <a:solidFill>
-              <a:schemeClr val="tx1"/>
-            </a:solidFill>
-            <a:tailEnd type="arrow"/>
-          </a:ln>
-        </p:spPr>
-        <p:style>
-          <a:lnRef idx="1">
-            <a:schemeClr val="accent1"/>
-          </a:lnRef>
-          <a:fillRef idx="0">
-            <a:schemeClr val="accent1"/>
-          </a:fillRef>
-          <a:effectRef idx="0">
-            <a:schemeClr val="accent1"/>
-          </a:effectRef>
-          <a:fontRef idx="minor">
-            <a:schemeClr val="tx1"/>
-          </a:fontRef>
-        </p:style>
-      </p:cxnSp>
-      <p:cxnSp>
-        <p:nvCxnSpPr>
-          <p:cNvPr id="49" name="Straight Connector 48"/>
-          <p:cNvCxnSpPr>
-            <a:stCxn id="9" idx="3"/>
-            <a:endCxn id="10" idx="0"/>
-          </p:cNvCxnSpPr>
-          <p:nvPr/>
-        </p:nvCxnSpPr>
-        <p:spPr>
-          <a:xfrm flipH="1">
-            <a:off x="3735335" y="1685370"/>
-            <a:ext cx="418944" cy="553174"/>
-          </a:xfrm>
-          <a:prstGeom prst="line">
-            <a:avLst/>
-          </a:prstGeom>
-          <a:ln w="25400">
-            <a:solidFill>
-              <a:srgbClr val="FF0000"/>
-            </a:solidFill>
-          </a:ln>
-        </p:spPr>
-        <p:style>
-          <a:lnRef idx="1">
-            <a:schemeClr val="accent1"/>
-          </a:lnRef>
-          <a:fillRef idx="0">
-            <a:schemeClr val="accent1"/>
-          </a:fillRef>
-          <a:effectRef idx="0">
-            <a:schemeClr val="accent1"/>
-          </a:effectRef>
-          <a:fontRef idx="minor">
-            <a:schemeClr val="tx1"/>
-          </a:fontRef>
-        </p:style>
-      </p:cxnSp>
-      <p:cxnSp>
-        <p:nvCxnSpPr>
-          <p:cNvPr id="51" name="Straight Connector 50"/>
-          <p:cNvCxnSpPr>
-            <a:stCxn id="10" idx="4"/>
-            <a:endCxn id="11" idx="1"/>
-          </p:cNvCxnSpPr>
-          <p:nvPr/>
-        </p:nvCxnSpPr>
-        <p:spPr>
-          <a:xfrm>
-            <a:off x="3735335" y="2886616"/>
-            <a:ext cx="418944" cy="526956"/>
-          </a:xfrm>
-          <a:prstGeom prst="line">
-            <a:avLst/>
-          </a:prstGeom>
-          <a:ln w="25400">
-            <a:solidFill>
-              <a:srgbClr val="FF0000"/>
-            </a:solidFill>
-          </a:ln>
-        </p:spPr>
-        <p:style>
-          <a:lnRef idx="1">
-            <a:schemeClr val="accent1"/>
-          </a:lnRef>
-          <a:fillRef idx="0">
-            <a:schemeClr val="accent1"/>
-          </a:fillRef>
-          <a:effectRef idx="0">
-            <a:schemeClr val="accent1"/>
-          </a:effectRef>
-          <a:fontRef idx="minor">
-            <a:schemeClr val="tx1"/>
-          </a:fontRef>
-        </p:style>
-      </p:cxnSp>
-      <p:cxnSp>
-        <p:nvCxnSpPr>
-          <p:cNvPr id="54" name="Straight Connector 53"/>
-          <p:cNvCxnSpPr>
-            <a:stCxn id="9" idx="4"/>
-            <a:endCxn id="11" idx="0"/>
-          </p:cNvCxnSpPr>
-          <p:nvPr/>
-        </p:nvCxnSpPr>
-        <p:spPr>
-          <a:xfrm>
-            <a:off x="4383407" y="1780278"/>
-            <a:ext cx="0" cy="1538386"/>
-          </a:xfrm>
-          <a:prstGeom prst="line">
-            <a:avLst/>
-          </a:prstGeom>
-          <a:ln w="25400">
-            <a:solidFill>
-              <a:srgbClr val="FF0000"/>
-            </a:solidFill>
-          </a:ln>
-        </p:spPr>
-        <p:style>
-          <a:lnRef idx="1">
-            <a:schemeClr val="accent1"/>
-          </a:lnRef>
-          <a:fillRef idx="0">
-            <a:schemeClr val="accent1"/>
-          </a:fillRef>
-          <a:effectRef idx="0">
-            <a:schemeClr val="accent1"/>
-          </a:effectRef>
-          <a:fontRef idx="minor">
-            <a:schemeClr val="tx1"/>
-          </a:fontRef>
-        </p:style>
-      </p:cxnSp>
-      <p:sp>
-        <p:nvSpPr>
-          <p:cNvPr id="55" name="TextBox 54"/>
-          <p:cNvSpPr txBox="1"/>
-          <p:nvPr/>
-        </p:nvSpPr>
-        <p:spPr>
-          <a:xfrm>
-            <a:off x="1496646" y="3793102"/>
-            <a:ext cx="1656184" cy="461665"/>
-          </a:xfrm>
-          <a:prstGeom prst="rect">
-            <a:avLst/>
-          </a:prstGeom>
-          <a:noFill/>
-        </p:spPr>
-        <p:txBody>
-          <a:bodyPr wrap="square" rtlCol="0">
-            <a:spAutoFit/>
-          </a:bodyPr>
-          <a:lstStyle/>
-          <a:p>
-            <a:r>
-              <a:rPr lang="en-GB" sz="2400" b="1" dirty="0" smtClean="0"/>
-              <a:t>Skills</a:t>
-            </a:r>
-            <a:endParaRPr lang="en-GB" sz="2400" b="1" dirty="0"/>
-          </a:p>
-        </p:txBody>
-      </p:sp>
-      <p:sp>
-        <p:nvSpPr>
-          <p:cNvPr id="56" name="TextBox 55"/>
-          <p:cNvSpPr txBox="1"/>
-          <p:nvPr/>
-        </p:nvSpPr>
-        <p:spPr>
-          <a:xfrm>
-            <a:off x="5997035" y="3790117"/>
-            <a:ext cx="1887333" cy="461665"/>
-          </a:xfrm>
-          <a:prstGeom prst="rect">
-            <a:avLst/>
-          </a:prstGeom>
-          <a:noFill/>
-        </p:spPr>
-        <p:txBody>
-          <a:bodyPr wrap="square" rtlCol="0">
-            <a:spAutoFit/>
-          </a:bodyPr>
-          <a:lstStyle/>
-          <a:p>
-            <a:r>
-              <a:rPr lang="en-GB" sz="2400" b="1" dirty="0" smtClean="0"/>
-              <a:t>Projects</a:t>
-            </a:r>
-            <a:endParaRPr lang="en-GB" sz="2400" b="1" dirty="0"/>
-          </a:p>
-        </p:txBody>
-      </p:sp>
-      <p:sp>
-        <p:nvSpPr>
-          <p:cNvPr id="57" name="TextBox 56"/>
-          <p:cNvSpPr txBox="1"/>
-          <p:nvPr/>
-        </p:nvSpPr>
-        <p:spPr>
-          <a:xfrm>
-            <a:off x="4714027" y="3793103"/>
-            <a:ext cx="1224136" cy="461665"/>
-          </a:xfrm>
-          <a:prstGeom prst="rect">
-            <a:avLst/>
-          </a:prstGeom>
-          <a:noFill/>
-        </p:spPr>
-        <p:txBody>
-          <a:bodyPr wrap="square" rtlCol="0">
-            <a:spAutoFit/>
-          </a:bodyPr>
-          <a:lstStyle/>
-          <a:p>
-            <a:r>
-              <a:rPr lang="en-GB" sz="2400" b="1" dirty="0" smtClean="0"/>
-              <a:t>Teams</a:t>
-            </a:r>
-            <a:endParaRPr lang="en-GB" sz="2400" b="1" dirty="0"/>
-          </a:p>
-        </p:txBody>
-      </p:sp>
-      <p:sp>
-        <p:nvSpPr>
-          <p:cNvPr id="3" name="TextBox 2"/>
-          <p:cNvSpPr txBox="1"/>
-          <p:nvPr/>
-        </p:nvSpPr>
-        <p:spPr>
-          <a:xfrm>
-            <a:off x="1187624" y="4472157"/>
-            <a:ext cx="7776864" cy="2492990"/>
-          </a:xfrm>
-          <a:prstGeom prst="rect">
-            <a:avLst/>
-          </a:prstGeom>
-          <a:noFill/>
-        </p:spPr>
-        <p:txBody>
-          <a:bodyPr wrap="square" rtlCol="0">
-            <a:spAutoFit/>
-          </a:bodyPr>
-          <a:lstStyle/>
-          <a:p>
-            <a:pPr marL="285750" indent="-285750">
-              <a:buFont typeface="Arial" pitchFamily="34" charset="0"/>
-              <a:buChar char="•"/>
-            </a:pPr>
-            <a:r>
-              <a:rPr lang="en-GB" sz="2000" dirty="0" smtClean="0"/>
-              <a:t>Node P</a:t>
-            </a:r>
-            <a:r>
-              <a:rPr lang="el-GR" sz="2000" dirty="0" smtClean="0"/>
-              <a:t>α</a:t>
-            </a:r>
-            <a:r>
-              <a:rPr lang="en-GB" sz="2000" dirty="0" smtClean="0"/>
-              <a:t> is on if an incoming project requires skill </a:t>
-            </a:r>
-            <a:r>
-              <a:rPr lang="el-GR" sz="2000" dirty="0" smtClean="0"/>
-              <a:t>α</a:t>
-            </a:r>
-            <a:r>
-              <a:rPr lang="en-GB" sz="2000" dirty="0" smtClean="0"/>
-              <a:t>. </a:t>
-            </a:r>
-          </a:p>
-          <a:p>
-            <a:pPr marL="285750" indent="-285750">
-              <a:buFont typeface="Arial" pitchFamily="34" charset="0"/>
-              <a:buChar char="•"/>
-            </a:pPr>
-            <a:r>
-              <a:rPr lang="en-GB" sz="2000" dirty="0" smtClean="0"/>
-              <a:t>Node P</a:t>
-            </a:r>
-            <a:r>
-              <a:rPr lang="el-GR" sz="2000" dirty="0" smtClean="0"/>
-              <a:t>β</a:t>
-            </a:r>
-            <a:r>
-              <a:rPr lang="en-GB" sz="2000" dirty="0" smtClean="0"/>
-              <a:t> is on if an incoming project requires skill </a:t>
-            </a:r>
-            <a:r>
-              <a:rPr lang="el-GR" sz="2000" dirty="0" smtClean="0"/>
-              <a:t>β</a:t>
-            </a:r>
-            <a:r>
-              <a:rPr lang="en-GB" sz="2000" dirty="0" smtClean="0"/>
-              <a:t>.</a:t>
-            </a:r>
-          </a:p>
-          <a:p>
-            <a:pPr marL="285750" indent="-285750">
-              <a:buFont typeface="Arial" pitchFamily="34" charset="0"/>
-              <a:buChar char="•"/>
-            </a:pPr>
-            <a:r>
-              <a:rPr lang="en-GB" sz="2000" dirty="0" smtClean="0"/>
-              <a:t>These two nodes turn on and off randomly, indicating random project arrival.</a:t>
-            </a:r>
-            <a:endParaRPr lang="en-GB" sz="2000" dirty="0"/>
-          </a:p>
-          <a:p>
-            <a:pPr marL="285750" indent="-285750">
-              <a:buFont typeface="Arial" pitchFamily="34" charset="0"/>
-              <a:buChar char="•"/>
-            </a:pPr>
-            <a:r>
-              <a:rPr lang="en-GB" sz="2000" dirty="0" smtClean="0"/>
-              <a:t>Teams possess the skills that they are connected to.</a:t>
-            </a:r>
-          </a:p>
-          <a:p>
-            <a:pPr marL="285750" indent="-285750">
-              <a:buFont typeface="Arial" pitchFamily="34" charset="0"/>
-              <a:buChar char="•"/>
-            </a:pPr>
-            <a:r>
-              <a:rPr lang="en-GB" sz="2000" dirty="0" smtClean="0"/>
-              <a:t>How should teams A, B and C activate and deactivate?</a:t>
-            </a:r>
-            <a:endParaRPr lang="en-GB" sz="2000" dirty="0"/>
-          </a:p>
-          <a:p>
-            <a:pPr marL="285750" indent="-285750">
-              <a:buFont typeface="Arial" pitchFamily="34" charset="0"/>
-              <a:buChar char="•"/>
-            </a:pPr>
-            <a:endParaRPr lang="en-GB" dirty="0"/>
-          </a:p>
-          <a:p>
-            <a:pPr marL="285750" indent="-285750">
-              <a:buFont typeface="Arial" pitchFamily="34" charset="0"/>
-              <a:buChar char="•"/>
-            </a:pPr>
-            <a:endParaRPr lang="en-GB" dirty="0"/>
-          </a:p>
-        </p:txBody>
-      </p:sp>
-    </p:spTree>
-    <p:extLst>
-      <p:ext uri="{BB962C8B-B14F-4D97-AF65-F5344CB8AC3E}">
-        <p14:creationId xmlns:p14="http://schemas.microsoft.com/office/powerpoint/2010/main" val="571397642"/>
-      </p:ext>
-    </p:extLst>
-  </p:cSld>
-  <p:clrMapOvr>
-    <a:masterClrMapping/>
-  </p:clrMapOvr>
-  <p:timing>
-    <p:tnLst>
-      <p:par>
-        <p:cTn id="1" dur="indefinite" restart="never" nodeType="tmRoot"/>
       </p:par>
     </p:tnLst>
   </p:timing>

--- a/Writeup/Presentation/Integrated Information Theory for Organisational Consciousness.pptx
+++ b/Writeup/Presentation/Integrated Information Theory for Organisational Consciousness.pptx
@@ -11511,7 +11511,128 @@
   <p:timing>
     <p:tnLst>
       <p:par>
-        <p:cTn id="1" dur="indefinite" restart="never" nodeType="tmRoot"/>
+        <p:cTn id="1" dur="indefinite" restart="never" nodeType="tmRoot">
+          <p:childTnLst>
+            <p:seq concurrent="1" nextAc="seek">
+              <p:cTn id="2" dur="indefinite" nodeType="mainSeq">
+                <p:childTnLst>
+                  <p:par>
+                    <p:cTn id="3" fill="hold">
+                      <p:stCondLst>
+                        <p:cond delay="indefinite"/>
+                      </p:stCondLst>
+                      <p:childTnLst>
+                        <p:par>
+                          <p:cTn id="4" fill="hold">
+                            <p:stCondLst>
+                              <p:cond delay="0"/>
+                            </p:stCondLst>
+                            <p:childTnLst>
+                              <p:par>
+                                <p:cTn id="5" presetID="1" presetClass="entr" presetSubtype="0" fill="hold" nodeType="clickEffect">
+                                  <p:stCondLst>
+                                    <p:cond delay="0"/>
+                                  </p:stCondLst>
+                                  <p:childTnLst>
+                                    <p:set>
+                                      <p:cBhvr>
+                                        <p:cTn id="6" dur="1" fill="hold">
+                                          <p:stCondLst>
+                                            <p:cond delay="0"/>
+                                          </p:stCondLst>
+                                        </p:cTn>
+                                        <p:tgtEl>
+                                          <p:spTgt spid="9">
+                                            <p:txEl>
+                                              <p:pRg st="2" end="2"/>
+                                            </p:txEl>
+                                          </p:spTgt>
+                                        </p:tgtEl>
+                                        <p:attrNameLst>
+                                          <p:attrName>style.visibility</p:attrName>
+                                        </p:attrNameLst>
+                                      </p:cBhvr>
+                                      <p:to>
+                                        <p:strVal val="visible"/>
+                                      </p:to>
+                                    </p:set>
+                                  </p:childTnLst>
+                                </p:cTn>
+                              </p:par>
+                            </p:childTnLst>
+                          </p:cTn>
+                        </p:par>
+                      </p:childTnLst>
+                    </p:cTn>
+                  </p:par>
+                  <p:par>
+                    <p:cTn id="7" fill="hold">
+                      <p:stCondLst>
+                        <p:cond delay="indefinite"/>
+                      </p:stCondLst>
+                      <p:childTnLst>
+                        <p:par>
+                          <p:cTn id="8" fill="hold">
+                            <p:stCondLst>
+                              <p:cond delay="0"/>
+                            </p:stCondLst>
+                            <p:childTnLst>
+                              <p:par>
+                                <p:cTn id="9" presetID="1" presetClass="entr" presetSubtype="0" fill="hold" nodeType="clickEffect">
+                                  <p:stCondLst>
+                                    <p:cond delay="0"/>
+                                  </p:stCondLst>
+                                  <p:childTnLst>
+                                    <p:set>
+                                      <p:cBhvr>
+                                        <p:cTn id="10" dur="1" fill="hold">
+                                          <p:stCondLst>
+                                            <p:cond delay="0"/>
+                                          </p:stCondLst>
+                                        </p:cTn>
+                                        <p:tgtEl>
+                                          <p:spTgt spid="9">
+                                            <p:txEl>
+                                              <p:pRg st="4" end="4"/>
+                                            </p:txEl>
+                                          </p:spTgt>
+                                        </p:tgtEl>
+                                        <p:attrNameLst>
+                                          <p:attrName>style.visibility</p:attrName>
+                                        </p:attrNameLst>
+                                      </p:cBhvr>
+                                      <p:to>
+                                        <p:strVal val="visible"/>
+                                      </p:to>
+                                    </p:set>
+                                  </p:childTnLst>
+                                </p:cTn>
+                              </p:par>
+                            </p:childTnLst>
+                          </p:cTn>
+                        </p:par>
+                      </p:childTnLst>
+                    </p:cTn>
+                  </p:par>
+                </p:childTnLst>
+              </p:cTn>
+              <p:prevCondLst>
+                <p:cond evt="onPrev" delay="0">
+                  <p:tgtEl>
+                    <p:sldTgt/>
+                  </p:tgtEl>
+                </p:cond>
+              </p:prevCondLst>
+              <p:nextCondLst>
+                <p:cond evt="onNext" delay="0">
+                  <p:tgtEl>
+                    <p:sldTgt/>
+                  </p:tgtEl>
+                </p:cond>
+              </p:nextCondLst>
+            </p:seq>
+          </p:childTnLst>
+        </p:cTn>
       </p:par>
     </p:tnLst>
   </p:timing>
@@ -11917,7 +12038,141 @@
   <p:timing>
     <p:tnLst>
       <p:par>
-        <p:cTn id="1" dur="indefinite" restart="never" nodeType="tmRoot"/>
+        <p:cTn id="1" dur="indefinite" restart="never" nodeType="tmRoot">
+          <p:childTnLst>
+            <p:seq concurrent="1" nextAc="seek">
+              <p:cTn id="2" dur="indefinite" nodeType="mainSeq">
+                <p:childTnLst>
+                  <p:par>
+                    <p:cTn id="3" fill="hold">
+                      <p:stCondLst>
+                        <p:cond delay="indefinite"/>
+                      </p:stCondLst>
+                      <p:childTnLst>
+                        <p:par>
+                          <p:cTn id="4" fill="hold">
+                            <p:stCondLst>
+                              <p:cond delay="0"/>
+                            </p:stCondLst>
+                            <p:childTnLst>
+                              <p:par>
+                                <p:cTn id="5" presetID="1" presetClass="entr" presetSubtype="0" fill="hold" nodeType="clickEffect">
+                                  <p:stCondLst>
+                                    <p:cond delay="0"/>
+                                  </p:stCondLst>
+                                  <p:childTnLst>
+                                    <p:set>
+                                      <p:cBhvr>
+                                        <p:cTn id="6" dur="1" fill="hold">
+                                          <p:stCondLst>
+                                            <p:cond delay="0"/>
+                                          </p:stCondLst>
+                                        </p:cTn>
+                                        <p:tgtEl>
+                                          <p:spTgt spid="9">
+                                            <p:txEl>
+                                              <p:pRg st="2" end="2"/>
+                                            </p:txEl>
+                                          </p:spTgt>
+                                        </p:tgtEl>
+                                        <p:attrNameLst>
+                                          <p:attrName>style.visibility</p:attrName>
+                                        </p:attrNameLst>
+                                      </p:cBhvr>
+                                      <p:to>
+                                        <p:strVal val="visible"/>
+                                      </p:to>
+                                    </p:set>
+                                  </p:childTnLst>
+                                </p:cTn>
+                              </p:par>
+                              <p:par>
+                                <p:cTn id="7" presetID="1" presetClass="entr" presetSubtype="0" fill="hold" nodeType="withEffect">
+                                  <p:stCondLst>
+                                    <p:cond delay="0"/>
+                                  </p:stCondLst>
+                                  <p:childTnLst>
+                                    <p:set>
+                                      <p:cBhvr>
+                                        <p:cTn id="8" dur="1" fill="hold">
+                                          <p:stCondLst>
+                                            <p:cond delay="0"/>
+                                          </p:stCondLst>
+                                        </p:cTn>
+                                        <p:tgtEl>
+                                          <p:spTgt spid="9">
+                                            <p:txEl>
+                                              <p:pRg st="3" end="3"/>
+                                            </p:txEl>
+                                          </p:spTgt>
+                                        </p:tgtEl>
+                                        <p:attrNameLst>
+                                          <p:attrName>style.visibility</p:attrName>
+                                        </p:attrNameLst>
+                                      </p:cBhvr>
+                                      <p:to>
+                                        <p:strVal val="visible"/>
+                                      </p:to>
+                                    </p:set>
+                                  </p:childTnLst>
+                                </p:cTn>
+                              </p:par>
+                              <p:par>
+                                <p:cTn id="9" presetID="1" presetClass="entr" presetSubtype="0" fill="hold" nodeType="withEffect">
+                                  <p:stCondLst>
+                                    <p:cond delay="0"/>
+                                  </p:stCondLst>
+                                  <p:childTnLst>
+                                    <p:set>
+                                      <p:cBhvr>
+                                        <p:cTn id="10" dur="1" fill="hold">
+                                          <p:stCondLst>
+                                            <p:cond delay="0"/>
+                                          </p:stCondLst>
+                                        </p:cTn>
+                                        <p:tgtEl>
+                                          <p:spTgt spid="9">
+                                            <p:txEl>
+                                              <p:pRg st="5" end="5"/>
+                                            </p:txEl>
+                                          </p:spTgt>
+                                        </p:tgtEl>
+                                        <p:attrNameLst>
+                                          <p:attrName>style.visibility</p:attrName>
+                                        </p:attrNameLst>
+                                      </p:cBhvr>
+                                      <p:to>
+                                        <p:strVal val="visible"/>
+                                      </p:to>
+                                    </p:set>
+                                  </p:childTnLst>
+                                </p:cTn>
+                              </p:par>
+                            </p:childTnLst>
+                          </p:cTn>
+                        </p:par>
+                      </p:childTnLst>
+                    </p:cTn>
+                  </p:par>
+                </p:childTnLst>
+              </p:cTn>
+              <p:prevCondLst>
+                <p:cond evt="onPrev" delay="0">
+                  <p:tgtEl>
+                    <p:sldTgt/>
+                  </p:tgtEl>
+                </p:cond>
+              </p:prevCondLst>
+              <p:nextCondLst>
+                <p:cond evt="onNext" delay="0">
+                  <p:tgtEl>
+                    <p:sldTgt/>
+                  </p:tgtEl>
+                </p:cond>
+              </p:nextCondLst>
+            </p:seq>
+          </p:childTnLst>
+        </p:cTn>
       </p:par>
     </p:tnLst>
   </p:timing>
@@ -15516,8 +15771,8 @@
           </p:sp>
         </mc:Fallback>
       </mc:AlternateContent>
-      <mc:AlternateContent xmlns:mc="http://schemas.openxmlformats.org/markup-compatibility/2006" xmlns:a14="http://schemas.microsoft.com/office/drawing/2010/main">
-        <mc:Choice Requires="a14">
+      <mc:AlternateContent xmlns:mc="http://schemas.openxmlformats.org/markup-compatibility/2006">
+        <mc:Choice xmlns:a14="http://schemas.microsoft.com/office/drawing/2010/main" Requires="a14">
           <p:sp>
             <p:nvSpPr>
               <p:cNvPr id="3" name="TextBox 2"/>
@@ -15527,7 +15782,7 @@
             <p:spPr>
               <a:xfrm>
                 <a:off x="1043608" y="980728"/>
-                <a:ext cx="7776864" cy="3140732"/>
+                <a:ext cx="7776864" cy="3725764"/>
               </a:xfrm>
               <a:prstGeom prst="rect">
                 <a:avLst/>
@@ -15559,13 +15814,13 @@
                   <a:buAutoNum type="arabicPeriod"/>
                 </a:pPr>
                 <a:r>
-                  <a:rPr lang="en-GB" dirty="0" smtClean="0"/>
+                  <a:rPr lang="en-GB" sz="2000" dirty="0" smtClean="0"/>
                   <a:t>If we have </a:t>
                 </a:r>
                 <a14:m>
                   <m:oMath xmlns:m="http://schemas.openxmlformats.org/officeDocument/2006/math">
                     <m:r>
-                      <a:rPr lang="en-GB" b="0" i="1" smtClean="0">
+                      <a:rPr lang="en-GB" sz="2000" b="0" i="1" smtClean="0">
                         <a:latin typeface="Cambria Math"/>
                       </a:rPr>
                       <m:t>𝑛</m:t>
@@ -15573,7 +15828,7 @@
                   </m:oMath>
                 </a14:m>
                 <a:r>
-                  <a:rPr lang="en-GB" dirty="0" smtClean="0"/>
+                  <a:rPr lang="en-GB" sz="2000" dirty="0" smtClean="0"/>
                   <a:t> nodes, it follows that there are </a:t>
                 </a:r>
                 <a14:m>
@@ -15581,14 +15836,14 @@
                     <m:sSup>
                       <m:sSupPr>
                         <m:ctrlPr>
-                          <a:rPr lang="en-GB" i="1" smtClean="0">
+                          <a:rPr lang="en-GB" sz="2000" i="1" smtClean="0">
                             <a:latin typeface="Cambria Math"/>
                           </a:rPr>
                         </m:ctrlPr>
                       </m:sSupPr>
                       <m:e>
                         <m:r>
-                          <a:rPr lang="en-GB" b="0" i="1" smtClean="0">
+                          <a:rPr lang="en-GB" sz="2000" b="0" i="1" smtClean="0">
                             <a:latin typeface="Cambria Math"/>
                           </a:rPr>
                           <m:t>2</m:t>
@@ -15596,7 +15851,7 @@
                       </m:e>
                       <m:sup>
                         <m:r>
-                          <a:rPr lang="en-GB" b="0" i="1" smtClean="0">
+                          <a:rPr lang="en-GB" sz="2000" b="0" i="1" smtClean="0">
                             <a:latin typeface="Cambria Math"/>
                           </a:rPr>
                           <m:t>𝑛</m:t>
@@ -15606,7 +15861,7 @@
                   </m:oMath>
                 </a14:m>
                 <a:r>
-                  <a:rPr lang="en-GB" dirty="0" smtClean="0"/>
+                  <a:rPr lang="en-GB" sz="2000" dirty="0" smtClean="0"/>
                   <a:t> states.</a:t>
                 </a:r>
               </a:p>
@@ -15616,19 +15871,19 @@
                   <a:buAutoNum type="arabicPeriod"/>
                 </a:pPr>
                 <a:r>
-                  <a:rPr lang="en-GB" dirty="0" smtClean="0"/>
+                  <a:rPr lang="en-GB" sz="2000" dirty="0" smtClean="0"/>
                   <a:t>Each computation of a Distance will take at least </a:t>
                 </a:r>
                 <a14:m>
                   <m:oMath xmlns:m="http://schemas.openxmlformats.org/officeDocument/2006/math">
                     <m:r>
-                      <a:rPr lang="en-GB" b="0" i="1" smtClean="0">
+                      <a:rPr lang="en-GB" sz="2000" b="0" i="1" smtClean="0">
                         <a:latin typeface="Cambria Math"/>
                       </a:rPr>
                       <m:t>𝑂</m:t>
                     </m:r>
                     <m:r>
-                      <a:rPr lang="en-GB" b="0" i="1" smtClean="0">
+                      <a:rPr lang="en-GB" sz="2000" b="0" i="1" smtClean="0">
                         <a:latin typeface="Cambria Math"/>
                       </a:rPr>
                       <m:t>(</m:t>
@@ -15636,14 +15891,14 @@
                     <m:sSup>
                       <m:sSupPr>
                         <m:ctrlPr>
-                          <a:rPr lang="en-GB" b="0" i="1" smtClean="0">
+                          <a:rPr lang="en-GB" sz="2000" b="0" i="1" smtClean="0">
                             <a:latin typeface="Cambria Math"/>
                           </a:rPr>
                         </m:ctrlPr>
                       </m:sSupPr>
                       <m:e>
                         <m:r>
-                          <a:rPr lang="en-GB" b="0" i="1" smtClean="0">
+                          <a:rPr lang="en-GB" sz="2000" b="0" i="1" smtClean="0">
                             <a:latin typeface="Cambria Math"/>
                           </a:rPr>
                           <m:t>2</m:t>
@@ -15651,7 +15906,7 @@
                       </m:e>
                       <m:sup>
                         <m:r>
-                          <a:rPr lang="en-GB" b="0" i="1" smtClean="0">
+                          <a:rPr lang="en-GB" sz="2000" b="0" i="1" smtClean="0">
                             <a:latin typeface="Cambria Math"/>
                           </a:rPr>
                           <m:t>𝑛</m:t>
@@ -15659,7 +15914,7 @@
                       </m:sup>
                     </m:sSup>
                     <m:r>
-                      <a:rPr lang="en-GB" b="0" i="1" smtClean="0">
+                      <a:rPr lang="en-GB" sz="2000" b="0" i="1" smtClean="0">
                         <a:latin typeface="Cambria Math"/>
                       </a:rPr>
                       <m:t>)</m:t>
@@ -15667,7 +15922,7 @@
                   </m:oMath>
                 </a14:m>
                 <a:r>
-                  <a:rPr lang="en-GB" dirty="0" smtClean="0"/>
+                  <a:rPr lang="en-GB" sz="2000" dirty="0" smtClean="0"/>
                   <a:t> calculations.</a:t>
                 </a:r>
               </a:p>
@@ -15677,7 +15932,7 @@
                   <a:buAutoNum type="arabicPeriod"/>
                 </a:pPr>
                 <a:r>
-                  <a:rPr lang="en-GB" dirty="0" smtClean="0"/>
+                  <a:rPr lang="en-GB" sz="2000" dirty="0" smtClean="0"/>
                   <a:t>Assuming no repetition, </a:t>
                 </a:r>
                 <a14:m>
@@ -15685,14 +15940,14 @@
                     <m:sSup>
                       <m:sSupPr>
                         <m:ctrlPr>
-                          <a:rPr lang="en-GB" i="1">
+                          <a:rPr lang="en-GB" sz="2000" i="1">
                             <a:latin typeface="Cambria Math"/>
                           </a:rPr>
                         </m:ctrlPr>
                       </m:sSupPr>
                       <m:e>
                         <m:r>
-                          <a:rPr lang="en-GB" i="1">
+                          <a:rPr lang="en-GB" sz="2000" i="1">
                             <a:latin typeface="Cambria Math"/>
                           </a:rPr>
                           <m:t>𝜑</m:t>
@@ -15700,13 +15955,13 @@
                       </m:e>
                       <m:sup>
                         <m:r>
-                          <a:rPr lang="en-GB" i="1">
+                          <a:rPr lang="en-GB" sz="2000" i="1">
                             <a:latin typeface="Cambria Math"/>
                           </a:rPr>
                           <m:t>𝑀</m:t>
                         </m:r>
                         <m:r>
-                          <a:rPr lang="en-GB" b="0" i="1" smtClean="0">
+                          <a:rPr lang="en-GB" sz="2000" b="0" i="1" smtClean="0">
                             <a:latin typeface="Cambria Math"/>
                           </a:rPr>
                           <m:t>𝐴𝑋</m:t>
@@ -15716,13 +15971,13 @@
                   </m:oMath>
                 </a14:m>
                 <a:r>
-                  <a:rPr lang="en-GB" dirty="0" smtClean="0"/>
+                  <a:rPr lang="en-GB" sz="2000" dirty="0" smtClean="0"/>
                   <a:t> will comparing all possible pairs of elements from the power set. Thus </a:t>
                 </a:r>
                 <a14:m>
                   <m:oMath xmlns:m="http://schemas.openxmlformats.org/officeDocument/2006/math">
                     <m:r>
-                      <a:rPr lang="en-GB" b="0" i="1" smtClean="0">
+                      <a:rPr lang="en-GB" sz="2000" b="0" i="1" smtClean="0">
                         <a:latin typeface="Cambria Math"/>
                       </a:rPr>
                       <m:t>𝑂</m:t>
@@ -15730,7 +15985,7 @@
                     <m:d>
                       <m:dPr>
                         <m:ctrlPr>
-                          <a:rPr lang="en-GB" b="0" i="1" smtClean="0">
+                          <a:rPr lang="en-GB" sz="2000" b="0" i="1" smtClean="0">
                             <a:latin typeface="Cambria Math"/>
                           </a:rPr>
                         </m:ctrlPr>
@@ -15739,14 +15994,14 @@
                         <m:sSup>
                           <m:sSupPr>
                             <m:ctrlPr>
-                              <a:rPr lang="en-GB" b="0" i="1" smtClean="0">
+                              <a:rPr lang="en-GB" sz="2000" b="0" i="1" smtClean="0">
                                 <a:latin typeface="Cambria Math"/>
                               </a:rPr>
                             </m:ctrlPr>
                           </m:sSupPr>
                           <m:e>
                             <m:r>
-                              <a:rPr lang="en-GB" b="0" i="1" smtClean="0">
+                              <a:rPr lang="en-GB" sz="2000" b="0" i="1" smtClean="0">
                                 <a:latin typeface="Cambria Math"/>
                               </a:rPr>
                               <m:t>2</m:t>
@@ -15754,13 +16009,13 @@
                           </m:e>
                           <m:sup>
                             <m:r>
-                              <a:rPr lang="en-GB" b="0" i="1" smtClean="0">
+                              <a:rPr lang="en-GB" sz="2000" b="0" i="1" smtClean="0">
                                 <a:latin typeface="Cambria Math"/>
                               </a:rPr>
                               <m:t>2</m:t>
                             </m:r>
                             <m:r>
-                              <a:rPr lang="en-GB" b="0" i="1" smtClean="0">
+                              <a:rPr lang="en-GB" sz="2000" b="0" i="1" smtClean="0">
                                 <a:latin typeface="Cambria Math"/>
                               </a:rPr>
                               <m:t>𝑛</m:t>
@@ -15772,7 +16027,7 @@
                   </m:oMath>
                 </a14:m>
                 <a:r>
-                  <a:rPr lang="en-GB" dirty="0" smtClean="0"/>
+                  <a:rPr lang="en-GB" sz="2000" dirty="0" smtClean="0"/>
                   <a:t> such comparisons are required, each of which involves computing a distance.</a:t>
                 </a:r>
               </a:p>
@@ -15782,7 +16037,7 @@
                   <a:buAutoNum type="arabicPeriod"/>
                 </a:pPr>
                 <a:r>
-                  <a:rPr lang="en-GB" dirty="0" smtClean="0"/>
+                  <a:rPr lang="en-GB" sz="2000" dirty="0" smtClean="0"/>
                   <a:t> </a:t>
                 </a:r>
                 <a14:m>
@@ -15790,14 +16045,14 @@
                     <m:sSup>
                       <m:sSupPr>
                         <m:ctrlPr>
-                          <a:rPr lang="en-GB" i="1">
+                          <a:rPr lang="en-GB" sz="2000" i="1">
                             <a:latin typeface="Cambria Math"/>
                           </a:rPr>
                         </m:ctrlPr>
                       </m:sSupPr>
                       <m:e>
                         <m:r>
-                          <a:rPr lang="en-GB" i="1">
+                          <a:rPr lang="en-GB" sz="2000" i="1">
                             <a:latin typeface="Cambria Math"/>
                           </a:rPr>
                           <m:t>𝜑</m:t>
@@ -15805,7 +16060,7 @@
                       </m:e>
                       <m:sup>
                         <m:r>
-                          <a:rPr lang="en-GB" i="1">
+                          <a:rPr lang="en-GB" sz="2000" i="1">
                             <a:latin typeface="Cambria Math"/>
                           </a:rPr>
                           <m:t>𝑀𝐴𝑋</m:t>
@@ -15815,7 +16070,7 @@
                   </m:oMath>
                 </a14:m>
                 <a:r>
-                  <a:rPr lang="en-GB" dirty="0" smtClean="0"/>
+                  <a:rPr lang="en-GB" sz="2000" dirty="0" smtClean="0"/>
                   <a:t> needs to be computed for each element of the power set in order to compute </a:t>
                 </a:r>
                 <a14:m>
@@ -15824,7 +16079,7 @@
                       <m:rPr>
                         <m:sty m:val="p"/>
                       </m:rPr>
-                      <a:rPr lang="en-GB" b="0" i="0" smtClean="0">
+                      <a:rPr lang="en-GB" sz="2000" b="0" i="0" smtClean="0">
                         <a:latin typeface="Cambria Math"/>
                       </a:rPr>
                       <m:t>Φ</m:t>
@@ -15832,19 +16087,19 @@
                   </m:oMath>
                 </a14:m>
                 <a:r>
-                  <a:rPr lang="en-GB" dirty="0" smtClean="0"/>
+                  <a:rPr lang="en-GB" sz="2000" dirty="0" smtClean="0"/>
                   <a:t>. Hence another </a:t>
                 </a:r>
                 <a14:m>
                   <m:oMath xmlns:m="http://schemas.openxmlformats.org/officeDocument/2006/math">
                     <m:r>
-                      <a:rPr lang="en-GB" i="1">
+                      <a:rPr lang="en-GB" sz="2000" i="1">
                         <a:latin typeface="Cambria Math"/>
                       </a:rPr>
                       <m:t>𝑂</m:t>
                     </m:r>
                     <m:r>
-                      <a:rPr lang="en-GB" i="1">
+                      <a:rPr lang="en-GB" sz="2000" i="1">
                         <a:latin typeface="Cambria Math"/>
                       </a:rPr>
                       <m:t>(</m:t>
@@ -15852,14 +16107,14 @@
                     <m:sSup>
                       <m:sSupPr>
                         <m:ctrlPr>
-                          <a:rPr lang="en-GB" i="1">
+                          <a:rPr lang="en-GB" sz="2000" i="1">
                             <a:latin typeface="Cambria Math"/>
                           </a:rPr>
                         </m:ctrlPr>
                       </m:sSupPr>
                       <m:e>
                         <m:r>
-                          <a:rPr lang="en-GB" i="1">
+                          <a:rPr lang="en-GB" sz="2000" i="1">
                             <a:latin typeface="Cambria Math"/>
                           </a:rPr>
                           <m:t>2</m:t>
@@ -15867,7 +16122,7 @@
                       </m:e>
                       <m:sup>
                         <m:r>
-                          <a:rPr lang="en-GB" i="1">
+                          <a:rPr lang="en-GB" sz="2000" i="1">
                             <a:latin typeface="Cambria Math"/>
                           </a:rPr>
                           <m:t>𝑛</m:t>
@@ -15875,7 +16130,7 @@
                       </m:sup>
                     </m:sSup>
                     <m:r>
-                      <a:rPr lang="en-GB" i="1">
+                      <a:rPr lang="en-GB" sz="2000" i="1">
                         <a:latin typeface="Cambria Math"/>
                       </a:rPr>
                       <m:t>)</m:t>
@@ -15883,7 +16138,7 @@
                   </m:oMath>
                 </a14:m>
                 <a:r>
-                  <a:rPr lang="en-GB" dirty="0" smtClean="0"/>
+                  <a:rPr lang="en-GB" sz="2000" dirty="0" smtClean="0"/>
                   <a:t> are required.</a:t>
                 </a:r>
               </a:p>
@@ -15893,7 +16148,7 @@
                   <a:buAutoNum type="arabicPeriod"/>
                 </a:pPr>
                 <a:r>
-                  <a:rPr lang="en-GB" dirty="0" smtClean="0"/>
+                  <a:rPr lang="en-GB" sz="2000" dirty="0" smtClean="0"/>
                   <a:t>To identify a complex, we need to compute </a:t>
                 </a:r>
                 <a14:m>
@@ -15902,7 +16157,7 @@
                       <m:rPr>
                         <m:sty m:val="p"/>
                       </m:rPr>
-                      <a:rPr lang="en-GB">
+                      <a:rPr lang="en-GB" sz="2000">
                         <a:latin typeface="Cambria Math"/>
                       </a:rPr>
                       <m:t>Φ</m:t>
@@ -15910,13 +16165,13 @@
                   </m:oMath>
                 </a14:m>
                 <a:r>
-                  <a:rPr lang="en-GB" dirty="0" smtClean="0"/>
+                  <a:rPr lang="en-GB" sz="2000" dirty="0" smtClean="0"/>
                   <a:t> for all possible 1 directional partitions. This will require at least </a:t>
                 </a:r>
                 <a14:m>
                   <m:oMath xmlns:m="http://schemas.openxmlformats.org/officeDocument/2006/math">
                     <m:r>
-                      <a:rPr lang="en-GB" i="1">
+                      <a:rPr lang="en-GB" sz="2000" i="1">
                         <a:latin typeface="Cambria Math"/>
                       </a:rPr>
                       <m:t>𝑂</m:t>
@@ -15924,7 +16179,7 @@
                     <m:d>
                       <m:dPr>
                         <m:ctrlPr>
-                          <a:rPr lang="en-GB" i="1">
+                          <a:rPr lang="en-GB" sz="2000" i="1">
                             <a:latin typeface="Cambria Math"/>
                           </a:rPr>
                         </m:ctrlPr>
@@ -15933,14 +16188,14 @@
                         <m:sSup>
                           <m:sSupPr>
                             <m:ctrlPr>
-                              <a:rPr lang="en-GB" i="1">
+                              <a:rPr lang="en-GB" sz="2000" i="1">
                                 <a:latin typeface="Cambria Math"/>
                               </a:rPr>
                             </m:ctrlPr>
                           </m:sSupPr>
                           <m:e>
                             <m:r>
-                              <a:rPr lang="en-GB" i="1">
+                              <a:rPr lang="en-GB" sz="2000" i="1">
                                 <a:latin typeface="Cambria Math"/>
                               </a:rPr>
                               <m:t>2</m:t>
@@ -15948,13 +16203,13 @@
                           </m:e>
                           <m:sup>
                             <m:r>
-                              <a:rPr lang="en-GB" i="1">
+                              <a:rPr lang="en-GB" sz="2000" i="1">
                                 <a:latin typeface="Cambria Math"/>
                               </a:rPr>
                               <m:t>2</m:t>
                             </m:r>
                             <m:r>
-                              <a:rPr lang="en-GB" i="1">
+                              <a:rPr lang="en-GB" sz="2000" i="1">
                                 <a:latin typeface="Cambria Math"/>
                               </a:rPr>
                               <m:t>𝑛</m:t>
@@ -15966,11 +16221,11 @@
                   </m:oMath>
                 </a14:m>
                 <a:r>
-                  <a:rPr lang="en-GB" dirty="0"/>
+                  <a:rPr lang="en-GB" sz="2000" dirty="0"/>
                   <a:t> </a:t>
                 </a:r>
                 <a:r>
-                  <a:rPr lang="en-GB" dirty="0" smtClean="0"/>
+                  <a:rPr lang="en-GB" sz="2000" dirty="0" smtClean="0"/>
                   <a:t>calculations of </a:t>
                 </a:r>
                 <a14:m>
@@ -15979,25 +16234,25 @@
                       <m:rPr>
                         <m:sty m:val="p"/>
                       </m:rPr>
-                      <a:rPr lang="en-GB">
+                      <a:rPr lang="en-GB" sz="2000">
                         <a:latin typeface="Cambria Math"/>
                       </a:rPr>
                       <m:t>Φ</m:t>
                     </m:r>
                     <m:r>
-                      <a:rPr lang="en-GB" b="0" i="0" smtClean="0">
+                      <a:rPr lang="en-GB" sz="2000" b="0" i="0" smtClean="0">
                         <a:latin typeface="Cambria Math"/>
                       </a:rPr>
                       <m:t>.</m:t>
                     </m:r>
                   </m:oMath>
                 </a14:m>
-                <a:endParaRPr lang="en-GB" dirty="0"/>
+                <a:endParaRPr lang="en-GB" sz="2000" dirty="0"/>
               </a:p>
             </p:txBody>
           </p:sp>
         </mc:Choice>
-        <mc:Fallback xmlns="">
+        <mc:Fallback>
           <p:sp>
             <p:nvSpPr>
               <p:cNvPr id="3" name="TextBox 2"/>
@@ -16009,7 +16264,7 @@
             <p:spPr>
               <a:xfrm>
                 <a:off x="1043608" y="980728"/>
-                <a:ext cx="7776864" cy="3140732"/>
+                <a:ext cx="7776864" cy="3725764"/>
               </a:xfrm>
               <a:prstGeom prst="rect">
                 <a:avLst/>
@@ -16017,7 +16272,7 @@
               <a:blipFill rotWithShape="1">
                 <a:blip r:embed="rId3"/>
                 <a:stretch>
-                  <a:fillRect l="-627" b="-2330"/>
+                  <a:fillRect l="-784"/>
                 </a:stretch>
               </a:blipFill>
             </p:spPr>
@@ -16036,8 +16291,8 @@
           </p:sp>
         </mc:Fallback>
       </mc:AlternateContent>
-      <mc:AlternateContent xmlns:mc="http://schemas.openxmlformats.org/markup-compatibility/2006" xmlns:a14="http://schemas.microsoft.com/office/drawing/2010/main">
-        <mc:Choice Requires="a14">
+      <mc:AlternateContent xmlns:mc="http://schemas.openxmlformats.org/markup-compatibility/2006">
+        <mc:Choice xmlns:a14="http://schemas.microsoft.com/office/drawing/2010/main" Requires="a14">
           <p:sp>
             <p:nvSpPr>
               <p:cNvPr id="4" name="TextBox 3"/>
@@ -16046,8 +16301,8 @@
             </p:nvSpPr>
             <p:spPr>
               <a:xfrm>
-                <a:off x="1547664" y="4728988"/>
-                <a:ext cx="6336704" cy="439736"/>
+                <a:off x="1547664" y="5013176"/>
+                <a:ext cx="6624736" cy="509178"/>
               </a:xfrm>
               <a:prstGeom prst="rect">
                 <a:avLst/>
@@ -16061,13 +16316,13 @@
               <a:lstStyle/>
               <a:p>
                 <a:r>
-                  <a:rPr lang="en-GB" sz="2000" b="1" dirty="0" smtClean="0"/>
+                  <a:rPr lang="en-GB" sz="2400" b="1" dirty="0" smtClean="0"/>
                   <a:t>Hence we estimate </a:t>
                 </a:r>
                 <a14:m>
                   <m:oMath xmlns:m="http://schemas.openxmlformats.org/officeDocument/2006/math">
                     <m:r>
-                      <a:rPr lang="en-GB" sz="2000" b="1" i="1">
+                      <a:rPr lang="en-GB" sz="2400" b="1" i="1">
                         <a:latin typeface="Cambria Math"/>
                       </a:rPr>
                       <m:t>𝚽</m:t>
@@ -16075,13 +16330,13 @@
                   </m:oMath>
                 </a14:m>
                 <a:r>
-                  <a:rPr lang="en-GB" sz="2000" b="1" dirty="0" smtClean="0"/>
+                  <a:rPr lang="en-GB" sz="2400" b="1" dirty="0" smtClean="0"/>
                   <a:t> scales with at least  </a:t>
                 </a:r>
                 <a14:m>
                   <m:oMath xmlns:m="http://schemas.openxmlformats.org/officeDocument/2006/math">
                     <m:r>
-                      <a:rPr lang="en-GB" sz="2000" b="1" i="1" smtClean="0">
+                      <a:rPr lang="en-GB" sz="2400" b="1" i="1" smtClean="0">
                         <a:latin typeface="Cambria Math"/>
                       </a:rPr>
                       <m:t>𝑶</m:t>
@@ -16089,7 +16344,7 @@
                     <m:d>
                       <m:dPr>
                         <m:ctrlPr>
-                          <a:rPr lang="en-GB" sz="2000" b="1" i="1" smtClean="0">
+                          <a:rPr lang="en-GB" sz="2400" b="1" i="1" smtClean="0">
                             <a:latin typeface="Cambria Math"/>
                           </a:rPr>
                         </m:ctrlPr>
@@ -16098,14 +16353,14 @@
                         <m:sSup>
                           <m:sSupPr>
                             <m:ctrlPr>
-                              <a:rPr lang="en-GB" sz="2000" b="1" i="1">
+                              <a:rPr lang="en-GB" sz="2400" b="1" i="1">
                                 <a:latin typeface="Cambria Math"/>
                               </a:rPr>
                             </m:ctrlPr>
                           </m:sSupPr>
                           <m:e>
                             <m:r>
-                              <a:rPr lang="en-GB" sz="2000" b="1" i="1">
+                              <a:rPr lang="en-GB" sz="2400" b="1" i="1">
                                 <a:latin typeface="Cambria Math"/>
                               </a:rPr>
                               <m:t>𝟐</m:t>
@@ -16113,13 +16368,13 @@
                           </m:e>
                           <m:sup>
                             <m:r>
-                              <a:rPr lang="en-GB" sz="2000" b="1" i="1">
+                              <a:rPr lang="en-GB" sz="2400" b="1" i="1">
                                 <a:latin typeface="Cambria Math"/>
                               </a:rPr>
                               <m:t>𝟔</m:t>
                             </m:r>
                             <m:r>
-                              <a:rPr lang="en-GB" sz="2000" b="1" i="1">
+                              <a:rPr lang="en-GB" sz="2400" b="1" i="1">
                                 <a:latin typeface="Cambria Math"/>
                               </a:rPr>
                               <m:t>𝒏</m:t>
@@ -16131,15 +16386,15 @@
                   </m:oMath>
                 </a14:m>
                 <a:r>
-                  <a:rPr lang="en-GB" sz="2000" b="1" dirty="0" smtClean="0"/>
+                  <a:rPr lang="en-GB" sz="2400" b="1" dirty="0" smtClean="0"/>
                   <a:t>.</a:t>
                 </a:r>
-                <a:endParaRPr lang="en-GB" sz="2000" b="1" dirty="0"/>
+                <a:endParaRPr lang="en-GB" sz="2400" b="1" dirty="0"/>
               </a:p>
             </p:txBody>
           </p:sp>
         </mc:Choice>
-        <mc:Fallback xmlns="">
+        <mc:Fallback>
           <p:sp>
             <p:nvSpPr>
               <p:cNvPr id="4" name="TextBox 3"/>
@@ -16150,8 +16405,8 @@
             </p:nvSpPr>
             <p:spPr>
               <a:xfrm>
-                <a:off x="1547664" y="4728988"/>
-                <a:ext cx="6336704" cy="439736"/>
+                <a:off x="1547664" y="5013176"/>
+                <a:ext cx="6624736" cy="509178"/>
               </a:xfrm>
               <a:prstGeom prst="rect">
                 <a:avLst/>
@@ -16159,7 +16414,7 @@
               <a:blipFill rotWithShape="1">
                 <a:blip r:embed="rId4"/>
                 <a:stretch>
-                  <a:fillRect l="-1059" t="-1389" b="-20833"/>
+                  <a:fillRect l="-1472" t="-3571" r="-368" b="-22619"/>
                 </a:stretch>
               </a:blipFill>
             </p:spPr>
@@ -16209,7 +16464,7 @@
                             </p:stCondLst>
                             <p:childTnLst>
                               <p:par>
-                                <p:cTn id="5" presetID="1" presetClass="entr" presetSubtype="0" fill="hold" grpId="0" nodeType="clickEffect">
+                                <p:cTn id="5" presetID="1" presetClass="entr" presetSubtype="0" fill="hold" nodeType="clickEffect">
                                   <p:stCondLst>
                                     <p:cond delay="0"/>
                                   </p:stCondLst>
@@ -16222,7 +16477,207 @@
                                           </p:stCondLst>
                                         </p:cTn>
                                         <p:tgtEl>
-                                          <p:spTgt spid="4"/>
+                                          <p:spTgt spid="3">
+                                            <p:txEl>
+                                              <p:pRg st="3" end="3"/>
+                                            </p:txEl>
+                                          </p:spTgt>
+                                        </p:tgtEl>
+                                        <p:attrNameLst>
+                                          <p:attrName>style.visibility</p:attrName>
+                                        </p:attrNameLst>
+                                      </p:cBhvr>
+                                      <p:to>
+                                        <p:strVal val="visible"/>
+                                      </p:to>
+                                    </p:set>
+                                  </p:childTnLst>
+                                </p:cTn>
+                              </p:par>
+                            </p:childTnLst>
+                          </p:cTn>
+                        </p:par>
+                      </p:childTnLst>
+                    </p:cTn>
+                  </p:par>
+                  <p:par>
+                    <p:cTn id="7" fill="hold">
+                      <p:stCondLst>
+                        <p:cond delay="indefinite"/>
+                      </p:stCondLst>
+                      <p:childTnLst>
+                        <p:par>
+                          <p:cTn id="8" fill="hold">
+                            <p:stCondLst>
+                              <p:cond delay="0"/>
+                            </p:stCondLst>
+                            <p:childTnLst>
+                              <p:par>
+                                <p:cTn id="9" presetID="1" presetClass="entr" presetSubtype="0" fill="hold" nodeType="clickEffect">
+                                  <p:stCondLst>
+                                    <p:cond delay="0"/>
+                                  </p:stCondLst>
+                                  <p:childTnLst>
+                                    <p:set>
+                                      <p:cBhvr>
+                                        <p:cTn id="10" dur="1" fill="hold">
+                                          <p:stCondLst>
+                                            <p:cond delay="0"/>
+                                          </p:stCondLst>
+                                        </p:cTn>
+                                        <p:tgtEl>
+                                          <p:spTgt spid="3">
+                                            <p:txEl>
+                                              <p:pRg st="4" end="4"/>
+                                            </p:txEl>
+                                          </p:spTgt>
+                                        </p:tgtEl>
+                                        <p:attrNameLst>
+                                          <p:attrName>style.visibility</p:attrName>
+                                        </p:attrNameLst>
+                                      </p:cBhvr>
+                                      <p:to>
+                                        <p:strVal val="visible"/>
+                                      </p:to>
+                                    </p:set>
+                                  </p:childTnLst>
+                                </p:cTn>
+                              </p:par>
+                            </p:childTnLst>
+                          </p:cTn>
+                        </p:par>
+                      </p:childTnLst>
+                    </p:cTn>
+                  </p:par>
+                  <p:par>
+                    <p:cTn id="11" fill="hold">
+                      <p:stCondLst>
+                        <p:cond delay="indefinite"/>
+                      </p:stCondLst>
+                      <p:childTnLst>
+                        <p:par>
+                          <p:cTn id="12" fill="hold">
+                            <p:stCondLst>
+                              <p:cond delay="0"/>
+                            </p:stCondLst>
+                            <p:childTnLst>
+                              <p:par>
+                                <p:cTn id="13" presetID="1" presetClass="entr" presetSubtype="0" fill="hold" nodeType="clickEffect">
+                                  <p:stCondLst>
+                                    <p:cond delay="0"/>
+                                  </p:stCondLst>
+                                  <p:childTnLst>
+                                    <p:set>
+                                      <p:cBhvr>
+                                        <p:cTn id="14" dur="1" fill="hold">
+                                          <p:stCondLst>
+                                            <p:cond delay="0"/>
+                                          </p:stCondLst>
+                                        </p:cTn>
+                                        <p:tgtEl>
+                                          <p:spTgt spid="3">
+                                            <p:txEl>
+                                              <p:pRg st="5" end="5"/>
+                                            </p:txEl>
+                                          </p:spTgt>
+                                        </p:tgtEl>
+                                        <p:attrNameLst>
+                                          <p:attrName>style.visibility</p:attrName>
+                                        </p:attrNameLst>
+                                      </p:cBhvr>
+                                      <p:to>
+                                        <p:strVal val="visible"/>
+                                      </p:to>
+                                    </p:set>
+                                  </p:childTnLst>
+                                </p:cTn>
+                              </p:par>
+                            </p:childTnLst>
+                          </p:cTn>
+                        </p:par>
+                      </p:childTnLst>
+                    </p:cTn>
+                  </p:par>
+                  <p:par>
+                    <p:cTn id="15" fill="hold">
+                      <p:stCondLst>
+                        <p:cond delay="indefinite"/>
+                      </p:stCondLst>
+                      <p:childTnLst>
+                        <p:par>
+                          <p:cTn id="16" fill="hold">
+                            <p:stCondLst>
+                              <p:cond delay="0"/>
+                            </p:stCondLst>
+                            <p:childTnLst>
+                              <p:par>
+                                <p:cTn id="17" presetID="1" presetClass="entr" presetSubtype="0" fill="hold" nodeType="clickEffect">
+                                  <p:stCondLst>
+                                    <p:cond delay="0"/>
+                                  </p:stCondLst>
+                                  <p:childTnLst>
+                                    <p:set>
+                                      <p:cBhvr>
+                                        <p:cTn id="18" dur="1" fill="hold">
+                                          <p:stCondLst>
+                                            <p:cond delay="0"/>
+                                          </p:stCondLst>
+                                        </p:cTn>
+                                        <p:tgtEl>
+                                          <p:spTgt spid="3">
+                                            <p:txEl>
+                                              <p:pRg st="6" end="6"/>
+                                            </p:txEl>
+                                          </p:spTgt>
+                                        </p:tgtEl>
+                                        <p:attrNameLst>
+                                          <p:attrName>style.visibility</p:attrName>
+                                        </p:attrNameLst>
+                                      </p:cBhvr>
+                                      <p:to>
+                                        <p:strVal val="visible"/>
+                                      </p:to>
+                                    </p:set>
+                                  </p:childTnLst>
+                                </p:cTn>
+                              </p:par>
+                            </p:childTnLst>
+                          </p:cTn>
+                        </p:par>
+                      </p:childTnLst>
+                    </p:cTn>
+                  </p:par>
+                  <p:par>
+                    <p:cTn id="19" fill="hold">
+                      <p:stCondLst>
+                        <p:cond delay="indefinite"/>
+                      </p:stCondLst>
+                      <p:childTnLst>
+                        <p:par>
+                          <p:cTn id="20" fill="hold">
+                            <p:stCondLst>
+                              <p:cond delay="0"/>
+                            </p:stCondLst>
+                            <p:childTnLst>
+                              <p:par>
+                                <p:cTn id="21" presetID="1" presetClass="entr" presetSubtype="0" fill="hold" nodeType="clickEffect">
+                                  <p:stCondLst>
+                                    <p:cond delay="0"/>
+                                  </p:stCondLst>
+                                  <p:childTnLst>
+                                    <p:set>
+                                      <p:cBhvr>
+                                        <p:cTn id="22" dur="1" fill="hold">
+                                          <p:stCondLst>
+                                            <p:cond delay="0"/>
+                                          </p:stCondLst>
+                                        </p:cTn>
+                                        <p:tgtEl>
+                                          <p:spTgt spid="4">
+                                            <p:txEl>
+                                              <p:pRg st="0" end="0"/>
+                                            </p:txEl>
+                                          </p:spTgt>
                                         </p:tgtEl>
                                         <p:attrNameLst>
                                           <p:attrName>style.visibility</p:attrName>
@@ -16262,9 +16717,6 @@
         </p:cTn>
       </p:par>
     </p:tnLst>
-    <p:bldLst>
-      <p:bldP spid="4" grpId="0"/>
-    </p:bldLst>
   </p:timing>
 </p:sld>
 </file>
@@ -19394,7 +19846,7 @@
         <p:spPr>
           <a:xfrm>
             <a:off x="1187624" y="4472157"/>
-            <a:ext cx="7776864" cy="2492990"/>
+            <a:ext cx="7776864" cy="1569660"/>
           </a:xfrm>
           <a:prstGeom prst="rect">
             <a:avLst/>
@@ -19465,28 +19917,11 @@
             </a:pPr>
             <a:r>
               <a:rPr lang="en-GB" sz="2000" dirty="0" smtClean="0"/>
-              <a:t>These two nodes turn on and off randomly, indicating random project arrival.</a:t>
+              <a:t>How </a:t>
             </a:r>
-            <a:endParaRPr lang="en-GB" sz="2000" dirty="0"/>
-          </a:p>
-          <a:p>
-            <a:pPr marL="285750" indent="-285750">
-              <a:buFont typeface="Arial" pitchFamily="34" charset="0"/>
-              <a:buChar char="•"/>
-            </a:pPr>
             <a:r>
               <a:rPr lang="en-GB" sz="2000" dirty="0" smtClean="0"/>
-              <a:t>Teams possess the skills that they are connected to.</a:t>
-            </a:r>
-          </a:p>
-          <a:p>
-            <a:pPr marL="285750" indent="-285750">
-              <a:buFont typeface="Arial" pitchFamily="34" charset="0"/>
-              <a:buChar char="•"/>
-            </a:pPr>
-            <a:r>
-              <a:rPr lang="en-GB" sz="2000" dirty="0" smtClean="0"/>
-              <a:t>How should teams A, B and C activate and deactivate?</a:t>
+              <a:t>should teams A, B and C activate and deactivate?</a:t>
             </a:r>
             <a:endParaRPr lang="en-GB" sz="2000" dirty="0"/>
           </a:p>
@@ -29988,1004 +30423,6 @@
         <mc:Choice xmlns:a14="http://schemas.microsoft.com/office/drawing/2010/main" Requires="a14">
           <p:sp>
             <p:nvSpPr>
-              <p:cNvPr id="32" name="TextBox 31"/>
-              <p:cNvSpPr txBox="1"/>
-              <p:nvPr/>
-            </p:nvSpPr>
-            <p:spPr>
-              <a:xfrm>
-                <a:off x="1115616" y="3575678"/>
-                <a:ext cx="7200800" cy="1639744"/>
-              </a:xfrm>
-              <a:prstGeom prst="rect">
-                <a:avLst/>
-              </a:prstGeom>
-              <a:noFill/>
-            </p:spPr>
-            <p:txBody>
-              <a:bodyPr wrap="square" rtlCol="0">
-                <a:spAutoFit/>
-              </a:bodyPr>
-              <a:lstStyle/>
-              <a:p>
-                <a:r>
-                  <a:rPr lang="en-GB" sz="2000" dirty="0" smtClean="0"/>
-                  <a:t>We can also compute repertoires for subsets of the system:</a:t>
-                </a:r>
-              </a:p>
-              <a:p>
-                <a:endParaRPr lang="en-GB" sz="2000" dirty="0"/>
-              </a:p>
-              <a:p>
-                <a14:m>
-                  <m:oMathPara xmlns:m="http://schemas.openxmlformats.org/officeDocument/2006/math">
-                    <m:oMathParaPr>
-                      <m:jc m:val="centerGroup"/>
-                    </m:oMathParaPr>
-                    <m:oMath xmlns:m="http://schemas.openxmlformats.org/officeDocument/2006/math">
-                      <m:r>
-                        <a:rPr lang="en-GB" sz="2000" i="1">
-                          <a:latin typeface="Cambria Math"/>
-                          <a:ea typeface="Cambria Math" pitchFamily="18" charset="0"/>
-                        </a:rPr>
-                        <m:t>𝑝</m:t>
-                      </m:r>
-                      <m:r>
-                        <a:rPr lang="en-GB" sz="2000" i="1">
-                          <a:latin typeface="Cambria Math"/>
-                          <a:ea typeface="Cambria Math" pitchFamily="18" charset="0"/>
-                        </a:rPr>
-                        <m:t>(</m:t>
-                      </m:r>
-                      <m:sSup>
-                        <m:sSupPr>
-                          <m:ctrlPr>
-                            <a:rPr lang="en-GB" sz="2000" i="1">
-                              <a:latin typeface="Cambria Math"/>
-                              <a:ea typeface="Cambria Math" pitchFamily="18" charset="0"/>
-                            </a:rPr>
-                          </m:ctrlPr>
-                        </m:sSupPr>
-                        <m:e>
-                          <m:r>
-                            <a:rPr lang="en-GB" sz="2000" b="0" i="1" smtClean="0">
-                              <a:latin typeface="Cambria Math"/>
-                              <a:ea typeface="Cambria Math" pitchFamily="18" charset="0"/>
-                            </a:rPr>
-                            <m:t>𝐴𝐵</m:t>
-                          </m:r>
-                        </m:e>
-                        <m:sup>
-                          <m:r>
-                            <a:rPr lang="en-GB" sz="2000" i="1">
-                              <a:latin typeface="Cambria Math"/>
-                              <a:ea typeface="Cambria Math" pitchFamily="18" charset="0"/>
-                            </a:rPr>
-                            <m:t>𝑓</m:t>
-                          </m:r>
-                        </m:sup>
-                      </m:sSup>
-                      <m:r>
-                        <a:rPr lang="en-GB" sz="2000" i="1">
-                          <a:latin typeface="Cambria Math"/>
-                          <a:ea typeface="Cambria Math" pitchFamily="18" charset="0"/>
-                        </a:rPr>
-                        <m:t>|</m:t>
-                      </m:r>
-                      <m:sSup>
-                        <m:sSupPr>
-                          <m:ctrlPr>
-                            <a:rPr lang="en-GB" sz="2000" i="1">
-                              <a:latin typeface="Cambria Math"/>
-                              <a:ea typeface="Cambria Math" pitchFamily="18" charset="0"/>
-                            </a:rPr>
-                          </m:ctrlPr>
-                        </m:sSupPr>
-                        <m:e>
-                          <m:r>
-                            <a:rPr lang="en-GB" sz="2000" b="0" i="1" smtClean="0">
-                              <a:latin typeface="Cambria Math"/>
-                              <a:ea typeface="Cambria Math" pitchFamily="18" charset="0"/>
-                            </a:rPr>
-                            <m:t>𝐵𝐶</m:t>
-                          </m:r>
-                        </m:e>
-                        <m:sup>
-                          <m:r>
-                            <a:rPr lang="en-GB" sz="2000" i="1">
-                              <a:latin typeface="Cambria Math"/>
-                              <a:ea typeface="Cambria Math" pitchFamily="18" charset="0"/>
-                            </a:rPr>
-                            <m:t>𝑐</m:t>
-                          </m:r>
-                        </m:sup>
-                      </m:sSup>
-                      <m:r>
-                        <a:rPr lang="en-GB" sz="2000" i="1">
-                          <a:latin typeface="Cambria Math"/>
-                          <a:ea typeface="Cambria Math" pitchFamily="18" charset="0"/>
-                        </a:rPr>
-                        <m:t>=</m:t>
-                      </m:r>
-                      <m:r>
-                        <a:rPr lang="en-GB" sz="2000" i="1">
-                          <a:latin typeface="Cambria Math"/>
-                          <a:ea typeface="Cambria Math" pitchFamily="18" charset="0"/>
-                        </a:rPr>
-                        <m:t>0</m:t>
-                      </m:r>
-                      <m:r>
-                        <a:rPr lang="en-GB" sz="2000" b="0" i="1" smtClean="0">
-                          <a:latin typeface="Cambria Math"/>
-                          <a:ea typeface="Cambria Math" pitchFamily="18" charset="0"/>
-                        </a:rPr>
-                        <m:t>1</m:t>
-                      </m:r>
-                      <m:r>
-                        <a:rPr lang="en-GB" sz="2000" i="1">
-                          <a:latin typeface="Cambria Math"/>
-                          <a:ea typeface="Cambria Math" pitchFamily="18" charset="0"/>
-                        </a:rPr>
-                        <m:t>)</m:t>
-                      </m:r>
-                    </m:oMath>
-                  </m:oMathPara>
-                </a14:m>
-                <a:endParaRPr lang="en-GB" sz="2000" i="1" dirty="0" smtClean="0">
-                  <a:latin typeface="Cambria Math" pitchFamily="18" charset="0"/>
-                  <a:ea typeface="Cambria Math" pitchFamily="18" charset="0"/>
-                </a:endParaRPr>
-              </a:p>
-              <a:p>
-                <a:endParaRPr lang="en-GB" sz="2000" i="1" dirty="0" smtClean="0">
-                  <a:latin typeface="Cambria Math"/>
-                  <a:ea typeface="Cambria Math" pitchFamily="18" charset="0"/>
-                </a:endParaRPr>
-              </a:p>
-              <a:p>
-                <a14:m>
-                  <m:oMathPara xmlns:m="http://schemas.openxmlformats.org/officeDocument/2006/math">
-                    <m:oMathParaPr>
-                      <m:jc m:val="centerGroup"/>
-                    </m:oMathParaPr>
-                    <m:oMath xmlns:m="http://schemas.openxmlformats.org/officeDocument/2006/math">
-                      <m:d>
-                        <m:dPr>
-                          <m:begChr m:val="["/>
-                          <m:endChr m:val="]"/>
-                          <m:ctrlPr>
-                            <a:rPr lang="en-GB" sz="2000" i="1">
-                              <a:latin typeface="Cambria Math"/>
-                              <a:ea typeface="Cambria Math" pitchFamily="18" charset="0"/>
-                            </a:rPr>
-                          </m:ctrlPr>
-                        </m:dPr>
-                        <m:e>
-                          <m:m>
-                            <m:mPr>
-                              <m:mcs>
-                                <m:mc>
-                                  <m:mcPr>
-                                    <m:count m:val="4"/>
-                                    <m:mcJc m:val="center"/>
-                                  </m:mcPr>
-                                </m:mc>
-                              </m:mcs>
-                              <m:ctrlPr>
-                                <a:rPr lang="en-GB" sz="2000" i="1">
-                                  <a:latin typeface="Cambria Math"/>
-                                  <a:ea typeface="Cambria Math" pitchFamily="18" charset="0"/>
-                                </a:rPr>
-                              </m:ctrlPr>
-                            </m:mPr>
-                            <m:mr>
-                              <m:e>
-                                <m:r>
-                                  <a:rPr lang="en-GB" sz="2000" i="1">
-                                    <a:latin typeface="Cambria Math"/>
-                                    <a:ea typeface="Cambria Math" pitchFamily="18" charset="0"/>
-                                  </a:rPr>
-                                  <m:t>0</m:t>
-                                </m:r>
-                              </m:e>
-                              <m:e>
-                                <m:r>
-                                  <a:rPr lang="en-GB" sz="2000" b="0" i="1" smtClean="0">
-                                    <a:latin typeface="Cambria Math"/>
-                                    <a:ea typeface="Cambria Math" pitchFamily="18" charset="0"/>
-                                  </a:rPr>
-                                  <m:t>0.5</m:t>
-                                </m:r>
-                              </m:e>
-                              <m:e>
-                                <m:r>
-                                  <a:rPr lang="en-GB" sz="2000" i="1">
-                                    <a:latin typeface="Cambria Math"/>
-                                    <a:ea typeface="Cambria Math" pitchFamily="18" charset="0"/>
-                                  </a:rPr>
-                                  <m:t>0</m:t>
-                                </m:r>
-                              </m:e>
-                              <m:e>
-                                <m:r>
-                                  <a:rPr lang="en-GB" sz="2000" i="1">
-                                    <a:latin typeface="Cambria Math"/>
-                                    <a:ea typeface="Cambria Math" pitchFamily="18" charset="0"/>
-                                  </a:rPr>
-                                  <m:t>0</m:t>
-                                </m:r>
-                                <m:r>
-                                  <a:rPr lang="en-GB" sz="2000" b="0" i="1" smtClean="0">
-                                    <a:latin typeface="Cambria Math"/>
-                                    <a:ea typeface="Cambria Math" pitchFamily="18" charset="0"/>
-                                  </a:rPr>
-                                  <m:t>.5</m:t>
-                                </m:r>
-                              </m:e>
-                            </m:mr>
-                          </m:m>
-                        </m:e>
-                      </m:d>
-                    </m:oMath>
-                  </m:oMathPara>
-                </a14:m>
-                <a:endParaRPr lang="en-GB" sz="2000" i="1" dirty="0">
-                  <a:latin typeface="Cambria Math" pitchFamily="18" charset="0"/>
-                  <a:ea typeface="Cambria Math" pitchFamily="18" charset="0"/>
-                </a:endParaRPr>
-              </a:p>
-            </p:txBody>
-          </p:sp>
-        </mc:Choice>
-        <mc:Fallback>
-          <p:sp>
-            <p:nvSpPr>
-              <p:cNvPr id="32" name="TextBox 31"/>
-              <p:cNvSpPr txBox="1">
-                <a:spLocks noRot="1" noChangeAspect="1" noMove="1" noResize="1" noEditPoints="1" noAdjustHandles="1" noChangeArrowheads="1" noChangeShapeType="1" noTextEdit="1"/>
-              </p:cNvSpPr>
-              <p:nvPr/>
-            </p:nvSpPr>
-            <p:spPr>
-              <a:xfrm>
-                <a:off x="1115616" y="3575678"/>
-                <a:ext cx="7200800" cy="1639744"/>
-              </a:xfrm>
-              <a:prstGeom prst="rect">
-                <a:avLst/>
-              </a:prstGeom>
-              <a:blipFill rotWithShape="1">
-                <a:blip r:embed="rId2"/>
-                <a:stretch>
-                  <a:fillRect l="-847" t="-1859"/>
-                </a:stretch>
-              </a:blipFill>
-            </p:spPr>
-            <p:txBody>
-              <a:bodyPr/>
-              <a:lstStyle/>
-              <a:p>
-                <a:r>
-                  <a:rPr lang="en-GB">
-                    <a:noFill/>
-                  </a:rPr>
-                  <a:t> </a:t>
-                </a:r>
-              </a:p>
-            </p:txBody>
-          </p:sp>
-        </mc:Fallback>
-      </mc:AlternateContent>
-      <p:sp>
-        <p:nvSpPr>
-          <p:cNvPr id="2" name="TextBox 1"/>
-          <p:cNvSpPr txBox="1"/>
-          <p:nvPr/>
-        </p:nvSpPr>
-        <p:spPr>
-          <a:xfrm>
-            <a:off x="836320" y="98490"/>
-            <a:ext cx="5463872" cy="646331"/>
-          </a:xfrm>
-          <a:prstGeom prst="rect">
-            <a:avLst/>
-          </a:prstGeom>
-          <a:noFill/>
-        </p:spPr>
-        <p:txBody>
-          <a:bodyPr wrap="square" rtlCol="0">
-            <a:spAutoFit/>
-          </a:bodyPr>
-          <a:lstStyle/>
-          <a:p>
-            <a:r>
-              <a:rPr lang="en-GB" sz="3600" dirty="0" smtClean="0"/>
-              <a:t>Notation</a:t>
-            </a:r>
-            <a:endParaRPr lang="en-GB" sz="3600" dirty="0"/>
-          </a:p>
-        </p:txBody>
-      </p:sp>
-      <mc:AlternateContent xmlns:mc="http://schemas.openxmlformats.org/markup-compatibility/2006">
-        <mc:Choice xmlns:a14="http://schemas.microsoft.com/office/drawing/2010/main" Requires="a14">
-          <p:sp>
-            <p:nvSpPr>
-              <p:cNvPr id="3" name="TextBox 2"/>
-              <p:cNvSpPr txBox="1"/>
-              <p:nvPr/>
-            </p:nvSpPr>
-            <p:spPr>
-              <a:xfrm>
-                <a:off x="971600" y="1412776"/>
-                <a:ext cx="2832057" cy="1827808"/>
-              </a:xfrm>
-              <a:prstGeom prst="rect">
-                <a:avLst/>
-              </a:prstGeom>
-              <a:noFill/>
-            </p:spPr>
-            <p:txBody>
-              <a:bodyPr wrap="none" rtlCol="0">
-                <a:spAutoFit/>
-              </a:bodyPr>
-              <a:lstStyle/>
-              <a:p>
-                <a:pPr marL="457200" indent="-457200">
-                  <a:buFont typeface="Arial" pitchFamily="34" charset="0"/>
-                  <a:buChar char="•"/>
-                </a:pPr>
-                <a14:m>
-                  <m:oMath xmlns:m="http://schemas.openxmlformats.org/officeDocument/2006/math">
-                    <m:r>
-                      <a:rPr lang="en-GB" sz="2800" b="0" i="1" smtClean="0">
-                        <a:latin typeface="Cambria Math"/>
-                        <a:ea typeface="Cambria Math" pitchFamily="18" charset="0"/>
-                      </a:rPr>
-                      <m:t>𝐺</m:t>
-                    </m:r>
-                    <m:r>
-                      <a:rPr lang="en-GB" sz="2800" b="0" i="1" smtClean="0">
-                        <a:latin typeface="Cambria Math"/>
-                        <a:ea typeface="Cambria Math" pitchFamily="18" charset="0"/>
-                      </a:rPr>
-                      <m:t>=</m:t>
-                    </m:r>
-                    <m:r>
-                      <a:rPr lang="en-GB" sz="2800" b="0" i="1" smtClean="0">
-                        <a:latin typeface="Cambria Math"/>
-                        <a:ea typeface="Cambria Math" pitchFamily="18" charset="0"/>
-                      </a:rPr>
-                      <m:t>𝐴𝐵𝐶</m:t>
-                    </m:r>
-                  </m:oMath>
-                </a14:m>
-                <a:endParaRPr lang="en-GB" sz="2800" i="1" dirty="0" smtClean="0">
-                  <a:latin typeface="Cambria Math" pitchFamily="18" charset="0"/>
-                  <a:ea typeface="Cambria Math" pitchFamily="18" charset="0"/>
-                </a:endParaRPr>
-              </a:p>
-              <a:p>
-                <a:pPr marL="457200" indent="-457200">
-                  <a:buFont typeface="Arial" pitchFamily="34" charset="0"/>
-                  <a:buChar char="•"/>
-                </a:pPr>
-                <a14:m>
-                  <m:oMath xmlns:m="http://schemas.openxmlformats.org/officeDocument/2006/math">
-                    <m:sSup>
-                      <m:sSupPr>
-                        <m:ctrlPr>
-                          <a:rPr lang="en-GB" sz="2800" i="1" smtClean="0">
-                            <a:latin typeface="Cambria Math"/>
-                            <a:ea typeface="Cambria Math" pitchFamily="18" charset="0"/>
-                          </a:rPr>
-                        </m:ctrlPr>
-                      </m:sSupPr>
-                      <m:e>
-                        <m:r>
-                          <a:rPr lang="en-GB" sz="2800" b="0" i="1" smtClean="0">
-                            <a:latin typeface="Cambria Math"/>
-                            <a:ea typeface="Cambria Math" pitchFamily="18" charset="0"/>
-                          </a:rPr>
-                          <m:t>𝐺</m:t>
-                        </m:r>
-                      </m:e>
-                      <m:sup>
-                        <m:r>
-                          <a:rPr lang="en-GB" sz="2800" b="0" i="1" smtClean="0">
-                            <a:latin typeface="Cambria Math"/>
-                            <a:ea typeface="Cambria Math" pitchFamily="18" charset="0"/>
-                          </a:rPr>
-                          <m:t>𝑐</m:t>
-                        </m:r>
-                      </m:sup>
-                    </m:sSup>
-                  </m:oMath>
-                </a14:m>
-                <a:r>
-                  <a:rPr lang="en-GB" sz="2800" i="1" dirty="0" smtClean="0">
-                    <a:latin typeface="Cambria Math" pitchFamily="18" charset="0"/>
-                    <a:ea typeface="Cambria Math" pitchFamily="18" charset="0"/>
-                  </a:rPr>
-                  <a:t>,</a:t>
-                </a:r>
-                <a:r>
-                  <a:rPr lang="en-GB" sz="2800" dirty="0">
-                    <a:ea typeface="Cambria Math" pitchFamily="18" charset="0"/>
-                  </a:rPr>
-                  <a:t> </a:t>
-                </a:r>
-                <a14:m>
-                  <m:oMath xmlns:m="http://schemas.openxmlformats.org/officeDocument/2006/math">
-                    <m:sSup>
-                      <m:sSupPr>
-                        <m:ctrlPr>
-                          <a:rPr lang="en-GB" sz="2800" i="1">
-                            <a:latin typeface="Cambria Math"/>
-                            <a:ea typeface="Cambria Math" pitchFamily="18" charset="0"/>
-                          </a:rPr>
-                        </m:ctrlPr>
-                      </m:sSupPr>
-                      <m:e>
-                        <m:r>
-                          <a:rPr lang="en-GB" sz="2800" i="1">
-                            <a:latin typeface="Cambria Math"/>
-                            <a:ea typeface="Cambria Math" pitchFamily="18" charset="0"/>
-                          </a:rPr>
-                          <m:t>𝐺</m:t>
-                        </m:r>
-                      </m:e>
-                      <m:sup>
-                        <m:r>
-                          <a:rPr lang="en-GB" sz="2800" b="0" i="1" smtClean="0">
-                            <a:latin typeface="Cambria Math"/>
-                            <a:ea typeface="Cambria Math" pitchFamily="18" charset="0"/>
-                          </a:rPr>
-                          <m:t>𝑝</m:t>
-                        </m:r>
-                      </m:sup>
-                    </m:sSup>
-                  </m:oMath>
-                </a14:m>
-                <a:r>
-                  <a:rPr lang="en-GB" sz="2800" i="1" dirty="0" smtClean="0">
-                    <a:latin typeface="Cambria Math" pitchFamily="18" charset="0"/>
-                    <a:ea typeface="Cambria Math" pitchFamily="18" charset="0"/>
-                  </a:rPr>
-                  <a:t>, </a:t>
-                </a:r>
-                <a14:m>
-                  <m:oMath xmlns:m="http://schemas.openxmlformats.org/officeDocument/2006/math">
-                    <m:sSup>
-                      <m:sSupPr>
-                        <m:ctrlPr>
-                          <a:rPr lang="en-GB" sz="2800" i="1">
-                            <a:latin typeface="Cambria Math"/>
-                            <a:ea typeface="Cambria Math" pitchFamily="18" charset="0"/>
-                          </a:rPr>
-                        </m:ctrlPr>
-                      </m:sSupPr>
-                      <m:e>
-                        <m:r>
-                          <a:rPr lang="en-GB" sz="2800" i="1">
-                            <a:latin typeface="Cambria Math"/>
-                            <a:ea typeface="Cambria Math" pitchFamily="18" charset="0"/>
-                          </a:rPr>
-                          <m:t>𝐺</m:t>
-                        </m:r>
-                      </m:e>
-                      <m:sup>
-                        <m:r>
-                          <a:rPr lang="en-GB" sz="2800" b="0" i="1" smtClean="0">
-                            <a:latin typeface="Cambria Math"/>
-                            <a:ea typeface="Cambria Math" pitchFamily="18" charset="0"/>
-                          </a:rPr>
-                          <m:t>𝑓</m:t>
-                        </m:r>
-                      </m:sup>
-                    </m:sSup>
-                  </m:oMath>
-                </a14:m>
-                <a:endParaRPr lang="en-GB" sz="2800" i="1" dirty="0" smtClean="0">
-                  <a:latin typeface="Cambria Math" pitchFamily="18" charset="0"/>
-                  <a:ea typeface="Cambria Math" pitchFamily="18" charset="0"/>
-                </a:endParaRPr>
-              </a:p>
-              <a:p>
-                <a:pPr marL="457200" indent="-457200">
-                  <a:buFont typeface="Arial" pitchFamily="34" charset="0"/>
-                  <a:buChar char="•"/>
-                </a:pPr>
-                <a14:m>
-                  <m:oMath xmlns:m="http://schemas.openxmlformats.org/officeDocument/2006/math">
-                    <m:r>
-                      <a:rPr lang="en-GB" sz="2800" b="0" i="1" smtClean="0">
-                        <a:latin typeface="Cambria Math"/>
-                        <a:ea typeface="Cambria Math" pitchFamily="18" charset="0"/>
-                      </a:rPr>
-                      <m:t>𝑝</m:t>
-                    </m:r>
-                    <m:r>
-                      <a:rPr lang="en-GB" sz="2800" b="0" i="1" smtClean="0">
-                        <a:latin typeface="Cambria Math"/>
-                        <a:ea typeface="Cambria Math" pitchFamily="18" charset="0"/>
-                      </a:rPr>
-                      <m:t>(</m:t>
-                    </m:r>
-                    <m:sSup>
-                      <m:sSupPr>
-                        <m:ctrlPr>
-                          <a:rPr lang="en-GB" sz="2800" i="1">
-                            <a:latin typeface="Cambria Math"/>
-                            <a:ea typeface="Cambria Math" pitchFamily="18" charset="0"/>
-                          </a:rPr>
-                        </m:ctrlPr>
-                      </m:sSupPr>
-                      <m:e>
-                        <m:r>
-                          <a:rPr lang="en-GB" sz="2800" i="1">
-                            <a:latin typeface="Cambria Math"/>
-                            <a:ea typeface="Cambria Math" pitchFamily="18" charset="0"/>
-                          </a:rPr>
-                          <m:t>𝐺</m:t>
-                        </m:r>
-                      </m:e>
-                      <m:sup>
-                        <m:r>
-                          <a:rPr lang="en-GB" sz="2800" i="1">
-                            <a:latin typeface="Cambria Math"/>
-                            <a:ea typeface="Cambria Math" pitchFamily="18" charset="0"/>
-                          </a:rPr>
-                          <m:t>𝑝</m:t>
-                        </m:r>
-                      </m:sup>
-                    </m:sSup>
-                    <m:r>
-                      <a:rPr lang="en-GB" sz="2800" b="0" i="1" smtClean="0">
-                        <a:latin typeface="Cambria Math"/>
-                        <a:ea typeface="Cambria Math" pitchFamily="18" charset="0"/>
-                      </a:rPr>
-                      <m:t>|</m:t>
-                    </m:r>
-                    <m:sSup>
-                      <m:sSupPr>
-                        <m:ctrlPr>
-                          <a:rPr lang="en-GB" sz="2800" i="1">
-                            <a:latin typeface="Cambria Math"/>
-                            <a:ea typeface="Cambria Math" pitchFamily="18" charset="0"/>
-                          </a:rPr>
-                        </m:ctrlPr>
-                      </m:sSupPr>
-                      <m:e>
-                        <m:r>
-                          <a:rPr lang="en-GB" sz="2800" i="1">
-                            <a:latin typeface="Cambria Math"/>
-                            <a:ea typeface="Cambria Math" pitchFamily="18" charset="0"/>
-                          </a:rPr>
-                          <m:t>𝐺</m:t>
-                        </m:r>
-                      </m:e>
-                      <m:sup>
-                        <m:r>
-                          <a:rPr lang="en-GB" sz="2800" i="1">
-                            <a:latin typeface="Cambria Math"/>
-                            <a:ea typeface="Cambria Math" pitchFamily="18" charset="0"/>
-                          </a:rPr>
-                          <m:t>𝑐</m:t>
-                        </m:r>
-                      </m:sup>
-                    </m:sSup>
-                    <m:r>
-                      <a:rPr lang="en-GB" sz="2800" b="0" i="1" smtClean="0">
-                        <a:latin typeface="Cambria Math"/>
-                        <a:ea typeface="Cambria Math" pitchFamily="18" charset="0"/>
-                      </a:rPr>
-                      <m:t>=</m:t>
-                    </m:r>
-                    <m:r>
-                      <a:rPr lang="en-GB" sz="2800" b="0" i="1" smtClean="0">
-                        <a:latin typeface="Cambria Math"/>
-                        <a:ea typeface="Cambria Math" pitchFamily="18" charset="0"/>
-                      </a:rPr>
-                      <m:t>𝑋</m:t>
-                    </m:r>
-                    <m:r>
-                      <a:rPr lang="en-GB" sz="2800" b="0" i="1" smtClean="0">
-                        <a:latin typeface="Cambria Math"/>
-                        <a:ea typeface="Cambria Math" pitchFamily="18" charset="0"/>
-                      </a:rPr>
-                      <m:t>)</m:t>
-                    </m:r>
-                  </m:oMath>
-                </a14:m>
-                <a:endParaRPr lang="en-GB" sz="2800" i="1" dirty="0" smtClean="0">
-                  <a:latin typeface="Cambria Math" pitchFamily="18" charset="0"/>
-                  <a:ea typeface="Cambria Math" pitchFamily="18" charset="0"/>
-                </a:endParaRPr>
-              </a:p>
-              <a:p>
-                <a:pPr marL="457200" indent="-457200">
-                  <a:buFont typeface="Arial" pitchFamily="34" charset="0"/>
-                  <a:buChar char="•"/>
-                </a:pPr>
-                <a:endParaRPr lang="en-GB" sz="2800" i="1" dirty="0">
-                  <a:latin typeface="Cambria Math" pitchFamily="18" charset="0"/>
-                  <a:ea typeface="Cambria Math" pitchFamily="18" charset="0"/>
-                </a:endParaRPr>
-              </a:p>
-            </p:txBody>
-          </p:sp>
-        </mc:Choice>
-        <mc:Fallback>
-          <p:sp>
-            <p:nvSpPr>
-              <p:cNvPr id="3" name="TextBox 2"/>
-              <p:cNvSpPr txBox="1">
-                <a:spLocks noRot="1" noChangeAspect="1" noMove="1" noResize="1" noEditPoints="1" noAdjustHandles="1" noChangeArrowheads="1" noChangeShapeType="1" noTextEdit="1"/>
-              </p:cNvSpPr>
-              <p:nvPr/>
-            </p:nvSpPr>
-            <p:spPr>
-              <a:xfrm>
-                <a:off x="971600" y="1412776"/>
-                <a:ext cx="2832057" cy="1827808"/>
-              </a:xfrm>
-              <a:prstGeom prst="rect">
-                <a:avLst/>
-              </a:prstGeom>
-              <a:blipFill rotWithShape="1">
-                <a:blip r:embed="rId3"/>
-                <a:stretch>
-                  <a:fillRect/>
-                </a:stretch>
-              </a:blipFill>
-            </p:spPr>
-            <p:txBody>
-              <a:bodyPr/>
-              <a:lstStyle/>
-              <a:p>
-                <a:r>
-                  <a:rPr lang="en-GB">
-                    <a:noFill/>
-                  </a:rPr>
-                  <a:t> </a:t>
-                </a:r>
-              </a:p>
-            </p:txBody>
-          </p:sp>
-        </mc:Fallback>
-      </mc:AlternateContent>
-      <p:sp>
-        <p:nvSpPr>
-          <p:cNvPr id="7" name="Oval 6"/>
-          <p:cNvSpPr/>
-          <p:nvPr/>
-        </p:nvSpPr>
-        <p:spPr>
-          <a:xfrm>
-            <a:off x="6849010" y="1052736"/>
-            <a:ext cx="687917" cy="648072"/>
-          </a:xfrm>
-          <a:prstGeom prst="ellipse">
-            <a:avLst/>
-          </a:prstGeom>
-          <a:solidFill>
-            <a:srgbClr val="FFC000"/>
-          </a:solidFill>
-          <a:ln>
-            <a:solidFill>
-              <a:schemeClr val="tx1"/>
-            </a:solidFill>
-          </a:ln>
-        </p:spPr>
-        <p:style>
-          <a:lnRef idx="2">
-            <a:schemeClr val="accent1">
-              <a:shade val="50000"/>
-            </a:schemeClr>
-          </a:lnRef>
-          <a:fillRef idx="1">
-            <a:schemeClr val="accent1"/>
-          </a:fillRef>
-          <a:effectRef idx="0">
-            <a:schemeClr val="accent1"/>
-          </a:effectRef>
-          <a:fontRef idx="minor">
-            <a:schemeClr val="lt1"/>
-          </a:fontRef>
-        </p:style>
-        <p:txBody>
-          <a:bodyPr rtlCol="0" anchor="ctr"/>
-          <a:lstStyle/>
-          <a:p>
-            <a:pPr algn="ctr"/>
-            <a:r>
-              <a:rPr lang="en-GB" sz="1400" dirty="0" smtClean="0">
-                <a:solidFill>
-                  <a:schemeClr val="tx1"/>
-                </a:solidFill>
-              </a:rPr>
-              <a:t>A</a:t>
-            </a:r>
-          </a:p>
-          <a:p>
-            <a:pPr algn="ctr"/>
-            <a:r>
-              <a:rPr lang="en-GB" sz="1400" dirty="0" smtClean="0">
-                <a:solidFill>
-                  <a:schemeClr val="tx1"/>
-                </a:solidFill>
-              </a:rPr>
-              <a:t>Or</a:t>
-            </a:r>
-            <a:endParaRPr lang="en-GB" sz="1400" dirty="0">
-              <a:solidFill>
-                <a:schemeClr val="tx1"/>
-              </a:solidFill>
-            </a:endParaRPr>
-          </a:p>
-        </p:txBody>
-      </p:sp>
-      <p:sp>
-        <p:nvSpPr>
-          <p:cNvPr id="8" name="Oval 7"/>
-          <p:cNvSpPr/>
-          <p:nvPr/>
-        </p:nvSpPr>
-        <p:spPr>
-          <a:xfrm>
-            <a:off x="7697079" y="2143757"/>
-            <a:ext cx="687917" cy="648072"/>
-          </a:xfrm>
-          <a:prstGeom prst="ellipse">
-            <a:avLst/>
-          </a:prstGeom>
-          <a:solidFill>
-            <a:schemeClr val="accent3">
-              <a:lumMod val="60000"/>
-              <a:lumOff val="40000"/>
-            </a:schemeClr>
-          </a:solidFill>
-          <a:ln>
-            <a:solidFill>
-              <a:schemeClr val="tx1"/>
-            </a:solidFill>
-          </a:ln>
-        </p:spPr>
-        <p:style>
-          <a:lnRef idx="2">
-            <a:schemeClr val="accent1">
-              <a:shade val="50000"/>
-            </a:schemeClr>
-          </a:lnRef>
-          <a:fillRef idx="1">
-            <a:schemeClr val="accent1"/>
-          </a:fillRef>
-          <a:effectRef idx="0">
-            <a:schemeClr val="accent1"/>
-          </a:effectRef>
-          <a:fontRef idx="minor">
-            <a:schemeClr val="lt1"/>
-          </a:fontRef>
-        </p:style>
-        <p:txBody>
-          <a:bodyPr rtlCol="0" anchor="ctr"/>
-          <a:lstStyle/>
-          <a:p>
-            <a:pPr algn="ctr"/>
-            <a:r>
-              <a:rPr lang="en-GB" sz="1400" dirty="0" smtClean="0">
-                <a:solidFill>
-                  <a:schemeClr val="tx1"/>
-                </a:solidFill>
-              </a:rPr>
-              <a:t>C</a:t>
-            </a:r>
-          </a:p>
-          <a:p>
-            <a:pPr algn="ctr"/>
-            <a:r>
-              <a:rPr lang="en-GB" sz="1400" dirty="0" smtClean="0">
-                <a:solidFill>
-                  <a:schemeClr val="tx1"/>
-                </a:solidFill>
-              </a:rPr>
-              <a:t>XOR</a:t>
-            </a:r>
-            <a:endParaRPr lang="en-GB" sz="1400" dirty="0">
-              <a:solidFill>
-                <a:schemeClr val="tx1"/>
-              </a:solidFill>
-            </a:endParaRPr>
-          </a:p>
-        </p:txBody>
-      </p:sp>
-      <p:sp>
-        <p:nvSpPr>
-          <p:cNvPr id="9" name="Oval 8"/>
-          <p:cNvSpPr/>
-          <p:nvPr/>
-        </p:nvSpPr>
-        <p:spPr>
-          <a:xfrm>
-            <a:off x="5938866" y="2143757"/>
-            <a:ext cx="722652" cy="648072"/>
-          </a:xfrm>
-          <a:prstGeom prst="ellipse">
-            <a:avLst/>
-          </a:prstGeom>
-          <a:solidFill>
-            <a:schemeClr val="accent3">
-              <a:lumMod val="60000"/>
-              <a:lumOff val="40000"/>
-            </a:schemeClr>
-          </a:solidFill>
-          <a:ln>
-            <a:solidFill>
-              <a:schemeClr val="tx1"/>
-            </a:solidFill>
-          </a:ln>
-        </p:spPr>
-        <p:style>
-          <a:lnRef idx="2">
-            <a:schemeClr val="accent1">
-              <a:shade val="50000"/>
-            </a:schemeClr>
-          </a:lnRef>
-          <a:fillRef idx="1">
-            <a:schemeClr val="accent1"/>
-          </a:fillRef>
-          <a:effectRef idx="0">
-            <a:schemeClr val="accent1"/>
-          </a:effectRef>
-          <a:fontRef idx="minor">
-            <a:schemeClr val="lt1"/>
-          </a:fontRef>
-        </p:style>
-        <p:txBody>
-          <a:bodyPr rtlCol="0" anchor="ctr"/>
-          <a:lstStyle/>
-          <a:p>
-            <a:pPr algn="ctr"/>
-            <a:r>
-              <a:rPr lang="en-GB" sz="1400" dirty="0" smtClean="0">
-                <a:solidFill>
-                  <a:schemeClr val="tx1"/>
-                </a:solidFill>
-              </a:rPr>
-              <a:t>B AND</a:t>
-            </a:r>
-            <a:endParaRPr lang="en-GB" sz="1400" dirty="0">
-              <a:solidFill>
-                <a:schemeClr val="tx1"/>
-              </a:solidFill>
-            </a:endParaRPr>
-          </a:p>
-        </p:txBody>
-      </p:sp>
-      <p:cxnSp>
-        <p:nvCxnSpPr>
-          <p:cNvPr id="11" name="Straight Arrow Connector 10"/>
-          <p:cNvCxnSpPr>
-            <a:stCxn id="7" idx="3"/>
-            <a:endCxn id="9" idx="7"/>
-          </p:cNvCxnSpPr>
-          <p:nvPr/>
-        </p:nvCxnSpPr>
-        <p:spPr>
-          <a:xfrm flipH="1">
-            <a:off x="6555688" y="1605900"/>
-            <a:ext cx="394065" cy="632765"/>
-          </a:xfrm>
-          <a:prstGeom prst="straightConnector1">
-            <a:avLst/>
-          </a:prstGeom>
-          <a:ln w="25400">
-            <a:solidFill>
-              <a:schemeClr val="tx1"/>
-            </a:solidFill>
-            <a:headEnd type="arrow"/>
-            <a:tailEnd type="arrow"/>
-          </a:ln>
-        </p:spPr>
-        <p:style>
-          <a:lnRef idx="1">
-            <a:schemeClr val="accent1"/>
-          </a:lnRef>
-          <a:fillRef idx="0">
-            <a:schemeClr val="accent1"/>
-          </a:fillRef>
-          <a:effectRef idx="0">
-            <a:schemeClr val="accent1"/>
-          </a:effectRef>
-          <a:fontRef idx="minor">
-            <a:schemeClr val="tx1"/>
-          </a:fontRef>
-        </p:style>
-      </p:cxnSp>
-      <p:cxnSp>
-        <p:nvCxnSpPr>
-          <p:cNvPr id="12" name="Straight Arrow Connector 11"/>
-          <p:cNvCxnSpPr>
-            <a:stCxn id="7" idx="5"/>
-            <a:endCxn id="8" idx="1"/>
-          </p:cNvCxnSpPr>
-          <p:nvPr/>
-        </p:nvCxnSpPr>
-        <p:spPr>
-          <a:xfrm>
-            <a:off x="7436184" y="1605900"/>
-            <a:ext cx="361638" cy="632765"/>
-          </a:xfrm>
-          <a:prstGeom prst="straightConnector1">
-            <a:avLst/>
-          </a:prstGeom>
-          <a:ln w="25400">
-            <a:solidFill>
-              <a:schemeClr val="tx1"/>
-            </a:solidFill>
-            <a:headEnd type="arrow"/>
-            <a:tailEnd type="arrow"/>
-          </a:ln>
-        </p:spPr>
-        <p:style>
-          <a:lnRef idx="1">
-            <a:schemeClr val="accent1"/>
-          </a:lnRef>
-          <a:fillRef idx="0">
-            <a:schemeClr val="accent1"/>
-          </a:fillRef>
-          <a:effectRef idx="0">
-            <a:schemeClr val="accent1"/>
-          </a:effectRef>
-          <a:fontRef idx="minor">
-            <a:schemeClr val="tx1"/>
-          </a:fontRef>
-        </p:style>
-      </p:cxnSp>
-      <p:cxnSp>
-        <p:nvCxnSpPr>
-          <p:cNvPr id="13" name="Straight Arrow Connector 12"/>
-          <p:cNvCxnSpPr>
-            <a:stCxn id="9" idx="6"/>
-            <a:endCxn id="8" idx="2"/>
-          </p:cNvCxnSpPr>
-          <p:nvPr/>
-        </p:nvCxnSpPr>
-        <p:spPr>
-          <a:xfrm>
-            <a:off x="6661518" y="2467793"/>
-            <a:ext cx="1035561" cy="0"/>
-          </a:xfrm>
-          <a:prstGeom prst="straightConnector1">
-            <a:avLst/>
-          </a:prstGeom>
-          <a:ln w="25400">
-            <a:solidFill>
-              <a:schemeClr val="tx1"/>
-            </a:solidFill>
-            <a:headEnd type="arrow"/>
-            <a:tailEnd type="arrow"/>
-          </a:ln>
-        </p:spPr>
-        <p:style>
-          <a:lnRef idx="1">
-            <a:schemeClr val="accent1"/>
-          </a:lnRef>
-          <a:fillRef idx="0">
-            <a:schemeClr val="accent1"/>
-          </a:fillRef>
-          <a:effectRef idx="0">
-            <a:schemeClr val="accent1"/>
-          </a:effectRef>
-          <a:fontRef idx="minor">
-            <a:schemeClr val="tx1"/>
-          </a:fontRef>
-        </p:style>
-      </p:cxnSp>
-      <mc:AlternateContent xmlns:mc="http://schemas.openxmlformats.org/markup-compatibility/2006">
-        <mc:Choice xmlns:a14="http://schemas.microsoft.com/office/drawing/2010/main" Requires="a14">
-          <p:sp>
-            <p:nvSpPr>
               <p:cNvPr id="23" name="TextBox 22"/>
               <p:cNvSpPr txBox="1"/>
               <p:nvPr/>
@@ -31025,11 +30462,11 @@
                     </m:oMathParaPr>
                     <m:oMath xmlns:m="http://schemas.openxmlformats.org/officeDocument/2006/math">
                       <m:r>
-                        <a:rPr lang="en-GB" sz="2000" b="0" i="1" smtClean="0">
+                        <a:rPr lang="en-GB" sz="2000" b="1" i="1" smtClean="0">
                           <a:latin typeface="Cambria Math"/>
                           <a:ea typeface="Cambria Math" pitchFamily="18" charset="0"/>
                         </a:rPr>
-                        <m:t>𝑝</m:t>
+                        <m:t>𝒑</m:t>
                       </m:r>
                       <m:r>
                         <a:rPr lang="en-GB" sz="2000" i="1">
@@ -31431,7 +30868,7 @@
                 <a:avLst/>
               </a:prstGeom>
               <a:blipFill rotWithShape="1">
-                <a:blip r:embed="rId4"/>
+                <a:blip r:embed="rId2"/>
                 <a:stretch>
                   <a:fillRect l="-1133" t="-1190"/>
                 </a:stretch>
@@ -31452,6 +30889,1004 @@
           </p:sp>
         </mc:Fallback>
       </mc:AlternateContent>
+      <mc:AlternateContent xmlns:mc="http://schemas.openxmlformats.org/markup-compatibility/2006">
+        <mc:Choice xmlns:a14="http://schemas.microsoft.com/office/drawing/2010/main" Requires="a14">
+          <p:sp>
+            <p:nvSpPr>
+              <p:cNvPr id="32" name="TextBox 31"/>
+              <p:cNvSpPr txBox="1"/>
+              <p:nvPr/>
+            </p:nvSpPr>
+            <p:spPr>
+              <a:xfrm>
+                <a:off x="1115616" y="3575678"/>
+                <a:ext cx="7200800" cy="1639744"/>
+              </a:xfrm>
+              <a:prstGeom prst="rect">
+                <a:avLst/>
+              </a:prstGeom>
+              <a:noFill/>
+            </p:spPr>
+            <p:txBody>
+              <a:bodyPr wrap="square" rtlCol="0">
+                <a:spAutoFit/>
+              </a:bodyPr>
+              <a:lstStyle/>
+              <a:p>
+                <a:r>
+                  <a:rPr lang="en-GB" sz="2000" dirty="0" smtClean="0"/>
+                  <a:t>We can also compute repertoires for subsets of the system:</a:t>
+                </a:r>
+              </a:p>
+              <a:p>
+                <a:endParaRPr lang="en-GB" sz="2000" dirty="0"/>
+              </a:p>
+              <a:p>
+                <a14:m>
+                  <m:oMathPara xmlns:m="http://schemas.openxmlformats.org/officeDocument/2006/math">
+                    <m:oMathParaPr>
+                      <m:jc m:val="centerGroup"/>
+                    </m:oMathParaPr>
+                    <m:oMath xmlns:m="http://schemas.openxmlformats.org/officeDocument/2006/math">
+                      <m:r>
+                        <a:rPr lang="en-GB" sz="2000" b="1" i="1">
+                          <a:latin typeface="Cambria Math"/>
+                          <a:ea typeface="Cambria Math" pitchFamily="18" charset="0"/>
+                        </a:rPr>
+                        <m:t>𝒑</m:t>
+                      </m:r>
+                      <m:r>
+                        <a:rPr lang="en-GB" sz="2000" i="1">
+                          <a:latin typeface="Cambria Math"/>
+                          <a:ea typeface="Cambria Math" pitchFamily="18" charset="0"/>
+                        </a:rPr>
+                        <m:t>(</m:t>
+                      </m:r>
+                      <m:sSup>
+                        <m:sSupPr>
+                          <m:ctrlPr>
+                            <a:rPr lang="en-GB" sz="2000" i="1">
+                              <a:latin typeface="Cambria Math"/>
+                              <a:ea typeface="Cambria Math" pitchFamily="18" charset="0"/>
+                            </a:rPr>
+                          </m:ctrlPr>
+                        </m:sSupPr>
+                        <m:e>
+                          <m:r>
+                            <a:rPr lang="en-GB" sz="2000" b="0" i="1" smtClean="0">
+                              <a:latin typeface="Cambria Math"/>
+                              <a:ea typeface="Cambria Math" pitchFamily="18" charset="0"/>
+                            </a:rPr>
+                            <m:t>𝐴𝐵</m:t>
+                          </m:r>
+                        </m:e>
+                        <m:sup>
+                          <m:r>
+                            <a:rPr lang="en-GB" sz="2000" i="1">
+                              <a:latin typeface="Cambria Math"/>
+                              <a:ea typeface="Cambria Math" pitchFamily="18" charset="0"/>
+                            </a:rPr>
+                            <m:t>𝑓</m:t>
+                          </m:r>
+                        </m:sup>
+                      </m:sSup>
+                      <m:r>
+                        <a:rPr lang="en-GB" sz="2000" i="1">
+                          <a:latin typeface="Cambria Math"/>
+                          <a:ea typeface="Cambria Math" pitchFamily="18" charset="0"/>
+                        </a:rPr>
+                        <m:t>|</m:t>
+                      </m:r>
+                      <m:sSup>
+                        <m:sSupPr>
+                          <m:ctrlPr>
+                            <a:rPr lang="en-GB" sz="2000" i="1">
+                              <a:latin typeface="Cambria Math"/>
+                              <a:ea typeface="Cambria Math" pitchFamily="18" charset="0"/>
+                            </a:rPr>
+                          </m:ctrlPr>
+                        </m:sSupPr>
+                        <m:e>
+                          <m:r>
+                            <a:rPr lang="en-GB" sz="2000" b="0" i="1" smtClean="0">
+                              <a:latin typeface="Cambria Math"/>
+                              <a:ea typeface="Cambria Math" pitchFamily="18" charset="0"/>
+                            </a:rPr>
+                            <m:t>𝐵𝐶</m:t>
+                          </m:r>
+                        </m:e>
+                        <m:sup>
+                          <m:r>
+                            <a:rPr lang="en-GB" sz="2000" i="1">
+                              <a:latin typeface="Cambria Math"/>
+                              <a:ea typeface="Cambria Math" pitchFamily="18" charset="0"/>
+                            </a:rPr>
+                            <m:t>𝑐</m:t>
+                          </m:r>
+                        </m:sup>
+                      </m:sSup>
+                      <m:r>
+                        <a:rPr lang="en-GB" sz="2000" i="1">
+                          <a:latin typeface="Cambria Math"/>
+                          <a:ea typeface="Cambria Math" pitchFamily="18" charset="0"/>
+                        </a:rPr>
+                        <m:t>=</m:t>
+                      </m:r>
+                      <m:r>
+                        <a:rPr lang="en-GB" sz="2000" i="1">
+                          <a:latin typeface="Cambria Math"/>
+                          <a:ea typeface="Cambria Math" pitchFamily="18" charset="0"/>
+                        </a:rPr>
+                        <m:t>0</m:t>
+                      </m:r>
+                      <m:r>
+                        <a:rPr lang="en-GB" sz="2000" b="0" i="1" smtClean="0">
+                          <a:latin typeface="Cambria Math"/>
+                          <a:ea typeface="Cambria Math" pitchFamily="18" charset="0"/>
+                        </a:rPr>
+                        <m:t>1</m:t>
+                      </m:r>
+                      <m:r>
+                        <a:rPr lang="en-GB" sz="2000" i="1">
+                          <a:latin typeface="Cambria Math"/>
+                          <a:ea typeface="Cambria Math" pitchFamily="18" charset="0"/>
+                        </a:rPr>
+                        <m:t>)</m:t>
+                      </m:r>
+                    </m:oMath>
+                  </m:oMathPara>
+                </a14:m>
+                <a:endParaRPr lang="en-GB" sz="2000" i="1" dirty="0" smtClean="0">
+                  <a:latin typeface="Cambria Math" pitchFamily="18" charset="0"/>
+                  <a:ea typeface="Cambria Math" pitchFamily="18" charset="0"/>
+                </a:endParaRPr>
+              </a:p>
+              <a:p>
+                <a:endParaRPr lang="en-GB" sz="2000" i="1" dirty="0" smtClean="0">
+                  <a:latin typeface="Cambria Math"/>
+                  <a:ea typeface="Cambria Math" pitchFamily="18" charset="0"/>
+                </a:endParaRPr>
+              </a:p>
+              <a:p>
+                <a14:m>
+                  <m:oMathPara xmlns:m="http://schemas.openxmlformats.org/officeDocument/2006/math">
+                    <m:oMathParaPr>
+                      <m:jc m:val="centerGroup"/>
+                    </m:oMathParaPr>
+                    <m:oMath xmlns:m="http://schemas.openxmlformats.org/officeDocument/2006/math">
+                      <m:d>
+                        <m:dPr>
+                          <m:begChr m:val="["/>
+                          <m:endChr m:val="]"/>
+                          <m:ctrlPr>
+                            <a:rPr lang="en-GB" sz="2000" i="1">
+                              <a:latin typeface="Cambria Math"/>
+                              <a:ea typeface="Cambria Math" pitchFamily="18" charset="0"/>
+                            </a:rPr>
+                          </m:ctrlPr>
+                        </m:dPr>
+                        <m:e>
+                          <m:m>
+                            <m:mPr>
+                              <m:mcs>
+                                <m:mc>
+                                  <m:mcPr>
+                                    <m:count m:val="4"/>
+                                    <m:mcJc m:val="center"/>
+                                  </m:mcPr>
+                                </m:mc>
+                              </m:mcs>
+                              <m:ctrlPr>
+                                <a:rPr lang="en-GB" sz="2000" i="1">
+                                  <a:latin typeface="Cambria Math"/>
+                                  <a:ea typeface="Cambria Math" pitchFamily="18" charset="0"/>
+                                </a:rPr>
+                              </m:ctrlPr>
+                            </m:mPr>
+                            <m:mr>
+                              <m:e>
+                                <m:r>
+                                  <a:rPr lang="en-GB" sz="2000" i="1">
+                                    <a:latin typeface="Cambria Math"/>
+                                    <a:ea typeface="Cambria Math" pitchFamily="18" charset="0"/>
+                                  </a:rPr>
+                                  <m:t>0</m:t>
+                                </m:r>
+                              </m:e>
+                              <m:e>
+                                <m:r>
+                                  <a:rPr lang="en-GB" sz="2000" b="0" i="1" smtClean="0">
+                                    <a:latin typeface="Cambria Math"/>
+                                    <a:ea typeface="Cambria Math" pitchFamily="18" charset="0"/>
+                                  </a:rPr>
+                                  <m:t>0.5</m:t>
+                                </m:r>
+                              </m:e>
+                              <m:e>
+                                <m:r>
+                                  <a:rPr lang="en-GB" sz="2000" i="1">
+                                    <a:latin typeface="Cambria Math"/>
+                                    <a:ea typeface="Cambria Math" pitchFamily="18" charset="0"/>
+                                  </a:rPr>
+                                  <m:t>0</m:t>
+                                </m:r>
+                              </m:e>
+                              <m:e>
+                                <m:r>
+                                  <a:rPr lang="en-GB" sz="2000" i="1">
+                                    <a:latin typeface="Cambria Math"/>
+                                    <a:ea typeface="Cambria Math" pitchFamily="18" charset="0"/>
+                                  </a:rPr>
+                                  <m:t>0</m:t>
+                                </m:r>
+                                <m:r>
+                                  <a:rPr lang="en-GB" sz="2000" b="0" i="1" smtClean="0">
+                                    <a:latin typeface="Cambria Math"/>
+                                    <a:ea typeface="Cambria Math" pitchFamily="18" charset="0"/>
+                                  </a:rPr>
+                                  <m:t>.5</m:t>
+                                </m:r>
+                              </m:e>
+                            </m:mr>
+                          </m:m>
+                        </m:e>
+                      </m:d>
+                    </m:oMath>
+                  </m:oMathPara>
+                </a14:m>
+                <a:endParaRPr lang="en-GB" sz="2000" i="1" dirty="0">
+                  <a:latin typeface="Cambria Math" pitchFamily="18" charset="0"/>
+                  <a:ea typeface="Cambria Math" pitchFamily="18" charset="0"/>
+                </a:endParaRPr>
+              </a:p>
+            </p:txBody>
+          </p:sp>
+        </mc:Choice>
+        <mc:Fallback>
+          <p:sp>
+            <p:nvSpPr>
+              <p:cNvPr id="32" name="TextBox 31"/>
+              <p:cNvSpPr txBox="1">
+                <a:spLocks noRot="1" noChangeAspect="1" noMove="1" noResize="1" noEditPoints="1" noAdjustHandles="1" noChangeArrowheads="1" noChangeShapeType="1" noTextEdit="1"/>
+              </p:cNvSpPr>
+              <p:nvPr/>
+            </p:nvSpPr>
+            <p:spPr>
+              <a:xfrm>
+                <a:off x="1115616" y="3575678"/>
+                <a:ext cx="7200800" cy="1639744"/>
+              </a:xfrm>
+              <a:prstGeom prst="rect">
+                <a:avLst/>
+              </a:prstGeom>
+              <a:blipFill rotWithShape="1">
+                <a:blip r:embed="rId3"/>
+                <a:stretch>
+                  <a:fillRect l="-847" t="-1859"/>
+                </a:stretch>
+              </a:blipFill>
+            </p:spPr>
+            <p:txBody>
+              <a:bodyPr/>
+              <a:lstStyle/>
+              <a:p>
+                <a:r>
+                  <a:rPr lang="en-GB">
+                    <a:noFill/>
+                  </a:rPr>
+                  <a:t> </a:t>
+                </a:r>
+              </a:p>
+            </p:txBody>
+          </p:sp>
+        </mc:Fallback>
+      </mc:AlternateContent>
+      <p:sp>
+        <p:nvSpPr>
+          <p:cNvPr id="2" name="TextBox 1"/>
+          <p:cNvSpPr txBox="1"/>
+          <p:nvPr/>
+        </p:nvSpPr>
+        <p:spPr>
+          <a:xfrm>
+            <a:off x="836320" y="98490"/>
+            <a:ext cx="5463872" cy="646331"/>
+          </a:xfrm>
+          <a:prstGeom prst="rect">
+            <a:avLst/>
+          </a:prstGeom>
+          <a:noFill/>
+        </p:spPr>
+        <p:txBody>
+          <a:bodyPr wrap="square" rtlCol="0">
+            <a:spAutoFit/>
+          </a:bodyPr>
+          <a:lstStyle/>
+          <a:p>
+            <a:r>
+              <a:rPr lang="en-GB" sz="3600" dirty="0" smtClean="0"/>
+              <a:t>Notation</a:t>
+            </a:r>
+            <a:endParaRPr lang="en-GB" sz="3600" dirty="0"/>
+          </a:p>
+        </p:txBody>
+      </p:sp>
+      <mc:AlternateContent xmlns:mc="http://schemas.openxmlformats.org/markup-compatibility/2006">
+        <mc:Choice xmlns:a14="http://schemas.microsoft.com/office/drawing/2010/main" Requires="a14">
+          <p:sp>
+            <p:nvSpPr>
+              <p:cNvPr id="3" name="TextBox 2"/>
+              <p:cNvSpPr txBox="1"/>
+              <p:nvPr/>
+            </p:nvSpPr>
+            <p:spPr>
+              <a:xfrm>
+                <a:off x="971600" y="1412776"/>
+                <a:ext cx="2832057" cy="1827808"/>
+              </a:xfrm>
+              <a:prstGeom prst="rect">
+                <a:avLst/>
+              </a:prstGeom>
+              <a:noFill/>
+            </p:spPr>
+            <p:txBody>
+              <a:bodyPr wrap="none" rtlCol="0">
+                <a:spAutoFit/>
+              </a:bodyPr>
+              <a:lstStyle/>
+              <a:p>
+                <a:pPr marL="457200" indent="-457200">
+                  <a:buFont typeface="Arial" pitchFamily="34" charset="0"/>
+                  <a:buChar char="•"/>
+                </a:pPr>
+                <a14:m>
+                  <m:oMath xmlns:m="http://schemas.openxmlformats.org/officeDocument/2006/math">
+                    <m:r>
+                      <a:rPr lang="en-GB" sz="2800" b="0" i="1" smtClean="0">
+                        <a:latin typeface="Cambria Math"/>
+                        <a:ea typeface="Cambria Math" pitchFamily="18" charset="0"/>
+                      </a:rPr>
+                      <m:t>𝐺</m:t>
+                    </m:r>
+                    <m:r>
+                      <a:rPr lang="en-GB" sz="2800" b="0" i="1" smtClean="0">
+                        <a:latin typeface="Cambria Math"/>
+                        <a:ea typeface="Cambria Math" pitchFamily="18" charset="0"/>
+                      </a:rPr>
+                      <m:t>=</m:t>
+                    </m:r>
+                    <m:r>
+                      <a:rPr lang="en-GB" sz="2800" b="0" i="1" smtClean="0">
+                        <a:latin typeface="Cambria Math"/>
+                        <a:ea typeface="Cambria Math" pitchFamily="18" charset="0"/>
+                      </a:rPr>
+                      <m:t>𝐴𝐵𝐶</m:t>
+                    </m:r>
+                  </m:oMath>
+                </a14:m>
+                <a:endParaRPr lang="en-GB" sz="2800" i="1" dirty="0" smtClean="0">
+                  <a:latin typeface="Cambria Math" pitchFamily="18" charset="0"/>
+                  <a:ea typeface="Cambria Math" pitchFamily="18" charset="0"/>
+                </a:endParaRPr>
+              </a:p>
+              <a:p>
+                <a:pPr marL="457200" indent="-457200">
+                  <a:buFont typeface="Arial" pitchFamily="34" charset="0"/>
+                  <a:buChar char="•"/>
+                </a:pPr>
+                <a14:m>
+                  <m:oMath xmlns:m="http://schemas.openxmlformats.org/officeDocument/2006/math">
+                    <m:sSup>
+                      <m:sSupPr>
+                        <m:ctrlPr>
+                          <a:rPr lang="en-GB" sz="2800" i="1" smtClean="0">
+                            <a:latin typeface="Cambria Math"/>
+                            <a:ea typeface="Cambria Math" pitchFamily="18" charset="0"/>
+                          </a:rPr>
+                        </m:ctrlPr>
+                      </m:sSupPr>
+                      <m:e>
+                        <m:r>
+                          <a:rPr lang="en-GB" sz="2800" b="0" i="1" smtClean="0">
+                            <a:latin typeface="Cambria Math"/>
+                            <a:ea typeface="Cambria Math" pitchFamily="18" charset="0"/>
+                          </a:rPr>
+                          <m:t>𝐺</m:t>
+                        </m:r>
+                      </m:e>
+                      <m:sup>
+                        <m:r>
+                          <a:rPr lang="en-GB" sz="2800" b="0" i="1" smtClean="0">
+                            <a:latin typeface="Cambria Math"/>
+                            <a:ea typeface="Cambria Math" pitchFamily="18" charset="0"/>
+                          </a:rPr>
+                          <m:t>𝑐</m:t>
+                        </m:r>
+                      </m:sup>
+                    </m:sSup>
+                  </m:oMath>
+                </a14:m>
+                <a:r>
+                  <a:rPr lang="en-GB" sz="2800" i="1" dirty="0" smtClean="0">
+                    <a:latin typeface="Cambria Math" pitchFamily="18" charset="0"/>
+                    <a:ea typeface="Cambria Math" pitchFamily="18" charset="0"/>
+                  </a:rPr>
+                  <a:t>,</a:t>
+                </a:r>
+                <a:r>
+                  <a:rPr lang="en-GB" sz="2800" dirty="0">
+                    <a:ea typeface="Cambria Math" pitchFamily="18" charset="0"/>
+                  </a:rPr>
+                  <a:t> </a:t>
+                </a:r>
+                <a14:m>
+                  <m:oMath xmlns:m="http://schemas.openxmlformats.org/officeDocument/2006/math">
+                    <m:sSup>
+                      <m:sSupPr>
+                        <m:ctrlPr>
+                          <a:rPr lang="en-GB" sz="2800" i="1">
+                            <a:latin typeface="Cambria Math"/>
+                            <a:ea typeface="Cambria Math" pitchFamily="18" charset="0"/>
+                          </a:rPr>
+                        </m:ctrlPr>
+                      </m:sSupPr>
+                      <m:e>
+                        <m:r>
+                          <a:rPr lang="en-GB" sz="2800" i="1">
+                            <a:latin typeface="Cambria Math"/>
+                            <a:ea typeface="Cambria Math" pitchFamily="18" charset="0"/>
+                          </a:rPr>
+                          <m:t>𝐺</m:t>
+                        </m:r>
+                      </m:e>
+                      <m:sup>
+                        <m:r>
+                          <a:rPr lang="en-GB" sz="2800" b="0" i="1" smtClean="0">
+                            <a:latin typeface="Cambria Math"/>
+                            <a:ea typeface="Cambria Math" pitchFamily="18" charset="0"/>
+                          </a:rPr>
+                          <m:t>𝑝</m:t>
+                        </m:r>
+                      </m:sup>
+                    </m:sSup>
+                  </m:oMath>
+                </a14:m>
+                <a:r>
+                  <a:rPr lang="en-GB" sz="2800" i="1" dirty="0" smtClean="0">
+                    <a:latin typeface="Cambria Math" pitchFamily="18" charset="0"/>
+                    <a:ea typeface="Cambria Math" pitchFamily="18" charset="0"/>
+                  </a:rPr>
+                  <a:t>, </a:t>
+                </a:r>
+                <a14:m>
+                  <m:oMath xmlns:m="http://schemas.openxmlformats.org/officeDocument/2006/math">
+                    <m:sSup>
+                      <m:sSupPr>
+                        <m:ctrlPr>
+                          <a:rPr lang="en-GB" sz="2800" i="1">
+                            <a:latin typeface="Cambria Math"/>
+                            <a:ea typeface="Cambria Math" pitchFamily="18" charset="0"/>
+                          </a:rPr>
+                        </m:ctrlPr>
+                      </m:sSupPr>
+                      <m:e>
+                        <m:r>
+                          <a:rPr lang="en-GB" sz="2800" i="1">
+                            <a:latin typeface="Cambria Math"/>
+                            <a:ea typeface="Cambria Math" pitchFamily="18" charset="0"/>
+                          </a:rPr>
+                          <m:t>𝐺</m:t>
+                        </m:r>
+                      </m:e>
+                      <m:sup>
+                        <m:r>
+                          <a:rPr lang="en-GB" sz="2800" b="0" i="1" smtClean="0">
+                            <a:latin typeface="Cambria Math"/>
+                            <a:ea typeface="Cambria Math" pitchFamily="18" charset="0"/>
+                          </a:rPr>
+                          <m:t>𝑓</m:t>
+                        </m:r>
+                      </m:sup>
+                    </m:sSup>
+                  </m:oMath>
+                </a14:m>
+                <a:endParaRPr lang="en-GB" sz="2800" i="1" dirty="0" smtClean="0">
+                  <a:latin typeface="Cambria Math" pitchFamily="18" charset="0"/>
+                  <a:ea typeface="Cambria Math" pitchFamily="18" charset="0"/>
+                </a:endParaRPr>
+              </a:p>
+              <a:p>
+                <a:pPr marL="457200" indent="-457200">
+                  <a:buFont typeface="Arial" pitchFamily="34" charset="0"/>
+                  <a:buChar char="•"/>
+                </a:pPr>
+                <a14:m>
+                  <m:oMath xmlns:m="http://schemas.openxmlformats.org/officeDocument/2006/math">
+                    <m:r>
+                      <a:rPr lang="en-GB" sz="2800" b="1" i="1" smtClean="0">
+                        <a:latin typeface="Cambria Math"/>
+                        <a:ea typeface="Cambria Math" pitchFamily="18" charset="0"/>
+                      </a:rPr>
+                      <m:t>𝒑</m:t>
+                    </m:r>
+                    <m:r>
+                      <a:rPr lang="en-GB" sz="2800" b="0" i="1" smtClean="0">
+                        <a:latin typeface="Cambria Math"/>
+                        <a:ea typeface="Cambria Math" pitchFamily="18" charset="0"/>
+                      </a:rPr>
+                      <m:t>(</m:t>
+                    </m:r>
+                    <m:sSup>
+                      <m:sSupPr>
+                        <m:ctrlPr>
+                          <a:rPr lang="en-GB" sz="2800" i="1">
+                            <a:latin typeface="Cambria Math"/>
+                            <a:ea typeface="Cambria Math" pitchFamily="18" charset="0"/>
+                          </a:rPr>
+                        </m:ctrlPr>
+                      </m:sSupPr>
+                      <m:e>
+                        <m:r>
+                          <a:rPr lang="en-GB" sz="2800" i="1">
+                            <a:latin typeface="Cambria Math"/>
+                            <a:ea typeface="Cambria Math" pitchFamily="18" charset="0"/>
+                          </a:rPr>
+                          <m:t>𝐺</m:t>
+                        </m:r>
+                      </m:e>
+                      <m:sup>
+                        <m:r>
+                          <a:rPr lang="en-GB" sz="2800" i="1">
+                            <a:latin typeface="Cambria Math"/>
+                            <a:ea typeface="Cambria Math" pitchFamily="18" charset="0"/>
+                          </a:rPr>
+                          <m:t>𝑝</m:t>
+                        </m:r>
+                      </m:sup>
+                    </m:sSup>
+                    <m:r>
+                      <a:rPr lang="en-GB" sz="2800" b="0" i="1" smtClean="0">
+                        <a:latin typeface="Cambria Math"/>
+                        <a:ea typeface="Cambria Math" pitchFamily="18" charset="0"/>
+                      </a:rPr>
+                      <m:t>|</m:t>
+                    </m:r>
+                    <m:sSup>
+                      <m:sSupPr>
+                        <m:ctrlPr>
+                          <a:rPr lang="en-GB" sz="2800" i="1">
+                            <a:latin typeface="Cambria Math"/>
+                            <a:ea typeface="Cambria Math" pitchFamily="18" charset="0"/>
+                          </a:rPr>
+                        </m:ctrlPr>
+                      </m:sSupPr>
+                      <m:e>
+                        <m:r>
+                          <a:rPr lang="en-GB" sz="2800" i="1">
+                            <a:latin typeface="Cambria Math"/>
+                            <a:ea typeface="Cambria Math" pitchFamily="18" charset="0"/>
+                          </a:rPr>
+                          <m:t>𝐺</m:t>
+                        </m:r>
+                      </m:e>
+                      <m:sup>
+                        <m:r>
+                          <a:rPr lang="en-GB" sz="2800" i="1">
+                            <a:latin typeface="Cambria Math"/>
+                            <a:ea typeface="Cambria Math" pitchFamily="18" charset="0"/>
+                          </a:rPr>
+                          <m:t>𝑐</m:t>
+                        </m:r>
+                      </m:sup>
+                    </m:sSup>
+                    <m:r>
+                      <a:rPr lang="en-GB" sz="2800" b="0" i="1" smtClean="0">
+                        <a:latin typeface="Cambria Math"/>
+                        <a:ea typeface="Cambria Math" pitchFamily="18" charset="0"/>
+                      </a:rPr>
+                      <m:t>=</m:t>
+                    </m:r>
+                    <m:r>
+                      <a:rPr lang="en-GB" sz="2800" b="0" i="1" smtClean="0">
+                        <a:latin typeface="Cambria Math"/>
+                        <a:ea typeface="Cambria Math" pitchFamily="18" charset="0"/>
+                      </a:rPr>
+                      <m:t>𝑋</m:t>
+                    </m:r>
+                    <m:r>
+                      <a:rPr lang="en-GB" sz="2800" b="0" i="1" smtClean="0">
+                        <a:latin typeface="Cambria Math"/>
+                        <a:ea typeface="Cambria Math" pitchFamily="18" charset="0"/>
+                      </a:rPr>
+                      <m:t>)</m:t>
+                    </m:r>
+                  </m:oMath>
+                </a14:m>
+                <a:endParaRPr lang="en-GB" sz="2800" i="1" dirty="0" smtClean="0">
+                  <a:latin typeface="Cambria Math" pitchFamily="18" charset="0"/>
+                  <a:ea typeface="Cambria Math" pitchFamily="18" charset="0"/>
+                </a:endParaRPr>
+              </a:p>
+              <a:p>
+                <a:pPr marL="457200" indent="-457200">
+                  <a:buFont typeface="Arial" pitchFamily="34" charset="0"/>
+                  <a:buChar char="•"/>
+                </a:pPr>
+                <a:endParaRPr lang="en-GB" sz="2800" i="1" dirty="0">
+                  <a:latin typeface="Cambria Math" pitchFamily="18" charset="0"/>
+                  <a:ea typeface="Cambria Math" pitchFamily="18" charset="0"/>
+                </a:endParaRPr>
+              </a:p>
+            </p:txBody>
+          </p:sp>
+        </mc:Choice>
+        <mc:Fallback>
+          <p:sp>
+            <p:nvSpPr>
+              <p:cNvPr id="3" name="TextBox 2"/>
+              <p:cNvSpPr txBox="1">
+                <a:spLocks noRot="1" noChangeAspect="1" noMove="1" noResize="1" noEditPoints="1" noAdjustHandles="1" noChangeArrowheads="1" noChangeShapeType="1" noTextEdit="1"/>
+              </p:cNvSpPr>
+              <p:nvPr/>
+            </p:nvSpPr>
+            <p:spPr>
+              <a:xfrm>
+                <a:off x="971600" y="1412776"/>
+                <a:ext cx="2832057" cy="1827808"/>
+              </a:xfrm>
+              <a:prstGeom prst="rect">
+                <a:avLst/>
+              </a:prstGeom>
+              <a:blipFill rotWithShape="1">
+                <a:blip r:embed="rId4"/>
+                <a:stretch>
+                  <a:fillRect/>
+                </a:stretch>
+              </a:blipFill>
+            </p:spPr>
+            <p:txBody>
+              <a:bodyPr/>
+              <a:lstStyle/>
+              <a:p>
+                <a:r>
+                  <a:rPr lang="en-GB">
+                    <a:noFill/>
+                  </a:rPr>
+                  <a:t> </a:t>
+                </a:r>
+              </a:p>
+            </p:txBody>
+          </p:sp>
+        </mc:Fallback>
+      </mc:AlternateContent>
+      <p:sp>
+        <p:nvSpPr>
+          <p:cNvPr id="7" name="Oval 6"/>
+          <p:cNvSpPr/>
+          <p:nvPr/>
+        </p:nvSpPr>
+        <p:spPr>
+          <a:xfrm>
+            <a:off x="6849010" y="1052736"/>
+            <a:ext cx="687917" cy="648072"/>
+          </a:xfrm>
+          <a:prstGeom prst="ellipse">
+            <a:avLst/>
+          </a:prstGeom>
+          <a:solidFill>
+            <a:srgbClr val="FFC000"/>
+          </a:solidFill>
+          <a:ln>
+            <a:solidFill>
+              <a:schemeClr val="tx1"/>
+            </a:solidFill>
+          </a:ln>
+        </p:spPr>
+        <p:style>
+          <a:lnRef idx="2">
+            <a:schemeClr val="accent1">
+              <a:shade val="50000"/>
+            </a:schemeClr>
+          </a:lnRef>
+          <a:fillRef idx="1">
+            <a:schemeClr val="accent1"/>
+          </a:fillRef>
+          <a:effectRef idx="0">
+            <a:schemeClr val="accent1"/>
+          </a:effectRef>
+          <a:fontRef idx="minor">
+            <a:schemeClr val="lt1"/>
+          </a:fontRef>
+        </p:style>
+        <p:txBody>
+          <a:bodyPr rtlCol="0" anchor="ctr"/>
+          <a:lstStyle/>
+          <a:p>
+            <a:pPr algn="ctr"/>
+            <a:r>
+              <a:rPr lang="en-GB" sz="1400" dirty="0" smtClean="0">
+                <a:solidFill>
+                  <a:schemeClr val="tx1"/>
+                </a:solidFill>
+              </a:rPr>
+              <a:t>A</a:t>
+            </a:r>
+          </a:p>
+          <a:p>
+            <a:pPr algn="ctr"/>
+            <a:r>
+              <a:rPr lang="en-GB" sz="1400" dirty="0" smtClean="0">
+                <a:solidFill>
+                  <a:schemeClr val="tx1"/>
+                </a:solidFill>
+              </a:rPr>
+              <a:t>Or</a:t>
+            </a:r>
+            <a:endParaRPr lang="en-GB" sz="1400" dirty="0">
+              <a:solidFill>
+                <a:schemeClr val="tx1"/>
+              </a:solidFill>
+            </a:endParaRPr>
+          </a:p>
+        </p:txBody>
+      </p:sp>
+      <p:sp>
+        <p:nvSpPr>
+          <p:cNvPr id="8" name="Oval 7"/>
+          <p:cNvSpPr/>
+          <p:nvPr/>
+        </p:nvSpPr>
+        <p:spPr>
+          <a:xfrm>
+            <a:off x="7697079" y="2143757"/>
+            <a:ext cx="687917" cy="648072"/>
+          </a:xfrm>
+          <a:prstGeom prst="ellipse">
+            <a:avLst/>
+          </a:prstGeom>
+          <a:solidFill>
+            <a:schemeClr val="accent3">
+              <a:lumMod val="60000"/>
+              <a:lumOff val="40000"/>
+            </a:schemeClr>
+          </a:solidFill>
+          <a:ln>
+            <a:solidFill>
+              <a:schemeClr val="tx1"/>
+            </a:solidFill>
+          </a:ln>
+        </p:spPr>
+        <p:style>
+          <a:lnRef idx="2">
+            <a:schemeClr val="accent1">
+              <a:shade val="50000"/>
+            </a:schemeClr>
+          </a:lnRef>
+          <a:fillRef idx="1">
+            <a:schemeClr val="accent1"/>
+          </a:fillRef>
+          <a:effectRef idx="0">
+            <a:schemeClr val="accent1"/>
+          </a:effectRef>
+          <a:fontRef idx="minor">
+            <a:schemeClr val="lt1"/>
+          </a:fontRef>
+        </p:style>
+        <p:txBody>
+          <a:bodyPr rtlCol="0" anchor="ctr"/>
+          <a:lstStyle/>
+          <a:p>
+            <a:pPr algn="ctr"/>
+            <a:r>
+              <a:rPr lang="en-GB" sz="1400" dirty="0" smtClean="0">
+                <a:solidFill>
+                  <a:schemeClr val="tx1"/>
+                </a:solidFill>
+              </a:rPr>
+              <a:t>C</a:t>
+            </a:r>
+          </a:p>
+          <a:p>
+            <a:pPr algn="ctr"/>
+            <a:r>
+              <a:rPr lang="en-GB" sz="1400" dirty="0" smtClean="0">
+                <a:solidFill>
+                  <a:schemeClr val="tx1"/>
+                </a:solidFill>
+              </a:rPr>
+              <a:t>XOR</a:t>
+            </a:r>
+            <a:endParaRPr lang="en-GB" sz="1400" dirty="0">
+              <a:solidFill>
+                <a:schemeClr val="tx1"/>
+              </a:solidFill>
+            </a:endParaRPr>
+          </a:p>
+        </p:txBody>
+      </p:sp>
+      <p:sp>
+        <p:nvSpPr>
+          <p:cNvPr id="9" name="Oval 8"/>
+          <p:cNvSpPr/>
+          <p:nvPr/>
+        </p:nvSpPr>
+        <p:spPr>
+          <a:xfrm>
+            <a:off x="5938866" y="2143757"/>
+            <a:ext cx="722652" cy="648072"/>
+          </a:xfrm>
+          <a:prstGeom prst="ellipse">
+            <a:avLst/>
+          </a:prstGeom>
+          <a:solidFill>
+            <a:schemeClr val="accent3">
+              <a:lumMod val="60000"/>
+              <a:lumOff val="40000"/>
+            </a:schemeClr>
+          </a:solidFill>
+          <a:ln>
+            <a:solidFill>
+              <a:schemeClr val="tx1"/>
+            </a:solidFill>
+          </a:ln>
+        </p:spPr>
+        <p:style>
+          <a:lnRef idx="2">
+            <a:schemeClr val="accent1">
+              <a:shade val="50000"/>
+            </a:schemeClr>
+          </a:lnRef>
+          <a:fillRef idx="1">
+            <a:schemeClr val="accent1"/>
+          </a:fillRef>
+          <a:effectRef idx="0">
+            <a:schemeClr val="accent1"/>
+          </a:effectRef>
+          <a:fontRef idx="minor">
+            <a:schemeClr val="lt1"/>
+          </a:fontRef>
+        </p:style>
+        <p:txBody>
+          <a:bodyPr rtlCol="0" anchor="ctr"/>
+          <a:lstStyle/>
+          <a:p>
+            <a:pPr algn="ctr"/>
+            <a:r>
+              <a:rPr lang="en-GB" sz="1400" dirty="0" smtClean="0">
+                <a:solidFill>
+                  <a:schemeClr val="tx1"/>
+                </a:solidFill>
+              </a:rPr>
+              <a:t>B AND</a:t>
+            </a:r>
+            <a:endParaRPr lang="en-GB" sz="1400" dirty="0">
+              <a:solidFill>
+                <a:schemeClr val="tx1"/>
+              </a:solidFill>
+            </a:endParaRPr>
+          </a:p>
+        </p:txBody>
+      </p:sp>
+      <p:cxnSp>
+        <p:nvCxnSpPr>
+          <p:cNvPr id="11" name="Straight Arrow Connector 10"/>
+          <p:cNvCxnSpPr>
+            <a:stCxn id="7" idx="3"/>
+            <a:endCxn id="9" idx="7"/>
+          </p:cNvCxnSpPr>
+          <p:nvPr/>
+        </p:nvCxnSpPr>
+        <p:spPr>
+          <a:xfrm flipH="1">
+            <a:off x="6555688" y="1605900"/>
+            <a:ext cx="394065" cy="632765"/>
+          </a:xfrm>
+          <a:prstGeom prst="straightConnector1">
+            <a:avLst/>
+          </a:prstGeom>
+          <a:ln w="25400">
+            <a:solidFill>
+              <a:schemeClr val="tx1"/>
+            </a:solidFill>
+            <a:headEnd type="arrow"/>
+            <a:tailEnd type="arrow"/>
+          </a:ln>
+        </p:spPr>
+        <p:style>
+          <a:lnRef idx="1">
+            <a:schemeClr val="accent1"/>
+          </a:lnRef>
+          <a:fillRef idx="0">
+            <a:schemeClr val="accent1"/>
+          </a:fillRef>
+          <a:effectRef idx="0">
+            <a:schemeClr val="accent1"/>
+          </a:effectRef>
+          <a:fontRef idx="minor">
+            <a:schemeClr val="tx1"/>
+          </a:fontRef>
+        </p:style>
+      </p:cxnSp>
+      <p:cxnSp>
+        <p:nvCxnSpPr>
+          <p:cNvPr id="12" name="Straight Arrow Connector 11"/>
+          <p:cNvCxnSpPr>
+            <a:stCxn id="7" idx="5"/>
+            <a:endCxn id="8" idx="1"/>
+          </p:cNvCxnSpPr>
+          <p:nvPr/>
+        </p:nvCxnSpPr>
+        <p:spPr>
+          <a:xfrm>
+            <a:off x="7436184" y="1605900"/>
+            <a:ext cx="361638" cy="632765"/>
+          </a:xfrm>
+          <a:prstGeom prst="straightConnector1">
+            <a:avLst/>
+          </a:prstGeom>
+          <a:ln w="25400">
+            <a:solidFill>
+              <a:schemeClr val="tx1"/>
+            </a:solidFill>
+            <a:headEnd type="arrow"/>
+            <a:tailEnd type="arrow"/>
+          </a:ln>
+        </p:spPr>
+        <p:style>
+          <a:lnRef idx="1">
+            <a:schemeClr val="accent1"/>
+          </a:lnRef>
+          <a:fillRef idx="0">
+            <a:schemeClr val="accent1"/>
+          </a:fillRef>
+          <a:effectRef idx="0">
+            <a:schemeClr val="accent1"/>
+          </a:effectRef>
+          <a:fontRef idx="minor">
+            <a:schemeClr val="tx1"/>
+          </a:fontRef>
+        </p:style>
+      </p:cxnSp>
+      <p:cxnSp>
+        <p:nvCxnSpPr>
+          <p:cNvPr id="13" name="Straight Arrow Connector 12"/>
+          <p:cNvCxnSpPr>
+            <a:stCxn id="9" idx="6"/>
+            <a:endCxn id="8" idx="2"/>
+          </p:cNvCxnSpPr>
+          <p:nvPr/>
+        </p:nvCxnSpPr>
+        <p:spPr>
+          <a:xfrm>
+            <a:off x="6661518" y="2467793"/>
+            <a:ext cx="1035561" cy="0"/>
+          </a:xfrm>
+          <a:prstGeom prst="straightConnector1">
+            <a:avLst/>
+          </a:prstGeom>
+          <a:ln w="25400">
+            <a:solidFill>
+              <a:schemeClr val="tx1"/>
+            </a:solidFill>
+            <a:headEnd type="arrow"/>
+            <a:tailEnd type="arrow"/>
+          </a:ln>
+        </p:spPr>
+        <p:style>
+          <a:lnRef idx="1">
+            <a:schemeClr val="accent1"/>
+          </a:lnRef>
+          <a:fillRef idx="0">
+            <a:schemeClr val="accent1"/>
+          </a:fillRef>
+          <a:effectRef idx="0">
+            <a:schemeClr val="accent1"/>
+          </a:effectRef>
+          <a:fontRef idx="minor">
+            <a:schemeClr val="tx1"/>
+          </a:fontRef>
+        </p:style>
+      </p:cxnSp>
       <p:cxnSp>
         <p:nvCxnSpPr>
           <p:cNvPr id="25" name="Straight Arrow Connector 24"/>
@@ -31969,9 +32404,9 @@
       </p:par>
     </p:tnLst>
     <p:bldLst>
-      <p:bldP spid="32" grpId="0"/>
       <p:bldP spid="23" grpId="0"/>
       <p:bldP spid="23" grpId="1"/>
+      <p:bldP spid="32" grpId="0"/>
     </p:bldLst>
   </p:timing>
 </p:sld>
@@ -32073,10 +32508,10 @@
                         </m:sSupPr>
                         <m:e>
                           <m:r>
-                            <a:rPr lang="en-GB" sz="2000" b="0" i="1" dirty="0" smtClean="0">
+                            <a:rPr lang="en-GB" sz="2000" b="1" i="1" dirty="0" smtClean="0">
                               <a:latin typeface="Cambria Math"/>
                             </a:rPr>
-                            <m:t>𝑝</m:t>
+                            <m:t>𝒑</m:t>
                           </m:r>
                         </m:e>
                         <m:sup>
@@ -32135,10 +32570,10 @@
                         </m:sSupPr>
                         <m:e>
                           <m:r>
-                            <a:rPr lang="en-GB" sz="2000" b="0" i="1" dirty="0" smtClean="0">
+                            <a:rPr lang="en-GB" sz="2000" b="1" i="1" dirty="0" smtClean="0">
                               <a:latin typeface="Cambria Math"/>
                             </a:rPr>
-                            <m:t>𝑝</m:t>
+                            <m:t>𝒑</m:t>
                           </m:r>
                         </m:e>
                         <m:sup>
@@ -32211,10 +32646,10 @@
                         </m:sSupPr>
                         <m:e>
                           <m:r>
-                            <a:rPr lang="en-GB" sz="2000" b="0" i="1" smtClean="0">
+                            <a:rPr lang="en-GB" sz="2000" b="1" i="1" smtClean="0">
                               <a:latin typeface="Cambria Math"/>
                             </a:rPr>
-                            <m:t>𝑝</m:t>
+                            <m:t>𝒑</m:t>
                           </m:r>
                         </m:e>
                         <m:sup>
@@ -32414,7 +32849,7 @@
               <a:blipFill rotWithShape="1">
                 <a:blip r:embed="rId2"/>
                 <a:stretch>
-                  <a:fillRect l="-1154" t="-2930" b="-1465"/>
+                  <a:fillRect l="-1154" t="-2930" b="-1832"/>
                 </a:stretch>
               </a:blipFill>
             </p:spPr>
@@ -32484,10 +32919,10 @@
                         </m:sSupPr>
                         <m:e>
                           <m:r>
-                            <a:rPr lang="en-GB" sz="2000" i="1" dirty="0">
+                            <a:rPr lang="en-GB" sz="2000" b="1" i="1" dirty="0" smtClean="0">
                               <a:latin typeface="Cambria Math"/>
                             </a:rPr>
-                            <m:t>𝑝</m:t>
+                            <m:t>𝒑</m:t>
                           </m:r>
                         </m:e>
                         <m:sup>
@@ -32595,7 +33030,7 @@
                         <m:sup/>
                         <m:e>
                           <m:r>
-                            <a:rPr lang="en-GB" sz="2000" b="0" i="1" dirty="0" smtClean="0">
+                            <a:rPr lang="en-GB" sz="2000" i="1" dirty="0" smtClean="0">
                               <a:latin typeface="Cambria Math"/>
                             </a:rPr>
                             <m:t>𝑝</m:t>
@@ -32699,10 +33134,10 @@
                         </m:sSupPr>
                         <m:e>
                           <m:r>
-                            <a:rPr lang="en-GB" sz="2000" i="1" dirty="0">
+                            <a:rPr lang="en-GB" sz="2000" b="1" i="1" dirty="0" smtClean="0">
                               <a:latin typeface="Cambria Math"/>
                             </a:rPr>
-                            <m:t>𝑝</m:t>
+                            <m:t>𝒑</m:t>
                           </m:r>
                         </m:e>
                         <m:sup>
@@ -32799,6 +33234,7 @@
                           <m:nary>
                             <m:naryPr>
                               <m:chr m:val="∑"/>
+                              <m:subHide m:val="on"/>
                               <m:supHide m:val="on"/>
                               <m:ctrlPr>
                                 <a:rPr lang="en-GB" sz="2000" i="1">
@@ -32806,33 +33242,7 @@
                                 </a:rPr>
                               </m:ctrlPr>
                             </m:naryPr>
-                            <m:sub>
-                              <m:sSup>
-                                <m:sSupPr>
-                                  <m:ctrlPr>
-                                    <a:rPr lang="en-GB" sz="2000" i="1">
-                                      <a:latin typeface="Cambria Math"/>
-                                    </a:rPr>
-                                  </m:ctrlPr>
-                                </m:sSupPr>
-                                <m:e>
-                                  <m:r>
-                                    <a:rPr lang="en-GB" sz="2000" i="1">
-                                      <a:latin typeface="Cambria Math"/>
-                                    </a:rPr>
-                                    <m:t>𝐴𝐵𝐶</m:t>
-                                  </m:r>
-                                </m:e>
-                                <m:sup>
-                                  <m:r>
-                                    <a:rPr lang="en-GB" sz="2000" i="1">
-                                      <a:latin typeface="Cambria Math"/>
-                                    </a:rPr>
-                                    <m:t>𝑐</m:t>
-                                  </m:r>
-                                </m:sup>
-                              </m:sSup>
-                            </m:sub>
+                            <m:sub/>
                             <m:sup/>
                             <m:e>
                               <m:r>
@@ -32927,10 +33337,10 @@
                             </m:sSupPr>
                             <m:e>
                               <m:r>
-                                <a:rPr lang="en-GB" sz="2000" i="1" dirty="0">
+                                <a:rPr lang="en-GB" sz="2000" b="1" i="1" dirty="0">
                                   <a:latin typeface="Cambria Math"/>
                                 </a:rPr>
-                                <m:t>𝑝</m:t>
+                                <m:t>𝒑</m:t>
                               </m:r>
                             </m:e>
                             <m:sup>
@@ -34513,8 +34923,8 @@
           </a:p>
         </p:txBody>
       </p:sp>
-      <mc:AlternateContent xmlns:mc="http://schemas.openxmlformats.org/markup-compatibility/2006" xmlns:a14="http://schemas.microsoft.com/office/drawing/2010/main">
-        <mc:Choice Requires="a14">
+      <mc:AlternateContent xmlns:mc="http://schemas.openxmlformats.org/markup-compatibility/2006">
+        <mc:Choice xmlns:a14="http://schemas.microsoft.com/office/drawing/2010/main" Requires="a14">
           <p:sp>
             <p:nvSpPr>
               <p:cNvPr id="15" name="TextBox 14"/>
@@ -34620,10 +35030,10 @@
                         </m:dPr>
                         <m:e>
                           <m:r>
-                            <a:rPr lang="en-GB" sz="2800" i="1">
+                            <a:rPr lang="en-GB" sz="2800" b="1" i="1">
                               <a:latin typeface="Cambria Math"/>
                             </a:rPr>
-                            <m:t>𝑝</m:t>
+                            <m:t>𝒑</m:t>
                           </m:r>
                           <m:d>
                             <m:dPr>
@@ -34716,10 +35126,10 @@
                             </m:sSupPr>
                             <m:e>
                               <m:r>
-                                <a:rPr lang="en-GB" sz="2800" i="1">
+                                <a:rPr lang="en-GB" sz="2800" b="1" i="1">
                                   <a:latin typeface="Cambria Math"/>
                                 </a:rPr>
-                                <m:t>𝑝</m:t>
+                                <m:t>𝒑</m:t>
                               </m:r>
                             </m:e>
                             <m:sup>
@@ -34777,7 +35187,7 @@
             </p:txBody>
           </p:sp>
         </mc:Choice>
-        <mc:Fallback xmlns="">
+        <mc:Fallback>
           <p:sp>
             <p:nvSpPr>
               <p:cNvPr id="15" name="TextBox 14"/>
@@ -35977,8 +36387,8 @@
           </a:p>
         </p:txBody>
       </p:sp>
-      <mc:AlternateContent xmlns:mc="http://schemas.openxmlformats.org/markup-compatibility/2006" xmlns:a14="http://schemas.microsoft.com/office/drawing/2010/main">
-        <mc:Choice Requires="a14">
+      <mc:AlternateContent xmlns:mc="http://schemas.openxmlformats.org/markup-compatibility/2006">
+        <mc:Choice xmlns:a14="http://schemas.microsoft.com/office/drawing/2010/main" Requires="a14">
           <p:sp>
             <p:nvSpPr>
               <p:cNvPr id="34" name="TextBox 33"/>
@@ -35987,8 +36397,8 @@
             </p:nvSpPr>
             <p:spPr>
               <a:xfrm>
-                <a:off x="834995" y="4674094"/>
-                <a:ext cx="8309005" cy="552972"/>
+                <a:off x="683568" y="4674094"/>
+                <a:ext cx="8585107" cy="552972"/>
               </a:xfrm>
               <a:prstGeom prst="rect">
                 <a:avLst/>
@@ -36083,10 +36493,10 @@
                         </m:dPr>
                         <m:e>
                           <m:r>
-                            <a:rPr lang="en-GB" sz="2000" i="1">
+                            <a:rPr lang="en-GB" sz="2000" b="1" i="1">
                               <a:latin typeface="Cambria Math"/>
                             </a:rPr>
-                            <m:t>𝑝</m:t>
+                            <m:t>𝒑</m:t>
                           </m:r>
                           <m:d>
                             <m:dPr>
@@ -36170,10 +36580,10 @@
                             <m:t>,</m:t>
                           </m:r>
                           <m:r>
-                            <a:rPr lang="en-GB" sz="2000" i="1">
+                            <a:rPr lang="en-GB" sz="2000" b="1" i="1">
                               <a:latin typeface="Cambria Math"/>
                             </a:rPr>
-                            <m:t>𝑝</m:t>
+                            <m:t>𝒑</m:t>
                           </m:r>
                           <m:d>
                             <m:dPr>
@@ -36270,10 +36680,16 @@
                             </m:e>
                           </m:d>
                           <m:r>
-                            <a:rPr lang="en-GB" sz="2000" i="1">
+                            <a:rPr lang="en-GB" sz="2000" b="1" i="1" smtClean="0">
                               <a:latin typeface="Cambria Math"/>
                             </a:rPr>
-                            <m:t>𝑝</m:t>
+                            <m:t>∗</m:t>
+                          </m:r>
+                          <m:r>
+                            <a:rPr lang="en-GB" sz="2000" b="1" i="1">
+                              <a:latin typeface="Cambria Math"/>
+                            </a:rPr>
+                            <m:t>𝒑</m:t>
                           </m:r>
                           <m:d>
                             <m:dPr>
@@ -36415,7 +36831,7 @@
             </p:txBody>
           </p:sp>
         </mc:Choice>
-        <mc:Fallback xmlns="">
+        <mc:Fallback>
           <p:sp>
             <p:nvSpPr>
               <p:cNvPr id="34" name="TextBox 33"/>
@@ -36426,8 +36842,8 @@
             </p:nvSpPr>
             <p:spPr>
               <a:xfrm>
-                <a:off x="834995" y="4674094"/>
-                <a:ext cx="8309005" cy="552972"/>
+                <a:off x="683568" y="4674094"/>
+                <a:ext cx="8585107" cy="552972"/>
               </a:xfrm>
               <a:prstGeom prst="rect">
                 <a:avLst/>

--- a/Writeup/Presentation/Integrated Information Theory for Organisational Consciousness.pptx
+++ b/Writeup/Presentation/Integrated Information Theory for Organisational Consciousness.pptx
@@ -7,7 +7,7 @@
     <p:sldMasterId id="2147483660" r:id="rId3"/>
   </p:sldMasterIdLst>
   <p:notesMasterIdLst>
-    <p:notesMasterId r:id="rId27"/>
+    <p:notesMasterId r:id="rId28"/>
   </p:notesMasterIdLst>
   <p:sldIdLst>
     <p:sldId id="270" r:id="rId4"/>
@@ -20,19 +20,20 @@
     <p:sldId id="279" r:id="rId11"/>
     <p:sldId id="300" r:id="rId12"/>
     <p:sldId id="301" r:id="rId13"/>
-    <p:sldId id="275" r:id="rId14"/>
-    <p:sldId id="311" r:id="rId15"/>
-    <p:sldId id="312" r:id="rId16"/>
-    <p:sldId id="313" r:id="rId17"/>
-    <p:sldId id="318" r:id="rId18"/>
-    <p:sldId id="319" r:id="rId19"/>
-    <p:sldId id="290" r:id="rId20"/>
-    <p:sldId id="320" r:id="rId21"/>
-    <p:sldId id="314" r:id="rId22"/>
-    <p:sldId id="321" r:id="rId23"/>
-    <p:sldId id="316" r:id="rId24"/>
-    <p:sldId id="317" r:id="rId25"/>
-    <p:sldId id="286" r:id="rId26"/>
+    <p:sldId id="326" r:id="rId14"/>
+    <p:sldId id="275" r:id="rId15"/>
+    <p:sldId id="311" r:id="rId16"/>
+    <p:sldId id="312" r:id="rId17"/>
+    <p:sldId id="313" r:id="rId18"/>
+    <p:sldId id="318" r:id="rId19"/>
+    <p:sldId id="319" r:id="rId20"/>
+    <p:sldId id="290" r:id="rId21"/>
+    <p:sldId id="321" r:id="rId22"/>
+    <p:sldId id="322" r:id="rId23"/>
+    <p:sldId id="324" r:id="rId24"/>
+    <p:sldId id="323" r:id="rId25"/>
+    <p:sldId id="325" r:id="rId26"/>
+    <p:sldId id="286" r:id="rId27"/>
   </p:sldIdLst>
   <p:sldSz cx="9144000" cy="6858000" type="screen4x3"/>
   <p:notesSz cx="6858000" cy="9144000"/>
@@ -134,9 +135,6 @@
   <p:extLst>
     <p:ext uri="{521415D9-36F7-43E2-AB2F-B90AF26B5E84}">
       <p14:sectionLst xmlns:p14="http://schemas.microsoft.com/office/powerpoint/2010/main">
-        <p14:section name="Default Section" id="{7DABBDF5-2FEB-437F-9E94-602D21DFE73A}">
-          <p14:sldIdLst/>
-        </p14:section>
         <p14:section name="Introduction" id="{2CF83C1A-4105-4924-91C4-5DC99B8D07E8}">
           <p14:sldIdLst>
             <p14:sldId id="270"/>
@@ -153,6 +151,7 @@
             <p14:sldId id="279"/>
             <p14:sldId id="300"/>
             <p14:sldId id="301"/>
+            <p14:sldId id="326"/>
           </p14:sldIdLst>
         </p14:section>
         <p14:section name="Description of Model" id="{5BEB889A-47EA-4F45-9C30-E10080A38036}">
@@ -164,15 +163,15 @@
             <p14:sldId id="318"/>
             <p14:sldId id="319"/>
             <p14:sldId id="290"/>
-            <p14:sldId id="320"/>
-            <p14:sldId id="314"/>
-            <p14:sldId id="321"/>
-            <p14:sldId id="316"/>
-            <p14:sldId id="317"/>
           </p14:sldIdLst>
         </p14:section>
         <p14:section name="Wrapping Up" id="{9ABF0CC0-041F-4748-B968-1FDA0EA570B7}">
           <p14:sldIdLst>
+            <p14:sldId id="321"/>
+            <p14:sldId id="322"/>
+            <p14:sldId id="324"/>
+            <p14:sldId id="323"/>
+            <p14:sldId id="325"/>
             <p14:sldId id="286"/>
           </p14:sldIdLst>
         </p14:section>
@@ -11968,8 +11967,8 @@
           </a:p>
         </p:txBody>
       </p:sp>
-      <mc:AlternateContent xmlns:mc="http://schemas.openxmlformats.org/markup-compatibility/2006" xmlns:a14="http://schemas.microsoft.com/office/drawing/2010/main">
-        <mc:Choice Requires="a14">
+      <mc:AlternateContent xmlns:mc="http://schemas.openxmlformats.org/markup-compatibility/2006">
+        <mc:Choice xmlns:a14="http://schemas.microsoft.com/office/drawing/2010/main" Requires="a14">
           <p:sp>
             <p:nvSpPr>
               <p:cNvPr id="9" name="TextBox 8"/>
@@ -12011,7 +12010,15 @@
                 </a14:m>
                 <a:r>
                   <a:rPr lang="en-GB" sz="2800" dirty="0" smtClean="0"/>
-                  <a:t> for a system of mechanisms, we need to find the MIP: the 1 directional partition that makes the most difference to the constellation. This distance is </a:t>
+                  <a:t> for a system of mechanisms, we need to find the MIP: the 1 directional partition that makes the </a:t>
+                </a:r>
+                <a:r>
+                  <a:rPr lang="en-GB" sz="2800" dirty="0" smtClean="0"/>
+                  <a:t>least difference </a:t>
+                </a:r>
+                <a:r>
+                  <a:rPr lang="en-GB" sz="2800" dirty="0" smtClean="0"/>
+                  <a:t>to the constellation. This distance is </a:t>
                 </a:r>
                 <a14:m>
                   <m:oMath xmlns:m="http://schemas.openxmlformats.org/officeDocument/2006/math">
@@ -12269,7 +12276,7 @@
             </p:txBody>
           </p:sp>
         </mc:Choice>
-        <mc:Fallback xmlns="">
+        <mc:Fallback>
           <p:sp>
             <p:nvSpPr>
               <p:cNvPr id="9" name="TextBox 8"/>
@@ -12289,7 +12296,7 @@
               <a:blipFill rotWithShape="1">
                 <a:blip r:embed="rId2"/>
                 <a:stretch>
-                  <a:fillRect l="-1661" t="-1194" r="-1978" b="-2918"/>
+                  <a:fillRect l="-1661" t="-1194" r="-1424" b="-2918"/>
                 </a:stretch>
               </a:blipFill>
             </p:spPr>
@@ -12463,6 +12470,682 @@
 </file>
 
 <file path=ppt/slides/slide11.xml><?xml version="1.0" encoding="utf-8"?>
+<p:sld xmlns:a="http://schemas.openxmlformats.org/drawingml/2006/main" xmlns:r="http://schemas.openxmlformats.org/officeDocument/2006/relationships" xmlns:p="http://schemas.openxmlformats.org/presentationml/2006/main">
+  <p:cSld>
+    <p:spTree>
+      <p:nvGrpSpPr>
+        <p:cNvPr id="1" name=""/>
+        <p:cNvGrpSpPr/>
+        <p:nvPr/>
+      </p:nvGrpSpPr>
+      <p:grpSpPr>
+        <a:xfrm>
+          <a:off x="0" y="0"/>
+          <a:ext cx="0" cy="0"/>
+          <a:chOff x="0" y="0"/>
+          <a:chExt cx="0" cy="0"/>
+        </a:xfrm>
+      </p:grpSpPr>
+      <mc:AlternateContent xmlns:mc="http://schemas.openxmlformats.org/markup-compatibility/2006">
+        <mc:Choice xmlns:a14="http://schemas.microsoft.com/office/drawing/2010/main" Requires="a14">
+          <p:sp>
+            <p:nvSpPr>
+              <p:cNvPr id="2" name="TextBox 1"/>
+              <p:cNvSpPr txBox="1"/>
+              <p:nvPr/>
+            </p:nvSpPr>
+            <p:spPr>
+              <a:xfrm>
+                <a:off x="836320" y="98490"/>
+                <a:ext cx="5463872" cy="646331"/>
+              </a:xfrm>
+              <a:prstGeom prst="rect">
+                <a:avLst/>
+              </a:prstGeom>
+              <a:noFill/>
+            </p:spPr>
+            <p:txBody>
+              <a:bodyPr wrap="square" rtlCol="0">
+                <a:spAutoFit/>
+              </a:bodyPr>
+              <a:lstStyle/>
+              <a:p>
+                <a:r>
+                  <a:rPr lang="en-GB" sz="3600" dirty="0" smtClean="0"/>
+                  <a:t>Properties of </a:t>
+                </a:r>
+                <a14:m>
+                  <m:oMath xmlns:m="http://schemas.openxmlformats.org/officeDocument/2006/math">
+                    <m:r>
+                      <m:rPr>
+                        <m:sty m:val="p"/>
+                      </m:rPr>
+                      <a:rPr lang="en-GB" sz="3600">
+                        <a:latin typeface="Cambria Math"/>
+                      </a:rPr>
+                      <m:t>Φ</m:t>
+                    </m:r>
+                  </m:oMath>
+                </a14:m>
+                <a:endParaRPr lang="en-GB" sz="3600" dirty="0"/>
+              </a:p>
+            </p:txBody>
+          </p:sp>
+        </mc:Choice>
+        <mc:Fallback>
+          <p:sp>
+            <p:nvSpPr>
+              <p:cNvPr id="2" name="TextBox 1"/>
+              <p:cNvSpPr txBox="1">
+                <a:spLocks noRot="1" noChangeAspect="1" noMove="1" noResize="1" noEditPoints="1" noAdjustHandles="1" noChangeArrowheads="1" noChangeShapeType="1" noTextEdit="1"/>
+              </p:cNvSpPr>
+              <p:nvPr/>
+            </p:nvSpPr>
+            <p:spPr>
+              <a:xfrm>
+                <a:off x="836320" y="98490"/>
+                <a:ext cx="5463872" cy="646331"/>
+              </a:xfrm>
+              <a:prstGeom prst="rect">
+                <a:avLst/>
+              </a:prstGeom>
+              <a:blipFill rotWithShape="1">
+                <a:blip r:embed="rId2"/>
+                <a:stretch>
+                  <a:fillRect l="-3348" t="-14151" b="-34906"/>
+                </a:stretch>
+              </a:blipFill>
+            </p:spPr>
+            <p:txBody>
+              <a:bodyPr/>
+              <a:lstStyle/>
+              <a:p>
+                <a:r>
+                  <a:rPr lang="en-GB">
+                    <a:noFill/>
+                  </a:rPr>
+                  <a:t> </a:t>
+                </a:r>
+              </a:p>
+            </p:txBody>
+          </p:sp>
+        </mc:Fallback>
+      </mc:AlternateContent>
+      <mc:AlternateContent xmlns:mc="http://schemas.openxmlformats.org/markup-compatibility/2006">
+        <mc:Choice xmlns:a14="http://schemas.microsoft.com/office/drawing/2010/main" Requires="a14">
+          <p:sp>
+            <p:nvSpPr>
+              <p:cNvPr id="3" name="TextBox 2"/>
+              <p:cNvSpPr txBox="1"/>
+              <p:nvPr/>
+            </p:nvSpPr>
+            <p:spPr>
+              <a:xfrm>
+                <a:off x="1115616" y="1145690"/>
+                <a:ext cx="7704856" cy="4678204"/>
+              </a:xfrm>
+              <a:prstGeom prst="rect">
+                <a:avLst/>
+              </a:prstGeom>
+              <a:noFill/>
+            </p:spPr>
+            <p:txBody>
+              <a:bodyPr wrap="square" rtlCol="0">
+                <a:spAutoFit/>
+              </a:bodyPr>
+              <a:lstStyle/>
+              <a:p>
+                <a:pPr marL="285750" indent="-285750">
+                  <a:buFont typeface="Arial" pitchFamily="34" charset="0"/>
+                  <a:buChar char="•"/>
+                </a:pPr>
+                <a:r>
+                  <a:rPr lang="en-GB" sz="2000" dirty="0" smtClean="0"/>
+                  <a:t>For </a:t>
+                </a:r>
+                <a14:m>
+                  <m:oMath xmlns:m="http://schemas.openxmlformats.org/officeDocument/2006/math">
+                    <m:r>
+                      <m:rPr>
+                        <m:sty m:val="p"/>
+                      </m:rPr>
+                      <a:rPr lang="en-GB" sz="2000">
+                        <a:latin typeface="Cambria Math"/>
+                      </a:rPr>
+                      <m:t>Φ</m:t>
+                    </m:r>
+                  </m:oMath>
+                </a14:m>
+                <a:r>
+                  <a:rPr lang="en-GB" sz="2000" dirty="0" smtClean="0"/>
+                  <a:t> to be non zero, the must exist a Hamiltonian cycle in the directed network. </a:t>
+                </a:r>
+              </a:p>
+              <a:p>
+                <a:pPr marL="285750" indent="-285750">
+                  <a:buFont typeface="Arial" pitchFamily="34" charset="0"/>
+                  <a:buChar char="•"/>
+                </a:pPr>
+                <a14:m>
+                  <m:oMath xmlns:m="http://schemas.openxmlformats.org/officeDocument/2006/math">
+                    <m:r>
+                      <m:rPr>
+                        <m:sty m:val="p"/>
+                      </m:rPr>
+                      <a:rPr lang="en-GB" sz="2000">
+                        <a:latin typeface="Cambria Math"/>
+                      </a:rPr>
+                      <m:t>Φ</m:t>
+                    </m:r>
+                  </m:oMath>
+                </a14:m>
+                <a:r>
+                  <a:rPr lang="en-GB" sz="2000" dirty="0" smtClean="0"/>
+                  <a:t> depends heavily on the state of the network, and not merely on the TPM. An example has been found for a 3 nodes system where </a:t>
+                </a:r>
+                <a14:m>
+                  <m:oMath xmlns:m="http://schemas.openxmlformats.org/officeDocument/2006/math">
+                    <m:r>
+                      <m:rPr>
+                        <m:sty m:val="p"/>
+                      </m:rPr>
+                      <a:rPr lang="en-GB" sz="2000">
+                        <a:latin typeface="Cambria Math"/>
+                      </a:rPr>
+                      <m:t>Φ</m:t>
+                    </m:r>
+                  </m:oMath>
+                </a14:m>
+                <a:r>
+                  <a:rPr lang="en-GB" sz="2000" dirty="0" smtClean="0"/>
+                  <a:t> given the state 011 is 1.5, while </a:t>
+                </a:r>
+                <a14:m>
+                  <m:oMath xmlns:m="http://schemas.openxmlformats.org/officeDocument/2006/math">
+                    <m:r>
+                      <m:rPr>
+                        <m:sty m:val="p"/>
+                      </m:rPr>
+                      <a:rPr lang="en-GB" sz="2000">
+                        <a:latin typeface="Cambria Math"/>
+                      </a:rPr>
+                      <m:t>Φ</m:t>
+                    </m:r>
+                  </m:oMath>
+                </a14:m>
+                <a:r>
+                  <a:rPr lang="en-GB" sz="2000" dirty="0" smtClean="0"/>
+                  <a:t> given 111 is 0.05. Hence, </a:t>
+                </a:r>
+                <a14:m>
+                  <m:oMath xmlns:m="http://schemas.openxmlformats.org/officeDocument/2006/math">
+                    <m:r>
+                      <m:rPr>
+                        <m:sty m:val="p"/>
+                      </m:rPr>
+                      <a:rPr lang="en-GB" sz="2000">
+                        <a:latin typeface="Cambria Math"/>
+                      </a:rPr>
+                      <m:t>Φ</m:t>
+                    </m:r>
+                  </m:oMath>
+                </a14:m>
+                <a:r>
+                  <a:rPr lang="en-GB" sz="2000" dirty="0" smtClean="0"/>
+                  <a:t> does not tolerate measurement error.</a:t>
+                </a:r>
+              </a:p>
+              <a:p>
+                <a:pPr marL="285750" indent="-285750">
+                  <a:buFont typeface="Arial" pitchFamily="34" charset="0"/>
+                  <a:buChar char="•"/>
+                </a:pPr>
+                <a:r>
+                  <a:rPr lang="en-GB" sz="2000" dirty="0" smtClean="0"/>
+                  <a:t>That the system remains stationary does not imply small </a:t>
+                </a:r>
+                <a14:m>
+                  <m:oMath xmlns:m="http://schemas.openxmlformats.org/officeDocument/2006/math">
+                    <m:r>
+                      <m:rPr>
+                        <m:sty m:val="p"/>
+                      </m:rPr>
+                      <a:rPr lang="en-GB" sz="2000">
+                        <a:latin typeface="Cambria Math"/>
+                      </a:rPr>
+                      <m:t>Φ</m:t>
+                    </m:r>
+                  </m:oMath>
+                </a14:m>
+                <a:r>
+                  <a:rPr lang="en-GB" sz="2000" dirty="0" smtClean="0"/>
+                  <a:t>. In fact examples can be found where the reverse is true.</a:t>
+                </a:r>
+              </a:p>
+              <a:p>
+                <a:pPr marL="285750" indent="-285750">
+                  <a:buFont typeface="Arial" pitchFamily="34" charset="0"/>
+                  <a:buChar char="•"/>
+                </a:pPr>
+                <a14:m>
+                  <m:oMath xmlns:m="http://schemas.openxmlformats.org/officeDocument/2006/math">
+                    <m:r>
+                      <m:rPr>
+                        <m:sty m:val="p"/>
+                      </m:rPr>
+                      <a:rPr lang="en-GB" sz="2000">
+                        <a:latin typeface="Cambria Math"/>
+                      </a:rPr>
+                      <m:t>Φ</m:t>
+                    </m:r>
+                  </m:oMath>
+                </a14:m>
+                <a:r>
+                  <a:rPr lang="en-GB" sz="2000" dirty="0"/>
+                  <a:t> tends to be larger when the TPM merely permutes the states of the system. i.e. when every state can be transitioned to.</a:t>
+                </a:r>
+              </a:p>
+              <a:p>
+                <a:pPr marL="285750" indent="-285750">
+                  <a:buFont typeface="Arial" pitchFamily="34" charset="0"/>
+                  <a:buChar char="•"/>
+                </a:pPr>
+                <a:r>
+                  <a:rPr lang="en-GB" sz="2000" dirty="0" smtClean="0"/>
+                  <a:t>The systems resulting in the largest values of </a:t>
+                </a:r>
+                <a14:m>
+                  <m:oMath xmlns:m="http://schemas.openxmlformats.org/officeDocument/2006/math">
+                    <m:r>
+                      <m:rPr>
+                        <m:sty m:val="p"/>
+                      </m:rPr>
+                      <a:rPr lang="en-GB" sz="2000">
+                        <a:latin typeface="Cambria Math"/>
+                      </a:rPr>
+                      <m:t>Φ</m:t>
+                    </m:r>
+                  </m:oMath>
+                </a14:m>
+                <a:r>
+                  <a:rPr lang="en-GB" sz="2000" dirty="0" smtClean="0"/>
+                  <a:t> that have been found tend to </a:t>
+                </a:r>
+                <a:r>
+                  <a:rPr lang="en-GB" sz="2000" dirty="0"/>
+                  <a:t>be </a:t>
+                </a:r>
+                <a:r>
+                  <a:rPr lang="en-GB" sz="2000" dirty="0" smtClean="0"/>
+                  <a:t>deterministic.</a:t>
+                </a:r>
+              </a:p>
+              <a:p>
+                <a:pPr marL="285750" indent="-285750">
+                  <a:buFont typeface="Arial" pitchFamily="34" charset="0"/>
+                  <a:buChar char="•"/>
+                </a:pPr>
+                <a:r>
+                  <a:rPr lang="en-GB" sz="2000" dirty="0" smtClean="0"/>
+                  <a:t>The structure of the state transition space is inadequate for computing </a:t>
+                </a:r>
+                <a14:m>
+                  <m:oMath xmlns:m="http://schemas.openxmlformats.org/officeDocument/2006/math">
+                    <m:r>
+                      <m:rPr>
+                        <m:sty m:val="p"/>
+                      </m:rPr>
+                      <a:rPr lang="en-GB" sz="2000">
+                        <a:latin typeface="Cambria Math"/>
+                      </a:rPr>
+                      <m:t>Φ</m:t>
+                    </m:r>
+                  </m:oMath>
+                </a14:m>
+                <a:r>
+                  <a:rPr lang="en-GB" sz="2000" dirty="0" smtClean="0"/>
+                  <a:t>.</a:t>
+                </a:r>
+                <a:endParaRPr lang="en-GB" sz="2000" dirty="0"/>
+              </a:p>
+              <a:p>
+                <a:pPr marL="285750" indent="-285750">
+                  <a:buFont typeface="Arial" pitchFamily="34" charset="0"/>
+                  <a:buChar char="•"/>
+                </a:pPr>
+                <a:endParaRPr lang="en-GB" dirty="0"/>
+              </a:p>
+            </p:txBody>
+          </p:sp>
+        </mc:Choice>
+        <mc:Fallback>
+          <p:sp>
+            <p:nvSpPr>
+              <p:cNvPr id="3" name="TextBox 2"/>
+              <p:cNvSpPr txBox="1">
+                <a:spLocks noRot="1" noChangeAspect="1" noMove="1" noResize="1" noEditPoints="1" noAdjustHandles="1" noChangeArrowheads="1" noChangeShapeType="1" noTextEdit="1"/>
+              </p:cNvSpPr>
+              <p:nvPr/>
+            </p:nvSpPr>
+            <p:spPr>
+              <a:xfrm>
+                <a:off x="1115616" y="1145690"/>
+                <a:ext cx="7704856" cy="4678204"/>
+              </a:xfrm>
+              <a:prstGeom prst="rect">
+                <a:avLst/>
+              </a:prstGeom>
+              <a:blipFill rotWithShape="1">
+                <a:blip r:embed="rId3"/>
+                <a:stretch>
+                  <a:fillRect l="-633" t="-652" r="-1503"/>
+                </a:stretch>
+              </a:blipFill>
+            </p:spPr>
+            <p:txBody>
+              <a:bodyPr/>
+              <a:lstStyle/>
+              <a:p>
+                <a:r>
+                  <a:rPr lang="en-GB">
+                    <a:noFill/>
+                  </a:rPr>
+                  <a:t> </a:t>
+                </a:r>
+              </a:p>
+            </p:txBody>
+          </p:sp>
+        </mc:Fallback>
+      </mc:AlternateContent>
+    </p:spTree>
+    <p:extLst>
+      <p:ext uri="{BB962C8B-B14F-4D97-AF65-F5344CB8AC3E}">
+        <p14:creationId xmlns:p14="http://schemas.microsoft.com/office/powerpoint/2010/main" val="3816939797"/>
+      </p:ext>
+    </p:extLst>
+  </p:cSld>
+  <p:clrMapOvr>
+    <a:masterClrMapping/>
+  </p:clrMapOvr>
+  <p:timing>
+    <p:tnLst>
+      <p:par>
+        <p:cTn id="1" dur="indefinite" restart="never" nodeType="tmRoot">
+          <p:childTnLst>
+            <p:seq concurrent="1" nextAc="seek">
+              <p:cTn id="2" dur="indefinite" nodeType="mainSeq">
+                <p:childTnLst>
+                  <p:par>
+                    <p:cTn id="3" fill="hold">
+                      <p:stCondLst>
+                        <p:cond delay="indefinite"/>
+                      </p:stCondLst>
+                      <p:childTnLst>
+                        <p:par>
+                          <p:cTn id="4" fill="hold">
+                            <p:stCondLst>
+                              <p:cond delay="0"/>
+                            </p:stCondLst>
+                            <p:childTnLst>
+                              <p:par>
+                                <p:cTn id="5" presetID="1" presetClass="entr" presetSubtype="0" fill="hold" nodeType="clickEffect">
+                                  <p:stCondLst>
+                                    <p:cond delay="0"/>
+                                  </p:stCondLst>
+                                  <p:childTnLst>
+                                    <p:set>
+                                      <p:cBhvr>
+                                        <p:cTn id="6" dur="1" fill="hold">
+                                          <p:stCondLst>
+                                            <p:cond delay="0"/>
+                                          </p:stCondLst>
+                                        </p:cTn>
+                                        <p:tgtEl>
+                                          <p:spTgt spid="3">
+                                            <p:txEl>
+                                              <p:pRg st="1" end="1"/>
+                                            </p:txEl>
+                                          </p:spTgt>
+                                        </p:tgtEl>
+                                        <p:attrNameLst>
+                                          <p:attrName>style.visibility</p:attrName>
+                                        </p:attrNameLst>
+                                      </p:cBhvr>
+                                      <p:to>
+                                        <p:strVal val="visible"/>
+                                      </p:to>
+                                    </p:set>
+                                  </p:childTnLst>
+                                </p:cTn>
+                              </p:par>
+                            </p:childTnLst>
+                          </p:cTn>
+                        </p:par>
+                      </p:childTnLst>
+                    </p:cTn>
+                  </p:par>
+                  <p:par>
+                    <p:cTn id="7" fill="hold">
+                      <p:stCondLst>
+                        <p:cond delay="indefinite"/>
+                      </p:stCondLst>
+                      <p:childTnLst>
+                        <p:par>
+                          <p:cTn id="8" fill="hold">
+                            <p:stCondLst>
+                              <p:cond delay="0"/>
+                            </p:stCondLst>
+                            <p:childTnLst>
+                              <p:par>
+                                <p:cTn id="9" presetID="1" presetClass="entr" presetSubtype="0" fill="hold" nodeType="clickEffect">
+                                  <p:stCondLst>
+                                    <p:cond delay="0"/>
+                                  </p:stCondLst>
+                                  <p:childTnLst>
+                                    <p:set>
+                                      <p:cBhvr>
+                                        <p:cTn id="10" dur="1" fill="hold">
+                                          <p:stCondLst>
+                                            <p:cond delay="0"/>
+                                          </p:stCondLst>
+                                        </p:cTn>
+                                        <p:tgtEl>
+                                          <p:spTgt spid="3">
+                                            <p:txEl>
+                                              <p:pRg st="2" end="2"/>
+                                            </p:txEl>
+                                          </p:spTgt>
+                                        </p:tgtEl>
+                                        <p:attrNameLst>
+                                          <p:attrName>style.visibility</p:attrName>
+                                        </p:attrNameLst>
+                                      </p:cBhvr>
+                                      <p:to>
+                                        <p:strVal val="visible"/>
+                                      </p:to>
+                                    </p:set>
+                                  </p:childTnLst>
+                                </p:cTn>
+                              </p:par>
+                            </p:childTnLst>
+                          </p:cTn>
+                        </p:par>
+                      </p:childTnLst>
+                    </p:cTn>
+                  </p:par>
+                  <p:par>
+                    <p:cTn id="11" fill="hold">
+                      <p:stCondLst>
+                        <p:cond delay="indefinite"/>
+                      </p:stCondLst>
+                      <p:childTnLst>
+                        <p:par>
+                          <p:cTn id="12" fill="hold">
+                            <p:stCondLst>
+                              <p:cond delay="0"/>
+                            </p:stCondLst>
+                            <p:childTnLst>
+                              <p:par>
+                                <p:cTn id="13" presetID="1" presetClass="entr" presetSubtype="0" fill="hold" nodeType="clickEffect">
+                                  <p:stCondLst>
+                                    <p:cond delay="0"/>
+                                  </p:stCondLst>
+                                  <p:childTnLst>
+                                    <p:set>
+                                      <p:cBhvr>
+                                        <p:cTn id="14" dur="1" fill="hold">
+                                          <p:stCondLst>
+                                            <p:cond delay="0"/>
+                                          </p:stCondLst>
+                                        </p:cTn>
+                                        <p:tgtEl>
+                                          <p:spTgt spid="3">
+                                            <p:txEl>
+                                              <p:pRg st="3" end="3"/>
+                                            </p:txEl>
+                                          </p:spTgt>
+                                        </p:tgtEl>
+                                        <p:attrNameLst>
+                                          <p:attrName>style.visibility</p:attrName>
+                                        </p:attrNameLst>
+                                      </p:cBhvr>
+                                      <p:to>
+                                        <p:strVal val="visible"/>
+                                      </p:to>
+                                    </p:set>
+                                  </p:childTnLst>
+                                </p:cTn>
+                              </p:par>
+                            </p:childTnLst>
+                          </p:cTn>
+                        </p:par>
+                      </p:childTnLst>
+                    </p:cTn>
+                  </p:par>
+                  <p:par>
+                    <p:cTn id="15" fill="hold">
+                      <p:stCondLst>
+                        <p:cond delay="indefinite"/>
+                      </p:stCondLst>
+                      <p:childTnLst>
+                        <p:par>
+                          <p:cTn id="16" fill="hold">
+                            <p:stCondLst>
+                              <p:cond delay="0"/>
+                            </p:stCondLst>
+                            <p:childTnLst>
+                              <p:par>
+                                <p:cTn id="17" presetID="1" presetClass="entr" presetSubtype="0" fill="hold" nodeType="clickEffect">
+                                  <p:stCondLst>
+                                    <p:cond delay="0"/>
+                                  </p:stCondLst>
+                                  <p:childTnLst>
+                                    <p:set>
+                                      <p:cBhvr>
+                                        <p:cTn id="18" dur="1" fill="hold">
+                                          <p:stCondLst>
+                                            <p:cond delay="0"/>
+                                          </p:stCondLst>
+                                        </p:cTn>
+                                        <p:tgtEl>
+                                          <p:spTgt spid="3">
+                                            <p:txEl>
+                                              <p:pRg st="4" end="4"/>
+                                            </p:txEl>
+                                          </p:spTgt>
+                                        </p:tgtEl>
+                                        <p:attrNameLst>
+                                          <p:attrName>style.visibility</p:attrName>
+                                        </p:attrNameLst>
+                                      </p:cBhvr>
+                                      <p:to>
+                                        <p:strVal val="visible"/>
+                                      </p:to>
+                                    </p:set>
+                                  </p:childTnLst>
+                                </p:cTn>
+                              </p:par>
+                            </p:childTnLst>
+                          </p:cTn>
+                        </p:par>
+                      </p:childTnLst>
+                    </p:cTn>
+                  </p:par>
+                  <p:par>
+                    <p:cTn id="19" fill="hold">
+                      <p:stCondLst>
+                        <p:cond delay="indefinite"/>
+                      </p:stCondLst>
+                      <p:childTnLst>
+                        <p:par>
+                          <p:cTn id="20" fill="hold">
+                            <p:stCondLst>
+                              <p:cond delay="0"/>
+                            </p:stCondLst>
+                            <p:childTnLst>
+                              <p:par>
+                                <p:cTn id="21" presetID="1" presetClass="entr" presetSubtype="0" fill="hold" nodeType="clickEffect">
+                                  <p:stCondLst>
+                                    <p:cond delay="0"/>
+                                  </p:stCondLst>
+                                  <p:childTnLst>
+                                    <p:set>
+                                      <p:cBhvr>
+                                        <p:cTn id="22" dur="1" fill="hold">
+                                          <p:stCondLst>
+                                            <p:cond delay="0"/>
+                                          </p:stCondLst>
+                                        </p:cTn>
+                                        <p:tgtEl>
+                                          <p:spTgt spid="3">
+                                            <p:txEl>
+                                              <p:pRg st="5" end="5"/>
+                                            </p:txEl>
+                                          </p:spTgt>
+                                        </p:tgtEl>
+                                        <p:attrNameLst>
+                                          <p:attrName>style.visibility</p:attrName>
+                                        </p:attrNameLst>
+                                      </p:cBhvr>
+                                      <p:to>
+                                        <p:strVal val="visible"/>
+                                      </p:to>
+                                    </p:set>
+                                  </p:childTnLst>
+                                </p:cTn>
+                              </p:par>
+                            </p:childTnLst>
+                          </p:cTn>
+                        </p:par>
+                      </p:childTnLst>
+                    </p:cTn>
+                  </p:par>
+                </p:childTnLst>
+              </p:cTn>
+              <p:prevCondLst>
+                <p:cond evt="onPrev" delay="0">
+                  <p:tgtEl>
+                    <p:sldTgt/>
+                  </p:tgtEl>
+                </p:cond>
+              </p:prevCondLst>
+              <p:nextCondLst>
+                <p:cond evt="onNext" delay="0">
+                  <p:tgtEl>
+                    <p:sldTgt/>
+                  </p:tgtEl>
+                </p:cond>
+              </p:nextCondLst>
+            </p:seq>
+          </p:childTnLst>
+        </p:cTn>
+      </p:par>
+    </p:tnLst>
+  </p:timing>
+</p:sld>
+</file>
+
+<file path=ppt/slides/slide12.xml><?xml version="1.0" encoding="utf-8"?>
 <p:sld xmlns:a="http://schemas.openxmlformats.org/drawingml/2006/main" xmlns:r="http://schemas.openxmlformats.org/officeDocument/2006/relationships" xmlns:p="http://schemas.openxmlformats.org/presentationml/2006/main">
   <p:cSld>
     <p:spTree>
@@ -12774,7 +13457,7 @@
 </p:sld>
 </file>
 
-<file path=ppt/slides/slide12.xml><?xml version="1.0" encoding="utf-8"?>
+<file path=ppt/slides/slide13.xml><?xml version="1.0" encoding="utf-8"?>
 <p:sld xmlns:a="http://schemas.openxmlformats.org/drawingml/2006/main" xmlns:r="http://schemas.openxmlformats.org/officeDocument/2006/relationships" xmlns:p="http://schemas.openxmlformats.org/presentationml/2006/main">
   <p:cSld>
     <p:spTree>
@@ -13635,6 +14318,60 @@
                                   </p:childTnLst>
                                 </p:cTn>
                               </p:par>
+                              <p:par>
+                                <p:cTn id="13" presetID="1" presetClass="entr" presetSubtype="0" fill="hold" grpId="0" nodeType="withEffect">
+                                  <p:stCondLst>
+                                    <p:cond delay="0"/>
+                                  </p:stCondLst>
+                                  <p:childTnLst>
+                                    <p:set>
+                                      <p:cBhvr>
+                                        <p:cTn id="14" dur="1" fill="hold">
+                                          <p:stCondLst>
+                                            <p:cond delay="0"/>
+                                          </p:stCondLst>
+                                        </p:cTn>
+                                        <p:tgtEl>
+                                          <p:spTgt spid="18"/>
+                                        </p:tgtEl>
+                                        <p:attrNameLst>
+                                          <p:attrName>style.visibility</p:attrName>
+                                        </p:attrNameLst>
+                                      </p:cBhvr>
+                                      <p:to>
+                                        <p:strVal val="visible"/>
+                                      </p:to>
+                                    </p:set>
+                                  </p:childTnLst>
+                                </p:cTn>
+                              </p:par>
+                              <p:par>
+                                <p:cTn id="15" presetID="1" presetClass="entr" presetSubtype="0" fill="hold" grpId="0" nodeType="withEffect">
+                                  <p:stCondLst>
+                                    <p:cond delay="0"/>
+                                  </p:stCondLst>
+                                  <p:childTnLst>
+                                    <p:set>
+                                      <p:cBhvr>
+                                        <p:cTn id="16" dur="1" fill="hold">
+                                          <p:stCondLst>
+                                            <p:cond delay="0"/>
+                                          </p:stCondLst>
+                                        </p:cTn>
+                                        <p:tgtEl>
+                                          <p:spTgt spid="20"/>
+                                        </p:tgtEl>
+                                        <p:attrNameLst>
+                                          <p:attrName>style.visibility</p:attrName>
+                                        </p:attrNameLst>
+                                      </p:cBhvr>
+                                      <p:to>
+                                        <p:strVal val="visible"/>
+                                      </p:to>
+                                    </p:set>
+                                  </p:childTnLst>
+                                </p:cTn>
+                              </p:par>
                             </p:childTnLst>
                           </p:cTn>
                         </p:par>
@@ -13642,26 +14379,26 @@
                     </p:cTn>
                   </p:par>
                   <p:par>
-                    <p:cTn id="13" fill="hold">
+                    <p:cTn id="17" fill="hold">
                       <p:stCondLst>
                         <p:cond delay="indefinite"/>
                       </p:stCondLst>
                       <p:childTnLst>
                         <p:par>
-                          <p:cTn id="14" fill="hold">
+                          <p:cTn id="18" fill="hold">
                             <p:stCondLst>
                               <p:cond delay="0"/>
                             </p:stCondLst>
                             <p:childTnLst>
                               <p:par>
-                                <p:cTn id="15" presetID="1" presetClass="entr" presetSubtype="0" fill="hold" nodeType="clickEffect">
+                                <p:cTn id="19" presetID="1" presetClass="entr" presetSubtype="0" fill="hold" nodeType="clickEffect">
                                   <p:stCondLst>
                                     <p:cond delay="0"/>
                                   </p:stCondLst>
                                   <p:childTnLst>
                                     <p:set>
                                       <p:cBhvr>
-                                        <p:cTn id="16" dur="1" fill="hold">
+                                        <p:cTn id="20" dur="1" fill="hold">
                                           <p:stCondLst>
                                             <p:cond delay="0"/>
                                           </p:stCondLst>
@@ -13685,14 +14422,14 @@
                                 </p:cTn>
                               </p:par>
                               <p:par>
-                                <p:cTn id="17" presetID="1" presetClass="entr" presetSubtype="0" fill="hold" grpId="0" nodeType="withEffect">
+                                <p:cTn id="21" presetID="1" presetClass="entr" presetSubtype="0" fill="hold" grpId="0" nodeType="withEffect">
                                   <p:stCondLst>
                                     <p:cond delay="0"/>
                                   </p:stCondLst>
                                   <p:childTnLst>
                                     <p:set>
                                       <p:cBhvr>
-                                        <p:cTn id="18" dur="1" fill="hold">
+                                        <p:cTn id="22" dur="1" fill="hold">
                                           <p:stCondLst>
                                             <p:cond delay="0"/>
                                           </p:stCondLst>
@@ -13712,14 +14449,14 @@
                                 </p:cTn>
                               </p:par>
                               <p:par>
-                                <p:cTn id="19" presetID="1" presetClass="entr" presetSubtype="0" fill="hold" grpId="0" nodeType="withEffect">
+                                <p:cTn id="23" presetID="1" presetClass="entr" presetSubtype="0" fill="hold" grpId="0" nodeType="withEffect">
                                   <p:stCondLst>
                                     <p:cond delay="0"/>
                                   </p:stCondLst>
                                   <p:childTnLst>
                                     <p:set>
                                       <p:cBhvr>
-                                        <p:cTn id="20" dur="1" fill="hold">
+                                        <p:cTn id="24" dur="1" fill="hold">
                                           <p:stCondLst>
                                             <p:cond delay="0"/>
                                           </p:stCondLst>
@@ -13739,14 +14476,14 @@
                                 </p:cTn>
                               </p:par>
                               <p:par>
-                                <p:cTn id="21" presetID="1" presetClass="entr" presetSubtype="0" fill="hold" nodeType="withEffect">
+                                <p:cTn id="25" presetID="1" presetClass="entr" presetSubtype="0" fill="hold" nodeType="withEffect">
                                   <p:stCondLst>
                                     <p:cond delay="0"/>
                                   </p:stCondLst>
                                   <p:childTnLst>
                                     <p:set>
                                       <p:cBhvr>
-                                        <p:cTn id="22" dur="1" fill="hold">
+                                        <p:cTn id="26" dur="1" fill="hold">
                                           <p:stCondLst>
                                             <p:cond delay="0"/>
                                           </p:stCondLst>
@@ -13766,14 +14503,14 @@
                                 </p:cTn>
                               </p:par>
                               <p:par>
-                                <p:cTn id="23" presetID="1" presetClass="entr" presetSubtype="0" fill="hold" nodeType="withEffect">
+                                <p:cTn id="27" presetID="1" presetClass="entr" presetSubtype="0" fill="hold" nodeType="withEffect">
                                   <p:stCondLst>
                                     <p:cond delay="0"/>
                                   </p:stCondLst>
                                   <p:childTnLst>
                                     <p:set>
                                       <p:cBhvr>
-                                        <p:cTn id="24" dur="1" fill="hold">
+                                        <p:cTn id="28" dur="1" fill="hold">
                                           <p:stCondLst>
                                             <p:cond delay="0"/>
                                           </p:stCondLst>
@@ -13793,14 +14530,14 @@
                                 </p:cTn>
                               </p:par>
                               <p:par>
-                                <p:cTn id="25" presetID="1" presetClass="entr" presetSubtype="0" fill="hold" grpId="0" nodeType="withEffect">
+                                <p:cTn id="29" presetID="1" presetClass="entr" presetSubtype="0" fill="hold" grpId="0" nodeType="withEffect">
                                   <p:stCondLst>
                                     <p:cond delay="0"/>
                                   </p:stCondLst>
                                   <p:childTnLst>
                                     <p:set>
                                       <p:cBhvr>
-                                        <p:cTn id="26" dur="1" fill="hold">
+                                        <p:cTn id="30" dur="1" fill="hold">
                                           <p:stCondLst>
                                             <p:cond delay="0"/>
                                           </p:stCondLst>
@@ -13826,77 +14563,19 @@
                     </p:cTn>
                   </p:par>
                   <p:par>
-                    <p:cTn id="27" fill="hold">
+                    <p:cTn id="31" fill="hold">
                       <p:stCondLst>
                         <p:cond delay="indefinite"/>
                       </p:stCondLst>
                       <p:childTnLst>
                         <p:par>
-                          <p:cTn id="28" fill="hold">
+                          <p:cTn id="32" fill="hold">
                             <p:stCondLst>
                               <p:cond delay="0"/>
                             </p:stCondLst>
                             <p:childTnLst>
                               <p:par>
-                                <p:cTn id="29" presetID="1" presetClass="entr" presetSubtype="0" fill="hold" nodeType="clickEffect">
-                                  <p:stCondLst>
-                                    <p:cond delay="0"/>
-                                  </p:stCondLst>
-                                  <p:childTnLst>
-                                    <p:set>
-                                      <p:cBhvr>
-                                        <p:cTn id="30" dur="1" fill="hold">
-                                          <p:stCondLst>
-                                            <p:cond delay="0"/>
-                                          </p:stCondLst>
-                                        </p:cTn>
-                                        <p:tgtEl>
-                                          <p:spTgt spid="5">
-                                            <p:txEl>
-                                              <p:pRg st="6" end="6"/>
-                                            </p:txEl>
-                                          </p:spTgt>
-                                        </p:tgtEl>
-                                        <p:attrNameLst>
-                                          <p:attrName>style.visibility</p:attrName>
-                                        </p:attrNameLst>
-                                      </p:cBhvr>
-                                      <p:to>
-                                        <p:strVal val="visible"/>
-                                      </p:to>
-                                    </p:set>
-                                  </p:childTnLst>
-                                </p:cTn>
-                              </p:par>
-                              <p:par>
-                                <p:cTn id="31" presetID="1" presetClass="entr" presetSubtype="0" fill="hold" grpId="0" nodeType="withEffect">
-                                  <p:stCondLst>
-                                    <p:cond delay="0"/>
-                                  </p:stCondLst>
-                                  <p:childTnLst>
-                                    <p:set>
-                                      <p:cBhvr>
-                                        <p:cTn id="32" dur="1" fill="hold">
-                                          <p:stCondLst>
-                                            <p:cond delay="0"/>
-                                          </p:stCondLst>
-                                        </p:cTn>
-                                        <p:tgtEl>
-                                          <p:spTgt spid="24"/>
-                                        </p:tgtEl>
-                                        <p:attrNameLst>
-                                          <p:attrName>style.visibility</p:attrName>
-                                        </p:attrNameLst>
-                                      </p:cBhvr>
-                                      <p:to>
-                                        <p:strVal val="visible"/>
-                                      </p:to>
-                                    </p:set>
-                                  </p:childTnLst>
-                                </p:cTn>
-                              </p:par>
-                              <p:par>
-                                <p:cTn id="33" presetID="1" presetClass="entr" presetSubtype="0" fill="hold" nodeType="withEffect">
+                                <p:cTn id="33" presetID="1" presetClass="entr" presetSubtype="0" fill="hold" nodeType="clickEffect">
                                   <p:stCondLst>
                                     <p:cond delay="0"/>
                                   </p:stCondLst>
@@ -13909,7 +14588,11 @@
                                           </p:stCondLst>
                                         </p:cTn>
                                         <p:tgtEl>
-                                          <p:spTgt spid="25"/>
+                                          <p:spTgt spid="5">
+                                            <p:txEl>
+                                              <p:pRg st="6" end="6"/>
+                                            </p:txEl>
+                                          </p:spTgt>
                                         </p:tgtEl>
                                         <p:attrNameLst>
                                           <p:attrName>style.visibility</p:attrName>
@@ -13936,7 +14619,7 @@
                                           </p:stCondLst>
                                         </p:cTn>
                                         <p:tgtEl>
-                                          <p:spTgt spid="22"/>
+                                          <p:spTgt spid="24"/>
                                         </p:tgtEl>
                                         <p:attrNameLst>
                                           <p:attrName>style.visibility</p:attrName>
@@ -13950,7 +14633,7 @@
                                 </p:cTn>
                               </p:par>
                               <p:par>
-                                <p:cTn id="37" presetID="1" presetClass="entr" presetSubtype="0" fill="hold" grpId="0" nodeType="withEffect">
+                                <p:cTn id="37" presetID="1" presetClass="entr" presetSubtype="0" fill="hold" nodeType="withEffect">
                                   <p:stCondLst>
                                     <p:cond delay="0"/>
                                   </p:stCondLst>
@@ -13963,7 +14646,7 @@
                                           </p:stCondLst>
                                         </p:cTn>
                                         <p:tgtEl>
-                                          <p:spTgt spid="18"/>
+                                          <p:spTgt spid="25"/>
                                         </p:tgtEl>
                                         <p:attrNameLst>
                                           <p:attrName>style.visibility</p:attrName>
@@ -13990,7 +14673,7 @@
                                           </p:stCondLst>
                                         </p:cTn>
                                         <p:tgtEl>
-                                          <p:spTgt spid="20"/>
+                                          <p:spTgt spid="22"/>
                                         </p:tgtEl>
                                         <p:attrNameLst>
                                           <p:attrName>style.visibility</p:attrName>
@@ -14044,7 +14727,7 @@
 </p:sld>
 </file>
 
-<file path=ppt/slides/slide13.xml><?xml version="1.0" encoding="utf-8"?>
+<file path=ppt/slides/slide14.xml><?xml version="1.0" encoding="utf-8"?>
 <p:sld xmlns:a="http://schemas.openxmlformats.org/drawingml/2006/main" xmlns:r="http://schemas.openxmlformats.org/officeDocument/2006/relationships" xmlns:p="http://schemas.openxmlformats.org/presentationml/2006/main">
   <p:cSld>
     <p:spTree>
@@ -14628,150 +15311,6 @@
 </p:sld>
 </file>
 
-<file path=ppt/slides/slide14.xml><?xml version="1.0" encoding="utf-8"?>
-<p:sld xmlns:a="http://schemas.openxmlformats.org/drawingml/2006/main" xmlns:r="http://schemas.openxmlformats.org/officeDocument/2006/relationships" xmlns:p="http://schemas.openxmlformats.org/presentationml/2006/main">
-  <p:cSld>
-    <p:spTree>
-      <p:nvGrpSpPr>
-        <p:cNvPr id="1" name=""/>
-        <p:cNvGrpSpPr/>
-        <p:nvPr/>
-      </p:nvGrpSpPr>
-      <p:grpSpPr>
-        <a:xfrm>
-          <a:off x="0" y="0"/>
-          <a:ext cx="0" cy="0"/>
-          <a:chOff x="0" y="0"/>
-          <a:chExt cx="0" cy="0"/>
-        </a:xfrm>
-      </p:grpSpPr>
-      <p:sp>
-        <p:nvSpPr>
-          <p:cNvPr id="2" name="TextBox 1"/>
-          <p:cNvSpPr txBox="1"/>
-          <p:nvPr/>
-        </p:nvSpPr>
-        <p:spPr>
-          <a:xfrm>
-            <a:off x="836320" y="98490"/>
-            <a:ext cx="5463872" cy="646331"/>
-          </a:xfrm>
-          <a:prstGeom prst="rect">
-            <a:avLst/>
-          </a:prstGeom>
-          <a:noFill/>
-        </p:spPr>
-        <p:txBody>
-          <a:bodyPr wrap="square" rtlCol="0">
-            <a:spAutoFit/>
-          </a:bodyPr>
-          <a:lstStyle/>
-          <a:p>
-            <a:r>
-              <a:rPr lang="en-GB" sz="3600" dirty="0" smtClean="0"/>
-              <a:t>Solving the Model</a:t>
-            </a:r>
-            <a:endParaRPr lang="en-GB" sz="3600" dirty="0"/>
-          </a:p>
-        </p:txBody>
-      </p:sp>
-      <p:sp>
-        <p:nvSpPr>
-          <p:cNvPr id="5" name="TextBox 4"/>
-          <p:cNvSpPr txBox="1"/>
-          <p:nvPr/>
-        </p:nvSpPr>
-        <p:spPr>
-          <a:xfrm>
-            <a:off x="971600" y="1052736"/>
-            <a:ext cx="7992888" cy="4031873"/>
-          </a:xfrm>
-          <a:prstGeom prst="rect">
-            <a:avLst/>
-          </a:prstGeom>
-          <a:noFill/>
-        </p:spPr>
-        <p:txBody>
-          <a:bodyPr wrap="square" rtlCol="0">
-            <a:spAutoFit/>
-          </a:bodyPr>
-          <a:lstStyle/>
-          <a:p>
-            <a:r>
-              <a:rPr lang="en-GB" sz="3200" u="sng" dirty="0" smtClean="0"/>
-              <a:t>Two solutions of interest:</a:t>
-            </a:r>
-          </a:p>
-          <a:p>
-            <a:pPr marL="514350" indent="-514350">
-              <a:buFont typeface="+mj-lt"/>
-              <a:buAutoNum type="arabicPeriod"/>
-            </a:pPr>
-            <a:endParaRPr lang="en-GB" sz="2800" dirty="0" smtClean="0"/>
-          </a:p>
-          <a:p>
-            <a:pPr marL="514350" indent="-514350">
-              <a:buFont typeface="+mj-lt"/>
-              <a:buAutoNum type="arabicPeriod"/>
-            </a:pPr>
-            <a:r>
-              <a:rPr lang="en-GB" sz="2800" dirty="0" smtClean="0"/>
-              <a:t>Classical solution: for a given connectivity matrix, how much waste do we expect?</a:t>
-            </a:r>
-          </a:p>
-          <a:p>
-            <a:pPr marL="514350" indent="-514350">
-              <a:buFont typeface="+mj-lt"/>
-              <a:buAutoNum type="arabicPeriod"/>
-            </a:pPr>
-            <a:endParaRPr lang="en-GB" sz="2800" dirty="0"/>
-          </a:p>
-          <a:p>
-            <a:pPr marL="514350" indent="-514350">
-              <a:buFont typeface="+mj-lt"/>
-              <a:buAutoNum type="arabicPeriod"/>
-            </a:pPr>
-            <a:r>
-              <a:rPr lang="en-GB" sz="2800" dirty="0" smtClean="0"/>
-              <a:t>IIT: how much ‘integrated information’ does this system possess?</a:t>
-            </a:r>
-          </a:p>
-          <a:p>
-            <a:pPr marL="514350" indent="-514350">
-              <a:buFont typeface="+mj-lt"/>
-              <a:buAutoNum type="arabicPeriod"/>
-            </a:pPr>
-            <a:endParaRPr lang="en-GB" sz="2800" dirty="0"/>
-          </a:p>
-          <a:p>
-            <a:pPr algn="ctr"/>
-            <a:r>
-              <a:rPr lang="en-GB" sz="2800" dirty="0" smtClean="0"/>
-              <a:t>Is there a correlation between these two measures?</a:t>
-            </a:r>
-          </a:p>
-        </p:txBody>
-      </p:sp>
-    </p:spTree>
-    <p:extLst>
-      <p:ext uri="{BB962C8B-B14F-4D97-AF65-F5344CB8AC3E}">
-        <p14:creationId xmlns:p14="http://schemas.microsoft.com/office/powerpoint/2010/main" val="1104677167"/>
-      </p:ext>
-    </p:extLst>
-  </p:cSld>
-  <p:clrMapOvr>
-    <a:masterClrMapping/>
-  </p:clrMapOvr>
-  <p:timing>
-    <p:tnLst>
-      <p:par>
-        <p:cTn id="1" dur="indefinite" restart="never" nodeType="tmRoot"/>
-      </p:par>
-    </p:tnLst>
-  </p:timing>
-</p:sld>
-</file>
-
 <file path=ppt/slides/slide15.xml><?xml version="1.0" encoding="utf-8"?>
 <p:sld xmlns:a="http://schemas.openxmlformats.org/drawingml/2006/main" xmlns:r="http://schemas.openxmlformats.org/officeDocument/2006/relationships" xmlns:p="http://schemas.openxmlformats.org/presentationml/2006/main">
   <p:cSld>
@@ -14813,6 +15352,150 @@
           <a:p>
             <a:r>
               <a:rPr lang="en-GB" sz="3600" dirty="0" smtClean="0"/>
+              <a:t>Solving the Model</a:t>
+            </a:r>
+            <a:endParaRPr lang="en-GB" sz="3600" dirty="0"/>
+          </a:p>
+        </p:txBody>
+      </p:sp>
+      <p:sp>
+        <p:nvSpPr>
+          <p:cNvPr id="5" name="TextBox 4"/>
+          <p:cNvSpPr txBox="1"/>
+          <p:nvPr/>
+        </p:nvSpPr>
+        <p:spPr>
+          <a:xfrm>
+            <a:off x="971600" y="1052736"/>
+            <a:ext cx="7992888" cy="4031873"/>
+          </a:xfrm>
+          <a:prstGeom prst="rect">
+            <a:avLst/>
+          </a:prstGeom>
+          <a:noFill/>
+        </p:spPr>
+        <p:txBody>
+          <a:bodyPr wrap="square" rtlCol="0">
+            <a:spAutoFit/>
+          </a:bodyPr>
+          <a:lstStyle/>
+          <a:p>
+            <a:r>
+              <a:rPr lang="en-GB" sz="3200" u="sng" dirty="0" smtClean="0"/>
+              <a:t>Two solutions of interest:</a:t>
+            </a:r>
+          </a:p>
+          <a:p>
+            <a:pPr marL="514350" indent="-514350">
+              <a:buFont typeface="+mj-lt"/>
+              <a:buAutoNum type="arabicPeriod"/>
+            </a:pPr>
+            <a:endParaRPr lang="en-GB" sz="2800" dirty="0" smtClean="0"/>
+          </a:p>
+          <a:p>
+            <a:pPr marL="514350" indent="-514350">
+              <a:buFont typeface="+mj-lt"/>
+              <a:buAutoNum type="arabicPeriod"/>
+            </a:pPr>
+            <a:r>
+              <a:rPr lang="en-GB" sz="2800" dirty="0" smtClean="0"/>
+              <a:t>Classical solution: for a given connectivity matrix, how much waste do we expect?</a:t>
+            </a:r>
+          </a:p>
+          <a:p>
+            <a:pPr marL="514350" indent="-514350">
+              <a:buFont typeface="+mj-lt"/>
+              <a:buAutoNum type="arabicPeriod"/>
+            </a:pPr>
+            <a:endParaRPr lang="en-GB" sz="2800" dirty="0"/>
+          </a:p>
+          <a:p>
+            <a:pPr marL="514350" indent="-514350">
+              <a:buFont typeface="+mj-lt"/>
+              <a:buAutoNum type="arabicPeriod"/>
+            </a:pPr>
+            <a:r>
+              <a:rPr lang="en-GB" sz="2800" dirty="0" smtClean="0"/>
+              <a:t>IIT: how much ‘integrated information’ does this system possess?</a:t>
+            </a:r>
+          </a:p>
+          <a:p>
+            <a:pPr marL="514350" indent="-514350">
+              <a:buFont typeface="+mj-lt"/>
+              <a:buAutoNum type="arabicPeriod"/>
+            </a:pPr>
+            <a:endParaRPr lang="en-GB" sz="2800" dirty="0"/>
+          </a:p>
+          <a:p>
+            <a:pPr algn="ctr"/>
+            <a:r>
+              <a:rPr lang="en-GB" sz="2800" dirty="0" smtClean="0"/>
+              <a:t>Is there a correlation between these two measures?</a:t>
+            </a:r>
+          </a:p>
+        </p:txBody>
+      </p:sp>
+    </p:spTree>
+    <p:extLst>
+      <p:ext uri="{BB962C8B-B14F-4D97-AF65-F5344CB8AC3E}">
+        <p14:creationId xmlns:p14="http://schemas.microsoft.com/office/powerpoint/2010/main" val="1104677167"/>
+      </p:ext>
+    </p:extLst>
+  </p:cSld>
+  <p:clrMapOvr>
+    <a:masterClrMapping/>
+  </p:clrMapOvr>
+  <p:timing>
+    <p:tnLst>
+      <p:par>
+        <p:cTn id="1" dur="indefinite" restart="never" nodeType="tmRoot"/>
+      </p:par>
+    </p:tnLst>
+  </p:timing>
+</p:sld>
+</file>
+
+<file path=ppt/slides/slide16.xml><?xml version="1.0" encoding="utf-8"?>
+<p:sld xmlns:a="http://schemas.openxmlformats.org/drawingml/2006/main" xmlns:r="http://schemas.openxmlformats.org/officeDocument/2006/relationships" xmlns:p="http://schemas.openxmlformats.org/presentationml/2006/main">
+  <p:cSld>
+    <p:spTree>
+      <p:nvGrpSpPr>
+        <p:cNvPr id="1" name=""/>
+        <p:cNvGrpSpPr/>
+        <p:nvPr/>
+      </p:nvGrpSpPr>
+      <p:grpSpPr>
+        <a:xfrm>
+          <a:off x="0" y="0"/>
+          <a:ext cx="0" cy="0"/>
+          <a:chOff x="0" y="0"/>
+          <a:chExt cx="0" cy="0"/>
+        </a:xfrm>
+      </p:grpSpPr>
+      <p:sp>
+        <p:nvSpPr>
+          <p:cNvPr id="2" name="TextBox 1"/>
+          <p:cNvSpPr txBox="1"/>
+          <p:nvPr/>
+        </p:nvSpPr>
+        <p:spPr>
+          <a:xfrm>
+            <a:off x="836320" y="98490"/>
+            <a:ext cx="5463872" cy="646331"/>
+          </a:xfrm>
+          <a:prstGeom prst="rect">
+            <a:avLst/>
+          </a:prstGeom>
+          <a:noFill/>
+        </p:spPr>
+        <p:txBody>
+          <a:bodyPr wrap="square" rtlCol="0">
+            <a:spAutoFit/>
+          </a:bodyPr>
+          <a:lstStyle/>
+          <a:p>
+            <a:r>
+              <a:rPr lang="en-GB" sz="3600" dirty="0" smtClean="0"/>
               <a:t>Implementation</a:t>
             </a:r>
             <a:endParaRPr lang="en-GB" sz="3600" dirty="0"/>
@@ -14912,14 +15595,197 @@
   <p:timing>
     <p:tnLst>
       <p:par>
-        <p:cTn id="1" dur="indefinite" restart="never" nodeType="tmRoot"/>
+        <p:cTn id="1" dur="indefinite" restart="never" nodeType="tmRoot">
+          <p:childTnLst>
+            <p:seq concurrent="1" nextAc="seek">
+              <p:cTn id="2" dur="indefinite" nodeType="mainSeq">
+                <p:childTnLst>
+                  <p:par>
+                    <p:cTn id="3" fill="hold">
+                      <p:stCondLst>
+                        <p:cond delay="indefinite"/>
+                      </p:stCondLst>
+                      <p:childTnLst>
+                        <p:par>
+                          <p:cTn id="4" fill="hold">
+                            <p:stCondLst>
+                              <p:cond delay="0"/>
+                            </p:stCondLst>
+                            <p:childTnLst>
+                              <p:par>
+                                <p:cTn id="5" presetID="1" presetClass="entr" presetSubtype="0" fill="hold" nodeType="clickEffect">
+                                  <p:stCondLst>
+                                    <p:cond delay="0"/>
+                                  </p:stCondLst>
+                                  <p:childTnLst>
+                                    <p:set>
+                                      <p:cBhvr>
+                                        <p:cTn id="6" dur="1" fill="hold">
+                                          <p:stCondLst>
+                                            <p:cond delay="0"/>
+                                          </p:stCondLst>
+                                        </p:cTn>
+                                        <p:tgtEl>
+                                          <p:spTgt spid="5">
+                                            <p:txEl>
+                                              <p:pRg st="2" end="2"/>
+                                            </p:txEl>
+                                          </p:spTgt>
+                                        </p:tgtEl>
+                                        <p:attrNameLst>
+                                          <p:attrName>style.visibility</p:attrName>
+                                        </p:attrNameLst>
+                                      </p:cBhvr>
+                                      <p:to>
+                                        <p:strVal val="visible"/>
+                                      </p:to>
+                                    </p:set>
+                                  </p:childTnLst>
+                                </p:cTn>
+                              </p:par>
+                            </p:childTnLst>
+                          </p:cTn>
+                        </p:par>
+                      </p:childTnLst>
+                    </p:cTn>
+                  </p:par>
+                  <p:par>
+                    <p:cTn id="7" fill="hold">
+                      <p:stCondLst>
+                        <p:cond delay="indefinite"/>
+                      </p:stCondLst>
+                      <p:childTnLst>
+                        <p:par>
+                          <p:cTn id="8" fill="hold">
+                            <p:stCondLst>
+                              <p:cond delay="0"/>
+                            </p:stCondLst>
+                            <p:childTnLst>
+                              <p:par>
+                                <p:cTn id="9" presetID="1" presetClass="entr" presetSubtype="0" fill="hold" nodeType="clickEffect">
+                                  <p:stCondLst>
+                                    <p:cond delay="0"/>
+                                  </p:stCondLst>
+                                  <p:childTnLst>
+                                    <p:set>
+                                      <p:cBhvr>
+                                        <p:cTn id="10" dur="1" fill="hold">
+                                          <p:stCondLst>
+                                            <p:cond delay="0"/>
+                                          </p:stCondLst>
+                                        </p:cTn>
+                                        <p:tgtEl>
+                                          <p:spTgt spid="5">
+                                            <p:txEl>
+                                              <p:pRg st="3" end="3"/>
+                                            </p:txEl>
+                                          </p:spTgt>
+                                        </p:tgtEl>
+                                        <p:attrNameLst>
+                                          <p:attrName>style.visibility</p:attrName>
+                                        </p:attrNameLst>
+                                      </p:cBhvr>
+                                      <p:to>
+                                        <p:strVal val="visible"/>
+                                      </p:to>
+                                    </p:set>
+                                  </p:childTnLst>
+                                </p:cTn>
+                              </p:par>
+                              <p:par>
+                                <p:cTn id="11" presetID="1" presetClass="entr" presetSubtype="0" fill="hold" nodeType="withEffect">
+                                  <p:stCondLst>
+                                    <p:cond delay="0"/>
+                                  </p:stCondLst>
+                                  <p:childTnLst>
+                                    <p:set>
+                                      <p:cBhvr>
+                                        <p:cTn id="12" dur="1" fill="hold">
+                                          <p:stCondLst>
+                                            <p:cond delay="0"/>
+                                          </p:stCondLst>
+                                        </p:cTn>
+                                        <p:tgtEl>
+                                          <p:spTgt spid="5">
+                                            <p:txEl>
+                                              <p:pRg st="4" end="4"/>
+                                            </p:txEl>
+                                          </p:spTgt>
+                                        </p:tgtEl>
+                                        <p:attrNameLst>
+                                          <p:attrName>style.visibility</p:attrName>
+                                        </p:attrNameLst>
+                                      </p:cBhvr>
+                                      <p:to>
+                                        <p:strVal val="visible"/>
+                                      </p:to>
+                                    </p:set>
+                                  </p:childTnLst>
+                                </p:cTn>
+                              </p:par>
+                              <p:par>
+                                <p:cTn id="13" presetID="1" presetClass="entr" presetSubtype="0" fill="hold" nodeType="withEffect">
+                                  <p:stCondLst>
+                                    <p:cond delay="0"/>
+                                  </p:stCondLst>
+                                  <p:childTnLst>
+                                    <p:set>
+                                      <p:cBhvr>
+                                        <p:cTn id="14" dur="1" fill="hold">
+                                          <p:stCondLst>
+                                            <p:cond delay="0"/>
+                                          </p:stCondLst>
+                                        </p:cTn>
+                                        <p:tgtEl>
+                                          <p:spTgt spid="5">
+                                            <p:txEl>
+                                              <p:pRg st="5" end="5"/>
+                                            </p:txEl>
+                                          </p:spTgt>
+                                        </p:tgtEl>
+                                        <p:attrNameLst>
+                                          <p:attrName>style.visibility</p:attrName>
+                                        </p:attrNameLst>
+                                      </p:cBhvr>
+                                      <p:to>
+                                        <p:strVal val="visible"/>
+                                      </p:to>
+                                    </p:set>
+                                  </p:childTnLst>
+                                </p:cTn>
+                              </p:par>
+                            </p:childTnLst>
+                          </p:cTn>
+                        </p:par>
+                      </p:childTnLst>
+                    </p:cTn>
+                  </p:par>
+                </p:childTnLst>
+              </p:cTn>
+              <p:prevCondLst>
+                <p:cond evt="onPrev" delay="0">
+                  <p:tgtEl>
+                    <p:sldTgt/>
+                  </p:tgtEl>
+                </p:cond>
+              </p:prevCondLst>
+              <p:nextCondLst>
+                <p:cond evt="onNext" delay="0">
+                  <p:tgtEl>
+                    <p:sldTgt/>
+                  </p:tgtEl>
+                </p:cond>
+              </p:nextCondLst>
+            </p:seq>
+          </p:childTnLst>
+        </p:cTn>
       </p:par>
     </p:tnLst>
   </p:timing>
 </p:sld>
 </file>
 
-<file path=ppt/slides/slide16.xml><?xml version="1.0" encoding="utf-8"?>
+<file path=ppt/slides/slide17.xml><?xml version="1.0" encoding="utf-8"?>
 <p:sld xmlns:a="http://schemas.openxmlformats.org/drawingml/2006/main" xmlns:r="http://schemas.openxmlformats.org/officeDocument/2006/relationships" xmlns:p="http://schemas.openxmlformats.org/presentationml/2006/main">
   <p:cSld>
     <p:spTree>
@@ -15140,103 +16006,6 @@
 </p:sld>
 </file>
 
-<file path=ppt/slides/slide17.xml><?xml version="1.0" encoding="utf-8"?>
-<p:sld xmlns:a="http://schemas.openxmlformats.org/drawingml/2006/main" xmlns:r="http://schemas.openxmlformats.org/officeDocument/2006/relationships" xmlns:p="http://schemas.openxmlformats.org/presentationml/2006/main">
-  <p:cSld>
-    <p:spTree>
-      <p:nvGrpSpPr>
-        <p:cNvPr id="1" name=""/>
-        <p:cNvGrpSpPr/>
-        <p:nvPr/>
-      </p:nvGrpSpPr>
-      <p:grpSpPr>
-        <a:xfrm>
-          <a:off x="0" y="0"/>
-          <a:ext cx="0" cy="0"/>
-          <a:chOff x="0" y="0"/>
-          <a:chExt cx="0" cy="0"/>
-        </a:xfrm>
-      </p:grpSpPr>
-      <p:sp>
-        <p:nvSpPr>
-          <p:cNvPr id="2" name="TextBox 1"/>
-          <p:cNvSpPr txBox="1"/>
-          <p:nvPr/>
-        </p:nvSpPr>
-        <p:spPr>
-          <a:xfrm>
-            <a:off x="836320" y="98490"/>
-            <a:ext cx="5463872" cy="646331"/>
-          </a:xfrm>
-          <a:prstGeom prst="rect">
-            <a:avLst/>
-          </a:prstGeom>
-          <a:noFill/>
-        </p:spPr>
-        <p:txBody>
-          <a:bodyPr wrap="square" rtlCol="0">
-            <a:spAutoFit/>
-          </a:bodyPr>
-          <a:lstStyle/>
-          <a:p>
-            <a:r>
-              <a:rPr lang="en-GB" sz="3600" dirty="0" smtClean="0"/>
-              <a:t>Results</a:t>
-            </a:r>
-            <a:endParaRPr lang="en-GB" sz="3600" dirty="0"/>
-          </a:p>
-        </p:txBody>
-      </p:sp>
-      <p:pic>
-        <p:nvPicPr>
-          <p:cNvPr id="5" name="Picture 4"/>
-          <p:cNvPicPr>
-            <a:picLocks noChangeAspect="1"/>
-          </p:cNvPicPr>
-          <p:nvPr/>
-        </p:nvPicPr>
-        <p:blipFill>
-          <a:blip r:embed="rId2">
-            <a:extLst>
-              <a:ext uri="{28A0092B-C50C-407E-A947-70E740481C1C}">
-                <a14:useLocalDpi xmlns:a14="http://schemas.microsoft.com/office/drawing/2010/main" val="0"/>
-              </a:ext>
-            </a:extLst>
-          </a:blip>
-          <a:stretch>
-            <a:fillRect/>
-          </a:stretch>
-        </p:blipFill>
-        <p:spPr>
-          <a:xfrm>
-            <a:off x="971600" y="1052736"/>
-            <a:ext cx="7924682" cy="5276330"/>
-          </a:xfrm>
-          <a:prstGeom prst="rect">
-            <a:avLst/>
-          </a:prstGeom>
-        </p:spPr>
-      </p:pic>
-    </p:spTree>
-    <p:extLst>
-      <p:ext uri="{BB962C8B-B14F-4D97-AF65-F5344CB8AC3E}">
-        <p14:creationId xmlns:p14="http://schemas.microsoft.com/office/powerpoint/2010/main" val="3151286074"/>
-      </p:ext>
-    </p:extLst>
-  </p:cSld>
-  <p:clrMapOvr>
-    <a:masterClrMapping/>
-  </p:clrMapOvr>
-  <p:timing>
-    <p:tnLst>
-      <p:par>
-        <p:cTn id="1" dur="indefinite" restart="never" nodeType="tmRoot"/>
-      </p:par>
-    </p:tnLst>
-  </p:timing>
-</p:sld>
-</file>
-
 <file path=ppt/slides/slide18.xml><?xml version="1.0" encoding="utf-8"?>
 <p:sld xmlns:a="http://schemas.openxmlformats.org/drawingml/2006/main" xmlns:r="http://schemas.openxmlformats.org/officeDocument/2006/relationships" xmlns:p="http://schemas.openxmlformats.org/presentationml/2006/main">
   <p:cSld>
@@ -15278,60 +16047,46 @@
           <a:p>
             <a:r>
               <a:rPr lang="en-GB" sz="3600" dirty="0" smtClean="0"/>
-              <a:t>Conclusions</a:t>
+              <a:t>Results</a:t>
             </a:r>
             <a:endParaRPr lang="en-GB" sz="3600" dirty="0"/>
           </a:p>
         </p:txBody>
       </p:sp>
-      <p:sp>
-        <p:nvSpPr>
-          <p:cNvPr id="4" name="TextBox 3"/>
-          <p:cNvSpPr txBox="1"/>
+      <p:pic>
+        <p:nvPicPr>
+          <p:cNvPr id="5" name="Picture 4"/>
+          <p:cNvPicPr>
+            <a:picLocks noChangeAspect="1"/>
+          </p:cNvPicPr>
           <p:nvPr/>
-        </p:nvSpPr>
+        </p:nvPicPr>
+        <p:blipFill>
+          <a:blip r:embed="rId2">
+            <a:extLst>
+              <a:ext uri="{28A0092B-C50C-407E-A947-70E740481C1C}">
+                <a14:useLocalDpi xmlns:a14="http://schemas.microsoft.com/office/drawing/2010/main" val="0"/>
+              </a:ext>
+            </a:extLst>
+          </a:blip>
+          <a:stretch>
+            <a:fillRect/>
+          </a:stretch>
+        </p:blipFill>
         <p:spPr>
           <a:xfrm>
-            <a:off x="992595" y="1052736"/>
-            <a:ext cx="7848872" cy="1015663"/>
+            <a:off x="971600" y="1052736"/>
+            <a:ext cx="7924682" cy="5276330"/>
           </a:xfrm>
           <a:prstGeom prst="rect">
             <a:avLst/>
           </a:prstGeom>
-          <a:noFill/>
         </p:spPr>
-        <p:txBody>
-          <a:bodyPr wrap="square" rtlCol="0">
-            <a:spAutoFit/>
-          </a:bodyPr>
-          <a:lstStyle/>
-          <a:p>
-            <a:pPr marL="457200" indent="-457200">
-              <a:buFont typeface="+mj-lt"/>
-              <a:buAutoNum type="arabicPeriod"/>
-            </a:pPr>
-            <a:r>
-              <a:rPr lang="en-GB" sz="2000" dirty="0" smtClean="0"/>
-              <a:t>There does exist a relation between costs as defined and </a:t>
-            </a:r>
-            <a:r>
-              <a:rPr lang="en-GB" sz="2000" smtClean="0"/>
-              <a:t>integrated information.</a:t>
-            </a:r>
-          </a:p>
-          <a:p>
-            <a:pPr marL="457200" indent="-457200">
-              <a:buFont typeface="+mj-lt"/>
-              <a:buAutoNum type="arabicPeriod"/>
-            </a:pPr>
-            <a:endParaRPr lang="en-GB" sz="2000" dirty="0"/>
-          </a:p>
-        </p:txBody>
-      </p:sp>
+      </p:pic>
     </p:spTree>
     <p:extLst>
       <p:ext uri="{BB962C8B-B14F-4D97-AF65-F5344CB8AC3E}">
-        <p14:creationId xmlns:p14="http://schemas.microsoft.com/office/powerpoint/2010/main" val="93990616"/>
+        <p14:creationId xmlns:p14="http://schemas.microsoft.com/office/powerpoint/2010/main" val="3151286074"/>
       </p:ext>
     </p:extLst>
   </p:cSld>
@@ -16132,7 +16887,7 @@
     </p:spTree>
     <p:extLst>
       <p:ext uri="{BB962C8B-B14F-4D97-AF65-F5344CB8AC3E}">
-        <p14:creationId xmlns:p14="http://schemas.microsoft.com/office/powerpoint/2010/main" val="555648170"/>
+        <p14:creationId xmlns:p14="http://schemas.microsoft.com/office/powerpoint/2010/main" val="131219111"/>
       </p:ext>
     </p:extLst>
   </p:cSld>
@@ -16142,7 +16897,141 @@
   <p:timing>
     <p:tnLst>
       <p:par>
-        <p:cTn id="1" dur="indefinite" restart="never" nodeType="tmRoot"/>
+        <p:cTn id="1" dur="indefinite" restart="never" nodeType="tmRoot">
+          <p:childTnLst>
+            <p:seq concurrent="1" nextAc="seek">
+              <p:cTn id="2" dur="indefinite" nodeType="mainSeq">
+                <p:childTnLst>
+                  <p:par>
+                    <p:cTn id="3" fill="hold">
+                      <p:stCondLst>
+                        <p:cond delay="indefinite"/>
+                      </p:stCondLst>
+                      <p:childTnLst>
+                        <p:par>
+                          <p:cTn id="4" fill="hold">
+                            <p:stCondLst>
+                              <p:cond delay="0"/>
+                            </p:stCondLst>
+                            <p:childTnLst>
+                              <p:par>
+                                <p:cTn id="5" presetID="1" presetClass="entr" presetSubtype="0" fill="hold" nodeType="clickEffect">
+                                  <p:stCondLst>
+                                    <p:cond delay="0"/>
+                                  </p:stCondLst>
+                                  <p:childTnLst>
+                                    <p:set>
+                                      <p:cBhvr>
+                                        <p:cTn id="6" dur="1" fill="hold">
+                                          <p:stCondLst>
+                                            <p:cond delay="0"/>
+                                          </p:stCondLst>
+                                        </p:cTn>
+                                        <p:tgtEl>
+                                          <p:spTgt spid="3">
+                                            <p:txEl>
+                                              <p:pRg st="3" end="3"/>
+                                            </p:txEl>
+                                          </p:spTgt>
+                                        </p:tgtEl>
+                                        <p:attrNameLst>
+                                          <p:attrName>style.visibility</p:attrName>
+                                        </p:attrNameLst>
+                                      </p:cBhvr>
+                                      <p:to>
+                                        <p:strVal val="visible"/>
+                                      </p:to>
+                                    </p:set>
+                                  </p:childTnLst>
+                                </p:cTn>
+                              </p:par>
+                              <p:par>
+                                <p:cTn id="7" presetID="1" presetClass="entr" presetSubtype="0" fill="hold" nodeType="withEffect">
+                                  <p:stCondLst>
+                                    <p:cond delay="0"/>
+                                  </p:stCondLst>
+                                  <p:childTnLst>
+                                    <p:set>
+                                      <p:cBhvr>
+                                        <p:cTn id="8" dur="1" fill="hold">
+                                          <p:stCondLst>
+                                            <p:cond delay="0"/>
+                                          </p:stCondLst>
+                                        </p:cTn>
+                                        <p:tgtEl>
+                                          <p:spTgt spid="3">
+                                            <p:txEl>
+                                              <p:pRg st="4" end="4"/>
+                                            </p:txEl>
+                                          </p:spTgt>
+                                        </p:tgtEl>
+                                        <p:attrNameLst>
+                                          <p:attrName>style.visibility</p:attrName>
+                                        </p:attrNameLst>
+                                      </p:cBhvr>
+                                      <p:to>
+                                        <p:strVal val="visible"/>
+                                      </p:to>
+                                    </p:set>
+                                  </p:childTnLst>
+                                </p:cTn>
+                              </p:par>
+                              <p:par>
+                                <p:cTn id="9" presetID="1" presetClass="entr" presetSubtype="0" fill="hold" nodeType="withEffect">
+                                  <p:stCondLst>
+                                    <p:cond delay="0"/>
+                                  </p:stCondLst>
+                                  <p:childTnLst>
+                                    <p:set>
+                                      <p:cBhvr>
+                                        <p:cTn id="10" dur="1" fill="hold">
+                                          <p:stCondLst>
+                                            <p:cond delay="0"/>
+                                          </p:stCondLst>
+                                        </p:cTn>
+                                        <p:tgtEl>
+                                          <p:spTgt spid="3">
+                                            <p:txEl>
+                                              <p:pRg st="5" end="5"/>
+                                            </p:txEl>
+                                          </p:spTgt>
+                                        </p:tgtEl>
+                                        <p:attrNameLst>
+                                          <p:attrName>style.visibility</p:attrName>
+                                        </p:attrNameLst>
+                                      </p:cBhvr>
+                                      <p:to>
+                                        <p:strVal val="visible"/>
+                                      </p:to>
+                                    </p:set>
+                                  </p:childTnLst>
+                                </p:cTn>
+                              </p:par>
+                            </p:childTnLst>
+                          </p:cTn>
+                        </p:par>
+                      </p:childTnLst>
+                    </p:cTn>
+                  </p:par>
+                </p:childTnLst>
+              </p:cTn>
+              <p:prevCondLst>
+                <p:cond evt="onPrev" delay="0">
+                  <p:tgtEl>
+                    <p:sldTgt/>
+                  </p:tgtEl>
+                </p:cond>
+              </p:prevCondLst>
+              <p:nextCondLst>
+                <p:cond evt="onNext" delay="0">
+                  <p:tgtEl>
+                    <p:sldTgt/>
+                  </p:tgtEl>
+                </p:cond>
+              </p:nextCondLst>
+            </p:seq>
+          </p:childTnLst>
+        </p:cTn>
       </p:par>
     </p:tnLst>
   </p:timing>
@@ -17660,77 +18549,6 @@
             <a:avLst/>
           </a:prstGeom>
           <a:solidFill>
-            <a:srgbClr val="FFC000"/>
-          </a:solidFill>
-          <a:ln>
-            <a:solidFill>
-              <a:schemeClr val="tx1"/>
-            </a:solidFill>
-          </a:ln>
-        </p:spPr>
-        <p:style>
-          <a:lnRef idx="2">
-            <a:schemeClr val="accent1">
-              <a:shade val="50000"/>
-            </a:schemeClr>
-          </a:lnRef>
-          <a:fillRef idx="1">
-            <a:schemeClr val="accent1"/>
-          </a:fillRef>
-          <a:effectRef idx="0">
-            <a:schemeClr val="accent1"/>
-          </a:effectRef>
-          <a:fontRef idx="minor">
-            <a:schemeClr val="lt1"/>
-          </a:fontRef>
-        </p:style>
-        <p:txBody>
-          <a:bodyPr rtlCol="0" anchor="ctr"/>
-          <a:lstStyle/>
-          <a:p>
-            <a:pPr algn="ctr"/>
-            <a:r>
-              <a:rPr lang="en-GB" sz="1400" dirty="0" smtClean="0">
-                <a:solidFill>
-                  <a:schemeClr val="tx1"/>
-                </a:solidFill>
-              </a:rPr>
-              <a:t>A</a:t>
-            </a:r>
-          </a:p>
-          <a:p>
-            <a:pPr algn="ctr"/>
-            <a:r>
-              <a:rPr lang="en-GB" sz="1400" dirty="0" smtClean="0">
-                <a:solidFill>
-                  <a:schemeClr val="tx1"/>
-                </a:solidFill>
-              </a:rPr>
-              <a:t>Or</a:t>
-            </a:r>
-            <a:endParaRPr lang="en-GB" sz="1400" dirty="0">
-              <a:solidFill>
-                <a:schemeClr val="tx1"/>
-              </a:solidFill>
-            </a:endParaRPr>
-          </a:p>
-        </p:txBody>
-      </p:sp>
-      <p:sp>
-        <p:nvSpPr>
-          <p:cNvPr id="5" name="Oval 4"/>
-          <p:cNvSpPr/>
-          <p:nvPr/>
-        </p:nvSpPr>
-        <p:spPr>
-          <a:xfrm>
-            <a:off x="2874708" y="2120857"/>
-            <a:ext cx="687917" cy="648072"/>
-          </a:xfrm>
-          <a:prstGeom prst="ellipse">
-            <a:avLst/>
-          </a:prstGeom>
-          <a:solidFill>
             <a:schemeClr val="accent3">
               <a:lumMod val="60000"/>
               <a:lumOff val="40000"/>
@@ -17769,6 +18587,77 @@
                   <a:schemeClr val="tx1"/>
                 </a:solidFill>
               </a:rPr>
+              <a:t>A</a:t>
+            </a:r>
+          </a:p>
+          <a:p>
+            <a:pPr algn="ctr"/>
+            <a:r>
+              <a:rPr lang="en-GB" sz="1400" dirty="0" smtClean="0">
+                <a:solidFill>
+                  <a:schemeClr val="tx1"/>
+                </a:solidFill>
+              </a:rPr>
+              <a:t>Or</a:t>
+            </a:r>
+            <a:endParaRPr lang="en-GB" sz="1400" dirty="0">
+              <a:solidFill>
+                <a:schemeClr val="tx1"/>
+              </a:solidFill>
+            </a:endParaRPr>
+          </a:p>
+        </p:txBody>
+      </p:sp>
+      <p:sp>
+        <p:nvSpPr>
+          <p:cNvPr id="5" name="Oval 4"/>
+          <p:cNvSpPr/>
+          <p:nvPr/>
+        </p:nvSpPr>
+        <p:spPr>
+          <a:xfrm>
+            <a:off x="2874708" y="2120857"/>
+            <a:ext cx="687917" cy="648072"/>
+          </a:xfrm>
+          <a:prstGeom prst="ellipse">
+            <a:avLst/>
+          </a:prstGeom>
+          <a:solidFill>
+            <a:srgbClr val="FFC000"/>
+          </a:solidFill>
+          <a:ln>
+            <a:solidFill>
+              <a:schemeClr val="tx1"/>
+            </a:solidFill>
+          </a:ln>
+        </p:spPr>
+        <p:style>
+          <a:lnRef idx="2">
+            <a:schemeClr val="accent1">
+              <a:shade val="50000"/>
+            </a:schemeClr>
+          </a:lnRef>
+          <a:fillRef idx="1">
+            <a:schemeClr val="accent1"/>
+          </a:fillRef>
+          <a:effectRef idx="0">
+            <a:schemeClr val="accent1"/>
+          </a:effectRef>
+          <a:fontRef idx="minor">
+            <a:schemeClr val="lt1"/>
+          </a:fontRef>
+        </p:style>
+        <p:txBody>
+          <a:bodyPr rtlCol="0" anchor="ctr"/>
+          <a:lstStyle/>
+          <a:p>
+            <a:pPr algn="ctr"/>
+            <a:r>
+              <a:rPr lang="en-GB" sz="1400" dirty="0" smtClean="0">
+                <a:solidFill>
+                  <a:schemeClr val="tx1"/>
+                </a:solidFill>
+              </a:rPr>
               <a:t>C</a:t>
             </a:r>
           </a:p>
@@ -17805,10 +18694,7 @@
             <a:avLst/>
           </a:prstGeom>
           <a:solidFill>
-            <a:schemeClr val="accent3">
-              <a:lumMod val="60000"/>
-              <a:lumOff val="40000"/>
-            </a:schemeClr>
+            <a:srgbClr val="FFC000"/>
           </a:solidFill>
           <a:ln>
             <a:solidFill>
@@ -17982,7 +18868,7 @@
           <p:nvPr>
             <p:extLst>
               <p:ext uri="{D42A27DB-BD31-4B8C-83A1-F6EECF244321}">
-                <p14:modId xmlns:p14="http://schemas.microsoft.com/office/powerpoint/2010/main" val="4110713544"/>
+                <p14:modId xmlns:p14="http://schemas.microsoft.com/office/powerpoint/2010/main" val="487436532"/>
               </p:ext>
             </p:extLst>
           </p:nvPr>
@@ -18686,19 +19572,19 @@
                         <m:nor/>
                       </m:rPr>
                       <a:rPr lang="en-GB" dirty="0"/>
-                      <m:t> = 001)</m:t>
+                      <m:t> = 011)</m:t>
                     </m:r>
                   </m:oMath>
                 </a14:m>
                 <a:r>
                   <a:rPr lang="en-GB" dirty="0" smtClean="0"/>
-                  <a:t>= p(A=1|ABC=001)p(B=0|ABC=001)p(C=1|ABC=001) =</a:t>
+                  <a:t>= p(A=1|ABC=011)p(B=0|ABC=011)p(C=1|ABC=011) =</a:t>
                 </a:r>
               </a:p>
               <a:p>
                 <a:r>
                   <a:rPr lang="en-GB" dirty="0" smtClean="0"/>
-                  <a:t>1 x 1 x 0 = 0.</a:t>
+                  <a:t>1 x 1 x 1 = 1.</a:t>
                 </a:r>
               </a:p>
               <a:p>
@@ -18878,7 +19764,7 @@
     </p:spTree>
     <p:extLst>
       <p:ext uri="{BB962C8B-B14F-4D97-AF65-F5344CB8AC3E}">
-        <p14:creationId xmlns:p14="http://schemas.microsoft.com/office/powerpoint/2010/main" val="2895799919"/>
+        <p14:creationId xmlns:p14="http://schemas.microsoft.com/office/powerpoint/2010/main" val="2639113603"/>
       </p:ext>
     </p:extLst>
   </p:cSld>
@@ -19013,202 +19899,6 @@
 </file>
 
 <file path=ppt/slides/slide21.xml><?xml version="1.0" encoding="utf-8"?>
-<p:sld xmlns:a="http://schemas.openxmlformats.org/drawingml/2006/main" xmlns:r="http://schemas.openxmlformats.org/officeDocument/2006/relationships" xmlns:p="http://schemas.openxmlformats.org/presentationml/2006/main">
-  <p:cSld>
-    <p:spTree>
-      <p:nvGrpSpPr>
-        <p:cNvPr id="1" name=""/>
-        <p:cNvGrpSpPr/>
-        <p:nvPr/>
-      </p:nvGrpSpPr>
-      <p:grpSpPr>
-        <a:xfrm>
-          <a:off x="0" y="0"/>
-          <a:ext cx="0" cy="0"/>
-          <a:chOff x="0" y="0"/>
-          <a:chExt cx="0" cy="0"/>
-        </a:xfrm>
-      </p:grpSpPr>
-      <p:sp>
-        <p:nvSpPr>
-          <p:cNvPr id="2" name="TextBox 1"/>
-          <p:cNvSpPr txBox="1"/>
-          <p:nvPr/>
-        </p:nvSpPr>
-        <p:spPr>
-          <a:xfrm>
-            <a:off x="836320" y="98490"/>
-            <a:ext cx="5463872" cy="646331"/>
-          </a:xfrm>
-          <a:prstGeom prst="rect">
-            <a:avLst/>
-          </a:prstGeom>
-          <a:noFill/>
-        </p:spPr>
-        <p:txBody>
-          <a:bodyPr wrap="square" rtlCol="0">
-            <a:spAutoFit/>
-          </a:bodyPr>
-          <a:lstStyle/>
-          <a:p>
-            <a:r>
-              <a:rPr lang="en-GB" sz="3600" dirty="0" smtClean="0"/>
-              <a:t>Comments on IIT</a:t>
-            </a:r>
-            <a:endParaRPr lang="en-GB" sz="3600" dirty="0"/>
-          </a:p>
-        </p:txBody>
-      </p:sp>
-      <mc:AlternateContent xmlns:mc="http://schemas.openxmlformats.org/markup-compatibility/2006">
-        <mc:Choice xmlns:a14="http://schemas.microsoft.com/office/drawing/2010/main" Requires="a14">
-          <p:sp>
-            <p:nvSpPr>
-              <p:cNvPr id="3" name="TextBox 2"/>
-              <p:cNvSpPr txBox="1"/>
-              <p:nvPr/>
-            </p:nvSpPr>
-            <p:spPr>
-              <a:xfrm>
-                <a:off x="1187624" y="1052736"/>
-                <a:ext cx="7704856" cy="1938992"/>
-              </a:xfrm>
-              <a:prstGeom prst="rect">
-                <a:avLst/>
-              </a:prstGeom>
-              <a:noFill/>
-            </p:spPr>
-            <p:txBody>
-              <a:bodyPr wrap="square" rtlCol="0">
-                <a:spAutoFit/>
-              </a:bodyPr>
-              <a:lstStyle/>
-              <a:p>
-                <a:pPr marL="285750" indent="-285750">
-                  <a:buFont typeface="Arial" pitchFamily="34" charset="0"/>
-                  <a:buChar char="•"/>
-                </a:pPr>
-                <a:r>
-                  <a:rPr lang="en-GB" sz="2400" dirty="0" smtClean="0"/>
-                  <a:t>Conditional independence allows number of columns in the TPM to be reduce from </a:t>
-                </a:r>
-                <a14:m>
-                  <m:oMath xmlns:m="http://schemas.openxmlformats.org/officeDocument/2006/math">
-                    <m:sSup>
-                      <m:sSupPr>
-                        <m:ctrlPr>
-                          <a:rPr lang="en-GB" sz="2400" b="0" i="1" smtClean="0">
-                            <a:latin typeface="Cambria Math"/>
-                          </a:rPr>
-                        </m:ctrlPr>
-                      </m:sSupPr>
-                      <m:e>
-                        <m:r>
-                          <a:rPr lang="en-GB" sz="2400" b="0" i="1" smtClean="0">
-                            <a:latin typeface="Cambria Math"/>
-                          </a:rPr>
-                          <m:t>2</m:t>
-                        </m:r>
-                      </m:e>
-                      <m:sup>
-                        <m:r>
-                          <a:rPr lang="en-GB" sz="2400" b="0" i="1" smtClean="0">
-                            <a:latin typeface="Cambria Math"/>
-                          </a:rPr>
-                          <m:t>𝑛</m:t>
-                        </m:r>
-                      </m:sup>
-                    </m:sSup>
-                  </m:oMath>
-                </a14:m>
-                <a:r>
-                  <a:rPr lang="en-GB" sz="2400" dirty="0" smtClean="0"/>
-                  <a:t> to </a:t>
-                </a:r>
-                <a14:m>
-                  <m:oMath xmlns:m="http://schemas.openxmlformats.org/officeDocument/2006/math">
-                    <m:r>
-                      <a:rPr lang="en-GB" sz="2400" b="0" i="1" smtClean="0">
-                        <a:latin typeface="Cambria Math"/>
-                      </a:rPr>
-                      <m:t>𝑛</m:t>
-                    </m:r>
-                  </m:oMath>
-                </a14:m>
-                <a:r>
-                  <a:rPr lang="en-GB" sz="2400" dirty="0" smtClean="0"/>
-                  <a:t>. There should be a way to apply this to repertoires as well, reducing the memory requirement, and time for computing distances.</a:t>
-                </a:r>
-              </a:p>
-              <a:p>
-                <a:pPr marL="285750" indent="-285750">
-                  <a:buFont typeface="Arial" pitchFamily="34" charset="0"/>
-                  <a:buChar char="•"/>
-                </a:pPr>
-                <a:endParaRPr lang="en-GB" sz="2400" dirty="0"/>
-              </a:p>
-            </p:txBody>
-          </p:sp>
-        </mc:Choice>
-        <mc:Fallback>
-          <p:sp>
-            <p:nvSpPr>
-              <p:cNvPr id="3" name="TextBox 2"/>
-              <p:cNvSpPr txBox="1">
-                <a:spLocks noRot="1" noChangeAspect="1" noMove="1" noResize="1" noEditPoints="1" noAdjustHandles="1" noChangeArrowheads="1" noChangeShapeType="1" noTextEdit="1"/>
-              </p:cNvSpPr>
-              <p:nvPr/>
-            </p:nvSpPr>
-            <p:spPr>
-              <a:xfrm>
-                <a:off x="1187624" y="1052736"/>
-                <a:ext cx="7704856" cy="1938992"/>
-              </a:xfrm>
-              <a:prstGeom prst="rect">
-                <a:avLst/>
-              </a:prstGeom>
-              <a:blipFill rotWithShape="1">
-                <a:blip r:embed="rId2"/>
-                <a:stretch>
-                  <a:fillRect l="-1108" t="-2516"/>
-                </a:stretch>
-              </a:blipFill>
-            </p:spPr>
-            <p:txBody>
-              <a:bodyPr/>
-              <a:lstStyle/>
-              <a:p>
-                <a:r>
-                  <a:rPr lang="en-GB">
-                    <a:noFill/>
-                  </a:rPr>
-                  <a:t> </a:t>
-                </a:r>
-              </a:p>
-            </p:txBody>
-          </p:sp>
-        </mc:Fallback>
-      </mc:AlternateContent>
-    </p:spTree>
-    <p:extLst>
-      <p:ext uri="{BB962C8B-B14F-4D97-AF65-F5344CB8AC3E}">
-        <p14:creationId xmlns:p14="http://schemas.microsoft.com/office/powerpoint/2010/main" val="3556201153"/>
-      </p:ext>
-    </p:extLst>
-  </p:cSld>
-  <p:clrMapOvr>
-    <a:masterClrMapping/>
-  </p:clrMapOvr>
-  <p:timing>
-    <p:tnLst>
-      <p:par>
-        <p:cTn id="1" dur="indefinite" restart="never" nodeType="tmRoot"/>
-      </p:par>
-    </p:tnLst>
-  </p:timing>
-</p:sld>
-</file>
-
-<file path=ppt/slides/slide22.xml><?xml version="1.0" encoding="utf-8"?>
 <p:sld xmlns:a="http://schemas.openxmlformats.org/drawingml/2006/main" xmlns:r="http://schemas.openxmlformats.org/officeDocument/2006/relationships" xmlns:p="http://schemas.openxmlformats.org/presentationml/2006/main">
   <p:cSld>
     <p:spTree>
@@ -19975,7 +20665,7 @@
     </p:spTree>
     <p:extLst>
       <p:ext uri="{BB962C8B-B14F-4D97-AF65-F5344CB8AC3E}">
-        <p14:creationId xmlns:p14="http://schemas.microsoft.com/office/powerpoint/2010/main" val="493427727"/>
+        <p14:creationId xmlns:p14="http://schemas.microsoft.com/office/powerpoint/2010/main" val="776792516"/>
       </p:ext>
     </p:extLst>
   </p:cSld>
@@ -20260,7 +20950,815 @@
 </p:sld>
 </file>
 
+<file path=ppt/slides/slide22.xml><?xml version="1.0" encoding="utf-8"?>
+<p:sld xmlns:a="http://schemas.openxmlformats.org/drawingml/2006/main" xmlns:r="http://schemas.openxmlformats.org/officeDocument/2006/relationships" xmlns:p="http://schemas.openxmlformats.org/presentationml/2006/main">
+  <p:cSld>
+    <p:spTree>
+      <p:nvGrpSpPr>
+        <p:cNvPr id="1" name=""/>
+        <p:cNvGrpSpPr/>
+        <p:nvPr/>
+      </p:nvGrpSpPr>
+      <p:grpSpPr>
+        <a:xfrm>
+          <a:off x="0" y="0"/>
+          <a:ext cx="0" cy="0"/>
+          <a:chOff x="0" y="0"/>
+          <a:chExt cx="0" cy="0"/>
+        </a:xfrm>
+      </p:grpSpPr>
+      <p:sp>
+        <p:nvSpPr>
+          <p:cNvPr id="2" name="TextBox 1"/>
+          <p:cNvSpPr txBox="1"/>
+          <p:nvPr/>
+        </p:nvSpPr>
+        <p:spPr>
+          <a:xfrm>
+            <a:off x="836320" y="98490"/>
+            <a:ext cx="5463872" cy="646331"/>
+          </a:xfrm>
+          <a:prstGeom prst="rect">
+            <a:avLst/>
+          </a:prstGeom>
+          <a:noFill/>
+        </p:spPr>
+        <p:txBody>
+          <a:bodyPr wrap="square" rtlCol="0">
+            <a:spAutoFit/>
+          </a:bodyPr>
+          <a:lstStyle/>
+          <a:p>
+            <a:r>
+              <a:rPr lang="en-GB" sz="3600" dirty="0" smtClean="0"/>
+              <a:t>Comments on IIT</a:t>
+            </a:r>
+            <a:endParaRPr lang="en-GB" sz="3600" dirty="0"/>
+          </a:p>
+        </p:txBody>
+      </p:sp>
+      <mc:AlternateContent xmlns:mc="http://schemas.openxmlformats.org/markup-compatibility/2006">
+        <mc:Choice xmlns:a14="http://schemas.microsoft.com/office/drawing/2010/main" Requires="a14">
+          <p:sp>
+            <p:nvSpPr>
+              <p:cNvPr id="3" name="TextBox 2"/>
+              <p:cNvSpPr txBox="1"/>
+              <p:nvPr/>
+            </p:nvSpPr>
+            <p:spPr>
+              <a:xfrm>
+                <a:off x="1187624" y="1052736"/>
+                <a:ext cx="7704856" cy="4524315"/>
+              </a:xfrm>
+              <a:prstGeom prst="rect">
+                <a:avLst/>
+              </a:prstGeom>
+              <a:noFill/>
+            </p:spPr>
+            <p:txBody>
+              <a:bodyPr wrap="square" rtlCol="0">
+                <a:spAutoFit/>
+              </a:bodyPr>
+              <a:lstStyle/>
+              <a:p>
+                <a:pPr marL="285750" indent="-285750">
+                  <a:buFont typeface="Arial" pitchFamily="34" charset="0"/>
+                  <a:buChar char="•"/>
+                </a:pPr>
+                <a:r>
+                  <a:rPr lang="en-GB" sz="2400" dirty="0" smtClean="0"/>
+                  <a:t>Conditional independence allows number of columns in the TPM to be reduce from </a:t>
+                </a:r>
+                <a14:m>
+                  <m:oMath xmlns:m="http://schemas.openxmlformats.org/officeDocument/2006/math">
+                    <m:sSup>
+                      <m:sSupPr>
+                        <m:ctrlPr>
+                          <a:rPr lang="en-GB" sz="2400" b="0" i="1" smtClean="0">
+                            <a:latin typeface="Cambria Math"/>
+                          </a:rPr>
+                        </m:ctrlPr>
+                      </m:sSupPr>
+                      <m:e>
+                        <m:r>
+                          <a:rPr lang="en-GB" sz="2400" b="0" i="1" smtClean="0">
+                            <a:latin typeface="Cambria Math"/>
+                          </a:rPr>
+                          <m:t>2</m:t>
+                        </m:r>
+                      </m:e>
+                      <m:sup>
+                        <m:r>
+                          <a:rPr lang="en-GB" sz="2400" b="0" i="1" smtClean="0">
+                            <a:latin typeface="Cambria Math"/>
+                          </a:rPr>
+                          <m:t>𝑛</m:t>
+                        </m:r>
+                      </m:sup>
+                    </m:sSup>
+                  </m:oMath>
+                </a14:m>
+                <a:r>
+                  <a:rPr lang="en-GB" sz="2400" dirty="0" smtClean="0"/>
+                  <a:t> to </a:t>
+                </a:r>
+                <a14:m>
+                  <m:oMath xmlns:m="http://schemas.openxmlformats.org/officeDocument/2006/math">
+                    <m:r>
+                      <a:rPr lang="en-GB" sz="2400" b="0" i="1" smtClean="0">
+                        <a:latin typeface="Cambria Math"/>
+                      </a:rPr>
+                      <m:t>𝑛</m:t>
+                    </m:r>
+                  </m:oMath>
+                </a14:m>
+                <a:r>
+                  <a:rPr lang="en-GB" sz="2400" dirty="0" smtClean="0"/>
+                  <a:t>. There should be a way to apply this to repertoires as well, reducing the memory requirement, and time for computing distances.</a:t>
+                </a:r>
+              </a:p>
+              <a:p>
+                <a:pPr marL="285750" indent="-285750">
+                  <a:buFont typeface="Arial" pitchFamily="34" charset="0"/>
+                  <a:buChar char="•"/>
+                </a:pPr>
+                <a:endParaRPr lang="en-GB" sz="2400" dirty="0" smtClean="0"/>
+              </a:p>
+              <a:p>
+                <a:pPr marL="285750" indent="-285750">
+                  <a:buFont typeface="Arial" pitchFamily="34" charset="0"/>
+                  <a:buChar char="•"/>
+                </a:pPr>
+                <a:r>
+                  <a:rPr lang="en-GB" sz="2400" dirty="0" smtClean="0"/>
+                  <a:t>For the context of consciousness, it is important for IIT to depend on system state. For this context, this doesn’t seem to be important, and prevents approximation.</a:t>
+                </a:r>
+              </a:p>
+              <a:p>
+                <a:pPr marL="285750" indent="-285750">
+                  <a:buFont typeface="Arial" pitchFamily="34" charset="0"/>
+                  <a:buChar char="•"/>
+                </a:pPr>
+                <a:endParaRPr lang="en-GB" sz="2400" dirty="0" smtClean="0"/>
+              </a:p>
+              <a:p>
+                <a:pPr marL="285750" indent="-285750">
+                  <a:buFont typeface="Arial" pitchFamily="34" charset="0"/>
+                  <a:buChar char="•"/>
+                </a:pPr>
+                <a:r>
+                  <a:rPr lang="en-GB" sz="2400" dirty="0" smtClean="0"/>
+                  <a:t>Integrated information tends to be larger for deterministic systems. It is unclear why this should imply consciousness,  or effective communication.</a:t>
+                </a:r>
+                <a:endParaRPr lang="en-GB" sz="2400" dirty="0"/>
+              </a:p>
+            </p:txBody>
+          </p:sp>
+        </mc:Choice>
+        <mc:Fallback>
+          <p:sp>
+            <p:nvSpPr>
+              <p:cNvPr id="3" name="TextBox 2"/>
+              <p:cNvSpPr txBox="1">
+                <a:spLocks noRot="1" noChangeAspect="1" noMove="1" noResize="1" noEditPoints="1" noAdjustHandles="1" noChangeArrowheads="1" noChangeShapeType="1" noTextEdit="1"/>
+              </p:cNvSpPr>
+              <p:nvPr/>
+            </p:nvSpPr>
+            <p:spPr>
+              <a:xfrm>
+                <a:off x="1187624" y="1052736"/>
+                <a:ext cx="7704856" cy="4524315"/>
+              </a:xfrm>
+              <a:prstGeom prst="rect">
+                <a:avLst/>
+              </a:prstGeom>
+              <a:blipFill rotWithShape="1">
+                <a:blip r:embed="rId2"/>
+                <a:stretch>
+                  <a:fillRect l="-1108" t="-1078" r="-2373" b="-2156"/>
+                </a:stretch>
+              </a:blipFill>
+            </p:spPr>
+            <p:txBody>
+              <a:bodyPr/>
+              <a:lstStyle/>
+              <a:p>
+                <a:r>
+                  <a:rPr lang="en-GB">
+                    <a:noFill/>
+                  </a:rPr>
+                  <a:t> </a:t>
+                </a:r>
+              </a:p>
+            </p:txBody>
+          </p:sp>
+        </mc:Fallback>
+      </mc:AlternateContent>
+    </p:spTree>
+    <p:extLst>
+      <p:ext uri="{BB962C8B-B14F-4D97-AF65-F5344CB8AC3E}">
+        <p14:creationId xmlns:p14="http://schemas.microsoft.com/office/powerpoint/2010/main" val="211667434"/>
+      </p:ext>
+    </p:extLst>
+  </p:cSld>
+  <p:clrMapOvr>
+    <a:masterClrMapping/>
+  </p:clrMapOvr>
+  <p:timing>
+    <p:tnLst>
+      <p:par>
+        <p:cTn id="1" dur="indefinite" restart="never" nodeType="tmRoot">
+          <p:childTnLst>
+            <p:seq concurrent="1" nextAc="seek">
+              <p:cTn id="2" dur="indefinite" nodeType="mainSeq">
+                <p:childTnLst>
+                  <p:par>
+                    <p:cTn id="3" fill="hold">
+                      <p:stCondLst>
+                        <p:cond delay="indefinite"/>
+                      </p:stCondLst>
+                      <p:childTnLst>
+                        <p:par>
+                          <p:cTn id="4" fill="hold">
+                            <p:stCondLst>
+                              <p:cond delay="0"/>
+                            </p:stCondLst>
+                            <p:childTnLst>
+                              <p:par>
+                                <p:cTn id="5" presetID="1" presetClass="entr" presetSubtype="0" fill="hold" nodeType="clickEffect">
+                                  <p:stCondLst>
+                                    <p:cond delay="0"/>
+                                  </p:stCondLst>
+                                  <p:childTnLst>
+                                    <p:set>
+                                      <p:cBhvr>
+                                        <p:cTn id="6" dur="1" fill="hold">
+                                          <p:stCondLst>
+                                            <p:cond delay="0"/>
+                                          </p:stCondLst>
+                                        </p:cTn>
+                                        <p:tgtEl>
+                                          <p:spTgt spid="3">
+                                            <p:txEl>
+                                              <p:pRg st="2" end="2"/>
+                                            </p:txEl>
+                                          </p:spTgt>
+                                        </p:tgtEl>
+                                        <p:attrNameLst>
+                                          <p:attrName>style.visibility</p:attrName>
+                                        </p:attrNameLst>
+                                      </p:cBhvr>
+                                      <p:to>
+                                        <p:strVal val="visible"/>
+                                      </p:to>
+                                    </p:set>
+                                  </p:childTnLst>
+                                </p:cTn>
+                              </p:par>
+                            </p:childTnLst>
+                          </p:cTn>
+                        </p:par>
+                      </p:childTnLst>
+                    </p:cTn>
+                  </p:par>
+                  <p:par>
+                    <p:cTn id="7" fill="hold">
+                      <p:stCondLst>
+                        <p:cond delay="indefinite"/>
+                      </p:stCondLst>
+                      <p:childTnLst>
+                        <p:par>
+                          <p:cTn id="8" fill="hold">
+                            <p:stCondLst>
+                              <p:cond delay="0"/>
+                            </p:stCondLst>
+                            <p:childTnLst>
+                              <p:par>
+                                <p:cTn id="9" presetID="1" presetClass="entr" presetSubtype="0" fill="hold" nodeType="clickEffect">
+                                  <p:stCondLst>
+                                    <p:cond delay="0"/>
+                                  </p:stCondLst>
+                                  <p:childTnLst>
+                                    <p:set>
+                                      <p:cBhvr>
+                                        <p:cTn id="10" dur="1" fill="hold">
+                                          <p:stCondLst>
+                                            <p:cond delay="0"/>
+                                          </p:stCondLst>
+                                        </p:cTn>
+                                        <p:tgtEl>
+                                          <p:spTgt spid="3">
+                                            <p:txEl>
+                                              <p:pRg st="4" end="4"/>
+                                            </p:txEl>
+                                          </p:spTgt>
+                                        </p:tgtEl>
+                                        <p:attrNameLst>
+                                          <p:attrName>style.visibility</p:attrName>
+                                        </p:attrNameLst>
+                                      </p:cBhvr>
+                                      <p:to>
+                                        <p:strVal val="visible"/>
+                                      </p:to>
+                                    </p:set>
+                                  </p:childTnLst>
+                                </p:cTn>
+                              </p:par>
+                            </p:childTnLst>
+                          </p:cTn>
+                        </p:par>
+                      </p:childTnLst>
+                    </p:cTn>
+                  </p:par>
+                </p:childTnLst>
+              </p:cTn>
+              <p:prevCondLst>
+                <p:cond evt="onPrev" delay="0">
+                  <p:tgtEl>
+                    <p:sldTgt/>
+                  </p:tgtEl>
+                </p:cond>
+              </p:prevCondLst>
+              <p:nextCondLst>
+                <p:cond evt="onNext" delay="0">
+                  <p:tgtEl>
+                    <p:sldTgt/>
+                  </p:tgtEl>
+                </p:cond>
+              </p:nextCondLst>
+            </p:seq>
+          </p:childTnLst>
+        </p:cTn>
+      </p:par>
+    </p:tnLst>
+  </p:timing>
+</p:sld>
+</file>
+
 <file path=ppt/slides/slide23.xml><?xml version="1.0" encoding="utf-8"?>
+<p:sld xmlns:a="http://schemas.openxmlformats.org/drawingml/2006/main" xmlns:r="http://schemas.openxmlformats.org/officeDocument/2006/relationships" xmlns:p="http://schemas.openxmlformats.org/presentationml/2006/main">
+  <p:cSld>
+    <p:spTree>
+      <p:nvGrpSpPr>
+        <p:cNvPr id="1" name=""/>
+        <p:cNvGrpSpPr/>
+        <p:nvPr/>
+      </p:nvGrpSpPr>
+      <p:grpSpPr>
+        <a:xfrm>
+          <a:off x="0" y="0"/>
+          <a:ext cx="0" cy="0"/>
+          <a:chOff x="0" y="0"/>
+          <a:chExt cx="0" cy="0"/>
+        </a:xfrm>
+      </p:grpSpPr>
+      <p:sp>
+        <p:nvSpPr>
+          <p:cNvPr id="2" name="TextBox 1"/>
+          <p:cNvSpPr txBox="1"/>
+          <p:nvPr/>
+        </p:nvSpPr>
+        <p:spPr>
+          <a:xfrm>
+            <a:off x="836320" y="98490"/>
+            <a:ext cx="5463872" cy="646331"/>
+          </a:xfrm>
+          <a:prstGeom prst="rect">
+            <a:avLst/>
+          </a:prstGeom>
+          <a:noFill/>
+        </p:spPr>
+        <p:txBody>
+          <a:bodyPr wrap="square" rtlCol="0">
+            <a:spAutoFit/>
+          </a:bodyPr>
+          <a:lstStyle/>
+          <a:p>
+            <a:r>
+              <a:rPr lang="en-GB" sz="3600" dirty="0" smtClean="0"/>
+              <a:t>Conclusions</a:t>
+            </a:r>
+            <a:endParaRPr lang="en-GB" sz="3600" dirty="0"/>
+          </a:p>
+        </p:txBody>
+      </p:sp>
+      <mc:AlternateContent xmlns:mc="http://schemas.openxmlformats.org/markup-compatibility/2006">
+        <mc:Choice xmlns:a14="http://schemas.microsoft.com/office/drawing/2010/main" Requires="a14">
+          <p:sp>
+            <p:nvSpPr>
+              <p:cNvPr id="4" name="TextBox 3"/>
+              <p:cNvSpPr txBox="1"/>
+              <p:nvPr/>
+            </p:nvSpPr>
+            <p:spPr>
+              <a:xfrm>
+                <a:off x="992595" y="1052736"/>
+                <a:ext cx="7848872" cy="7294305"/>
+              </a:xfrm>
+              <a:prstGeom prst="rect">
+                <a:avLst/>
+              </a:prstGeom>
+              <a:noFill/>
+            </p:spPr>
+            <p:txBody>
+              <a:bodyPr wrap="square" rtlCol="0">
+                <a:spAutoFit/>
+              </a:bodyPr>
+              <a:lstStyle/>
+              <a:p>
+                <a:pPr marL="457200" indent="-457200">
+                  <a:buFont typeface="+mj-lt"/>
+                  <a:buAutoNum type="arabicPeriod"/>
+                </a:pPr>
+                <a:r>
+                  <a:rPr lang="en-GB" sz="2400" dirty="0" smtClean="0"/>
+                  <a:t>Integrated information is negatively correlated with the cost of waste. Thus it does have a tangible meaning.</a:t>
+                </a:r>
+                <a:endParaRPr lang="en-GB" sz="2400" dirty="0"/>
+              </a:p>
+              <a:p>
+                <a:pPr marL="457200" indent="-457200">
+                  <a:buFont typeface="+mj-lt"/>
+                  <a:buAutoNum type="arabicPeriod"/>
+                </a:pPr>
+                <a:endParaRPr lang="en-GB" sz="2400" dirty="0" smtClean="0"/>
+              </a:p>
+              <a:p>
+                <a:pPr marL="457200" indent="-457200">
+                  <a:buFont typeface="+mj-lt"/>
+                  <a:buAutoNum type="arabicPeriod"/>
+                </a:pPr>
+                <a:r>
+                  <a:rPr lang="en-GB" sz="2400" dirty="0" smtClean="0"/>
+                  <a:t>IIT has 2 main problems which restrict its applicability:</a:t>
+                </a:r>
+              </a:p>
+              <a:p>
+                <a:pPr marL="914400" lvl="1" indent="-457200">
+                  <a:buFont typeface="+mj-lt"/>
+                  <a:buAutoNum type="arabicPeriod"/>
+                </a:pPr>
+                <a:r>
+                  <a:rPr lang="en-GB" sz="2400" dirty="0" smtClean="0"/>
+                  <a:t>Computation of integrated information scales at a rate which make it infeasible to calculate on large scales.</a:t>
+                </a:r>
+              </a:p>
+              <a:p>
+                <a:pPr marL="914400" lvl="1" indent="-457200">
+                  <a:buFont typeface="+mj-lt"/>
+                  <a:buAutoNum type="arabicPeriod"/>
+                </a:pPr>
+                <a:r>
+                  <a:rPr lang="en-GB" sz="2400" dirty="0" smtClean="0"/>
+                  <a:t>IIT requires knowledge of all possible states of the system, which in practice may not be available.</a:t>
+                </a:r>
+              </a:p>
+              <a:p>
+                <a:pPr marL="914400" lvl="1" indent="-457200">
+                  <a:buFont typeface="+mj-lt"/>
+                  <a:buAutoNum type="arabicPeriod"/>
+                </a:pPr>
+                <a:endParaRPr lang="en-GB" sz="2400" dirty="0"/>
+              </a:p>
+              <a:p>
+                <a:pPr marL="457200" indent="-457200">
+                  <a:buFont typeface="+mj-lt"/>
+                  <a:buAutoNum type="arabicPeriod"/>
+                </a:pPr>
+                <a:r>
+                  <a:rPr lang="en-GB" sz="2400" dirty="0" smtClean="0"/>
+                  <a:t>For computing </a:t>
+                </a:r>
+                <a14:m>
+                  <m:oMath xmlns:m="http://schemas.openxmlformats.org/officeDocument/2006/math">
+                    <m:r>
+                      <m:rPr>
+                        <m:sty m:val="p"/>
+                      </m:rPr>
+                      <a:rPr lang="en-GB" sz="2400" b="0" i="0" smtClean="0">
+                        <a:latin typeface="Cambria Math"/>
+                      </a:rPr>
+                      <m:t>Φ</m:t>
+                    </m:r>
+                  </m:oMath>
+                </a14:m>
+                <a:r>
+                  <a:rPr lang="en-GB" sz="2400" dirty="0" smtClean="0"/>
+                  <a:t> actually beneficial we would either need it to be faster to compute than cost, or we would need to understand its inner workings so to construct networks of large </a:t>
+                </a:r>
+                <a14:m>
+                  <m:oMath xmlns:m="http://schemas.openxmlformats.org/officeDocument/2006/math">
+                    <m:r>
+                      <m:rPr>
+                        <m:sty m:val="p"/>
+                      </m:rPr>
+                      <a:rPr lang="en-GB" sz="2400" b="0" i="0" smtClean="0">
+                        <a:latin typeface="Cambria Math"/>
+                      </a:rPr>
+                      <m:t>Φ</m:t>
+                    </m:r>
+                  </m:oMath>
+                </a14:m>
+                <a:r>
+                  <a:rPr lang="en-GB" sz="2400" dirty="0" smtClean="0"/>
+                  <a:t> directly.</a:t>
+                </a:r>
+              </a:p>
+              <a:p>
+                <a:pPr marL="457200" indent="-457200">
+                  <a:buFont typeface="+mj-lt"/>
+                  <a:buAutoNum type="arabicPeriod"/>
+                </a:pPr>
+                <a:endParaRPr lang="en-GB" sz="2400" dirty="0" smtClean="0"/>
+              </a:p>
+              <a:p>
+                <a:pPr marL="457200" indent="-457200">
+                  <a:buFont typeface="+mj-lt"/>
+                  <a:buAutoNum type="arabicPeriod"/>
+                </a:pPr>
+                <a:endParaRPr lang="en-GB" sz="2400" dirty="0" smtClean="0"/>
+              </a:p>
+              <a:p>
+                <a:pPr marL="457200" indent="-457200">
+                  <a:buFont typeface="+mj-lt"/>
+                  <a:buAutoNum type="arabicPeriod"/>
+                </a:pPr>
+                <a:endParaRPr lang="en-GB" sz="2400" dirty="0"/>
+              </a:p>
+              <a:p>
+                <a:pPr marL="457200" indent="-457200">
+                  <a:buFont typeface="+mj-lt"/>
+                  <a:buAutoNum type="arabicPeriod"/>
+                </a:pPr>
+                <a:endParaRPr lang="en-GB" sz="2400" dirty="0" smtClean="0"/>
+              </a:p>
+              <a:p>
+                <a:pPr marL="457200" indent="-457200">
+                  <a:buFont typeface="+mj-lt"/>
+                  <a:buAutoNum type="arabicPeriod"/>
+                </a:pPr>
+                <a:endParaRPr lang="en-GB" sz="2000" dirty="0"/>
+              </a:p>
+              <a:p>
+                <a:pPr marL="457200" indent="-457200">
+                  <a:buFont typeface="+mj-lt"/>
+                  <a:buAutoNum type="arabicPeriod"/>
+                </a:pPr>
+                <a:endParaRPr lang="en-GB" sz="2000" dirty="0" smtClean="0"/>
+              </a:p>
+              <a:p>
+                <a:pPr marL="457200" indent="-457200">
+                  <a:buFont typeface="+mj-lt"/>
+                  <a:buAutoNum type="arabicPeriod"/>
+                </a:pPr>
+                <a:endParaRPr lang="en-GB" sz="2000" dirty="0"/>
+              </a:p>
+            </p:txBody>
+          </p:sp>
+        </mc:Choice>
+        <mc:Fallback>
+          <p:sp>
+            <p:nvSpPr>
+              <p:cNvPr id="4" name="TextBox 3"/>
+              <p:cNvSpPr txBox="1">
+                <a:spLocks noRot="1" noChangeAspect="1" noMove="1" noResize="1" noEditPoints="1" noAdjustHandles="1" noChangeArrowheads="1" noChangeShapeType="1" noTextEdit="1"/>
+              </p:cNvSpPr>
+              <p:nvPr/>
+            </p:nvSpPr>
+            <p:spPr>
+              <a:xfrm>
+                <a:off x="992595" y="1052736"/>
+                <a:ext cx="7848872" cy="7294305"/>
+              </a:xfrm>
+              <a:prstGeom prst="rect">
+                <a:avLst/>
+              </a:prstGeom>
+              <a:blipFill rotWithShape="1">
+                <a:blip r:embed="rId2"/>
+                <a:stretch>
+                  <a:fillRect l="-1243" t="-753" r="-1632"/>
+                </a:stretch>
+              </a:blipFill>
+            </p:spPr>
+            <p:txBody>
+              <a:bodyPr/>
+              <a:lstStyle/>
+              <a:p>
+                <a:r>
+                  <a:rPr lang="en-GB">
+                    <a:noFill/>
+                  </a:rPr>
+                  <a:t> </a:t>
+                </a:r>
+              </a:p>
+            </p:txBody>
+          </p:sp>
+        </mc:Fallback>
+      </mc:AlternateContent>
+    </p:spTree>
+    <p:extLst>
+      <p:ext uri="{BB962C8B-B14F-4D97-AF65-F5344CB8AC3E}">
+        <p14:creationId xmlns:p14="http://schemas.microsoft.com/office/powerpoint/2010/main" val="838905715"/>
+      </p:ext>
+    </p:extLst>
+  </p:cSld>
+  <p:clrMapOvr>
+    <a:masterClrMapping/>
+  </p:clrMapOvr>
+  <p:timing>
+    <p:tnLst>
+      <p:par>
+        <p:cTn id="1" dur="indefinite" restart="never" nodeType="tmRoot">
+          <p:childTnLst>
+            <p:seq concurrent="1" nextAc="seek">
+              <p:cTn id="2" dur="indefinite" nodeType="mainSeq">
+                <p:childTnLst>
+                  <p:par>
+                    <p:cTn id="3" fill="hold">
+                      <p:stCondLst>
+                        <p:cond delay="indefinite"/>
+                      </p:stCondLst>
+                      <p:childTnLst>
+                        <p:par>
+                          <p:cTn id="4" fill="hold">
+                            <p:stCondLst>
+                              <p:cond delay="0"/>
+                            </p:stCondLst>
+                            <p:childTnLst>
+                              <p:par>
+                                <p:cTn id="5" presetID="1" presetClass="entr" presetSubtype="0" fill="hold" nodeType="clickEffect">
+                                  <p:stCondLst>
+                                    <p:cond delay="0"/>
+                                  </p:stCondLst>
+                                  <p:childTnLst>
+                                    <p:set>
+                                      <p:cBhvr>
+                                        <p:cTn id="6" dur="1" fill="hold">
+                                          <p:stCondLst>
+                                            <p:cond delay="0"/>
+                                          </p:stCondLst>
+                                        </p:cTn>
+                                        <p:tgtEl>
+                                          <p:spTgt spid="4">
+                                            <p:txEl>
+                                              <p:pRg st="2" end="2"/>
+                                            </p:txEl>
+                                          </p:spTgt>
+                                        </p:tgtEl>
+                                        <p:attrNameLst>
+                                          <p:attrName>style.visibility</p:attrName>
+                                        </p:attrNameLst>
+                                      </p:cBhvr>
+                                      <p:to>
+                                        <p:strVal val="visible"/>
+                                      </p:to>
+                                    </p:set>
+                                  </p:childTnLst>
+                                </p:cTn>
+                              </p:par>
+                              <p:par>
+                                <p:cTn id="7" presetID="1" presetClass="entr" presetSubtype="0" fill="hold" nodeType="withEffect">
+                                  <p:stCondLst>
+                                    <p:cond delay="0"/>
+                                  </p:stCondLst>
+                                  <p:childTnLst>
+                                    <p:set>
+                                      <p:cBhvr>
+                                        <p:cTn id="8" dur="1" fill="hold">
+                                          <p:stCondLst>
+                                            <p:cond delay="0"/>
+                                          </p:stCondLst>
+                                        </p:cTn>
+                                        <p:tgtEl>
+                                          <p:spTgt spid="4">
+                                            <p:txEl>
+                                              <p:pRg st="3" end="3"/>
+                                            </p:txEl>
+                                          </p:spTgt>
+                                        </p:tgtEl>
+                                        <p:attrNameLst>
+                                          <p:attrName>style.visibility</p:attrName>
+                                        </p:attrNameLst>
+                                      </p:cBhvr>
+                                      <p:to>
+                                        <p:strVal val="visible"/>
+                                      </p:to>
+                                    </p:set>
+                                  </p:childTnLst>
+                                </p:cTn>
+                              </p:par>
+                              <p:par>
+                                <p:cTn id="9" presetID="1" presetClass="entr" presetSubtype="0" fill="hold" nodeType="withEffect">
+                                  <p:stCondLst>
+                                    <p:cond delay="0"/>
+                                  </p:stCondLst>
+                                  <p:childTnLst>
+                                    <p:set>
+                                      <p:cBhvr>
+                                        <p:cTn id="10" dur="1" fill="hold">
+                                          <p:stCondLst>
+                                            <p:cond delay="0"/>
+                                          </p:stCondLst>
+                                        </p:cTn>
+                                        <p:tgtEl>
+                                          <p:spTgt spid="4">
+                                            <p:txEl>
+                                              <p:pRg st="4" end="4"/>
+                                            </p:txEl>
+                                          </p:spTgt>
+                                        </p:tgtEl>
+                                        <p:attrNameLst>
+                                          <p:attrName>style.visibility</p:attrName>
+                                        </p:attrNameLst>
+                                      </p:cBhvr>
+                                      <p:to>
+                                        <p:strVal val="visible"/>
+                                      </p:to>
+                                    </p:set>
+                                  </p:childTnLst>
+                                </p:cTn>
+                              </p:par>
+                            </p:childTnLst>
+                          </p:cTn>
+                        </p:par>
+                      </p:childTnLst>
+                    </p:cTn>
+                  </p:par>
+                  <p:par>
+                    <p:cTn id="11" fill="hold">
+                      <p:stCondLst>
+                        <p:cond delay="indefinite"/>
+                      </p:stCondLst>
+                      <p:childTnLst>
+                        <p:par>
+                          <p:cTn id="12" fill="hold">
+                            <p:stCondLst>
+                              <p:cond delay="0"/>
+                            </p:stCondLst>
+                            <p:childTnLst>
+                              <p:par>
+                                <p:cTn id="13" presetID="1" presetClass="entr" presetSubtype="0" fill="hold" nodeType="clickEffect">
+                                  <p:stCondLst>
+                                    <p:cond delay="0"/>
+                                  </p:stCondLst>
+                                  <p:childTnLst>
+                                    <p:set>
+                                      <p:cBhvr>
+                                        <p:cTn id="14" dur="1" fill="hold">
+                                          <p:stCondLst>
+                                            <p:cond delay="0"/>
+                                          </p:stCondLst>
+                                        </p:cTn>
+                                        <p:tgtEl>
+                                          <p:spTgt spid="4">
+                                            <p:txEl>
+                                              <p:pRg st="6" end="6"/>
+                                            </p:txEl>
+                                          </p:spTgt>
+                                        </p:tgtEl>
+                                        <p:attrNameLst>
+                                          <p:attrName>style.visibility</p:attrName>
+                                        </p:attrNameLst>
+                                      </p:cBhvr>
+                                      <p:to>
+                                        <p:strVal val="visible"/>
+                                      </p:to>
+                                    </p:set>
+                                  </p:childTnLst>
+                                </p:cTn>
+                              </p:par>
+                            </p:childTnLst>
+                          </p:cTn>
+                        </p:par>
+                      </p:childTnLst>
+                    </p:cTn>
+                  </p:par>
+                </p:childTnLst>
+              </p:cTn>
+              <p:prevCondLst>
+                <p:cond evt="onPrev" delay="0">
+                  <p:tgtEl>
+                    <p:sldTgt/>
+                  </p:tgtEl>
+                </p:cond>
+              </p:prevCondLst>
+              <p:nextCondLst>
+                <p:cond evt="onNext" delay="0">
+                  <p:tgtEl>
+                    <p:sldTgt/>
+                  </p:tgtEl>
+                </p:cond>
+              </p:nextCondLst>
+            </p:seq>
+          </p:childTnLst>
+        </p:cTn>
+      </p:par>
+    </p:tnLst>
+  </p:timing>
+</p:sld>
+</file>
+
+<file path=ppt/slides/slide24.xml><?xml version="1.0" encoding="utf-8"?>
 <p:sld xmlns:a="http://schemas.openxmlformats.org/drawingml/2006/main" xmlns:r="http://schemas.openxmlformats.org/officeDocument/2006/relationships" xmlns:p="http://schemas.openxmlformats.org/presentationml/2006/main">
   <p:cSld>
     <p:spTree>
@@ -28723,8 +30221,8 @@
           </a:p>
         </p:txBody>
       </p:sp>
-      <mc:AlternateContent xmlns:mc="http://schemas.openxmlformats.org/markup-compatibility/2006" xmlns:a14="http://schemas.microsoft.com/office/drawing/2010/main">
-        <mc:Choice Requires="a14">
+      <mc:AlternateContent xmlns:mc="http://schemas.openxmlformats.org/markup-compatibility/2006">
+        <mc:Choice xmlns:a14="http://schemas.microsoft.com/office/drawing/2010/main" Requires="a14">
           <p:sp>
             <p:nvSpPr>
               <p:cNvPr id="8" name="TextBox 7"/>
@@ -28733,8 +30231,8 @@
             </p:nvSpPr>
             <p:spPr>
               <a:xfrm>
-                <a:off x="971600" y="4797152"/>
-                <a:ext cx="7549060" cy="625171"/>
+                <a:off x="971599" y="4797152"/>
+                <a:ext cx="8064897" cy="625171"/>
               </a:xfrm>
               <a:prstGeom prst="rect">
                 <a:avLst/>
@@ -28822,10 +30320,10 @@
                           </m:sSubPr>
                           <m:e>
                             <m:r>
-                              <a:rPr lang="en-GB" sz="2800" i="1">
+                              <a:rPr lang="en-GB" sz="2800" b="0" i="1" smtClean="0">
                                 <a:latin typeface="Cambria Math"/>
                               </a:rPr>
-                              <m:t>𝑍</m:t>
+                              <m:t>𝐴𝐵</m:t>
                             </m:r>
                           </m:e>
                           <m:sub>
@@ -28844,16 +30342,22 @@
                           <m:t>=</m:t>
                         </m:r>
                         <m:r>
-                          <a:rPr lang="en-GB" sz="2800" i="1">
+                          <a:rPr lang="en-GB" sz="2800" b="0" i="1" smtClean="0">
                             <a:latin typeface="Cambria Math"/>
                           </a:rPr>
-                          <m:t>𝑋</m:t>
+                          <m:t>01</m:t>
                         </m:r>
                         <m:r>
                           <a:rPr lang="en-GB" sz="2800" i="1">
                             <a:latin typeface="Cambria Math"/>
                           </a:rPr>
-                          <m:t>, </m:t>
+                          <m:t>,</m:t>
+                        </m:r>
+                        <m:r>
+                          <a:rPr lang="en-GB" sz="2800" b="0" i="1" smtClean="0">
+                            <a:latin typeface="Cambria Math"/>
+                          </a:rPr>
+                          <m:t> </m:t>
                         </m:r>
                         <m:r>
                           <a:rPr lang="en-GB" sz="2800" b="0" i="1" smtClean="0">
@@ -28914,7 +30418,7 @@
             </p:txBody>
           </p:sp>
         </mc:Choice>
-        <mc:Fallback xmlns="">
+        <mc:Fallback>
           <p:sp>
             <p:nvSpPr>
               <p:cNvPr id="8" name="TextBox 7"/>
@@ -28925,8 +30429,8 @@
             </p:nvSpPr>
             <p:spPr>
               <a:xfrm>
-                <a:off x="971600" y="4797152"/>
-                <a:ext cx="7549060" cy="625171"/>
+                <a:off x="971599" y="4797152"/>
+                <a:ext cx="8064897" cy="625171"/>
               </a:xfrm>
               <a:prstGeom prst="rect">
                 <a:avLst/>
@@ -28934,7 +30438,7 @@
               <a:blipFill rotWithShape="1">
                 <a:blip r:embed="rId3"/>
                 <a:stretch>
-                  <a:fillRect l="-1614" t="-6863" b="-13725"/>
+                  <a:fillRect l="-1512" t="-6863" b="-13725"/>
                 </a:stretch>
               </a:blipFill>
             </p:spPr>
@@ -28953,8 +30457,8 @@
           </p:sp>
         </mc:Fallback>
       </mc:AlternateContent>
-      <mc:AlternateContent xmlns:mc="http://schemas.openxmlformats.org/markup-compatibility/2006" xmlns:a14="http://schemas.microsoft.com/office/drawing/2010/main">
-        <mc:Choice Requires="a14">
+      <mc:AlternateContent xmlns:mc="http://schemas.openxmlformats.org/markup-compatibility/2006">
+        <mc:Choice xmlns:a14="http://schemas.microsoft.com/office/drawing/2010/main" Requires="a14">
           <p:sp>
             <p:nvSpPr>
               <p:cNvPr id="9" name="TextBox 8"/>
@@ -29052,10 +30556,10 @@
                           </m:sSubPr>
                           <m:e>
                             <m:r>
-                              <a:rPr lang="en-GB" sz="2800" i="1">
+                              <a:rPr lang="en-GB" sz="2800" b="0" i="1" smtClean="0">
                                 <a:latin typeface="Cambria Math"/>
                               </a:rPr>
-                              <m:t>𝑍</m:t>
+                              <m:t>𝐴𝐵</m:t>
                             </m:r>
                           </m:e>
                           <m:sub>
@@ -29074,10 +30578,10 @@
                           <m:t>=</m:t>
                         </m:r>
                         <m:r>
-                          <a:rPr lang="en-GB" sz="2800" i="1">
+                          <a:rPr lang="en-GB" sz="2800" b="0" i="1" smtClean="0">
                             <a:latin typeface="Cambria Math"/>
                           </a:rPr>
-                          <m:t>𝑋</m:t>
+                          <m:t>01</m:t>
                         </m:r>
                       </m:e>
                     </m:d>
@@ -29091,7 +30595,7 @@
             </p:txBody>
           </p:sp>
         </mc:Choice>
-        <mc:Fallback xmlns="">
+        <mc:Fallback>
           <p:sp>
             <p:nvSpPr>
               <p:cNvPr id="9" name="TextBox 8"/>
@@ -29574,8 +31078,8 @@
           </a:p>
         </p:txBody>
       </p:sp>
-      <mc:AlternateContent xmlns:mc="http://schemas.openxmlformats.org/markup-compatibility/2006" xmlns:a14="http://schemas.microsoft.com/office/drawing/2010/main">
-        <mc:Choice Requires="a14">
+      <mc:AlternateContent xmlns:mc="http://schemas.openxmlformats.org/markup-compatibility/2006">
+        <mc:Choice xmlns:a14="http://schemas.microsoft.com/office/drawing/2010/main" Requires="a14">
           <p:sp>
             <p:nvSpPr>
               <p:cNvPr id="9" name="TextBox 8"/>
@@ -29584,8 +31088,8 @@
             </p:nvSpPr>
             <p:spPr>
               <a:xfrm>
-                <a:off x="1102935" y="1124744"/>
-                <a:ext cx="7704856" cy="4834400"/>
+                <a:off x="1102935" y="1412776"/>
+                <a:ext cx="7704856" cy="3540585"/>
               </a:xfrm>
               <a:prstGeom prst="rect">
                 <a:avLst/>
@@ -29793,41 +31297,10 @@
               <a:p>
                 <a:endParaRPr lang="en-GB" sz="2800" dirty="0"/>
               </a:p>
-              <a:p>
-                <a:r>
-                  <a:rPr lang="en-GB" sz="2800" dirty="0" smtClean="0"/>
-                  <a:t>The </a:t>
-                </a:r>
-                <a:r>
-                  <a:rPr lang="en-GB" sz="2800" i="1" dirty="0" smtClean="0"/>
-                  <a:t>Conceptual Information </a:t>
-                </a:r>
-                <a:r>
-                  <a:rPr lang="en-GB" sz="2800" dirty="0" smtClean="0"/>
-                  <a:t>of a system, is the Distance between its </a:t>
-                </a:r>
-                <a:r>
-                  <a:rPr lang="en-GB" sz="2800" i="1" dirty="0" smtClean="0"/>
-                  <a:t>constellation</a:t>
-                </a:r>
-                <a:r>
-                  <a:rPr lang="en-GB" sz="2800" dirty="0" smtClean="0"/>
-                  <a:t>, and the unconstrained </a:t>
-                </a:r>
-                <a:r>
-                  <a:rPr lang="en-GB" sz="2800" i="1" dirty="0" smtClean="0"/>
-                  <a:t>constellation</a:t>
-                </a:r>
-                <a:r>
-                  <a:rPr lang="en-GB" sz="2800" dirty="0" smtClean="0"/>
-                  <a:t>.</a:t>
-                </a:r>
-                <a:endParaRPr lang="en-GB" sz="2800" dirty="0"/>
-              </a:p>
             </p:txBody>
           </p:sp>
         </mc:Choice>
-        <mc:Fallback xmlns="">
+        <mc:Fallback>
           <p:sp>
             <p:nvSpPr>
               <p:cNvPr id="9" name="TextBox 8"/>
@@ -29838,8 +31311,8 @@
             </p:nvSpPr>
             <p:spPr>
               <a:xfrm>
-                <a:off x="1102935" y="1124744"/>
-                <a:ext cx="7704856" cy="4834400"/>
+                <a:off x="1102935" y="1412776"/>
+                <a:ext cx="7704856" cy="3540585"/>
               </a:xfrm>
               <a:prstGeom prst="rect">
                 <a:avLst/>
@@ -29847,7 +31320,7 @@
               <a:blipFill rotWithShape="1">
                 <a:blip r:embed="rId2"/>
                 <a:stretch>
-                  <a:fillRect l="-1661" t="-1135" b="-2648"/>
+                  <a:fillRect l="-1661" t="-1549"/>
                 </a:stretch>
               </a:blipFill>
             </p:spPr>
